--- a/Document/Report/Presentation/OOPMS_Presentation_v1.0.pptx
+++ b/Document/Report/Presentation/OOPMS_Presentation_v1.0.pptx
@@ -5,7 +5,7 @@
     <p:sldMasterId id="2147483696" r:id="rId1"/>
   </p:sldMasterIdLst>
   <p:notesMasterIdLst>
-    <p:notesMasterId r:id="rId34"/>
+    <p:notesMasterId r:id="rId33"/>
   </p:notesMasterIdLst>
   <p:sldIdLst>
     <p:sldId id="258" r:id="rId2"/>
@@ -26,20 +26,19 @@
     <p:sldId id="274" r:id="rId17"/>
     <p:sldId id="275" r:id="rId18"/>
     <p:sldId id="276" r:id="rId19"/>
-    <p:sldId id="277" r:id="rId20"/>
-    <p:sldId id="278" r:id="rId21"/>
-    <p:sldId id="279" r:id="rId22"/>
-    <p:sldId id="280" r:id="rId23"/>
-    <p:sldId id="281" r:id="rId24"/>
-    <p:sldId id="282" r:id="rId25"/>
-    <p:sldId id="283" r:id="rId26"/>
-    <p:sldId id="284" r:id="rId27"/>
-    <p:sldId id="285" r:id="rId28"/>
-    <p:sldId id="286" r:id="rId29"/>
-    <p:sldId id="287" r:id="rId30"/>
-    <p:sldId id="288" r:id="rId31"/>
-    <p:sldId id="289" r:id="rId32"/>
-    <p:sldId id="290" r:id="rId33"/>
+    <p:sldId id="278" r:id="rId20"/>
+    <p:sldId id="279" r:id="rId21"/>
+    <p:sldId id="280" r:id="rId22"/>
+    <p:sldId id="281" r:id="rId23"/>
+    <p:sldId id="282" r:id="rId24"/>
+    <p:sldId id="283" r:id="rId25"/>
+    <p:sldId id="284" r:id="rId26"/>
+    <p:sldId id="285" r:id="rId27"/>
+    <p:sldId id="286" r:id="rId28"/>
+    <p:sldId id="287" r:id="rId29"/>
+    <p:sldId id="288" r:id="rId30"/>
+    <p:sldId id="289" r:id="rId31"/>
+    <p:sldId id="290" r:id="rId32"/>
   </p:sldIdLst>
   <p:sldSz cx="9144000" cy="6858000" type="screen4x3"/>
   <p:notesSz cx="6858000" cy="9144000"/>
@@ -223,7 +222,7 @@
           <a:p>
             <a:fld id="{D5E9D448-0590-4949-815A-626CF08257EE}" type="datetimeFigureOut">
               <a:rPr lang="en-US" smtClean="0"/>
-              <a:t>8/12/2012</a:t>
+              <a:t>8/15/2012</a:t>
             </a:fld>
             <a:endParaRPr lang="en-US"/>
           </a:p>
@@ -917,7 +916,7 @@
             <a:fld id="{1D8BD707-D9CF-40AE-B4C6-C98DA3205C09}" type="datetimeFigureOut">
               <a:rPr lang="en-US" smtClean="0"/>
               <a:pPr/>
-              <a:t>8/12/2012</a:t>
+              <a:t>8/15/2012</a:t>
             </a:fld>
             <a:endParaRPr lang="en-US"/>
           </a:p>
@@ -1084,7 +1083,7 @@
             <a:fld id="{1D8BD707-D9CF-40AE-B4C6-C98DA3205C09}" type="datetimeFigureOut">
               <a:rPr lang="en-US" smtClean="0"/>
               <a:pPr/>
-              <a:t>8/12/2012</a:t>
+              <a:t>8/15/2012</a:t>
             </a:fld>
             <a:endParaRPr lang="en-US"/>
           </a:p>
@@ -1261,7 +1260,7 @@
             <a:fld id="{1D8BD707-D9CF-40AE-B4C6-C98DA3205C09}" type="datetimeFigureOut">
               <a:rPr lang="en-US" smtClean="0"/>
               <a:pPr/>
-              <a:t>8/12/2012</a:t>
+              <a:t>8/15/2012</a:t>
             </a:fld>
             <a:endParaRPr lang="en-US"/>
           </a:p>
@@ -1428,7 +1427,7 @@
             <a:fld id="{1D8BD707-D9CF-40AE-B4C6-C98DA3205C09}" type="datetimeFigureOut">
               <a:rPr lang="en-US" smtClean="0"/>
               <a:pPr/>
-              <a:t>8/12/2012</a:t>
+              <a:t>8/15/2012</a:t>
             </a:fld>
             <a:endParaRPr lang="en-US"/>
           </a:p>
@@ -1672,7 +1671,7 @@
             <a:fld id="{1D8BD707-D9CF-40AE-B4C6-C98DA3205C09}" type="datetimeFigureOut">
               <a:rPr lang="en-US" smtClean="0"/>
               <a:pPr/>
-              <a:t>8/12/2012</a:t>
+              <a:t>8/15/2012</a:t>
             </a:fld>
             <a:endParaRPr lang="en-US"/>
           </a:p>
@@ -1938,7 +1937,7 @@
             <a:fld id="{1D8BD707-D9CF-40AE-B4C6-C98DA3205C09}" type="datetimeFigureOut">
               <a:rPr lang="en-US" smtClean="0"/>
               <a:pPr/>
-              <a:t>8/12/2012</a:t>
+              <a:t>8/15/2012</a:t>
             </a:fld>
             <a:endParaRPr lang="en-US"/>
           </a:p>
@@ -2318,7 +2317,7 @@
             <a:fld id="{1D8BD707-D9CF-40AE-B4C6-C98DA3205C09}" type="datetimeFigureOut">
               <a:rPr lang="en-US" smtClean="0"/>
               <a:pPr/>
-              <a:t>8/12/2012</a:t>
+              <a:t>8/15/2012</a:t>
             </a:fld>
             <a:endParaRPr lang="en-US"/>
           </a:p>
@@ -2470,7 +2469,7 @@
             <a:fld id="{1D8BD707-D9CF-40AE-B4C6-C98DA3205C09}" type="datetimeFigureOut">
               <a:rPr lang="en-US" smtClean="0"/>
               <a:pPr/>
-              <a:t>8/12/2012</a:t>
+              <a:t>8/15/2012</a:t>
             </a:fld>
             <a:endParaRPr lang="en-US"/>
           </a:p>
@@ -2562,7 +2561,7 @@
             <a:fld id="{1D8BD707-D9CF-40AE-B4C6-C98DA3205C09}" type="datetimeFigureOut">
               <a:rPr lang="en-US" smtClean="0"/>
               <a:pPr/>
-              <a:t>8/12/2012</a:t>
+              <a:t>8/15/2012</a:t>
             </a:fld>
             <a:endParaRPr lang="en-US"/>
           </a:p>
@@ -2825,7 +2824,7 @@
             <a:fld id="{1D8BD707-D9CF-40AE-B4C6-C98DA3205C09}" type="datetimeFigureOut">
               <a:rPr lang="en-US" smtClean="0"/>
               <a:pPr/>
-              <a:t>8/12/2012</a:t>
+              <a:t>8/15/2012</a:t>
             </a:fld>
             <a:endParaRPr lang="en-US"/>
           </a:p>
@@ -3115,7 +3114,7 @@
             <a:fld id="{1D8BD707-D9CF-40AE-B4C6-C98DA3205C09}" type="datetimeFigureOut">
               <a:rPr lang="en-US" smtClean="0"/>
               <a:pPr/>
-              <a:t>8/12/2012</a:t>
+              <a:t>8/15/2012</a:t>
             </a:fld>
             <a:endParaRPr lang="en-US"/>
           </a:p>
@@ -3888,7 +3887,7 @@
             <a:fld id="{1D8BD707-D9CF-40AE-B4C6-C98DA3205C09}" type="datetimeFigureOut">
               <a:rPr lang="en-US" smtClean="0"/>
               <a:pPr/>
-              <a:t>8/12/2012</a:t>
+              <a:t>8/15/2012</a:t>
             </a:fld>
             <a:endParaRPr lang="en-US"/>
           </a:p>
@@ -5118,17 +5117,7 @@
                 <a:latin typeface="Adobe Caslon Pro Bold" pitchFamily="18" charset="0"/>
                 <a:ea typeface="Adobe Fan Heiti Std B" pitchFamily="34" charset="-128"/>
               </a:rPr>
-              <a:t>System </a:t>
-            </a:r>
-            <a:r>
-              <a:rPr lang="en-US" sz="4000" dirty="0" smtClean="0">
-                <a:solidFill>
-                  <a:srgbClr val="FFC000"/>
-                </a:solidFill>
-                <a:latin typeface="Adobe Caslon Pro Bold" pitchFamily="18" charset="0"/>
-                <a:ea typeface="Adobe Fan Heiti Std B" pitchFamily="34" charset="-128"/>
-              </a:rPr>
-              <a:t>Overview</a:t>
+              <a:t>System Overview</a:t>
             </a:r>
           </a:p>
           <a:p>
@@ -5263,13 +5252,6 @@
               </a:rPr>
               <a:t>	</a:t>
             </a:r>
-            <a:endParaRPr lang="en-US" sz="4000" dirty="0" smtClean="0">
-              <a:solidFill>
-                <a:srgbClr val="FFC000"/>
-              </a:solidFill>
-              <a:latin typeface="Adobe Caslon Pro Bold" pitchFamily="18" charset="0"/>
-              <a:ea typeface="Adobe Fan Heiti Std B" pitchFamily="34" charset="-128"/>
-            </a:endParaRPr>
           </a:p>
         </p:txBody>
       </p:sp>
@@ -6366,19 +6348,7 @@
               <a:rPr lang="en-US" dirty="0" smtClean="0">
                 <a:latin typeface="Book Antiqua" pitchFamily="18" charset="0"/>
               </a:rPr>
-              <a:t>. </a:t>
-            </a:r>
-            <a:r>
-              <a:rPr lang="en-US" dirty="0" smtClean="0">
-                <a:latin typeface="Book Antiqua" pitchFamily="18" charset="0"/>
-              </a:rPr>
-              <a:t>IDE</a:t>
-            </a:r>
-            <a:r>
-              <a:rPr lang="en-US" dirty="0" smtClean="0">
-                <a:latin typeface="Book Antiqua" pitchFamily="18" charset="0"/>
-              </a:rPr>
-              <a:t>: Eclipse</a:t>
+              <a:t>. IDE: Eclipse</a:t>
             </a:r>
             <a:endParaRPr lang="en-US" dirty="0">
               <a:latin typeface="Book Antiqua" pitchFamily="18" charset="0"/>
@@ -6390,13 +6360,7 @@
               <a:rPr lang="en-US" dirty="0" smtClean="0">
                 <a:latin typeface="Book Antiqua" pitchFamily="18" charset="0"/>
               </a:rPr>
-              <a:t>. DBMS</a:t>
-            </a:r>
-            <a:r>
-              <a:rPr lang="en-US" dirty="0" smtClean="0">
-                <a:latin typeface="Book Antiqua" pitchFamily="18" charset="0"/>
-              </a:rPr>
-              <a:t>: Oracle</a:t>
+              <a:t>. DBMS: Oracle</a:t>
             </a:r>
             <a:endParaRPr lang="en-US" dirty="0">
               <a:latin typeface="Book Antiqua" pitchFamily="18" charset="0"/>
@@ -7171,18 +7135,7 @@
                 </a:solidFill>
                 <a:latin typeface="Book Antiqua" pitchFamily="18" charset="0"/>
               </a:rPr>
-              <a:t>technologies</a:t>
-            </a:r>
-            <a:r>
-              <a:rPr lang="en-US" b="1" dirty="0" smtClean="0">
-                <a:solidFill>
-                  <a:schemeClr val="accent6">
-                    <a:lumMod val="50000"/>
-                  </a:schemeClr>
-                </a:solidFill>
-                <a:latin typeface="Book Antiqua" pitchFamily="18" charset="0"/>
-              </a:rPr>
-              <a:t>: </a:t>
+              <a:t>technologies: </a:t>
             </a:r>
             <a:r>
               <a:rPr lang="en-US" b="1" dirty="0" err="1" smtClean="0">
@@ -7292,18 +7245,7 @@
                 </a:solidFill>
                 <a:latin typeface="Book Antiqua" pitchFamily="18" charset="0"/>
               </a:rPr>
-              <a:t>technologies</a:t>
-            </a:r>
-            <a:r>
-              <a:rPr lang="en-US" b="1" dirty="0" smtClean="0">
-                <a:solidFill>
-                  <a:schemeClr val="accent6">
-                    <a:lumMod val="50000"/>
-                  </a:schemeClr>
-                </a:solidFill>
-                <a:latin typeface="Book Antiqua" pitchFamily="18" charset="0"/>
-              </a:rPr>
-              <a:t>: Hibernate</a:t>
+              <a:t>technologies: Hibernate</a:t>
             </a:r>
             <a:br>
               <a:rPr lang="en-US" b="1" dirty="0" smtClean="0">
@@ -7335,18 +7277,7 @@
                 </a:solidFill>
                 <a:latin typeface="Book Antiqua" pitchFamily="18" charset="0"/>
               </a:rPr>
-              <a:t>Tools</a:t>
-            </a:r>
-            <a:r>
-              <a:rPr lang="en-US" b="1" dirty="0" smtClean="0">
-                <a:solidFill>
-                  <a:schemeClr val="accent6">
-                    <a:lumMod val="50000"/>
-                  </a:schemeClr>
-                </a:solidFill>
-                <a:latin typeface="Book Antiqua" pitchFamily="18" charset="0"/>
-              </a:rPr>
-              <a:t>: Eclipse, Android SDK, notepad++, Oracle, </a:t>
+              <a:t>Tools: Eclipse, Android SDK, notepad++, Oracle, </a:t>
             </a:r>
             <a:r>
               <a:rPr lang="en-US" b="1" dirty="0" err="1" smtClean="0">
@@ -8308,22 +8239,13 @@
               </a:rPr>
               <a:t>Project info: </a:t>
             </a:r>
-            <a:endParaRPr lang="en-US" dirty="0" smtClean="0">
-              <a:latin typeface="Traveling _Typewriter" pitchFamily="2" charset="0"/>
-            </a:endParaRPr>
           </a:p>
           <a:p>
             <a:r>
               <a:rPr lang="en-US" dirty="0" smtClean="0">
                 <a:latin typeface="Traveling _Typewriter" pitchFamily="2" charset="0"/>
               </a:rPr>
-              <a:t>      </a:t>
-            </a:r>
-            <a:r>
-              <a:rPr lang="en-US" dirty="0" smtClean="0">
-                <a:latin typeface="Traveling _Typewriter" pitchFamily="2" charset="0"/>
-              </a:rPr>
-              <a:t>cost, product, stage, risk, issue…</a:t>
+              <a:t>      cost, product, stage, risk, issue…</a:t>
             </a:r>
             <a:endParaRPr lang="en-US" dirty="0">
               <a:latin typeface="Traveling _Typewriter" pitchFamily="2" charset="0"/>
@@ -12606,1170 +12528,6 @@
                       <a:shade val="46275"/>
                       <a:invGamma/>
                     </a:srgbClr>
-                  </a:gs>
-                </a:gsLst>
-                <a:lin ang="5400000" scaled="1"/>
-              </a:gradFill>
-              <a:ln>
-                <a:noFill/>
-              </a:ln>
-              <a:extLst>
-                <a:ext uri="{91240B29-F687-4F45-9708-019B960494DF}">
-                  <a14:hiddenLine xmlns:a14="http://schemas.microsoft.com/office/drawing/2010/main" w="9525">
-                    <a:solidFill>
-                      <a:srgbClr val="000000"/>
-                    </a:solidFill>
-                    <a:miter lim="800000"/>
-                    <a:headEnd/>
-                    <a:tailEnd/>
-                  </a14:hiddenLine>
-                </a:ext>
-              </a:extLst>
-            </p:spPr>
-            <p:txBody>
-              <a:bodyPr/>
-              <a:lstStyle/>
-              <a:p>
-                <a:endParaRPr lang="en-US"/>
-              </a:p>
-            </p:txBody>
-          </p:sp>
-        </p:grpSp>
-      </p:grpSp>
-      <p:sp>
-        <p:nvSpPr>
-          <p:cNvPr id="67" name="Rectangle 66"/>
-          <p:cNvSpPr>
-            <a:spLocks noChangeArrowheads="1"/>
-          </p:cNvSpPr>
-          <p:nvPr/>
-        </p:nvSpPr>
-        <p:spPr bwMode="auto">
-          <a:xfrm>
-            <a:off x="1554293" y="5334000"/>
-            <a:ext cx="4800600" cy="523220"/>
-          </a:xfrm>
-          <a:prstGeom prst="rect">
-            <a:avLst/>
-          </a:prstGeom>
-          <a:noFill/>
-          <a:ln>
-            <a:noFill/>
-          </a:ln>
-          <a:effectLst/>
-          <a:extLst>
-            <a:ext uri="{909E8E84-426E-40DD-AFC4-6F175D3DCCD1}">
-              <a14:hiddenFill xmlns:a14="http://schemas.microsoft.com/office/drawing/2010/main">
-                <a:solidFill>
-                  <a:schemeClr val="accent1"/>
-                </a:solidFill>
-              </a14:hiddenFill>
-            </a:ext>
-            <a:ext uri="{91240B29-F687-4F45-9708-019B960494DF}">
-              <a14:hiddenLine xmlns:a14="http://schemas.microsoft.com/office/drawing/2010/main" w="9525" algn="ctr">
-                <a:solidFill>
-                  <a:schemeClr val="tx1"/>
-                </a:solidFill>
-                <a:miter lim="800000"/>
-                <a:headEnd/>
-                <a:tailEnd/>
-              </a14:hiddenLine>
-            </a:ext>
-            <a:ext uri="{AF507438-7753-43E0-B8FC-AC1667EBCBE1}">
-              <a14:hiddenEffects xmlns:a14="http://schemas.microsoft.com/office/drawing/2010/main">
-                <a:effectLst>
-                  <a:outerShdw dist="35921" dir="2700000" algn="ctr" rotWithShape="0">
-                    <a:schemeClr val="bg2"/>
-                  </a:outerShdw>
-                </a:effectLst>
-              </a14:hiddenEffects>
-            </a:ext>
-          </a:extLst>
-        </p:spPr>
-        <p:txBody>
-          <a:bodyPr wrap="square">
-            <a:spAutoFit/>
-          </a:bodyPr>
-          <a:lstStyle/>
-          <a:p>
-            <a:pPr eaLnBrk="0" hangingPunct="0"/>
-            <a:r>
-              <a:rPr lang="en-US" sz="2800" dirty="0" smtClean="0">
-                <a:solidFill>
-                  <a:srgbClr val="000000"/>
-                </a:solidFill>
-                <a:latin typeface="Times New Roman" pitchFamily="18" charset="0"/>
-              </a:rPr>
-              <a:t>ENTITY RELATIONSHIP</a:t>
-            </a:r>
-            <a:endParaRPr lang="en-US" sz="2800" dirty="0">
-              <a:solidFill>
-                <a:srgbClr val="000000"/>
-              </a:solidFill>
-              <a:latin typeface="Times New Roman" pitchFamily="18" charset="0"/>
-            </a:endParaRPr>
-          </a:p>
-        </p:txBody>
-      </p:sp>
-      <p:grpSp>
-        <p:nvGrpSpPr>
-          <p:cNvPr id="68" name="Group 67"/>
-          <p:cNvGrpSpPr>
-            <a:grpSpLocks/>
-          </p:cNvGrpSpPr>
-          <p:nvPr/>
-        </p:nvGrpSpPr>
-        <p:grpSpPr bwMode="auto">
-          <a:xfrm>
-            <a:off x="1173293" y="5644911"/>
-            <a:ext cx="5867400" cy="533400"/>
-            <a:chOff x="960" y="1536"/>
-            <a:chExt cx="3696" cy="336"/>
-          </a:xfrm>
-        </p:grpSpPr>
-        <p:grpSp>
-          <p:nvGrpSpPr>
-            <p:cNvPr id="69" name="Group 68"/>
-            <p:cNvGrpSpPr>
-              <a:grpSpLocks/>
-            </p:cNvGrpSpPr>
-            <p:nvPr/>
-          </p:nvGrpSpPr>
-          <p:grpSpPr bwMode="auto">
-            <a:xfrm>
-              <a:off x="1103" y="1670"/>
-              <a:ext cx="3553" cy="68"/>
-              <a:chOff x="528" y="1824"/>
-              <a:chExt cx="4512" cy="71"/>
-            </a:xfrm>
-          </p:grpSpPr>
-          <p:sp>
-            <p:nvSpPr>
-              <p:cNvPr id="105" name="Rectangle 31"/>
-              <p:cNvSpPr>
-                <a:spLocks noChangeArrowheads="1"/>
-              </p:cNvSpPr>
-              <p:nvPr/>
-            </p:nvSpPr>
-            <p:spPr bwMode="gray">
-              <a:xfrm>
-                <a:off x="528" y="1844"/>
-                <a:ext cx="4512" cy="31"/>
-              </a:xfrm>
-              <a:prstGeom prst="rect">
-                <a:avLst/>
-              </a:prstGeom>
-              <a:gradFill rotWithShape="0">
-                <a:gsLst>
-                  <a:gs pos="0">
-                    <a:srgbClr val="006699"/>
-                  </a:gs>
-                  <a:gs pos="100000">
-                    <a:srgbClr val="006699">
-                      <a:gamma/>
-                      <a:shade val="46275"/>
-                      <a:invGamma/>
-                      <a:alpha val="0"/>
-                    </a:srgbClr>
-                  </a:gs>
-                </a:gsLst>
-                <a:lin ang="0" scaled="1"/>
-              </a:gradFill>
-              <a:ln>
-                <a:noFill/>
-              </a:ln>
-              <a:effectLst/>
-              <a:extLst>
-                <a:ext uri="{91240B29-F687-4F45-9708-019B960494DF}">
-                  <a14:hiddenLine xmlns:a14="http://schemas.microsoft.com/office/drawing/2010/main" w="9525">
-                    <a:solidFill>
-                      <a:schemeClr val="tx1"/>
-                    </a:solidFill>
-                    <a:miter lim="800000"/>
-                    <a:headEnd/>
-                    <a:tailEnd/>
-                  </a14:hiddenLine>
-                </a:ext>
-                <a:ext uri="{AF507438-7753-43E0-B8FC-AC1667EBCBE1}">
-                  <a14:hiddenEffects xmlns:a14="http://schemas.microsoft.com/office/drawing/2010/main">
-                    <a:effectLst>
-                      <a:outerShdw dist="35921" dir="2700000" algn="ctr" rotWithShape="0">
-                        <a:schemeClr val="bg2"/>
-                      </a:outerShdw>
-                    </a:effectLst>
-                  </a14:hiddenEffects>
-                </a:ext>
-              </a:extLst>
-            </p:spPr>
-            <p:txBody>
-              <a:bodyPr wrap="none" anchor="ctr"/>
-              <a:lstStyle/>
-              <a:p>
-                <a:endParaRPr lang="en-US"/>
-              </a:p>
-            </p:txBody>
-          </p:sp>
-          <p:sp>
-            <p:nvSpPr>
-              <p:cNvPr id="106" name="Rectangle 32"/>
-              <p:cNvSpPr>
-                <a:spLocks noChangeArrowheads="1"/>
-              </p:cNvSpPr>
-              <p:nvPr/>
-            </p:nvSpPr>
-            <p:spPr bwMode="gray">
-              <a:xfrm>
-                <a:off x="528" y="1885"/>
-                <a:ext cx="4512" cy="10"/>
-              </a:xfrm>
-              <a:prstGeom prst="rect">
-                <a:avLst/>
-              </a:prstGeom>
-              <a:gradFill rotWithShape="0">
-                <a:gsLst>
-                  <a:gs pos="0">
-                    <a:srgbClr val="006699"/>
-                  </a:gs>
-                  <a:gs pos="100000">
-                    <a:srgbClr val="006699">
-                      <a:gamma/>
-                      <a:shade val="46275"/>
-                      <a:invGamma/>
-                      <a:alpha val="0"/>
-                    </a:srgbClr>
-                  </a:gs>
-                </a:gsLst>
-                <a:lin ang="0" scaled="1"/>
-              </a:gradFill>
-              <a:ln>
-                <a:noFill/>
-              </a:ln>
-              <a:effectLst/>
-              <a:extLst>
-                <a:ext uri="{91240B29-F687-4F45-9708-019B960494DF}">
-                  <a14:hiddenLine xmlns:a14="http://schemas.microsoft.com/office/drawing/2010/main" w="9525">
-                    <a:solidFill>
-                      <a:schemeClr val="tx1"/>
-                    </a:solidFill>
-                    <a:miter lim="800000"/>
-                    <a:headEnd/>
-                    <a:tailEnd/>
-                  </a14:hiddenLine>
-                </a:ext>
-                <a:ext uri="{AF507438-7753-43E0-B8FC-AC1667EBCBE1}">
-                  <a14:hiddenEffects xmlns:a14="http://schemas.microsoft.com/office/drawing/2010/main">
-                    <a:effectLst>
-                      <a:outerShdw dist="35921" dir="2700000" algn="ctr" rotWithShape="0">
-                        <a:schemeClr val="bg2"/>
-                      </a:outerShdw>
-                    </a:effectLst>
-                  </a14:hiddenEffects>
-                </a:ext>
-              </a:extLst>
-            </p:spPr>
-            <p:txBody>
-              <a:bodyPr wrap="none" anchor="ctr"/>
-              <a:lstStyle/>
-              <a:p>
-                <a:endParaRPr lang="en-US"/>
-              </a:p>
-            </p:txBody>
-          </p:sp>
-          <p:sp>
-            <p:nvSpPr>
-              <p:cNvPr id="107" name="Rectangle 33"/>
-              <p:cNvSpPr>
-                <a:spLocks noChangeArrowheads="1"/>
-              </p:cNvSpPr>
-              <p:nvPr/>
-            </p:nvSpPr>
-            <p:spPr bwMode="gray">
-              <a:xfrm>
-                <a:off x="528" y="1824"/>
-                <a:ext cx="4512" cy="10"/>
-              </a:xfrm>
-              <a:prstGeom prst="rect">
-                <a:avLst/>
-              </a:prstGeom>
-              <a:gradFill rotWithShape="0">
-                <a:gsLst>
-                  <a:gs pos="0">
-                    <a:srgbClr val="006699"/>
-                  </a:gs>
-                  <a:gs pos="100000">
-                    <a:srgbClr val="006699">
-                      <a:gamma/>
-                      <a:shade val="46275"/>
-                      <a:invGamma/>
-                      <a:alpha val="0"/>
-                    </a:srgbClr>
-                  </a:gs>
-                </a:gsLst>
-                <a:lin ang="0" scaled="1"/>
-              </a:gradFill>
-              <a:ln>
-                <a:noFill/>
-              </a:ln>
-              <a:effectLst/>
-              <a:extLst>
-                <a:ext uri="{91240B29-F687-4F45-9708-019B960494DF}">
-                  <a14:hiddenLine xmlns:a14="http://schemas.microsoft.com/office/drawing/2010/main" w="9525">
-                    <a:solidFill>
-                      <a:schemeClr val="tx1"/>
-                    </a:solidFill>
-                    <a:miter lim="800000"/>
-                    <a:headEnd/>
-                    <a:tailEnd/>
-                  </a14:hiddenLine>
-                </a:ext>
-                <a:ext uri="{AF507438-7753-43E0-B8FC-AC1667EBCBE1}">
-                  <a14:hiddenEffects xmlns:a14="http://schemas.microsoft.com/office/drawing/2010/main">
-                    <a:effectLst>
-                      <a:outerShdw dist="35921" dir="2700000" algn="ctr" rotWithShape="0">
-                        <a:schemeClr val="bg2"/>
-                      </a:outerShdw>
-                    </a:effectLst>
-                  </a14:hiddenEffects>
-                </a:ext>
-              </a:extLst>
-            </p:spPr>
-            <p:txBody>
-              <a:bodyPr wrap="none" anchor="ctr"/>
-              <a:lstStyle/>
-              <a:p>
-                <a:endParaRPr lang="en-US"/>
-              </a:p>
-            </p:txBody>
-          </p:sp>
-        </p:grpSp>
-        <p:grpSp>
-          <p:nvGrpSpPr>
-            <p:cNvPr id="90" name="Group 34"/>
-            <p:cNvGrpSpPr>
-              <a:grpSpLocks/>
-            </p:cNvGrpSpPr>
-            <p:nvPr/>
-          </p:nvGrpSpPr>
-          <p:grpSpPr bwMode="auto">
-            <a:xfrm>
-              <a:off x="960" y="1536"/>
-              <a:ext cx="336" cy="336"/>
-              <a:chOff x="288" y="1632"/>
-              <a:chExt cx="2112" cy="2448"/>
-            </a:xfrm>
-          </p:grpSpPr>
-          <p:sp>
-            <p:nvSpPr>
-              <p:cNvPr id="91" name="Rectangle 35"/>
-              <p:cNvSpPr>
-                <a:spLocks noChangeArrowheads="1"/>
-              </p:cNvSpPr>
-              <p:nvPr/>
-            </p:nvSpPr>
-            <p:spPr bwMode="gray">
-              <a:xfrm rot="2686397">
-                <a:off x="1252" y="2085"/>
-                <a:ext cx="128" cy="1542"/>
-              </a:xfrm>
-              <a:prstGeom prst="rect">
-                <a:avLst/>
-              </a:prstGeom>
-              <a:gradFill rotWithShape="1">
-                <a:gsLst>
-                  <a:gs pos="0">
-                    <a:srgbClr val="38BAC8">
-                      <a:gamma/>
-                      <a:shade val="46275"/>
-                      <a:invGamma/>
-                    </a:srgbClr>
-                  </a:gs>
-                  <a:gs pos="50000">
-                    <a:srgbClr val="38BAC8"/>
-                  </a:gs>
-                  <a:gs pos="100000">
-                    <a:srgbClr val="38BAC8">
-                      <a:gamma/>
-                      <a:shade val="46275"/>
-                      <a:invGamma/>
-                    </a:srgbClr>
-                  </a:gs>
-                </a:gsLst>
-                <a:lin ang="0" scaled="1"/>
-              </a:gradFill>
-              <a:ln>
-                <a:noFill/>
-              </a:ln>
-              <a:extLst>
-                <a:ext uri="{91240B29-F687-4F45-9708-019B960494DF}">
-                  <a14:hiddenLine xmlns:a14="http://schemas.microsoft.com/office/drawing/2010/main" w="9525">
-                    <a:solidFill>
-                      <a:srgbClr val="000000"/>
-                    </a:solidFill>
-                    <a:miter lim="800000"/>
-                    <a:headEnd/>
-                    <a:tailEnd/>
-                  </a14:hiddenLine>
-                </a:ext>
-              </a:extLst>
-            </p:spPr>
-            <p:txBody>
-              <a:bodyPr/>
-              <a:lstStyle/>
-              <a:p>
-                <a:endParaRPr lang="en-US"/>
-              </a:p>
-            </p:txBody>
-          </p:sp>
-          <p:sp>
-            <p:nvSpPr>
-              <p:cNvPr id="92" name="Rectangle 36"/>
-              <p:cNvSpPr>
-                <a:spLocks noChangeArrowheads="1"/>
-              </p:cNvSpPr>
-              <p:nvPr/>
-            </p:nvSpPr>
-            <p:spPr bwMode="gray">
-              <a:xfrm rot="2686397">
-                <a:off x="1515" y="2386"/>
-                <a:ext cx="128" cy="1542"/>
-              </a:xfrm>
-              <a:prstGeom prst="rect">
-                <a:avLst/>
-              </a:prstGeom>
-              <a:gradFill rotWithShape="1">
-                <a:gsLst>
-                  <a:gs pos="0">
-                    <a:srgbClr val="38BAC8">
-                      <a:gamma/>
-                      <a:shade val="46275"/>
-                      <a:invGamma/>
-                    </a:srgbClr>
-                  </a:gs>
-                  <a:gs pos="50000">
-                    <a:srgbClr val="38BAC8"/>
-                  </a:gs>
-                  <a:gs pos="100000">
-                    <a:srgbClr val="38BAC8">
-                      <a:gamma/>
-                      <a:shade val="46275"/>
-                      <a:invGamma/>
-                    </a:srgbClr>
-                  </a:gs>
-                </a:gsLst>
-                <a:lin ang="0" scaled="1"/>
-              </a:gradFill>
-              <a:ln>
-                <a:noFill/>
-              </a:ln>
-              <a:extLst>
-                <a:ext uri="{91240B29-F687-4F45-9708-019B960494DF}">
-                  <a14:hiddenLine xmlns:a14="http://schemas.microsoft.com/office/drawing/2010/main" w="9525">
-                    <a:solidFill>
-                      <a:srgbClr val="000000"/>
-                    </a:solidFill>
-                    <a:miter lim="800000"/>
-                    <a:headEnd/>
-                    <a:tailEnd/>
-                  </a14:hiddenLine>
-                </a:ext>
-              </a:extLst>
-            </p:spPr>
-            <p:txBody>
-              <a:bodyPr/>
-              <a:lstStyle/>
-              <a:p>
-                <a:endParaRPr lang="en-US"/>
-              </a:p>
-            </p:txBody>
-          </p:sp>
-          <p:sp>
-            <p:nvSpPr>
-              <p:cNvPr id="93" name="Rectangle 37"/>
-              <p:cNvSpPr>
-                <a:spLocks noChangeArrowheads="1"/>
-              </p:cNvSpPr>
-              <p:nvPr/>
-            </p:nvSpPr>
-            <p:spPr bwMode="gray">
-              <a:xfrm rot="2686397">
-                <a:off x="986" y="1780"/>
-                <a:ext cx="128" cy="1542"/>
-              </a:xfrm>
-              <a:prstGeom prst="rect">
-                <a:avLst/>
-              </a:prstGeom>
-              <a:gradFill rotWithShape="1">
-                <a:gsLst>
-                  <a:gs pos="0">
-                    <a:srgbClr val="38BAC8">
-                      <a:gamma/>
-                      <a:shade val="46275"/>
-                      <a:invGamma/>
-                    </a:srgbClr>
-                  </a:gs>
-                  <a:gs pos="50000">
-                    <a:srgbClr val="38BAC8"/>
-                  </a:gs>
-                  <a:gs pos="100000">
-                    <a:srgbClr val="38BAC8">
-                      <a:gamma/>
-                      <a:shade val="46275"/>
-                      <a:invGamma/>
-                    </a:srgbClr>
-                  </a:gs>
-                </a:gsLst>
-                <a:lin ang="0" scaled="1"/>
-              </a:gradFill>
-              <a:ln>
-                <a:noFill/>
-              </a:ln>
-              <a:extLst>
-                <a:ext uri="{91240B29-F687-4F45-9708-019B960494DF}">
-                  <a14:hiddenLine xmlns:a14="http://schemas.microsoft.com/office/drawing/2010/main" w="9525">
-                    <a:solidFill>
-                      <a:srgbClr val="000000"/>
-                    </a:solidFill>
-                    <a:miter lim="800000"/>
-                    <a:headEnd/>
-                    <a:tailEnd/>
-                  </a14:hiddenLine>
-                </a:ext>
-              </a:extLst>
-            </p:spPr>
-            <p:txBody>
-              <a:bodyPr/>
-              <a:lstStyle/>
-              <a:p>
-                <a:endParaRPr lang="en-US"/>
-              </a:p>
-            </p:txBody>
-          </p:sp>
-          <p:sp>
-            <p:nvSpPr>
-              <p:cNvPr id="94" name="Rectangle 38"/>
-              <p:cNvSpPr>
-                <a:spLocks noChangeArrowheads="1"/>
-              </p:cNvSpPr>
-              <p:nvPr/>
-            </p:nvSpPr>
-            <p:spPr bwMode="gray">
-              <a:xfrm rot="2686397">
-                <a:off x="288" y="3237"/>
-                <a:ext cx="1327" cy="149"/>
-              </a:xfrm>
-              <a:prstGeom prst="rect">
-                <a:avLst/>
-              </a:prstGeom>
-              <a:gradFill rotWithShape="1">
-                <a:gsLst>
-                  <a:gs pos="0">
-                    <a:schemeClr val="hlink">
-                      <a:gamma/>
-                      <a:shade val="46275"/>
-                      <a:invGamma/>
-                    </a:schemeClr>
-                  </a:gs>
-                  <a:gs pos="50000">
-                    <a:schemeClr val="hlink"/>
-                  </a:gs>
-                  <a:gs pos="100000">
-                    <a:schemeClr val="hlink">
-                      <a:gamma/>
-                      <a:shade val="46275"/>
-                      <a:invGamma/>
-                    </a:schemeClr>
-                  </a:gs>
-                </a:gsLst>
-                <a:lin ang="5400000" scaled="1"/>
-              </a:gradFill>
-              <a:ln>
-                <a:noFill/>
-              </a:ln>
-              <a:extLst>
-                <a:ext uri="{91240B29-F687-4F45-9708-019B960494DF}">
-                  <a14:hiddenLine xmlns:a14="http://schemas.microsoft.com/office/drawing/2010/main" w="9525">
-                    <a:solidFill>
-                      <a:srgbClr val="000000"/>
-                    </a:solidFill>
-                    <a:miter lim="800000"/>
-                    <a:headEnd/>
-                    <a:tailEnd/>
-                  </a14:hiddenLine>
-                </a:ext>
-              </a:extLst>
-            </p:spPr>
-            <p:txBody>
-              <a:bodyPr/>
-              <a:lstStyle/>
-              <a:p>
-                <a:endParaRPr lang="en-US"/>
-              </a:p>
-            </p:txBody>
-          </p:sp>
-          <p:sp>
-            <p:nvSpPr>
-              <p:cNvPr id="95" name="Rectangle 39"/>
-              <p:cNvSpPr>
-                <a:spLocks noChangeArrowheads="1"/>
-              </p:cNvSpPr>
-              <p:nvPr/>
-            </p:nvSpPr>
-            <p:spPr bwMode="gray">
-              <a:xfrm rot="2686397">
-                <a:off x="551" y="2936"/>
-                <a:ext cx="1327" cy="145"/>
-              </a:xfrm>
-              <a:prstGeom prst="rect">
-                <a:avLst/>
-              </a:prstGeom>
-              <a:gradFill rotWithShape="1">
-                <a:gsLst>
-                  <a:gs pos="0">
-                    <a:schemeClr val="hlink">
-                      <a:gamma/>
-                      <a:shade val="46275"/>
-                      <a:invGamma/>
-                    </a:schemeClr>
-                  </a:gs>
-                  <a:gs pos="50000">
-                    <a:schemeClr val="hlink"/>
-                  </a:gs>
-                  <a:gs pos="100000">
-                    <a:schemeClr val="hlink">
-                      <a:gamma/>
-                      <a:shade val="46275"/>
-                      <a:invGamma/>
-                    </a:schemeClr>
-                  </a:gs>
-                </a:gsLst>
-                <a:lin ang="5400000" scaled="1"/>
-              </a:gradFill>
-              <a:ln>
-                <a:noFill/>
-              </a:ln>
-              <a:extLst>
-                <a:ext uri="{91240B29-F687-4F45-9708-019B960494DF}">
-                  <a14:hiddenLine xmlns:a14="http://schemas.microsoft.com/office/drawing/2010/main" w="9525">
-                    <a:solidFill>
-                      <a:srgbClr val="000000"/>
-                    </a:solidFill>
-                    <a:miter lim="800000"/>
-                    <a:headEnd/>
-                    <a:tailEnd/>
-                  </a14:hiddenLine>
-                </a:ext>
-              </a:extLst>
-            </p:spPr>
-            <p:txBody>
-              <a:bodyPr/>
-              <a:lstStyle/>
-              <a:p>
-                <a:endParaRPr lang="en-US"/>
-              </a:p>
-            </p:txBody>
-          </p:sp>
-          <p:sp>
-            <p:nvSpPr>
-              <p:cNvPr id="96" name="Rectangle 40"/>
-              <p:cNvSpPr>
-                <a:spLocks noChangeArrowheads="1"/>
-              </p:cNvSpPr>
-              <p:nvPr/>
-            </p:nvSpPr>
-            <p:spPr bwMode="gray">
-              <a:xfrm rot="2686397">
-                <a:off x="810" y="2627"/>
-                <a:ext cx="1327" cy="149"/>
-              </a:xfrm>
-              <a:prstGeom prst="rect">
-                <a:avLst/>
-              </a:prstGeom>
-              <a:gradFill rotWithShape="1">
-                <a:gsLst>
-                  <a:gs pos="0">
-                    <a:schemeClr val="hlink">
-                      <a:gamma/>
-                      <a:shade val="46275"/>
-                      <a:invGamma/>
-                    </a:schemeClr>
-                  </a:gs>
-                  <a:gs pos="50000">
-                    <a:schemeClr val="hlink"/>
-                  </a:gs>
-                  <a:gs pos="100000">
-                    <a:schemeClr val="hlink">
-                      <a:gamma/>
-                      <a:shade val="46275"/>
-                      <a:invGamma/>
-                    </a:schemeClr>
-                  </a:gs>
-                </a:gsLst>
-                <a:lin ang="5400000" scaled="1"/>
-              </a:gradFill>
-              <a:ln>
-                <a:noFill/>
-              </a:ln>
-              <a:extLst>
-                <a:ext uri="{91240B29-F687-4F45-9708-019B960494DF}">
-                  <a14:hiddenLine xmlns:a14="http://schemas.microsoft.com/office/drawing/2010/main" w="9525">
-                    <a:solidFill>
-                      <a:srgbClr val="000000"/>
-                    </a:solidFill>
-                    <a:miter lim="800000"/>
-                    <a:headEnd/>
-                    <a:tailEnd/>
-                  </a14:hiddenLine>
-                </a:ext>
-              </a:extLst>
-            </p:spPr>
-            <p:txBody>
-              <a:bodyPr/>
-              <a:lstStyle/>
-              <a:p>
-                <a:endParaRPr lang="en-US"/>
-              </a:p>
-            </p:txBody>
-          </p:sp>
-          <p:sp>
-            <p:nvSpPr>
-              <p:cNvPr id="97" name="Rectangle 41"/>
-              <p:cNvSpPr>
-                <a:spLocks noChangeArrowheads="1"/>
-              </p:cNvSpPr>
-              <p:nvPr/>
-            </p:nvSpPr>
-            <p:spPr bwMode="gray">
-              <a:xfrm rot="2686397">
-                <a:off x="1073" y="2322"/>
-                <a:ext cx="1327" cy="145"/>
-              </a:xfrm>
-              <a:prstGeom prst="rect">
-                <a:avLst/>
-              </a:prstGeom>
-              <a:gradFill rotWithShape="1">
-                <a:gsLst>
-                  <a:gs pos="0">
-                    <a:schemeClr val="hlink">
-                      <a:gamma/>
-                      <a:shade val="46275"/>
-                      <a:invGamma/>
-                    </a:schemeClr>
-                  </a:gs>
-                  <a:gs pos="50000">
-                    <a:schemeClr val="hlink"/>
-                  </a:gs>
-                  <a:gs pos="100000">
-                    <a:schemeClr val="hlink">
-                      <a:gamma/>
-                      <a:shade val="46275"/>
-                      <a:invGamma/>
-                    </a:schemeClr>
-                  </a:gs>
-                </a:gsLst>
-                <a:lin ang="5400000" scaled="1"/>
-              </a:gradFill>
-              <a:ln>
-                <a:noFill/>
-              </a:ln>
-              <a:extLst>
-                <a:ext uri="{91240B29-F687-4F45-9708-019B960494DF}">
-                  <a14:hiddenLine xmlns:a14="http://schemas.microsoft.com/office/drawing/2010/main" w="9525">
-                    <a:solidFill>
-                      <a:srgbClr val="000000"/>
-                    </a:solidFill>
-                    <a:miter lim="800000"/>
-                    <a:headEnd/>
-                    <a:tailEnd/>
-                  </a14:hiddenLine>
-                </a:ext>
-              </a:extLst>
-            </p:spPr>
-            <p:txBody>
-              <a:bodyPr/>
-              <a:lstStyle/>
-              <a:p>
-                <a:endParaRPr lang="en-US"/>
-              </a:p>
-            </p:txBody>
-          </p:sp>
-          <p:sp>
-            <p:nvSpPr>
-              <p:cNvPr id="98" name="Rectangle 42"/>
-              <p:cNvSpPr>
-                <a:spLocks noChangeArrowheads="1"/>
-              </p:cNvSpPr>
-              <p:nvPr/>
-            </p:nvSpPr>
-            <p:spPr bwMode="gray">
-              <a:xfrm rot="2686397">
-                <a:off x="1646" y="2539"/>
-                <a:ext cx="128" cy="1541"/>
-              </a:xfrm>
-              <a:prstGeom prst="rect">
-                <a:avLst/>
-              </a:prstGeom>
-              <a:gradFill rotWithShape="1">
-                <a:gsLst>
-                  <a:gs pos="0">
-                    <a:srgbClr val="006699"/>
-                  </a:gs>
-                  <a:gs pos="100000">
-                    <a:srgbClr val="006699">
-                      <a:gamma/>
-                      <a:shade val="46275"/>
-                      <a:invGamma/>
-                    </a:srgbClr>
-                  </a:gs>
-                </a:gsLst>
-                <a:lin ang="0" scaled="1"/>
-              </a:gradFill>
-              <a:ln>
-                <a:noFill/>
-              </a:ln>
-              <a:extLst>
-                <a:ext uri="{91240B29-F687-4F45-9708-019B960494DF}">
-                  <a14:hiddenLine xmlns:a14="http://schemas.microsoft.com/office/drawing/2010/main" w="9525">
-                    <a:solidFill>
-                      <a:srgbClr val="000000"/>
-                    </a:solidFill>
-                    <a:miter lim="800000"/>
-                    <a:headEnd/>
-                    <a:tailEnd/>
-                  </a14:hiddenLine>
-                </a:ext>
-              </a:extLst>
-            </p:spPr>
-            <p:txBody>
-              <a:bodyPr/>
-              <a:lstStyle/>
-              <a:p>
-                <a:endParaRPr lang="en-US"/>
-              </a:p>
-            </p:txBody>
-          </p:sp>
-          <p:sp>
-            <p:nvSpPr>
-              <p:cNvPr id="99" name="Rectangle 43"/>
-              <p:cNvSpPr>
-                <a:spLocks noChangeArrowheads="1"/>
-              </p:cNvSpPr>
-              <p:nvPr/>
-            </p:nvSpPr>
-            <p:spPr bwMode="gray">
-              <a:xfrm rot="2686397">
-                <a:off x="1387" y="2234"/>
-                <a:ext cx="125" cy="1541"/>
-              </a:xfrm>
-              <a:prstGeom prst="rect">
-                <a:avLst/>
-              </a:prstGeom>
-              <a:gradFill rotWithShape="1">
-                <a:gsLst>
-                  <a:gs pos="0">
-                    <a:srgbClr val="006699"/>
-                  </a:gs>
-                  <a:gs pos="100000">
-                    <a:srgbClr val="006699">
-                      <a:gamma/>
-                      <a:shade val="46275"/>
-                      <a:invGamma/>
-                    </a:srgbClr>
-                  </a:gs>
-                </a:gsLst>
-                <a:lin ang="0" scaled="1"/>
-              </a:gradFill>
-              <a:ln>
-                <a:noFill/>
-              </a:ln>
-              <a:extLst>
-                <a:ext uri="{91240B29-F687-4F45-9708-019B960494DF}">
-                  <a14:hiddenLine xmlns:a14="http://schemas.microsoft.com/office/drawing/2010/main" w="9525">
-                    <a:solidFill>
-                      <a:srgbClr val="000000"/>
-                    </a:solidFill>
-                    <a:miter lim="800000"/>
-                    <a:headEnd/>
-                    <a:tailEnd/>
-                  </a14:hiddenLine>
-                </a:ext>
-              </a:extLst>
-            </p:spPr>
-            <p:txBody>
-              <a:bodyPr/>
-              <a:lstStyle/>
-              <a:p>
-                <a:endParaRPr lang="en-US"/>
-              </a:p>
-            </p:txBody>
-          </p:sp>
-          <p:sp>
-            <p:nvSpPr>
-              <p:cNvPr id="100" name="Rectangle 44"/>
-              <p:cNvSpPr>
-                <a:spLocks noChangeArrowheads="1"/>
-              </p:cNvSpPr>
-              <p:nvPr/>
-            </p:nvSpPr>
-            <p:spPr bwMode="gray">
-              <a:xfrm rot="2686397">
-                <a:off x="858" y="1632"/>
-                <a:ext cx="125" cy="1541"/>
-              </a:xfrm>
-              <a:prstGeom prst="rect">
-                <a:avLst/>
-              </a:prstGeom>
-              <a:gradFill rotWithShape="1">
-                <a:gsLst>
-                  <a:gs pos="0">
-                    <a:srgbClr val="006699"/>
-                  </a:gs>
-                  <a:gs pos="100000">
-                    <a:srgbClr val="006699">
-                      <a:gamma/>
-                      <a:shade val="46275"/>
-                      <a:invGamma/>
-                    </a:srgbClr>
-                  </a:gs>
-                </a:gsLst>
-                <a:lin ang="0" scaled="1"/>
-              </a:gradFill>
-              <a:ln>
-                <a:noFill/>
-              </a:ln>
-              <a:extLst>
-                <a:ext uri="{91240B29-F687-4F45-9708-019B960494DF}">
-                  <a14:hiddenLine xmlns:a14="http://schemas.microsoft.com/office/drawing/2010/main" w="9525">
-                    <a:solidFill>
-                      <a:srgbClr val="000000"/>
-                    </a:solidFill>
-                    <a:miter lim="800000"/>
-                    <a:headEnd/>
-                    <a:tailEnd/>
-                  </a14:hiddenLine>
-                </a:ext>
-              </a:extLst>
-            </p:spPr>
-            <p:txBody>
-              <a:bodyPr/>
-              <a:lstStyle/>
-              <a:p>
-                <a:endParaRPr lang="en-US"/>
-              </a:p>
-            </p:txBody>
-          </p:sp>
-          <p:sp>
-            <p:nvSpPr>
-              <p:cNvPr id="101" name="Rectangle 45"/>
-              <p:cNvSpPr>
-                <a:spLocks noChangeArrowheads="1"/>
-              </p:cNvSpPr>
-              <p:nvPr/>
-            </p:nvSpPr>
-            <p:spPr bwMode="gray">
-              <a:xfrm rot="2686397">
-                <a:off x="1121" y="1933"/>
-                <a:ext cx="128" cy="1541"/>
-              </a:xfrm>
-              <a:prstGeom prst="rect">
-                <a:avLst/>
-              </a:prstGeom>
-              <a:gradFill rotWithShape="1">
-                <a:gsLst>
-                  <a:gs pos="0">
-                    <a:srgbClr val="006699"/>
-                  </a:gs>
-                  <a:gs pos="100000">
-                    <a:srgbClr val="006699">
-                      <a:gamma/>
-                      <a:shade val="46275"/>
-                      <a:invGamma/>
-                    </a:srgbClr>
-                  </a:gs>
-                </a:gsLst>
-                <a:lin ang="0" scaled="1"/>
-              </a:gradFill>
-              <a:ln>
-                <a:noFill/>
-              </a:ln>
-              <a:extLst>
-                <a:ext uri="{91240B29-F687-4F45-9708-019B960494DF}">
-                  <a14:hiddenLine xmlns:a14="http://schemas.microsoft.com/office/drawing/2010/main" w="9525">
-                    <a:solidFill>
-                      <a:srgbClr val="000000"/>
-                    </a:solidFill>
-                    <a:miter lim="800000"/>
-                    <a:headEnd/>
-                    <a:tailEnd/>
-                  </a14:hiddenLine>
-                </a:ext>
-              </a:extLst>
-            </p:spPr>
-            <p:txBody>
-              <a:bodyPr/>
-              <a:lstStyle/>
-              <a:p>
-                <a:endParaRPr lang="en-US"/>
-              </a:p>
-            </p:txBody>
-          </p:sp>
-          <p:sp>
-            <p:nvSpPr>
-              <p:cNvPr id="102" name="Rectangle 46"/>
-              <p:cNvSpPr>
-                <a:spLocks noChangeArrowheads="1"/>
-              </p:cNvSpPr>
-              <p:nvPr/>
-            </p:nvSpPr>
-            <p:spPr bwMode="gray">
-              <a:xfrm rot="2686397">
-                <a:off x="419" y="3085"/>
-                <a:ext cx="1328" cy="148"/>
-              </a:xfrm>
-              <a:prstGeom prst="rect">
-                <a:avLst/>
-              </a:prstGeom>
-              <a:gradFill rotWithShape="1">
-                <a:gsLst>
-                  <a:gs pos="0">
-                    <a:schemeClr val="hlink">
-                      <a:gamma/>
-                      <a:shade val="46275"/>
-                      <a:invGamma/>
-                    </a:schemeClr>
-                  </a:gs>
-                  <a:gs pos="50000">
-                    <a:schemeClr val="hlink"/>
-                  </a:gs>
-                  <a:gs pos="100000">
-                    <a:schemeClr val="hlink">
-                      <a:gamma/>
-                      <a:shade val="46275"/>
-                      <a:invGamma/>
-                    </a:schemeClr>
-                  </a:gs>
-                </a:gsLst>
-                <a:lin ang="5400000" scaled="1"/>
-              </a:gradFill>
-              <a:ln>
-                <a:noFill/>
-              </a:ln>
-              <a:extLst>
-                <a:ext uri="{91240B29-F687-4F45-9708-019B960494DF}">
-                  <a14:hiddenLine xmlns:a14="http://schemas.microsoft.com/office/drawing/2010/main" w="9525">
-                    <a:solidFill>
-                      <a:srgbClr val="000000"/>
-                    </a:solidFill>
-                    <a:miter lim="800000"/>
-                    <a:headEnd/>
-                    <a:tailEnd/>
-                  </a14:hiddenLine>
-                </a:ext>
-              </a:extLst>
-            </p:spPr>
-            <p:txBody>
-              <a:bodyPr/>
-              <a:lstStyle/>
-              <a:p>
-                <a:endParaRPr lang="en-US"/>
-              </a:p>
-            </p:txBody>
-          </p:sp>
-          <p:sp>
-            <p:nvSpPr>
-              <p:cNvPr id="103" name="Rectangle 47"/>
-              <p:cNvSpPr>
-                <a:spLocks noChangeArrowheads="1"/>
-              </p:cNvSpPr>
-              <p:nvPr/>
-            </p:nvSpPr>
-            <p:spPr bwMode="gray">
-              <a:xfrm rot="2686397">
-                <a:off x="679" y="2780"/>
-                <a:ext cx="1327" cy="148"/>
-              </a:xfrm>
-              <a:prstGeom prst="rect">
-                <a:avLst/>
-              </a:prstGeom>
-              <a:gradFill rotWithShape="1">
-                <a:gsLst>
-                  <a:gs pos="0">
-                    <a:schemeClr val="hlink">
-                      <a:gamma/>
-                      <a:shade val="46275"/>
-                      <a:invGamma/>
-                    </a:schemeClr>
-                  </a:gs>
-                  <a:gs pos="50000">
-                    <a:schemeClr val="hlink"/>
-                  </a:gs>
-                  <a:gs pos="100000">
-                    <a:schemeClr val="hlink">
-                      <a:gamma/>
-                      <a:shade val="46275"/>
-                      <a:invGamma/>
-                    </a:schemeClr>
-                  </a:gs>
-                </a:gsLst>
-                <a:lin ang="5400000" scaled="1"/>
-              </a:gradFill>
-              <a:ln>
-                <a:noFill/>
-              </a:ln>
-              <a:extLst>
-                <a:ext uri="{91240B29-F687-4F45-9708-019B960494DF}">
-                  <a14:hiddenLine xmlns:a14="http://schemas.microsoft.com/office/drawing/2010/main" w="9525">
-                    <a:solidFill>
-                      <a:srgbClr val="000000"/>
-                    </a:solidFill>
-                    <a:miter lim="800000"/>
-                    <a:headEnd/>
-                    <a:tailEnd/>
-                  </a14:hiddenLine>
-                </a:ext>
-              </a:extLst>
-            </p:spPr>
-            <p:txBody>
-              <a:bodyPr/>
-              <a:lstStyle/>
-              <a:p>
-                <a:endParaRPr lang="en-US"/>
-              </a:p>
-            </p:txBody>
-          </p:sp>
-          <p:sp>
-            <p:nvSpPr>
-              <p:cNvPr id="104" name="Rectangle 48"/>
-              <p:cNvSpPr>
-                <a:spLocks noChangeArrowheads="1"/>
-              </p:cNvSpPr>
-              <p:nvPr/>
-            </p:nvSpPr>
-            <p:spPr bwMode="gray">
-              <a:xfrm rot="2686397">
-                <a:off x="941" y="2471"/>
-                <a:ext cx="1328" cy="148"/>
-              </a:xfrm>
-              <a:prstGeom prst="rect">
-                <a:avLst/>
-              </a:prstGeom>
-              <a:gradFill rotWithShape="1">
-                <a:gsLst>
-                  <a:gs pos="0">
-                    <a:schemeClr val="hlink">
-                      <a:gamma/>
-                      <a:shade val="46275"/>
-                      <a:invGamma/>
-                    </a:schemeClr>
-                  </a:gs>
-                  <a:gs pos="50000">
-                    <a:schemeClr val="hlink"/>
-                  </a:gs>
-                  <a:gs pos="100000">
-                    <a:schemeClr val="hlink">
-                      <a:gamma/>
-                      <a:shade val="46275"/>
-                      <a:invGamma/>
-                    </a:schemeClr>
                   </a:gs>
                 </a:gsLst>
                 <a:lin ang="5400000" scaled="1"/>
@@ -14979,27 +13737,8 @@
                   </a:schemeClr>
                 </a:solidFill>
               </a:rPr>
-              <a:t>Data field </a:t>
+              <a:t>Data field definitions</a:t>
             </a:r>
-            <a:r>
-              <a:rPr lang="en-US" sz="2000" dirty="0" smtClean="0">
-                <a:solidFill>
-                  <a:schemeClr val="tx1">
-                    <a:lumMod val="95000"/>
-                    <a:lumOff val="5000"/>
-                  </a:schemeClr>
-                </a:solidFill>
-              </a:rPr>
-              <a:t>definitions</a:t>
-            </a:r>
-            <a:endParaRPr lang="en-US" sz="2000" dirty="0" smtClean="0">
-              <a:solidFill>
-                <a:schemeClr val="tx1">
-                  <a:lumMod val="95000"/>
-                  <a:lumOff val="5000"/>
-                </a:schemeClr>
-              </a:solidFill>
-            </a:endParaRPr>
           </a:p>
         </p:txBody>
       </p:sp>
@@ -15299,324 +14038,6 @@
               <a:rPr lang="en-US" smtClean="0"/>
               <a:pPr/>
               <a:t>19</a:t>
-            </a:fld>
-            <a:endParaRPr lang="en-US" dirty="0"/>
-          </a:p>
-        </p:txBody>
-      </p:sp>
-      <p:sp>
-        <p:nvSpPr>
-          <p:cNvPr id="5" name="TextBox 4"/>
-          <p:cNvSpPr txBox="1"/>
-          <p:nvPr/>
-        </p:nvSpPr>
-        <p:spPr>
-          <a:xfrm>
-            <a:off x="-76200" y="152400"/>
-            <a:ext cx="9601200" cy="677108"/>
-          </a:xfrm>
-          <a:prstGeom prst="rect">
-            <a:avLst/>
-          </a:prstGeom>
-          <a:noFill/>
-        </p:spPr>
-        <p:txBody>
-          <a:bodyPr wrap="square" rtlCol="0">
-            <a:spAutoFit/>
-          </a:bodyPr>
-          <a:lstStyle/>
-          <a:p>
-            <a:r>
-              <a:rPr lang="en-US" sz="3800" dirty="0" smtClean="0">
-                <a:solidFill>
-                  <a:srgbClr val="FFC000"/>
-                </a:solidFill>
-                <a:latin typeface="Adobe Caslon Pro Bold" pitchFamily="18" charset="0"/>
-                <a:ea typeface="Adobe Fan Heiti Std B" pitchFamily="34" charset="-128"/>
-              </a:rPr>
-              <a:t>Entity Relationship</a:t>
-            </a:r>
-          </a:p>
-        </p:txBody>
-      </p:sp>
-    </p:spTree>
-    <p:extLst>
-      <p:ext uri="{BB962C8B-B14F-4D97-AF65-F5344CB8AC3E}">
-        <p14:creationId xmlns:p14="http://schemas.microsoft.com/office/powerpoint/2010/main" val="3741819907"/>
-      </p:ext>
-    </p:extLst>
-  </p:cSld>
-  <p:clrMapOvr>
-    <a:masterClrMapping/>
-  </p:clrMapOvr>
-  <mc:AlternateContent xmlns:mc="http://schemas.openxmlformats.org/markup-compatibility/2006" xmlns:p14="http://schemas.microsoft.com/office/powerpoint/2010/main">
-    <mc:Choice Requires="p14">
-      <p:transition p14:dur="0"/>
-    </mc:Choice>
-    <mc:Fallback xmlns="">
-      <p:transition/>
-    </mc:Fallback>
-  </mc:AlternateContent>
-  <p:timing>
-    <p:tnLst>
-      <p:par>
-        <p:cTn id="1" dur="indefinite" restart="never" nodeType="tmRoot"/>
-      </p:par>
-    </p:tnLst>
-  </p:timing>
-</p:sld>
-</file>
-
-<file path=ppt/slides/slide2.xml><?xml version="1.0" encoding="utf-8"?>
-<p:sld xmlns:a="http://schemas.openxmlformats.org/drawingml/2006/main" xmlns:r="http://schemas.openxmlformats.org/officeDocument/2006/relationships" xmlns:p="http://schemas.openxmlformats.org/presentationml/2006/main">
-  <p:cSld>
-    <p:spTree>
-      <p:nvGrpSpPr>
-        <p:cNvPr id="1" name=""/>
-        <p:cNvGrpSpPr/>
-        <p:nvPr/>
-      </p:nvGrpSpPr>
-      <p:grpSpPr>
-        <a:xfrm>
-          <a:off x="0" y="0"/>
-          <a:ext cx="0" cy="0"/>
-          <a:chOff x="0" y="0"/>
-          <a:chExt cx="0" cy="0"/>
-        </a:xfrm>
-      </p:grpSpPr>
-      <p:sp>
-        <p:nvSpPr>
-          <p:cNvPr id="45" name="TextBox 44"/>
-          <p:cNvSpPr txBox="1"/>
-          <p:nvPr/>
-        </p:nvSpPr>
-        <p:spPr>
-          <a:xfrm>
-            <a:off x="76200" y="642729"/>
-            <a:ext cx="9144000" cy="6432530"/>
-          </a:xfrm>
-          <a:prstGeom prst="rect">
-            <a:avLst/>
-          </a:prstGeom>
-          <a:noFill/>
-        </p:spPr>
-        <p:txBody>
-          <a:bodyPr wrap="square" rtlCol="0">
-            <a:spAutoFit/>
-          </a:bodyPr>
-          <a:lstStyle/>
-          <a:p>
-            <a:r>
-              <a:rPr lang="en-US" sz="4000" dirty="0" smtClean="0">
-                <a:solidFill>
-                  <a:srgbClr val="FFC000"/>
-                </a:solidFill>
-                <a:latin typeface="Adobe Caslon Pro Bold" pitchFamily="18" charset="0"/>
-                <a:ea typeface="Adobe Fan Heiti Std B" pitchFamily="34" charset="-128"/>
-              </a:rPr>
-              <a:t>CONTENTS</a:t>
-            </a:r>
-          </a:p>
-          <a:p>
-            <a:endParaRPr lang="en-US" sz="4000" dirty="0" smtClean="0">
-              <a:solidFill>
-                <a:srgbClr val="FFC000"/>
-              </a:solidFill>
-              <a:latin typeface="Adobe Caslon Pro Bold" pitchFamily="18" charset="0"/>
-              <a:ea typeface="Adobe Fan Heiti Std B" pitchFamily="34" charset="-128"/>
-            </a:endParaRPr>
-          </a:p>
-          <a:p>
-            <a:pPr marL="2400300" lvl="4" indent="-571500">
-              <a:buFont typeface="Wingdings" pitchFamily="2" charset="2"/>
-              <a:buChar char="v"/>
-            </a:pPr>
-            <a:r>
-              <a:rPr lang="en-US" sz="3600" dirty="0" smtClean="0">
-                <a:solidFill>
-                  <a:srgbClr val="FFC000"/>
-                </a:solidFill>
-                <a:latin typeface="Adobe Caslon Pro Bold" pitchFamily="18" charset="0"/>
-                <a:ea typeface="Adobe Fan Heiti Std B" pitchFamily="34" charset="-128"/>
-              </a:rPr>
-              <a:t>Introduction</a:t>
-            </a:r>
-          </a:p>
-          <a:p>
-            <a:pPr marL="2400300" lvl="4" indent="-571500">
-              <a:buFont typeface="Wingdings" pitchFamily="2" charset="2"/>
-              <a:buChar char="v"/>
-            </a:pPr>
-            <a:r>
-              <a:rPr lang="en-US" sz="3600" dirty="0" smtClean="0">
-                <a:solidFill>
-                  <a:srgbClr val="FFC000"/>
-                </a:solidFill>
-                <a:latin typeface="Adobe Caslon Pro Bold" pitchFamily="18" charset="0"/>
-                <a:ea typeface="Adobe Fan Heiti Std B" pitchFamily="34" charset="-128"/>
-              </a:rPr>
-              <a:t>Plan</a:t>
-            </a:r>
-          </a:p>
-          <a:p>
-            <a:pPr marL="2400300" lvl="4" indent="-571500">
-              <a:buFont typeface="Wingdings" pitchFamily="2" charset="2"/>
-              <a:buChar char="v"/>
-            </a:pPr>
-            <a:r>
-              <a:rPr lang="en-US" sz="3600" dirty="0" smtClean="0">
-                <a:solidFill>
-                  <a:srgbClr val="FFC000"/>
-                </a:solidFill>
-                <a:latin typeface="Adobe Caslon Pro Bold" pitchFamily="18" charset="0"/>
-                <a:ea typeface="Adobe Fan Heiti Std B" pitchFamily="34" charset="-128"/>
-              </a:rPr>
-              <a:t>Requirement</a:t>
-            </a:r>
-          </a:p>
-          <a:p>
-            <a:pPr marL="2400300" lvl="4" indent="-571500">
-              <a:buFont typeface="Wingdings" pitchFamily="2" charset="2"/>
-              <a:buChar char="v"/>
-            </a:pPr>
-            <a:r>
-              <a:rPr lang="en-US" sz="3600" dirty="0" smtClean="0">
-                <a:solidFill>
-                  <a:srgbClr val="FFC000"/>
-                </a:solidFill>
-                <a:latin typeface="Adobe Caslon Pro Bold" pitchFamily="18" charset="0"/>
-                <a:ea typeface="Adobe Fan Heiti Std B" pitchFamily="34" charset="-128"/>
-              </a:rPr>
-              <a:t>Design</a:t>
-            </a:r>
-          </a:p>
-          <a:p>
-            <a:pPr marL="2400300" lvl="4" indent="-571500">
-              <a:buFont typeface="Wingdings" pitchFamily="2" charset="2"/>
-              <a:buChar char="v"/>
-            </a:pPr>
-            <a:r>
-              <a:rPr lang="en-US" sz="3600" dirty="0" smtClean="0">
-                <a:solidFill>
-                  <a:srgbClr val="FFC000"/>
-                </a:solidFill>
-                <a:latin typeface="Adobe Caslon Pro Bold" pitchFamily="18" charset="0"/>
-                <a:ea typeface="Adobe Fan Heiti Std B" pitchFamily="34" charset="-128"/>
-              </a:rPr>
-              <a:t>Implementation</a:t>
-            </a:r>
-          </a:p>
-          <a:p>
-            <a:pPr marL="2400300" lvl="4" indent="-571500">
-              <a:buFont typeface="Wingdings" pitchFamily="2" charset="2"/>
-              <a:buChar char="v"/>
-            </a:pPr>
-            <a:r>
-              <a:rPr lang="en-US" sz="3600" dirty="0" smtClean="0">
-                <a:solidFill>
-                  <a:srgbClr val="FFC000"/>
-                </a:solidFill>
-                <a:latin typeface="Adobe Caslon Pro Bold" pitchFamily="18" charset="0"/>
-                <a:ea typeface="Adobe Fan Heiti Std B" pitchFamily="34" charset="-128"/>
-              </a:rPr>
-              <a:t>Summary</a:t>
-            </a:r>
-          </a:p>
-          <a:p>
-            <a:pPr marL="2400300" lvl="4" indent="-571500">
-              <a:buFont typeface="Wingdings" pitchFamily="2" charset="2"/>
-              <a:buChar char="v"/>
-            </a:pPr>
-            <a:r>
-              <a:rPr lang="en-US" sz="3600" dirty="0" smtClean="0">
-                <a:solidFill>
-                  <a:srgbClr val="FFC000"/>
-                </a:solidFill>
-                <a:latin typeface="Adobe Caslon Pro Bold" pitchFamily="18" charset="0"/>
-                <a:ea typeface="Adobe Fan Heiti Std B" pitchFamily="34" charset="-128"/>
-              </a:rPr>
-              <a:t>Demo and QA</a:t>
-            </a:r>
-          </a:p>
-          <a:p>
-            <a:endParaRPr lang="en-US" sz="4000" dirty="0">
-              <a:solidFill>
-                <a:srgbClr val="FFC000"/>
-              </a:solidFill>
-              <a:latin typeface="Adobe Caslon Pro Bold" pitchFamily="18" charset="0"/>
-              <a:ea typeface="Adobe Fan Heiti Std B" pitchFamily="34" charset="-128"/>
-            </a:endParaRPr>
-          </a:p>
-          <a:p>
-            <a:endParaRPr lang="en-US" sz="4000" dirty="0" smtClean="0">
-              <a:solidFill>
-                <a:srgbClr val="FFC000"/>
-              </a:solidFill>
-              <a:latin typeface="Adobe Caslon Pro Bold" pitchFamily="18" charset="0"/>
-              <a:ea typeface="Adobe Fan Heiti Std B" pitchFamily="34" charset="-128"/>
-            </a:endParaRPr>
-          </a:p>
-        </p:txBody>
-      </p:sp>
-    </p:spTree>
-    <p:extLst>
-      <p:ext uri="{BB962C8B-B14F-4D97-AF65-F5344CB8AC3E}">
-        <p14:creationId xmlns:p14="http://schemas.microsoft.com/office/powerpoint/2010/main" val="2910601340"/>
-      </p:ext>
-    </p:extLst>
-  </p:cSld>
-  <p:clrMapOvr>
-    <a:masterClrMapping/>
-  </p:clrMapOvr>
-  <p:transition spd="slow">
-    <p:wipe/>
-  </p:transition>
-  <p:timing>
-    <p:tnLst>
-      <p:par>
-        <p:cTn id="1" dur="indefinite" restart="never" nodeType="tmRoot"/>
-      </p:par>
-    </p:tnLst>
-  </p:timing>
-</p:sld>
-</file>
-
-<file path=ppt/slides/slide20.xml><?xml version="1.0" encoding="utf-8"?>
-<p:sld xmlns:a="http://schemas.openxmlformats.org/drawingml/2006/main" xmlns:r="http://schemas.openxmlformats.org/officeDocument/2006/relationships" xmlns:p="http://schemas.openxmlformats.org/presentationml/2006/main">
-  <p:cSld>
-    <p:spTree>
-      <p:nvGrpSpPr>
-        <p:cNvPr id="1" name=""/>
-        <p:cNvGrpSpPr/>
-        <p:nvPr/>
-      </p:nvGrpSpPr>
-      <p:grpSpPr>
-        <a:xfrm>
-          <a:off x="0" y="0"/>
-          <a:ext cx="0" cy="0"/>
-          <a:chOff x="0" y="0"/>
-          <a:chExt cx="0" cy="0"/>
-        </a:xfrm>
-      </p:grpSpPr>
-      <p:sp>
-        <p:nvSpPr>
-          <p:cNvPr id="4" name="Slide Number Placeholder 3"/>
-          <p:cNvSpPr>
-            <a:spLocks noGrp="1"/>
-          </p:cNvSpPr>
-          <p:nvPr>
-            <p:ph type="sldNum" sz="quarter" idx="12"/>
-          </p:nvPr>
-        </p:nvSpPr>
-        <p:spPr/>
-        <p:txBody>
-          <a:bodyPr/>
-          <a:lstStyle/>
-          <a:p>
-            <a:fld id="{B6F15528-21DE-4FAA-801E-634DDDAF4B2B}" type="slidenum">
-              <a:rPr lang="en-US" smtClean="0"/>
-              <a:pPr/>
-              <a:t>20</a:t>
             </a:fld>
             <a:endParaRPr lang="en-US"/>
           </a:p>
@@ -20333,7 +18754,221 @@
 </p:sld>
 </file>
 
-<file path=ppt/slides/slide21.xml><?xml version="1.0" encoding="utf-8"?>
+<file path=ppt/slides/slide2.xml><?xml version="1.0" encoding="utf-8"?>
+<p:sld xmlns:a="http://schemas.openxmlformats.org/drawingml/2006/main" xmlns:r="http://schemas.openxmlformats.org/officeDocument/2006/relationships" xmlns:p="http://schemas.openxmlformats.org/presentationml/2006/main">
+  <p:cSld>
+    <p:spTree>
+      <p:nvGrpSpPr>
+        <p:cNvPr id="1" name=""/>
+        <p:cNvGrpSpPr/>
+        <p:nvPr/>
+      </p:nvGrpSpPr>
+      <p:grpSpPr>
+        <a:xfrm>
+          <a:off x="0" y="0"/>
+          <a:ext cx="0" cy="0"/>
+          <a:chOff x="0" y="0"/>
+          <a:chExt cx="0" cy="0"/>
+        </a:xfrm>
+      </p:grpSpPr>
+      <p:sp>
+        <p:nvSpPr>
+          <p:cNvPr id="45" name="TextBox 44"/>
+          <p:cNvSpPr txBox="1"/>
+          <p:nvPr/>
+        </p:nvSpPr>
+        <p:spPr>
+          <a:xfrm>
+            <a:off x="76200" y="642729"/>
+            <a:ext cx="9144000" cy="6432530"/>
+          </a:xfrm>
+          <a:prstGeom prst="rect">
+            <a:avLst/>
+          </a:prstGeom>
+          <a:noFill/>
+        </p:spPr>
+        <p:txBody>
+          <a:bodyPr wrap="square" rtlCol="0">
+            <a:spAutoFit/>
+          </a:bodyPr>
+          <a:lstStyle/>
+          <a:p>
+            <a:r>
+              <a:rPr lang="en-US" sz="4000" dirty="0" smtClean="0">
+                <a:solidFill>
+                  <a:srgbClr val="FFC000"/>
+                </a:solidFill>
+                <a:latin typeface="Adobe Caslon Pro Bold" pitchFamily="18" charset="0"/>
+                <a:ea typeface="Adobe Fan Heiti Std B" pitchFamily="34" charset="-128"/>
+              </a:rPr>
+              <a:t>CONTENTS</a:t>
+            </a:r>
+          </a:p>
+          <a:p>
+            <a:endParaRPr lang="en-US" sz="4000" dirty="0" smtClean="0">
+              <a:solidFill>
+                <a:srgbClr val="FFC000"/>
+              </a:solidFill>
+              <a:latin typeface="Adobe Caslon Pro Bold" pitchFamily="18" charset="0"/>
+              <a:ea typeface="Adobe Fan Heiti Std B" pitchFamily="34" charset="-128"/>
+            </a:endParaRPr>
+          </a:p>
+          <a:p>
+            <a:pPr marL="2400300" lvl="4" indent="-571500">
+              <a:buFont typeface="Wingdings" pitchFamily="2" charset="2"/>
+              <a:buChar char="v"/>
+            </a:pPr>
+            <a:r>
+              <a:rPr lang="en-US" sz="3600" dirty="0" smtClean="0">
+                <a:solidFill>
+                  <a:srgbClr val="FFC000"/>
+                </a:solidFill>
+                <a:latin typeface="Adobe Caslon Pro Bold" pitchFamily="18" charset="0"/>
+                <a:ea typeface="Adobe Fan Heiti Std B" pitchFamily="34" charset="-128"/>
+              </a:rPr>
+              <a:t>Introduction</a:t>
+            </a:r>
+          </a:p>
+          <a:p>
+            <a:pPr marL="2400300" lvl="4" indent="-571500">
+              <a:buFont typeface="Wingdings" pitchFamily="2" charset="2"/>
+              <a:buChar char="v"/>
+            </a:pPr>
+            <a:r>
+              <a:rPr lang="en-US" sz="3600" dirty="0" smtClean="0">
+                <a:solidFill>
+                  <a:srgbClr val="FFC000"/>
+                </a:solidFill>
+                <a:latin typeface="Adobe Caslon Pro Bold" pitchFamily="18" charset="0"/>
+                <a:ea typeface="Adobe Fan Heiti Std B" pitchFamily="34" charset="-128"/>
+              </a:rPr>
+              <a:t>Plan</a:t>
+            </a:r>
+          </a:p>
+          <a:p>
+            <a:pPr marL="2400300" lvl="4" indent="-571500">
+              <a:buFont typeface="Wingdings" pitchFamily="2" charset="2"/>
+              <a:buChar char="v"/>
+            </a:pPr>
+            <a:r>
+              <a:rPr lang="en-US" sz="3600" dirty="0" smtClean="0">
+                <a:solidFill>
+                  <a:srgbClr val="FFC000"/>
+                </a:solidFill>
+                <a:latin typeface="Adobe Caslon Pro Bold" pitchFamily="18" charset="0"/>
+                <a:ea typeface="Adobe Fan Heiti Std B" pitchFamily="34" charset="-128"/>
+              </a:rPr>
+              <a:t>Requirement</a:t>
+            </a:r>
+          </a:p>
+          <a:p>
+            <a:pPr marL="2400300" lvl="4" indent="-571500">
+              <a:buFont typeface="Wingdings" pitchFamily="2" charset="2"/>
+              <a:buChar char="v"/>
+            </a:pPr>
+            <a:r>
+              <a:rPr lang="en-US" sz="3600" dirty="0" smtClean="0">
+                <a:solidFill>
+                  <a:srgbClr val="FFC000"/>
+                </a:solidFill>
+                <a:latin typeface="Adobe Caslon Pro Bold" pitchFamily="18" charset="0"/>
+                <a:ea typeface="Adobe Fan Heiti Std B" pitchFamily="34" charset="-128"/>
+              </a:rPr>
+              <a:t>Design</a:t>
+            </a:r>
+          </a:p>
+          <a:p>
+            <a:pPr marL="2400300" lvl="4" indent="-571500">
+              <a:buFont typeface="Wingdings" pitchFamily="2" charset="2"/>
+              <a:buChar char="v"/>
+            </a:pPr>
+            <a:r>
+              <a:rPr lang="en-US" sz="3600" dirty="0" smtClean="0">
+                <a:solidFill>
+                  <a:srgbClr val="FFC000"/>
+                </a:solidFill>
+                <a:latin typeface="Adobe Caslon Pro Bold" pitchFamily="18" charset="0"/>
+                <a:ea typeface="Adobe Fan Heiti Std B" pitchFamily="34" charset="-128"/>
+              </a:rPr>
+              <a:t>Implementation</a:t>
+            </a:r>
+          </a:p>
+          <a:p>
+            <a:pPr marL="2400300" lvl="4" indent="-571500">
+              <a:buFont typeface="Wingdings" pitchFamily="2" charset="2"/>
+              <a:buChar char="v"/>
+            </a:pPr>
+            <a:r>
+              <a:rPr lang="en-US" sz="3600" dirty="0" smtClean="0">
+                <a:solidFill>
+                  <a:srgbClr val="FFC000"/>
+                </a:solidFill>
+                <a:latin typeface="Adobe Caslon Pro Bold" pitchFamily="18" charset="0"/>
+                <a:ea typeface="Adobe Fan Heiti Std B" pitchFamily="34" charset="-128"/>
+              </a:rPr>
+              <a:t>Summary</a:t>
+            </a:r>
+          </a:p>
+          <a:p>
+            <a:pPr marL="2400300" lvl="4" indent="-571500">
+              <a:buFont typeface="Wingdings" pitchFamily="2" charset="2"/>
+              <a:buChar char="v"/>
+            </a:pPr>
+            <a:r>
+              <a:rPr lang="en-US" sz="3600" dirty="0" smtClean="0">
+                <a:solidFill>
+                  <a:srgbClr val="FFC000"/>
+                </a:solidFill>
+                <a:latin typeface="Adobe Caslon Pro Bold" pitchFamily="18" charset="0"/>
+                <a:ea typeface="Adobe Fan Heiti Std B" pitchFamily="34" charset="-128"/>
+              </a:rPr>
+              <a:t>Demo and QA</a:t>
+            </a:r>
+          </a:p>
+          <a:p>
+            <a:endParaRPr lang="en-US" sz="4000" dirty="0">
+              <a:solidFill>
+                <a:srgbClr val="FFC000"/>
+              </a:solidFill>
+              <a:latin typeface="Adobe Caslon Pro Bold" pitchFamily="18" charset="0"/>
+              <a:ea typeface="Adobe Fan Heiti Std B" pitchFamily="34" charset="-128"/>
+            </a:endParaRPr>
+          </a:p>
+          <a:p>
+            <a:endParaRPr lang="en-US" sz="4000" dirty="0" smtClean="0">
+              <a:solidFill>
+                <a:srgbClr val="FFC000"/>
+              </a:solidFill>
+              <a:latin typeface="Adobe Caslon Pro Bold" pitchFamily="18" charset="0"/>
+              <a:ea typeface="Adobe Fan Heiti Std B" pitchFamily="34" charset="-128"/>
+            </a:endParaRPr>
+          </a:p>
+        </p:txBody>
+      </p:sp>
+    </p:spTree>
+    <p:extLst>
+      <p:ext uri="{BB962C8B-B14F-4D97-AF65-F5344CB8AC3E}">
+        <p14:creationId xmlns:p14="http://schemas.microsoft.com/office/powerpoint/2010/main" val="2910601340"/>
+      </p:ext>
+    </p:extLst>
+  </p:cSld>
+  <p:clrMapOvr>
+    <a:masterClrMapping/>
+  </p:clrMapOvr>
+  <p:transition spd="slow">
+    <p:wipe/>
+  </p:transition>
+  <p:timing>
+    <p:tnLst>
+      <p:par>
+        <p:cTn id="1" dur="indefinite" restart="never" nodeType="tmRoot"/>
+      </p:par>
+    </p:tnLst>
+  </p:timing>
+</p:sld>
+</file>
+
+<file path=ppt/slides/slide20.xml><?xml version="1.0" encoding="utf-8"?>
 <p:sld xmlns:a="http://schemas.openxmlformats.org/drawingml/2006/main" xmlns:r="http://schemas.openxmlformats.org/officeDocument/2006/relationships" xmlns:p="http://schemas.openxmlformats.org/presentationml/2006/main">
   <p:cSld>
     <p:spTree>
@@ -20368,7 +19003,7 @@
             <a:fld id="{B6F15528-21DE-4FAA-801E-634DDDAF4B2B}" type="slidenum">
               <a:rPr lang="en-US" smtClean="0"/>
               <a:pPr/>
-              <a:t>21</a:t>
+              <a:t>20</a:t>
             </a:fld>
             <a:endParaRPr lang="en-US"/>
           </a:p>
@@ -20470,7 +19105,7 @@
 </p:sld>
 </file>
 
-<file path=ppt/slides/slide22.xml><?xml version="1.0" encoding="utf-8"?>
+<file path=ppt/slides/slide21.xml><?xml version="1.0" encoding="utf-8"?>
 <p:sld xmlns:a="http://schemas.openxmlformats.org/drawingml/2006/main" xmlns:r="http://schemas.openxmlformats.org/officeDocument/2006/relationships" xmlns:p="http://schemas.openxmlformats.org/presentationml/2006/main">
   <p:cSld>
     <p:spTree>
@@ -20505,7 +19140,7 @@
             <a:fld id="{B6F15528-21DE-4FAA-801E-634DDDAF4B2B}" type="slidenum">
               <a:rPr lang="en-US" smtClean="0"/>
               <a:pPr/>
-              <a:t>22</a:t>
+              <a:t>21</a:t>
             </a:fld>
             <a:endParaRPr lang="en-US"/>
           </a:p>
@@ -20543,13 +19178,6 @@
               </a:rPr>
               <a:t>UI Design</a:t>
             </a:r>
-            <a:endParaRPr lang="en-US" sz="4000" dirty="0" smtClean="0">
-              <a:solidFill>
-                <a:srgbClr val="FFC000"/>
-              </a:solidFill>
-              <a:latin typeface="Adobe Caslon Pro Bold" pitchFamily="18" charset="0"/>
-              <a:ea typeface="Adobe Fan Heiti Std B" pitchFamily="34" charset="-128"/>
-            </a:endParaRPr>
           </a:p>
         </p:txBody>
       </p:sp>
@@ -20655,7 +19283,7 @@
 </p:sld>
 </file>
 
-<file path=ppt/slides/slide23.xml><?xml version="1.0" encoding="utf-8"?>
+<file path=ppt/slides/slide22.xml><?xml version="1.0" encoding="utf-8"?>
 <p:sld xmlns:a="http://schemas.openxmlformats.org/drawingml/2006/main" xmlns:r="http://schemas.openxmlformats.org/officeDocument/2006/relationships" xmlns:p="http://schemas.openxmlformats.org/presentationml/2006/main">
   <p:cSld>
     <p:spTree>
@@ -20806,7 +19434,7 @@
             <a:fld id="{B6F15528-21DE-4FAA-801E-634DDDAF4B2B}" type="slidenum">
               <a:rPr lang="en-US" smtClean="0"/>
               <a:pPr/>
-              <a:t>23</a:t>
+              <a:t>22</a:t>
             </a:fld>
             <a:endParaRPr lang="en-US"/>
           </a:p>
@@ -20876,6 +19504,169 @@
 </p:sld>
 </file>
 
+<file path=ppt/slides/slide23.xml><?xml version="1.0" encoding="utf-8"?>
+<p:sld xmlns:a="http://schemas.openxmlformats.org/drawingml/2006/main" xmlns:r="http://schemas.openxmlformats.org/officeDocument/2006/relationships" xmlns:p="http://schemas.openxmlformats.org/presentationml/2006/main">
+  <p:cSld>
+    <p:spTree>
+      <p:nvGrpSpPr>
+        <p:cNvPr id="1" name=""/>
+        <p:cNvGrpSpPr/>
+        <p:nvPr/>
+      </p:nvGrpSpPr>
+      <p:grpSpPr>
+        <a:xfrm>
+          <a:off x="0" y="0"/>
+          <a:ext cx="0" cy="0"/>
+          <a:chOff x="0" y="0"/>
+          <a:chExt cx="0" cy="0"/>
+        </a:xfrm>
+      </p:grpSpPr>
+      <p:sp>
+        <p:nvSpPr>
+          <p:cNvPr id="4" name="Slide Number Placeholder 3"/>
+          <p:cNvSpPr>
+            <a:spLocks noGrp="1"/>
+          </p:cNvSpPr>
+          <p:nvPr>
+            <p:ph type="sldNum" sz="quarter" idx="12"/>
+          </p:nvPr>
+        </p:nvSpPr>
+        <p:spPr/>
+        <p:txBody>
+          <a:bodyPr/>
+          <a:lstStyle/>
+          <a:p>
+            <a:fld id="{B6F15528-21DE-4FAA-801E-634DDDAF4B2B}" type="slidenum">
+              <a:rPr lang="en-US" smtClean="0"/>
+              <a:pPr/>
+              <a:t>23</a:t>
+            </a:fld>
+            <a:endParaRPr lang="en-US"/>
+          </a:p>
+        </p:txBody>
+      </p:sp>
+      <p:sp>
+        <p:nvSpPr>
+          <p:cNvPr id="5" name="TextBox 4"/>
+          <p:cNvSpPr txBox="1"/>
+          <p:nvPr/>
+        </p:nvSpPr>
+        <p:spPr>
+          <a:xfrm>
+            <a:off x="76200" y="152400"/>
+            <a:ext cx="8382000" cy="1323439"/>
+          </a:xfrm>
+          <a:prstGeom prst="rect">
+            <a:avLst/>
+          </a:prstGeom>
+          <a:noFill/>
+        </p:spPr>
+        <p:txBody>
+          <a:bodyPr wrap="square" rtlCol="0">
+            <a:spAutoFit/>
+          </a:bodyPr>
+          <a:lstStyle/>
+          <a:p>
+            <a:r>
+              <a:rPr lang="en-US" sz="4000" dirty="0" smtClean="0">
+                <a:solidFill>
+                  <a:srgbClr val="FFC000"/>
+                </a:solidFill>
+                <a:latin typeface="Adobe Caslon Pro Bold" pitchFamily="18" charset="0"/>
+                <a:ea typeface="Adobe Fan Heiti Std B" pitchFamily="34" charset="-128"/>
+              </a:rPr>
+              <a:t>Database </a:t>
+            </a:r>
+            <a:endParaRPr lang="en-US" sz="4000" dirty="0" smtClean="0">
+              <a:solidFill>
+                <a:srgbClr val="FFC000"/>
+              </a:solidFill>
+              <a:latin typeface="Adobe Caslon Pro Bold" pitchFamily="18" charset="0"/>
+              <a:ea typeface="Adobe Fan Heiti Std B" pitchFamily="34" charset="-128"/>
+            </a:endParaRPr>
+          </a:p>
+          <a:p>
+            <a:r>
+              <a:rPr lang="en-US" sz="4000" dirty="0" smtClean="0">
+                <a:solidFill>
+                  <a:srgbClr val="FFC000"/>
+                </a:solidFill>
+                <a:latin typeface="Adobe Caslon Pro Bold" pitchFamily="18" charset="0"/>
+                <a:ea typeface="Adobe Fan Heiti Std B" pitchFamily="34" charset="-128"/>
+              </a:rPr>
+              <a:t>Design</a:t>
+            </a:r>
+            <a:endParaRPr lang="en-US" sz="4000" dirty="0" smtClean="0">
+              <a:solidFill>
+                <a:srgbClr val="FFC000"/>
+              </a:solidFill>
+              <a:latin typeface="Adobe Caslon Pro Bold" pitchFamily="18" charset="0"/>
+              <a:ea typeface="Adobe Fan Heiti Std B" pitchFamily="34" charset="-128"/>
+            </a:endParaRPr>
+          </a:p>
+        </p:txBody>
+      </p:sp>
+      <p:pic>
+        <p:nvPicPr>
+          <p:cNvPr id="1026" name="Picture 2" descr="C:\Users\DuyNgo\Desktop\Capstone\SVNTrunk\Document\Report\Presentation\Merged_ERD.jpg"/>
+          <p:cNvPicPr>
+            <a:picLocks noChangeAspect="1" noChangeArrowheads="1"/>
+          </p:cNvPicPr>
+          <p:nvPr/>
+        </p:nvPicPr>
+        <p:blipFill>
+          <a:blip r:embed="rId2">
+            <a:extLst>
+              <a:ext uri="{28A0092B-C50C-407E-A947-70E740481C1C}">
+                <a14:useLocalDpi xmlns:a14="http://schemas.microsoft.com/office/drawing/2010/main" val="0"/>
+              </a:ext>
+            </a:extLst>
+          </a:blip>
+          <a:srcRect/>
+          <a:stretch>
+            <a:fillRect/>
+          </a:stretch>
+        </p:blipFill>
+        <p:spPr bwMode="auto">
+          <a:xfrm>
+            <a:off x="2438400" y="0"/>
+            <a:ext cx="4980424" cy="6858000"/>
+          </a:xfrm>
+          <a:prstGeom prst="rect">
+            <a:avLst/>
+          </a:prstGeom>
+          <a:noFill/>
+          <a:extLst>
+            <a:ext uri="{909E8E84-426E-40DD-AFC4-6F175D3DCCD1}">
+              <a14:hiddenFill xmlns:a14="http://schemas.microsoft.com/office/drawing/2010/main">
+                <a:solidFill>
+                  <a:srgbClr val="FFFFFF"/>
+                </a:solidFill>
+              </a14:hiddenFill>
+            </a:ext>
+          </a:extLst>
+        </p:spPr>
+      </p:pic>
+    </p:spTree>
+    <p:extLst>
+      <p:ext uri="{BB962C8B-B14F-4D97-AF65-F5344CB8AC3E}">
+        <p14:creationId xmlns:p14="http://schemas.microsoft.com/office/powerpoint/2010/main" val="2181503388"/>
+      </p:ext>
+    </p:extLst>
+  </p:cSld>
+  <p:clrMapOvr>
+    <a:masterClrMapping/>
+  </p:clrMapOvr>
+  <p:timing>
+    <p:tnLst>
+      <p:par>
+        <p:cTn id="1" dur="indefinite" restart="never" nodeType="tmRoot"/>
+      </p:par>
+    </p:tnLst>
+  </p:timing>
+</p:sld>
+</file>
+
 <file path=ppt/slides/slide24.xml><?xml version="1.0" encoding="utf-8"?>
 <p:sld xmlns:a="http://schemas.openxmlformats.org/drawingml/2006/main" xmlns:r="http://schemas.openxmlformats.org/officeDocument/2006/relationships" xmlns:p="http://schemas.openxmlformats.org/presentationml/2006/main">
   <p:cSld>
@@ -20912,102 +19703,6 @@
               <a:rPr lang="en-US" smtClean="0"/>
               <a:pPr/>
               <a:t>24</a:t>
-            </a:fld>
-            <a:endParaRPr lang="en-US"/>
-          </a:p>
-        </p:txBody>
-      </p:sp>
-      <p:sp>
-        <p:nvSpPr>
-          <p:cNvPr id="5" name="TextBox 4"/>
-          <p:cNvSpPr txBox="1"/>
-          <p:nvPr/>
-        </p:nvSpPr>
-        <p:spPr>
-          <a:xfrm>
-            <a:off x="76200" y="152400"/>
-            <a:ext cx="8382000" cy="707886"/>
-          </a:xfrm>
-          <a:prstGeom prst="rect">
-            <a:avLst/>
-          </a:prstGeom>
-          <a:noFill/>
-        </p:spPr>
-        <p:txBody>
-          <a:bodyPr wrap="square" rtlCol="0">
-            <a:spAutoFit/>
-          </a:bodyPr>
-          <a:lstStyle/>
-          <a:p>
-            <a:r>
-              <a:rPr lang="en-US" sz="4000" dirty="0" smtClean="0">
-                <a:solidFill>
-                  <a:srgbClr val="FFC000"/>
-                </a:solidFill>
-                <a:latin typeface="Adobe Caslon Pro Bold" pitchFamily="18" charset="0"/>
-                <a:ea typeface="Adobe Fan Heiti Std B" pitchFamily="34" charset="-128"/>
-              </a:rPr>
-              <a:t>Database Design</a:t>
-            </a:r>
-          </a:p>
-        </p:txBody>
-      </p:sp>
-    </p:spTree>
-    <p:extLst>
-      <p:ext uri="{BB962C8B-B14F-4D97-AF65-F5344CB8AC3E}">
-        <p14:creationId xmlns:p14="http://schemas.microsoft.com/office/powerpoint/2010/main" val="2181503388"/>
-      </p:ext>
-    </p:extLst>
-  </p:cSld>
-  <p:clrMapOvr>
-    <a:masterClrMapping/>
-  </p:clrMapOvr>
-  <p:timing>
-    <p:tnLst>
-      <p:par>
-        <p:cTn id="1" dur="indefinite" restart="never" nodeType="tmRoot"/>
-      </p:par>
-    </p:tnLst>
-  </p:timing>
-</p:sld>
-</file>
-
-<file path=ppt/slides/slide25.xml><?xml version="1.0" encoding="utf-8"?>
-<p:sld xmlns:a="http://schemas.openxmlformats.org/drawingml/2006/main" xmlns:r="http://schemas.openxmlformats.org/officeDocument/2006/relationships" xmlns:p="http://schemas.openxmlformats.org/presentationml/2006/main">
-  <p:cSld>
-    <p:spTree>
-      <p:nvGrpSpPr>
-        <p:cNvPr id="1" name=""/>
-        <p:cNvGrpSpPr/>
-        <p:nvPr/>
-      </p:nvGrpSpPr>
-      <p:grpSpPr>
-        <a:xfrm>
-          <a:off x="0" y="0"/>
-          <a:ext cx="0" cy="0"/>
-          <a:chOff x="0" y="0"/>
-          <a:chExt cx="0" cy="0"/>
-        </a:xfrm>
-      </p:grpSpPr>
-      <p:sp>
-        <p:nvSpPr>
-          <p:cNvPr id="4" name="Slide Number Placeholder 3"/>
-          <p:cNvSpPr>
-            <a:spLocks noGrp="1"/>
-          </p:cNvSpPr>
-          <p:nvPr>
-            <p:ph type="sldNum" sz="quarter" idx="12"/>
-          </p:nvPr>
-        </p:nvSpPr>
-        <p:spPr/>
-        <p:txBody>
-          <a:bodyPr/>
-          <a:lstStyle/>
-          <a:p>
-            <a:fld id="{B6F15528-21DE-4FAA-801E-634DDDAF4B2B}" type="slidenum">
-              <a:rPr lang="en-US" smtClean="0"/>
-              <a:pPr/>
-              <a:t>25</a:t>
             </a:fld>
             <a:endParaRPr lang="en-US"/>
           </a:p>
@@ -25724,7 +24419,7 @@
 </p:sld>
 </file>
 
-<file path=ppt/slides/slide26.xml><?xml version="1.0" encoding="utf-8"?>
+<file path=ppt/slides/slide25.xml><?xml version="1.0" encoding="utf-8"?>
 <p:sld xmlns:a="http://schemas.openxmlformats.org/drawingml/2006/main" xmlns:r="http://schemas.openxmlformats.org/officeDocument/2006/relationships" xmlns:p="http://schemas.openxmlformats.org/presentationml/2006/main">
   <p:cSld>
     <p:spTree>
@@ -25759,7 +24454,7 @@
             <a:fld id="{B6F15528-21DE-4FAA-801E-634DDDAF4B2B}" type="slidenum">
               <a:rPr lang="en-US" smtClean="0"/>
               <a:pPr/>
-              <a:t>26</a:t>
+              <a:t>25</a:t>
             </a:fld>
             <a:endParaRPr lang="en-US"/>
           </a:p>
@@ -25984,7 +24679,7 @@
 </p:sld>
 </file>
 
-<file path=ppt/slides/slide27.xml><?xml version="1.0" encoding="utf-8"?>
+<file path=ppt/slides/slide26.xml><?xml version="1.0" encoding="utf-8"?>
 <p:sld xmlns:a="http://schemas.openxmlformats.org/drawingml/2006/main" xmlns:r="http://schemas.openxmlformats.org/officeDocument/2006/relationships" xmlns:p="http://schemas.openxmlformats.org/presentationml/2006/main">
   <p:cSld>
     <p:spTree>
@@ -26019,7 +24714,7 @@
             <a:fld id="{B6F15528-21DE-4FAA-801E-634DDDAF4B2B}" type="slidenum">
               <a:rPr lang="en-US" smtClean="0"/>
               <a:pPr/>
-              <a:t>27</a:t>
+              <a:t>26</a:t>
             </a:fld>
             <a:endParaRPr lang="en-US"/>
           </a:p>
@@ -26285,7 +24980,7 @@
 </p:sld>
 </file>
 
-<file path=ppt/slides/slide28.xml><?xml version="1.0" encoding="utf-8"?>
+<file path=ppt/slides/slide27.xml><?xml version="1.0" encoding="utf-8"?>
 <p:sld xmlns:a="http://schemas.openxmlformats.org/drawingml/2006/main" xmlns:r="http://schemas.openxmlformats.org/officeDocument/2006/relationships" xmlns:p="http://schemas.openxmlformats.org/presentationml/2006/main">
   <p:cSld>
     <p:spTree>
@@ -26320,7 +25015,7 @@
             <a:fld id="{B6F15528-21DE-4FAA-801E-634DDDAF4B2B}" type="slidenum">
               <a:rPr lang="en-US" smtClean="0"/>
               <a:pPr/>
-              <a:t>28</a:t>
+              <a:t>27</a:t>
             </a:fld>
             <a:endParaRPr lang="en-US"/>
           </a:p>
@@ -26358,13 +25053,6 @@
               </a:rPr>
               <a:t>Review</a:t>
             </a:r>
-            <a:endParaRPr lang="en-US" sz="4000" dirty="0" smtClean="0">
-              <a:solidFill>
-                <a:srgbClr val="FFC000"/>
-              </a:solidFill>
-              <a:latin typeface="Adobe Caslon Pro Bold" pitchFamily="18" charset="0"/>
-              <a:ea typeface="Adobe Fan Heiti Std B" pitchFamily="34" charset="-128"/>
-            </a:endParaRPr>
           </a:p>
         </p:txBody>
       </p:sp>
@@ -26520,7 +25208,7 @@
 </p:sld>
 </file>
 
-<file path=ppt/slides/slide29.xml><?xml version="1.0" encoding="utf-8"?>
+<file path=ppt/slides/slide28.xml><?xml version="1.0" encoding="utf-8"?>
 <p:sld xmlns:a="http://schemas.openxmlformats.org/drawingml/2006/main" xmlns:r="http://schemas.openxmlformats.org/officeDocument/2006/relationships" xmlns:p="http://schemas.openxmlformats.org/presentationml/2006/main">
   <p:cSld>
     <p:spTree>
@@ -26555,7 +25243,7 @@
             <a:fld id="{B6F15528-21DE-4FAA-801E-634DDDAF4B2B}" type="slidenum">
               <a:rPr lang="en-US" smtClean="0"/>
               <a:pPr/>
-              <a:t>29</a:t>
+              <a:t>28</a:t>
             </a:fld>
             <a:endParaRPr lang="en-US"/>
           </a:p>
@@ -29036,6 +27724,181 @@
 </p:sld>
 </file>
 
+<file path=ppt/slides/slide29.xml><?xml version="1.0" encoding="utf-8"?>
+<p:sld xmlns:a="http://schemas.openxmlformats.org/drawingml/2006/main" xmlns:r="http://schemas.openxmlformats.org/officeDocument/2006/relationships" xmlns:p="http://schemas.openxmlformats.org/presentationml/2006/main">
+  <p:cSld>
+    <p:spTree>
+      <p:nvGrpSpPr>
+        <p:cNvPr id="1" name=""/>
+        <p:cNvGrpSpPr/>
+        <p:nvPr/>
+      </p:nvGrpSpPr>
+      <p:grpSpPr>
+        <a:xfrm>
+          <a:off x="0" y="0"/>
+          <a:ext cx="0" cy="0"/>
+          <a:chOff x="0" y="0"/>
+          <a:chExt cx="0" cy="0"/>
+        </a:xfrm>
+      </p:grpSpPr>
+      <p:sp>
+        <p:nvSpPr>
+          <p:cNvPr id="7" name="Content Placeholder 6"/>
+          <p:cNvSpPr>
+            <a:spLocks noGrp="1"/>
+          </p:cNvSpPr>
+          <p:nvPr>
+            <p:ph sz="half" idx="1"/>
+          </p:nvPr>
+        </p:nvSpPr>
+        <p:spPr>
+          <a:xfrm>
+            <a:off x="457200" y="1371600"/>
+            <a:ext cx="7620000" cy="4983325"/>
+          </a:xfrm>
+        </p:spPr>
+        <p:txBody>
+          <a:bodyPr/>
+          <a:lstStyle/>
+          <a:p>
+            <a:r>
+              <a:rPr lang="en-US" b="1" dirty="0" smtClean="0"/>
+              <a:t>Features</a:t>
+            </a:r>
+            <a:br>
+              <a:rPr lang="en-US" b="1" dirty="0" smtClean="0"/>
+            </a:br>
+            <a:endParaRPr lang="en-US" b="1" dirty="0" smtClean="0"/>
+          </a:p>
+          <a:p>
+            <a:r>
+              <a:rPr lang="en-US" b="1" dirty="0" smtClean="0"/>
+              <a:t>Compatibility</a:t>
+            </a:r>
+            <a:br>
+              <a:rPr lang="en-US" b="1" dirty="0" smtClean="0"/>
+            </a:br>
+            <a:endParaRPr lang="en-US" b="1" dirty="0" smtClean="0"/>
+          </a:p>
+          <a:p>
+            <a:r>
+              <a:rPr lang="en-US" b="1" dirty="0"/>
+              <a:t>Ease of </a:t>
+            </a:r>
+            <a:r>
+              <a:rPr lang="en-US" b="1" dirty="0" smtClean="0"/>
+              <a:t>Use</a:t>
+            </a:r>
+            <a:br>
+              <a:rPr lang="en-US" b="1" dirty="0" smtClean="0"/>
+            </a:br>
+            <a:endParaRPr lang="en-US" b="1" dirty="0"/>
+          </a:p>
+          <a:p>
+            <a:r>
+              <a:rPr lang="en-US" b="1" dirty="0"/>
+              <a:t>Help &amp; </a:t>
+            </a:r>
+            <a:r>
+              <a:rPr lang="en-US" b="1" dirty="0" smtClean="0"/>
+              <a:t>Support</a:t>
+            </a:r>
+            <a:br>
+              <a:rPr lang="en-US" b="1" dirty="0" smtClean="0"/>
+            </a:br>
+            <a:endParaRPr lang="en-US" b="1" dirty="0"/>
+          </a:p>
+          <a:p>
+            <a:r>
+              <a:rPr lang="en-US" b="1" dirty="0"/>
+              <a:t>Pricing and Conditions</a:t>
+            </a:r>
+            <a:endParaRPr lang="en-US" dirty="0"/>
+          </a:p>
+          <a:p>
+            <a:endParaRPr lang="en-US" dirty="0"/>
+          </a:p>
+        </p:txBody>
+      </p:sp>
+      <p:sp>
+        <p:nvSpPr>
+          <p:cNvPr id="4" name="Slide Number Placeholder 3"/>
+          <p:cNvSpPr>
+            <a:spLocks noGrp="1"/>
+          </p:cNvSpPr>
+          <p:nvPr>
+            <p:ph type="sldNum" sz="quarter" idx="12"/>
+          </p:nvPr>
+        </p:nvSpPr>
+        <p:spPr/>
+        <p:txBody>
+          <a:bodyPr/>
+          <a:lstStyle/>
+          <a:p>
+            <a:fld id="{B6F15528-21DE-4FAA-801E-634DDDAF4B2B}" type="slidenum">
+              <a:rPr lang="en-US" smtClean="0"/>
+              <a:pPr/>
+              <a:t>29</a:t>
+            </a:fld>
+            <a:endParaRPr lang="en-US"/>
+          </a:p>
+        </p:txBody>
+      </p:sp>
+      <p:sp>
+        <p:nvSpPr>
+          <p:cNvPr id="5" name="TextBox 4"/>
+          <p:cNvSpPr txBox="1"/>
+          <p:nvPr/>
+        </p:nvSpPr>
+        <p:spPr>
+          <a:xfrm>
+            <a:off x="76200" y="152400"/>
+            <a:ext cx="8382000" cy="707886"/>
+          </a:xfrm>
+          <a:prstGeom prst="rect">
+            <a:avLst/>
+          </a:prstGeom>
+          <a:noFill/>
+        </p:spPr>
+        <p:txBody>
+          <a:bodyPr wrap="square" rtlCol="0">
+            <a:spAutoFit/>
+          </a:bodyPr>
+          <a:lstStyle/>
+          <a:p>
+            <a:r>
+              <a:rPr lang="en-US" sz="4000" dirty="0" smtClean="0">
+                <a:solidFill>
+                  <a:srgbClr val="FFC000"/>
+                </a:solidFill>
+                <a:latin typeface="Adobe Caslon Pro Bold" pitchFamily="18" charset="0"/>
+                <a:ea typeface="Adobe Fan Heiti Std B" pitchFamily="34" charset="-128"/>
+              </a:rPr>
+              <a:t>Summary</a:t>
+            </a:r>
+          </a:p>
+        </p:txBody>
+      </p:sp>
+    </p:spTree>
+    <p:extLst>
+      <p:ext uri="{BB962C8B-B14F-4D97-AF65-F5344CB8AC3E}">
+        <p14:creationId xmlns:p14="http://schemas.microsoft.com/office/powerpoint/2010/main" val="803082343"/>
+      </p:ext>
+    </p:extLst>
+  </p:cSld>
+  <p:clrMapOvr>
+    <a:masterClrMapping/>
+  </p:clrMapOvr>
+  <p:timing>
+    <p:tnLst>
+      <p:par>
+        <p:cTn id="1" dur="indefinite" restart="never" nodeType="tmRoot"/>
+      </p:par>
+    </p:tnLst>
+  </p:timing>
+</p:sld>
+</file>
+
 <file path=ppt/slides/slide3.xml><?xml version="1.0" encoding="utf-8"?>
 <p:sld xmlns:a="http://schemas.openxmlformats.org/drawingml/2006/main" xmlns:r="http://schemas.openxmlformats.org/officeDocument/2006/relationships" xmlns:p="http://schemas.openxmlformats.org/presentationml/2006/main">
   <p:cSld>
@@ -33810,85 +32673,6 @@
       </p:grpSpPr>
       <p:sp>
         <p:nvSpPr>
-          <p:cNvPr id="7" name="Content Placeholder 6"/>
-          <p:cNvSpPr>
-            <a:spLocks noGrp="1"/>
-          </p:cNvSpPr>
-          <p:nvPr>
-            <p:ph sz="half" idx="1"/>
-          </p:nvPr>
-        </p:nvSpPr>
-        <p:spPr>
-          <a:xfrm>
-            <a:off x="457200" y="1371600"/>
-            <a:ext cx="7620000" cy="4983325"/>
-          </a:xfrm>
-        </p:spPr>
-        <p:txBody>
-          <a:bodyPr/>
-          <a:lstStyle/>
-          <a:p>
-            <a:r>
-              <a:rPr lang="en-US" b="1" dirty="0" smtClean="0"/>
-              <a:t>Features</a:t>
-            </a:r>
-            <a:br>
-              <a:rPr lang="en-US" b="1" dirty="0" smtClean="0"/>
-            </a:br>
-            <a:endParaRPr lang="en-US" b="1" dirty="0" smtClean="0"/>
-          </a:p>
-          <a:p>
-            <a:r>
-              <a:rPr lang="en-US" b="1" dirty="0" smtClean="0"/>
-              <a:t>Compatibility</a:t>
-            </a:r>
-            <a:br>
-              <a:rPr lang="en-US" b="1" dirty="0" smtClean="0"/>
-            </a:br>
-            <a:endParaRPr lang="en-US" b="1" dirty="0" smtClean="0"/>
-          </a:p>
-          <a:p>
-            <a:r>
-              <a:rPr lang="en-US" b="1" dirty="0"/>
-              <a:t>Ease of </a:t>
-            </a:r>
-            <a:r>
-              <a:rPr lang="en-US" b="1" dirty="0" smtClean="0"/>
-              <a:t>Use</a:t>
-            </a:r>
-            <a:br>
-              <a:rPr lang="en-US" b="1" dirty="0" smtClean="0"/>
-            </a:br>
-            <a:endParaRPr lang="en-US" b="1" dirty="0"/>
-          </a:p>
-          <a:p>
-            <a:r>
-              <a:rPr lang="en-US" b="1" dirty="0"/>
-              <a:t>Help &amp; </a:t>
-            </a:r>
-            <a:r>
-              <a:rPr lang="en-US" b="1" dirty="0" smtClean="0"/>
-              <a:t>Support</a:t>
-            </a:r>
-            <a:br>
-              <a:rPr lang="en-US" b="1" dirty="0" smtClean="0"/>
-            </a:br>
-            <a:endParaRPr lang="en-US" b="1" dirty="0"/>
-          </a:p>
-          <a:p>
-            <a:r>
-              <a:rPr lang="en-US" b="1" dirty="0"/>
-              <a:t>Pricing and Conditions</a:t>
-            </a:r>
-            <a:endParaRPr lang="en-US" dirty="0"/>
-          </a:p>
-          <a:p>
-            <a:endParaRPr lang="en-US" dirty="0"/>
-          </a:p>
-        </p:txBody>
-      </p:sp>
-      <p:sp>
-        <p:nvSpPr>
           <p:cNvPr id="4" name="Slide Number Placeholder 3"/>
           <p:cNvSpPr>
             <a:spLocks noGrp="1"/>
@@ -33919,7 +32703,7 @@
         </p:nvSpPr>
         <p:spPr>
           <a:xfrm>
-            <a:off x="76200" y="152400"/>
+            <a:off x="2514600" y="3276600"/>
             <a:ext cx="8382000" cy="707886"/>
           </a:xfrm>
           <a:prstGeom prst="rect">
@@ -33941,22 +32725,15 @@
                 <a:latin typeface="Adobe Caslon Pro Bold" pitchFamily="18" charset="0"/>
                 <a:ea typeface="Adobe Fan Heiti Std B" pitchFamily="34" charset="-128"/>
               </a:rPr>
-              <a:t>Summary</a:t>
+              <a:t>DEMO AND QA</a:t>
             </a:r>
-            <a:endParaRPr lang="en-US" sz="4000" dirty="0" smtClean="0">
-              <a:solidFill>
-                <a:srgbClr val="FFC000"/>
-              </a:solidFill>
-              <a:latin typeface="Adobe Caslon Pro Bold" pitchFamily="18" charset="0"/>
-              <a:ea typeface="Adobe Fan Heiti Std B" pitchFamily="34" charset="-128"/>
-            </a:endParaRPr>
           </a:p>
         </p:txBody>
       </p:sp>
     </p:spTree>
     <p:extLst>
       <p:ext uri="{BB962C8B-B14F-4D97-AF65-F5344CB8AC3E}">
-        <p14:creationId xmlns:p14="http://schemas.microsoft.com/office/powerpoint/2010/main" val="803082343"/>
+        <p14:creationId xmlns:p14="http://schemas.microsoft.com/office/powerpoint/2010/main" val="1858083964"/>
       </p:ext>
     </p:extLst>
   </p:cSld>
@@ -34022,102 +32799,6 @@
         </p:nvSpPr>
         <p:spPr>
           <a:xfrm>
-            <a:off x="2514600" y="3276600"/>
-            <a:ext cx="8382000" cy="707886"/>
-          </a:xfrm>
-          <a:prstGeom prst="rect">
-            <a:avLst/>
-          </a:prstGeom>
-          <a:noFill/>
-        </p:spPr>
-        <p:txBody>
-          <a:bodyPr wrap="square" rtlCol="0">
-            <a:spAutoFit/>
-          </a:bodyPr>
-          <a:lstStyle/>
-          <a:p>
-            <a:r>
-              <a:rPr lang="en-US" sz="4000" dirty="0" smtClean="0">
-                <a:solidFill>
-                  <a:srgbClr val="FFC000"/>
-                </a:solidFill>
-                <a:latin typeface="Adobe Caslon Pro Bold" pitchFamily="18" charset="0"/>
-                <a:ea typeface="Adobe Fan Heiti Std B" pitchFamily="34" charset="-128"/>
-              </a:rPr>
-              <a:t>DEMO AND QA</a:t>
-            </a:r>
-          </a:p>
-        </p:txBody>
-      </p:sp>
-    </p:spTree>
-    <p:extLst>
-      <p:ext uri="{BB962C8B-B14F-4D97-AF65-F5344CB8AC3E}">
-        <p14:creationId xmlns:p14="http://schemas.microsoft.com/office/powerpoint/2010/main" val="1858083964"/>
-      </p:ext>
-    </p:extLst>
-  </p:cSld>
-  <p:clrMapOvr>
-    <a:masterClrMapping/>
-  </p:clrMapOvr>
-  <p:timing>
-    <p:tnLst>
-      <p:par>
-        <p:cTn id="1" dur="indefinite" restart="never" nodeType="tmRoot"/>
-      </p:par>
-    </p:tnLst>
-  </p:timing>
-</p:sld>
-</file>
-
-<file path=ppt/slides/slide32.xml><?xml version="1.0" encoding="utf-8"?>
-<p:sld xmlns:a="http://schemas.openxmlformats.org/drawingml/2006/main" xmlns:r="http://schemas.openxmlformats.org/officeDocument/2006/relationships" xmlns:p="http://schemas.openxmlformats.org/presentationml/2006/main">
-  <p:cSld>
-    <p:spTree>
-      <p:nvGrpSpPr>
-        <p:cNvPr id="1" name=""/>
-        <p:cNvGrpSpPr/>
-        <p:nvPr/>
-      </p:nvGrpSpPr>
-      <p:grpSpPr>
-        <a:xfrm>
-          <a:off x="0" y="0"/>
-          <a:ext cx="0" cy="0"/>
-          <a:chOff x="0" y="0"/>
-          <a:chExt cx="0" cy="0"/>
-        </a:xfrm>
-      </p:grpSpPr>
-      <p:sp>
-        <p:nvSpPr>
-          <p:cNvPr id="4" name="Slide Number Placeholder 3"/>
-          <p:cNvSpPr>
-            <a:spLocks noGrp="1"/>
-          </p:cNvSpPr>
-          <p:nvPr>
-            <p:ph type="sldNum" sz="quarter" idx="12"/>
-          </p:nvPr>
-        </p:nvSpPr>
-        <p:spPr/>
-        <p:txBody>
-          <a:bodyPr/>
-          <a:lstStyle/>
-          <a:p>
-            <a:fld id="{B6F15528-21DE-4FAA-801E-634DDDAF4B2B}" type="slidenum">
-              <a:rPr lang="en-US" smtClean="0"/>
-              <a:pPr/>
-              <a:t>32</a:t>
-            </a:fld>
-            <a:endParaRPr lang="en-US"/>
-          </a:p>
-        </p:txBody>
-      </p:sp>
-      <p:sp>
-        <p:nvSpPr>
-          <p:cNvPr id="5" name="TextBox 4"/>
-          <p:cNvSpPr txBox="1"/>
-          <p:nvPr/>
-        </p:nvSpPr>
-        <p:spPr>
-          <a:xfrm>
             <a:off x="1828800" y="3124200"/>
             <a:ext cx="8382000" cy="707886"/>
           </a:xfrm>
@@ -34142,13 +32823,6 @@
               </a:rPr>
               <a:t>Thank You For Listening</a:t>
             </a:r>
-            <a:endParaRPr lang="en-US" sz="4000" dirty="0" smtClean="0">
-              <a:solidFill>
-                <a:srgbClr val="FFC000"/>
-              </a:solidFill>
-              <a:latin typeface="Adobe Caslon Pro Bold" pitchFamily="18" charset="0"/>
-              <a:ea typeface="Adobe Fan Heiti Std B" pitchFamily="34" charset="-128"/>
-            </a:endParaRPr>
           </a:p>
         </p:txBody>
       </p:sp>
@@ -35499,13 +34173,7 @@
               <a:rPr lang="en-US" b="1" dirty="0" smtClean="0">
                 <a:latin typeface="Segoe Script" pitchFamily="34" charset="0"/>
               </a:rPr>
-              <a:t>Legacy system: </a:t>
-            </a:r>
-            <a:r>
-              <a:rPr lang="en-US" b="1" dirty="0" smtClean="0">
-                <a:latin typeface="Segoe Script" pitchFamily="34" charset="0"/>
-              </a:rPr>
-              <a:t>….</a:t>
+              <a:t>Legacy system: ….</a:t>
             </a:r>
           </a:p>
           <a:p>

--- a/Document/Report/Presentation/OOPMS_Presentation_v1.0.pptx
+++ b/Document/Report/Presentation/OOPMS_Presentation_v1.0.pptx
@@ -32,14 +32,14 @@
     <p:sldId id="295" r:id="rId23"/>
     <p:sldId id="279" r:id="rId24"/>
     <p:sldId id="280" r:id="rId25"/>
-    <p:sldId id="296" r:id="rId26"/>
-    <p:sldId id="281" r:id="rId27"/>
-    <p:sldId id="282" r:id="rId28"/>
-    <p:sldId id="283" r:id="rId29"/>
-    <p:sldId id="284" r:id="rId30"/>
-    <p:sldId id="293" r:id="rId31"/>
-    <p:sldId id="285" r:id="rId32"/>
-    <p:sldId id="286" r:id="rId33"/>
+    <p:sldId id="281" r:id="rId26"/>
+    <p:sldId id="282" r:id="rId27"/>
+    <p:sldId id="283" r:id="rId28"/>
+    <p:sldId id="284" r:id="rId29"/>
+    <p:sldId id="293" r:id="rId30"/>
+    <p:sldId id="285" r:id="rId31"/>
+    <p:sldId id="286" r:id="rId32"/>
+    <p:sldId id="299" r:id="rId33"/>
     <p:sldId id="287" r:id="rId34"/>
     <p:sldId id="297" r:id="rId35"/>
     <p:sldId id="288" r:id="rId36"/>
@@ -19553,44 +19553,129 @@
           </a:p>
         </p:txBody>
       </p:sp>
-      <p:sp>
-        <p:nvSpPr>
-          <p:cNvPr id="6" name="TextBox 5"/>
-          <p:cNvSpPr txBox="1"/>
+      <p:pic>
+        <p:nvPicPr>
+          <p:cNvPr id="2050" name="Picture 2" descr="C:\Users\DuyNgo\Desktop\ScreenHunter_08 Aug. 20 00.08.png"/>
+          <p:cNvPicPr>
+            <a:picLocks noChangeAspect="1" noChangeArrowheads="1"/>
+          </p:cNvPicPr>
           <p:nvPr/>
-        </p:nvSpPr>
-        <p:spPr>
+        </p:nvPicPr>
+        <p:blipFill>
+          <a:blip r:embed="rId2">
+            <a:extLst>
+              <a:ext uri="{28A0092B-C50C-407E-A947-70E740481C1C}">
+                <a14:useLocalDpi xmlns:a14="http://schemas.microsoft.com/office/drawing/2010/main" val="0"/>
+              </a:ext>
+            </a:extLst>
+          </a:blip>
+          <a:srcRect/>
+          <a:stretch>
+            <a:fillRect/>
+          </a:stretch>
+        </p:blipFill>
+        <p:spPr bwMode="auto">
           <a:xfrm>
-            <a:off x="1676400" y="2286000"/>
-            <a:ext cx="4186595" cy="369332"/>
+            <a:off x="12700" y="838200"/>
+            <a:ext cx="8483332" cy="3514725"/>
           </a:xfrm>
           <a:prstGeom prst="rect">
             <a:avLst/>
           </a:prstGeom>
           <a:noFill/>
+          <a:extLst>
+            <a:ext uri="{909E8E84-426E-40DD-AFC4-6F175D3DCCD1}">
+              <a14:hiddenFill xmlns:a14="http://schemas.microsoft.com/office/drawing/2010/main">
+                <a:solidFill>
+                  <a:srgbClr val="FFFFFF"/>
+                </a:solidFill>
+              </a14:hiddenFill>
+            </a:ext>
+          </a:extLst>
         </p:spPr>
-        <p:txBody>
-          <a:bodyPr wrap="none" rtlCol="0">
-            <a:spAutoFit/>
-          </a:bodyPr>
-          <a:lstStyle/>
-          <a:p>
-            <a:r>
-              <a:rPr lang="en-US" dirty="0" smtClean="0"/>
-              <a:t>pic </a:t>
-            </a:r>
-            <a:r>
-              <a:rPr lang="en-US" dirty="0" smtClean="0"/>
-              <a:t>portal in </a:t>
-            </a:r>
-            <a:r>
-              <a:rPr lang="en-US" dirty="0" smtClean="0"/>
-              <a:t>use to show customization</a:t>
-            </a:r>
-            <a:endParaRPr lang="en-US" dirty="0" smtClean="0"/>
-          </a:p>
-        </p:txBody>
-      </p:sp>
+      </p:pic>
+      <p:pic>
+        <p:nvPicPr>
+          <p:cNvPr id="2051" name="Picture 3" descr="C:\Users\DuyNgo\Desktop\ScreenHunter_08 Aug. 20 00.13.png"/>
+          <p:cNvPicPr>
+            <a:picLocks noChangeAspect="1" noChangeArrowheads="1"/>
+          </p:cNvPicPr>
+          <p:nvPr/>
+        </p:nvPicPr>
+        <p:blipFill>
+          <a:blip r:embed="rId3">
+            <a:extLst>
+              <a:ext uri="{28A0092B-C50C-407E-A947-70E740481C1C}">
+                <a14:useLocalDpi xmlns:a14="http://schemas.microsoft.com/office/drawing/2010/main" val="0"/>
+              </a:ext>
+            </a:extLst>
+          </a:blip>
+          <a:srcRect/>
+          <a:stretch>
+            <a:fillRect/>
+          </a:stretch>
+        </p:blipFill>
+        <p:spPr bwMode="auto">
+          <a:xfrm>
+            <a:off x="114300" y="3886200"/>
+            <a:ext cx="6591300" cy="2831162"/>
+          </a:xfrm>
+          <a:prstGeom prst="rect">
+            <a:avLst/>
+          </a:prstGeom>
+          <a:noFill/>
+          <a:extLst>
+            <a:ext uri="{909E8E84-426E-40DD-AFC4-6F175D3DCCD1}">
+              <a14:hiddenFill xmlns:a14="http://schemas.microsoft.com/office/drawing/2010/main">
+                <a:solidFill>
+                  <a:srgbClr val="FFFFFF"/>
+                </a:solidFill>
+              </a14:hiddenFill>
+            </a:ext>
+          </a:extLst>
+        </p:spPr>
+      </p:pic>
+      <p:pic>
+        <p:nvPicPr>
+          <p:cNvPr id="2052" name="Picture 4" descr="C:\Users\DuyNgo\Desktop\ScreenHunter_08 Aug. 20 00.15.png"/>
+          <p:cNvPicPr>
+            <a:picLocks noChangeAspect="1" noChangeArrowheads="1"/>
+          </p:cNvPicPr>
+          <p:nvPr/>
+        </p:nvPicPr>
+        <p:blipFill>
+          <a:blip r:embed="rId4">
+            <a:extLst>
+              <a:ext uri="{28A0092B-C50C-407E-A947-70E740481C1C}">
+                <a14:useLocalDpi xmlns:a14="http://schemas.microsoft.com/office/drawing/2010/main" val="0"/>
+              </a:ext>
+            </a:extLst>
+          </a:blip>
+          <a:srcRect/>
+          <a:stretch>
+            <a:fillRect/>
+          </a:stretch>
+        </p:blipFill>
+        <p:spPr bwMode="auto">
+          <a:xfrm>
+            <a:off x="3695700" y="5301781"/>
+            <a:ext cx="5448300" cy="1450032"/>
+          </a:xfrm>
+          <a:prstGeom prst="rect">
+            <a:avLst/>
+          </a:prstGeom>
+          <a:noFill/>
+          <a:extLst>
+            <a:ext uri="{909E8E84-426E-40DD-AFC4-6F175D3DCCD1}">
+              <a14:hiddenFill xmlns:a14="http://schemas.microsoft.com/office/drawing/2010/main">
+                <a:solidFill>
+                  <a:srgbClr val="FFFFFF"/>
+                </a:solidFill>
+              </a14:hiddenFill>
+            </a:ext>
+          </a:extLst>
+        </p:spPr>
+      </p:pic>
     </p:spTree>
     <p:extLst>
       <p:ext uri="{BB962C8B-B14F-4D97-AF65-F5344CB8AC3E}">
@@ -19840,10 +19925,35 @@
           </a:p>
         </p:txBody>
       </p:sp>
+      <p:sp>
+        <p:nvSpPr>
+          <p:cNvPr id="2" name="Footer Placeholder 1"/>
+          <p:cNvSpPr>
+            <a:spLocks noGrp="1"/>
+          </p:cNvSpPr>
+          <p:nvPr>
+            <p:ph type="ftr" sz="quarter" idx="11"/>
+          </p:nvPr>
+        </p:nvSpPr>
+        <p:spPr/>
+        <p:txBody>
+          <a:bodyPr/>
+          <a:lstStyle/>
+          <a:p>
+            <a:r>
+              <a:rPr lang="en-US" smtClean="0"/>
+              <a:t>OOPMS Team</a:t>
+            </a:r>
+            <a:endParaRPr lang="en-US"/>
+          </a:p>
+        </p:txBody>
+      </p:sp>
       <p:pic>
         <p:nvPicPr>
-          <p:cNvPr id="8" name="Picture 7" descr="C:\Users\DuyNgo\Desktop\ScreenHunter_02 Aug. 11 09.17.png"/>
-          <p:cNvPicPr/>
+          <p:cNvPr id="3074" name="Picture 2" descr="C:\Users\DuyNgo\Desktop\ScreenHunter_08 Aug. 20 00.20.png"/>
+          <p:cNvPicPr>
+            <a:picLocks noChangeAspect="1" noChangeArrowheads="1"/>
+          </p:cNvPicPr>
           <p:nvPr/>
         </p:nvPicPr>
         <p:blipFill>
@@ -19861,16 +19971,22 @@
         </p:blipFill>
         <p:spPr bwMode="auto">
           <a:xfrm>
-            <a:off x="3432566" y="1784651"/>
-            <a:ext cx="5580380" cy="1938020"/>
+            <a:off x="1904900" y="685800"/>
+            <a:ext cx="6858100" cy="4191003"/>
           </a:xfrm>
           <a:prstGeom prst="rect">
             <a:avLst/>
           </a:prstGeom>
           <a:noFill/>
-          <a:ln>
-            <a:noFill/>
-          </a:ln>
+          <a:extLst>
+            <a:ext uri="{909E8E84-426E-40DD-AFC4-6F175D3DCCD1}">
+              <a14:hiddenFill xmlns:a14="http://schemas.microsoft.com/office/drawing/2010/main">
+                <a:solidFill>
+                  <a:srgbClr val="FFFFFF"/>
+                </a:solidFill>
+              </a14:hiddenFill>
+            </a:ext>
+          </a:extLst>
         </p:spPr>
       </p:pic>
       <p:pic>
@@ -19896,8 +20012,8 @@
         </p:blipFill>
         <p:spPr bwMode="auto">
           <a:xfrm>
-            <a:off x="256396" y="2209800"/>
-            <a:ext cx="3016394" cy="3514755"/>
+            <a:off x="67401" y="914400"/>
+            <a:ext cx="2339810" cy="2726388"/>
           </a:xfrm>
           <a:prstGeom prst="rect">
             <a:avLst/>
@@ -19914,29 +20030,80 @@
           </a:extLst>
         </p:spPr>
       </p:pic>
-      <p:sp>
-        <p:nvSpPr>
-          <p:cNvPr id="2" name="Footer Placeholder 1"/>
-          <p:cNvSpPr>
-            <a:spLocks noGrp="1"/>
-          </p:cNvSpPr>
-          <p:nvPr>
-            <p:ph type="ftr" sz="quarter" idx="11"/>
-          </p:nvPr>
-        </p:nvSpPr>
-        <p:spPr/>
-        <p:txBody>
-          <a:bodyPr/>
-          <a:lstStyle/>
-          <a:p>
-            <a:r>
-              <a:rPr lang="en-US" smtClean="0"/>
-              <a:t>OOPMS Team</a:t>
-            </a:r>
-            <a:endParaRPr lang="en-US"/>
-          </a:p>
-        </p:txBody>
-      </p:sp>
+      <p:pic>
+        <p:nvPicPr>
+          <p:cNvPr id="3075" name="Picture 3" descr="C:\Users\DuyNgo\Desktop\ScreenHunter_08 Aug. 20 00.24.png"/>
+          <p:cNvPicPr>
+            <a:picLocks noChangeAspect="1" noChangeArrowheads="1"/>
+          </p:cNvPicPr>
+          <p:nvPr/>
+        </p:nvPicPr>
+        <p:blipFill>
+          <a:blip r:embed="rId4">
+            <a:extLst>
+              <a:ext uri="{28A0092B-C50C-407E-A947-70E740481C1C}">
+                <a14:useLocalDpi xmlns:a14="http://schemas.microsoft.com/office/drawing/2010/main" val="0"/>
+              </a:ext>
+            </a:extLst>
+          </a:blip>
+          <a:srcRect/>
+          <a:stretch>
+            <a:fillRect/>
+          </a:stretch>
+        </p:blipFill>
+        <p:spPr bwMode="auto">
+          <a:xfrm>
+            <a:off x="88900" y="4011789"/>
+            <a:ext cx="4940300" cy="2744611"/>
+          </a:xfrm>
+          <a:prstGeom prst="rect">
+            <a:avLst/>
+          </a:prstGeom>
+          <a:noFill/>
+          <a:extLst>
+            <a:ext uri="{909E8E84-426E-40DD-AFC4-6F175D3DCCD1}">
+              <a14:hiddenFill xmlns:a14="http://schemas.microsoft.com/office/drawing/2010/main">
+                <a:solidFill>
+                  <a:srgbClr val="FFFFFF"/>
+                </a:solidFill>
+              </a14:hiddenFill>
+            </a:ext>
+          </a:extLst>
+        </p:spPr>
+      </p:pic>
+      <p:pic>
+        <p:nvPicPr>
+          <p:cNvPr id="8" name="Picture 7" descr="C:\Users\DuyNgo\Desktop\ScreenHunter_02 Aug. 11 09.17.png"/>
+          <p:cNvPicPr/>
+          <p:nvPr/>
+        </p:nvPicPr>
+        <p:blipFill>
+          <a:blip r:embed="rId5">
+            <a:extLst>
+              <a:ext uri="{28A0092B-C50C-407E-A947-70E740481C1C}">
+                <a14:useLocalDpi xmlns:a14="http://schemas.microsoft.com/office/drawing/2010/main" val="0"/>
+              </a:ext>
+            </a:extLst>
+          </a:blip>
+          <a:srcRect/>
+          <a:stretch>
+            <a:fillRect/>
+          </a:stretch>
+        </p:blipFill>
+        <p:spPr bwMode="auto">
+          <a:xfrm>
+            <a:off x="4495800" y="5003317"/>
+            <a:ext cx="4419600" cy="1473683"/>
+          </a:xfrm>
+          <a:prstGeom prst="rect">
+            <a:avLst/>
+          </a:prstGeom>
+          <a:noFill/>
+          <a:ln>
+            <a:noFill/>
+          </a:ln>
+        </p:spPr>
+      </p:pic>
     </p:spTree>
     <p:extLst>
       <p:ext uri="{BB962C8B-B14F-4D97-AF65-F5344CB8AC3E}">
@@ -19966,166 +20133,6 @@
 </file>
 
 <file path=ppt/slides/slide25.xml><?xml version="1.0" encoding="utf-8"?>
-<p:sld xmlns:a="http://schemas.openxmlformats.org/drawingml/2006/main" xmlns:r="http://schemas.openxmlformats.org/officeDocument/2006/relationships" xmlns:p="http://schemas.openxmlformats.org/presentationml/2006/main">
-  <p:cSld>
-    <p:spTree>
-      <p:nvGrpSpPr>
-        <p:cNvPr id="1" name=""/>
-        <p:cNvGrpSpPr/>
-        <p:nvPr/>
-      </p:nvGrpSpPr>
-      <p:grpSpPr>
-        <a:xfrm>
-          <a:off x="0" y="0"/>
-          <a:ext cx="0" cy="0"/>
-          <a:chOff x="0" y="0"/>
-          <a:chExt cx="0" cy="0"/>
-        </a:xfrm>
-      </p:grpSpPr>
-      <p:sp>
-        <p:nvSpPr>
-          <p:cNvPr id="4" name="Slide Number Placeholder 3"/>
-          <p:cNvSpPr>
-            <a:spLocks noGrp="1"/>
-          </p:cNvSpPr>
-          <p:nvPr>
-            <p:ph type="sldNum" sz="quarter" idx="12"/>
-          </p:nvPr>
-        </p:nvSpPr>
-        <p:spPr/>
-        <p:txBody>
-          <a:bodyPr/>
-          <a:lstStyle/>
-          <a:p>
-            <a:fld id="{B6F15528-21DE-4FAA-801E-634DDDAF4B2B}" type="slidenum">
-              <a:rPr lang="en-US" smtClean="0"/>
-              <a:pPr/>
-              <a:t>25</a:t>
-            </a:fld>
-            <a:endParaRPr lang="en-US"/>
-          </a:p>
-        </p:txBody>
-      </p:sp>
-      <p:sp>
-        <p:nvSpPr>
-          <p:cNvPr id="5" name="TextBox 4"/>
-          <p:cNvSpPr txBox="1"/>
-          <p:nvPr/>
-        </p:nvSpPr>
-        <p:spPr>
-          <a:xfrm>
-            <a:off x="76200" y="152400"/>
-            <a:ext cx="8382000" cy="707886"/>
-          </a:xfrm>
-          <a:prstGeom prst="rect">
-            <a:avLst/>
-          </a:prstGeom>
-          <a:noFill/>
-        </p:spPr>
-        <p:txBody>
-          <a:bodyPr wrap="square" rtlCol="0">
-            <a:spAutoFit/>
-          </a:bodyPr>
-          <a:lstStyle/>
-          <a:p>
-            <a:r>
-              <a:rPr lang="en-US" sz="4000" dirty="0" smtClean="0">
-                <a:solidFill>
-                  <a:srgbClr val="FFC000"/>
-                </a:solidFill>
-                <a:latin typeface="Adobe Caslon Pro Bold" pitchFamily="18" charset="0"/>
-                <a:ea typeface="Adobe Fan Heiti Std B" pitchFamily="34" charset="-128"/>
-              </a:rPr>
-              <a:t>UI Design</a:t>
-            </a:r>
-          </a:p>
-        </p:txBody>
-      </p:sp>
-      <p:sp>
-        <p:nvSpPr>
-          <p:cNvPr id="2" name="Footer Placeholder 1"/>
-          <p:cNvSpPr>
-            <a:spLocks noGrp="1"/>
-          </p:cNvSpPr>
-          <p:nvPr>
-            <p:ph type="ftr" sz="quarter" idx="11"/>
-          </p:nvPr>
-        </p:nvSpPr>
-        <p:spPr/>
-        <p:txBody>
-          <a:bodyPr/>
-          <a:lstStyle/>
-          <a:p>
-            <a:r>
-              <a:rPr lang="en-US" smtClean="0"/>
-              <a:t>OOPMS Team</a:t>
-            </a:r>
-            <a:endParaRPr lang="en-US"/>
-          </a:p>
-        </p:txBody>
-      </p:sp>
-      <p:sp>
-        <p:nvSpPr>
-          <p:cNvPr id="3" name="TextBox 2"/>
-          <p:cNvSpPr txBox="1"/>
-          <p:nvPr/>
-        </p:nvSpPr>
-        <p:spPr>
-          <a:xfrm>
-            <a:off x="2667000" y="2743200"/>
-            <a:ext cx="2231124" cy="369332"/>
-          </a:xfrm>
-          <a:prstGeom prst="rect">
-            <a:avLst/>
-          </a:prstGeom>
-          <a:noFill/>
-        </p:spPr>
-        <p:txBody>
-          <a:bodyPr wrap="none" rtlCol="0">
-            <a:spAutoFit/>
-          </a:bodyPr>
-          <a:lstStyle/>
-          <a:p>
-            <a:r>
-              <a:rPr lang="en-US" dirty="0" err="1" smtClean="0"/>
-              <a:t>Hình</a:t>
-            </a:r>
-            <a:r>
-              <a:rPr lang="en-US" dirty="0" smtClean="0"/>
-              <a:t> OOPMS in use</a:t>
-            </a:r>
-          </a:p>
-        </p:txBody>
-      </p:sp>
-    </p:spTree>
-    <p:extLst>
-      <p:ext uri="{BB962C8B-B14F-4D97-AF65-F5344CB8AC3E}">
-        <p14:creationId xmlns:p14="http://schemas.microsoft.com/office/powerpoint/2010/main" val="529866053"/>
-      </p:ext>
-    </p:extLst>
-  </p:cSld>
-  <p:clrMapOvr>
-    <a:masterClrMapping/>
-  </p:clrMapOvr>
-  <mc:AlternateContent xmlns:mc="http://schemas.openxmlformats.org/markup-compatibility/2006" xmlns:p14="http://schemas.microsoft.com/office/powerpoint/2010/main">
-    <mc:Choice Requires="p14">
-      <p:transition spd="slow" p14:dur="2000"/>
-    </mc:Choice>
-    <mc:Fallback xmlns="">
-      <p:transition spd="slow"/>
-    </mc:Fallback>
-  </mc:AlternateContent>
-  <p:timing>
-    <p:tnLst>
-      <p:par>
-        <p:cTn id="1" dur="indefinite" restart="never" nodeType="tmRoot"/>
-      </p:par>
-    </p:tnLst>
-  </p:timing>
-</p:sld>
-</file>
-
-<file path=ppt/slides/slide26.xml><?xml version="1.0" encoding="utf-8"?>
 <p:sld xmlns:a="http://schemas.openxmlformats.org/drawingml/2006/main" xmlns:r="http://schemas.openxmlformats.org/officeDocument/2006/relationships" xmlns:p="http://schemas.openxmlformats.org/presentationml/2006/main">
   <p:cSld>
     <p:spTree>
@@ -20276,7 +20283,7 @@
             <a:fld id="{B6F15528-21DE-4FAA-801E-634DDDAF4B2B}" type="slidenum">
               <a:rPr lang="en-US" smtClean="0"/>
               <a:pPr/>
-              <a:t>26</a:t>
+              <a:t>25</a:t>
             </a:fld>
             <a:endParaRPr lang="en-US"/>
           </a:p>
@@ -20369,7 +20376,7 @@
 </p:sld>
 </file>
 
-<file path=ppt/slides/slide27.xml><?xml version="1.0" encoding="utf-8"?>
+<file path=ppt/slides/slide26.xml><?xml version="1.0" encoding="utf-8"?>
 <p:sld xmlns:a="http://schemas.openxmlformats.org/drawingml/2006/main" xmlns:r="http://schemas.openxmlformats.org/officeDocument/2006/relationships" xmlns:p="http://schemas.openxmlformats.org/presentationml/2006/main">
   <p:cSld>
     <p:spTree>
@@ -20404,7 +20411,7 @@
             <a:fld id="{B6F15528-21DE-4FAA-801E-634DDDAF4B2B}" type="slidenum">
               <a:rPr lang="en-US" smtClean="0"/>
               <a:pPr/>
-              <a:t>27</a:t>
+              <a:t>26</a:t>
             </a:fld>
             <a:endParaRPr lang="en-US"/>
           </a:p>
@@ -20541,7 +20548,7 @@
 </p:sld>
 </file>
 
-<file path=ppt/slides/slide28.xml><?xml version="1.0" encoding="utf-8"?>
+<file path=ppt/slides/slide27.xml><?xml version="1.0" encoding="utf-8"?>
 <p:sld xmlns:a="http://schemas.openxmlformats.org/drawingml/2006/main" xmlns:r="http://schemas.openxmlformats.org/officeDocument/2006/relationships" xmlns:p="http://schemas.openxmlformats.org/presentationml/2006/main">
   <p:cSld>
     <p:spTree>
@@ -20576,7 +20583,7 @@
             <a:fld id="{B6F15528-21DE-4FAA-801E-634DDDAF4B2B}" type="slidenum">
               <a:rPr lang="en-US" smtClean="0"/>
               <a:pPr/>
-              <a:t>28</a:t>
+              <a:t>27</a:t>
             </a:fld>
             <a:endParaRPr lang="en-US"/>
           </a:p>
@@ -25316,7 +25323,7 @@
 </p:sld>
 </file>
 
-<file path=ppt/slides/slide29.xml><?xml version="1.0" encoding="utf-8"?>
+<file path=ppt/slides/slide28.xml><?xml version="1.0" encoding="utf-8"?>
 <p:sld xmlns:a="http://schemas.openxmlformats.org/drawingml/2006/main" xmlns:r="http://schemas.openxmlformats.org/officeDocument/2006/relationships" xmlns:p="http://schemas.openxmlformats.org/presentationml/2006/main">
   <p:cSld>
     <p:spTree>
@@ -25351,7 +25358,7 @@
             <a:fld id="{B6F15528-21DE-4FAA-801E-634DDDAF4B2B}" type="slidenum">
               <a:rPr lang="en-US" smtClean="0"/>
               <a:pPr/>
-              <a:t>29</a:t>
+              <a:t>28</a:t>
             </a:fld>
             <a:endParaRPr lang="en-US"/>
           </a:p>
@@ -25583,6 +25590,330 @@
     <p:extLst>
       <p:ext uri="{BB962C8B-B14F-4D97-AF65-F5344CB8AC3E}">
         <p14:creationId xmlns:p14="http://schemas.microsoft.com/office/powerpoint/2010/main" val="2116981622"/>
+      </p:ext>
+    </p:extLst>
+  </p:cSld>
+  <p:clrMapOvr>
+    <a:masterClrMapping/>
+  </p:clrMapOvr>
+  <p:timing>
+    <p:tnLst>
+      <p:par>
+        <p:cTn id="1" dur="indefinite" restart="never" nodeType="tmRoot"/>
+      </p:par>
+    </p:tnLst>
+  </p:timing>
+</p:sld>
+</file>
+
+<file path=ppt/slides/slide29.xml><?xml version="1.0" encoding="utf-8"?>
+<p:sld xmlns:a="http://schemas.openxmlformats.org/drawingml/2006/main" xmlns:r="http://schemas.openxmlformats.org/officeDocument/2006/relationships" xmlns:p="http://schemas.openxmlformats.org/presentationml/2006/main">
+  <p:cSld>
+    <p:spTree>
+      <p:nvGrpSpPr>
+        <p:cNvPr id="1" name=""/>
+        <p:cNvGrpSpPr/>
+        <p:nvPr/>
+      </p:nvGrpSpPr>
+      <p:grpSpPr>
+        <a:xfrm>
+          <a:off x="0" y="0"/>
+          <a:ext cx="0" cy="0"/>
+          <a:chOff x="0" y="0"/>
+          <a:chExt cx="0" cy="0"/>
+        </a:xfrm>
+      </p:grpSpPr>
+      <p:sp>
+        <p:nvSpPr>
+          <p:cNvPr id="4" name="Slide Number Placeholder 3"/>
+          <p:cNvSpPr>
+            <a:spLocks noGrp="1"/>
+          </p:cNvSpPr>
+          <p:nvPr>
+            <p:ph type="sldNum" sz="quarter" idx="12"/>
+          </p:nvPr>
+        </p:nvSpPr>
+        <p:spPr/>
+        <p:txBody>
+          <a:bodyPr/>
+          <a:lstStyle/>
+          <a:p>
+            <a:fld id="{B6F15528-21DE-4FAA-801E-634DDDAF4B2B}" type="slidenum">
+              <a:rPr lang="en-US" smtClean="0"/>
+              <a:pPr/>
+              <a:t>29</a:t>
+            </a:fld>
+            <a:endParaRPr lang="en-US"/>
+          </a:p>
+        </p:txBody>
+      </p:sp>
+      <p:sp>
+        <p:nvSpPr>
+          <p:cNvPr id="5" name="TextBox 4"/>
+          <p:cNvSpPr txBox="1"/>
+          <p:nvPr/>
+        </p:nvSpPr>
+        <p:spPr>
+          <a:xfrm>
+            <a:off x="76200" y="152400"/>
+            <a:ext cx="8382000" cy="707886"/>
+          </a:xfrm>
+          <a:prstGeom prst="rect">
+            <a:avLst/>
+          </a:prstGeom>
+          <a:noFill/>
+        </p:spPr>
+        <p:txBody>
+          <a:bodyPr wrap="square" rtlCol="0">
+            <a:spAutoFit/>
+          </a:bodyPr>
+          <a:lstStyle/>
+          <a:p>
+            <a:r>
+              <a:rPr lang="en-US" sz="4000" dirty="0" smtClean="0">
+                <a:solidFill>
+                  <a:srgbClr val="FFC000"/>
+                </a:solidFill>
+                <a:latin typeface="Adobe Caslon Pro Bold" pitchFamily="18" charset="0"/>
+                <a:ea typeface="Adobe Fan Heiti Std B" pitchFamily="34" charset="-128"/>
+              </a:rPr>
+              <a:t>Technologies</a:t>
+            </a:r>
+          </a:p>
+        </p:txBody>
+      </p:sp>
+      <p:sp>
+        <p:nvSpPr>
+          <p:cNvPr id="2" name="Footer Placeholder 1"/>
+          <p:cNvSpPr>
+            <a:spLocks noGrp="1"/>
+          </p:cNvSpPr>
+          <p:nvPr>
+            <p:ph type="ftr" sz="quarter" idx="11"/>
+          </p:nvPr>
+        </p:nvSpPr>
+        <p:spPr/>
+        <p:txBody>
+          <a:bodyPr/>
+          <a:lstStyle/>
+          <a:p>
+            <a:r>
+              <a:rPr lang="en-US" smtClean="0"/>
+              <a:t>OOPMS Team</a:t>
+            </a:r>
+            <a:endParaRPr lang="en-US"/>
+          </a:p>
+        </p:txBody>
+      </p:sp>
+      <p:pic>
+        <p:nvPicPr>
+          <p:cNvPr id="3074" name="Picture 2" descr="C:\Users\DuyNgo\Desktop\ScreenHunter_04 Aug. 18 10.18.png"/>
+          <p:cNvPicPr>
+            <a:picLocks noChangeAspect="1" noChangeArrowheads="1"/>
+          </p:cNvPicPr>
+          <p:nvPr/>
+        </p:nvPicPr>
+        <p:blipFill>
+          <a:blip r:embed="rId2">
+            <a:extLst>
+              <a:ext uri="{28A0092B-C50C-407E-A947-70E740481C1C}">
+                <a14:useLocalDpi xmlns:a14="http://schemas.microsoft.com/office/drawing/2010/main" val="0"/>
+              </a:ext>
+            </a:extLst>
+          </a:blip>
+          <a:srcRect/>
+          <a:stretch>
+            <a:fillRect/>
+          </a:stretch>
+        </p:blipFill>
+        <p:spPr bwMode="auto">
+          <a:xfrm>
+            <a:off x="381000" y="860286"/>
+            <a:ext cx="3079382" cy="2612426"/>
+          </a:xfrm>
+          <a:prstGeom prst="rect">
+            <a:avLst/>
+          </a:prstGeom>
+          <a:noFill/>
+          <a:extLst>
+            <a:ext uri="{909E8E84-426E-40DD-AFC4-6F175D3DCCD1}">
+              <a14:hiddenFill xmlns:a14="http://schemas.microsoft.com/office/drawing/2010/main">
+                <a:solidFill>
+                  <a:srgbClr val="FFFFFF"/>
+                </a:solidFill>
+              </a14:hiddenFill>
+            </a:ext>
+          </a:extLst>
+        </p:spPr>
+      </p:pic>
+      <p:pic>
+        <p:nvPicPr>
+          <p:cNvPr id="3075" name="Picture 3" descr="C:\Users\DuyNgo\Desktop\google-code-labs-logo.png"/>
+          <p:cNvPicPr>
+            <a:picLocks noChangeAspect="1" noChangeArrowheads="1"/>
+          </p:cNvPicPr>
+          <p:nvPr/>
+        </p:nvPicPr>
+        <p:blipFill>
+          <a:blip r:embed="rId3">
+            <a:extLst>
+              <a:ext uri="{28A0092B-C50C-407E-A947-70E740481C1C}">
+                <a14:useLocalDpi xmlns:a14="http://schemas.microsoft.com/office/drawing/2010/main" val="0"/>
+              </a:ext>
+            </a:extLst>
+          </a:blip>
+          <a:srcRect/>
+          <a:stretch>
+            <a:fillRect/>
+          </a:stretch>
+        </p:blipFill>
+        <p:spPr bwMode="auto">
+          <a:xfrm>
+            <a:off x="76200" y="4004277"/>
+            <a:ext cx="1952625" cy="1943100"/>
+          </a:xfrm>
+          <a:prstGeom prst="rect">
+            <a:avLst/>
+          </a:prstGeom>
+          <a:noFill/>
+          <a:extLst>
+            <a:ext uri="{909E8E84-426E-40DD-AFC4-6F175D3DCCD1}">
+              <a14:hiddenFill xmlns:a14="http://schemas.microsoft.com/office/drawing/2010/main">
+                <a:solidFill>
+                  <a:srgbClr val="FFFFFF"/>
+                </a:solidFill>
+              </a14:hiddenFill>
+            </a:ext>
+          </a:extLst>
+        </p:spPr>
+      </p:pic>
+      <p:pic>
+        <p:nvPicPr>
+          <p:cNvPr id="3076" name="Picture 4" descr="C:\Users\DuyNgo\Desktop\ScreenHunter_04 Aug. 18 10.26.png"/>
+          <p:cNvPicPr>
+            <a:picLocks noChangeAspect="1" noChangeArrowheads="1"/>
+          </p:cNvPicPr>
+          <p:nvPr/>
+        </p:nvPicPr>
+        <p:blipFill>
+          <a:blip r:embed="rId4">
+            <a:extLst>
+              <a:ext uri="{28A0092B-C50C-407E-A947-70E740481C1C}">
+                <a14:useLocalDpi xmlns:a14="http://schemas.microsoft.com/office/drawing/2010/main" val="0"/>
+              </a:ext>
+            </a:extLst>
+          </a:blip>
+          <a:srcRect/>
+          <a:stretch>
+            <a:fillRect/>
+          </a:stretch>
+        </p:blipFill>
+        <p:spPr bwMode="auto">
+          <a:xfrm>
+            <a:off x="2250891" y="3472712"/>
+            <a:ext cx="6612437" cy="3006230"/>
+          </a:xfrm>
+          <a:prstGeom prst="rect">
+            <a:avLst/>
+          </a:prstGeom>
+          <a:noFill/>
+          <a:extLst>
+            <a:ext uri="{909E8E84-426E-40DD-AFC4-6F175D3DCCD1}">
+              <a14:hiddenFill xmlns:a14="http://schemas.microsoft.com/office/drawing/2010/main">
+                <a:solidFill>
+                  <a:srgbClr val="FFFFFF"/>
+                </a:solidFill>
+              </a14:hiddenFill>
+            </a:ext>
+          </a:extLst>
+        </p:spPr>
+      </p:pic>
+      <p:pic>
+        <p:nvPicPr>
+          <p:cNvPr id="3077" name="Picture 5" descr="C:\Users\DuyNgo\Desktop\ScreenHunter_04 Aug. 18 10.29.png"/>
+          <p:cNvPicPr>
+            <a:picLocks noChangeAspect="1" noChangeArrowheads="1"/>
+          </p:cNvPicPr>
+          <p:nvPr/>
+        </p:nvPicPr>
+        <p:blipFill>
+          <a:blip r:embed="rId5">
+            <a:extLst>
+              <a:ext uri="{28A0092B-C50C-407E-A947-70E740481C1C}">
+                <a14:useLocalDpi xmlns:a14="http://schemas.microsoft.com/office/drawing/2010/main" val="0"/>
+              </a:ext>
+            </a:extLst>
+          </a:blip>
+          <a:srcRect/>
+          <a:stretch>
+            <a:fillRect/>
+          </a:stretch>
+        </p:blipFill>
+        <p:spPr bwMode="auto">
+          <a:xfrm>
+            <a:off x="3810000" y="990600"/>
+            <a:ext cx="4762500" cy="1047750"/>
+          </a:xfrm>
+          <a:prstGeom prst="rect">
+            <a:avLst/>
+          </a:prstGeom>
+          <a:noFill/>
+          <a:extLst>
+            <a:ext uri="{909E8E84-426E-40DD-AFC4-6F175D3DCCD1}">
+              <a14:hiddenFill xmlns:a14="http://schemas.microsoft.com/office/drawing/2010/main">
+                <a:solidFill>
+                  <a:srgbClr val="FFFFFF"/>
+                </a:solidFill>
+              </a14:hiddenFill>
+            </a:ext>
+          </a:extLst>
+        </p:spPr>
+      </p:pic>
+      <p:pic>
+        <p:nvPicPr>
+          <p:cNvPr id="3078" name="Picture 6" descr="C:\Users\DuyNgo\Desktop\apache_tomcat_bag.jpg"/>
+          <p:cNvPicPr>
+            <a:picLocks noChangeAspect="1" noChangeArrowheads="1"/>
+          </p:cNvPicPr>
+          <p:nvPr/>
+        </p:nvPicPr>
+        <p:blipFill>
+          <a:blip r:embed="rId6">
+            <a:extLst>
+              <a:ext uri="{28A0092B-C50C-407E-A947-70E740481C1C}">
+                <a14:useLocalDpi xmlns:a14="http://schemas.microsoft.com/office/drawing/2010/main" val="0"/>
+              </a:ext>
+            </a:extLst>
+          </a:blip>
+          <a:srcRect/>
+          <a:stretch>
+            <a:fillRect/>
+          </a:stretch>
+        </p:blipFill>
+        <p:spPr bwMode="auto">
+          <a:xfrm>
+            <a:off x="6178550" y="2038350"/>
+            <a:ext cx="1850478" cy="1850478"/>
+          </a:xfrm>
+          <a:prstGeom prst="rect">
+            <a:avLst/>
+          </a:prstGeom>
+          <a:noFill/>
+          <a:extLst>
+            <a:ext uri="{909E8E84-426E-40DD-AFC4-6F175D3DCCD1}">
+              <a14:hiddenFill xmlns:a14="http://schemas.microsoft.com/office/drawing/2010/main">
+                <a:solidFill>
+                  <a:srgbClr val="FFFFFF"/>
+                </a:solidFill>
+              </a14:hiddenFill>
+            </a:ext>
+          </a:extLst>
+        </p:spPr>
+      </p:pic>
+    </p:spTree>
+    <p:extLst>
+      <p:ext uri="{BB962C8B-B14F-4D97-AF65-F5344CB8AC3E}">
+        <p14:creationId xmlns:p14="http://schemas.microsoft.com/office/powerpoint/2010/main" val="3743256097"/>
       </p:ext>
     </p:extLst>
   </p:cSld>
@@ -30448,330 +30779,6 @@
                 <a:latin typeface="Adobe Caslon Pro Bold" pitchFamily="18" charset="0"/>
                 <a:ea typeface="Adobe Fan Heiti Std B" pitchFamily="34" charset="-128"/>
               </a:rPr>
-              <a:t>Technologies</a:t>
-            </a:r>
-          </a:p>
-        </p:txBody>
-      </p:sp>
-      <p:sp>
-        <p:nvSpPr>
-          <p:cNvPr id="2" name="Footer Placeholder 1"/>
-          <p:cNvSpPr>
-            <a:spLocks noGrp="1"/>
-          </p:cNvSpPr>
-          <p:nvPr>
-            <p:ph type="ftr" sz="quarter" idx="11"/>
-          </p:nvPr>
-        </p:nvSpPr>
-        <p:spPr/>
-        <p:txBody>
-          <a:bodyPr/>
-          <a:lstStyle/>
-          <a:p>
-            <a:r>
-              <a:rPr lang="en-US" smtClean="0"/>
-              <a:t>OOPMS Team</a:t>
-            </a:r>
-            <a:endParaRPr lang="en-US"/>
-          </a:p>
-        </p:txBody>
-      </p:sp>
-      <p:pic>
-        <p:nvPicPr>
-          <p:cNvPr id="3074" name="Picture 2" descr="C:\Users\DuyNgo\Desktop\ScreenHunter_04 Aug. 18 10.18.png"/>
-          <p:cNvPicPr>
-            <a:picLocks noChangeAspect="1" noChangeArrowheads="1"/>
-          </p:cNvPicPr>
-          <p:nvPr/>
-        </p:nvPicPr>
-        <p:blipFill>
-          <a:blip r:embed="rId2">
-            <a:extLst>
-              <a:ext uri="{28A0092B-C50C-407E-A947-70E740481C1C}">
-                <a14:useLocalDpi xmlns:a14="http://schemas.microsoft.com/office/drawing/2010/main" val="0"/>
-              </a:ext>
-            </a:extLst>
-          </a:blip>
-          <a:srcRect/>
-          <a:stretch>
-            <a:fillRect/>
-          </a:stretch>
-        </p:blipFill>
-        <p:spPr bwMode="auto">
-          <a:xfrm>
-            <a:off x="381000" y="860286"/>
-            <a:ext cx="3079382" cy="2612426"/>
-          </a:xfrm>
-          <a:prstGeom prst="rect">
-            <a:avLst/>
-          </a:prstGeom>
-          <a:noFill/>
-          <a:extLst>
-            <a:ext uri="{909E8E84-426E-40DD-AFC4-6F175D3DCCD1}">
-              <a14:hiddenFill xmlns:a14="http://schemas.microsoft.com/office/drawing/2010/main">
-                <a:solidFill>
-                  <a:srgbClr val="FFFFFF"/>
-                </a:solidFill>
-              </a14:hiddenFill>
-            </a:ext>
-          </a:extLst>
-        </p:spPr>
-      </p:pic>
-      <p:pic>
-        <p:nvPicPr>
-          <p:cNvPr id="3075" name="Picture 3" descr="C:\Users\DuyNgo\Desktop\google-code-labs-logo.png"/>
-          <p:cNvPicPr>
-            <a:picLocks noChangeAspect="1" noChangeArrowheads="1"/>
-          </p:cNvPicPr>
-          <p:nvPr/>
-        </p:nvPicPr>
-        <p:blipFill>
-          <a:blip r:embed="rId3">
-            <a:extLst>
-              <a:ext uri="{28A0092B-C50C-407E-A947-70E740481C1C}">
-                <a14:useLocalDpi xmlns:a14="http://schemas.microsoft.com/office/drawing/2010/main" val="0"/>
-              </a:ext>
-            </a:extLst>
-          </a:blip>
-          <a:srcRect/>
-          <a:stretch>
-            <a:fillRect/>
-          </a:stretch>
-        </p:blipFill>
-        <p:spPr bwMode="auto">
-          <a:xfrm>
-            <a:off x="76200" y="4004277"/>
-            <a:ext cx="1952625" cy="1943100"/>
-          </a:xfrm>
-          <a:prstGeom prst="rect">
-            <a:avLst/>
-          </a:prstGeom>
-          <a:noFill/>
-          <a:extLst>
-            <a:ext uri="{909E8E84-426E-40DD-AFC4-6F175D3DCCD1}">
-              <a14:hiddenFill xmlns:a14="http://schemas.microsoft.com/office/drawing/2010/main">
-                <a:solidFill>
-                  <a:srgbClr val="FFFFFF"/>
-                </a:solidFill>
-              </a14:hiddenFill>
-            </a:ext>
-          </a:extLst>
-        </p:spPr>
-      </p:pic>
-      <p:pic>
-        <p:nvPicPr>
-          <p:cNvPr id="3076" name="Picture 4" descr="C:\Users\DuyNgo\Desktop\ScreenHunter_04 Aug. 18 10.26.png"/>
-          <p:cNvPicPr>
-            <a:picLocks noChangeAspect="1" noChangeArrowheads="1"/>
-          </p:cNvPicPr>
-          <p:nvPr/>
-        </p:nvPicPr>
-        <p:blipFill>
-          <a:blip r:embed="rId4">
-            <a:extLst>
-              <a:ext uri="{28A0092B-C50C-407E-A947-70E740481C1C}">
-                <a14:useLocalDpi xmlns:a14="http://schemas.microsoft.com/office/drawing/2010/main" val="0"/>
-              </a:ext>
-            </a:extLst>
-          </a:blip>
-          <a:srcRect/>
-          <a:stretch>
-            <a:fillRect/>
-          </a:stretch>
-        </p:blipFill>
-        <p:spPr bwMode="auto">
-          <a:xfrm>
-            <a:off x="2250891" y="3472712"/>
-            <a:ext cx="6612437" cy="3006230"/>
-          </a:xfrm>
-          <a:prstGeom prst="rect">
-            <a:avLst/>
-          </a:prstGeom>
-          <a:noFill/>
-          <a:extLst>
-            <a:ext uri="{909E8E84-426E-40DD-AFC4-6F175D3DCCD1}">
-              <a14:hiddenFill xmlns:a14="http://schemas.microsoft.com/office/drawing/2010/main">
-                <a:solidFill>
-                  <a:srgbClr val="FFFFFF"/>
-                </a:solidFill>
-              </a14:hiddenFill>
-            </a:ext>
-          </a:extLst>
-        </p:spPr>
-      </p:pic>
-      <p:pic>
-        <p:nvPicPr>
-          <p:cNvPr id="3077" name="Picture 5" descr="C:\Users\DuyNgo\Desktop\ScreenHunter_04 Aug. 18 10.29.png"/>
-          <p:cNvPicPr>
-            <a:picLocks noChangeAspect="1" noChangeArrowheads="1"/>
-          </p:cNvPicPr>
-          <p:nvPr/>
-        </p:nvPicPr>
-        <p:blipFill>
-          <a:blip r:embed="rId5">
-            <a:extLst>
-              <a:ext uri="{28A0092B-C50C-407E-A947-70E740481C1C}">
-                <a14:useLocalDpi xmlns:a14="http://schemas.microsoft.com/office/drawing/2010/main" val="0"/>
-              </a:ext>
-            </a:extLst>
-          </a:blip>
-          <a:srcRect/>
-          <a:stretch>
-            <a:fillRect/>
-          </a:stretch>
-        </p:blipFill>
-        <p:spPr bwMode="auto">
-          <a:xfrm>
-            <a:off x="3810000" y="990600"/>
-            <a:ext cx="4762500" cy="1047750"/>
-          </a:xfrm>
-          <a:prstGeom prst="rect">
-            <a:avLst/>
-          </a:prstGeom>
-          <a:noFill/>
-          <a:extLst>
-            <a:ext uri="{909E8E84-426E-40DD-AFC4-6F175D3DCCD1}">
-              <a14:hiddenFill xmlns:a14="http://schemas.microsoft.com/office/drawing/2010/main">
-                <a:solidFill>
-                  <a:srgbClr val="FFFFFF"/>
-                </a:solidFill>
-              </a14:hiddenFill>
-            </a:ext>
-          </a:extLst>
-        </p:spPr>
-      </p:pic>
-      <p:pic>
-        <p:nvPicPr>
-          <p:cNvPr id="3078" name="Picture 6" descr="C:\Users\DuyNgo\Desktop\apache_tomcat_bag.jpg"/>
-          <p:cNvPicPr>
-            <a:picLocks noChangeAspect="1" noChangeArrowheads="1"/>
-          </p:cNvPicPr>
-          <p:nvPr/>
-        </p:nvPicPr>
-        <p:blipFill>
-          <a:blip r:embed="rId6">
-            <a:extLst>
-              <a:ext uri="{28A0092B-C50C-407E-A947-70E740481C1C}">
-                <a14:useLocalDpi xmlns:a14="http://schemas.microsoft.com/office/drawing/2010/main" val="0"/>
-              </a:ext>
-            </a:extLst>
-          </a:blip>
-          <a:srcRect/>
-          <a:stretch>
-            <a:fillRect/>
-          </a:stretch>
-        </p:blipFill>
-        <p:spPr bwMode="auto">
-          <a:xfrm>
-            <a:off x="6178550" y="2038350"/>
-            <a:ext cx="1850478" cy="1850478"/>
-          </a:xfrm>
-          <a:prstGeom prst="rect">
-            <a:avLst/>
-          </a:prstGeom>
-          <a:noFill/>
-          <a:extLst>
-            <a:ext uri="{909E8E84-426E-40DD-AFC4-6F175D3DCCD1}">
-              <a14:hiddenFill xmlns:a14="http://schemas.microsoft.com/office/drawing/2010/main">
-                <a:solidFill>
-                  <a:srgbClr val="FFFFFF"/>
-                </a:solidFill>
-              </a14:hiddenFill>
-            </a:ext>
-          </a:extLst>
-        </p:spPr>
-      </p:pic>
-    </p:spTree>
-    <p:extLst>
-      <p:ext uri="{BB962C8B-B14F-4D97-AF65-F5344CB8AC3E}">
-        <p14:creationId xmlns:p14="http://schemas.microsoft.com/office/powerpoint/2010/main" val="3743256097"/>
-      </p:ext>
-    </p:extLst>
-  </p:cSld>
-  <p:clrMapOvr>
-    <a:masterClrMapping/>
-  </p:clrMapOvr>
-  <p:timing>
-    <p:tnLst>
-      <p:par>
-        <p:cTn id="1" dur="indefinite" restart="never" nodeType="tmRoot"/>
-      </p:par>
-    </p:tnLst>
-  </p:timing>
-</p:sld>
-</file>
-
-<file path=ppt/slides/slide31.xml><?xml version="1.0" encoding="utf-8"?>
-<p:sld xmlns:a="http://schemas.openxmlformats.org/drawingml/2006/main" xmlns:r="http://schemas.openxmlformats.org/officeDocument/2006/relationships" xmlns:p="http://schemas.openxmlformats.org/presentationml/2006/main">
-  <p:cSld>
-    <p:spTree>
-      <p:nvGrpSpPr>
-        <p:cNvPr id="1" name=""/>
-        <p:cNvGrpSpPr/>
-        <p:nvPr/>
-      </p:nvGrpSpPr>
-      <p:grpSpPr>
-        <a:xfrm>
-          <a:off x="0" y="0"/>
-          <a:ext cx="0" cy="0"/>
-          <a:chOff x="0" y="0"/>
-          <a:chExt cx="0" cy="0"/>
-        </a:xfrm>
-      </p:grpSpPr>
-      <p:sp>
-        <p:nvSpPr>
-          <p:cNvPr id="4" name="Slide Number Placeholder 3"/>
-          <p:cNvSpPr>
-            <a:spLocks noGrp="1"/>
-          </p:cNvSpPr>
-          <p:nvPr>
-            <p:ph type="sldNum" sz="quarter" idx="12"/>
-          </p:nvPr>
-        </p:nvSpPr>
-        <p:spPr/>
-        <p:txBody>
-          <a:bodyPr/>
-          <a:lstStyle/>
-          <a:p>
-            <a:fld id="{B6F15528-21DE-4FAA-801E-634DDDAF4B2B}" type="slidenum">
-              <a:rPr lang="en-US" smtClean="0"/>
-              <a:pPr/>
-              <a:t>31</a:t>
-            </a:fld>
-            <a:endParaRPr lang="en-US"/>
-          </a:p>
-        </p:txBody>
-      </p:sp>
-      <p:sp>
-        <p:nvSpPr>
-          <p:cNvPr id="5" name="TextBox 4"/>
-          <p:cNvSpPr txBox="1"/>
-          <p:nvPr/>
-        </p:nvSpPr>
-        <p:spPr>
-          <a:xfrm>
-            <a:off x="76200" y="152400"/>
-            <a:ext cx="8382000" cy="707886"/>
-          </a:xfrm>
-          <a:prstGeom prst="rect">
-            <a:avLst/>
-          </a:prstGeom>
-          <a:noFill/>
-        </p:spPr>
-        <p:txBody>
-          <a:bodyPr wrap="square" rtlCol="0">
-            <a:spAutoFit/>
-          </a:bodyPr>
-          <a:lstStyle/>
-          <a:p>
-            <a:r>
-              <a:rPr lang="en-US" sz="4000" dirty="0" smtClean="0">
-                <a:solidFill>
-                  <a:srgbClr val="FFC000"/>
-                </a:solidFill>
-                <a:latin typeface="Adobe Caslon Pro Bold" pitchFamily="18" charset="0"/>
-                <a:ea typeface="Adobe Fan Heiti Std B" pitchFamily="34" charset="-128"/>
-              </a:rPr>
               <a:t>Tools</a:t>
             </a:r>
           </a:p>
@@ -31025,7 +31032,7 @@
 </p:sld>
 </file>
 
-<file path=ppt/slides/slide32.xml><?xml version="1.0" encoding="utf-8"?>
+<file path=ppt/slides/slide31.xml><?xml version="1.0" encoding="utf-8"?>
 <p:sld xmlns:a="http://schemas.openxmlformats.org/drawingml/2006/main" xmlns:r="http://schemas.openxmlformats.org/officeDocument/2006/relationships" xmlns:p="http://schemas.openxmlformats.org/presentationml/2006/main">
   <p:cSld>
     <p:spTree>
@@ -31060,7 +31067,7 @@
             <a:fld id="{B6F15528-21DE-4FAA-801E-634DDDAF4B2B}" type="slidenum">
               <a:rPr lang="en-US" smtClean="0"/>
               <a:pPr/>
-              <a:t>32</a:t>
+              <a:t>31</a:t>
             </a:fld>
             <a:endParaRPr lang="en-US"/>
           </a:p>
@@ -31260,6 +31267,173 @@
     <p:extLst>
       <p:ext uri="{BB962C8B-B14F-4D97-AF65-F5344CB8AC3E}">
         <p14:creationId xmlns:p14="http://schemas.microsoft.com/office/powerpoint/2010/main" val="2506033812"/>
+      </p:ext>
+    </p:extLst>
+  </p:cSld>
+  <p:clrMapOvr>
+    <a:masterClrMapping/>
+  </p:clrMapOvr>
+  <p:timing>
+    <p:tnLst>
+      <p:par>
+        <p:cTn id="1" dur="indefinite" restart="never" nodeType="tmRoot"/>
+      </p:par>
+    </p:tnLst>
+  </p:timing>
+</p:sld>
+</file>
+
+<file path=ppt/slides/slide32.xml><?xml version="1.0" encoding="utf-8"?>
+<p:sld xmlns:a="http://schemas.openxmlformats.org/drawingml/2006/main" xmlns:r="http://schemas.openxmlformats.org/officeDocument/2006/relationships" xmlns:p="http://schemas.openxmlformats.org/presentationml/2006/main">
+  <p:cSld>
+    <p:spTree>
+      <p:nvGrpSpPr>
+        <p:cNvPr id="1" name=""/>
+        <p:cNvGrpSpPr/>
+        <p:nvPr/>
+      </p:nvGrpSpPr>
+      <p:grpSpPr>
+        <a:xfrm>
+          <a:off x="0" y="0"/>
+          <a:ext cx="0" cy="0"/>
+          <a:chOff x="0" y="0"/>
+          <a:chExt cx="0" cy="0"/>
+        </a:xfrm>
+      </p:grpSpPr>
+      <p:sp>
+        <p:nvSpPr>
+          <p:cNvPr id="4" name="Slide Number Placeholder 3"/>
+          <p:cNvSpPr>
+            <a:spLocks noGrp="1"/>
+          </p:cNvSpPr>
+          <p:nvPr>
+            <p:ph type="sldNum" sz="quarter" idx="12"/>
+          </p:nvPr>
+        </p:nvSpPr>
+        <p:spPr/>
+        <p:txBody>
+          <a:bodyPr/>
+          <a:lstStyle/>
+          <a:p>
+            <a:fld id="{B6F15528-21DE-4FAA-801E-634DDDAF4B2B}" type="slidenum">
+              <a:rPr lang="en-US" smtClean="0"/>
+              <a:pPr/>
+              <a:t>32</a:t>
+            </a:fld>
+            <a:endParaRPr lang="en-US"/>
+          </a:p>
+        </p:txBody>
+      </p:sp>
+      <p:sp>
+        <p:nvSpPr>
+          <p:cNvPr id="5" name="TextBox 4"/>
+          <p:cNvSpPr txBox="1"/>
+          <p:nvPr/>
+        </p:nvSpPr>
+        <p:spPr>
+          <a:xfrm>
+            <a:off x="76200" y="152400"/>
+            <a:ext cx="8382000" cy="707886"/>
+          </a:xfrm>
+          <a:prstGeom prst="rect">
+            <a:avLst/>
+          </a:prstGeom>
+          <a:noFill/>
+        </p:spPr>
+        <p:txBody>
+          <a:bodyPr wrap="square" rtlCol="0">
+            <a:spAutoFit/>
+          </a:bodyPr>
+          <a:lstStyle/>
+          <a:p>
+            <a:r>
+              <a:rPr lang="en-US" sz="4000" dirty="0" smtClean="0">
+                <a:solidFill>
+                  <a:srgbClr val="FFC000"/>
+                </a:solidFill>
+                <a:latin typeface="Adobe Caslon Pro Bold" pitchFamily="18" charset="0"/>
+                <a:ea typeface="Adobe Fan Heiti Std B" pitchFamily="34" charset="-128"/>
+              </a:rPr>
+              <a:t>Code - Review</a:t>
+            </a:r>
+            <a:endParaRPr lang="en-US" sz="4000" dirty="0" smtClean="0">
+              <a:solidFill>
+                <a:srgbClr val="FFC000"/>
+              </a:solidFill>
+              <a:latin typeface="Adobe Caslon Pro Bold" pitchFamily="18" charset="0"/>
+              <a:ea typeface="Adobe Fan Heiti Std B" pitchFamily="34" charset="-128"/>
+            </a:endParaRPr>
+          </a:p>
+        </p:txBody>
+      </p:sp>
+      <p:sp>
+        <p:nvSpPr>
+          <p:cNvPr id="2" name="Footer Placeholder 1"/>
+          <p:cNvSpPr>
+            <a:spLocks noGrp="1"/>
+          </p:cNvSpPr>
+          <p:nvPr>
+            <p:ph type="ftr" sz="quarter" idx="11"/>
+          </p:nvPr>
+        </p:nvSpPr>
+        <p:spPr/>
+        <p:txBody>
+          <a:bodyPr/>
+          <a:lstStyle/>
+          <a:p>
+            <a:r>
+              <a:rPr lang="en-US" smtClean="0"/>
+              <a:t>OOPMS Team</a:t>
+            </a:r>
+            <a:endParaRPr lang="en-US"/>
+          </a:p>
+        </p:txBody>
+      </p:sp>
+      <p:pic>
+        <p:nvPicPr>
+          <p:cNvPr id="4098" name="Picture 2" descr="C:\Users\DuyNgo\Desktop\ScreenHunter_08 Aug. 20 00.32.png"/>
+          <p:cNvPicPr>
+            <a:picLocks noChangeAspect="1" noChangeArrowheads="1"/>
+          </p:cNvPicPr>
+          <p:nvPr/>
+        </p:nvPicPr>
+        <p:blipFill>
+          <a:blip r:embed="rId2">
+            <a:extLst>
+              <a:ext uri="{28A0092B-C50C-407E-A947-70E740481C1C}">
+                <a14:useLocalDpi xmlns:a14="http://schemas.microsoft.com/office/drawing/2010/main" val="0"/>
+              </a:ext>
+            </a:extLst>
+          </a:blip>
+          <a:srcRect/>
+          <a:stretch>
+            <a:fillRect/>
+          </a:stretch>
+        </p:blipFill>
+        <p:spPr bwMode="auto">
+          <a:xfrm>
+            <a:off x="457200" y="1066800"/>
+            <a:ext cx="7899439" cy="5010150"/>
+          </a:xfrm>
+          <a:prstGeom prst="rect">
+            <a:avLst/>
+          </a:prstGeom>
+          <a:noFill/>
+          <a:extLst>
+            <a:ext uri="{909E8E84-426E-40DD-AFC4-6F175D3DCCD1}">
+              <a14:hiddenFill xmlns:a14="http://schemas.microsoft.com/office/drawing/2010/main">
+                <a:solidFill>
+                  <a:srgbClr val="FFFFFF"/>
+                </a:solidFill>
+              </a14:hiddenFill>
+            </a:ext>
+          </a:extLst>
+        </p:spPr>
+      </p:pic>
+    </p:spTree>
+    <p:extLst>
+      <p:ext uri="{BB962C8B-B14F-4D97-AF65-F5344CB8AC3E}">
+        <p14:creationId xmlns:p14="http://schemas.microsoft.com/office/powerpoint/2010/main" val="1508172760"/>
       </p:ext>
     </p:extLst>
   </p:cSld>
@@ -33956,16 +34130,344 @@
           </a:p>
         </p:txBody>
       </p:sp>
+      <p:pic>
+        <p:nvPicPr>
+          <p:cNvPr id="1028" name="Picture 4" descr="C:\Users\DuyNgo\Desktop\screenshot\ScreenHunter_05 Aug. 19 23.37.png"/>
+          <p:cNvPicPr>
+            <a:picLocks noChangeAspect="1" noChangeArrowheads="1"/>
+          </p:cNvPicPr>
+          <p:nvPr/>
+        </p:nvPicPr>
+        <p:blipFill>
+          <a:blip r:embed="rId2">
+            <a:extLst>
+              <a:ext uri="{28A0092B-C50C-407E-A947-70E740481C1C}">
+                <a14:useLocalDpi xmlns:a14="http://schemas.microsoft.com/office/drawing/2010/main" val="0"/>
+              </a:ext>
+            </a:extLst>
+          </a:blip>
+          <a:srcRect/>
+          <a:stretch>
+            <a:fillRect/>
+          </a:stretch>
+        </p:blipFill>
+        <p:spPr bwMode="auto">
+          <a:xfrm>
+            <a:off x="63500" y="1262754"/>
+            <a:ext cx="6205537" cy="2376750"/>
+          </a:xfrm>
+          <a:prstGeom prst="rect">
+            <a:avLst/>
+          </a:prstGeom>
+          <a:noFill/>
+          <a:extLst>
+            <a:ext uri="{909E8E84-426E-40DD-AFC4-6F175D3DCCD1}">
+              <a14:hiddenFill xmlns:a14="http://schemas.microsoft.com/office/drawing/2010/main">
+                <a:solidFill>
+                  <a:srgbClr val="FFFFFF"/>
+                </a:solidFill>
+              </a14:hiddenFill>
+            </a:ext>
+          </a:extLst>
+        </p:spPr>
+      </p:pic>
+      <p:pic>
+        <p:nvPicPr>
+          <p:cNvPr id="1029" name="Picture 5" descr="C:\Users\DuyNgo\Desktop\screenshot\ScreenHunter_04 Aug. 19 23.37.png"/>
+          <p:cNvPicPr>
+            <a:picLocks noChangeAspect="1" noChangeArrowheads="1"/>
+          </p:cNvPicPr>
+          <p:nvPr/>
+        </p:nvPicPr>
+        <p:blipFill>
+          <a:blip r:embed="rId3">
+            <a:extLst>
+              <a:ext uri="{28A0092B-C50C-407E-A947-70E740481C1C}">
+                <a14:useLocalDpi xmlns:a14="http://schemas.microsoft.com/office/drawing/2010/main" val="0"/>
+              </a:ext>
+            </a:extLst>
+          </a:blip>
+          <a:srcRect/>
+          <a:stretch>
+            <a:fillRect/>
+          </a:stretch>
+        </p:blipFill>
+        <p:spPr bwMode="auto">
+          <a:xfrm>
+            <a:off x="1280078" y="1524000"/>
+            <a:ext cx="6228244" cy="2020994"/>
+          </a:xfrm>
+          <a:prstGeom prst="rect">
+            <a:avLst/>
+          </a:prstGeom>
+          <a:noFill/>
+          <a:extLst>
+            <a:ext uri="{909E8E84-426E-40DD-AFC4-6F175D3DCCD1}">
+              <a14:hiddenFill xmlns:a14="http://schemas.microsoft.com/office/drawing/2010/main">
+                <a:solidFill>
+                  <a:srgbClr val="FFFFFF"/>
+                </a:solidFill>
+              </a14:hiddenFill>
+            </a:ext>
+          </a:extLst>
+        </p:spPr>
+      </p:pic>
+      <p:pic>
+        <p:nvPicPr>
+          <p:cNvPr id="1026" name="Picture 2" descr="C:\Users\DuyNgo\Desktop\screenshot\ScreenHunter_07 Aug. 19 23.37.png"/>
+          <p:cNvPicPr>
+            <a:picLocks noChangeAspect="1" noChangeArrowheads="1"/>
+          </p:cNvPicPr>
+          <p:nvPr/>
+        </p:nvPicPr>
+        <p:blipFill>
+          <a:blip r:embed="rId4">
+            <a:extLst>
+              <a:ext uri="{28A0092B-C50C-407E-A947-70E740481C1C}">
+                <a14:useLocalDpi xmlns:a14="http://schemas.microsoft.com/office/drawing/2010/main" val="0"/>
+              </a:ext>
+            </a:extLst>
+          </a:blip>
+          <a:srcRect/>
+          <a:stretch>
+            <a:fillRect/>
+          </a:stretch>
+        </p:blipFill>
+        <p:spPr bwMode="auto">
+          <a:xfrm>
+            <a:off x="2499278" y="1660247"/>
+            <a:ext cx="6266091" cy="1884747"/>
+          </a:xfrm>
+          <a:prstGeom prst="rect">
+            <a:avLst/>
+          </a:prstGeom>
+          <a:noFill/>
+          <a:extLst>
+            <a:ext uri="{909E8E84-426E-40DD-AFC4-6F175D3DCCD1}">
+              <a14:hiddenFill xmlns:a14="http://schemas.microsoft.com/office/drawing/2010/main">
+                <a:solidFill>
+                  <a:srgbClr val="FFFFFF"/>
+                </a:solidFill>
+              </a14:hiddenFill>
+            </a:ext>
+          </a:extLst>
+        </p:spPr>
+      </p:pic>
+      <p:pic>
+        <p:nvPicPr>
+          <p:cNvPr id="1027" name="Picture 3" descr="C:\Users\DuyNgo\Desktop\screenshot\ScreenHunter_06 Aug. 19 23.37.png"/>
+          <p:cNvPicPr>
+            <a:picLocks noChangeAspect="1" noChangeArrowheads="1"/>
+          </p:cNvPicPr>
+          <p:nvPr/>
+        </p:nvPicPr>
+        <p:blipFill>
+          <a:blip r:embed="rId5">
+            <a:extLst>
+              <a:ext uri="{28A0092B-C50C-407E-A947-70E740481C1C}">
+                <a14:useLocalDpi xmlns:a14="http://schemas.microsoft.com/office/drawing/2010/main" val="0"/>
+              </a:ext>
+            </a:extLst>
+          </a:blip>
+          <a:srcRect/>
+          <a:stretch>
+            <a:fillRect/>
+          </a:stretch>
+        </p:blipFill>
+        <p:spPr bwMode="auto">
+          <a:xfrm>
+            <a:off x="3794679" y="1308276"/>
+            <a:ext cx="5867400" cy="2304753"/>
+          </a:xfrm>
+          <a:prstGeom prst="rect">
+            <a:avLst/>
+          </a:prstGeom>
+          <a:noFill/>
+          <a:extLst>
+            <a:ext uri="{909E8E84-426E-40DD-AFC4-6F175D3DCCD1}">
+              <a14:hiddenFill xmlns:a14="http://schemas.microsoft.com/office/drawing/2010/main">
+                <a:solidFill>
+                  <a:srgbClr val="FFFFFF"/>
+                </a:solidFill>
+              </a14:hiddenFill>
+            </a:ext>
+          </a:extLst>
+        </p:spPr>
+      </p:pic>
+      <p:pic>
+        <p:nvPicPr>
+          <p:cNvPr id="1030" name="Picture 6" descr="C:\Users\DuyNgo\Desktop\ScreenHunter_07 Aug. 19 23.52.png"/>
+          <p:cNvPicPr>
+            <a:picLocks noChangeAspect="1" noChangeArrowheads="1"/>
+          </p:cNvPicPr>
+          <p:nvPr/>
+        </p:nvPicPr>
+        <p:blipFill>
+          <a:blip r:embed="rId6">
+            <a:extLst>
+              <a:ext uri="{28A0092B-C50C-407E-A947-70E740481C1C}">
+                <a14:useLocalDpi xmlns:a14="http://schemas.microsoft.com/office/drawing/2010/main" val="0"/>
+              </a:ext>
+            </a:extLst>
+          </a:blip>
+          <a:srcRect/>
+          <a:stretch>
+            <a:fillRect/>
+          </a:stretch>
+        </p:blipFill>
+        <p:spPr bwMode="auto">
+          <a:xfrm>
+            <a:off x="609600" y="3890963"/>
+            <a:ext cx="1781175" cy="923925"/>
+          </a:xfrm>
+          <a:prstGeom prst="rect">
+            <a:avLst/>
+          </a:prstGeom>
+          <a:noFill/>
+          <a:extLst>
+            <a:ext uri="{909E8E84-426E-40DD-AFC4-6F175D3DCCD1}">
+              <a14:hiddenFill xmlns:a14="http://schemas.microsoft.com/office/drawing/2010/main">
+                <a:solidFill>
+                  <a:srgbClr val="FFFFFF"/>
+                </a:solidFill>
+              </a14:hiddenFill>
+            </a:ext>
+          </a:extLst>
+        </p:spPr>
+      </p:pic>
+      <p:pic>
+        <p:nvPicPr>
+          <p:cNvPr id="1033" name="Picture 9" descr="C:\Users\DuyNgo\Desktop\ScreenHunter_08 Aug. 20 00.02.png"/>
+          <p:cNvPicPr>
+            <a:picLocks noChangeAspect="1" noChangeArrowheads="1"/>
+          </p:cNvPicPr>
+          <p:nvPr/>
+        </p:nvPicPr>
+        <p:blipFill>
+          <a:blip r:embed="rId7">
+            <a:extLst>
+              <a:ext uri="{28A0092B-C50C-407E-A947-70E740481C1C}">
+                <a14:useLocalDpi xmlns:a14="http://schemas.microsoft.com/office/drawing/2010/main" val="0"/>
+              </a:ext>
+            </a:extLst>
+          </a:blip>
+          <a:srcRect/>
+          <a:stretch>
+            <a:fillRect/>
+          </a:stretch>
+        </p:blipFill>
+        <p:spPr bwMode="auto">
+          <a:xfrm>
+            <a:off x="3166268" y="3895010"/>
+            <a:ext cx="6152116" cy="2962990"/>
+          </a:xfrm>
+          <a:prstGeom prst="rect">
+            <a:avLst/>
+          </a:prstGeom>
+          <a:noFill/>
+          <a:extLst>
+            <a:ext uri="{909E8E84-426E-40DD-AFC4-6F175D3DCCD1}">
+              <a14:hiddenFill xmlns:a14="http://schemas.microsoft.com/office/drawing/2010/main">
+                <a:solidFill>
+                  <a:srgbClr val="FFFFFF"/>
+                </a:solidFill>
+              </a14:hiddenFill>
+            </a:ext>
+          </a:extLst>
+        </p:spPr>
+      </p:pic>
+      <p:pic>
+        <p:nvPicPr>
+          <p:cNvPr id="1032" name="Picture 8" descr="C:\Users\DuyNgo\Desktop\ScreenHunter_07 Aug. 20 00.00.png"/>
+          <p:cNvPicPr>
+            <a:picLocks noChangeAspect="1" noChangeArrowheads="1"/>
+          </p:cNvPicPr>
+          <p:nvPr/>
+        </p:nvPicPr>
+        <p:blipFill>
+          <a:blip r:embed="rId8">
+            <a:extLst>
+              <a:ext uri="{28A0092B-C50C-407E-A947-70E740481C1C}">
+                <a14:useLocalDpi xmlns:a14="http://schemas.microsoft.com/office/drawing/2010/main" val="0"/>
+              </a:ext>
+            </a:extLst>
+          </a:blip>
+          <a:srcRect/>
+          <a:stretch>
+            <a:fillRect/>
+          </a:stretch>
+        </p:blipFill>
+        <p:spPr bwMode="auto">
+          <a:xfrm>
+            <a:off x="2895600" y="3740149"/>
+            <a:ext cx="6248400" cy="447675"/>
+          </a:xfrm>
+          <a:prstGeom prst="rect">
+            <a:avLst/>
+          </a:prstGeom>
+          <a:noFill/>
+          <a:extLst>
+            <a:ext uri="{909E8E84-426E-40DD-AFC4-6F175D3DCCD1}">
+              <a14:hiddenFill xmlns:a14="http://schemas.microsoft.com/office/drawing/2010/main">
+                <a:solidFill>
+                  <a:srgbClr val="FFFFFF"/>
+                </a:solidFill>
+              </a14:hiddenFill>
+            </a:ext>
+          </a:extLst>
+        </p:spPr>
+      </p:pic>
+      <p:pic>
+        <p:nvPicPr>
+          <p:cNvPr id="1031" name="Picture 7" descr="C:\Users\DuyNgo\Desktop\ScreenHunter_07 Aug. 19 23.58.png"/>
+          <p:cNvPicPr>
+            <a:picLocks noChangeAspect="1" noChangeArrowheads="1"/>
+          </p:cNvPicPr>
+          <p:nvPr/>
+        </p:nvPicPr>
+        <p:blipFill>
+          <a:blip r:embed="rId9">
+            <a:extLst>
+              <a:ext uri="{28A0092B-C50C-407E-A947-70E740481C1C}">
+                <a14:useLocalDpi xmlns:a14="http://schemas.microsoft.com/office/drawing/2010/main" val="0"/>
+              </a:ext>
+            </a:extLst>
+          </a:blip>
+          <a:srcRect/>
+          <a:stretch>
+            <a:fillRect/>
+          </a:stretch>
+        </p:blipFill>
+        <p:spPr bwMode="auto">
+          <a:xfrm>
+            <a:off x="2511978" y="4187824"/>
+            <a:ext cx="3009900" cy="695325"/>
+          </a:xfrm>
+          <a:prstGeom prst="rect">
+            <a:avLst/>
+          </a:prstGeom>
+          <a:noFill/>
+          <a:extLst>
+            <a:ext uri="{909E8E84-426E-40DD-AFC4-6F175D3DCCD1}">
+              <a14:hiddenFill xmlns:a14="http://schemas.microsoft.com/office/drawing/2010/main">
+                <a:solidFill>
+                  <a:srgbClr val="FFFFFF"/>
+                </a:solidFill>
+              </a14:hiddenFill>
+            </a:ext>
+          </a:extLst>
+        </p:spPr>
+      </p:pic>
       <p:sp>
         <p:nvSpPr>
-          <p:cNvPr id="6" name="TextBox 5"/>
+          <p:cNvPr id="2" name="TextBox 1"/>
           <p:cNvSpPr txBox="1"/>
           <p:nvPr/>
         </p:nvSpPr>
         <p:spPr>
           <a:xfrm>
-            <a:off x="1676400" y="2286000"/>
-            <a:ext cx="1778372" cy="646331"/>
+            <a:off x="304800" y="5007173"/>
+            <a:ext cx="1691425" cy="369332"/>
           </a:xfrm>
           <a:prstGeom prst="rect">
             <a:avLst/>
@@ -33980,57 +34482,7 @@
           <a:p>
             <a:r>
               <a:rPr lang="en-US" dirty="0" smtClean="0"/>
-              <a:t>Cost calculation</a:t>
-            </a:r>
-          </a:p>
-          <a:p>
-            <a:r>
-              <a:rPr lang="en-US" dirty="0" smtClean="0"/>
-              <a:t>(Pic + time)</a:t>
-            </a:r>
-            <a:endParaRPr lang="en-US" dirty="0"/>
-          </a:p>
-        </p:txBody>
-      </p:sp>
-      <p:sp>
-        <p:nvSpPr>
-          <p:cNvPr id="7" name="TextBox 6"/>
-          <p:cNvSpPr txBox="1"/>
-          <p:nvPr/>
-        </p:nvSpPr>
-        <p:spPr>
-          <a:xfrm>
-            <a:off x="1828800" y="3429000"/>
-            <a:ext cx="2534348" cy="646331"/>
-          </a:xfrm>
-          <a:prstGeom prst="rect">
-            <a:avLst/>
-          </a:prstGeom>
-          <a:noFill/>
-        </p:spPr>
-        <p:txBody>
-          <a:bodyPr wrap="none" rtlCol="0">
-            <a:spAutoFit/>
-          </a:bodyPr>
-          <a:lstStyle/>
-          <a:p>
-            <a:r>
-              <a:rPr lang="en-US" dirty="0" smtClean="0"/>
-              <a:t>Dash board show </a:t>
-            </a:r>
-            <a:r>
-              <a:rPr lang="en-US" dirty="0" smtClean="0"/>
-              <a:t>status</a:t>
-            </a:r>
-          </a:p>
-          <a:p>
-            <a:r>
-              <a:rPr lang="en-US" dirty="0"/>
-              <a:t>(Pic + time</a:t>
-            </a:r>
-            <a:r>
-              <a:rPr lang="en-US" dirty="0" smtClean="0"/>
-              <a:t>)</a:t>
+              <a:t>Response time:</a:t>
             </a:r>
             <a:endParaRPr lang="en-US" dirty="0"/>
           </a:p>

--- a/Document/Report/Presentation/OOPMS_Presentation_v1.0.pptx
+++ b/Document/Report/Presentation/OOPMS_Presentation_v1.0.pptx
@@ -5,7 +5,7 @@
     <p:sldMasterId id="2147483696" r:id="rId1"/>
   </p:sldMasterIdLst>
   <p:notesMasterIdLst>
-    <p:notesMasterId r:id="rId39"/>
+    <p:notesMasterId r:id="rId45"/>
   </p:notesMasterIdLst>
   <p:sldIdLst>
     <p:sldId id="258" r:id="rId2"/>
@@ -45,6 +45,12 @@
     <p:sldId id="288" r:id="rId36"/>
     <p:sldId id="289" r:id="rId37"/>
     <p:sldId id="290" r:id="rId38"/>
+    <p:sldId id="301" r:id="rId39"/>
+    <p:sldId id="303" r:id="rId40"/>
+    <p:sldId id="304" r:id="rId41"/>
+    <p:sldId id="305" r:id="rId42"/>
+    <p:sldId id="306" r:id="rId43"/>
+    <p:sldId id="307" r:id="rId44"/>
   </p:sldIdLst>
   <p:sldSz cx="9144000" cy="6858000" type="screen4x3"/>
   <p:notesSz cx="6858000" cy="9144000"/>
@@ -228,7 +234,7 @@
           <a:p>
             <a:fld id="{D5E9D448-0590-4949-815A-626CF08257EE}" type="datetimeFigureOut">
               <a:rPr lang="en-US" smtClean="0"/>
-              <a:t>8/19/2012</a:t>
+              <a:t>8/22/2012</a:t>
             </a:fld>
             <a:endParaRPr lang="en-US"/>
           </a:p>
@@ -921,7 +927,7 @@
           <a:p>
             <a:fld id="{0E6DFBB0-6CFE-4671-B8BE-710BB15F3BC9}" type="datetime1">
               <a:rPr lang="en-US" smtClean="0"/>
-              <a:t>8/19/2012</a:t>
+              <a:t>8/22/2012</a:t>
             </a:fld>
             <a:endParaRPr lang="en-US"/>
           </a:p>
@@ -1091,7 +1097,7 @@
           <a:p>
             <a:fld id="{AB989079-D6D7-44A4-B5B0-47464FBB368D}" type="datetime1">
               <a:rPr lang="en-US" smtClean="0"/>
-              <a:t>8/19/2012</a:t>
+              <a:t>8/22/2012</a:t>
             </a:fld>
             <a:endParaRPr lang="en-US"/>
           </a:p>
@@ -1271,7 +1277,7 @@
           <a:p>
             <a:fld id="{04445830-5C3B-4731-9AD7-690DE8DAA5F5}" type="datetime1">
               <a:rPr lang="en-US" smtClean="0"/>
-              <a:t>8/19/2012</a:t>
+              <a:t>8/22/2012</a:t>
             </a:fld>
             <a:endParaRPr lang="en-US"/>
           </a:p>
@@ -1441,7 +1447,7 @@
           <a:p>
             <a:fld id="{98FFAF04-EF5F-412C-8623-0998346429B6}" type="datetime1">
               <a:rPr lang="en-US" smtClean="0"/>
-              <a:t>8/19/2012</a:t>
+              <a:t>8/22/2012</a:t>
             </a:fld>
             <a:endParaRPr lang="en-US"/>
           </a:p>
@@ -1688,7 +1694,7 @@
           <a:p>
             <a:fld id="{E1B40072-8B3B-4F12-B317-92BB15729FC4}" type="datetime1">
               <a:rPr lang="en-US" smtClean="0"/>
-              <a:t>8/19/2012</a:t>
+              <a:t>8/22/2012</a:t>
             </a:fld>
             <a:endParaRPr lang="en-US"/>
           </a:p>
@@ -1957,7 +1963,7 @@
           <a:p>
             <a:fld id="{9FCE0532-A6E2-4967-8AE8-C69DC3F02652}" type="datetime1">
               <a:rPr lang="en-US" smtClean="0"/>
-              <a:t>8/19/2012</a:t>
+              <a:t>8/22/2012</a:t>
             </a:fld>
             <a:endParaRPr lang="en-US"/>
           </a:p>
@@ -2340,7 +2346,7 @@
           <a:p>
             <a:fld id="{ED7E3711-C364-4C73-B4A8-72C0A11B9444}" type="datetime1">
               <a:rPr lang="en-US" smtClean="0"/>
-              <a:t>8/19/2012</a:t>
+              <a:t>8/22/2012</a:t>
             </a:fld>
             <a:endParaRPr lang="en-US"/>
           </a:p>
@@ -2495,7 +2501,7 @@
           <a:p>
             <a:fld id="{810E849C-AF3E-48A7-8729-C724250D5BB4}" type="datetime1">
               <a:rPr lang="en-US" smtClean="0"/>
-              <a:t>8/19/2012</a:t>
+              <a:t>8/22/2012</a:t>
             </a:fld>
             <a:endParaRPr lang="en-US"/>
           </a:p>
@@ -2590,7 +2596,7 @@
           <a:p>
             <a:fld id="{210E6CAB-84E4-4011-B107-EDB46785E0BF}" type="datetime1">
               <a:rPr lang="en-US" smtClean="0"/>
-              <a:t>8/19/2012</a:t>
+              <a:t>8/22/2012</a:t>
             </a:fld>
             <a:endParaRPr lang="en-US"/>
           </a:p>
@@ -2856,7 +2862,7 @@
           <a:p>
             <a:fld id="{D4C654D8-ED84-4FD2-9681-B79DDB18AEE7}" type="datetime1">
               <a:rPr lang="en-US" smtClean="0"/>
-              <a:t>8/19/2012</a:t>
+              <a:t>8/22/2012</a:t>
             </a:fld>
             <a:endParaRPr lang="en-US"/>
           </a:p>
@@ -3149,7 +3155,7 @@
           <a:p>
             <a:fld id="{442D0D88-E502-4C93-8C04-BB3D21395536}" type="datetime1">
               <a:rPr lang="en-US" smtClean="0"/>
-              <a:t>8/19/2012</a:t>
+              <a:t>8/22/2012</a:t>
             </a:fld>
             <a:endParaRPr lang="en-US"/>
           </a:p>
@@ -3925,7 +3931,7 @@
           <a:p>
             <a:fld id="{A4F60FB3-6432-4A26-85B7-EC33EA63D569}" type="datetime1">
               <a:rPr lang="en-US" smtClean="0"/>
-              <a:t>8/19/2012</a:t>
+              <a:t>8/22/2012</a:t>
             </a:fld>
             <a:endParaRPr lang="en-US"/>
           </a:p>
@@ -31356,13 +31362,6 @@
               </a:rPr>
               <a:t>Code - Review</a:t>
             </a:r>
-            <a:endParaRPr lang="en-US" sz="4000" dirty="0" smtClean="0">
-              <a:solidFill>
-                <a:srgbClr val="FFC000"/>
-              </a:solidFill>
-              <a:latin typeface="Adobe Caslon Pro Bold" pitchFamily="18" charset="0"/>
-              <a:ea typeface="Adobe Fan Heiti Std B" pitchFamily="34" charset="-128"/>
-            </a:endParaRPr>
           </a:p>
         </p:txBody>
       </p:sp>
@@ -34944,6 +34943,536 @@
 </p:sld>
 </file>
 
+<file path=ppt/slides/slide38.xml><?xml version="1.0" encoding="utf-8"?>
+<p:sld xmlns:a="http://schemas.openxmlformats.org/drawingml/2006/main" xmlns:r="http://schemas.openxmlformats.org/officeDocument/2006/relationships" xmlns:p="http://schemas.openxmlformats.org/presentationml/2006/main">
+  <p:cSld>
+    <p:spTree>
+      <p:nvGrpSpPr>
+        <p:cNvPr id="1" name=""/>
+        <p:cNvGrpSpPr/>
+        <p:nvPr/>
+      </p:nvGrpSpPr>
+      <p:grpSpPr>
+        <a:xfrm>
+          <a:off x="0" y="0"/>
+          <a:ext cx="0" cy="0"/>
+          <a:chOff x="0" y="0"/>
+          <a:chExt cx="0" cy="0"/>
+        </a:xfrm>
+      </p:grpSpPr>
+      <p:sp>
+        <p:nvSpPr>
+          <p:cNvPr id="7" name="Content Placeholder 6"/>
+          <p:cNvSpPr>
+            <a:spLocks noGrp="1"/>
+          </p:cNvSpPr>
+          <p:nvPr>
+            <p:ph sz="half" idx="1"/>
+          </p:nvPr>
+        </p:nvSpPr>
+        <p:spPr>
+          <a:xfrm>
+            <a:off x="457200" y="1371600"/>
+            <a:ext cx="7620000" cy="4983325"/>
+          </a:xfrm>
+        </p:spPr>
+        <p:txBody>
+          <a:bodyPr>
+            <a:normAutofit fontScale="92500" lnSpcReduction="10000"/>
+          </a:bodyPr>
+          <a:lstStyle/>
+          <a:p>
+            <a:r>
+              <a:rPr lang="en-US" b="1" dirty="0" smtClean="0"/>
+              <a:t>Features : support PM in management the budget and expense of the project. Help them make a suitable plan to stay in budget until the end of the project.</a:t>
+            </a:r>
+          </a:p>
+          <a:p>
+            <a:r>
+              <a:rPr lang="en-US" b="1" dirty="0" smtClean="0"/>
+              <a:t>The Cost Management include :</a:t>
+            </a:r>
+          </a:p>
+          <a:p>
+            <a:pPr marL="0" indent="0">
+              <a:buNone/>
+            </a:pPr>
+            <a:r>
+              <a:rPr lang="en-US" b="1" dirty="0" smtClean="0"/>
+              <a:t>    - Budget</a:t>
+            </a:r>
+          </a:p>
+          <a:p>
+            <a:pPr marL="0" indent="0">
+              <a:buNone/>
+            </a:pPr>
+            <a:r>
+              <a:rPr lang="en-US" b="1" dirty="0"/>
+              <a:t> </a:t>
+            </a:r>
+            <a:r>
+              <a:rPr lang="en-US" b="1" dirty="0" smtClean="0"/>
+              <a:t>   - Invoice</a:t>
+            </a:r>
+          </a:p>
+          <a:p>
+            <a:pPr marL="0" indent="0">
+              <a:buNone/>
+            </a:pPr>
+            <a:r>
+              <a:rPr lang="en-US" b="1" dirty="0"/>
+              <a:t> </a:t>
+            </a:r>
+            <a:r>
+              <a:rPr lang="en-US" b="1" dirty="0" smtClean="0"/>
+              <a:t>   - Planner </a:t>
+            </a:r>
+          </a:p>
+          <a:p>
+            <a:pPr marL="0" indent="0">
+              <a:buNone/>
+            </a:pPr>
+            <a:r>
+              <a:rPr lang="en-US" b="1" dirty="0"/>
+              <a:t> </a:t>
+            </a:r>
+            <a:r>
+              <a:rPr lang="en-US" b="1" dirty="0" smtClean="0"/>
+              <a:t>      + One Time Expense</a:t>
+            </a:r>
+          </a:p>
+          <a:p>
+            <a:pPr marL="0" indent="0">
+              <a:buNone/>
+            </a:pPr>
+            <a:r>
+              <a:rPr lang="en-US" b="1" dirty="0"/>
+              <a:t> </a:t>
+            </a:r>
+            <a:r>
+              <a:rPr lang="en-US" b="1" dirty="0" smtClean="0"/>
+              <a:t>      + Daily Expense</a:t>
+            </a:r>
+            <a:endParaRPr lang="en-US" dirty="0"/>
+          </a:p>
+          <a:p>
+            <a:pPr marL="0" indent="0">
+              <a:buNone/>
+            </a:pPr>
+            <a:r>
+              <a:rPr lang="en-US" dirty="0" smtClean="0"/>
+              <a:t>    </a:t>
+            </a:r>
+            <a:r>
+              <a:rPr lang="en-US" b="1" dirty="0"/>
+              <a:t> </a:t>
+            </a:r>
+            <a:r>
+              <a:rPr lang="en-US" b="1" dirty="0" smtClean="0"/>
+              <a:t>  + </a:t>
+            </a:r>
+            <a:r>
+              <a:rPr lang="en-US" b="1" dirty="0" smtClean="0"/>
+              <a:t>Exceptional Expense, Exceptional Deduct</a:t>
+            </a:r>
+          </a:p>
+          <a:p>
+            <a:pPr marL="0" indent="0">
+              <a:buNone/>
+            </a:pPr>
+            <a:r>
+              <a:rPr lang="en-US" b="1" dirty="0"/>
+              <a:t> </a:t>
+            </a:r>
+            <a:r>
+              <a:rPr lang="en-US" b="1" dirty="0" smtClean="0"/>
+              <a:t>      + Type</a:t>
+            </a:r>
+            <a:endParaRPr lang="en-US" dirty="0"/>
+          </a:p>
+          <a:p>
+            <a:pPr marL="0" indent="0">
+              <a:buNone/>
+            </a:pPr>
+            <a:endParaRPr lang="en-US" dirty="0"/>
+          </a:p>
+        </p:txBody>
+      </p:sp>
+      <p:sp>
+        <p:nvSpPr>
+          <p:cNvPr id="4" name="Slide Number Placeholder 3"/>
+          <p:cNvSpPr>
+            <a:spLocks noGrp="1"/>
+          </p:cNvSpPr>
+          <p:nvPr>
+            <p:ph type="sldNum" sz="quarter" idx="12"/>
+          </p:nvPr>
+        </p:nvSpPr>
+        <p:spPr/>
+        <p:txBody>
+          <a:bodyPr/>
+          <a:lstStyle/>
+          <a:p>
+            <a:fld id="{B6F15528-21DE-4FAA-801E-634DDDAF4B2B}" type="slidenum">
+              <a:rPr lang="en-US" smtClean="0"/>
+              <a:pPr/>
+              <a:t>38</a:t>
+            </a:fld>
+            <a:endParaRPr lang="en-US"/>
+          </a:p>
+        </p:txBody>
+      </p:sp>
+      <p:sp>
+        <p:nvSpPr>
+          <p:cNvPr id="5" name="TextBox 4"/>
+          <p:cNvSpPr txBox="1"/>
+          <p:nvPr/>
+        </p:nvSpPr>
+        <p:spPr>
+          <a:xfrm>
+            <a:off x="76200" y="152400"/>
+            <a:ext cx="8382000" cy="707886"/>
+          </a:xfrm>
+          <a:prstGeom prst="rect">
+            <a:avLst/>
+          </a:prstGeom>
+          <a:noFill/>
+        </p:spPr>
+        <p:txBody>
+          <a:bodyPr wrap="square" rtlCol="0">
+            <a:spAutoFit/>
+          </a:bodyPr>
+          <a:lstStyle/>
+          <a:p>
+            <a:r>
+              <a:rPr lang="en-US" sz="4000" dirty="0" smtClean="0">
+                <a:solidFill>
+                  <a:srgbClr val="FFC000"/>
+                </a:solidFill>
+                <a:latin typeface="Adobe Caslon Pro Bold" pitchFamily="18" charset="0"/>
+                <a:ea typeface="Adobe Fan Heiti Std B" pitchFamily="34" charset="-128"/>
+              </a:rPr>
+              <a:t>Cost Management</a:t>
+            </a:r>
+            <a:endParaRPr lang="en-US" sz="4000" dirty="0" smtClean="0">
+              <a:solidFill>
+                <a:srgbClr val="FFC000"/>
+              </a:solidFill>
+              <a:latin typeface="Adobe Caslon Pro Bold" pitchFamily="18" charset="0"/>
+              <a:ea typeface="Adobe Fan Heiti Std B" pitchFamily="34" charset="-128"/>
+            </a:endParaRPr>
+          </a:p>
+        </p:txBody>
+      </p:sp>
+      <p:sp>
+        <p:nvSpPr>
+          <p:cNvPr id="2" name="Footer Placeholder 1"/>
+          <p:cNvSpPr>
+            <a:spLocks noGrp="1"/>
+          </p:cNvSpPr>
+          <p:nvPr>
+            <p:ph type="ftr" sz="quarter" idx="11"/>
+          </p:nvPr>
+        </p:nvSpPr>
+        <p:spPr/>
+        <p:txBody>
+          <a:bodyPr/>
+          <a:lstStyle/>
+          <a:p>
+            <a:r>
+              <a:rPr lang="en-US" smtClean="0"/>
+              <a:t>OOPMS Team</a:t>
+            </a:r>
+            <a:endParaRPr lang="en-US"/>
+          </a:p>
+        </p:txBody>
+      </p:sp>
+    </p:spTree>
+    <p:extLst>
+      <p:ext uri="{BB962C8B-B14F-4D97-AF65-F5344CB8AC3E}">
+        <p14:creationId xmlns:p14="http://schemas.microsoft.com/office/powerpoint/2010/main" val="983895824"/>
+      </p:ext>
+    </p:extLst>
+  </p:cSld>
+  <p:clrMapOvr>
+    <a:masterClrMapping/>
+  </p:clrMapOvr>
+  <p:timing>
+    <p:tnLst>
+      <p:par>
+        <p:cTn id="1" dur="indefinite" restart="never" nodeType="tmRoot"/>
+      </p:par>
+    </p:tnLst>
+  </p:timing>
+</p:sld>
+</file>
+
+<file path=ppt/slides/slide39.xml><?xml version="1.0" encoding="utf-8"?>
+<p:sld xmlns:a="http://schemas.openxmlformats.org/drawingml/2006/main" xmlns:r="http://schemas.openxmlformats.org/officeDocument/2006/relationships" xmlns:p="http://schemas.openxmlformats.org/presentationml/2006/main">
+  <p:cSld>
+    <p:spTree>
+      <p:nvGrpSpPr>
+        <p:cNvPr id="1" name=""/>
+        <p:cNvGrpSpPr/>
+        <p:nvPr/>
+      </p:nvGrpSpPr>
+      <p:grpSpPr>
+        <a:xfrm>
+          <a:off x="0" y="0"/>
+          <a:ext cx="0" cy="0"/>
+          <a:chOff x="0" y="0"/>
+          <a:chExt cx="0" cy="0"/>
+        </a:xfrm>
+      </p:grpSpPr>
+      <p:sp>
+        <p:nvSpPr>
+          <p:cNvPr id="7" name="Content Placeholder 6"/>
+          <p:cNvSpPr>
+            <a:spLocks noGrp="1"/>
+          </p:cNvSpPr>
+          <p:nvPr>
+            <p:ph sz="half" idx="1"/>
+          </p:nvPr>
+        </p:nvSpPr>
+        <p:spPr>
+          <a:xfrm>
+            <a:off x="457200" y="1371601"/>
+            <a:ext cx="7620000" cy="990600"/>
+          </a:xfrm>
+        </p:spPr>
+        <p:txBody>
+          <a:bodyPr>
+            <a:normAutofit/>
+          </a:bodyPr>
+          <a:lstStyle/>
+          <a:p>
+            <a:r>
+              <a:rPr lang="en-US" b="1" dirty="0" smtClean="0"/>
+              <a:t>Features : allow PM to manage the budget of project. </a:t>
+            </a:r>
+            <a:r>
+              <a:rPr lang="en-US" b="1" dirty="0" smtClean="0"/>
+              <a:t>Keep the record of budget.</a:t>
+            </a:r>
+            <a:endParaRPr lang="en-US" b="1" dirty="0" smtClean="0"/>
+          </a:p>
+          <a:p>
+            <a:pPr marL="0" indent="0">
+              <a:buNone/>
+            </a:pPr>
+            <a:endParaRPr lang="en-US" dirty="0"/>
+          </a:p>
+        </p:txBody>
+      </p:sp>
+      <p:sp>
+        <p:nvSpPr>
+          <p:cNvPr id="4" name="Slide Number Placeholder 3"/>
+          <p:cNvSpPr>
+            <a:spLocks noGrp="1"/>
+          </p:cNvSpPr>
+          <p:nvPr>
+            <p:ph type="sldNum" sz="quarter" idx="12"/>
+          </p:nvPr>
+        </p:nvSpPr>
+        <p:spPr/>
+        <p:txBody>
+          <a:bodyPr/>
+          <a:lstStyle/>
+          <a:p>
+            <a:fld id="{B6F15528-21DE-4FAA-801E-634DDDAF4B2B}" type="slidenum">
+              <a:rPr lang="en-US" smtClean="0"/>
+              <a:pPr/>
+              <a:t>39</a:t>
+            </a:fld>
+            <a:endParaRPr lang="en-US"/>
+          </a:p>
+        </p:txBody>
+      </p:sp>
+      <p:sp>
+        <p:nvSpPr>
+          <p:cNvPr id="5" name="TextBox 4"/>
+          <p:cNvSpPr txBox="1"/>
+          <p:nvPr/>
+        </p:nvSpPr>
+        <p:spPr>
+          <a:xfrm>
+            <a:off x="76200" y="152400"/>
+            <a:ext cx="8382000" cy="707886"/>
+          </a:xfrm>
+          <a:prstGeom prst="rect">
+            <a:avLst/>
+          </a:prstGeom>
+          <a:noFill/>
+        </p:spPr>
+        <p:txBody>
+          <a:bodyPr wrap="square" rtlCol="0">
+            <a:spAutoFit/>
+          </a:bodyPr>
+          <a:lstStyle/>
+          <a:p>
+            <a:r>
+              <a:rPr lang="en-US" sz="4000" dirty="0" smtClean="0">
+                <a:solidFill>
+                  <a:srgbClr val="FFC000"/>
+                </a:solidFill>
+                <a:latin typeface="Adobe Caslon Pro Bold" pitchFamily="18" charset="0"/>
+                <a:ea typeface="Adobe Fan Heiti Std B" pitchFamily="34" charset="-128"/>
+              </a:rPr>
+              <a:t>Budget</a:t>
+            </a:r>
+            <a:endParaRPr lang="en-US" sz="4000" dirty="0" smtClean="0">
+              <a:solidFill>
+                <a:srgbClr val="FFC000"/>
+              </a:solidFill>
+              <a:latin typeface="Adobe Caslon Pro Bold" pitchFamily="18" charset="0"/>
+              <a:ea typeface="Adobe Fan Heiti Std B" pitchFamily="34" charset="-128"/>
+            </a:endParaRPr>
+          </a:p>
+        </p:txBody>
+      </p:sp>
+      <p:sp>
+        <p:nvSpPr>
+          <p:cNvPr id="2" name="Footer Placeholder 1"/>
+          <p:cNvSpPr>
+            <a:spLocks noGrp="1"/>
+          </p:cNvSpPr>
+          <p:nvPr>
+            <p:ph type="ftr" sz="quarter" idx="11"/>
+          </p:nvPr>
+        </p:nvSpPr>
+        <p:spPr/>
+        <p:txBody>
+          <a:bodyPr/>
+          <a:lstStyle/>
+          <a:p>
+            <a:r>
+              <a:rPr lang="en-US" smtClean="0"/>
+              <a:t>OOPMS Team</a:t>
+            </a:r>
+            <a:endParaRPr lang="en-US"/>
+          </a:p>
+        </p:txBody>
+      </p:sp>
+      <p:sp>
+        <p:nvSpPr>
+          <p:cNvPr id="6" name="TextBox 5"/>
+          <p:cNvSpPr txBox="1"/>
+          <p:nvPr/>
+        </p:nvSpPr>
+        <p:spPr>
+          <a:xfrm>
+            <a:off x="228600" y="2590800"/>
+            <a:ext cx="8382000" cy="707886"/>
+          </a:xfrm>
+          <a:prstGeom prst="rect">
+            <a:avLst/>
+          </a:prstGeom>
+          <a:noFill/>
+        </p:spPr>
+        <p:txBody>
+          <a:bodyPr wrap="square" rtlCol="0">
+            <a:spAutoFit/>
+          </a:bodyPr>
+          <a:lstStyle/>
+          <a:p>
+            <a:r>
+              <a:rPr lang="en-US" sz="4000" dirty="0" smtClean="0">
+                <a:solidFill>
+                  <a:srgbClr val="FFC000"/>
+                </a:solidFill>
+                <a:latin typeface="Adobe Caslon Pro Bold" pitchFamily="18" charset="0"/>
+                <a:ea typeface="Adobe Fan Heiti Std B" pitchFamily="34" charset="-128"/>
+              </a:rPr>
+              <a:t>Invoice</a:t>
+            </a:r>
+            <a:endParaRPr lang="en-US" sz="4000" dirty="0" smtClean="0">
+              <a:solidFill>
+                <a:srgbClr val="FFC000"/>
+              </a:solidFill>
+              <a:latin typeface="Adobe Caslon Pro Bold" pitchFamily="18" charset="0"/>
+              <a:ea typeface="Adobe Fan Heiti Std B" pitchFamily="34" charset="-128"/>
+            </a:endParaRPr>
+          </a:p>
+        </p:txBody>
+      </p:sp>
+      <p:sp>
+        <p:nvSpPr>
+          <p:cNvPr id="8" name="Content Placeholder 6"/>
+          <p:cNvSpPr>
+            <a:spLocks noGrp="1"/>
+          </p:cNvSpPr>
+          <p:nvPr>
+            <p:ph sz="half" idx="1"/>
+          </p:nvPr>
+        </p:nvSpPr>
+        <p:spPr>
+          <a:xfrm>
+            <a:off x="609600" y="3298686"/>
+            <a:ext cx="7620000" cy="2797314"/>
+          </a:xfrm>
+        </p:spPr>
+        <p:txBody>
+          <a:bodyPr>
+            <a:normAutofit/>
+          </a:bodyPr>
+          <a:lstStyle/>
+          <a:p>
+            <a:r>
+              <a:rPr lang="en-US" b="1" dirty="0" smtClean="0"/>
+              <a:t>Features : </a:t>
+            </a:r>
+          </a:p>
+          <a:p>
+            <a:pPr marL="0" indent="0">
+              <a:buNone/>
+            </a:pPr>
+            <a:r>
+              <a:rPr lang="en-US" b="1" dirty="0" smtClean="0"/>
+              <a:t>   - PM can see how much money are actually paid. Keep the record of invoice.</a:t>
+            </a:r>
+          </a:p>
+          <a:p>
+            <a:pPr marL="0" indent="0">
+              <a:buNone/>
+            </a:pPr>
+            <a:r>
+              <a:rPr lang="en-US" b="1" dirty="0"/>
+              <a:t> </a:t>
+            </a:r>
+            <a:r>
+              <a:rPr lang="en-US" b="1" dirty="0" smtClean="0"/>
+              <a:t>  - Export the invoice report to excel.</a:t>
+            </a:r>
+            <a:endParaRPr lang="en-US" b="1" dirty="0" smtClean="0"/>
+          </a:p>
+          <a:p>
+            <a:pPr marL="0" indent="0">
+              <a:buNone/>
+            </a:pPr>
+            <a:endParaRPr lang="en-US" dirty="0"/>
+          </a:p>
+        </p:txBody>
+      </p:sp>
+    </p:spTree>
+    <p:extLst>
+      <p:ext uri="{BB962C8B-B14F-4D97-AF65-F5344CB8AC3E}">
+        <p14:creationId xmlns:p14="http://schemas.microsoft.com/office/powerpoint/2010/main" val="2818217522"/>
+      </p:ext>
+    </p:extLst>
+  </p:cSld>
+  <p:clrMapOvr>
+    <a:masterClrMapping/>
+  </p:clrMapOvr>
+  <p:timing>
+    <p:tnLst>
+      <p:par>
+        <p:cTn id="1" dur="indefinite" restart="never" nodeType="tmRoot"/>
+      </p:par>
+    </p:tnLst>
+  </p:timing>
+</p:sld>
+</file>
+
 <file path=ppt/slides/slide4.xml><?xml version="1.0" encoding="utf-8"?>
 <p:sld xmlns:a="http://schemas.openxmlformats.org/drawingml/2006/main" xmlns:r="http://schemas.openxmlformats.org/officeDocument/2006/relationships" xmlns:p="http://schemas.openxmlformats.org/presentationml/2006/main">
   <p:cSld>
@@ -35465,6 +35994,776 @@
       </p:transition>
     </mc:Fallback>
   </mc:AlternateContent>
+  <p:timing>
+    <p:tnLst>
+      <p:par>
+        <p:cTn id="1" dur="indefinite" restart="never" nodeType="tmRoot"/>
+      </p:par>
+    </p:tnLst>
+  </p:timing>
+</p:sld>
+</file>
+
+<file path=ppt/slides/slide40.xml><?xml version="1.0" encoding="utf-8"?>
+<p:sld xmlns:a="http://schemas.openxmlformats.org/drawingml/2006/main" xmlns:r="http://schemas.openxmlformats.org/officeDocument/2006/relationships" xmlns:p="http://schemas.openxmlformats.org/presentationml/2006/main">
+  <p:cSld>
+    <p:spTree>
+      <p:nvGrpSpPr>
+        <p:cNvPr id="1" name=""/>
+        <p:cNvGrpSpPr/>
+        <p:nvPr/>
+      </p:nvGrpSpPr>
+      <p:grpSpPr>
+        <a:xfrm>
+          <a:off x="0" y="0"/>
+          <a:ext cx="0" cy="0"/>
+          <a:chOff x="0" y="0"/>
+          <a:chExt cx="0" cy="0"/>
+        </a:xfrm>
+      </p:grpSpPr>
+      <p:sp>
+        <p:nvSpPr>
+          <p:cNvPr id="7" name="Content Placeholder 6"/>
+          <p:cNvSpPr>
+            <a:spLocks noGrp="1"/>
+          </p:cNvSpPr>
+          <p:nvPr>
+            <p:ph sz="half" idx="1"/>
+          </p:nvPr>
+        </p:nvSpPr>
+        <p:spPr>
+          <a:xfrm>
+            <a:off x="457200" y="1371600"/>
+            <a:ext cx="7620000" cy="4800599"/>
+          </a:xfrm>
+        </p:spPr>
+        <p:txBody>
+          <a:bodyPr>
+            <a:normAutofit/>
+          </a:bodyPr>
+          <a:lstStyle/>
+          <a:p>
+            <a:r>
+              <a:rPr lang="en-US" b="1" dirty="0" smtClean="0"/>
+              <a:t>Features : </a:t>
+            </a:r>
+          </a:p>
+          <a:p>
+            <a:pPr marL="0" indent="0">
+              <a:buNone/>
+            </a:pPr>
+            <a:r>
+              <a:rPr lang="en-US" b="1" dirty="0"/>
+              <a:t> </a:t>
+            </a:r>
+            <a:r>
+              <a:rPr lang="en-US" b="1" dirty="0" smtClean="0"/>
+              <a:t> - </a:t>
+            </a:r>
+            <a:r>
+              <a:rPr lang="en-US" b="1" dirty="0" smtClean="0"/>
+              <a:t>Manage the expense that happen once in the project. (money use to buy equipment, pay bill, …</a:t>
+            </a:r>
+            <a:r>
+              <a:rPr lang="en-US" b="1" dirty="0" err="1" smtClean="0"/>
+              <a:t>v.v</a:t>
+            </a:r>
+            <a:r>
+              <a:rPr lang="en-US" b="1" dirty="0" smtClean="0"/>
+              <a:t>)</a:t>
+            </a:r>
+          </a:p>
+          <a:p>
+            <a:pPr marL="0" indent="0">
+              <a:buNone/>
+            </a:pPr>
+            <a:r>
+              <a:rPr lang="en-US" b="1" dirty="0"/>
+              <a:t>  </a:t>
+            </a:r>
+            <a:r>
+              <a:rPr lang="en-US" b="1" dirty="0" smtClean="0"/>
+              <a:t>- Have pay function to send the expense to invoice.</a:t>
+            </a:r>
+            <a:endParaRPr lang="en-US" b="1" dirty="0" smtClean="0"/>
+          </a:p>
+          <a:p>
+            <a:pPr marL="0" indent="0">
+              <a:buNone/>
+            </a:pPr>
+            <a:endParaRPr lang="en-US" dirty="0"/>
+          </a:p>
+        </p:txBody>
+      </p:sp>
+      <p:sp>
+        <p:nvSpPr>
+          <p:cNvPr id="4" name="Slide Number Placeholder 3"/>
+          <p:cNvSpPr>
+            <a:spLocks noGrp="1"/>
+          </p:cNvSpPr>
+          <p:nvPr>
+            <p:ph type="sldNum" sz="quarter" idx="12"/>
+          </p:nvPr>
+        </p:nvSpPr>
+        <p:spPr/>
+        <p:txBody>
+          <a:bodyPr/>
+          <a:lstStyle/>
+          <a:p>
+            <a:fld id="{B6F15528-21DE-4FAA-801E-634DDDAF4B2B}" type="slidenum">
+              <a:rPr lang="en-US" smtClean="0"/>
+              <a:pPr/>
+              <a:t>40</a:t>
+            </a:fld>
+            <a:endParaRPr lang="en-US"/>
+          </a:p>
+        </p:txBody>
+      </p:sp>
+      <p:sp>
+        <p:nvSpPr>
+          <p:cNvPr id="5" name="TextBox 4"/>
+          <p:cNvSpPr txBox="1"/>
+          <p:nvPr/>
+        </p:nvSpPr>
+        <p:spPr>
+          <a:xfrm>
+            <a:off x="76200" y="152400"/>
+            <a:ext cx="8382000" cy="707886"/>
+          </a:xfrm>
+          <a:prstGeom prst="rect">
+            <a:avLst/>
+          </a:prstGeom>
+          <a:noFill/>
+        </p:spPr>
+        <p:txBody>
+          <a:bodyPr wrap="square" rtlCol="0">
+            <a:spAutoFit/>
+          </a:bodyPr>
+          <a:lstStyle/>
+          <a:p>
+            <a:r>
+              <a:rPr lang="en-US" sz="4000" dirty="0" smtClean="0">
+                <a:solidFill>
+                  <a:srgbClr val="FFC000"/>
+                </a:solidFill>
+                <a:latin typeface="Adobe Caslon Pro Bold" pitchFamily="18" charset="0"/>
+                <a:ea typeface="Adobe Fan Heiti Std B" pitchFamily="34" charset="-128"/>
+              </a:rPr>
+              <a:t>One Time Expense</a:t>
+            </a:r>
+            <a:endParaRPr lang="en-US" sz="4000" dirty="0" smtClean="0">
+              <a:solidFill>
+                <a:srgbClr val="FFC000"/>
+              </a:solidFill>
+              <a:latin typeface="Adobe Caslon Pro Bold" pitchFamily="18" charset="0"/>
+              <a:ea typeface="Adobe Fan Heiti Std B" pitchFamily="34" charset="-128"/>
+            </a:endParaRPr>
+          </a:p>
+        </p:txBody>
+      </p:sp>
+      <p:sp>
+        <p:nvSpPr>
+          <p:cNvPr id="2" name="Footer Placeholder 1"/>
+          <p:cNvSpPr>
+            <a:spLocks noGrp="1"/>
+          </p:cNvSpPr>
+          <p:nvPr>
+            <p:ph type="ftr" sz="quarter" idx="11"/>
+          </p:nvPr>
+        </p:nvSpPr>
+        <p:spPr/>
+        <p:txBody>
+          <a:bodyPr/>
+          <a:lstStyle/>
+          <a:p>
+            <a:r>
+              <a:rPr lang="en-US" smtClean="0"/>
+              <a:t>OOPMS Team</a:t>
+            </a:r>
+            <a:endParaRPr lang="en-US"/>
+          </a:p>
+        </p:txBody>
+      </p:sp>
+    </p:spTree>
+    <p:extLst>
+      <p:ext uri="{BB962C8B-B14F-4D97-AF65-F5344CB8AC3E}">
+        <p14:creationId xmlns:p14="http://schemas.microsoft.com/office/powerpoint/2010/main" val="1073835205"/>
+      </p:ext>
+    </p:extLst>
+  </p:cSld>
+  <p:clrMapOvr>
+    <a:masterClrMapping/>
+  </p:clrMapOvr>
+  <p:timing>
+    <p:tnLst>
+      <p:par>
+        <p:cTn id="1" dur="indefinite" restart="never" nodeType="tmRoot"/>
+      </p:par>
+    </p:tnLst>
+  </p:timing>
+</p:sld>
+</file>
+
+<file path=ppt/slides/slide41.xml><?xml version="1.0" encoding="utf-8"?>
+<p:sld xmlns:a="http://schemas.openxmlformats.org/drawingml/2006/main" xmlns:r="http://schemas.openxmlformats.org/officeDocument/2006/relationships" xmlns:p="http://schemas.openxmlformats.org/presentationml/2006/main">
+  <p:cSld>
+    <p:spTree>
+      <p:nvGrpSpPr>
+        <p:cNvPr id="1" name=""/>
+        <p:cNvGrpSpPr/>
+        <p:nvPr/>
+      </p:nvGrpSpPr>
+      <p:grpSpPr>
+        <a:xfrm>
+          <a:off x="0" y="0"/>
+          <a:ext cx="0" cy="0"/>
+          <a:chOff x="0" y="0"/>
+          <a:chExt cx="0" cy="0"/>
+        </a:xfrm>
+      </p:grpSpPr>
+      <p:sp>
+        <p:nvSpPr>
+          <p:cNvPr id="7" name="Content Placeholder 6"/>
+          <p:cNvSpPr>
+            <a:spLocks noGrp="1"/>
+          </p:cNvSpPr>
+          <p:nvPr>
+            <p:ph sz="half" idx="1"/>
+          </p:nvPr>
+        </p:nvSpPr>
+        <p:spPr>
+          <a:xfrm>
+            <a:off x="457200" y="1371600"/>
+            <a:ext cx="7620000" cy="4800599"/>
+          </a:xfrm>
+        </p:spPr>
+        <p:txBody>
+          <a:bodyPr>
+            <a:normAutofit/>
+          </a:bodyPr>
+          <a:lstStyle/>
+          <a:p>
+            <a:r>
+              <a:rPr lang="en-US" b="1" dirty="0" smtClean="0"/>
+              <a:t>Features : </a:t>
+            </a:r>
+          </a:p>
+          <a:p>
+            <a:pPr marL="0" indent="0">
+              <a:buNone/>
+            </a:pPr>
+            <a:r>
+              <a:rPr lang="en-US" b="1" dirty="0"/>
+              <a:t> </a:t>
+            </a:r>
+            <a:r>
+              <a:rPr lang="en-US" b="1" dirty="0" smtClean="0"/>
+              <a:t> - </a:t>
+            </a:r>
+            <a:r>
+              <a:rPr lang="en-US" b="1" dirty="0" smtClean="0"/>
+              <a:t>Manage the expense that keeping happen in a duration of time. (money use to pay for salary )</a:t>
+            </a:r>
+          </a:p>
+          <a:p>
+            <a:pPr marL="0" indent="0">
+              <a:buNone/>
+            </a:pPr>
+            <a:r>
+              <a:rPr lang="en-US" b="1" dirty="0"/>
+              <a:t>  </a:t>
+            </a:r>
+            <a:r>
+              <a:rPr lang="en-US" b="1" dirty="0" smtClean="0"/>
+              <a:t>- Have pay function to send the expense to invoice.</a:t>
+            </a:r>
+            <a:endParaRPr lang="en-US" b="1" dirty="0" smtClean="0"/>
+          </a:p>
+          <a:p>
+            <a:pPr marL="0" indent="0">
+              <a:buNone/>
+            </a:pPr>
+            <a:endParaRPr lang="en-US" dirty="0"/>
+          </a:p>
+        </p:txBody>
+      </p:sp>
+      <p:sp>
+        <p:nvSpPr>
+          <p:cNvPr id="4" name="Slide Number Placeholder 3"/>
+          <p:cNvSpPr>
+            <a:spLocks noGrp="1"/>
+          </p:cNvSpPr>
+          <p:nvPr>
+            <p:ph type="sldNum" sz="quarter" idx="12"/>
+          </p:nvPr>
+        </p:nvSpPr>
+        <p:spPr/>
+        <p:txBody>
+          <a:bodyPr/>
+          <a:lstStyle/>
+          <a:p>
+            <a:fld id="{B6F15528-21DE-4FAA-801E-634DDDAF4B2B}" type="slidenum">
+              <a:rPr lang="en-US" smtClean="0"/>
+              <a:pPr/>
+              <a:t>41</a:t>
+            </a:fld>
+            <a:endParaRPr lang="en-US"/>
+          </a:p>
+        </p:txBody>
+      </p:sp>
+      <p:sp>
+        <p:nvSpPr>
+          <p:cNvPr id="5" name="TextBox 4"/>
+          <p:cNvSpPr txBox="1"/>
+          <p:nvPr/>
+        </p:nvSpPr>
+        <p:spPr>
+          <a:xfrm>
+            <a:off x="76200" y="152400"/>
+            <a:ext cx="8382000" cy="707886"/>
+          </a:xfrm>
+          <a:prstGeom prst="rect">
+            <a:avLst/>
+          </a:prstGeom>
+          <a:noFill/>
+        </p:spPr>
+        <p:txBody>
+          <a:bodyPr wrap="square" rtlCol="0">
+            <a:spAutoFit/>
+          </a:bodyPr>
+          <a:lstStyle/>
+          <a:p>
+            <a:r>
+              <a:rPr lang="en-US" sz="4000" dirty="0" smtClean="0">
+                <a:solidFill>
+                  <a:srgbClr val="FFC000"/>
+                </a:solidFill>
+                <a:latin typeface="Adobe Caslon Pro Bold" pitchFamily="18" charset="0"/>
+                <a:ea typeface="Adobe Fan Heiti Std B" pitchFamily="34" charset="-128"/>
+              </a:rPr>
+              <a:t>Daily Expense</a:t>
+            </a:r>
+            <a:endParaRPr lang="en-US" sz="4000" dirty="0" smtClean="0">
+              <a:solidFill>
+                <a:srgbClr val="FFC000"/>
+              </a:solidFill>
+              <a:latin typeface="Adobe Caslon Pro Bold" pitchFamily="18" charset="0"/>
+              <a:ea typeface="Adobe Fan Heiti Std B" pitchFamily="34" charset="-128"/>
+            </a:endParaRPr>
+          </a:p>
+        </p:txBody>
+      </p:sp>
+      <p:sp>
+        <p:nvSpPr>
+          <p:cNvPr id="2" name="Footer Placeholder 1"/>
+          <p:cNvSpPr>
+            <a:spLocks noGrp="1"/>
+          </p:cNvSpPr>
+          <p:nvPr>
+            <p:ph type="ftr" sz="quarter" idx="11"/>
+          </p:nvPr>
+        </p:nvSpPr>
+        <p:spPr/>
+        <p:txBody>
+          <a:bodyPr/>
+          <a:lstStyle/>
+          <a:p>
+            <a:r>
+              <a:rPr lang="en-US" smtClean="0"/>
+              <a:t>OOPMS Team</a:t>
+            </a:r>
+            <a:endParaRPr lang="en-US"/>
+          </a:p>
+        </p:txBody>
+      </p:sp>
+    </p:spTree>
+    <p:extLst>
+      <p:ext uri="{BB962C8B-B14F-4D97-AF65-F5344CB8AC3E}">
+        <p14:creationId xmlns:p14="http://schemas.microsoft.com/office/powerpoint/2010/main" val="1497829545"/>
+      </p:ext>
+    </p:extLst>
+  </p:cSld>
+  <p:clrMapOvr>
+    <a:masterClrMapping/>
+  </p:clrMapOvr>
+  <p:timing>
+    <p:tnLst>
+      <p:par>
+        <p:cTn id="1" dur="indefinite" restart="never" nodeType="tmRoot"/>
+      </p:par>
+    </p:tnLst>
+  </p:timing>
+</p:sld>
+</file>
+
+<file path=ppt/slides/slide42.xml><?xml version="1.0" encoding="utf-8"?>
+<p:sld xmlns:a="http://schemas.openxmlformats.org/drawingml/2006/main" xmlns:r="http://schemas.openxmlformats.org/officeDocument/2006/relationships" xmlns:p="http://schemas.openxmlformats.org/presentationml/2006/main">
+  <p:cSld>
+    <p:spTree>
+      <p:nvGrpSpPr>
+        <p:cNvPr id="1" name=""/>
+        <p:cNvGrpSpPr/>
+        <p:nvPr/>
+      </p:nvGrpSpPr>
+      <p:grpSpPr>
+        <a:xfrm>
+          <a:off x="0" y="0"/>
+          <a:ext cx="0" cy="0"/>
+          <a:chOff x="0" y="0"/>
+          <a:chExt cx="0" cy="0"/>
+        </a:xfrm>
+      </p:grpSpPr>
+      <p:sp>
+        <p:nvSpPr>
+          <p:cNvPr id="7" name="Content Placeholder 6"/>
+          <p:cNvSpPr>
+            <a:spLocks noGrp="1"/>
+          </p:cNvSpPr>
+          <p:nvPr>
+            <p:ph sz="half" idx="1"/>
+          </p:nvPr>
+        </p:nvSpPr>
+        <p:spPr>
+          <a:xfrm>
+            <a:off x="457200" y="1371600"/>
+            <a:ext cx="7620000" cy="4800599"/>
+          </a:xfrm>
+        </p:spPr>
+        <p:txBody>
+          <a:bodyPr>
+            <a:normAutofit/>
+          </a:bodyPr>
+          <a:lstStyle/>
+          <a:p>
+            <a:r>
+              <a:rPr lang="en-US" b="1" dirty="0" smtClean="0"/>
+              <a:t>Features : </a:t>
+            </a:r>
+          </a:p>
+          <a:p>
+            <a:pPr marL="0" indent="0">
+              <a:buNone/>
+            </a:pPr>
+            <a:r>
+              <a:rPr lang="en-US" b="1" dirty="0"/>
+              <a:t> </a:t>
+            </a:r>
+            <a:r>
+              <a:rPr lang="en-US" b="1" dirty="0" smtClean="0"/>
+              <a:t> - </a:t>
+            </a:r>
+            <a:r>
+              <a:rPr lang="en-US" b="1" dirty="0" smtClean="0"/>
+              <a:t>Manage the expense that rarely appear (money to pay for working OT, bonus for employee, money receive from employee that take day off without salary, …</a:t>
+            </a:r>
+            <a:r>
+              <a:rPr lang="en-US" b="1" dirty="0" err="1" smtClean="0"/>
+              <a:t>v.v</a:t>
+            </a:r>
+            <a:r>
+              <a:rPr lang="en-US" b="1" dirty="0" smtClean="0"/>
+              <a:t>)</a:t>
+            </a:r>
+          </a:p>
+          <a:p>
+            <a:pPr marL="0" indent="0">
+              <a:buNone/>
+            </a:pPr>
+            <a:r>
+              <a:rPr lang="en-US" b="1" dirty="0"/>
+              <a:t>  </a:t>
+            </a:r>
+            <a:r>
+              <a:rPr lang="en-US" b="1" dirty="0" smtClean="0"/>
+              <a:t>- Have pay function to send the expense to invoice.</a:t>
+            </a:r>
+            <a:endParaRPr lang="en-US" b="1" dirty="0" smtClean="0"/>
+          </a:p>
+          <a:p>
+            <a:pPr marL="0" indent="0">
+              <a:buNone/>
+            </a:pPr>
+            <a:endParaRPr lang="en-US" dirty="0"/>
+          </a:p>
+        </p:txBody>
+      </p:sp>
+      <p:sp>
+        <p:nvSpPr>
+          <p:cNvPr id="4" name="Slide Number Placeholder 3"/>
+          <p:cNvSpPr>
+            <a:spLocks noGrp="1"/>
+          </p:cNvSpPr>
+          <p:nvPr>
+            <p:ph type="sldNum" sz="quarter" idx="12"/>
+          </p:nvPr>
+        </p:nvSpPr>
+        <p:spPr/>
+        <p:txBody>
+          <a:bodyPr/>
+          <a:lstStyle/>
+          <a:p>
+            <a:fld id="{B6F15528-21DE-4FAA-801E-634DDDAF4B2B}" type="slidenum">
+              <a:rPr lang="en-US" smtClean="0"/>
+              <a:pPr/>
+              <a:t>42</a:t>
+            </a:fld>
+            <a:endParaRPr lang="en-US"/>
+          </a:p>
+        </p:txBody>
+      </p:sp>
+      <p:sp>
+        <p:nvSpPr>
+          <p:cNvPr id="5" name="TextBox 4"/>
+          <p:cNvSpPr txBox="1"/>
+          <p:nvPr/>
+        </p:nvSpPr>
+        <p:spPr>
+          <a:xfrm>
+            <a:off x="76200" y="152400"/>
+            <a:ext cx="8382000" cy="707886"/>
+          </a:xfrm>
+          <a:prstGeom prst="rect">
+            <a:avLst/>
+          </a:prstGeom>
+          <a:noFill/>
+        </p:spPr>
+        <p:txBody>
+          <a:bodyPr wrap="square" rtlCol="0">
+            <a:spAutoFit/>
+          </a:bodyPr>
+          <a:lstStyle/>
+          <a:p>
+            <a:r>
+              <a:rPr lang="en-US" sz="4000" dirty="0" smtClean="0">
+                <a:solidFill>
+                  <a:srgbClr val="FFC000"/>
+                </a:solidFill>
+                <a:latin typeface="Adobe Caslon Pro Bold" pitchFamily="18" charset="0"/>
+                <a:ea typeface="Adobe Fan Heiti Std B" pitchFamily="34" charset="-128"/>
+              </a:rPr>
+              <a:t>Exceptional Expense/Deduct</a:t>
+            </a:r>
+            <a:endParaRPr lang="en-US" sz="4000" dirty="0" smtClean="0">
+              <a:solidFill>
+                <a:srgbClr val="FFC000"/>
+              </a:solidFill>
+              <a:latin typeface="Adobe Caslon Pro Bold" pitchFamily="18" charset="0"/>
+              <a:ea typeface="Adobe Fan Heiti Std B" pitchFamily="34" charset="-128"/>
+            </a:endParaRPr>
+          </a:p>
+        </p:txBody>
+      </p:sp>
+      <p:sp>
+        <p:nvSpPr>
+          <p:cNvPr id="2" name="Footer Placeholder 1"/>
+          <p:cNvSpPr>
+            <a:spLocks noGrp="1"/>
+          </p:cNvSpPr>
+          <p:nvPr>
+            <p:ph type="ftr" sz="quarter" idx="11"/>
+          </p:nvPr>
+        </p:nvSpPr>
+        <p:spPr/>
+        <p:txBody>
+          <a:bodyPr/>
+          <a:lstStyle/>
+          <a:p>
+            <a:r>
+              <a:rPr lang="en-US" smtClean="0"/>
+              <a:t>OOPMS Team</a:t>
+            </a:r>
+            <a:endParaRPr lang="en-US"/>
+          </a:p>
+        </p:txBody>
+      </p:sp>
+    </p:spTree>
+    <p:extLst>
+      <p:ext uri="{BB962C8B-B14F-4D97-AF65-F5344CB8AC3E}">
+        <p14:creationId xmlns:p14="http://schemas.microsoft.com/office/powerpoint/2010/main" val="1631004441"/>
+      </p:ext>
+    </p:extLst>
+  </p:cSld>
+  <p:clrMapOvr>
+    <a:masterClrMapping/>
+  </p:clrMapOvr>
+  <p:timing>
+    <p:tnLst>
+      <p:par>
+        <p:cTn id="1" dur="indefinite" restart="never" nodeType="tmRoot"/>
+      </p:par>
+    </p:tnLst>
+  </p:timing>
+</p:sld>
+</file>
+
+<file path=ppt/slides/slide43.xml><?xml version="1.0" encoding="utf-8"?>
+<p:sld xmlns:a="http://schemas.openxmlformats.org/drawingml/2006/main" xmlns:r="http://schemas.openxmlformats.org/officeDocument/2006/relationships" xmlns:p="http://schemas.openxmlformats.org/presentationml/2006/main">
+  <p:cSld>
+    <p:spTree>
+      <p:nvGrpSpPr>
+        <p:cNvPr id="1" name=""/>
+        <p:cNvGrpSpPr/>
+        <p:nvPr/>
+      </p:nvGrpSpPr>
+      <p:grpSpPr>
+        <a:xfrm>
+          <a:off x="0" y="0"/>
+          <a:ext cx="0" cy="0"/>
+          <a:chOff x="0" y="0"/>
+          <a:chExt cx="0" cy="0"/>
+        </a:xfrm>
+      </p:grpSpPr>
+      <p:sp>
+        <p:nvSpPr>
+          <p:cNvPr id="7" name="Content Placeholder 6"/>
+          <p:cNvSpPr>
+            <a:spLocks noGrp="1"/>
+          </p:cNvSpPr>
+          <p:nvPr>
+            <p:ph sz="half" idx="1"/>
+          </p:nvPr>
+        </p:nvSpPr>
+        <p:spPr>
+          <a:xfrm>
+            <a:off x="457200" y="1371601"/>
+            <a:ext cx="7620000" cy="2057400"/>
+          </a:xfrm>
+        </p:spPr>
+        <p:txBody>
+          <a:bodyPr>
+            <a:normAutofit/>
+          </a:bodyPr>
+          <a:lstStyle/>
+          <a:p>
+            <a:r>
+              <a:rPr lang="en-US" b="1" dirty="0" smtClean="0"/>
+              <a:t>Features : </a:t>
+            </a:r>
+          </a:p>
+          <a:p>
+            <a:pPr marL="0" indent="0">
+              <a:buNone/>
+            </a:pPr>
+            <a:r>
+              <a:rPr lang="en-US" b="1" dirty="0"/>
+              <a:t> </a:t>
+            </a:r>
+            <a:r>
+              <a:rPr lang="en-US" b="1" dirty="0" smtClean="0"/>
+              <a:t> - </a:t>
+            </a:r>
+            <a:r>
+              <a:rPr lang="en-US" b="1" dirty="0" smtClean="0"/>
+              <a:t>Grouping many daily expense into a type for easy adding record to exceptional expense or deduct.</a:t>
+            </a:r>
+          </a:p>
+          <a:p>
+            <a:pPr marL="0" indent="0">
+              <a:buNone/>
+            </a:pPr>
+            <a:endParaRPr lang="en-US" dirty="0"/>
+          </a:p>
+        </p:txBody>
+      </p:sp>
+      <p:sp>
+        <p:nvSpPr>
+          <p:cNvPr id="4" name="Slide Number Placeholder 3"/>
+          <p:cNvSpPr>
+            <a:spLocks noGrp="1"/>
+          </p:cNvSpPr>
+          <p:nvPr>
+            <p:ph type="sldNum" sz="quarter" idx="12"/>
+          </p:nvPr>
+        </p:nvSpPr>
+        <p:spPr/>
+        <p:txBody>
+          <a:bodyPr/>
+          <a:lstStyle/>
+          <a:p>
+            <a:fld id="{B6F15528-21DE-4FAA-801E-634DDDAF4B2B}" type="slidenum">
+              <a:rPr lang="en-US" smtClean="0"/>
+              <a:pPr/>
+              <a:t>43</a:t>
+            </a:fld>
+            <a:endParaRPr lang="en-US"/>
+          </a:p>
+        </p:txBody>
+      </p:sp>
+      <p:sp>
+        <p:nvSpPr>
+          <p:cNvPr id="5" name="TextBox 4"/>
+          <p:cNvSpPr txBox="1"/>
+          <p:nvPr/>
+        </p:nvSpPr>
+        <p:spPr>
+          <a:xfrm>
+            <a:off x="76200" y="152400"/>
+            <a:ext cx="8382000" cy="707886"/>
+          </a:xfrm>
+          <a:prstGeom prst="rect">
+            <a:avLst/>
+          </a:prstGeom>
+          <a:noFill/>
+        </p:spPr>
+        <p:txBody>
+          <a:bodyPr wrap="square" rtlCol="0">
+            <a:spAutoFit/>
+          </a:bodyPr>
+          <a:lstStyle/>
+          <a:p>
+            <a:r>
+              <a:rPr lang="en-US" sz="4000" dirty="0" smtClean="0">
+                <a:solidFill>
+                  <a:srgbClr val="FFC000"/>
+                </a:solidFill>
+                <a:latin typeface="Adobe Caslon Pro Bold" pitchFamily="18" charset="0"/>
+                <a:ea typeface="Adobe Fan Heiti Std B" pitchFamily="34" charset="-128"/>
+              </a:rPr>
+              <a:t>Type</a:t>
+            </a:r>
+            <a:endParaRPr lang="en-US" sz="4000" dirty="0" smtClean="0">
+              <a:solidFill>
+                <a:srgbClr val="FFC000"/>
+              </a:solidFill>
+              <a:latin typeface="Adobe Caslon Pro Bold" pitchFamily="18" charset="0"/>
+              <a:ea typeface="Adobe Fan Heiti Std B" pitchFamily="34" charset="-128"/>
+            </a:endParaRPr>
+          </a:p>
+        </p:txBody>
+      </p:sp>
+      <p:sp>
+        <p:nvSpPr>
+          <p:cNvPr id="2" name="Footer Placeholder 1"/>
+          <p:cNvSpPr>
+            <a:spLocks noGrp="1"/>
+          </p:cNvSpPr>
+          <p:nvPr>
+            <p:ph type="ftr" sz="quarter" idx="11"/>
+          </p:nvPr>
+        </p:nvSpPr>
+        <p:spPr/>
+        <p:txBody>
+          <a:bodyPr/>
+          <a:lstStyle/>
+          <a:p>
+            <a:r>
+              <a:rPr lang="en-US" smtClean="0"/>
+              <a:t>OOPMS Team</a:t>
+            </a:r>
+            <a:endParaRPr lang="en-US"/>
+          </a:p>
+        </p:txBody>
+      </p:sp>
+    </p:spTree>
+    <p:extLst>
+      <p:ext uri="{BB962C8B-B14F-4D97-AF65-F5344CB8AC3E}">
+        <p14:creationId xmlns:p14="http://schemas.microsoft.com/office/powerpoint/2010/main" val="1118118661"/>
+      </p:ext>
+    </p:extLst>
+  </p:cSld>
+  <p:clrMapOvr>
+    <a:masterClrMapping/>
+  </p:clrMapOvr>
   <p:timing>
     <p:tnLst>
       <p:par>

--- a/Document/Report/Presentation/OOPMS_Presentation_v1.0.pptx
+++ b/Document/Report/Presentation/OOPMS_Presentation_v1.0.pptx
@@ -5,7 +5,7 @@
     <p:sldMasterId id="2147483696" r:id="rId1"/>
   </p:sldMasterIdLst>
   <p:notesMasterIdLst>
-    <p:notesMasterId r:id="rId44"/>
+    <p:notesMasterId r:id="rId54"/>
   </p:notesMasterIdLst>
   <p:sldIdLst>
     <p:sldId id="258" r:id="rId2"/>
@@ -38,18 +38,28 @@
     <p:sldId id="302" r:id="rId29"/>
     <p:sldId id="303" r:id="rId30"/>
     <p:sldId id="304" r:id="rId31"/>
-    <p:sldId id="282" r:id="rId32"/>
-    <p:sldId id="283" r:id="rId33"/>
-    <p:sldId id="284" r:id="rId34"/>
-    <p:sldId id="293" r:id="rId35"/>
-    <p:sldId id="285" r:id="rId36"/>
-    <p:sldId id="286" r:id="rId37"/>
-    <p:sldId id="299" r:id="rId38"/>
-    <p:sldId id="287" r:id="rId39"/>
-    <p:sldId id="297" r:id="rId40"/>
-    <p:sldId id="288" r:id="rId41"/>
-    <p:sldId id="289" r:id="rId42"/>
-    <p:sldId id="290" r:id="rId43"/>
+    <p:sldId id="305" r:id="rId32"/>
+    <p:sldId id="306" r:id="rId33"/>
+    <p:sldId id="307" r:id="rId34"/>
+    <p:sldId id="308" r:id="rId35"/>
+    <p:sldId id="309" r:id="rId36"/>
+    <p:sldId id="310" r:id="rId37"/>
+    <p:sldId id="311" r:id="rId38"/>
+    <p:sldId id="312" r:id="rId39"/>
+    <p:sldId id="313" r:id="rId40"/>
+    <p:sldId id="314" r:id="rId41"/>
+    <p:sldId id="282" r:id="rId42"/>
+    <p:sldId id="283" r:id="rId43"/>
+    <p:sldId id="284" r:id="rId44"/>
+    <p:sldId id="293" r:id="rId45"/>
+    <p:sldId id="285" r:id="rId46"/>
+    <p:sldId id="286" r:id="rId47"/>
+    <p:sldId id="299" r:id="rId48"/>
+    <p:sldId id="287" r:id="rId49"/>
+    <p:sldId id="297" r:id="rId50"/>
+    <p:sldId id="288" r:id="rId51"/>
+    <p:sldId id="289" r:id="rId52"/>
+    <p:sldId id="290" r:id="rId53"/>
   </p:sldIdLst>
   <p:sldSz cx="9144000" cy="6858000" type="screen4x3"/>
   <p:notesSz cx="6858000" cy="9144000"/>
@@ -233,7 +243,7 @@
           <a:p>
             <a:fld id="{D5E9D448-0590-4949-815A-626CF08257EE}" type="datetimeFigureOut">
               <a:rPr lang="en-US" smtClean="0"/>
-              <a:t>8/22/2012</a:t>
+              <a:t>8/23/2012</a:t>
             </a:fld>
             <a:endParaRPr lang="en-US"/>
           </a:p>
@@ -926,7 +936,7 @@
           <a:p>
             <a:fld id="{0E6DFBB0-6CFE-4671-B8BE-710BB15F3BC9}" type="datetime1">
               <a:rPr lang="en-US" smtClean="0"/>
-              <a:t>8/22/2012</a:t>
+              <a:t>8/23/2012</a:t>
             </a:fld>
             <a:endParaRPr lang="en-US"/>
           </a:p>
@@ -1096,7 +1106,7 @@
           <a:p>
             <a:fld id="{AB989079-D6D7-44A4-B5B0-47464FBB368D}" type="datetime1">
               <a:rPr lang="en-US" smtClean="0"/>
-              <a:t>8/22/2012</a:t>
+              <a:t>8/23/2012</a:t>
             </a:fld>
             <a:endParaRPr lang="en-US"/>
           </a:p>
@@ -1276,7 +1286,7 @@
           <a:p>
             <a:fld id="{04445830-5C3B-4731-9AD7-690DE8DAA5F5}" type="datetime1">
               <a:rPr lang="en-US" smtClean="0"/>
-              <a:t>8/22/2012</a:t>
+              <a:t>8/23/2012</a:t>
             </a:fld>
             <a:endParaRPr lang="en-US"/>
           </a:p>
@@ -1446,7 +1456,7 @@
           <a:p>
             <a:fld id="{98FFAF04-EF5F-412C-8623-0998346429B6}" type="datetime1">
               <a:rPr lang="en-US" smtClean="0"/>
-              <a:t>8/22/2012</a:t>
+              <a:t>8/23/2012</a:t>
             </a:fld>
             <a:endParaRPr lang="en-US"/>
           </a:p>
@@ -1693,7 +1703,7 @@
           <a:p>
             <a:fld id="{E1B40072-8B3B-4F12-B317-92BB15729FC4}" type="datetime1">
               <a:rPr lang="en-US" smtClean="0"/>
-              <a:t>8/22/2012</a:t>
+              <a:t>8/23/2012</a:t>
             </a:fld>
             <a:endParaRPr lang="en-US"/>
           </a:p>
@@ -1962,7 +1972,7 @@
           <a:p>
             <a:fld id="{9FCE0532-A6E2-4967-8AE8-C69DC3F02652}" type="datetime1">
               <a:rPr lang="en-US" smtClean="0"/>
-              <a:t>8/22/2012</a:t>
+              <a:t>8/23/2012</a:t>
             </a:fld>
             <a:endParaRPr lang="en-US"/>
           </a:p>
@@ -2345,7 +2355,7 @@
           <a:p>
             <a:fld id="{ED7E3711-C364-4C73-B4A8-72C0A11B9444}" type="datetime1">
               <a:rPr lang="en-US" smtClean="0"/>
-              <a:t>8/22/2012</a:t>
+              <a:t>8/23/2012</a:t>
             </a:fld>
             <a:endParaRPr lang="en-US"/>
           </a:p>
@@ -2500,7 +2510,7 @@
           <a:p>
             <a:fld id="{810E849C-AF3E-48A7-8729-C724250D5BB4}" type="datetime1">
               <a:rPr lang="en-US" smtClean="0"/>
-              <a:t>8/22/2012</a:t>
+              <a:t>8/23/2012</a:t>
             </a:fld>
             <a:endParaRPr lang="en-US"/>
           </a:p>
@@ -2595,7 +2605,7 @@
           <a:p>
             <a:fld id="{210E6CAB-84E4-4011-B107-EDB46785E0BF}" type="datetime1">
               <a:rPr lang="en-US" smtClean="0"/>
-              <a:t>8/22/2012</a:t>
+              <a:t>8/23/2012</a:t>
             </a:fld>
             <a:endParaRPr lang="en-US"/>
           </a:p>
@@ -2861,7 +2871,7 @@
           <a:p>
             <a:fld id="{D4C654D8-ED84-4FD2-9681-B79DDB18AEE7}" type="datetime1">
               <a:rPr lang="en-US" smtClean="0"/>
-              <a:t>8/22/2012</a:t>
+              <a:t>8/23/2012</a:t>
             </a:fld>
             <a:endParaRPr lang="en-US"/>
           </a:p>
@@ -3154,7 +3164,7 @@
           <a:p>
             <a:fld id="{442D0D88-E502-4C93-8C04-BB3D21395536}" type="datetime1">
               <a:rPr lang="en-US" smtClean="0"/>
-              <a:t>8/22/2012</a:t>
+              <a:t>8/23/2012</a:t>
             </a:fld>
             <a:endParaRPr lang="en-US"/>
           </a:p>
@@ -3930,7 +3940,7 @@
           <a:p>
             <a:fld id="{A4F60FB3-6432-4A26-85B7-EC33EA63D569}" type="datetime1">
               <a:rPr lang="en-US" smtClean="0"/>
-              <a:t>8/22/2012</a:t>
+              <a:t>8/23/2012</a:t>
             </a:fld>
             <a:endParaRPr lang="en-US"/>
           </a:p>
@@ -25193,7 +25203,7 @@
                 <a:ea typeface="+mn-ea"/>
                 <a:cs typeface="+mn-cs"/>
               </a:rPr>
-              <a:t>Cost Management</a:t>
+              <a:t>Project Eye - Cost Management</a:t>
             </a:r>
             <a:endParaRPr lang="en-US" dirty="0">
               <a:solidFill>
@@ -25227,7 +25237,25 @@
               </a:rPr>
               <a:t>Planner – Project Status Report</a:t>
             </a:r>
-            <a:endParaRPr lang="en-US" dirty="0">
+          </a:p>
+          <a:p>
+            <a:pPr lvl="0">
+              <a:lnSpc>
+                <a:spcPct val="150000"/>
+              </a:lnSpc>
+            </a:pPr>
+            <a:r>
+              <a:rPr lang="en-US" dirty="0" smtClean="0">
+                <a:solidFill>
+                  <a:schemeClr val="tx1">
+                    <a:lumMod val="95000"/>
+                    <a:lumOff val="5000"/>
+                  </a:schemeClr>
+                </a:solidFill>
+              </a:rPr>
+              <a:t>Dashboard</a:t>
+            </a:r>
+            <a:endParaRPr lang="en-US" dirty="0" smtClean="0">
               <a:solidFill>
                 <a:schemeClr val="tx1">
                   <a:lumMod val="95000"/>
@@ -30900,6 +30928,962 @@
       </p:grpSpPr>
       <p:sp>
         <p:nvSpPr>
+          <p:cNvPr id="2" name="Title 1"/>
+          <p:cNvSpPr>
+            <a:spLocks noGrp="1"/>
+          </p:cNvSpPr>
+          <p:nvPr>
+            <p:ph type="title"/>
+          </p:nvPr>
+        </p:nvSpPr>
+        <p:spPr/>
+        <p:txBody>
+          <a:bodyPr/>
+          <a:lstStyle/>
+          <a:p>
+            <a:r>
+              <a:rPr lang="en-US" dirty="0" smtClean="0"/>
+              <a:t>Brief Description of Planner	</a:t>
+            </a:r>
+            <a:endParaRPr lang="en-US" dirty="0"/>
+          </a:p>
+        </p:txBody>
+      </p:sp>
+      <p:sp>
+        <p:nvSpPr>
+          <p:cNvPr id="3" name="Content Placeholder 2"/>
+          <p:cNvSpPr>
+            <a:spLocks noGrp="1"/>
+          </p:cNvSpPr>
+          <p:nvPr>
+            <p:ph idx="1"/>
+          </p:nvPr>
+        </p:nvSpPr>
+        <p:spPr/>
+        <p:txBody>
+          <a:bodyPr/>
+          <a:lstStyle/>
+          <a:p>
+            <a:r>
+              <a:rPr lang="en-US" dirty="0" smtClean="0"/>
+              <a:t>Planner supports user </a:t>
+            </a:r>
+            <a:r>
+              <a:rPr lang="en-US" b="1" dirty="0" smtClean="0"/>
+              <a:t>to manage tasks in a project</a:t>
+            </a:r>
+            <a:r>
+              <a:rPr lang="en-US" dirty="0" smtClean="0"/>
+              <a:t>.</a:t>
+            </a:r>
+          </a:p>
+          <a:p>
+            <a:r>
+              <a:rPr lang="en-US" b="1" dirty="0" smtClean="0"/>
+              <a:t>Project Manage </a:t>
+            </a:r>
+            <a:r>
+              <a:rPr lang="en-US" dirty="0" smtClean="0"/>
+              <a:t>has most rights to control Planner.</a:t>
+            </a:r>
+          </a:p>
+          <a:p>
+            <a:r>
+              <a:rPr lang="en-US" b="1" dirty="0" smtClean="0"/>
+              <a:t>Team members </a:t>
+            </a:r>
+            <a:r>
+              <a:rPr lang="en-US" dirty="0" smtClean="0"/>
+              <a:t>just can view tasks which they were assigned.</a:t>
+            </a:r>
+            <a:endParaRPr lang="en-US" dirty="0"/>
+          </a:p>
+        </p:txBody>
+      </p:sp>
+    </p:spTree>
+    <p:extLst>
+      <p:ext uri="{BB962C8B-B14F-4D97-AF65-F5344CB8AC3E}">
+        <p14:creationId xmlns:p14="http://schemas.microsoft.com/office/powerpoint/2010/main" val="826463079"/>
+      </p:ext>
+    </p:extLst>
+  </p:cSld>
+  <p:clrMapOvr>
+    <a:masterClrMapping/>
+  </p:clrMapOvr>
+  <p:timing>
+    <p:tnLst>
+      <p:par>
+        <p:cTn id="1" dur="indefinite" restart="never" nodeType="tmRoot"/>
+      </p:par>
+    </p:tnLst>
+  </p:timing>
+</p:sld>
+</file>
+
+<file path=ppt/slides/slide32.xml><?xml version="1.0" encoding="utf-8"?>
+<p:sld xmlns:a="http://schemas.openxmlformats.org/drawingml/2006/main" xmlns:r="http://schemas.openxmlformats.org/officeDocument/2006/relationships" xmlns:p="http://schemas.openxmlformats.org/presentationml/2006/main">
+  <p:cSld>
+    <p:spTree>
+      <p:nvGrpSpPr>
+        <p:cNvPr id="1" name=""/>
+        <p:cNvGrpSpPr/>
+        <p:nvPr/>
+      </p:nvGrpSpPr>
+      <p:grpSpPr>
+        <a:xfrm>
+          <a:off x="0" y="0"/>
+          <a:ext cx="0" cy="0"/>
+          <a:chOff x="0" y="0"/>
+          <a:chExt cx="0" cy="0"/>
+        </a:xfrm>
+      </p:grpSpPr>
+      <p:sp>
+        <p:nvSpPr>
+          <p:cNvPr id="2" name="Title 1"/>
+          <p:cNvSpPr>
+            <a:spLocks noGrp="1"/>
+          </p:cNvSpPr>
+          <p:nvPr>
+            <p:ph type="title"/>
+          </p:nvPr>
+        </p:nvSpPr>
+        <p:spPr/>
+        <p:txBody>
+          <a:bodyPr/>
+          <a:lstStyle/>
+          <a:p>
+            <a:r>
+              <a:rPr lang="en-US" dirty="0" smtClean="0"/>
+              <a:t>Salient features </a:t>
+            </a:r>
+            <a:endParaRPr lang="en-US" dirty="0"/>
+          </a:p>
+        </p:txBody>
+      </p:sp>
+      <p:sp>
+        <p:nvSpPr>
+          <p:cNvPr id="3" name="Content Placeholder 2"/>
+          <p:cNvSpPr>
+            <a:spLocks noGrp="1"/>
+          </p:cNvSpPr>
+          <p:nvPr>
+            <p:ph idx="1"/>
+          </p:nvPr>
+        </p:nvSpPr>
+        <p:spPr/>
+        <p:txBody>
+          <a:bodyPr/>
+          <a:lstStyle/>
+          <a:p>
+            <a:r>
+              <a:rPr lang="en-US" dirty="0" smtClean="0"/>
+              <a:t>Planner report supports tasks statistics using bar and pie chart.</a:t>
+            </a:r>
+          </a:p>
+          <a:p>
+            <a:pPr lvl="1"/>
+            <a:r>
+              <a:rPr lang="en-US" dirty="0" smtClean="0"/>
+              <a:t>Count kinds of </a:t>
+            </a:r>
+            <a:r>
+              <a:rPr lang="en-US" b="1" dirty="0" smtClean="0"/>
+              <a:t>tasks belong to a team member</a:t>
+            </a:r>
+            <a:r>
+              <a:rPr lang="en-US" dirty="0" smtClean="0"/>
+              <a:t>.</a:t>
+            </a:r>
+          </a:p>
+          <a:p>
+            <a:pPr lvl="1"/>
+            <a:r>
+              <a:rPr lang="en-US" dirty="0" smtClean="0"/>
+              <a:t>Calculate the </a:t>
+            </a:r>
+            <a:r>
+              <a:rPr lang="en-US" b="1" dirty="0" smtClean="0"/>
+              <a:t>rate of amount tasks between team members</a:t>
+            </a:r>
+            <a:r>
+              <a:rPr lang="en-US" dirty="0" smtClean="0"/>
+              <a:t>.</a:t>
+            </a:r>
+          </a:p>
+          <a:p>
+            <a:r>
+              <a:rPr lang="en-US" dirty="0" smtClean="0"/>
+              <a:t>Present </a:t>
+            </a:r>
+            <a:r>
+              <a:rPr lang="en-US" b="1" dirty="0" smtClean="0"/>
+              <a:t>working efficiency of team members </a:t>
+            </a:r>
+            <a:r>
+              <a:rPr lang="en-US" dirty="0" smtClean="0"/>
+              <a:t>via line chart.</a:t>
+            </a:r>
+            <a:endParaRPr lang="en-US" dirty="0"/>
+          </a:p>
+        </p:txBody>
+      </p:sp>
+    </p:spTree>
+    <p:extLst>
+      <p:ext uri="{BB962C8B-B14F-4D97-AF65-F5344CB8AC3E}">
+        <p14:creationId xmlns:p14="http://schemas.microsoft.com/office/powerpoint/2010/main" val="3529140204"/>
+      </p:ext>
+    </p:extLst>
+  </p:cSld>
+  <p:clrMapOvr>
+    <a:masterClrMapping/>
+  </p:clrMapOvr>
+  <p:timing>
+    <p:tnLst>
+      <p:par>
+        <p:cTn id="1" dur="indefinite" restart="never" nodeType="tmRoot"/>
+      </p:par>
+    </p:tnLst>
+  </p:timing>
+</p:sld>
+</file>
+
+<file path=ppt/slides/slide33.xml><?xml version="1.0" encoding="utf-8"?>
+<p:sld xmlns:a="http://schemas.openxmlformats.org/drawingml/2006/main" xmlns:r="http://schemas.openxmlformats.org/officeDocument/2006/relationships" xmlns:p="http://schemas.openxmlformats.org/presentationml/2006/main">
+  <p:cSld>
+    <p:spTree>
+      <p:nvGrpSpPr>
+        <p:cNvPr id="1" name=""/>
+        <p:cNvGrpSpPr/>
+        <p:nvPr/>
+      </p:nvGrpSpPr>
+      <p:grpSpPr>
+        <a:xfrm>
+          <a:off x="0" y="0"/>
+          <a:ext cx="0" cy="0"/>
+          <a:chOff x="0" y="0"/>
+          <a:chExt cx="0" cy="0"/>
+        </a:xfrm>
+      </p:grpSpPr>
+      <p:sp>
+        <p:nvSpPr>
+          <p:cNvPr id="2" name="Title 1"/>
+          <p:cNvSpPr>
+            <a:spLocks noGrp="1"/>
+          </p:cNvSpPr>
+          <p:nvPr>
+            <p:ph type="title"/>
+          </p:nvPr>
+        </p:nvSpPr>
+        <p:spPr>
+          <a:xfrm>
+            <a:off x="374976" y="304800"/>
+            <a:ext cx="8229600" cy="591312"/>
+          </a:xfrm>
+        </p:spPr>
+        <p:txBody>
+          <a:bodyPr>
+            <a:normAutofit fontScale="90000"/>
+          </a:bodyPr>
+          <a:lstStyle/>
+          <a:p>
+            <a:r>
+              <a:rPr lang="en-US" dirty="0" smtClean="0"/>
+              <a:t>Report Charts</a:t>
+            </a:r>
+            <a:endParaRPr lang="en-US" dirty="0"/>
+          </a:p>
+        </p:txBody>
+      </p:sp>
+      <p:pic>
+        <p:nvPicPr>
+          <p:cNvPr id="8" name="Content Placeholder 7" descr="LineChart.PNG"/>
+          <p:cNvPicPr>
+            <a:picLocks noGrp="1" noChangeAspect="1"/>
+          </p:cNvPicPr>
+          <p:nvPr>
+            <p:ph idx="1"/>
+          </p:nvPr>
+        </p:nvPicPr>
+        <p:blipFill>
+          <a:blip r:embed="rId2" cstate="print"/>
+          <a:stretch>
+            <a:fillRect/>
+          </a:stretch>
+        </p:blipFill>
+        <p:spPr>
+          <a:xfrm>
+            <a:off x="5257800" y="1378528"/>
+            <a:ext cx="3054023" cy="2355272"/>
+          </a:xfrm>
+          <a:prstGeom prst="rect">
+            <a:avLst/>
+          </a:prstGeom>
+          <a:ln>
+            <a:noFill/>
+          </a:ln>
+          <a:effectLst>
+            <a:outerShdw blurRad="292100" dist="139700" dir="2700000" algn="tl" rotWithShape="0">
+              <a:srgbClr val="333333">
+                <a:alpha val="65000"/>
+              </a:srgbClr>
+            </a:outerShdw>
+          </a:effectLst>
+        </p:spPr>
+      </p:pic>
+      <p:pic>
+        <p:nvPicPr>
+          <p:cNvPr id="9" name="Picture 8" descr="BarChart.PNG"/>
+          <p:cNvPicPr>
+            <a:picLocks noChangeAspect="1"/>
+          </p:cNvPicPr>
+          <p:nvPr/>
+        </p:nvPicPr>
+        <p:blipFill>
+          <a:blip r:embed="rId3" cstate="print"/>
+          <a:stretch>
+            <a:fillRect/>
+          </a:stretch>
+        </p:blipFill>
+        <p:spPr>
+          <a:xfrm>
+            <a:off x="533400" y="1143000"/>
+            <a:ext cx="3048000" cy="2361296"/>
+          </a:xfrm>
+          <a:prstGeom prst="rect">
+            <a:avLst/>
+          </a:prstGeom>
+          <a:ln>
+            <a:noFill/>
+          </a:ln>
+          <a:effectLst>
+            <a:outerShdw blurRad="292100" dist="139700" dir="2700000" algn="tl" rotWithShape="0">
+              <a:srgbClr val="333333">
+                <a:alpha val="65000"/>
+              </a:srgbClr>
+            </a:outerShdw>
+          </a:effectLst>
+        </p:spPr>
+      </p:pic>
+      <p:pic>
+        <p:nvPicPr>
+          <p:cNvPr id="10" name="Picture 9" descr="PieChart.PNG"/>
+          <p:cNvPicPr>
+            <a:picLocks noChangeAspect="1"/>
+          </p:cNvPicPr>
+          <p:nvPr/>
+        </p:nvPicPr>
+        <p:blipFill>
+          <a:blip r:embed="rId4" cstate="print"/>
+          <a:stretch>
+            <a:fillRect/>
+          </a:stretch>
+        </p:blipFill>
+        <p:spPr>
+          <a:xfrm>
+            <a:off x="2971800" y="3810000"/>
+            <a:ext cx="3035952" cy="2795003"/>
+          </a:xfrm>
+          <a:prstGeom prst="rect">
+            <a:avLst/>
+          </a:prstGeom>
+          <a:ln>
+            <a:noFill/>
+          </a:ln>
+          <a:effectLst>
+            <a:outerShdw blurRad="292100" dist="139700" dir="2700000" algn="tl" rotWithShape="0">
+              <a:srgbClr val="333333">
+                <a:alpha val="65000"/>
+              </a:srgbClr>
+            </a:outerShdw>
+          </a:effectLst>
+        </p:spPr>
+      </p:pic>
+    </p:spTree>
+    <p:extLst>
+      <p:ext uri="{BB962C8B-B14F-4D97-AF65-F5344CB8AC3E}">
+        <p14:creationId xmlns:p14="http://schemas.microsoft.com/office/powerpoint/2010/main" val="399120867"/>
+      </p:ext>
+    </p:extLst>
+  </p:cSld>
+  <p:clrMapOvr>
+    <a:masterClrMapping/>
+  </p:clrMapOvr>
+  <p:timing>
+    <p:tnLst>
+      <p:par>
+        <p:cTn id="1" dur="indefinite" restart="never" nodeType="tmRoot"/>
+      </p:par>
+    </p:tnLst>
+  </p:timing>
+</p:sld>
+</file>
+
+<file path=ppt/slides/slide34.xml><?xml version="1.0" encoding="utf-8"?>
+<p:sld xmlns:a="http://schemas.openxmlformats.org/drawingml/2006/main" xmlns:r="http://schemas.openxmlformats.org/officeDocument/2006/relationships" xmlns:p="http://schemas.openxmlformats.org/presentationml/2006/main">
+  <p:cSld>
+    <p:spTree>
+      <p:nvGrpSpPr>
+        <p:cNvPr id="1" name=""/>
+        <p:cNvGrpSpPr/>
+        <p:nvPr/>
+      </p:nvGrpSpPr>
+      <p:grpSpPr>
+        <a:xfrm>
+          <a:off x="0" y="0"/>
+          <a:ext cx="0" cy="0"/>
+          <a:chOff x="0" y="0"/>
+          <a:chExt cx="0" cy="0"/>
+        </a:xfrm>
+      </p:grpSpPr>
+      <p:sp>
+        <p:nvSpPr>
+          <p:cNvPr id="2" name="Title 1"/>
+          <p:cNvSpPr>
+            <a:spLocks noGrp="1"/>
+          </p:cNvSpPr>
+          <p:nvPr>
+            <p:ph type="title"/>
+          </p:nvPr>
+        </p:nvSpPr>
+        <p:spPr/>
+        <p:txBody>
+          <a:bodyPr/>
+          <a:lstStyle/>
+          <a:p>
+            <a:r>
+              <a:rPr lang="en-US" dirty="0" smtClean="0"/>
+              <a:t>Brief Description of Dashboard</a:t>
+            </a:r>
+            <a:endParaRPr lang="en-US" dirty="0"/>
+          </a:p>
+        </p:txBody>
+      </p:sp>
+      <p:sp>
+        <p:nvSpPr>
+          <p:cNvPr id="3" name="Content Placeholder 2"/>
+          <p:cNvSpPr>
+            <a:spLocks noGrp="1"/>
+          </p:cNvSpPr>
+          <p:nvPr>
+            <p:ph idx="1"/>
+          </p:nvPr>
+        </p:nvSpPr>
+        <p:spPr/>
+        <p:txBody>
+          <a:bodyPr/>
+          <a:lstStyle/>
+          <a:p>
+            <a:r>
+              <a:rPr lang="en-US" dirty="0" smtClean="0"/>
+              <a:t>Show statuses of projects which belong to user, include:</a:t>
+            </a:r>
+          </a:p>
+          <a:p>
+            <a:pPr lvl="1"/>
+            <a:r>
+              <a:rPr lang="en-US" b="1" dirty="0" smtClean="0"/>
+              <a:t>Project Health</a:t>
+            </a:r>
+          </a:p>
+          <a:p>
+            <a:pPr lvl="1"/>
+            <a:r>
+              <a:rPr lang="en-US" b="1" dirty="0" smtClean="0"/>
+              <a:t>Passing time</a:t>
+            </a:r>
+          </a:p>
+          <a:p>
+            <a:pPr lvl="1"/>
+            <a:r>
+              <a:rPr lang="en-US" b="1" dirty="0" smtClean="0"/>
+              <a:t>Progress</a:t>
+            </a:r>
+          </a:p>
+          <a:p>
+            <a:pPr lvl="1"/>
+            <a:r>
+              <a:rPr lang="en-US" b="1" dirty="0" smtClean="0"/>
+              <a:t>Efficiency</a:t>
+            </a:r>
+          </a:p>
+          <a:p>
+            <a:pPr lvl="1"/>
+            <a:r>
+              <a:rPr lang="en-US" b="1" dirty="0" smtClean="0"/>
+              <a:t>Cost</a:t>
+            </a:r>
+          </a:p>
+          <a:p>
+            <a:pPr lvl="1"/>
+            <a:r>
+              <a:rPr lang="en-US" b="1" dirty="0" smtClean="0"/>
+              <a:t>Used Effort</a:t>
+            </a:r>
+            <a:endParaRPr lang="en-US" b="1" dirty="0"/>
+          </a:p>
+        </p:txBody>
+      </p:sp>
+    </p:spTree>
+    <p:extLst>
+      <p:ext uri="{BB962C8B-B14F-4D97-AF65-F5344CB8AC3E}">
+        <p14:creationId xmlns:p14="http://schemas.microsoft.com/office/powerpoint/2010/main" val="1054040105"/>
+      </p:ext>
+    </p:extLst>
+  </p:cSld>
+  <p:clrMapOvr>
+    <a:masterClrMapping/>
+  </p:clrMapOvr>
+  <p:timing>
+    <p:tnLst>
+      <p:par>
+        <p:cTn id="1" dur="indefinite" restart="never" nodeType="tmRoot"/>
+      </p:par>
+    </p:tnLst>
+  </p:timing>
+</p:sld>
+</file>
+
+<file path=ppt/slides/slide35.xml><?xml version="1.0" encoding="utf-8"?>
+<p:sld xmlns:a="http://schemas.openxmlformats.org/drawingml/2006/main" xmlns:r="http://schemas.openxmlformats.org/officeDocument/2006/relationships" xmlns:p="http://schemas.openxmlformats.org/presentationml/2006/main">
+  <p:cSld>
+    <p:spTree>
+      <p:nvGrpSpPr>
+        <p:cNvPr id="1" name=""/>
+        <p:cNvGrpSpPr/>
+        <p:nvPr/>
+      </p:nvGrpSpPr>
+      <p:grpSpPr>
+        <a:xfrm>
+          <a:off x="0" y="0"/>
+          <a:ext cx="0" cy="0"/>
+          <a:chOff x="0" y="0"/>
+          <a:chExt cx="0" cy="0"/>
+        </a:xfrm>
+      </p:grpSpPr>
+      <p:sp>
+        <p:nvSpPr>
+          <p:cNvPr id="2" name="Title 1"/>
+          <p:cNvSpPr>
+            <a:spLocks noGrp="1"/>
+          </p:cNvSpPr>
+          <p:nvPr>
+            <p:ph type="title"/>
+          </p:nvPr>
+        </p:nvSpPr>
+        <p:spPr/>
+        <p:txBody>
+          <a:bodyPr/>
+          <a:lstStyle/>
+          <a:p>
+            <a:r>
+              <a:rPr lang="en-US" dirty="0" smtClean="0"/>
+              <a:t>Salient features </a:t>
+            </a:r>
+            <a:endParaRPr lang="en-US" dirty="0"/>
+          </a:p>
+        </p:txBody>
+      </p:sp>
+      <p:sp>
+        <p:nvSpPr>
+          <p:cNvPr id="3" name="Content Placeholder 2"/>
+          <p:cNvSpPr>
+            <a:spLocks noGrp="1"/>
+          </p:cNvSpPr>
+          <p:nvPr>
+            <p:ph idx="1"/>
+          </p:nvPr>
+        </p:nvSpPr>
+        <p:spPr/>
+        <p:txBody>
+          <a:bodyPr/>
+          <a:lstStyle/>
+          <a:p>
+            <a:r>
+              <a:rPr lang="en-US" b="1" dirty="0" smtClean="0"/>
+              <a:t>Progress</a:t>
+            </a:r>
+            <a:r>
+              <a:rPr lang="en-US" dirty="0" smtClean="0"/>
+              <a:t> presents percent completed of a project; shall be </a:t>
+            </a:r>
+            <a:r>
+              <a:rPr lang="en-US" b="1" dirty="0" smtClean="0"/>
+              <a:t>alerted when project in dangerous stage</a:t>
+            </a:r>
+            <a:r>
+              <a:rPr lang="en-US" dirty="0" smtClean="0"/>
+              <a:t>.</a:t>
+            </a:r>
+          </a:p>
+          <a:p>
+            <a:r>
+              <a:rPr lang="en-US" b="1" dirty="0" smtClean="0"/>
+              <a:t>Efficiency</a:t>
+            </a:r>
+            <a:r>
+              <a:rPr lang="en-US" dirty="0" smtClean="0"/>
+              <a:t> present work productivity of team members; shall be </a:t>
+            </a:r>
+            <a:r>
+              <a:rPr lang="en-US" b="1" dirty="0" smtClean="0"/>
+              <a:t>alerted when productivity lower expected work done </a:t>
+            </a:r>
+            <a:r>
+              <a:rPr lang="en-US" dirty="0" smtClean="0"/>
+              <a:t>at current time.</a:t>
+            </a:r>
+          </a:p>
+          <a:p>
+            <a:r>
+              <a:rPr lang="en-US" b="1" dirty="0" smtClean="0"/>
+              <a:t>Cost</a:t>
+            </a:r>
+            <a:r>
+              <a:rPr lang="en-US" dirty="0" smtClean="0"/>
+              <a:t> present status of budget; shall be </a:t>
+            </a:r>
+            <a:r>
+              <a:rPr lang="en-US" b="1" dirty="0" smtClean="0"/>
+              <a:t>alerted when over budget</a:t>
+            </a:r>
+            <a:r>
+              <a:rPr lang="en-US" dirty="0" smtClean="0"/>
+              <a:t>.</a:t>
+            </a:r>
+            <a:endParaRPr lang="en-US" dirty="0"/>
+          </a:p>
+        </p:txBody>
+      </p:sp>
+    </p:spTree>
+    <p:extLst>
+      <p:ext uri="{BB962C8B-B14F-4D97-AF65-F5344CB8AC3E}">
+        <p14:creationId xmlns:p14="http://schemas.microsoft.com/office/powerpoint/2010/main" val="4115785231"/>
+      </p:ext>
+    </p:extLst>
+  </p:cSld>
+  <p:clrMapOvr>
+    <a:masterClrMapping/>
+  </p:clrMapOvr>
+  <p:timing>
+    <p:tnLst>
+      <p:par>
+        <p:cTn id="1" dur="indefinite" restart="never" nodeType="tmRoot"/>
+      </p:par>
+    </p:tnLst>
+  </p:timing>
+</p:sld>
+</file>
+
+<file path=ppt/slides/slide36.xml><?xml version="1.0" encoding="utf-8"?>
+<p:sld xmlns:a="http://schemas.openxmlformats.org/drawingml/2006/main" xmlns:r="http://schemas.openxmlformats.org/officeDocument/2006/relationships" xmlns:p="http://schemas.openxmlformats.org/presentationml/2006/main">
+  <p:cSld>
+    <p:spTree>
+      <p:nvGrpSpPr>
+        <p:cNvPr id="1" name=""/>
+        <p:cNvGrpSpPr/>
+        <p:nvPr/>
+      </p:nvGrpSpPr>
+      <p:grpSpPr>
+        <a:xfrm>
+          <a:off x="0" y="0"/>
+          <a:ext cx="0" cy="0"/>
+          <a:chOff x="0" y="0"/>
+          <a:chExt cx="0" cy="0"/>
+        </a:xfrm>
+      </p:grpSpPr>
+      <p:sp>
+        <p:nvSpPr>
+          <p:cNvPr id="2" name="Title 1"/>
+          <p:cNvSpPr>
+            <a:spLocks noGrp="1"/>
+          </p:cNvSpPr>
+          <p:nvPr>
+            <p:ph type="title"/>
+          </p:nvPr>
+        </p:nvSpPr>
+        <p:spPr/>
+        <p:txBody>
+          <a:bodyPr/>
+          <a:lstStyle/>
+          <a:p>
+            <a:r>
+              <a:rPr lang="en-US" dirty="0" smtClean="0"/>
+              <a:t>Salient features </a:t>
+            </a:r>
+            <a:endParaRPr lang="en-US" dirty="0"/>
+          </a:p>
+        </p:txBody>
+      </p:sp>
+      <p:sp>
+        <p:nvSpPr>
+          <p:cNvPr id="3" name="Content Placeholder 2"/>
+          <p:cNvSpPr>
+            <a:spLocks noGrp="1"/>
+          </p:cNvSpPr>
+          <p:nvPr>
+            <p:ph idx="1"/>
+          </p:nvPr>
+        </p:nvSpPr>
+        <p:spPr/>
+        <p:txBody>
+          <a:bodyPr/>
+          <a:lstStyle/>
+          <a:p>
+            <a:r>
+              <a:rPr lang="en-US" b="1" dirty="0" smtClean="0"/>
+              <a:t>Used Effort </a:t>
+            </a:r>
+            <a:r>
+              <a:rPr lang="en-US" dirty="0" smtClean="0"/>
+              <a:t>presents percent of current effort per plan effort.</a:t>
+            </a:r>
+          </a:p>
+          <a:p>
+            <a:r>
+              <a:rPr lang="en-US" dirty="0" smtClean="0"/>
+              <a:t>Finally, </a:t>
+            </a:r>
+            <a:r>
+              <a:rPr lang="en-US" b="1" dirty="0" smtClean="0"/>
+              <a:t>Project Health </a:t>
+            </a:r>
+            <a:r>
+              <a:rPr lang="en-US" dirty="0" smtClean="0"/>
+              <a:t>presents </a:t>
+            </a:r>
+            <a:r>
+              <a:rPr lang="en-US" b="1" dirty="0" smtClean="0"/>
+              <a:t>final status of project</a:t>
+            </a:r>
+            <a:r>
+              <a:rPr lang="en-US" dirty="0" smtClean="0"/>
+              <a:t>, is foundation to evaluate success of a project.</a:t>
+            </a:r>
+            <a:endParaRPr lang="en-US" dirty="0"/>
+          </a:p>
+        </p:txBody>
+      </p:sp>
+    </p:spTree>
+    <p:extLst>
+      <p:ext uri="{BB962C8B-B14F-4D97-AF65-F5344CB8AC3E}">
+        <p14:creationId xmlns:p14="http://schemas.microsoft.com/office/powerpoint/2010/main" val="2790886634"/>
+      </p:ext>
+    </p:extLst>
+  </p:cSld>
+  <p:clrMapOvr>
+    <a:masterClrMapping/>
+  </p:clrMapOvr>
+  <p:timing>
+    <p:tnLst>
+      <p:par>
+        <p:cTn id="1" dur="indefinite" restart="never" nodeType="tmRoot"/>
+      </p:par>
+    </p:tnLst>
+  </p:timing>
+</p:sld>
+</file>
+
+<file path=ppt/slides/slide37.xml><?xml version="1.0" encoding="utf-8"?>
+<p:sld xmlns:a="http://schemas.openxmlformats.org/drawingml/2006/main" xmlns:r="http://schemas.openxmlformats.org/officeDocument/2006/relationships" xmlns:p="http://schemas.openxmlformats.org/presentationml/2006/main">
+  <p:cSld>
+    <p:spTree>
+      <p:nvGrpSpPr>
+        <p:cNvPr id="1" name=""/>
+        <p:cNvGrpSpPr/>
+        <p:nvPr/>
+      </p:nvGrpSpPr>
+      <p:grpSpPr>
+        <a:xfrm>
+          <a:off x="0" y="0"/>
+          <a:ext cx="0" cy="0"/>
+          <a:chOff x="0" y="0"/>
+          <a:chExt cx="0" cy="0"/>
+        </a:xfrm>
+      </p:grpSpPr>
+      <p:sp>
+        <p:nvSpPr>
+          <p:cNvPr id="2" name="Title 1"/>
+          <p:cNvSpPr>
+            <a:spLocks noGrp="1"/>
+          </p:cNvSpPr>
+          <p:nvPr>
+            <p:ph type="title"/>
+          </p:nvPr>
+        </p:nvSpPr>
+        <p:spPr/>
+        <p:txBody>
+          <a:bodyPr/>
+          <a:lstStyle/>
+          <a:p>
+            <a:r>
+              <a:rPr lang="en-US" dirty="0" smtClean="0"/>
+              <a:t>Dashboard Screen</a:t>
+            </a:r>
+            <a:endParaRPr lang="en-US" dirty="0"/>
+          </a:p>
+        </p:txBody>
+      </p:sp>
+      <p:pic>
+        <p:nvPicPr>
+          <p:cNvPr id="2050" name="Picture 2"/>
+          <p:cNvPicPr>
+            <a:picLocks noChangeAspect="1" noChangeArrowheads="1"/>
+          </p:cNvPicPr>
+          <p:nvPr/>
+        </p:nvPicPr>
+        <p:blipFill>
+          <a:blip r:embed="rId2" cstate="print"/>
+          <a:srcRect/>
+          <a:stretch>
+            <a:fillRect/>
+          </a:stretch>
+        </p:blipFill>
+        <p:spPr bwMode="auto">
+          <a:xfrm>
+            <a:off x="914400" y="2362200"/>
+            <a:ext cx="7839075" cy="2248850"/>
+          </a:xfrm>
+          <a:prstGeom prst="roundRect">
+            <a:avLst>
+              <a:gd name="adj" fmla="val 8594"/>
+            </a:avLst>
+          </a:prstGeom>
+          <a:solidFill>
+            <a:srgbClr val="FFFFFF">
+              <a:shade val="85000"/>
+            </a:srgbClr>
+          </a:solidFill>
+          <a:ln>
+            <a:noFill/>
+          </a:ln>
+          <a:effectLst>
+            <a:reflection blurRad="12700" stA="38000" endPos="28000" dist="5000" dir="5400000" sy="-100000" algn="bl" rotWithShape="0"/>
+          </a:effectLst>
+        </p:spPr>
+      </p:pic>
+    </p:spTree>
+    <p:extLst>
+      <p:ext uri="{BB962C8B-B14F-4D97-AF65-F5344CB8AC3E}">
+        <p14:creationId xmlns:p14="http://schemas.microsoft.com/office/powerpoint/2010/main" val="1473828895"/>
+      </p:ext>
+    </p:extLst>
+  </p:cSld>
+  <p:clrMapOvr>
+    <a:masterClrMapping/>
+  </p:clrMapOvr>
+  <p:timing>
+    <p:tnLst>
+      <p:par>
+        <p:cTn id="1" dur="indefinite" restart="never" nodeType="tmRoot"/>
+      </p:par>
+    </p:tnLst>
+  </p:timing>
+</p:sld>
+</file>
+
+<file path=ppt/slides/slide38.xml><?xml version="1.0" encoding="utf-8"?>
+<p:sld xmlns:a="http://schemas.openxmlformats.org/drawingml/2006/main" xmlns:r="http://schemas.openxmlformats.org/officeDocument/2006/relationships" xmlns:p="http://schemas.openxmlformats.org/presentationml/2006/main">
+  <p:cSld>
+    <p:spTree>
+      <p:nvGrpSpPr>
+        <p:cNvPr id="1" name=""/>
+        <p:cNvGrpSpPr/>
+        <p:nvPr/>
+      </p:nvGrpSpPr>
+      <p:grpSpPr>
+        <a:xfrm>
+          <a:off x="0" y="0"/>
+          <a:ext cx="0" cy="0"/>
+          <a:chOff x="0" y="0"/>
+          <a:chExt cx="0" cy="0"/>
+        </a:xfrm>
+      </p:grpSpPr>
+      <p:sp>
+        <p:nvSpPr>
+          <p:cNvPr id="7" name="Content Placeholder 6"/>
+          <p:cNvSpPr>
+            <a:spLocks noGrp="1"/>
+          </p:cNvSpPr>
+          <p:nvPr>
+            <p:ph sz="half" idx="1"/>
+          </p:nvPr>
+        </p:nvSpPr>
+        <p:spPr>
+          <a:xfrm>
+            <a:off x="457200" y="1371600"/>
+            <a:ext cx="7620000" cy="4983325"/>
+          </a:xfrm>
+        </p:spPr>
+        <p:txBody>
+          <a:bodyPr>
+            <a:normAutofit/>
+          </a:bodyPr>
+          <a:lstStyle/>
+          <a:p>
+            <a:r>
+              <a:rPr lang="en-US" dirty="0" smtClean="0"/>
+              <a:t>Features : support PM in collecting effort of team members when working on project to help Dashboard to report.</a:t>
+            </a:r>
+          </a:p>
+          <a:p>
+            <a:r>
+              <a:rPr lang="en-US" dirty="0" smtClean="0"/>
+              <a:t>The Timesheet include :</a:t>
+            </a:r>
+          </a:p>
+          <a:p>
+            <a:pPr marL="0" indent="0">
+              <a:buNone/>
+            </a:pPr>
+            <a:r>
+              <a:rPr lang="en-US" dirty="0" smtClean="0"/>
+              <a:t>    - Search Timesheet</a:t>
+            </a:r>
+          </a:p>
+          <a:p>
+            <a:pPr marL="0" indent="0">
+              <a:buNone/>
+            </a:pPr>
+            <a:r>
+              <a:rPr lang="en-US" dirty="0"/>
+              <a:t> </a:t>
+            </a:r>
+            <a:r>
+              <a:rPr lang="en-US" dirty="0" smtClean="0"/>
+              <a:t>   - PM can reject or approve Timesheet</a:t>
+            </a:r>
+          </a:p>
+          <a:p>
+            <a:pPr marL="365760" lvl="1" indent="0">
+              <a:buNone/>
+            </a:pPr>
+            <a:r>
+              <a:rPr lang="en-US" dirty="0" smtClean="0"/>
+              <a:t>- </a:t>
+            </a:r>
+            <a:r>
+              <a:rPr lang="en-US" sz="2600" dirty="0" smtClean="0"/>
+              <a:t>Team members can create, update, delete                                   	timesheet	</a:t>
+            </a:r>
+          </a:p>
+          <a:p>
+            <a:pPr marL="0" indent="0">
+              <a:buNone/>
+            </a:pPr>
+            <a:r>
+              <a:rPr lang="en-US" dirty="0"/>
+              <a:t> </a:t>
+            </a:r>
+            <a:r>
+              <a:rPr lang="en-US" dirty="0" smtClean="0"/>
+              <a:t>   - Approved records will be used to calculating  	effort efficiency.</a:t>
+            </a:r>
+            <a:endParaRPr lang="en-US" dirty="0"/>
+          </a:p>
+        </p:txBody>
+      </p:sp>
+      <p:sp>
+        <p:nvSpPr>
           <p:cNvPr id="4" name="Slide Number Placeholder 3"/>
           <p:cNvSpPr>
             <a:spLocks noGrp="1"/>
@@ -30916,7 +31900,1048 @@
             <a:fld id="{B6F15528-21DE-4FAA-801E-634DDDAF4B2B}" type="slidenum">
               <a:rPr lang="en-US" smtClean="0"/>
               <a:pPr/>
-              <a:t>31</a:t>
+              <a:t>38</a:t>
+            </a:fld>
+            <a:endParaRPr lang="en-US"/>
+          </a:p>
+        </p:txBody>
+      </p:sp>
+      <p:sp>
+        <p:nvSpPr>
+          <p:cNvPr id="5" name="TextBox 4"/>
+          <p:cNvSpPr txBox="1"/>
+          <p:nvPr/>
+        </p:nvSpPr>
+        <p:spPr>
+          <a:xfrm>
+            <a:off x="76200" y="152400"/>
+            <a:ext cx="8382000" cy="707886"/>
+          </a:xfrm>
+          <a:prstGeom prst="rect">
+            <a:avLst/>
+          </a:prstGeom>
+          <a:noFill/>
+        </p:spPr>
+        <p:txBody>
+          <a:bodyPr wrap="square" rtlCol="0">
+            <a:spAutoFit/>
+          </a:bodyPr>
+          <a:lstStyle/>
+          <a:p>
+            <a:r>
+              <a:rPr lang="en-US" sz="4000" dirty="0" smtClean="0">
+                <a:solidFill>
+                  <a:srgbClr val="FFC000"/>
+                </a:solidFill>
+                <a:latin typeface="Adobe Caslon Pro Bold" pitchFamily="18" charset="0"/>
+                <a:ea typeface="Adobe Fan Heiti Std B" pitchFamily="34" charset="-128"/>
+              </a:rPr>
+              <a:t>Timesheet</a:t>
+            </a:r>
+          </a:p>
+        </p:txBody>
+      </p:sp>
+      <p:sp>
+        <p:nvSpPr>
+          <p:cNvPr id="2" name="Footer Placeholder 1"/>
+          <p:cNvSpPr>
+            <a:spLocks noGrp="1"/>
+          </p:cNvSpPr>
+          <p:nvPr>
+            <p:ph type="ftr" sz="quarter" idx="11"/>
+          </p:nvPr>
+        </p:nvSpPr>
+        <p:spPr/>
+        <p:txBody>
+          <a:bodyPr/>
+          <a:lstStyle/>
+          <a:p>
+            <a:r>
+              <a:rPr lang="en-US" smtClean="0"/>
+              <a:t>OOPMS Team</a:t>
+            </a:r>
+            <a:endParaRPr lang="en-US"/>
+          </a:p>
+        </p:txBody>
+      </p:sp>
+    </p:spTree>
+    <p:extLst>
+      <p:ext uri="{BB962C8B-B14F-4D97-AF65-F5344CB8AC3E}">
+        <p14:creationId xmlns:p14="http://schemas.microsoft.com/office/powerpoint/2010/main" val="1849721042"/>
+      </p:ext>
+    </p:extLst>
+  </p:cSld>
+  <p:clrMapOvr>
+    <a:masterClrMapping/>
+  </p:clrMapOvr>
+  <p:timing>
+    <p:tnLst>
+      <p:par>
+        <p:cTn id="1" dur="indefinite" restart="never" nodeType="tmRoot"/>
+      </p:par>
+    </p:tnLst>
+  </p:timing>
+</p:sld>
+</file>
+
+<file path=ppt/slides/slide39.xml><?xml version="1.0" encoding="utf-8"?>
+<p:sld xmlns:a="http://schemas.openxmlformats.org/drawingml/2006/main" xmlns:r="http://schemas.openxmlformats.org/officeDocument/2006/relationships" xmlns:p="http://schemas.openxmlformats.org/presentationml/2006/main">
+  <p:cSld>
+    <p:spTree>
+      <p:nvGrpSpPr>
+        <p:cNvPr id="1" name=""/>
+        <p:cNvGrpSpPr/>
+        <p:nvPr/>
+      </p:nvGrpSpPr>
+      <p:grpSpPr>
+        <a:xfrm>
+          <a:off x="0" y="0"/>
+          <a:ext cx="0" cy="0"/>
+          <a:chOff x="0" y="0"/>
+          <a:chExt cx="0" cy="0"/>
+        </a:xfrm>
+      </p:grpSpPr>
+      <p:sp>
+        <p:nvSpPr>
+          <p:cNvPr id="7" name="Content Placeholder 6"/>
+          <p:cNvSpPr>
+            <a:spLocks noGrp="1"/>
+          </p:cNvSpPr>
+          <p:nvPr>
+            <p:ph sz="half" idx="1"/>
+          </p:nvPr>
+        </p:nvSpPr>
+        <p:spPr>
+          <a:xfrm>
+            <a:off x="457200" y="1371601"/>
+            <a:ext cx="7620000" cy="1676400"/>
+          </a:xfrm>
+        </p:spPr>
+        <p:txBody>
+          <a:bodyPr>
+            <a:normAutofit/>
+          </a:bodyPr>
+          <a:lstStyle/>
+          <a:p>
+            <a:pPr marL="0" indent="0">
+              <a:buNone/>
+            </a:pPr>
+            <a:r>
+              <a:rPr lang="en-US" dirty="0" smtClean="0"/>
+              <a:t>Effort efficiency = Billable effort/ Total calendar effort</a:t>
+            </a:r>
+          </a:p>
+          <a:p>
+            <a:pPr marL="0" indent="0">
+              <a:buNone/>
+            </a:pPr>
+            <a:endParaRPr lang="en-US" dirty="0" smtClean="0"/>
+          </a:p>
+        </p:txBody>
+      </p:sp>
+      <p:sp>
+        <p:nvSpPr>
+          <p:cNvPr id="4" name="Slide Number Placeholder 3"/>
+          <p:cNvSpPr>
+            <a:spLocks noGrp="1"/>
+          </p:cNvSpPr>
+          <p:nvPr>
+            <p:ph type="sldNum" sz="quarter" idx="12"/>
+          </p:nvPr>
+        </p:nvSpPr>
+        <p:spPr/>
+        <p:txBody>
+          <a:bodyPr/>
+          <a:lstStyle/>
+          <a:p>
+            <a:fld id="{B6F15528-21DE-4FAA-801E-634DDDAF4B2B}" type="slidenum">
+              <a:rPr lang="en-US" smtClean="0"/>
+              <a:pPr/>
+              <a:t>39</a:t>
+            </a:fld>
+            <a:endParaRPr lang="en-US"/>
+          </a:p>
+        </p:txBody>
+      </p:sp>
+      <p:sp>
+        <p:nvSpPr>
+          <p:cNvPr id="5" name="TextBox 4"/>
+          <p:cNvSpPr txBox="1"/>
+          <p:nvPr/>
+        </p:nvSpPr>
+        <p:spPr>
+          <a:xfrm>
+            <a:off x="76200" y="152400"/>
+            <a:ext cx="8382000" cy="707886"/>
+          </a:xfrm>
+          <a:prstGeom prst="rect">
+            <a:avLst/>
+          </a:prstGeom>
+          <a:noFill/>
+        </p:spPr>
+        <p:txBody>
+          <a:bodyPr wrap="square" rtlCol="0">
+            <a:spAutoFit/>
+          </a:bodyPr>
+          <a:lstStyle/>
+          <a:p>
+            <a:r>
+              <a:rPr lang="en-US" sz="4000" dirty="0" smtClean="0">
+                <a:solidFill>
+                  <a:srgbClr val="FFC000"/>
+                </a:solidFill>
+                <a:latin typeface="Adobe Caslon Pro Bold" pitchFamily="18" charset="0"/>
+                <a:ea typeface="Adobe Fan Heiti Std B" pitchFamily="34" charset="-128"/>
+              </a:rPr>
+              <a:t>Effort Efficiency</a:t>
+            </a:r>
+          </a:p>
+        </p:txBody>
+      </p:sp>
+      <p:sp>
+        <p:nvSpPr>
+          <p:cNvPr id="2" name="Footer Placeholder 1"/>
+          <p:cNvSpPr>
+            <a:spLocks noGrp="1"/>
+          </p:cNvSpPr>
+          <p:nvPr>
+            <p:ph type="ftr" sz="quarter" idx="11"/>
+          </p:nvPr>
+        </p:nvSpPr>
+        <p:spPr/>
+        <p:txBody>
+          <a:bodyPr/>
+          <a:lstStyle/>
+          <a:p>
+            <a:r>
+              <a:rPr lang="en-US" smtClean="0"/>
+              <a:t>OOPMS Team</a:t>
+            </a:r>
+            <a:endParaRPr lang="en-US"/>
+          </a:p>
+        </p:txBody>
+      </p:sp>
+      <p:sp>
+        <p:nvSpPr>
+          <p:cNvPr id="8" name="Content Placeholder 6"/>
+          <p:cNvSpPr>
+            <a:spLocks noGrp="1"/>
+          </p:cNvSpPr>
+          <p:nvPr>
+            <p:ph sz="half" idx="1"/>
+          </p:nvPr>
+        </p:nvSpPr>
+        <p:spPr>
+          <a:xfrm>
+            <a:off x="609600" y="3298686"/>
+            <a:ext cx="7620000" cy="2797314"/>
+          </a:xfrm>
+        </p:spPr>
+        <p:txBody>
+          <a:bodyPr>
+            <a:normAutofit/>
+          </a:bodyPr>
+          <a:lstStyle/>
+          <a:p>
+            <a:pPr marL="0" indent="0">
+              <a:buNone/>
+            </a:pPr>
+            <a:endParaRPr lang="en-US" dirty="0" smtClean="0"/>
+          </a:p>
+          <a:p>
+            <a:pPr marL="0" indent="0">
+              <a:buNone/>
+            </a:pPr>
+            <a:r>
+              <a:rPr lang="en-US" dirty="0" smtClean="0"/>
+              <a:t>Total calendar effort= sum (number of staff * working  time*duration</a:t>
+            </a:r>
+          </a:p>
+          <a:p>
+            <a:pPr marL="0" indent="0">
+              <a:buNone/>
+            </a:pPr>
+            <a:endParaRPr lang="en-US" dirty="0"/>
+          </a:p>
+        </p:txBody>
+      </p:sp>
+    </p:spTree>
+    <p:extLst>
+      <p:ext uri="{BB962C8B-B14F-4D97-AF65-F5344CB8AC3E}">
+        <p14:creationId xmlns:p14="http://schemas.microsoft.com/office/powerpoint/2010/main" val="2265421997"/>
+      </p:ext>
+    </p:extLst>
+  </p:cSld>
+  <p:clrMapOvr>
+    <a:masterClrMapping/>
+  </p:clrMapOvr>
+  <p:timing>
+    <p:tnLst>
+      <p:par>
+        <p:cTn id="1" dur="indefinite" restart="never" nodeType="tmRoot"/>
+      </p:par>
+    </p:tnLst>
+  </p:timing>
+</p:sld>
+</file>
+
+<file path=ppt/slides/slide4.xml><?xml version="1.0" encoding="utf-8"?>
+<p:sld xmlns:a="http://schemas.openxmlformats.org/drawingml/2006/main" xmlns:r="http://schemas.openxmlformats.org/officeDocument/2006/relationships" xmlns:p="http://schemas.openxmlformats.org/presentationml/2006/main">
+  <p:cSld>
+    <p:spTree>
+      <p:nvGrpSpPr>
+        <p:cNvPr id="1" name=""/>
+        <p:cNvGrpSpPr/>
+        <p:nvPr/>
+      </p:nvGrpSpPr>
+      <p:grpSpPr>
+        <a:xfrm>
+          <a:off x="0" y="0"/>
+          <a:ext cx="0" cy="0"/>
+          <a:chOff x="0" y="0"/>
+          <a:chExt cx="0" cy="0"/>
+        </a:xfrm>
+      </p:grpSpPr>
+      <p:sp>
+        <p:nvSpPr>
+          <p:cNvPr id="4" name="Slide Number Placeholder 3"/>
+          <p:cNvSpPr>
+            <a:spLocks noGrp="1"/>
+          </p:cNvSpPr>
+          <p:nvPr>
+            <p:ph type="sldNum" sz="quarter" idx="12"/>
+          </p:nvPr>
+        </p:nvSpPr>
+        <p:spPr/>
+        <p:txBody>
+          <a:bodyPr/>
+          <a:lstStyle/>
+          <a:p>
+            <a:fld id="{B6F15528-21DE-4FAA-801E-634DDDAF4B2B}" type="slidenum">
+              <a:rPr lang="en-US" smtClean="0"/>
+              <a:pPr/>
+              <a:t>4</a:t>
+            </a:fld>
+            <a:endParaRPr lang="en-US"/>
+          </a:p>
+        </p:txBody>
+      </p:sp>
+      <p:sp>
+        <p:nvSpPr>
+          <p:cNvPr id="5" name="TextBox 4"/>
+          <p:cNvSpPr txBox="1"/>
+          <p:nvPr/>
+        </p:nvSpPr>
+        <p:spPr>
+          <a:xfrm>
+            <a:off x="152400" y="691625"/>
+            <a:ext cx="6934200" cy="707886"/>
+          </a:xfrm>
+          <a:prstGeom prst="rect">
+            <a:avLst/>
+          </a:prstGeom>
+          <a:noFill/>
+        </p:spPr>
+        <p:txBody>
+          <a:bodyPr wrap="square" rtlCol="0">
+            <a:spAutoFit/>
+          </a:bodyPr>
+          <a:lstStyle/>
+          <a:p>
+            <a:r>
+              <a:rPr lang="en-US" sz="4000" dirty="0" smtClean="0">
+                <a:solidFill>
+                  <a:srgbClr val="FFC000"/>
+                </a:solidFill>
+                <a:latin typeface="Adobe Caslon Pro Bold" pitchFamily="18" charset="0"/>
+                <a:ea typeface="Adobe Fan Heiti Std B" pitchFamily="34" charset="-128"/>
+              </a:rPr>
+              <a:t>Instructor and Team</a:t>
+            </a:r>
+          </a:p>
+        </p:txBody>
+      </p:sp>
+      <p:sp>
+        <p:nvSpPr>
+          <p:cNvPr id="13" name="Rectangle 12"/>
+          <p:cNvSpPr/>
+          <p:nvPr/>
+        </p:nvSpPr>
+        <p:spPr>
+          <a:xfrm>
+            <a:off x="76200" y="2895600"/>
+            <a:ext cx="1447800" cy="1143000"/>
+          </a:xfrm>
+          <a:prstGeom prst="rect">
+            <a:avLst/>
+          </a:prstGeom>
+        </p:spPr>
+        <p:style>
+          <a:lnRef idx="1">
+            <a:schemeClr val="accent5"/>
+          </a:lnRef>
+          <a:fillRef idx="2">
+            <a:schemeClr val="accent5"/>
+          </a:fillRef>
+          <a:effectRef idx="1">
+            <a:schemeClr val="accent5"/>
+          </a:effectRef>
+          <a:fontRef idx="minor">
+            <a:schemeClr val="dk1"/>
+          </a:fontRef>
+        </p:style>
+        <p:txBody>
+          <a:bodyPr rtlCol="0" anchor="ctr"/>
+          <a:lstStyle/>
+          <a:p>
+            <a:pPr algn="ctr"/>
+            <a:endParaRPr lang="en-US"/>
+          </a:p>
+        </p:txBody>
+      </p:sp>
+      <p:sp>
+        <p:nvSpPr>
+          <p:cNvPr id="14" name="Rectangle 13"/>
+          <p:cNvSpPr/>
+          <p:nvPr/>
+        </p:nvSpPr>
+        <p:spPr>
+          <a:xfrm>
+            <a:off x="76200" y="4114800"/>
+            <a:ext cx="1447800" cy="1143000"/>
+          </a:xfrm>
+          <a:prstGeom prst="rect">
+            <a:avLst/>
+          </a:prstGeom>
+        </p:spPr>
+        <p:style>
+          <a:lnRef idx="1">
+            <a:schemeClr val="accent5"/>
+          </a:lnRef>
+          <a:fillRef idx="2">
+            <a:schemeClr val="accent5"/>
+          </a:fillRef>
+          <a:effectRef idx="1">
+            <a:schemeClr val="accent5"/>
+          </a:effectRef>
+          <a:fontRef idx="minor">
+            <a:schemeClr val="dk1"/>
+          </a:fontRef>
+        </p:style>
+        <p:txBody>
+          <a:bodyPr rtlCol="0" anchor="ctr"/>
+          <a:lstStyle/>
+          <a:p>
+            <a:pPr algn="ctr"/>
+            <a:endParaRPr lang="en-US"/>
+          </a:p>
+        </p:txBody>
+      </p:sp>
+      <p:sp>
+        <p:nvSpPr>
+          <p:cNvPr id="15" name="Rectangle 14"/>
+          <p:cNvSpPr/>
+          <p:nvPr/>
+        </p:nvSpPr>
+        <p:spPr>
+          <a:xfrm>
+            <a:off x="76200" y="5334000"/>
+            <a:ext cx="1447800" cy="1143000"/>
+          </a:xfrm>
+          <a:prstGeom prst="rect">
+            <a:avLst/>
+          </a:prstGeom>
+        </p:spPr>
+        <p:style>
+          <a:lnRef idx="1">
+            <a:schemeClr val="accent5"/>
+          </a:lnRef>
+          <a:fillRef idx="2">
+            <a:schemeClr val="accent5"/>
+          </a:fillRef>
+          <a:effectRef idx="1">
+            <a:schemeClr val="accent5"/>
+          </a:effectRef>
+          <a:fontRef idx="minor">
+            <a:schemeClr val="dk1"/>
+          </a:fontRef>
+        </p:style>
+        <p:txBody>
+          <a:bodyPr rtlCol="0" anchor="ctr"/>
+          <a:lstStyle/>
+          <a:p>
+            <a:pPr algn="ctr"/>
+            <a:endParaRPr lang="en-US"/>
+          </a:p>
+        </p:txBody>
+      </p:sp>
+      <p:sp>
+        <p:nvSpPr>
+          <p:cNvPr id="16" name="TextBox 15"/>
+          <p:cNvSpPr txBox="1"/>
+          <p:nvPr/>
+        </p:nvSpPr>
+        <p:spPr>
+          <a:xfrm>
+            <a:off x="5740400" y="1169075"/>
+            <a:ext cx="2819400" cy="615553"/>
+          </a:xfrm>
+          <a:prstGeom prst="rect">
+            <a:avLst/>
+          </a:prstGeom>
+          <a:noFill/>
+        </p:spPr>
+        <p:txBody>
+          <a:bodyPr wrap="square" rtlCol="0">
+            <a:spAutoFit/>
+          </a:bodyPr>
+          <a:lstStyle/>
+          <a:p>
+            <a:r>
+              <a:rPr lang="en-US" b="1" dirty="0" smtClean="0">
+                <a:solidFill>
+                  <a:schemeClr val="accent6">
+                    <a:lumMod val="50000"/>
+                  </a:schemeClr>
+                </a:solidFill>
+              </a:rPr>
+              <a:t>LE NGOC THACH</a:t>
+            </a:r>
+          </a:p>
+          <a:p>
+            <a:r>
+              <a:rPr lang="en-US" sz="1600" dirty="0" smtClean="0"/>
+              <a:t>Instructor</a:t>
+            </a:r>
+          </a:p>
+        </p:txBody>
+      </p:sp>
+      <p:sp>
+        <p:nvSpPr>
+          <p:cNvPr id="17" name="TextBox 16"/>
+          <p:cNvSpPr txBox="1"/>
+          <p:nvPr/>
+        </p:nvSpPr>
+        <p:spPr>
+          <a:xfrm>
+            <a:off x="1600200" y="1687773"/>
+            <a:ext cx="2514600" cy="615553"/>
+          </a:xfrm>
+          <a:prstGeom prst="rect">
+            <a:avLst/>
+          </a:prstGeom>
+          <a:noFill/>
+        </p:spPr>
+        <p:txBody>
+          <a:bodyPr wrap="square" rtlCol="0">
+            <a:spAutoFit/>
+          </a:bodyPr>
+          <a:lstStyle/>
+          <a:p>
+            <a:r>
+              <a:rPr lang="en-US" b="1" dirty="0" smtClean="0">
+                <a:solidFill>
+                  <a:schemeClr val="accent6">
+                    <a:lumMod val="50000"/>
+                  </a:schemeClr>
+                </a:solidFill>
+              </a:rPr>
+              <a:t>NGO DUC DUY</a:t>
+            </a:r>
+          </a:p>
+          <a:p>
+            <a:r>
+              <a:rPr lang="en-US" sz="1600" dirty="0" smtClean="0"/>
+              <a:t>Student</a:t>
+            </a:r>
+          </a:p>
+        </p:txBody>
+      </p:sp>
+      <p:sp>
+        <p:nvSpPr>
+          <p:cNvPr id="18" name="TextBox 17"/>
+          <p:cNvSpPr txBox="1"/>
+          <p:nvPr/>
+        </p:nvSpPr>
+        <p:spPr>
+          <a:xfrm>
+            <a:off x="1600200" y="2870579"/>
+            <a:ext cx="2514600" cy="892552"/>
+          </a:xfrm>
+          <a:prstGeom prst="rect">
+            <a:avLst/>
+          </a:prstGeom>
+          <a:noFill/>
+        </p:spPr>
+        <p:txBody>
+          <a:bodyPr wrap="square" rtlCol="0">
+            <a:spAutoFit/>
+          </a:bodyPr>
+          <a:lstStyle/>
+          <a:p>
+            <a:r>
+              <a:rPr lang="en-US" b="1" dirty="0" smtClean="0">
+                <a:solidFill>
+                  <a:schemeClr val="accent6">
+                    <a:lumMod val="50000"/>
+                  </a:schemeClr>
+                </a:solidFill>
+              </a:rPr>
+              <a:t>MANH HOANG TRUONG</a:t>
+            </a:r>
+          </a:p>
+          <a:p>
+            <a:r>
+              <a:rPr lang="en-US" sz="1600" dirty="0" smtClean="0"/>
+              <a:t>Student</a:t>
+            </a:r>
+          </a:p>
+        </p:txBody>
+      </p:sp>
+      <p:sp>
+        <p:nvSpPr>
+          <p:cNvPr id="19" name="TextBox 18"/>
+          <p:cNvSpPr txBox="1"/>
+          <p:nvPr/>
+        </p:nvSpPr>
+        <p:spPr>
+          <a:xfrm>
+            <a:off x="1609299" y="4114800"/>
+            <a:ext cx="2514600" cy="892552"/>
+          </a:xfrm>
+          <a:prstGeom prst="rect">
+            <a:avLst/>
+          </a:prstGeom>
+          <a:noFill/>
+        </p:spPr>
+        <p:txBody>
+          <a:bodyPr wrap="square" rtlCol="0">
+            <a:spAutoFit/>
+          </a:bodyPr>
+          <a:lstStyle/>
+          <a:p>
+            <a:r>
+              <a:rPr lang="en-US" b="1" dirty="0" smtClean="0">
+                <a:solidFill>
+                  <a:schemeClr val="accent6">
+                    <a:lumMod val="50000"/>
+                  </a:schemeClr>
+                </a:solidFill>
+              </a:rPr>
+              <a:t>PHAM NGUYEN TRUONG GIANG</a:t>
+            </a:r>
+          </a:p>
+          <a:p>
+            <a:r>
+              <a:rPr lang="en-US" sz="1600" dirty="0" smtClean="0"/>
+              <a:t>Student</a:t>
+            </a:r>
+            <a:endParaRPr lang="en-US" sz="1600" dirty="0"/>
+          </a:p>
+        </p:txBody>
+      </p:sp>
+      <p:sp>
+        <p:nvSpPr>
+          <p:cNvPr id="20" name="TextBox 19"/>
+          <p:cNvSpPr txBox="1"/>
+          <p:nvPr/>
+        </p:nvSpPr>
+        <p:spPr>
+          <a:xfrm>
+            <a:off x="1620672" y="5334000"/>
+            <a:ext cx="2514600" cy="892552"/>
+          </a:xfrm>
+          <a:prstGeom prst="rect">
+            <a:avLst/>
+          </a:prstGeom>
+          <a:noFill/>
+        </p:spPr>
+        <p:txBody>
+          <a:bodyPr wrap="square" rtlCol="0">
+            <a:spAutoFit/>
+          </a:bodyPr>
+          <a:lstStyle/>
+          <a:p>
+            <a:r>
+              <a:rPr lang="en-US" b="1" dirty="0" smtClean="0">
+                <a:solidFill>
+                  <a:schemeClr val="accent6">
+                    <a:lumMod val="50000"/>
+                  </a:schemeClr>
+                </a:solidFill>
+              </a:rPr>
+              <a:t>TO CONG THANH HAI</a:t>
+            </a:r>
+          </a:p>
+          <a:p>
+            <a:r>
+              <a:rPr lang="en-US" sz="1600" dirty="0" smtClean="0"/>
+              <a:t>Student</a:t>
+            </a:r>
+            <a:endParaRPr lang="en-US" sz="1600" dirty="0"/>
+          </a:p>
+        </p:txBody>
+      </p:sp>
+      <p:sp>
+        <p:nvSpPr>
+          <p:cNvPr id="23" name="Rectangle 22"/>
+          <p:cNvSpPr/>
+          <p:nvPr/>
+        </p:nvSpPr>
+        <p:spPr>
+          <a:xfrm>
+            <a:off x="76200" y="1636025"/>
+            <a:ext cx="1447800" cy="1143000"/>
+          </a:xfrm>
+          <a:prstGeom prst="rect">
+            <a:avLst/>
+          </a:prstGeom>
+        </p:spPr>
+        <p:style>
+          <a:lnRef idx="1">
+            <a:schemeClr val="accent5"/>
+          </a:lnRef>
+          <a:fillRef idx="2">
+            <a:schemeClr val="accent5"/>
+          </a:fillRef>
+          <a:effectRef idx="1">
+            <a:schemeClr val="accent5"/>
+          </a:effectRef>
+          <a:fontRef idx="minor">
+            <a:schemeClr val="dk1"/>
+          </a:fontRef>
+        </p:style>
+        <p:txBody>
+          <a:bodyPr rtlCol="0" anchor="ctr"/>
+          <a:lstStyle/>
+          <a:p>
+            <a:pPr algn="ctr"/>
+            <a:endParaRPr lang="en-US"/>
+          </a:p>
+        </p:txBody>
+      </p:sp>
+      <p:pic>
+        <p:nvPicPr>
+          <p:cNvPr id="1026" name="Picture 2" descr="C:\Users\DuyNgo\Desktop\Teamwork.jpg"/>
+          <p:cNvPicPr>
+            <a:picLocks noChangeAspect="1" noChangeArrowheads="1"/>
+          </p:cNvPicPr>
+          <p:nvPr/>
+        </p:nvPicPr>
+        <p:blipFill>
+          <a:blip r:embed="rId2">
+            <a:extLst>
+              <a:ext uri="{28A0092B-C50C-407E-A947-70E740481C1C}">
+                <a14:useLocalDpi xmlns:a14="http://schemas.microsoft.com/office/drawing/2010/main" val="0"/>
+              </a:ext>
+            </a:extLst>
+          </a:blip>
+          <a:srcRect/>
+          <a:stretch>
+            <a:fillRect/>
+          </a:stretch>
+        </p:blipFill>
+        <p:spPr bwMode="auto">
+          <a:xfrm>
+            <a:off x="4076700" y="2779025"/>
+            <a:ext cx="4495800" cy="3371850"/>
+          </a:xfrm>
+          <a:prstGeom prst="rect">
+            <a:avLst/>
+          </a:prstGeom>
+          <a:noFill/>
+          <a:extLst>
+            <a:ext uri="{909E8E84-426E-40DD-AFC4-6F175D3DCCD1}">
+              <a14:hiddenFill xmlns:a14="http://schemas.microsoft.com/office/drawing/2010/main">
+                <a:solidFill>
+                  <a:srgbClr val="FFFFFF"/>
+                </a:solidFill>
+              </a14:hiddenFill>
+            </a:ext>
+          </a:extLst>
+        </p:spPr>
+      </p:pic>
+      <p:sp>
+        <p:nvSpPr>
+          <p:cNvPr id="2" name="Footer Placeholder 1"/>
+          <p:cNvSpPr>
+            <a:spLocks noGrp="1"/>
+          </p:cNvSpPr>
+          <p:nvPr>
+            <p:ph type="ftr" sz="quarter" idx="11"/>
+          </p:nvPr>
+        </p:nvSpPr>
+        <p:spPr/>
+        <p:txBody>
+          <a:bodyPr/>
+          <a:lstStyle/>
+          <a:p>
+            <a:r>
+              <a:rPr lang="en-US" smtClean="0"/>
+              <a:t>OOPMS Team</a:t>
+            </a:r>
+            <a:endParaRPr lang="en-US"/>
+          </a:p>
+        </p:txBody>
+      </p:sp>
+    </p:spTree>
+    <p:extLst>
+      <p:ext uri="{BB962C8B-B14F-4D97-AF65-F5344CB8AC3E}">
+        <p14:creationId xmlns:p14="http://schemas.microsoft.com/office/powerpoint/2010/main" val="1744215189"/>
+      </p:ext>
+    </p:extLst>
+  </p:cSld>
+  <p:clrMapOvr>
+    <a:masterClrMapping/>
+  </p:clrMapOvr>
+  <mc:AlternateContent xmlns:mc="http://schemas.openxmlformats.org/markup-compatibility/2006" xmlns:p14="http://schemas.microsoft.com/office/powerpoint/2010/main">
+    <mc:Choice Requires="p14">
+      <p:transition spd="slow" p14:dur="1300">
+        <p14:pan dir="u"/>
+      </p:transition>
+    </mc:Choice>
+    <mc:Fallback xmlns="">
+      <p:transition spd="slow">
+        <p:fade/>
+      </p:transition>
+    </mc:Fallback>
+  </mc:AlternateContent>
+  <p:timing>
+    <p:tnLst>
+      <p:par>
+        <p:cTn id="1" dur="indefinite" restart="never" nodeType="tmRoot"/>
+      </p:par>
+    </p:tnLst>
+  </p:timing>
+</p:sld>
+</file>
+
+<file path=ppt/slides/slide40.xml><?xml version="1.0" encoding="utf-8"?>
+<p:sld xmlns:a="http://schemas.openxmlformats.org/drawingml/2006/main" xmlns:r="http://schemas.openxmlformats.org/officeDocument/2006/relationships" xmlns:p="http://schemas.openxmlformats.org/presentationml/2006/main">
+  <p:cSld>
+    <p:spTree>
+      <p:nvGrpSpPr>
+        <p:cNvPr id="1" name=""/>
+        <p:cNvGrpSpPr/>
+        <p:nvPr/>
+      </p:nvGrpSpPr>
+      <p:grpSpPr>
+        <a:xfrm>
+          <a:off x="0" y="0"/>
+          <a:ext cx="0" cy="0"/>
+          <a:chOff x="0" y="0"/>
+          <a:chExt cx="0" cy="0"/>
+        </a:xfrm>
+      </p:grpSpPr>
+      <p:sp>
+        <p:nvSpPr>
+          <p:cNvPr id="7" name="Content Placeholder 6"/>
+          <p:cNvSpPr>
+            <a:spLocks noGrp="1"/>
+          </p:cNvSpPr>
+          <p:nvPr>
+            <p:ph sz="half" idx="1"/>
+          </p:nvPr>
+        </p:nvSpPr>
+        <p:spPr>
+          <a:xfrm>
+            <a:off x="457200" y="1371600"/>
+            <a:ext cx="7620000" cy="4800599"/>
+          </a:xfrm>
+        </p:spPr>
+        <p:txBody>
+          <a:bodyPr>
+            <a:normAutofit/>
+          </a:bodyPr>
+          <a:lstStyle/>
+          <a:p>
+            <a:r>
+              <a:rPr lang="en-US" dirty="0" smtClean="0"/>
+              <a:t>Features : </a:t>
+            </a:r>
+          </a:p>
+          <a:p>
+            <a:pPr marL="0" indent="0">
+              <a:buNone/>
+            </a:pPr>
+            <a:r>
+              <a:rPr lang="en-US" dirty="0"/>
+              <a:t> </a:t>
+            </a:r>
+            <a:r>
+              <a:rPr lang="en-US" dirty="0" smtClean="0"/>
+              <a:t> - Manage the defects of project. Team members can log defect for any members in team, the person who was assigned will use </a:t>
+            </a:r>
+            <a:r>
+              <a:rPr lang="en-US" dirty="0" err="1" smtClean="0"/>
+              <a:t>dms</a:t>
+            </a:r>
+            <a:r>
+              <a:rPr lang="en-US" dirty="0" smtClean="0"/>
+              <a:t> to find, correct and change status of defects.</a:t>
+            </a:r>
+          </a:p>
+          <a:p>
+            <a:pPr marL="0" indent="0">
+              <a:buNone/>
+            </a:pPr>
+            <a:endParaRPr lang="en-US" dirty="0" smtClean="0"/>
+          </a:p>
+          <a:p>
+            <a:pPr marL="0" indent="0">
+              <a:buNone/>
+            </a:pPr>
+            <a:r>
+              <a:rPr lang="en-US" dirty="0" smtClean="0"/>
+              <a:t> - When corrected a defect, fixed date will be updated, and defect owner can keep tracking.</a:t>
+            </a:r>
+          </a:p>
+          <a:p>
+            <a:pPr marL="0" indent="0">
+              <a:buNone/>
+            </a:pPr>
+            <a:endParaRPr lang="en-US" dirty="0"/>
+          </a:p>
+        </p:txBody>
+      </p:sp>
+      <p:sp>
+        <p:nvSpPr>
+          <p:cNvPr id="4" name="Slide Number Placeholder 3"/>
+          <p:cNvSpPr>
+            <a:spLocks noGrp="1"/>
+          </p:cNvSpPr>
+          <p:nvPr>
+            <p:ph type="sldNum" sz="quarter" idx="12"/>
+          </p:nvPr>
+        </p:nvSpPr>
+        <p:spPr/>
+        <p:txBody>
+          <a:bodyPr/>
+          <a:lstStyle/>
+          <a:p>
+            <a:fld id="{B6F15528-21DE-4FAA-801E-634DDDAF4B2B}" type="slidenum">
+              <a:rPr lang="en-US" smtClean="0"/>
+              <a:pPr/>
+              <a:t>40</a:t>
+            </a:fld>
+            <a:endParaRPr lang="en-US"/>
+          </a:p>
+        </p:txBody>
+      </p:sp>
+      <p:sp>
+        <p:nvSpPr>
+          <p:cNvPr id="5" name="TextBox 4"/>
+          <p:cNvSpPr txBox="1"/>
+          <p:nvPr/>
+        </p:nvSpPr>
+        <p:spPr>
+          <a:xfrm>
+            <a:off x="76200" y="152400"/>
+            <a:ext cx="8382000" cy="707886"/>
+          </a:xfrm>
+          <a:prstGeom prst="rect">
+            <a:avLst/>
+          </a:prstGeom>
+          <a:noFill/>
+        </p:spPr>
+        <p:txBody>
+          <a:bodyPr wrap="square" rtlCol="0">
+            <a:spAutoFit/>
+          </a:bodyPr>
+          <a:lstStyle/>
+          <a:p>
+            <a:r>
+              <a:rPr lang="en-US" sz="4000" dirty="0" smtClean="0">
+                <a:solidFill>
+                  <a:srgbClr val="FFC000"/>
+                </a:solidFill>
+                <a:latin typeface="Adobe Caslon Pro Bold" pitchFamily="18" charset="0"/>
+                <a:ea typeface="Adobe Fan Heiti Std B" pitchFamily="34" charset="-128"/>
+              </a:rPr>
+              <a:t>DMS</a:t>
+            </a:r>
+          </a:p>
+        </p:txBody>
+      </p:sp>
+      <p:sp>
+        <p:nvSpPr>
+          <p:cNvPr id="2" name="Footer Placeholder 1"/>
+          <p:cNvSpPr>
+            <a:spLocks noGrp="1"/>
+          </p:cNvSpPr>
+          <p:nvPr>
+            <p:ph type="ftr" sz="quarter" idx="11"/>
+          </p:nvPr>
+        </p:nvSpPr>
+        <p:spPr/>
+        <p:txBody>
+          <a:bodyPr/>
+          <a:lstStyle/>
+          <a:p>
+            <a:r>
+              <a:rPr lang="en-US" smtClean="0"/>
+              <a:t>OOPMS Team</a:t>
+            </a:r>
+            <a:endParaRPr lang="en-US"/>
+          </a:p>
+        </p:txBody>
+      </p:sp>
+    </p:spTree>
+    <p:extLst>
+      <p:ext uri="{BB962C8B-B14F-4D97-AF65-F5344CB8AC3E}">
+        <p14:creationId xmlns:p14="http://schemas.microsoft.com/office/powerpoint/2010/main" val="3249347935"/>
+      </p:ext>
+    </p:extLst>
+  </p:cSld>
+  <p:clrMapOvr>
+    <a:masterClrMapping/>
+  </p:clrMapOvr>
+  <p:timing>
+    <p:tnLst>
+      <p:par>
+        <p:cTn id="1" dur="indefinite" restart="never" nodeType="tmRoot"/>
+      </p:par>
+    </p:tnLst>
+  </p:timing>
+</p:sld>
+</file>
+
+<file path=ppt/slides/slide41.xml><?xml version="1.0" encoding="utf-8"?>
+<p:sld xmlns:a="http://schemas.openxmlformats.org/drawingml/2006/main" xmlns:r="http://schemas.openxmlformats.org/officeDocument/2006/relationships" xmlns:p="http://schemas.openxmlformats.org/presentationml/2006/main">
+  <p:cSld>
+    <p:spTree>
+      <p:nvGrpSpPr>
+        <p:cNvPr id="1" name=""/>
+        <p:cNvGrpSpPr/>
+        <p:nvPr/>
+      </p:nvGrpSpPr>
+      <p:grpSpPr>
+        <a:xfrm>
+          <a:off x="0" y="0"/>
+          <a:ext cx="0" cy="0"/>
+          <a:chOff x="0" y="0"/>
+          <a:chExt cx="0" cy="0"/>
+        </a:xfrm>
+      </p:grpSpPr>
+      <p:sp>
+        <p:nvSpPr>
+          <p:cNvPr id="4" name="Slide Number Placeholder 3"/>
+          <p:cNvSpPr>
+            <a:spLocks noGrp="1"/>
+          </p:cNvSpPr>
+          <p:nvPr>
+            <p:ph type="sldNum" sz="quarter" idx="12"/>
+          </p:nvPr>
+        </p:nvSpPr>
+        <p:spPr/>
+        <p:txBody>
+          <a:bodyPr/>
+          <a:lstStyle/>
+          <a:p>
+            <a:fld id="{B6F15528-21DE-4FAA-801E-634DDDAF4B2B}" type="slidenum">
+              <a:rPr lang="en-US" smtClean="0"/>
+              <a:pPr/>
+              <a:t>41</a:t>
             </a:fld>
             <a:endParaRPr lang="en-US"/>
           </a:p>
@@ -31053,7 +33078,7 @@
 </p:sld>
 </file>
 
-<file path=ppt/slides/slide32.xml><?xml version="1.0" encoding="utf-8"?>
+<file path=ppt/slides/slide42.xml><?xml version="1.0" encoding="utf-8"?>
 <p:sld xmlns:a="http://schemas.openxmlformats.org/drawingml/2006/main" xmlns:r="http://schemas.openxmlformats.org/officeDocument/2006/relationships" xmlns:p="http://schemas.openxmlformats.org/presentationml/2006/main">
   <p:cSld>
     <p:spTree>
@@ -31088,7 +33113,7 @@
             <a:fld id="{B6F15528-21DE-4FAA-801E-634DDDAF4B2B}" type="slidenum">
               <a:rPr lang="en-US" smtClean="0"/>
               <a:pPr/>
-              <a:t>32</a:t>
+              <a:t>42</a:t>
             </a:fld>
             <a:endParaRPr lang="en-US"/>
           </a:p>
@@ -35828,7 +37853,7 @@
 </p:sld>
 </file>
 
-<file path=ppt/slides/slide33.xml><?xml version="1.0" encoding="utf-8"?>
+<file path=ppt/slides/slide43.xml><?xml version="1.0" encoding="utf-8"?>
 <p:sld xmlns:a="http://schemas.openxmlformats.org/drawingml/2006/main" xmlns:r="http://schemas.openxmlformats.org/officeDocument/2006/relationships" xmlns:p="http://schemas.openxmlformats.org/presentationml/2006/main">
   <p:cSld>
     <p:spTree>
@@ -35863,7 +37888,7 @@
             <a:fld id="{B6F15528-21DE-4FAA-801E-634DDDAF4B2B}" type="slidenum">
               <a:rPr lang="en-US" smtClean="0"/>
               <a:pPr/>
-              <a:t>33</a:t>
+              <a:t>43</a:t>
             </a:fld>
             <a:endParaRPr lang="en-US"/>
           </a:p>
@@ -36111,7 +38136,7 @@
 </p:sld>
 </file>
 
-<file path=ppt/slides/slide34.xml><?xml version="1.0" encoding="utf-8"?>
+<file path=ppt/slides/slide44.xml><?xml version="1.0" encoding="utf-8"?>
 <p:sld xmlns:a="http://schemas.openxmlformats.org/drawingml/2006/main" xmlns:r="http://schemas.openxmlformats.org/officeDocument/2006/relationships" xmlns:p="http://schemas.openxmlformats.org/presentationml/2006/main">
   <p:cSld>
     <p:spTree>
@@ -36146,7 +38171,7 @@
             <a:fld id="{B6F15528-21DE-4FAA-801E-634DDDAF4B2B}" type="slidenum">
               <a:rPr lang="en-US" smtClean="0"/>
               <a:pPr/>
-              <a:t>34</a:t>
+              <a:t>44</a:t>
             </a:fld>
             <a:endParaRPr lang="en-US"/>
           </a:p>
@@ -36435,7 +38460,7 @@
 </p:sld>
 </file>
 
-<file path=ppt/slides/slide35.xml><?xml version="1.0" encoding="utf-8"?>
+<file path=ppt/slides/slide45.xml><?xml version="1.0" encoding="utf-8"?>
 <p:sld xmlns:a="http://schemas.openxmlformats.org/drawingml/2006/main" xmlns:r="http://schemas.openxmlformats.org/officeDocument/2006/relationships" xmlns:p="http://schemas.openxmlformats.org/presentationml/2006/main">
   <p:cSld>
     <p:spTree>
@@ -36470,7 +38495,7 @@
             <a:fld id="{B6F15528-21DE-4FAA-801E-634DDDAF4B2B}" type="slidenum">
               <a:rPr lang="en-US" smtClean="0"/>
               <a:pPr/>
-              <a:t>35</a:t>
+              <a:t>45</a:t>
             </a:fld>
             <a:endParaRPr lang="en-US"/>
           </a:p>
@@ -36759,7 +38784,7 @@
 </p:sld>
 </file>
 
-<file path=ppt/slides/slide36.xml><?xml version="1.0" encoding="utf-8"?>
+<file path=ppt/slides/slide46.xml><?xml version="1.0" encoding="utf-8"?>
 <p:sld xmlns:a="http://schemas.openxmlformats.org/drawingml/2006/main" xmlns:r="http://schemas.openxmlformats.org/officeDocument/2006/relationships" xmlns:p="http://schemas.openxmlformats.org/presentationml/2006/main">
   <p:cSld>
     <p:spTree>
@@ -36794,7 +38819,7 @@
             <a:fld id="{B6F15528-21DE-4FAA-801E-634DDDAF4B2B}" type="slidenum">
               <a:rPr lang="en-US" smtClean="0"/>
               <a:pPr/>
-              <a:t>36</a:t>
+              <a:t>46</a:t>
             </a:fld>
             <a:endParaRPr lang="en-US"/>
           </a:p>
@@ -37010,7 +39035,7 @@
 </p:sld>
 </file>
 
-<file path=ppt/slides/slide37.xml><?xml version="1.0" encoding="utf-8"?>
+<file path=ppt/slides/slide47.xml><?xml version="1.0" encoding="utf-8"?>
 <p:sld xmlns:a="http://schemas.openxmlformats.org/drawingml/2006/main" xmlns:r="http://schemas.openxmlformats.org/officeDocument/2006/relationships" xmlns:p="http://schemas.openxmlformats.org/presentationml/2006/main">
   <p:cSld>
     <p:spTree>
@@ -37045,7 +39070,7 @@
             <a:fld id="{B6F15528-21DE-4FAA-801E-634DDDAF4B2B}" type="slidenum">
               <a:rPr lang="en-US" smtClean="0"/>
               <a:pPr/>
-              <a:t>37</a:t>
+              <a:t>47</a:t>
             </a:fld>
             <a:endParaRPr lang="en-US"/>
           </a:p>
@@ -37170,7 +39195,7 @@
 </p:sld>
 </file>
 
-<file path=ppt/slides/slide38.xml><?xml version="1.0" encoding="utf-8"?>
+<file path=ppt/slides/slide48.xml><?xml version="1.0" encoding="utf-8"?>
 <p:sld xmlns:a="http://schemas.openxmlformats.org/drawingml/2006/main" xmlns:r="http://schemas.openxmlformats.org/officeDocument/2006/relationships" xmlns:p="http://schemas.openxmlformats.org/presentationml/2006/main">
   <p:cSld>
     <p:spTree>
@@ -37205,7 +39230,7 @@
             <a:fld id="{B6F15528-21DE-4FAA-801E-634DDDAF4B2B}" type="slidenum">
               <a:rPr lang="en-US" smtClean="0"/>
               <a:pPr/>
-              <a:t>38</a:t>
+              <a:t>48</a:t>
             </a:fld>
             <a:endParaRPr lang="en-US"/>
           </a:p>
@@ -39751,7 +41776,7 @@
 </p:sld>
 </file>
 
-<file path=ppt/slides/slide39.xml><?xml version="1.0" encoding="utf-8"?>
+<file path=ppt/slides/slide49.xml><?xml version="1.0" encoding="utf-8"?>
 <p:sld xmlns:a="http://schemas.openxmlformats.org/drawingml/2006/main" xmlns:r="http://schemas.openxmlformats.org/officeDocument/2006/relationships" xmlns:p="http://schemas.openxmlformats.org/presentationml/2006/main">
   <p:cSld>
     <p:spTree>
@@ -39786,7 +41811,7 @@
             <a:fld id="{B6F15528-21DE-4FAA-801E-634DDDAF4B2B}" type="slidenum">
               <a:rPr lang="en-US" smtClean="0"/>
               <a:pPr/>
-              <a:t>39</a:t>
+              <a:t>49</a:t>
             </a:fld>
             <a:endParaRPr lang="en-US"/>
           </a:p>
@@ -40228,7 +42253,7 @@
 </p:sld>
 </file>
 
-<file path=ppt/slides/slide4.xml><?xml version="1.0" encoding="utf-8"?>
+<file path=ppt/slides/slide5.xml><?xml version="1.0" encoding="utf-8"?>
 <p:sld xmlns:a="http://schemas.openxmlformats.org/drawingml/2006/main" xmlns:r="http://schemas.openxmlformats.org/officeDocument/2006/relationships" xmlns:p="http://schemas.openxmlformats.org/presentationml/2006/main">
   <p:cSld>
     <p:spTree>
@@ -40263,7 +42288,7 @@
             <a:fld id="{B6F15528-21DE-4FAA-801E-634DDDAF4B2B}" type="slidenum">
               <a:rPr lang="en-US" smtClean="0"/>
               <a:pPr/>
-              <a:t>4</a:t>
+              <a:t>5</a:t>
             </a:fld>
             <a:endParaRPr lang="en-US"/>
           </a:p>
@@ -40277,7 +42302,7 @@
         </p:nvSpPr>
         <p:spPr>
           <a:xfrm>
-            <a:off x="152400" y="691625"/>
+            <a:off x="88900" y="331857"/>
             <a:ext cx="6934200" cy="707886"/>
           </a:xfrm>
           <a:prstGeom prst="rect">
@@ -40299,135 +42324,21 @@
                 <a:latin typeface="Adobe Caslon Pro Bold" pitchFamily="18" charset="0"/>
                 <a:ea typeface="Adobe Fan Heiti Std B" pitchFamily="34" charset="-128"/>
               </a:rPr>
-              <a:t>Instructor and Team</a:t>
+              <a:t>Problems</a:t>
             </a:r>
           </a:p>
         </p:txBody>
       </p:sp>
       <p:sp>
         <p:nvSpPr>
-          <p:cNvPr id="13" name="Rectangle 12"/>
-          <p:cNvSpPr/>
-          <p:nvPr/>
-        </p:nvSpPr>
-        <p:spPr>
-          <a:xfrm>
-            <a:off x="76200" y="2895600"/>
-            <a:ext cx="1447800" cy="1143000"/>
-          </a:xfrm>
-          <a:prstGeom prst="rect">
-            <a:avLst/>
-          </a:prstGeom>
-        </p:spPr>
-        <p:style>
-          <a:lnRef idx="1">
-            <a:schemeClr val="accent5"/>
-          </a:lnRef>
-          <a:fillRef idx="2">
-            <a:schemeClr val="accent5"/>
-          </a:fillRef>
-          <a:effectRef idx="1">
-            <a:schemeClr val="accent5"/>
-          </a:effectRef>
-          <a:fontRef idx="minor">
-            <a:schemeClr val="dk1"/>
-          </a:fontRef>
-        </p:style>
-        <p:txBody>
-          <a:bodyPr rtlCol="0" anchor="ctr"/>
-          <a:lstStyle/>
-          <a:p>
-            <a:pPr algn="ctr"/>
-            <a:endParaRPr lang="en-US"/>
-          </a:p>
-        </p:txBody>
-      </p:sp>
-      <p:sp>
-        <p:nvSpPr>
-          <p:cNvPr id="14" name="Rectangle 13"/>
-          <p:cNvSpPr/>
-          <p:nvPr/>
-        </p:nvSpPr>
-        <p:spPr>
-          <a:xfrm>
-            <a:off x="76200" y="4114800"/>
-            <a:ext cx="1447800" cy="1143000"/>
-          </a:xfrm>
-          <a:prstGeom prst="rect">
-            <a:avLst/>
-          </a:prstGeom>
-        </p:spPr>
-        <p:style>
-          <a:lnRef idx="1">
-            <a:schemeClr val="accent5"/>
-          </a:lnRef>
-          <a:fillRef idx="2">
-            <a:schemeClr val="accent5"/>
-          </a:fillRef>
-          <a:effectRef idx="1">
-            <a:schemeClr val="accent5"/>
-          </a:effectRef>
-          <a:fontRef idx="minor">
-            <a:schemeClr val="dk1"/>
-          </a:fontRef>
-        </p:style>
-        <p:txBody>
-          <a:bodyPr rtlCol="0" anchor="ctr"/>
-          <a:lstStyle/>
-          <a:p>
-            <a:pPr algn="ctr"/>
-            <a:endParaRPr lang="en-US"/>
-          </a:p>
-        </p:txBody>
-      </p:sp>
-      <p:sp>
-        <p:nvSpPr>
-          <p:cNvPr id="15" name="Rectangle 14"/>
-          <p:cNvSpPr/>
-          <p:nvPr/>
-        </p:nvSpPr>
-        <p:spPr>
-          <a:xfrm>
-            <a:off x="76200" y="5334000"/>
-            <a:ext cx="1447800" cy="1143000"/>
-          </a:xfrm>
-          <a:prstGeom prst="rect">
-            <a:avLst/>
-          </a:prstGeom>
-        </p:spPr>
-        <p:style>
-          <a:lnRef idx="1">
-            <a:schemeClr val="accent5"/>
-          </a:lnRef>
-          <a:fillRef idx="2">
-            <a:schemeClr val="accent5"/>
-          </a:fillRef>
-          <a:effectRef idx="1">
-            <a:schemeClr val="accent5"/>
-          </a:effectRef>
-          <a:fontRef idx="minor">
-            <a:schemeClr val="dk1"/>
-          </a:fontRef>
-        </p:style>
-        <p:txBody>
-          <a:bodyPr rtlCol="0" anchor="ctr"/>
-          <a:lstStyle/>
-          <a:p>
-            <a:pPr algn="ctr"/>
-            <a:endParaRPr lang="en-US"/>
-          </a:p>
-        </p:txBody>
-      </p:sp>
-      <p:sp>
-        <p:nvSpPr>
-          <p:cNvPr id="16" name="TextBox 15"/>
+          <p:cNvPr id="7" name="TextBox 6"/>
           <p:cNvSpPr txBox="1"/>
           <p:nvPr/>
         </p:nvSpPr>
         <p:spPr>
           <a:xfrm>
-            <a:off x="5740400" y="1169075"/>
-            <a:ext cx="2819400" cy="615553"/>
+            <a:off x="88900" y="1039743"/>
+            <a:ext cx="8813800" cy="5570756"/>
           </a:xfrm>
           <a:prstGeom prst="rect">
             <a:avLst/>
@@ -40441,269 +42352,207 @@
           <a:lstStyle/>
           <a:p>
             <a:r>
-              <a:rPr lang="en-US" b="1" dirty="0" smtClean="0">
+              <a:rPr lang="en-US" sz="2000" u="sng" dirty="0" smtClean="0">
+                <a:hlinkClick r:id="rId2"/>
+              </a:rPr>
+              <a:t>CIO.com </a:t>
+            </a:r>
+            <a:r>
+              <a:rPr lang="en-US" sz="2000" u="sng" dirty="0">
+                <a:hlinkClick r:id="rId2"/>
+              </a:rPr>
+              <a:t>cites a Dynamic Markets survey</a:t>
+            </a:r>
+            <a:r>
+              <a:rPr lang="en-US" sz="2000" dirty="0"/>
+              <a:t> of 800 IT managers, reporting that 62 percent of IT projects fail to meet their schedules. Other data:</a:t>
+            </a:r>
+          </a:p>
+          <a:p>
+            <a:pPr marL="342900" lvl="0" indent="-342900">
+              <a:buFont typeface="Arial" pitchFamily="34" charset="0"/>
+              <a:buChar char="•"/>
+            </a:pPr>
+            <a:r>
+              <a:rPr lang="en-US" sz="2000" dirty="0"/>
+              <a:t>49 percent suffered budget overruns</a:t>
+            </a:r>
+          </a:p>
+          <a:p>
+            <a:pPr marL="342900" lvl="0" indent="-342900">
+              <a:buFont typeface="Arial" pitchFamily="34" charset="0"/>
+              <a:buChar char="•"/>
+            </a:pPr>
+            <a:r>
+              <a:rPr lang="en-US" sz="2000" dirty="0"/>
+              <a:t>47 percent had higher-than-expected maintenance costs, and</a:t>
+            </a:r>
+          </a:p>
+          <a:p>
+            <a:pPr marL="342900" lvl="0" indent="-342900">
+              <a:buFont typeface="Arial" pitchFamily="34" charset="0"/>
+              <a:buChar char="•"/>
+            </a:pPr>
+            <a:r>
+              <a:rPr lang="en-US" sz="2000" dirty="0"/>
+              <a:t>41 percent failed to deliver the expected business value and ROI</a:t>
+            </a:r>
+          </a:p>
+          <a:p>
+            <a:r>
+              <a:rPr lang="en-US" sz="2800" b="1" dirty="0" smtClean="0">
                 <a:solidFill>
                   <a:schemeClr val="accent6">
                     <a:lumMod val="50000"/>
                   </a:schemeClr>
                 </a:solidFill>
               </a:rPr>
-              <a:t>LE NGOC THACH</a:t>
-            </a:r>
-          </a:p>
-          <a:p>
-            <a:r>
-              <a:rPr lang="en-US" sz="1600" dirty="0" smtClean="0"/>
-              <a:t>Instructor</a:t>
-            </a:r>
-          </a:p>
-        </p:txBody>
-      </p:sp>
-      <p:sp>
-        <p:nvSpPr>
-          <p:cNvPr id="17" name="TextBox 16"/>
-          <p:cNvSpPr txBox="1"/>
-          <p:nvPr/>
-        </p:nvSpPr>
-        <p:spPr>
-          <a:xfrm>
-            <a:off x="1600200" y="1687773"/>
-            <a:ext cx="2514600" cy="615553"/>
-          </a:xfrm>
-          <a:prstGeom prst="rect">
-            <a:avLst/>
-          </a:prstGeom>
-          <a:noFill/>
-        </p:spPr>
-        <p:txBody>
-          <a:bodyPr wrap="square" rtlCol="0">
-            <a:spAutoFit/>
-          </a:bodyPr>
-          <a:lstStyle/>
-          <a:p>
-            <a:r>
-              <a:rPr lang="en-US" b="1" dirty="0" smtClean="0">
+              <a:t>Why?</a:t>
+            </a:r>
+          </a:p>
+          <a:p>
+            <a:r>
+              <a:rPr lang="en-US" sz="2000" dirty="0" smtClean="0"/>
+              <a:t>Inability </a:t>
+            </a:r>
+            <a:r>
+              <a:rPr lang="en-US" sz="2000" dirty="0"/>
+              <a:t>to meet project requirements</a:t>
+            </a:r>
+          </a:p>
+          <a:p>
+            <a:r>
+              <a:rPr lang="en-US" sz="2000" dirty="0" smtClean="0"/>
+              <a:t>Missed deadlines</a:t>
+            </a:r>
+          </a:p>
+          <a:p>
+            <a:r>
+              <a:rPr lang="en-US" sz="2000" dirty="0"/>
+              <a:t>Poor </a:t>
+            </a:r>
+            <a:r>
+              <a:rPr lang="en-US" sz="2000" dirty="0" smtClean="0"/>
+              <a:t>planning</a:t>
+            </a:r>
+          </a:p>
+          <a:p>
+            <a:r>
+              <a:rPr lang="en-US" sz="2000" dirty="0"/>
+              <a:t>Content </a:t>
+            </a:r>
+            <a:r>
+              <a:rPr lang="en-US" sz="2000" dirty="0" smtClean="0"/>
+              <a:t>Deficiencies</a:t>
+            </a:r>
+          </a:p>
+          <a:p>
+            <a:r>
+              <a:rPr lang="en-US" sz="2000" dirty="0" smtClean="0"/>
+              <a:t>Exceeded budget		</a:t>
+            </a:r>
+            <a:r>
+              <a:rPr lang="en-US" sz="2800" b="1" dirty="0" smtClean="0">
                 <a:solidFill>
                   <a:schemeClr val="accent6">
                     <a:lumMod val="50000"/>
                   </a:schemeClr>
                 </a:solidFill>
               </a:rPr>
-              <a:t>NGO DUC DUY</a:t>
-            </a:r>
-          </a:p>
-          <a:p>
-            <a:r>
-              <a:rPr lang="en-US" sz="1600" dirty="0" smtClean="0"/>
-              <a:t>Student</a:t>
+              <a:t>How should we improve ?</a:t>
+            </a:r>
+          </a:p>
+          <a:p>
+            <a:pPr lvl="7"/>
+            <a:r>
+              <a:rPr lang="en-US" sz="2000" dirty="0"/>
+              <a:t>Defining scope clearly, reduce change requests</a:t>
+            </a:r>
+            <a:r>
+              <a:rPr lang="en-US" sz="2000" dirty="0" smtClean="0"/>
+              <a:t>.</a:t>
+            </a:r>
+          </a:p>
+          <a:p>
+            <a:pPr lvl="7"/>
+            <a:r>
+              <a:rPr lang="en-US" sz="2000" dirty="0" smtClean="0"/>
+              <a:t>Meeting tasks deadline, deliverables by planning. </a:t>
+            </a:r>
+          </a:p>
+          <a:p>
+            <a:pPr lvl="7"/>
+            <a:r>
+              <a:rPr lang="en-US" sz="2000" dirty="0" smtClean="0"/>
+              <a:t>Maintaining </a:t>
+            </a:r>
+            <a:r>
+              <a:rPr lang="en-US" sz="2000" dirty="0"/>
+              <a:t>the required quality </a:t>
+            </a:r>
+            <a:r>
+              <a:rPr lang="en-US" sz="2000" dirty="0" smtClean="0"/>
+              <a:t>levels.</a:t>
+            </a:r>
+          </a:p>
+          <a:p>
+            <a:pPr lvl="7"/>
+            <a:r>
+              <a:rPr lang="en-US" sz="2000" dirty="0" smtClean="0"/>
+              <a:t>Meeting </a:t>
+            </a:r>
+            <a:r>
+              <a:rPr lang="en-US" sz="2000" dirty="0"/>
+              <a:t>the </a:t>
+            </a:r>
+            <a:r>
+              <a:rPr lang="en-US" sz="2000" dirty="0" smtClean="0"/>
+              <a:t>budget.</a:t>
+            </a:r>
+          </a:p>
+          <a:p>
+            <a:pPr lvl="7"/>
+            <a:r>
+              <a:rPr lang="en-US" sz="2000" dirty="0"/>
+              <a:t>Team Management</a:t>
+            </a:r>
+            <a:r>
+              <a:rPr lang="en-US" sz="2000" dirty="0" smtClean="0"/>
+              <a:t>.</a:t>
+            </a:r>
+            <a:endParaRPr lang="en-US" sz="2000" b="1" dirty="0">
+              <a:solidFill>
+                <a:schemeClr val="accent6">
+                  <a:lumMod val="50000"/>
+                </a:schemeClr>
+              </a:solidFill>
+            </a:endParaRPr>
+          </a:p>
+          <a:p>
+            <a:pPr lvl="7"/>
+            <a:r>
+              <a:rPr lang="en-US" sz="2000" dirty="0" smtClean="0"/>
+              <a:t>Plan </a:t>
+            </a:r>
+            <a:r>
+              <a:rPr lang="en-US" sz="2000" dirty="0"/>
+              <a:t>for </a:t>
+            </a:r>
+            <a:r>
+              <a:rPr lang="en-US" sz="2000" dirty="0" smtClean="0"/>
+              <a:t>uncertainty, </a:t>
+            </a:r>
+            <a:r>
+              <a:rPr lang="en-US" sz="2000" dirty="0"/>
+              <a:t>prepare for the </a:t>
+            </a:r>
+            <a:r>
+              <a:rPr lang="en-US" sz="2000" dirty="0" smtClean="0"/>
+              <a:t>unexpected.</a:t>
             </a:r>
           </a:p>
         </p:txBody>
       </p:sp>
-      <p:sp>
-        <p:nvSpPr>
-          <p:cNvPr id="18" name="TextBox 17"/>
-          <p:cNvSpPr txBox="1"/>
-          <p:nvPr/>
-        </p:nvSpPr>
-        <p:spPr>
-          <a:xfrm>
-            <a:off x="1600200" y="2870579"/>
-            <a:ext cx="2514600" cy="892552"/>
-          </a:xfrm>
-          <a:prstGeom prst="rect">
-            <a:avLst/>
-          </a:prstGeom>
-          <a:noFill/>
-        </p:spPr>
-        <p:txBody>
-          <a:bodyPr wrap="square" rtlCol="0">
-            <a:spAutoFit/>
-          </a:bodyPr>
-          <a:lstStyle/>
-          <a:p>
-            <a:r>
-              <a:rPr lang="en-US" b="1" dirty="0" smtClean="0">
-                <a:solidFill>
-                  <a:schemeClr val="accent6">
-                    <a:lumMod val="50000"/>
-                  </a:schemeClr>
-                </a:solidFill>
-              </a:rPr>
-              <a:t>MANH HOANG TRUONG</a:t>
-            </a:r>
-          </a:p>
-          <a:p>
-            <a:r>
-              <a:rPr lang="en-US" sz="1600" dirty="0" smtClean="0"/>
-              <a:t>Student</a:t>
-            </a:r>
-          </a:p>
-        </p:txBody>
-      </p:sp>
-      <p:sp>
-        <p:nvSpPr>
-          <p:cNvPr id="19" name="TextBox 18"/>
-          <p:cNvSpPr txBox="1"/>
-          <p:nvPr/>
-        </p:nvSpPr>
-        <p:spPr>
-          <a:xfrm>
-            <a:off x="1609299" y="4114800"/>
-            <a:ext cx="2514600" cy="892552"/>
-          </a:xfrm>
-          <a:prstGeom prst="rect">
-            <a:avLst/>
-          </a:prstGeom>
-          <a:noFill/>
-        </p:spPr>
-        <p:txBody>
-          <a:bodyPr wrap="square" rtlCol="0">
-            <a:spAutoFit/>
-          </a:bodyPr>
-          <a:lstStyle/>
-          <a:p>
-            <a:r>
-              <a:rPr lang="en-US" b="1" dirty="0" smtClean="0">
-                <a:solidFill>
-                  <a:schemeClr val="accent6">
-                    <a:lumMod val="50000"/>
-                  </a:schemeClr>
-                </a:solidFill>
-              </a:rPr>
-              <a:t>PHAM NGUYEN TRUONG GIANG</a:t>
-            </a:r>
-          </a:p>
-          <a:p>
-            <a:r>
-              <a:rPr lang="en-US" sz="1600" dirty="0" smtClean="0"/>
-              <a:t>Student</a:t>
-            </a:r>
-            <a:endParaRPr lang="en-US" sz="1600" dirty="0"/>
-          </a:p>
-        </p:txBody>
-      </p:sp>
-      <p:sp>
-        <p:nvSpPr>
-          <p:cNvPr id="20" name="TextBox 19"/>
-          <p:cNvSpPr txBox="1"/>
-          <p:nvPr/>
-        </p:nvSpPr>
-        <p:spPr>
-          <a:xfrm>
-            <a:off x="1620672" y="5334000"/>
-            <a:ext cx="2514600" cy="892552"/>
-          </a:xfrm>
-          <a:prstGeom prst="rect">
-            <a:avLst/>
-          </a:prstGeom>
-          <a:noFill/>
-        </p:spPr>
-        <p:txBody>
-          <a:bodyPr wrap="square" rtlCol="0">
-            <a:spAutoFit/>
-          </a:bodyPr>
-          <a:lstStyle/>
-          <a:p>
-            <a:r>
-              <a:rPr lang="en-US" b="1" dirty="0" smtClean="0">
-                <a:solidFill>
-                  <a:schemeClr val="accent6">
-                    <a:lumMod val="50000"/>
-                  </a:schemeClr>
-                </a:solidFill>
-              </a:rPr>
-              <a:t>TO CONG THANH HAI</a:t>
-            </a:r>
-          </a:p>
-          <a:p>
-            <a:r>
-              <a:rPr lang="en-US" sz="1600" dirty="0" smtClean="0"/>
-              <a:t>Student</a:t>
-            </a:r>
-            <a:endParaRPr lang="en-US" sz="1600" dirty="0"/>
-          </a:p>
-        </p:txBody>
-      </p:sp>
-      <p:sp>
-        <p:nvSpPr>
-          <p:cNvPr id="23" name="Rectangle 22"/>
-          <p:cNvSpPr/>
-          <p:nvPr/>
-        </p:nvSpPr>
-        <p:spPr>
-          <a:xfrm>
-            <a:off x="76200" y="1636025"/>
-            <a:ext cx="1447800" cy="1143000"/>
-          </a:xfrm>
-          <a:prstGeom prst="rect">
-            <a:avLst/>
-          </a:prstGeom>
-        </p:spPr>
-        <p:style>
-          <a:lnRef idx="1">
-            <a:schemeClr val="accent5"/>
-          </a:lnRef>
-          <a:fillRef idx="2">
-            <a:schemeClr val="accent5"/>
-          </a:fillRef>
-          <a:effectRef idx="1">
-            <a:schemeClr val="accent5"/>
-          </a:effectRef>
-          <a:fontRef idx="minor">
-            <a:schemeClr val="dk1"/>
-          </a:fontRef>
-        </p:style>
-        <p:txBody>
-          <a:bodyPr rtlCol="0" anchor="ctr"/>
-          <a:lstStyle/>
-          <a:p>
-            <a:pPr algn="ctr"/>
-            <a:endParaRPr lang="en-US"/>
-          </a:p>
-        </p:txBody>
-      </p:sp>
-      <p:pic>
-        <p:nvPicPr>
-          <p:cNvPr id="1026" name="Picture 2" descr="C:\Users\DuyNgo\Desktop\Teamwork.jpg"/>
-          <p:cNvPicPr>
-            <a:picLocks noChangeAspect="1" noChangeArrowheads="1"/>
-          </p:cNvPicPr>
-          <p:nvPr/>
-        </p:nvPicPr>
-        <p:blipFill>
-          <a:blip r:embed="rId2">
-            <a:extLst>
-              <a:ext uri="{28A0092B-C50C-407E-A947-70E740481C1C}">
-                <a14:useLocalDpi xmlns:a14="http://schemas.microsoft.com/office/drawing/2010/main" val="0"/>
-              </a:ext>
-            </a:extLst>
-          </a:blip>
-          <a:srcRect/>
-          <a:stretch>
-            <a:fillRect/>
-          </a:stretch>
-        </p:blipFill>
-        <p:spPr bwMode="auto">
-          <a:xfrm>
-            <a:off x="4076700" y="2779025"/>
-            <a:ext cx="4495800" cy="3371850"/>
-          </a:xfrm>
-          <a:prstGeom prst="rect">
-            <a:avLst/>
-          </a:prstGeom>
-          <a:noFill/>
-          <a:extLst>
-            <a:ext uri="{909E8E84-426E-40DD-AFC4-6F175D3DCCD1}">
-              <a14:hiddenFill xmlns:a14="http://schemas.microsoft.com/office/drawing/2010/main">
-                <a:solidFill>
-                  <a:srgbClr val="FFFFFF"/>
-                </a:solidFill>
-              </a14:hiddenFill>
-            </a:ext>
-          </a:extLst>
-        </p:spPr>
-      </p:pic>
       <p:sp>
         <p:nvSpPr>
           <p:cNvPr id="2" name="Footer Placeholder 1"/>
@@ -40720,17 +42569,17 @@
           <a:lstStyle/>
           <a:p>
             <a:r>
-              <a:rPr lang="en-US" smtClean="0"/>
+              <a:rPr lang="en-US" dirty="0" smtClean="0"/>
               <a:t>OOPMS Team</a:t>
             </a:r>
-            <a:endParaRPr lang="en-US"/>
+            <a:endParaRPr lang="en-US" dirty="0"/>
           </a:p>
         </p:txBody>
       </p:sp>
     </p:spTree>
     <p:extLst>
       <p:ext uri="{BB962C8B-B14F-4D97-AF65-F5344CB8AC3E}">
-        <p14:creationId xmlns:p14="http://schemas.microsoft.com/office/powerpoint/2010/main" val="1744215189"/>
+        <p14:creationId xmlns:p14="http://schemas.microsoft.com/office/powerpoint/2010/main" val="3211751061"/>
       </p:ext>
     </p:extLst>
   </p:cSld>
@@ -40739,8 +42588,8 @@
   </p:clrMapOvr>
   <mc:AlternateContent xmlns:mc="http://schemas.openxmlformats.org/markup-compatibility/2006" xmlns:p14="http://schemas.microsoft.com/office/powerpoint/2010/main">
     <mc:Choice Requires="p14">
-      <p:transition spd="slow" p14:dur="1300">
-        <p14:pan dir="u"/>
+      <p:transition spd="slow" p14:dur="1400">
+        <p14:ripple/>
       </p:transition>
     </mc:Choice>
     <mc:Fallback xmlns="">
@@ -40759,7 +42608,7 @@
 </p:sld>
 </file>
 
-<file path=ppt/slides/slide40.xml><?xml version="1.0" encoding="utf-8"?>
+<file path=ppt/slides/slide50.xml><?xml version="1.0" encoding="utf-8"?>
 <p:sld xmlns:a="http://schemas.openxmlformats.org/drawingml/2006/main" xmlns:r="http://schemas.openxmlformats.org/officeDocument/2006/relationships" xmlns:p="http://schemas.openxmlformats.org/presentationml/2006/main">
   <p:cSld>
     <p:spTree>
@@ -40873,7 +42722,7 @@
             <a:fld id="{B6F15528-21DE-4FAA-801E-634DDDAF4B2B}" type="slidenum">
               <a:rPr lang="en-US" smtClean="0"/>
               <a:pPr/>
-              <a:t>40</a:t>
+              <a:t>50</a:t>
             </a:fld>
             <a:endParaRPr lang="en-US"/>
           </a:p>
@@ -40957,7 +42806,7 @@
 </p:sld>
 </file>
 
-<file path=ppt/slides/slide41.xml><?xml version="1.0" encoding="utf-8"?>
+<file path=ppt/slides/slide51.xml><?xml version="1.0" encoding="utf-8"?>
 <p:sld xmlns:a="http://schemas.openxmlformats.org/drawingml/2006/main" xmlns:r="http://schemas.openxmlformats.org/officeDocument/2006/relationships" xmlns:p="http://schemas.openxmlformats.org/presentationml/2006/main">
   <p:cSld>
     <p:spTree>
@@ -40992,7 +42841,7 @@
             <a:fld id="{B6F15528-21DE-4FAA-801E-634DDDAF4B2B}" type="slidenum">
               <a:rPr lang="en-US" smtClean="0"/>
               <a:pPr/>
-              <a:t>41</a:t>
+              <a:t>51</a:t>
             </a:fld>
             <a:endParaRPr lang="en-US"/>
           </a:p>
@@ -41076,7 +42925,7 @@
 </p:sld>
 </file>
 
-<file path=ppt/slides/slide42.xml><?xml version="1.0" encoding="utf-8"?>
+<file path=ppt/slides/slide52.xml><?xml version="1.0" encoding="utf-8"?>
 <p:sld xmlns:a="http://schemas.openxmlformats.org/drawingml/2006/main" xmlns:r="http://schemas.openxmlformats.org/officeDocument/2006/relationships" xmlns:p="http://schemas.openxmlformats.org/presentationml/2006/main">
   <p:cSld>
     <p:spTree>
@@ -41111,7 +42960,7 @@
             <a:fld id="{B6F15528-21DE-4FAA-801E-634DDDAF4B2B}" type="slidenum">
               <a:rPr lang="en-US" smtClean="0"/>
               <a:pPr/>
-              <a:t>42</a:t>
+              <a:t>52</a:t>
             </a:fld>
             <a:endParaRPr lang="en-US"/>
           </a:p>
@@ -41185,385 +43034,6 @@
   <p:clrMapOvr>
     <a:masterClrMapping/>
   </p:clrMapOvr>
-  <p:timing>
-    <p:tnLst>
-      <p:par>
-        <p:cTn id="1" dur="indefinite" restart="never" nodeType="tmRoot"/>
-      </p:par>
-    </p:tnLst>
-  </p:timing>
-</p:sld>
-</file>
-
-<file path=ppt/slides/slide5.xml><?xml version="1.0" encoding="utf-8"?>
-<p:sld xmlns:a="http://schemas.openxmlformats.org/drawingml/2006/main" xmlns:r="http://schemas.openxmlformats.org/officeDocument/2006/relationships" xmlns:p="http://schemas.openxmlformats.org/presentationml/2006/main">
-  <p:cSld>
-    <p:spTree>
-      <p:nvGrpSpPr>
-        <p:cNvPr id="1" name=""/>
-        <p:cNvGrpSpPr/>
-        <p:nvPr/>
-      </p:nvGrpSpPr>
-      <p:grpSpPr>
-        <a:xfrm>
-          <a:off x="0" y="0"/>
-          <a:ext cx="0" cy="0"/>
-          <a:chOff x="0" y="0"/>
-          <a:chExt cx="0" cy="0"/>
-        </a:xfrm>
-      </p:grpSpPr>
-      <p:sp>
-        <p:nvSpPr>
-          <p:cNvPr id="4" name="Slide Number Placeholder 3"/>
-          <p:cNvSpPr>
-            <a:spLocks noGrp="1"/>
-          </p:cNvSpPr>
-          <p:nvPr>
-            <p:ph type="sldNum" sz="quarter" idx="12"/>
-          </p:nvPr>
-        </p:nvSpPr>
-        <p:spPr/>
-        <p:txBody>
-          <a:bodyPr/>
-          <a:lstStyle/>
-          <a:p>
-            <a:fld id="{B6F15528-21DE-4FAA-801E-634DDDAF4B2B}" type="slidenum">
-              <a:rPr lang="en-US" smtClean="0"/>
-              <a:pPr/>
-              <a:t>5</a:t>
-            </a:fld>
-            <a:endParaRPr lang="en-US"/>
-          </a:p>
-        </p:txBody>
-      </p:sp>
-      <p:sp>
-        <p:nvSpPr>
-          <p:cNvPr id="5" name="TextBox 4"/>
-          <p:cNvSpPr txBox="1"/>
-          <p:nvPr/>
-        </p:nvSpPr>
-        <p:spPr>
-          <a:xfrm>
-            <a:off x="88900" y="331857"/>
-            <a:ext cx="6934200" cy="707886"/>
-          </a:xfrm>
-          <a:prstGeom prst="rect">
-            <a:avLst/>
-          </a:prstGeom>
-          <a:noFill/>
-        </p:spPr>
-        <p:txBody>
-          <a:bodyPr wrap="square" rtlCol="0">
-            <a:spAutoFit/>
-          </a:bodyPr>
-          <a:lstStyle/>
-          <a:p>
-            <a:r>
-              <a:rPr lang="en-US" sz="4000" dirty="0" smtClean="0">
-                <a:solidFill>
-                  <a:srgbClr val="FFC000"/>
-                </a:solidFill>
-                <a:latin typeface="Adobe Caslon Pro Bold" pitchFamily="18" charset="0"/>
-                <a:ea typeface="Adobe Fan Heiti Std B" pitchFamily="34" charset="-128"/>
-              </a:rPr>
-              <a:t>Problems</a:t>
-            </a:r>
-          </a:p>
-        </p:txBody>
-      </p:sp>
-      <p:sp>
-        <p:nvSpPr>
-          <p:cNvPr id="7" name="TextBox 6"/>
-          <p:cNvSpPr txBox="1"/>
-          <p:nvPr/>
-        </p:nvSpPr>
-        <p:spPr>
-          <a:xfrm>
-            <a:off x="88900" y="1039743"/>
-            <a:ext cx="8813800" cy="5570756"/>
-          </a:xfrm>
-          <a:prstGeom prst="rect">
-            <a:avLst/>
-          </a:prstGeom>
-          <a:noFill/>
-        </p:spPr>
-        <p:txBody>
-          <a:bodyPr wrap="square" rtlCol="0">
-            <a:spAutoFit/>
-          </a:bodyPr>
-          <a:lstStyle/>
-          <a:p>
-            <a:r>
-              <a:rPr lang="en-US" sz="2000" u="sng" dirty="0" smtClean="0">
-                <a:hlinkClick r:id="rId2"/>
-              </a:rPr>
-              <a:t>CIO.com </a:t>
-            </a:r>
-            <a:r>
-              <a:rPr lang="en-US" sz="2000" u="sng" dirty="0">
-                <a:hlinkClick r:id="rId2"/>
-              </a:rPr>
-              <a:t>cites a Dynamic Markets survey</a:t>
-            </a:r>
-            <a:r>
-              <a:rPr lang="en-US" sz="2000" dirty="0"/>
-              <a:t> of 800 IT managers, reporting that 62 percent of IT projects fail to meet their schedules. Other data:</a:t>
-            </a:r>
-          </a:p>
-          <a:p>
-            <a:pPr marL="342900" lvl="0" indent="-342900">
-              <a:buFont typeface="Arial" pitchFamily="34" charset="0"/>
-              <a:buChar char="•"/>
-            </a:pPr>
-            <a:r>
-              <a:rPr lang="en-US" sz="2000" dirty="0"/>
-              <a:t>49 percent suffered budget overruns</a:t>
-            </a:r>
-          </a:p>
-          <a:p>
-            <a:pPr marL="342900" lvl="0" indent="-342900">
-              <a:buFont typeface="Arial" pitchFamily="34" charset="0"/>
-              <a:buChar char="•"/>
-            </a:pPr>
-            <a:r>
-              <a:rPr lang="en-US" sz="2000" dirty="0"/>
-              <a:t>47 percent had higher-than-expected maintenance costs, and</a:t>
-            </a:r>
-          </a:p>
-          <a:p>
-            <a:pPr marL="342900" lvl="0" indent="-342900">
-              <a:buFont typeface="Arial" pitchFamily="34" charset="0"/>
-              <a:buChar char="•"/>
-            </a:pPr>
-            <a:r>
-              <a:rPr lang="en-US" sz="2000" dirty="0"/>
-              <a:t>41 percent failed to deliver the expected business value and ROI</a:t>
-            </a:r>
-          </a:p>
-          <a:p>
-            <a:r>
-              <a:rPr lang="en-US" sz="2800" b="1" dirty="0" smtClean="0">
-                <a:solidFill>
-                  <a:schemeClr val="accent6">
-                    <a:lumMod val="50000"/>
-                  </a:schemeClr>
-                </a:solidFill>
-              </a:rPr>
-              <a:t>Why</a:t>
-            </a:r>
-            <a:r>
-              <a:rPr lang="en-US" sz="2800" b="1" dirty="0" smtClean="0">
-                <a:solidFill>
-                  <a:schemeClr val="accent6">
-                    <a:lumMod val="50000"/>
-                  </a:schemeClr>
-                </a:solidFill>
-              </a:rPr>
-              <a:t>?</a:t>
-            </a:r>
-          </a:p>
-          <a:p>
-            <a:r>
-              <a:rPr lang="en-US" sz="2000" dirty="0" smtClean="0"/>
-              <a:t>Inability </a:t>
-            </a:r>
-            <a:r>
-              <a:rPr lang="en-US" sz="2000" dirty="0"/>
-              <a:t>to meet project requirements</a:t>
-            </a:r>
-          </a:p>
-          <a:p>
-            <a:r>
-              <a:rPr lang="en-US" sz="2000" dirty="0" smtClean="0"/>
-              <a:t>Missed deadlines</a:t>
-            </a:r>
-          </a:p>
-          <a:p>
-            <a:r>
-              <a:rPr lang="en-US" sz="2000" dirty="0"/>
-              <a:t>Poor </a:t>
-            </a:r>
-            <a:r>
-              <a:rPr lang="en-US" sz="2000" dirty="0" smtClean="0"/>
-              <a:t>planning</a:t>
-            </a:r>
-          </a:p>
-          <a:p>
-            <a:r>
-              <a:rPr lang="en-US" sz="2000" dirty="0"/>
-              <a:t>Content </a:t>
-            </a:r>
-            <a:r>
-              <a:rPr lang="en-US" sz="2000" dirty="0" smtClean="0"/>
-              <a:t>Deficiencies</a:t>
-            </a:r>
-          </a:p>
-          <a:p>
-            <a:r>
-              <a:rPr lang="en-US" sz="2000" dirty="0" smtClean="0"/>
-              <a:t>Exceeded </a:t>
-            </a:r>
-            <a:r>
-              <a:rPr lang="en-US" sz="2000" dirty="0" smtClean="0"/>
-              <a:t>budget		</a:t>
-            </a:r>
-            <a:r>
-              <a:rPr lang="en-US" sz="2800" b="1" dirty="0" smtClean="0">
-                <a:solidFill>
-                  <a:schemeClr val="accent6">
-                    <a:lumMod val="50000"/>
-                  </a:schemeClr>
-                </a:solidFill>
-              </a:rPr>
-              <a:t>How </a:t>
-            </a:r>
-            <a:r>
-              <a:rPr lang="en-US" sz="2800" b="1" dirty="0" smtClean="0">
-                <a:solidFill>
-                  <a:schemeClr val="accent6">
-                    <a:lumMod val="50000"/>
-                  </a:schemeClr>
-                </a:solidFill>
-              </a:rPr>
-              <a:t>should we improve ?</a:t>
-            </a:r>
-          </a:p>
-          <a:p>
-            <a:pPr lvl="7"/>
-            <a:r>
-              <a:rPr lang="en-US" sz="2000" dirty="0"/>
-              <a:t>Defining scope clearly, reduce change requests</a:t>
-            </a:r>
-            <a:r>
-              <a:rPr lang="en-US" sz="2000" dirty="0" smtClean="0"/>
-              <a:t>.</a:t>
-            </a:r>
-          </a:p>
-          <a:p>
-            <a:pPr lvl="7"/>
-            <a:r>
-              <a:rPr lang="en-US" sz="2000" dirty="0" smtClean="0"/>
-              <a:t>Meeting tasks deadline, deliverables by planning. </a:t>
-            </a:r>
-          </a:p>
-          <a:p>
-            <a:pPr lvl="7"/>
-            <a:r>
-              <a:rPr lang="en-US" sz="2000" dirty="0" smtClean="0"/>
-              <a:t>Maintaining </a:t>
-            </a:r>
-            <a:r>
-              <a:rPr lang="en-US" sz="2000" dirty="0"/>
-              <a:t>the required quality </a:t>
-            </a:r>
-            <a:r>
-              <a:rPr lang="en-US" sz="2000" dirty="0" smtClean="0"/>
-              <a:t>levels.</a:t>
-            </a:r>
-          </a:p>
-          <a:p>
-            <a:pPr lvl="7"/>
-            <a:r>
-              <a:rPr lang="en-US" sz="2000" dirty="0" smtClean="0"/>
-              <a:t>Meeting </a:t>
-            </a:r>
-            <a:r>
-              <a:rPr lang="en-US" sz="2000" dirty="0"/>
-              <a:t>the </a:t>
-            </a:r>
-            <a:r>
-              <a:rPr lang="en-US" sz="2000" dirty="0" smtClean="0"/>
-              <a:t>budget.</a:t>
-            </a:r>
-          </a:p>
-          <a:p>
-            <a:pPr lvl="7"/>
-            <a:r>
-              <a:rPr lang="en-US" sz="2000" dirty="0"/>
-              <a:t>Team Management</a:t>
-            </a:r>
-            <a:r>
-              <a:rPr lang="en-US" sz="2000" dirty="0" smtClean="0"/>
-              <a:t>.</a:t>
-            </a:r>
-            <a:endParaRPr lang="en-US" sz="2000" b="1" dirty="0">
-              <a:solidFill>
-                <a:schemeClr val="accent6">
-                  <a:lumMod val="50000"/>
-                </a:schemeClr>
-              </a:solidFill>
-            </a:endParaRPr>
-          </a:p>
-          <a:p>
-            <a:pPr lvl="7"/>
-            <a:r>
-              <a:rPr lang="en-US" sz="2000" dirty="0" smtClean="0"/>
-              <a:t>Plan </a:t>
-            </a:r>
-            <a:r>
-              <a:rPr lang="en-US" sz="2000" dirty="0"/>
-              <a:t>for </a:t>
-            </a:r>
-            <a:r>
-              <a:rPr lang="en-US" sz="2000" dirty="0" smtClean="0"/>
-              <a:t>uncertainty, </a:t>
-            </a:r>
-            <a:r>
-              <a:rPr lang="en-US" sz="2000" dirty="0"/>
-              <a:t>prepare for the </a:t>
-            </a:r>
-            <a:r>
-              <a:rPr lang="en-US" sz="2000" dirty="0" smtClean="0"/>
-              <a:t>unexpected.</a:t>
-            </a:r>
-          </a:p>
-        </p:txBody>
-      </p:sp>
-      <p:sp>
-        <p:nvSpPr>
-          <p:cNvPr id="2" name="Footer Placeholder 1"/>
-          <p:cNvSpPr>
-            <a:spLocks noGrp="1"/>
-          </p:cNvSpPr>
-          <p:nvPr>
-            <p:ph type="ftr" sz="quarter" idx="11"/>
-          </p:nvPr>
-        </p:nvSpPr>
-        <p:spPr/>
-        <p:txBody>
-          <a:bodyPr/>
-          <a:lstStyle/>
-          <a:p>
-            <a:r>
-              <a:rPr lang="en-US" dirty="0" smtClean="0"/>
-              <a:t>OOPMS Team</a:t>
-            </a:r>
-            <a:endParaRPr lang="en-US" dirty="0"/>
-          </a:p>
-        </p:txBody>
-      </p:sp>
-    </p:spTree>
-    <p:extLst>
-      <p:ext uri="{BB962C8B-B14F-4D97-AF65-F5344CB8AC3E}">
-        <p14:creationId xmlns:p14="http://schemas.microsoft.com/office/powerpoint/2010/main" val="3211751061"/>
-      </p:ext>
-    </p:extLst>
-  </p:cSld>
-  <p:clrMapOvr>
-    <a:masterClrMapping/>
-  </p:clrMapOvr>
-  <mc:AlternateContent xmlns:mc="http://schemas.openxmlformats.org/markup-compatibility/2006" xmlns:p14="http://schemas.microsoft.com/office/powerpoint/2010/main">
-    <mc:Choice Requires="p14">
-      <p:transition spd="slow" p14:dur="1400">
-        <p14:ripple/>
-      </p:transition>
-    </mc:Choice>
-    <mc:Fallback xmlns="">
-      <p:transition spd="slow">
-        <p:fade/>
-      </p:transition>
-    </mc:Fallback>
-  </mc:AlternateContent>
   <p:timing>
     <p:tnLst>
       <p:par>
@@ -42700,7 +44170,7 @@
         </p:blipFill>
         <p:spPr>
           <a:xfrm>
-            <a:off x="152400" y="1524000"/>
+            <a:off x="0" y="3124200"/>
             <a:ext cx="2438400" cy="2438400"/>
           </a:xfrm>
           <a:prstGeom prst="rect">
@@ -42718,7 +44188,7 @@
         </p:nvSpPr>
         <p:spPr bwMode="gray">
           <a:xfrm>
-            <a:off x="2286000" y="1859554"/>
+            <a:off x="515202" y="878220"/>
             <a:ext cx="5181600" cy="2097088"/>
           </a:xfrm>
           <a:prstGeom prst="roundRect">
@@ -42802,7 +44272,7 @@
         </p:nvSpPr>
         <p:spPr bwMode="gray">
           <a:xfrm>
-            <a:off x="2286000" y="4343400"/>
+            <a:off x="2286000" y="3062880"/>
             <a:ext cx="5181600" cy="1825388"/>
           </a:xfrm>
           <a:prstGeom prst="roundRect">
@@ -42865,7 +44335,7 @@
         </p:nvSpPr>
         <p:spPr>
           <a:xfrm>
-            <a:off x="3073020" y="1979038"/>
+            <a:off x="692623" y="988368"/>
             <a:ext cx="2413379" cy="400110"/>
           </a:xfrm>
           <a:prstGeom prst="rect">
@@ -42911,7 +44381,7 @@
         </p:nvSpPr>
         <p:spPr>
           <a:xfrm>
-            <a:off x="3106002" y="4343400"/>
+            <a:off x="2375906" y="3124200"/>
             <a:ext cx="2151797" cy="400110"/>
           </a:xfrm>
           <a:prstGeom prst="rect">
@@ -42972,7 +44442,7 @@
         </p:blipFill>
         <p:spPr bwMode="auto">
           <a:xfrm>
-            <a:off x="6473741" y="1042769"/>
+            <a:off x="5442103" y="110365"/>
             <a:ext cx="2672758" cy="2672758"/>
           </a:xfrm>
           <a:prstGeom prst="rect">
@@ -43013,7 +44483,7 @@
         </p:blipFill>
         <p:spPr bwMode="auto">
           <a:xfrm>
-            <a:off x="7108623" y="4009030"/>
+            <a:off x="6334362" y="2969336"/>
             <a:ext cx="2012476" cy="2012476"/>
           </a:xfrm>
           <a:prstGeom prst="rect">
@@ -43051,6 +44521,67 @@
               <a:t>OOPMS Team</a:t>
             </a:r>
             <a:endParaRPr lang="en-US"/>
+          </a:p>
+        </p:txBody>
+      </p:sp>
+      <p:sp>
+        <p:nvSpPr>
+          <p:cNvPr id="3" name="TextBox 2"/>
+          <p:cNvSpPr txBox="1"/>
+          <p:nvPr/>
+        </p:nvSpPr>
+        <p:spPr>
+          <a:xfrm>
+            <a:off x="515202" y="5257800"/>
+            <a:ext cx="9119563" cy="1015663"/>
+          </a:xfrm>
+          <a:prstGeom prst="rect">
+            <a:avLst/>
+          </a:prstGeom>
+          <a:noFill/>
+        </p:spPr>
+        <p:txBody>
+          <a:bodyPr wrap="square" rtlCol="0">
+            <a:spAutoFit/>
+          </a:bodyPr>
+          <a:lstStyle/>
+          <a:p>
+            <a:r>
+              <a:rPr lang="en-US" sz="2000" dirty="0" smtClean="0">
+                <a:sym typeface="Wingdings" pitchFamily="2" charset="2"/>
+              </a:rPr>
+              <a:t></a:t>
+            </a:r>
+            <a:r>
+              <a:rPr lang="en-US" sz="2000" dirty="0" smtClean="0"/>
+              <a:t>Plan-Do-Check-Act </a:t>
+            </a:r>
+            <a:r>
+              <a:rPr lang="en-US" sz="2000" dirty="0"/>
+              <a:t>(PDCA) cycle. You have your plans and contingencies, </a:t>
+            </a:r>
+            <a:endParaRPr lang="en-US" sz="2000" dirty="0" smtClean="0"/>
+          </a:p>
+          <a:p>
+            <a:r>
+              <a:rPr lang="en-US" sz="2000" dirty="0" smtClean="0"/>
+              <a:t>you </a:t>
+            </a:r>
+            <a:r>
+              <a:rPr lang="en-US" sz="2000" dirty="0"/>
+              <a:t>execute plans, check on their efficiency, take appropriate action, </a:t>
+            </a:r>
+            <a:endParaRPr lang="en-US" sz="2000" dirty="0" smtClean="0"/>
+          </a:p>
+          <a:p>
+            <a:r>
+              <a:rPr lang="en-US" sz="2000" dirty="0" smtClean="0"/>
+              <a:t>either </a:t>
+            </a:r>
+            <a:r>
+              <a:rPr lang="en-US" sz="2000" dirty="0"/>
+              <a:t>proactively or reactively, and repeat the cycle throughout the project. </a:t>
+            </a:r>
           </a:p>
         </p:txBody>
       </p:sp>

--- a/Document/Report/Presentation/OOPMS_Presentation_v1.0.pptx
+++ b/Document/Report/Presentation/OOPMS_Presentation_v1.0.pptx
@@ -5,7 +5,7 @@
     <p:sldMasterId id="2147483696" r:id="rId1"/>
   </p:sldMasterIdLst>
   <p:notesMasterIdLst>
-    <p:notesMasterId r:id="rId54"/>
+    <p:notesMasterId r:id="rId55"/>
   </p:notesMasterIdLst>
   <p:sldIdLst>
     <p:sldId id="258" r:id="rId2"/>
@@ -13,40 +13,40 @@
     <p:sldId id="260" r:id="rId4"/>
     <p:sldId id="261" r:id="rId5"/>
     <p:sldId id="300" r:id="rId6"/>
-    <p:sldId id="262" r:id="rId7"/>
-    <p:sldId id="264" r:id="rId8"/>
-    <p:sldId id="265" r:id="rId9"/>
-    <p:sldId id="266" r:id="rId10"/>
-    <p:sldId id="267" r:id="rId11"/>
-    <p:sldId id="268" r:id="rId12"/>
-    <p:sldId id="269" r:id="rId13"/>
-    <p:sldId id="270" r:id="rId14"/>
-    <p:sldId id="291" r:id="rId15"/>
-    <p:sldId id="271" r:id="rId16"/>
-    <p:sldId id="272" r:id="rId17"/>
-    <p:sldId id="273" r:id="rId18"/>
-    <p:sldId id="274" r:id="rId19"/>
-    <p:sldId id="275" r:id="rId20"/>
-    <p:sldId id="276" r:id="rId21"/>
-    <p:sldId id="278" r:id="rId22"/>
-    <p:sldId id="292" r:id="rId23"/>
-    <p:sldId id="301" r:id="rId24"/>
-    <p:sldId id="295" r:id="rId25"/>
-    <p:sldId id="279" r:id="rId26"/>
-    <p:sldId id="280" r:id="rId27"/>
-    <p:sldId id="281" r:id="rId28"/>
-    <p:sldId id="302" r:id="rId29"/>
-    <p:sldId id="303" r:id="rId30"/>
-    <p:sldId id="304" r:id="rId31"/>
-    <p:sldId id="305" r:id="rId32"/>
-    <p:sldId id="306" r:id="rId33"/>
-    <p:sldId id="307" r:id="rId34"/>
-    <p:sldId id="308" r:id="rId35"/>
-    <p:sldId id="309" r:id="rId36"/>
-    <p:sldId id="310" r:id="rId37"/>
-    <p:sldId id="311" r:id="rId38"/>
-    <p:sldId id="312" r:id="rId39"/>
-    <p:sldId id="313" r:id="rId40"/>
+    <p:sldId id="316" r:id="rId7"/>
+    <p:sldId id="262" r:id="rId8"/>
+    <p:sldId id="264" r:id="rId9"/>
+    <p:sldId id="265" r:id="rId10"/>
+    <p:sldId id="266" r:id="rId11"/>
+    <p:sldId id="267" r:id="rId12"/>
+    <p:sldId id="268" r:id="rId13"/>
+    <p:sldId id="269" r:id="rId14"/>
+    <p:sldId id="270" r:id="rId15"/>
+    <p:sldId id="291" r:id="rId16"/>
+    <p:sldId id="271" r:id="rId17"/>
+    <p:sldId id="272" r:id="rId18"/>
+    <p:sldId id="273" r:id="rId19"/>
+    <p:sldId id="274" r:id="rId20"/>
+    <p:sldId id="275" r:id="rId21"/>
+    <p:sldId id="276" r:id="rId22"/>
+    <p:sldId id="278" r:id="rId23"/>
+    <p:sldId id="292" r:id="rId24"/>
+    <p:sldId id="301" r:id="rId25"/>
+    <p:sldId id="295" r:id="rId26"/>
+    <p:sldId id="279" r:id="rId27"/>
+    <p:sldId id="280" r:id="rId28"/>
+    <p:sldId id="281" r:id="rId29"/>
+    <p:sldId id="302" r:id="rId30"/>
+    <p:sldId id="303" r:id="rId31"/>
+    <p:sldId id="304" r:id="rId32"/>
+    <p:sldId id="305" r:id="rId33"/>
+    <p:sldId id="306" r:id="rId34"/>
+    <p:sldId id="307" r:id="rId35"/>
+    <p:sldId id="308" r:id="rId36"/>
+    <p:sldId id="309" r:id="rId37"/>
+    <p:sldId id="310" r:id="rId38"/>
+    <p:sldId id="311" r:id="rId39"/>
+    <p:sldId id="312" r:id="rId40"/>
     <p:sldId id="314" r:id="rId41"/>
     <p:sldId id="282" r:id="rId42"/>
     <p:sldId id="283" r:id="rId43"/>
@@ -57,9 +57,10 @@
     <p:sldId id="299" r:id="rId48"/>
     <p:sldId id="287" r:id="rId49"/>
     <p:sldId id="297" r:id="rId50"/>
-    <p:sldId id="288" r:id="rId51"/>
-    <p:sldId id="289" r:id="rId52"/>
-    <p:sldId id="290" r:id="rId53"/>
+    <p:sldId id="315" r:id="rId51"/>
+    <p:sldId id="288" r:id="rId52"/>
+    <p:sldId id="289" r:id="rId53"/>
+    <p:sldId id="290" r:id="rId54"/>
   </p:sldIdLst>
   <p:sldSz cx="9144000" cy="6858000" type="screen4x3"/>
   <p:notesSz cx="6858000" cy="9144000"/>
@@ -744,7 +745,7 @@
           <a:p>
             <a:fld id="{9D8E6E20-5ABD-478D-98D6-791B8DA97FE6}" type="slidenum">
               <a:rPr lang="en-US" smtClean="0"/>
-              <a:t>15</a:t>
+              <a:t>16</a:t>
             </a:fld>
             <a:endParaRPr lang="en-US"/>
           </a:p>
@@ -5162,6 +5163,286 @@
         </p:nvSpPr>
         <p:spPr>
           <a:xfrm>
+            <a:off x="101600" y="685800"/>
+            <a:ext cx="6934200" cy="707886"/>
+          </a:xfrm>
+          <a:prstGeom prst="rect">
+            <a:avLst/>
+          </a:prstGeom>
+          <a:noFill/>
+        </p:spPr>
+        <p:txBody>
+          <a:bodyPr wrap="square" rtlCol="0">
+            <a:spAutoFit/>
+          </a:bodyPr>
+          <a:lstStyle/>
+          <a:p>
+            <a:r>
+              <a:rPr lang="en-US" sz="4000" dirty="0" smtClean="0">
+                <a:solidFill>
+                  <a:srgbClr val="FFC000"/>
+                </a:solidFill>
+                <a:latin typeface="Adobe Caslon Pro Bold" pitchFamily="18" charset="0"/>
+                <a:ea typeface="Adobe Fan Heiti Std B" pitchFamily="34" charset="-128"/>
+              </a:rPr>
+              <a:t>Application</a:t>
+            </a:r>
+          </a:p>
+        </p:txBody>
+      </p:sp>
+      <p:sp>
+        <p:nvSpPr>
+          <p:cNvPr id="6" name="TextBox 5"/>
+          <p:cNvSpPr txBox="1"/>
+          <p:nvPr/>
+        </p:nvSpPr>
+        <p:spPr>
+          <a:xfrm>
+            <a:off x="5181600" y="4191000"/>
+            <a:ext cx="3300968" cy="400110"/>
+          </a:xfrm>
+          <a:prstGeom prst="rect">
+            <a:avLst/>
+          </a:prstGeom>
+          <a:noFill/>
+        </p:spPr>
+        <p:txBody>
+          <a:bodyPr wrap="none" rtlCol="0">
+            <a:spAutoFit/>
+          </a:bodyPr>
+          <a:lstStyle/>
+          <a:p>
+            <a:r>
+              <a:rPr lang="en-US" sz="2000" b="1" dirty="0" smtClean="0">
+                <a:solidFill>
+                  <a:schemeClr val="accent6">
+                    <a:lumMod val="50000"/>
+                  </a:schemeClr>
+                </a:solidFill>
+              </a:rPr>
+              <a:t>Web-based APPLICATION</a:t>
+            </a:r>
+            <a:endParaRPr lang="en-US" sz="2000" b="1" dirty="0">
+              <a:solidFill>
+                <a:schemeClr val="accent6">
+                  <a:lumMod val="50000"/>
+                </a:schemeClr>
+              </a:solidFill>
+            </a:endParaRPr>
+          </a:p>
+        </p:txBody>
+      </p:sp>
+      <p:sp>
+        <p:nvSpPr>
+          <p:cNvPr id="8" name="TextBox 7"/>
+          <p:cNvSpPr txBox="1"/>
+          <p:nvPr/>
+        </p:nvSpPr>
+        <p:spPr>
+          <a:xfrm>
+            <a:off x="457200" y="6172200"/>
+            <a:ext cx="2975366" cy="400110"/>
+          </a:xfrm>
+          <a:prstGeom prst="rect">
+            <a:avLst/>
+          </a:prstGeom>
+          <a:noFill/>
+        </p:spPr>
+        <p:txBody>
+          <a:bodyPr wrap="none" rtlCol="0">
+            <a:spAutoFit/>
+          </a:bodyPr>
+          <a:lstStyle/>
+          <a:p>
+            <a:r>
+              <a:rPr lang="en-US" sz="2000" b="1" dirty="0" smtClean="0">
+                <a:solidFill>
+                  <a:schemeClr val="accent6">
+                    <a:lumMod val="50000"/>
+                  </a:schemeClr>
+                </a:solidFill>
+              </a:rPr>
+              <a:t>Android APPLICATION</a:t>
+            </a:r>
+            <a:endParaRPr lang="en-US" sz="2000" b="1" dirty="0">
+              <a:solidFill>
+                <a:schemeClr val="accent6">
+                  <a:lumMod val="50000"/>
+                </a:schemeClr>
+              </a:solidFill>
+            </a:endParaRPr>
+          </a:p>
+        </p:txBody>
+      </p:sp>
+      <p:pic>
+        <p:nvPicPr>
+          <p:cNvPr id="7" name="Picture 6" descr="C:\Users\DuyNgo\Desktop\ScreenHunter_02 Aug. 11 09.17.png"/>
+          <p:cNvPicPr/>
+          <p:nvPr/>
+        </p:nvPicPr>
+        <p:blipFill>
+          <a:blip r:embed="rId2">
+            <a:extLst>
+              <a:ext uri="{28A0092B-C50C-407E-A947-70E740481C1C}">
+                <a14:useLocalDpi xmlns:a14="http://schemas.microsoft.com/office/drawing/2010/main" val="0"/>
+              </a:ext>
+            </a:extLst>
+          </a:blip>
+          <a:srcRect/>
+          <a:stretch>
+            <a:fillRect/>
+          </a:stretch>
+        </p:blipFill>
+        <p:spPr bwMode="auto">
+          <a:xfrm>
+            <a:off x="3432566" y="1784651"/>
+            <a:ext cx="5580380" cy="1938020"/>
+          </a:xfrm>
+          <a:prstGeom prst="rect">
+            <a:avLst/>
+          </a:prstGeom>
+          <a:noFill/>
+          <a:ln>
+            <a:noFill/>
+          </a:ln>
+        </p:spPr>
+      </p:pic>
+      <p:pic>
+        <p:nvPicPr>
+          <p:cNvPr id="2050" name="Picture 2" descr="C:\Users\DuyNgo\Desktop\Capstone\SVNTrunk\Document\Design\Android\Dashboard.PNG"/>
+          <p:cNvPicPr>
+            <a:picLocks noChangeAspect="1" noChangeArrowheads="1"/>
+          </p:cNvPicPr>
+          <p:nvPr/>
+        </p:nvPicPr>
+        <p:blipFill>
+          <a:blip r:embed="rId3">
+            <a:extLst>
+              <a:ext uri="{28A0092B-C50C-407E-A947-70E740481C1C}">
+                <a14:useLocalDpi xmlns:a14="http://schemas.microsoft.com/office/drawing/2010/main" val="0"/>
+              </a:ext>
+            </a:extLst>
+          </a:blip>
+          <a:srcRect/>
+          <a:stretch>
+            <a:fillRect/>
+          </a:stretch>
+        </p:blipFill>
+        <p:spPr bwMode="auto">
+          <a:xfrm>
+            <a:off x="256396" y="2209800"/>
+            <a:ext cx="3016394" cy="3514755"/>
+          </a:xfrm>
+          <a:prstGeom prst="rect">
+            <a:avLst/>
+          </a:prstGeom>
+          <a:noFill/>
+          <a:extLst>
+            <a:ext uri="{909E8E84-426E-40DD-AFC4-6F175D3DCCD1}">
+              <a14:hiddenFill xmlns:a14="http://schemas.microsoft.com/office/drawing/2010/main">
+                <a:solidFill>
+                  <a:srgbClr val="FFFFFF"/>
+                </a:solidFill>
+              </a14:hiddenFill>
+            </a:ext>
+          </a:extLst>
+        </p:spPr>
+      </p:pic>
+      <p:sp>
+        <p:nvSpPr>
+          <p:cNvPr id="2" name="Footer Placeholder 1"/>
+          <p:cNvSpPr>
+            <a:spLocks noGrp="1"/>
+          </p:cNvSpPr>
+          <p:nvPr>
+            <p:ph type="ftr" sz="quarter" idx="11"/>
+          </p:nvPr>
+        </p:nvSpPr>
+        <p:spPr/>
+        <p:txBody>
+          <a:bodyPr/>
+          <a:lstStyle/>
+          <a:p>
+            <a:r>
+              <a:rPr lang="en-US" smtClean="0"/>
+              <a:t>OOPMS Team</a:t>
+            </a:r>
+            <a:endParaRPr lang="en-US"/>
+          </a:p>
+        </p:txBody>
+      </p:sp>
+    </p:spTree>
+    <p:extLst>
+      <p:ext uri="{BB962C8B-B14F-4D97-AF65-F5344CB8AC3E}">
+        <p14:creationId xmlns:p14="http://schemas.microsoft.com/office/powerpoint/2010/main" val="697469285"/>
+      </p:ext>
+    </p:extLst>
+  </p:cSld>
+  <p:clrMapOvr>
+    <a:masterClrMapping/>
+  </p:clrMapOvr>
+  <p:transition spd="slow">
+    <p:randomBar dir="vert"/>
+  </p:transition>
+  <p:timing>
+    <p:tnLst>
+      <p:par>
+        <p:cTn id="1" dur="indefinite" restart="never" nodeType="tmRoot"/>
+      </p:par>
+    </p:tnLst>
+  </p:timing>
+</p:sld>
+</file>
+
+<file path=ppt/slides/slide11.xml><?xml version="1.0" encoding="utf-8"?>
+<p:sld xmlns:a="http://schemas.openxmlformats.org/drawingml/2006/main" xmlns:r="http://schemas.openxmlformats.org/officeDocument/2006/relationships" xmlns:p="http://schemas.openxmlformats.org/presentationml/2006/main">
+  <p:cSld>
+    <p:spTree>
+      <p:nvGrpSpPr>
+        <p:cNvPr id="1" name=""/>
+        <p:cNvGrpSpPr/>
+        <p:nvPr/>
+      </p:nvGrpSpPr>
+      <p:grpSpPr>
+        <a:xfrm>
+          <a:off x="0" y="0"/>
+          <a:ext cx="0" cy="0"/>
+          <a:chOff x="0" y="0"/>
+          <a:chExt cx="0" cy="0"/>
+        </a:xfrm>
+      </p:grpSpPr>
+      <p:sp>
+        <p:nvSpPr>
+          <p:cNvPr id="4" name="Slide Number Placeholder 3"/>
+          <p:cNvSpPr>
+            <a:spLocks noGrp="1"/>
+          </p:cNvSpPr>
+          <p:nvPr>
+            <p:ph type="sldNum" sz="quarter" idx="12"/>
+          </p:nvPr>
+        </p:nvSpPr>
+        <p:spPr/>
+        <p:txBody>
+          <a:bodyPr/>
+          <a:lstStyle/>
+          <a:p>
+            <a:fld id="{B6F15528-21DE-4FAA-801E-634DDDAF4B2B}" type="slidenum">
+              <a:rPr lang="en-US" smtClean="0"/>
+              <a:pPr/>
+              <a:t>11</a:t>
+            </a:fld>
+            <a:endParaRPr lang="en-US"/>
+          </a:p>
+        </p:txBody>
+      </p:sp>
+      <p:sp>
+        <p:nvSpPr>
+          <p:cNvPr id="5" name="TextBox 4"/>
+          <p:cNvSpPr txBox="1"/>
+          <p:nvPr/>
+        </p:nvSpPr>
+        <p:spPr>
+          <a:xfrm>
             <a:off x="76200" y="152400"/>
             <a:ext cx="8382000" cy="707886"/>
           </a:xfrm>
@@ -9891,7 +10172,7 @@
 </p:sld>
 </file>
 
-<file path=ppt/slides/slide11.xml><?xml version="1.0" encoding="utf-8"?>
+<file path=ppt/slides/slide12.xml><?xml version="1.0" encoding="utf-8"?>
 <p:sld xmlns:a="http://schemas.openxmlformats.org/drawingml/2006/main" xmlns:r="http://schemas.openxmlformats.org/officeDocument/2006/relationships" xmlns:p="http://schemas.openxmlformats.org/presentationml/2006/main">
   <p:cSld>
     <p:spTree>
@@ -9926,7 +10207,7 @@
             <a:fld id="{B6F15528-21DE-4FAA-801E-634DDDAF4B2B}" type="slidenum">
               <a:rPr lang="en-US" smtClean="0"/>
               <a:pPr/>
-              <a:t>11</a:t>
+              <a:t>12</a:t>
             </a:fld>
             <a:endParaRPr lang="en-US"/>
           </a:p>
@@ -10302,7 +10583,7 @@
 </p:sld>
 </file>
 
-<file path=ppt/slides/slide12.xml><?xml version="1.0" encoding="utf-8"?>
+<file path=ppt/slides/slide13.xml><?xml version="1.0" encoding="utf-8"?>
 <p:sld xmlns:a="http://schemas.openxmlformats.org/drawingml/2006/main" xmlns:r="http://schemas.openxmlformats.org/officeDocument/2006/relationships" xmlns:p="http://schemas.openxmlformats.org/presentationml/2006/main">
   <p:cSld>
     <p:spTree>
@@ -10337,7 +10618,7 @@
             <a:fld id="{B6F15528-21DE-4FAA-801E-634DDDAF4B2B}" type="slidenum">
               <a:rPr lang="en-US" smtClean="0"/>
               <a:pPr/>
-              <a:t>12</a:t>
+              <a:t>13</a:t>
             </a:fld>
             <a:endParaRPr lang="en-US"/>
           </a:p>
@@ -11334,7 +11615,7 @@
 </p:sld>
 </file>
 
-<file path=ppt/slides/slide13.xml><?xml version="1.0" encoding="utf-8"?>
+<file path=ppt/slides/slide14.xml><?xml version="1.0" encoding="utf-8"?>
 <p:sld xmlns:a="http://schemas.openxmlformats.org/drawingml/2006/main" xmlns:r="http://schemas.openxmlformats.org/officeDocument/2006/relationships" xmlns:p="http://schemas.openxmlformats.org/presentationml/2006/main">
   <p:cSld>
     <p:spTree>
@@ -11369,7 +11650,7 @@
             <a:fld id="{B6F15528-21DE-4FAA-801E-634DDDAF4B2B}" type="slidenum">
               <a:rPr lang="en-US" smtClean="0"/>
               <a:pPr/>
-              <a:t>13</a:t>
+              <a:t>14</a:t>
             </a:fld>
             <a:endParaRPr lang="en-US"/>
           </a:p>
@@ -11591,7 +11872,7 @@
 </p:sld>
 </file>
 
-<file path=ppt/slides/slide14.xml><?xml version="1.0" encoding="utf-8"?>
+<file path=ppt/slides/slide15.xml><?xml version="1.0" encoding="utf-8"?>
 <p:sld xmlns:a="http://schemas.openxmlformats.org/drawingml/2006/main" xmlns:r="http://schemas.openxmlformats.org/officeDocument/2006/relationships" xmlns:p="http://schemas.openxmlformats.org/presentationml/2006/main">
   <p:cSld>
     <p:spTree>
@@ -11704,7 +11985,7 @@
             <a:fld id="{B6F15528-21DE-4FAA-801E-634DDDAF4B2B}" type="slidenum">
               <a:rPr lang="en-US" smtClean="0"/>
               <a:pPr/>
-              <a:t>14</a:t>
+              <a:t>15</a:t>
             </a:fld>
             <a:endParaRPr lang="en-US"/>
           </a:p>
@@ -11827,7 +12108,7 @@
 </p:sld>
 </file>
 
-<file path=ppt/slides/slide15.xml><?xml version="1.0" encoding="utf-8"?>
+<file path=ppt/slides/slide16.xml><?xml version="1.0" encoding="utf-8"?>
 <p:sld xmlns:a="http://schemas.openxmlformats.org/drawingml/2006/main" xmlns:r="http://schemas.openxmlformats.org/officeDocument/2006/relationships" xmlns:p="http://schemas.openxmlformats.org/presentationml/2006/main">
   <p:cSld>
     <p:spTree>
@@ -11862,7 +12143,7 @@
             <a:fld id="{B6F15528-21DE-4FAA-801E-634DDDAF4B2B}" type="slidenum">
               <a:rPr lang="en-US" smtClean="0"/>
               <a:pPr/>
-              <a:t>15</a:t>
+              <a:t>16</a:t>
             </a:fld>
             <a:endParaRPr lang="en-US"/>
           </a:p>
@@ -12282,7 +12563,7 @@
 </p:sld>
 </file>
 
-<file path=ppt/slides/slide16.xml><?xml version="1.0" encoding="utf-8"?>
+<file path=ppt/slides/slide17.xml><?xml version="1.0" encoding="utf-8"?>
 <p:sld xmlns:a="http://schemas.openxmlformats.org/drawingml/2006/main" xmlns:r="http://schemas.openxmlformats.org/officeDocument/2006/relationships" xmlns:p="http://schemas.openxmlformats.org/presentationml/2006/main">
   <p:cSld>
     <p:spTree>
@@ -12317,7 +12598,7 @@
             <a:fld id="{B6F15528-21DE-4FAA-801E-634DDDAF4B2B}" type="slidenum">
               <a:rPr lang="en-US" smtClean="0"/>
               <a:pPr/>
-              <a:t>16</a:t>
+              <a:t>17</a:t>
             </a:fld>
             <a:endParaRPr lang="en-US"/>
           </a:p>
@@ -12739,7 +13020,19 @@
               <a:rPr lang="en-US" dirty="0" smtClean="0">
                 <a:latin typeface="Traveling _Typewriter" pitchFamily="2" charset="0"/>
               </a:rPr>
-              <a:t>Android Version</a:t>
+              <a:t>Android </a:t>
+            </a:r>
+            <a:r>
+              <a:rPr lang="en-US" dirty="0" smtClean="0">
+                <a:latin typeface="Traveling _Typewriter" pitchFamily="2" charset="0"/>
+              </a:rPr>
+              <a:t>Version, </a:t>
+            </a:r>
+            <a:r>
+              <a:rPr lang="en-US" dirty="0" err="1" smtClean="0">
+                <a:latin typeface="Traveling _Typewriter" pitchFamily="2" charset="0"/>
+              </a:rPr>
+              <a:t>Tesing</a:t>
             </a:r>
             <a:endParaRPr lang="en-US" dirty="0">
               <a:latin typeface="Traveling _Typewriter" pitchFamily="2" charset="0"/>
@@ -13886,7 +14179,7 @@
 </p:sld>
 </file>
 
-<file path=ppt/slides/slide17.xml><?xml version="1.0" encoding="utf-8"?>
+<file path=ppt/slides/slide18.xml><?xml version="1.0" encoding="utf-8"?>
 <p:sld xmlns:a="http://schemas.openxmlformats.org/drawingml/2006/main" xmlns:r="http://schemas.openxmlformats.org/officeDocument/2006/relationships" xmlns:p="http://schemas.openxmlformats.org/presentationml/2006/main">
   <p:cSld>
     <p:spTree>
@@ -13921,7 +14214,7 @@
             <a:fld id="{B6F15528-21DE-4FAA-801E-634DDDAF4B2B}" type="slidenum">
               <a:rPr lang="en-US" smtClean="0"/>
               <a:pPr/>
-              <a:t>17</a:t>
+              <a:t>18</a:t>
             </a:fld>
             <a:endParaRPr lang="en-US"/>
           </a:p>
@@ -17500,7 +17793,7 @@
 </p:sld>
 </file>
 
-<file path=ppt/slides/slide18.xml><?xml version="1.0" encoding="utf-8"?>
+<file path=ppt/slides/slide19.xml><?xml version="1.0" encoding="utf-8"?>
 <p:sld xmlns:a="http://schemas.openxmlformats.org/drawingml/2006/main" xmlns:r="http://schemas.openxmlformats.org/officeDocument/2006/relationships" xmlns:p="http://schemas.openxmlformats.org/presentationml/2006/main">
   <p:cSld>
     <p:spTree>
@@ -17535,7 +17828,7 @@
             <a:fld id="{B6F15528-21DE-4FAA-801E-634DDDAF4B2B}" type="slidenum">
               <a:rPr lang="en-US" smtClean="0"/>
               <a:pPr/>
-              <a:t>18</a:t>
+              <a:t>19</a:t>
             </a:fld>
             <a:endParaRPr lang="en-US"/>
           </a:p>
@@ -18041,7 +18334,268 @@
 </p:sld>
 </file>
 
-<file path=ppt/slides/slide19.xml><?xml version="1.0" encoding="utf-8"?>
+<file path=ppt/slides/slide2.xml><?xml version="1.0" encoding="utf-8"?>
+<p:sld xmlns:a="http://schemas.openxmlformats.org/drawingml/2006/main" xmlns:r="http://schemas.openxmlformats.org/officeDocument/2006/relationships" xmlns:p="http://schemas.openxmlformats.org/presentationml/2006/main">
+  <p:cSld>
+    <p:spTree>
+      <p:nvGrpSpPr>
+        <p:cNvPr id="1" name=""/>
+        <p:cNvGrpSpPr/>
+        <p:nvPr/>
+      </p:nvGrpSpPr>
+      <p:grpSpPr>
+        <a:xfrm>
+          <a:off x="0" y="0"/>
+          <a:ext cx="0" cy="0"/>
+          <a:chOff x="0" y="0"/>
+          <a:chExt cx="0" cy="0"/>
+        </a:xfrm>
+      </p:grpSpPr>
+      <p:sp>
+        <p:nvSpPr>
+          <p:cNvPr id="45" name="TextBox 44"/>
+          <p:cNvSpPr txBox="1"/>
+          <p:nvPr/>
+        </p:nvSpPr>
+        <p:spPr>
+          <a:xfrm>
+            <a:off x="76200" y="642729"/>
+            <a:ext cx="9144000" cy="6432530"/>
+          </a:xfrm>
+          <a:prstGeom prst="rect">
+            <a:avLst/>
+          </a:prstGeom>
+          <a:noFill/>
+        </p:spPr>
+        <p:txBody>
+          <a:bodyPr wrap="square" rtlCol="0">
+            <a:spAutoFit/>
+          </a:bodyPr>
+          <a:lstStyle/>
+          <a:p>
+            <a:r>
+              <a:rPr lang="en-US" sz="4000" dirty="0" smtClean="0">
+                <a:solidFill>
+                  <a:srgbClr val="FFC000"/>
+                </a:solidFill>
+                <a:latin typeface="Adobe Caslon Pro Bold" pitchFamily="18" charset="0"/>
+                <a:ea typeface="Adobe Fan Heiti Std B" pitchFamily="34" charset="-128"/>
+              </a:rPr>
+              <a:t>CONTENTS</a:t>
+            </a:r>
+          </a:p>
+          <a:p>
+            <a:endParaRPr lang="en-US" sz="4000" dirty="0" smtClean="0">
+              <a:solidFill>
+                <a:srgbClr val="FFC000"/>
+              </a:solidFill>
+              <a:latin typeface="Adobe Caslon Pro Bold" pitchFamily="18" charset="0"/>
+              <a:ea typeface="Adobe Fan Heiti Std B" pitchFamily="34" charset="-128"/>
+            </a:endParaRPr>
+          </a:p>
+          <a:p>
+            <a:pPr marL="2400300" lvl="4" indent="-571500">
+              <a:buFont typeface="Wingdings" pitchFamily="2" charset="2"/>
+              <a:buChar char="v"/>
+            </a:pPr>
+            <a:r>
+              <a:rPr lang="en-US" sz="3600" dirty="0" smtClean="0">
+                <a:solidFill>
+                  <a:srgbClr val="FFC000"/>
+                </a:solidFill>
+                <a:latin typeface="Adobe Caslon Pro Bold" pitchFamily="18" charset="0"/>
+                <a:ea typeface="Adobe Fan Heiti Std B" pitchFamily="34" charset="-128"/>
+              </a:rPr>
+              <a:t>Introduction</a:t>
+            </a:r>
+          </a:p>
+          <a:p>
+            <a:pPr marL="2400300" lvl="4" indent="-571500">
+              <a:buFont typeface="Wingdings" pitchFamily="2" charset="2"/>
+              <a:buChar char="v"/>
+            </a:pPr>
+            <a:r>
+              <a:rPr lang="en-US" sz="3600" dirty="0" smtClean="0">
+                <a:solidFill>
+                  <a:srgbClr val="FFC000"/>
+                </a:solidFill>
+                <a:latin typeface="Adobe Caslon Pro Bold" pitchFamily="18" charset="0"/>
+                <a:ea typeface="Adobe Fan Heiti Std B" pitchFamily="34" charset="-128"/>
+              </a:rPr>
+              <a:t>Plan</a:t>
+            </a:r>
+          </a:p>
+          <a:p>
+            <a:pPr marL="2400300" lvl="4" indent="-571500">
+              <a:buFont typeface="Wingdings" pitchFamily="2" charset="2"/>
+              <a:buChar char="v"/>
+            </a:pPr>
+            <a:r>
+              <a:rPr lang="en-US" sz="3600" dirty="0" smtClean="0">
+                <a:solidFill>
+                  <a:srgbClr val="FFC000"/>
+                </a:solidFill>
+                <a:latin typeface="Adobe Caslon Pro Bold" pitchFamily="18" charset="0"/>
+                <a:ea typeface="Adobe Fan Heiti Std B" pitchFamily="34" charset="-128"/>
+              </a:rPr>
+              <a:t>Requirement</a:t>
+            </a:r>
+          </a:p>
+          <a:p>
+            <a:pPr marL="2400300" lvl="4" indent="-571500">
+              <a:buFont typeface="Wingdings" pitchFamily="2" charset="2"/>
+              <a:buChar char="v"/>
+            </a:pPr>
+            <a:r>
+              <a:rPr lang="en-US" sz="3600" dirty="0" smtClean="0">
+                <a:solidFill>
+                  <a:srgbClr val="FFC000"/>
+                </a:solidFill>
+                <a:latin typeface="Adobe Caslon Pro Bold" pitchFamily="18" charset="0"/>
+                <a:ea typeface="Adobe Fan Heiti Std B" pitchFamily="34" charset="-128"/>
+              </a:rPr>
+              <a:t>Design</a:t>
+            </a:r>
+          </a:p>
+          <a:p>
+            <a:pPr marL="2400300" lvl="4" indent="-571500">
+              <a:buFont typeface="Wingdings" pitchFamily="2" charset="2"/>
+              <a:buChar char="v"/>
+            </a:pPr>
+            <a:r>
+              <a:rPr lang="en-US" sz="3600" dirty="0" smtClean="0">
+                <a:solidFill>
+                  <a:srgbClr val="FFC000"/>
+                </a:solidFill>
+                <a:latin typeface="Adobe Caslon Pro Bold" pitchFamily="18" charset="0"/>
+                <a:ea typeface="Adobe Fan Heiti Std B" pitchFamily="34" charset="-128"/>
+              </a:rPr>
+              <a:t>Implementation</a:t>
+            </a:r>
+          </a:p>
+          <a:p>
+            <a:pPr marL="2400300" lvl="4" indent="-571500">
+              <a:buFont typeface="Wingdings" pitchFamily="2" charset="2"/>
+              <a:buChar char="v"/>
+            </a:pPr>
+            <a:r>
+              <a:rPr lang="en-US" sz="3600" dirty="0" smtClean="0">
+                <a:solidFill>
+                  <a:srgbClr val="FFC000"/>
+                </a:solidFill>
+                <a:latin typeface="Adobe Caslon Pro Bold" pitchFamily="18" charset="0"/>
+                <a:ea typeface="Adobe Fan Heiti Std B" pitchFamily="34" charset="-128"/>
+              </a:rPr>
+              <a:t>Summary</a:t>
+            </a:r>
+          </a:p>
+          <a:p>
+            <a:pPr marL="2400300" lvl="4" indent="-571500">
+              <a:buFont typeface="Wingdings" pitchFamily="2" charset="2"/>
+              <a:buChar char="v"/>
+            </a:pPr>
+            <a:r>
+              <a:rPr lang="en-US" sz="3600" dirty="0" smtClean="0">
+                <a:solidFill>
+                  <a:srgbClr val="FFC000"/>
+                </a:solidFill>
+                <a:latin typeface="Adobe Caslon Pro Bold" pitchFamily="18" charset="0"/>
+                <a:ea typeface="Adobe Fan Heiti Std B" pitchFamily="34" charset="-128"/>
+              </a:rPr>
+              <a:t>Demo and QA</a:t>
+            </a:r>
+          </a:p>
+          <a:p>
+            <a:endParaRPr lang="en-US" sz="4000" dirty="0">
+              <a:solidFill>
+                <a:srgbClr val="FFC000"/>
+              </a:solidFill>
+              <a:latin typeface="Adobe Caslon Pro Bold" pitchFamily="18" charset="0"/>
+              <a:ea typeface="Adobe Fan Heiti Std B" pitchFamily="34" charset="-128"/>
+            </a:endParaRPr>
+          </a:p>
+          <a:p>
+            <a:endParaRPr lang="en-US" sz="4000" dirty="0" smtClean="0">
+              <a:solidFill>
+                <a:srgbClr val="FFC000"/>
+              </a:solidFill>
+              <a:latin typeface="Adobe Caslon Pro Bold" pitchFamily="18" charset="0"/>
+              <a:ea typeface="Adobe Fan Heiti Std B" pitchFamily="34" charset="-128"/>
+            </a:endParaRPr>
+          </a:p>
+        </p:txBody>
+      </p:sp>
+      <p:sp>
+        <p:nvSpPr>
+          <p:cNvPr id="2" name="Footer Placeholder 1"/>
+          <p:cNvSpPr>
+            <a:spLocks noGrp="1"/>
+          </p:cNvSpPr>
+          <p:nvPr>
+            <p:ph type="ftr" sz="quarter" idx="11"/>
+          </p:nvPr>
+        </p:nvSpPr>
+        <p:spPr/>
+        <p:txBody>
+          <a:bodyPr/>
+          <a:lstStyle/>
+          <a:p>
+            <a:r>
+              <a:rPr lang="en-US" smtClean="0"/>
+              <a:t>OOPMS Team</a:t>
+            </a:r>
+            <a:endParaRPr lang="en-US"/>
+          </a:p>
+        </p:txBody>
+      </p:sp>
+      <p:sp>
+        <p:nvSpPr>
+          <p:cNvPr id="3" name="Slide Number Placeholder 2"/>
+          <p:cNvSpPr>
+            <a:spLocks noGrp="1"/>
+          </p:cNvSpPr>
+          <p:nvPr>
+            <p:ph type="sldNum" sz="quarter" idx="12"/>
+          </p:nvPr>
+        </p:nvSpPr>
+        <p:spPr/>
+        <p:txBody>
+          <a:bodyPr/>
+          <a:lstStyle/>
+          <a:p>
+            <a:fld id="{B6F15528-21DE-4FAA-801E-634DDDAF4B2B}" type="slidenum">
+              <a:rPr lang="en-US" smtClean="0"/>
+              <a:pPr/>
+              <a:t>2</a:t>
+            </a:fld>
+            <a:endParaRPr lang="en-US"/>
+          </a:p>
+        </p:txBody>
+      </p:sp>
+    </p:spTree>
+    <p:extLst>
+      <p:ext uri="{BB962C8B-B14F-4D97-AF65-F5344CB8AC3E}">
+        <p14:creationId xmlns:p14="http://schemas.microsoft.com/office/powerpoint/2010/main" val="2910601340"/>
+      </p:ext>
+    </p:extLst>
+  </p:cSld>
+  <p:clrMapOvr>
+    <a:masterClrMapping/>
+  </p:clrMapOvr>
+  <p:transition spd="slow">
+    <p:wipe/>
+  </p:transition>
+  <p:timing>
+    <p:tnLst>
+      <p:par>
+        <p:cTn id="1" dur="indefinite" restart="never" nodeType="tmRoot"/>
+      </p:par>
+    </p:tnLst>
+  </p:timing>
+</p:sld>
+</file>
+
+<file path=ppt/slides/slide20.xml><?xml version="1.0" encoding="utf-8"?>
 <p:sld xmlns:a="http://schemas.openxmlformats.org/drawingml/2006/main" xmlns:r="http://schemas.openxmlformats.org/officeDocument/2006/relationships" xmlns:p="http://schemas.openxmlformats.org/presentationml/2006/main">
   <p:cSld>
     <p:spTree>
@@ -18332,7 +18886,7 @@
             <a:fld id="{B6F15528-21DE-4FAA-801E-634DDDAF4B2B}" type="slidenum">
               <a:rPr lang="en-US" smtClean="0"/>
               <a:pPr/>
-              <a:t>19</a:t>
+              <a:t>20</a:t>
             </a:fld>
             <a:endParaRPr lang="en-US"/>
           </a:p>
@@ -18748,268 +19302,7 @@
 </p:sld>
 </file>
 
-<file path=ppt/slides/slide2.xml><?xml version="1.0" encoding="utf-8"?>
-<p:sld xmlns:a="http://schemas.openxmlformats.org/drawingml/2006/main" xmlns:r="http://schemas.openxmlformats.org/officeDocument/2006/relationships" xmlns:p="http://schemas.openxmlformats.org/presentationml/2006/main">
-  <p:cSld>
-    <p:spTree>
-      <p:nvGrpSpPr>
-        <p:cNvPr id="1" name=""/>
-        <p:cNvGrpSpPr/>
-        <p:nvPr/>
-      </p:nvGrpSpPr>
-      <p:grpSpPr>
-        <a:xfrm>
-          <a:off x="0" y="0"/>
-          <a:ext cx="0" cy="0"/>
-          <a:chOff x="0" y="0"/>
-          <a:chExt cx="0" cy="0"/>
-        </a:xfrm>
-      </p:grpSpPr>
-      <p:sp>
-        <p:nvSpPr>
-          <p:cNvPr id="45" name="TextBox 44"/>
-          <p:cNvSpPr txBox="1"/>
-          <p:nvPr/>
-        </p:nvSpPr>
-        <p:spPr>
-          <a:xfrm>
-            <a:off x="76200" y="642729"/>
-            <a:ext cx="9144000" cy="6432530"/>
-          </a:xfrm>
-          <a:prstGeom prst="rect">
-            <a:avLst/>
-          </a:prstGeom>
-          <a:noFill/>
-        </p:spPr>
-        <p:txBody>
-          <a:bodyPr wrap="square" rtlCol="0">
-            <a:spAutoFit/>
-          </a:bodyPr>
-          <a:lstStyle/>
-          <a:p>
-            <a:r>
-              <a:rPr lang="en-US" sz="4000" dirty="0" smtClean="0">
-                <a:solidFill>
-                  <a:srgbClr val="FFC000"/>
-                </a:solidFill>
-                <a:latin typeface="Adobe Caslon Pro Bold" pitchFamily="18" charset="0"/>
-                <a:ea typeface="Adobe Fan Heiti Std B" pitchFamily="34" charset="-128"/>
-              </a:rPr>
-              <a:t>CONTENTS</a:t>
-            </a:r>
-          </a:p>
-          <a:p>
-            <a:endParaRPr lang="en-US" sz="4000" dirty="0" smtClean="0">
-              <a:solidFill>
-                <a:srgbClr val="FFC000"/>
-              </a:solidFill>
-              <a:latin typeface="Adobe Caslon Pro Bold" pitchFamily="18" charset="0"/>
-              <a:ea typeface="Adobe Fan Heiti Std B" pitchFamily="34" charset="-128"/>
-            </a:endParaRPr>
-          </a:p>
-          <a:p>
-            <a:pPr marL="2400300" lvl="4" indent="-571500">
-              <a:buFont typeface="Wingdings" pitchFamily="2" charset="2"/>
-              <a:buChar char="v"/>
-            </a:pPr>
-            <a:r>
-              <a:rPr lang="en-US" sz="3600" dirty="0" smtClean="0">
-                <a:solidFill>
-                  <a:srgbClr val="FFC000"/>
-                </a:solidFill>
-                <a:latin typeface="Adobe Caslon Pro Bold" pitchFamily="18" charset="0"/>
-                <a:ea typeface="Adobe Fan Heiti Std B" pitchFamily="34" charset="-128"/>
-              </a:rPr>
-              <a:t>Introduction</a:t>
-            </a:r>
-          </a:p>
-          <a:p>
-            <a:pPr marL="2400300" lvl="4" indent="-571500">
-              <a:buFont typeface="Wingdings" pitchFamily="2" charset="2"/>
-              <a:buChar char="v"/>
-            </a:pPr>
-            <a:r>
-              <a:rPr lang="en-US" sz="3600" dirty="0" smtClean="0">
-                <a:solidFill>
-                  <a:srgbClr val="FFC000"/>
-                </a:solidFill>
-                <a:latin typeface="Adobe Caslon Pro Bold" pitchFamily="18" charset="0"/>
-                <a:ea typeface="Adobe Fan Heiti Std B" pitchFamily="34" charset="-128"/>
-              </a:rPr>
-              <a:t>Plan</a:t>
-            </a:r>
-          </a:p>
-          <a:p>
-            <a:pPr marL="2400300" lvl="4" indent="-571500">
-              <a:buFont typeface="Wingdings" pitchFamily="2" charset="2"/>
-              <a:buChar char="v"/>
-            </a:pPr>
-            <a:r>
-              <a:rPr lang="en-US" sz="3600" dirty="0" smtClean="0">
-                <a:solidFill>
-                  <a:srgbClr val="FFC000"/>
-                </a:solidFill>
-                <a:latin typeface="Adobe Caslon Pro Bold" pitchFamily="18" charset="0"/>
-                <a:ea typeface="Adobe Fan Heiti Std B" pitchFamily="34" charset="-128"/>
-              </a:rPr>
-              <a:t>Requirement</a:t>
-            </a:r>
-          </a:p>
-          <a:p>
-            <a:pPr marL="2400300" lvl="4" indent="-571500">
-              <a:buFont typeface="Wingdings" pitchFamily="2" charset="2"/>
-              <a:buChar char="v"/>
-            </a:pPr>
-            <a:r>
-              <a:rPr lang="en-US" sz="3600" dirty="0" smtClean="0">
-                <a:solidFill>
-                  <a:srgbClr val="FFC000"/>
-                </a:solidFill>
-                <a:latin typeface="Adobe Caslon Pro Bold" pitchFamily="18" charset="0"/>
-                <a:ea typeface="Adobe Fan Heiti Std B" pitchFamily="34" charset="-128"/>
-              </a:rPr>
-              <a:t>Design</a:t>
-            </a:r>
-          </a:p>
-          <a:p>
-            <a:pPr marL="2400300" lvl="4" indent="-571500">
-              <a:buFont typeface="Wingdings" pitchFamily="2" charset="2"/>
-              <a:buChar char="v"/>
-            </a:pPr>
-            <a:r>
-              <a:rPr lang="en-US" sz="3600" dirty="0" smtClean="0">
-                <a:solidFill>
-                  <a:srgbClr val="FFC000"/>
-                </a:solidFill>
-                <a:latin typeface="Adobe Caslon Pro Bold" pitchFamily="18" charset="0"/>
-                <a:ea typeface="Adobe Fan Heiti Std B" pitchFamily="34" charset="-128"/>
-              </a:rPr>
-              <a:t>Implementation</a:t>
-            </a:r>
-          </a:p>
-          <a:p>
-            <a:pPr marL="2400300" lvl="4" indent="-571500">
-              <a:buFont typeface="Wingdings" pitchFamily="2" charset="2"/>
-              <a:buChar char="v"/>
-            </a:pPr>
-            <a:r>
-              <a:rPr lang="en-US" sz="3600" dirty="0" smtClean="0">
-                <a:solidFill>
-                  <a:srgbClr val="FFC000"/>
-                </a:solidFill>
-                <a:latin typeface="Adobe Caslon Pro Bold" pitchFamily="18" charset="0"/>
-                <a:ea typeface="Adobe Fan Heiti Std B" pitchFamily="34" charset="-128"/>
-              </a:rPr>
-              <a:t>Summary</a:t>
-            </a:r>
-          </a:p>
-          <a:p>
-            <a:pPr marL="2400300" lvl="4" indent="-571500">
-              <a:buFont typeface="Wingdings" pitchFamily="2" charset="2"/>
-              <a:buChar char="v"/>
-            </a:pPr>
-            <a:r>
-              <a:rPr lang="en-US" sz="3600" dirty="0" smtClean="0">
-                <a:solidFill>
-                  <a:srgbClr val="FFC000"/>
-                </a:solidFill>
-                <a:latin typeface="Adobe Caslon Pro Bold" pitchFamily="18" charset="0"/>
-                <a:ea typeface="Adobe Fan Heiti Std B" pitchFamily="34" charset="-128"/>
-              </a:rPr>
-              <a:t>Demo and QA</a:t>
-            </a:r>
-          </a:p>
-          <a:p>
-            <a:endParaRPr lang="en-US" sz="4000" dirty="0">
-              <a:solidFill>
-                <a:srgbClr val="FFC000"/>
-              </a:solidFill>
-              <a:latin typeface="Adobe Caslon Pro Bold" pitchFamily="18" charset="0"/>
-              <a:ea typeface="Adobe Fan Heiti Std B" pitchFamily="34" charset="-128"/>
-            </a:endParaRPr>
-          </a:p>
-          <a:p>
-            <a:endParaRPr lang="en-US" sz="4000" dirty="0" smtClean="0">
-              <a:solidFill>
-                <a:srgbClr val="FFC000"/>
-              </a:solidFill>
-              <a:latin typeface="Adobe Caslon Pro Bold" pitchFamily="18" charset="0"/>
-              <a:ea typeface="Adobe Fan Heiti Std B" pitchFamily="34" charset="-128"/>
-            </a:endParaRPr>
-          </a:p>
-        </p:txBody>
-      </p:sp>
-      <p:sp>
-        <p:nvSpPr>
-          <p:cNvPr id="2" name="Footer Placeholder 1"/>
-          <p:cNvSpPr>
-            <a:spLocks noGrp="1"/>
-          </p:cNvSpPr>
-          <p:nvPr>
-            <p:ph type="ftr" sz="quarter" idx="11"/>
-          </p:nvPr>
-        </p:nvSpPr>
-        <p:spPr/>
-        <p:txBody>
-          <a:bodyPr/>
-          <a:lstStyle/>
-          <a:p>
-            <a:r>
-              <a:rPr lang="en-US" smtClean="0"/>
-              <a:t>OOPMS Team</a:t>
-            </a:r>
-            <a:endParaRPr lang="en-US"/>
-          </a:p>
-        </p:txBody>
-      </p:sp>
-      <p:sp>
-        <p:nvSpPr>
-          <p:cNvPr id="3" name="Slide Number Placeholder 2"/>
-          <p:cNvSpPr>
-            <a:spLocks noGrp="1"/>
-          </p:cNvSpPr>
-          <p:nvPr>
-            <p:ph type="sldNum" sz="quarter" idx="12"/>
-          </p:nvPr>
-        </p:nvSpPr>
-        <p:spPr/>
-        <p:txBody>
-          <a:bodyPr/>
-          <a:lstStyle/>
-          <a:p>
-            <a:fld id="{B6F15528-21DE-4FAA-801E-634DDDAF4B2B}" type="slidenum">
-              <a:rPr lang="en-US" smtClean="0"/>
-              <a:pPr/>
-              <a:t>2</a:t>
-            </a:fld>
-            <a:endParaRPr lang="en-US"/>
-          </a:p>
-        </p:txBody>
-      </p:sp>
-    </p:spTree>
-    <p:extLst>
-      <p:ext uri="{BB962C8B-B14F-4D97-AF65-F5344CB8AC3E}">
-        <p14:creationId xmlns:p14="http://schemas.microsoft.com/office/powerpoint/2010/main" val="2910601340"/>
-      </p:ext>
-    </p:extLst>
-  </p:cSld>
-  <p:clrMapOvr>
-    <a:masterClrMapping/>
-  </p:clrMapOvr>
-  <p:transition spd="slow">
-    <p:wipe/>
-  </p:transition>
-  <p:timing>
-    <p:tnLst>
-      <p:par>
-        <p:cTn id="1" dur="indefinite" restart="never" nodeType="tmRoot"/>
-      </p:par>
-    </p:tnLst>
-  </p:timing>
-</p:sld>
-</file>
-
-<file path=ppt/slides/slide20.xml><?xml version="1.0" encoding="utf-8"?>
+<file path=ppt/slides/slide21.xml><?xml version="1.0" encoding="utf-8"?>
 <p:sld xmlns:a="http://schemas.openxmlformats.org/drawingml/2006/main" xmlns:r="http://schemas.openxmlformats.org/officeDocument/2006/relationships" xmlns:p="http://schemas.openxmlformats.org/presentationml/2006/main">
   <p:cSld>
     <p:spTree>
@@ -19044,7 +19337,7 @@
             <a:fld id="{B6F15528-21DE-4FAA-801E-634DDDAF4B2B}" type="slidenum">
               <a:rPr lang="en-US" smtClean="0"/>
               <a:pPr/>
-              <a:t>20</a:t>
+              <a:t>21</a:t>
             </a:fld>
             <a:endParaRPr lang="en-US"/>
           </a:p>
@@ -19269,7 +19562,7 @@
 </p:sld>
 </file>
 
-<file path=ppt/slides/slide21.xml><?xml version="1.0" encoding="utf-8"?>
+<file path=ppt/slides/slide22.xml><?xml version="1.0" encoding="utf-8"?>
 <p:sld xmlns:a="http://schemas.openxmlformats.org/drawingml/2006/main" xmlns:r="http://schemas.openxmlformats.org/officeDocument/2006/relationships" xmlns:p="http://schemas.openxmlformats.org/presentationml/2006/main">
   <p:cSld>
     <p:spTree>
@@ -19304,7 +19597,7 @@
             <a:fld id="{B6F15528-21DE-4FAA-801E-634DDDAF4B2B}" type="slidenum">
               <a:rPr lang="en-US" smtClean="0"/>
               <a:pPr/>
-              <a:t>21</a:t>
+              <a:t>22</a:t>
             </a:fld>
             <a:endParaRPr lang="en-US"/>
           </a:p>
@@ -24044,217 +24337,6 @@
 </p:sld>
 </file>
 
-<file path=ppt/slides/slide22.xml><?xml version="1.0" encoding="utf-8"?>
-<p:sld xmlns:a="http://schemas.openxmlformats.org/drawingml/2006/main" xmlns:r="http://schemas.openxmlformats.org/officeDocument/2006/relationships" xmlns:p="http://schemas.openxmlformats.org/presentationml/2006/main">
-  <p:cSld>
-    <p:spTree>
-      <p:nvGrpSpPr>
-        <p:cNvPr id="1" name=""/>
-        <p:cNvGrpSpPr/>
-        <p:nvPr/>
-      </p:nvGrpSpPr>
-      <p:grpSpPr>
-        <a:xfrm>
-          <a:off x="0" y="0"/>
-          <a:ext cx="0" cy="0"/>
-          <a:chOff x="0" y="0"/>
-          <a:chExt cx="0" cy="0"/>
-        </a:xfrm>
-      </p:grpSpPr>
-      <p:sp>
-        <p:nvSpPr>
-          <p:cNvPr id="2" name="Title 1"/>
-          <p:cNvSpPr>
-            <a:spLocks noGrp="1"/>
-          </p:cNvSpPr>
-          <p:nvPr>
-            <p:ph type="title"/>
-          </p:nvPr>
-        </p:nvSpPr>
-        <p:spPr>
-          <a:xfrm>
-            <a:off x="457200" y="0"/>
-            <a:ext cx="8229600" cy="838200"/>
-          </a:xfrm>
-        </p:spPr>
-        <p:txBody>
-          <a:bodyPr>
-            <a:normAutofit/>
-          </a:bodyPr>
-          <a:lstStyle/>
-          <a:p>
-            <a:r>
-              <a:rPr lang="en-US" sz="4000" dirty="0" smtClean="0"/>
-              <a:t>Portal - </a:t>
-            </a:r>
-            <a:r>
-              <a:rPr lang="en-US" sz="4000" dirty="0" err="1" smtClean="0"/>
-              <a:t>Portlets</a:t>
-            </a:r>
-            <a:endParaRPr lang="en-US" sz="4000" dirty="0"/>
-          </a:p>
-        </p:txBody>
-      </p:sp>
-      <p:sp>
-        <p:nvSpPr>
-          <p:cNvPr id="3" name="Content Placeholder 2"/>
-          <p:cNvSpPr>
-            <a:spLocks noGrp="1"/>
-          </p:cNvSpPr>
-          <p:nvPr>
-            <p:ph idx="1"/>
-          </p:nvPr>
-        </p:nvSpPr>
-        <p:spPr>
-          <a:xfrm>
-            <a:off x="457200" y="1066800"/>
-            <a:ext cx="8229600" cy="5257800"/>
-          </a:xfrm>
-        </p:spPr>
-        <p:txBody>
-          <a:bodyPr/>
-          <a:lstStyle/>
-          <a:p>
-            <a:r>
-              <a:rPr lang="en-US" dirty="0" smtClean="0"/>
-              <a:t>Offer broad </a:t>
-            </a:r>
-            <a:r>
-              <a:rPr lang="en-US" dirty="0"/>
-              <a:t>range of resources and </a:t>
-            </a:r>
-            <a:r>
-              <a:rPr lang="en-US" dirty="0" smtClean="0"/>
-              <a:t>services.</a:t>
-            </a:r>
-          </a:p>
-          <a:p>
-            <a:r>
-              <a:rPr lang="en-US" dirty="0" smtClean="0"/>
-              <a:t>Allows </a:t>
-            </a:r>
-            <a:r>
-              <a:rPr lang="en-US" dirty="0"/>
-              <a:t>aggregation of several back-end systems, </a:t>
-            </a:r>
-            <a:r>
-              <a:rPr lang="en-US" dirty="0" smtClean="0"/>
-              <a:t>processes.</a:t>
-            </a:r>
-          </a:p>
-          <a:p>
-            <a:r>
-              <a:rPr lang="en-US" dirty="0"/>
-              <a:t>provide additional services such as single sign-on security, customization (i.e. personalization) </a:t>
-            </a:r>
-            <a:r>
-              <a:rPr lang="en-US" dirty="0" smtClean="0"/>
-              <a:t>etc.</a:t>
-            </a:r>
-          </a:p>
-          <a:p>
-            <a:endParaRPr lang="en-US" dirty="0"/>
-          </a:p>
-          <a:p>
-            <a:r>
-              <a:rPr lang="en-US" dirty="0" smtClean="0">
-                <a:sym typeface="Wingdings" pitchFamily="2" charset="2"/>
-              </a:rPr>
-              <a:t> </a:t>
-            </a:r>
-            <a:r>
-              <a:rPr lang="en-US" dirty="0" smtClean="0"/>
-              <a:t>the aggregator </a:t>
-            </a:r>
-            <a:r>
-              <a:rPr lang="en-US" dirty="0"/>
-              <a:t>of a number of disparate </a:t>
-            </a:r>
-            <a:r>
-              <a:rPr lang="en-US" dirty="0" smtClean="0"/>
-              <a:t>applications in </a:t>
-            </a:r>
-            <a:r>
-              <a:rPr lang="en-US" dirty="0"/>
-              <a:t>a highly </a:t>
-            </a:r>
-            <a:r>
-              <a:rPr lang="en-US" dirty="0" smtClean="0"/>
-              <a:t>personalized </a:t>
-            </a:r>
-            <a:r>
-              <a:rPr lang="en-US" dirty="0"/>
-              <a:t>manner.</a:t>
-            </a:r>
-          </a:p>
-          <a:p>
-            <a:endParaRPr lang="en-US" dirty="0" smtClean="0"/>
-          </a:p>
-          <a:p>
-            <a:endParaRPr lang="en-US" dirty="0"/>
-          </a:p>
-        </p:txBody>
-      </p:sp>
-      <p:sp>
-        <p:nvSpPr>
-          <p:cNvPr id="4" name="Footer Placeholder 3"/>
-          <p:cNvSpPr>
-            <a:spLocks noGrp="1"/>
-          </p:cNvSpPr>
-          <p:nvPr>
-            <p:ph type="ftr" sz="quarter" idx="11"/>
-          </p:nvPr>
-        </p:nvSpPr>
-        <p:spPr/>
-        <p:txBody>
-          <a:bodyPr/>
-          <a:lstStyle/>
-          <a:p>
-            <a:r>
-              <a:rPr lang="en-US" smtClean="0"/>
-              <a:t>OOPMS Team</a:t>
-            </a:r>
-            <a:endParaRPr lang="en-US"/>
-          </a:p>
-        </p:txBody>
-      </p:sp>
-      <p:sp>
-        <p:nvSpPr>
-          <p:cNvPr id="5" name="Slide Number Placeholder 4"/>
-          <p:cNvSpPr>
-            <a:spLocks noGrp="1"/>
-          </p:cNvSpPr>
-          <p:nvPr>
-            <p:ph type="sldNum" sz="quarter" idx="12"/>
-          </p:nvPr>
-        </p:nvSpPr>
-        <p:spPr/>
-        <p:txBody>
-          <a:bodyPr/>
-          <a:lstStyle/>
-          <a:p>
-            <a:fld id="{B6F15528-21DE-4FAA-801E-634DDDAF4B2B}" type="slidenum">
-              <a:rPr lang="en-US" smtClean="0"/>
-              <a:pPr/>
-              <a:t>22</a:t>
-            </a:fld>
-            <a:endParaRPr lang="en-US"/>
-          </a:p>
-        </p:txBody>
-      </p:sp>
-    </p:spTree>
-    <p:extLst>
-      <p:ext uri="{BB962C8B-B14F-4D97-AF65-F5344CB8AC3E}">
-        <p14:creationId xmlns:p14="http://schemas.microsoft.com/office/powerpoint/2010/main" val="240334622"/>
-      </p:ext>
-    </p:extLst>
-  </p:cSld>
-  <p:clrMapOvr>
-    <a:masterClrMapping/>
-  </p:clrMapOvr>
-</p:sld>
-</file>
-
 <file path=ppt/slides/slide23.xml><?xml version="1.0" encoding="utf-8"?>
 <p:sld xmlns:a="http://schemas.openxmlformats.org/drawingml/2006/main" xmlns:r="http://schemas.openxmlformats.org/officeDocument/2006/relationships" xmlns:p="http://schemas.openxmlformats.org/presentationml/2006/main">
   <p:cSld>
@@ -24326,6 +24408,79 @@
           <a:bodyPr/>
           <a:lstStyle/>
           <a:p>
+            <a:r>
+              <a:rPr lang="en-US" dirty="0" smtClean="0"/>
+              <a:t>Offer broad </a:t>
+            </a:r>
+            <a:r>
+              <a:rPr lang="en-US" dirty="0"/>
+              <a:t>range of resources and </a:t>
+            </a:r>
+            <a:r>
+              <a:rPr lang="en-US" dirty="0" smtClean="0"/>
+              <a:t>services.</a:t>
+            </a:r>
+          </a:p>
+          <a:p>
+            <a:r>
+              <a:rPr lang="en-US" dirty="0" smtClean="0"/>
+              <a:t>Allows </a:t>
+            </a:r>
+            <a:r>
+              <a:rPr lang="en-US" dirty="0"/>
+              <a:t>aggregation of several back-end systems, </a:t>
+            </a:r>
+            <a:r>
+              <a:rPr lang="en-US" dirty="0" smtClean="0"/>
+              <a:t>processes.</a:t>
+            </a:r>
+          </a:p>
+          <a:p>
+            <a:r>
+              <a:rPr lang="en-US" dirty="0"/>
+              <a:t>provide additional services such as single sign-on security, customization (i.e. personalization) </a:t>
+            </a:r>
+            <a:r>
+              <a:rPr lang="en-US" dirty="0" smtClean="0"/>
+              <a:t>etc.</a:t>
+            </a:r>
+          </a:p>
+          <a:p>
+            <a:endParaRPr lang="en-US" dirty="0"/>
+          </a:p>
+          <a:p>
+            <a:r>
+              <a:rPr lang="en-US" dirty="0" smtClean="0">
+                <a:sym typeface="Wingdings" pitchFamily="2" charset="2"/>
+              </a:rPr>
+              <a:t> </a:t>
+            </a:r>
+            <a:r>
+              <a:rPr lang="en-US" dirty="0" smtClean="0"/>
+              <a:t>the aggregator </a:t>
+            </a:r>
+            <a:r>
+              <a:rPr lang="en-US" dirty="0"/>
+              <a:t>of a number of disparate </a:t>
+            </a:r>
+            <a:r>
+              <a:rPr lang="en-US" dirty="0" smtClean="0"/>
+              <a:t>applications in </a:t>
+            </a:r>
+            <a:r>
+              <a:rPr lang="en-US" dirty="0"/>
+              <a:t>a highly </a:t>
+            </a:r>
+            <a:r>
+              <a:rPr lang="en-US" dirty="0" smtClean="0"/>
+              <a:t>personalized </a:t>
+            </a:r>
+            <a:r>
+              <a:rPr lang="en-US" dirty="0"/>
+              <a:t>manner.</a:t>
+            </a:r>
+          </a:p>
+          <a:p>
             <a:endParaRPr lang="en-US" dirty="0" smtClean="0"/>
           </a:p>
           <a:p>
@@ -24375,6 +24530,144 @@
               <a:rPr lang="en-US" smtClean="0"/>
               <a:pPr/>
               <a:t>23</a:t>
+            </a:fld>
+            <a:endParaRPr lang="en-US"/>
+          </a:p>
+        </p:txBody>
+      </p:sp>
+    </p:spTree>
+    <p:extLst>
+      <p:ext uri="{BB962C8B-B14F-4D97-AF65-F5344CB8AC3E}">
+        <p14:creationId xmlns:p14="http://schemas.microsoft.com/office/powerpoint/2010/main" val="240334622"/>
+      </p:ext>
+    </p:extLst>
+  </p:cSld>
+  <p:clrMapOvr>
+    <a:masterClrMapping/>
+  </p:clrMapOvr>
+</p:sld>
+</file>
+
+<file path=ppt/slides/slide24.xml><?xml version="1.0" encoding="utf-8"?>
+<p:sld xmlns:a="http://schemas.openxmlformats.org/drawingml/2006/main" xmlns:r="http://schemas.openxmlformats.org/officeDocument/2006/relationships" xmlns:p="http://schemas.openxmlformats.org/presentationml/2006/main">
+  <p:cSld>
+    <p:spTree>
+      <p:nvGrpSpPr>
+        <p:cNvPr id="1" name=""/>
+        <p:cNvGrpSpPr/>
+        <p:nvPr/>
+      </p:nvGrpSpPr>
+      <p:grpSpPr>
+        <a:xfrm>
+          <a:off x="0" y="0"/>
+          <a:ext cx="0" cy="0"/>
+          <a:chOff x="0" y="0"/>
+          <a:chExt cx="0" cy="0"/>
+        </a:xfrm>
+      </p:grpSpPr>
+      <p:sp>
+        <p:nvSpPr>
+          <p:cNvPr id="2" name="Title 1"/>
+          <p:cNvSpPr>
+            <a:spLocks noGrp="1"/>
+          </p:cNvSpPr>
+          <p:nvPr>
+            <p:ph type="title"/>
+          </p:nvPr>
+        </p:nvSpPr>
+        <p:spPr>
+          <a:xfrm>
+            <a:off x="457200" y="0"/>
+            <a:ext cx="8229600" cy="838200"/>
+          </a:xfrm>
+        </p:spPr>
+        <p:txBody>
+          <a:bodyPr>
+            <a:normAutofit/>
+          </a:bodyPr>
+          <a:lstStyle/>
+          <a:p>
+            <a:r>
+              <a:rPr lang="en-US" sz="4000" dirty="0" smtClean="0"/>
+              <a:t>Portal - </a:t>
+            </a:r>
+            <a:r>
+              <a:rPr lang="en-US" sz="4000" dirty="0" err="1" smtClean="0"/>
+              <a:t>Portlets</a:t>
+            </a:r>
+            <a:endParaRPr lang="en-US" sz="4000" dirty="0"/>
+          </a:p>
+        </p:txBody>
+      </p:sp>
+      <p:sp>
+        <p:nvSpPr>
+          <p:cNvPr id="3" name="Content Placeholder 2"/>
+          <p:cNvSpPr>
+            <a:spLocks noGrp="1"/>
+          </p:cNvSpPr>
+          <p:nvPr>
+            <p:ph idx="1"/>
+          </p:nvPr>
+        </p:nvSpPr>
+        <p:spPr>
+          <a:xfrm>
+            <a:off x="457200" y="1066800"/>
+            <a:ext cx="8229600" cy="5257800"/>
+          </a:xfrm>
+        </p:spPr>
+        <p:txBody>
+          <a:bodyPr/>
+          <a:lstStyle/>
+          <a:p>
+            <a:endParaRPr lang="en-US" dirty="0" smtClean="0"/>
+          </a:p>
+          <a:p>
+            <a:endParaRPr lang="en-US" dirty="0"/>
+          </a:p>
+        </p:txBody>
+      </p:sp>
+      <p:sp>
+        <p:nvSpPr>
+          <p:cNvPr id="4" name="Footer Placeholder 3"/>
+          <p:cNvSpPr>
+            <a:spLocks noGrp="1"/>
+          </p:cNvSpPr>
+          <p:nvPr>
+            <p:ph type="ftr" sz="quarter" idx="11"/>
+          </p:nvPr>
+        </p:nvSpPr>
+        <p:spPr/>
+        <p:txBody>
+          <a:bodyPr/>
+          <a:lstStyle/>
+          <a:p>
+            <a:r>
+              <a:rPr lang="en-US" smtClean="0"/>
+              <a:t>OOPMS Team</a:t>
+            </a:r>
+            <a:endParaRPr lang="en-US"/>
+          </a:p>
+        </p:txBody>
+      </p:sp>
+      <p:sp>
+        <p:nvSpPr>
+          <p:cNvPr id="5" name="Slide Number Placeholder 4"/>
+          <p:cNvSpPr>
+            <a:spLocks noGrp="1"/>
+          </p:cNvSpPr>
+          <p:nvPr>
+            <p:ph type="sldNum" sz="quarter" idx="12"/>
+          </p:nvPr>
+        </p:nvSpPr>
+        <p:spPr/>
+        <p:txBody>
+          <a:bodyPr/>
+          <a:lstStyle/>
+          <a:p>
+            <a:fld id="{B6F15528-21DE-4FAA-801E-634DDDAF4B2B}" type="slidenum">
+              <a:rPr lang="en-US" smtClean="0"/>
+              <a:pPr/>
+              <a:t>24</a:t>
             </a:fld>
             <a:endParaRPr lang="en-US"/>
           </a:p>
@@ -24434,7 +24727,7 @@
 </p:sld>
 </file>
 
-<file path=ppt/slides/slide24.xml><?xml version="1.0" encoding="utf-8"?>
+<file path=ppt/slides/slide25.xml><?xml version="1.0" encoding="utf-8"?>
 <p:sld xmlns:a="http://schemas.openxmlformats.org/drawingml/2006/main" xmlns:r="http://schemas.openxmlformats.org/officeDocument/2006/relationships" xmlns:p="http://schemas.openxmlformats.org/presentationml/2006/main">
   <p:cSld>
     <p:spTree>
@@ -24553,7 +24846,7 @@
             <a:fld id="{B6F15528-21DE-4FAA-801E-634DDDAF4B2B}" type="slidenum">
               <a:rPr lang="en-US" smtClean="0"/>
               <a:pPr/>
-              <a:t>24</a:t>
+              <a:t>25</a:t>
             </a:fld>
             <a:endParaRPr lang="en-US"/>
           </a:p>
@@ -24695,7 +24988,7 @@
 </p:sld>
 </file>
 
-<file path=ppt/slides/slide25.xml><?xml version="1.0" encoding="utf-8"?>
+<file path=ppt/slides/slide26.xml><?xml version="1.0" encoding="utf-8"?>
 <p:sld xmlns:a="http://schemas.openxmlformats.org/drawingml/2006/main" xmlns:r="http://schemas.openxmlformats.org/officeDocument/2006/relationships" xmlns:p="http://schemas.openxmlformats.org/presentationml/2006/main">
   <p:cSld>
     <p:spTree>
@@ -24730,7 +25023,7 @@
             <a:fld id="{B6F15528-21DE-4FAA-801E-634DDDAF4B2B}" type="slidenum">
               <a:rPr lang="en-US" smtClean="0"/>
               <a:pPr/>
-              <a:t>25</a:t>
+              <a:t>26</a:t>
             </a:fld>
             <a:endParaRPr lang="en-US"/>
           </a:p>
@@ -24855,7 +25148,7 @@
 </p:sld>
 </file>
 
-<file path=ppt/slides/slide26.xml><?xml version="1.0" encoding="utf-8"?>
+<file path=ppt/slides/slide27.xml><?xml version="1.0" encoding="utf-8"?>
 <p:sld xmlns:a="http://schemas.openxmlformats.org/drawingml/2006/main" xmlns:r="http://schemas.openxmlformats.org/officeDocument/2006/relationships" xmlns:p="http://schemas.openxmlformats.org/presentationml/2006/main">
   <p:cSld>
     <p:spTree>
@@ -24890,7 +25183,7 @@
             <a:fld id="{B6F15528-21DE-4FAA-801E-634DDDAF4B2B}" type="slidenum">
               <a:rPr lang="en-US" smtClean="0"/>
               <a:pPr/>
-              <a:t>26</a:t>
+              <a:t>27</a:t>
             </a:fld>
             <a:endParaRPr lang="en-US"/>
           </a:p>
@@ -25138,7 +25431,7 @@
 </p:sld>
 </file>
 
-<file path=ppt/slides/slide27.xml><?xml version="1.0" encoding="utf-8"?>
+<file path=ppt/slides/slide28.xml><?xml version="1.0" encoding="utf-8"?>
 <p:sld xmlns:a="http://schemas.openxmlformats.org/drawingml/2006/main" xmlns:r="http://schemas.openxmlformats.org/officeDocument/2006/relationships" xmlns:p="http://schemas.openxmlformats.org/presentationml/2006/main">
   <p:cSld>
     <p:spTree>
@@ -25351,7 +25644,7 @@
             <a:fld id="{B6F15528-21DE-4FAA-801E-634DDDAF4B2B}" type="slidenum">
               <a:rPr lang="en-US" smtClean="0"/>
               <a:pPr/>
-              <a:t>27</a:t>
+              <a:t>28</a:t>
             </a:fld>
             <a:endParaRPr lang="en-US"/>
           </a:p>
@@ -25428,259 +25721,6 @@
     <p:extLst>
       <p:ext uri="{BB962C8B-B14F-4D97-AF65-F5344CB8AC3E}">
         <p14:creationId xmlns:p14="http://schemas.microsoft.com/office/powerpoint/2010/main" val="3372413595"/>
-      </p:ext>
-    </p:extLst>
-  </p:cSld>
-  <p:clrMapOvr>
-    <a:masterClrMapping/>
-  </p:clrMapOvr>
-  <p:timing>
-    <p:tnLst>
-      <p:par>
-        <p:cTn id="1" dur="indefinite" restart="never" nodeType="tmRoot"/>
-      </p:par>
-    </p:tnLst>
-  </p:timing>
-</p:sld>
-</file>
-
-<file path=ppt/slides/slide28.xml><?xml version="1.0" encoding="utf-8"?>
-<p:sld xmlns:a="http://schemas.openxmlformats.org/drawingml/2006/main" xmlns:r="http://schemas.openxmlformats.org/officeDocument/2006/relationships" xmlns:p="http://schemas.openxmlformats.org/presentationml/2006/main">
-  <p:cSld>
-    <p:spTree>
-      <p:nvGrpSpPr>
-        <p:cNvPr id="1" name=""/>
-        <p:cNvGrpSpPr/>
-        <p:nvPr/>
-      </p:nvGrpSpPr>
-      <p:grpSpPr>
-        <a:xfrm>
-          <a:off x="0" y="0"/>
-          <a:ext cx="0" cy="0"/>
-          <a:chOff x="0" y="0"/>
-          <a:chExt cx="0" cy="0"/>
-        </a:xfrm>
-      </p:grpSpPr>
-      <p:sp>
-        <p:nvSpPr>
-          <p:cNvPr id="7" name="Content Placeholder 6"/>
-          <p:cNvSpPr>
-            <a:spLocks noGrp="1"/>
-          </p:cNvSpPr>
-          <p:nvPr>
-            <p:ph sz="half" idx="1"/>
-          </p:nvPr>
-        </p:nvSpPr>
-        <p:spPr>
-          <a:xfrm>
-            <a:off x="457200" y="1371600"/>
-            <a:ext cx="7620000" cy="4983325"/>
-          </a:xfrm>
-        </p:spPr>
-        <p:txBody>
-          <a:bodyPr>
-            <a:normAutofit fontScale="92500"/>
-          </a:bodyPr>
-          <a:lstStyle/>
-          <a:p>
-            <a:r>
-              <a:rPr lang="en-US" dirty="0" smtClean="0"/>
-              <a:t>Features : support PM in management the budget and expense of the project. Help them make a suitable plan to stay in budget until the end of the project.</a:t>
-            </a:r>
-          </a:p>
-          <a:p>
-            <a:r>
-              <a:rPr lang="en-US" dirty="0" smtClean="0"/>
-              <a:t>The Cost Management include :</a:t>
-            </a:r>
-          </a:p>
-          <a:p>
-            <a:pPr marL="0" indent="0">
-              <a:buNone/>
-            </a:pPr>
-            <a:r>
-              <a:rPr lang="en-US" dirty="0" smtClean="0"/>
-              <a:t>    - Budget</a:t>
-            </a:r>
-          </a:p>
-          <a:p>
-            <a:pPr marL="0" indent="0">
-              <a:buNone/>
-            </a:pPr>
-            <a:r>
-              <a:rPr lang="en-US" dirty="0"/>
-              <a:t> </a:t>
-            </a:r>
-            <a:r>
-              <a:rPr lang="en-US" dirty="0" smtClean="0"/>
-              <a:t>   - Invoice</a:t>
-            </a:r>
-          </a:p>
-          <a:p>
-            <a:pPr marL="0" indent="0">
-              <a:buNone/>
-            </a:pPr>
-            <a:r>
-              <a:rPr lang="en-US" dirty="0"/>
-              <a:t> </a:t>
-            </a:r>
-            <a:r>
-              <a:rPr lang="en-US" dirty="0" smtClean="0"/>
-              <a:t>   - Planner </a:t>
-            </a:r>
-          </a:p>
-          <a:p>
-            <a:pPr marL="0" indent="0">
-              <a:buNone/>
-            </a:pPr>
-            <a:r>
-              <a:rPr lang="en-US" dirty="0"/>
-              <a:t> </a:t>
-            </a:r>
-            <a:r>
-              <a:rPr lang="en-US" dirty="0" smtClean="0"/>
-              <a:t>      + One Time Expense</a:t>
-            </a:r>
-          </a:p>
-          <a:p>
-            <a:pPr marL="0" indent="0">
-              <a:buNone/>
-            </a:pPr>
-            <a:r>
-              <a:rPr lang="en-US" dirty="0"/>
-              <a:t> </a:t>
-            </a:r>
-            <a:r>
-              <a:rPr lang="en-US" dirty="0" smtClean="0"/>
-              <a:t>      + Daily Expense</a:t>
-            </a:r>
-            <a:endParaRPr lang="en-US" dirty="0"/>
-          </a:p>
-          <a:p>
-            <a:pPr marL="0" indent="0">
-              <a:buNone/>
-            </a:pPr>
-            <a:r>
-              <a:rPr lang="en-US" dirty="0" smtClean="0"/>
-              <a:t>    </a:t>
-            </a:r>
-            <a:r>
-              <a:rPr lang="en-US" dirty="0"/>
-              <a:t> </a:t>
-            </a:r>
-            <a:r>
-              <a:rPr lang="en-US" dirty="0" smtClean="0"/>
-              <a:t>  + Exceptional Expense, Exceptional Deduct</a:t>
-            </a:r>
-          </a:p>
-          <a:p>
-            <a:pPr marL="0" indent="0">
-              <a:buNone/>
-            </a:pPr>
-            <a:r>
-              <a:rPr lang="en-US" dirty="0"/>
-              <a:t> </a:t>
-            </a:r>
-            <a:r>
-              <a:rPr lang="en-US" dirty="0" smtClean="0"/>
-              <a:t>      + Type</a:t>
-            </a:r>
-            <a:endParaRPr lang="en-US" dirty="0"/>
-          </a:p>
-          <a:p>
-            <a:pPr marL="0" indent="0">
-              <a:buNone/>
-            </a:pPr>
-            <a:endParaRPr lang="en-US" dirty="0"/>
-          </a:p>
-        </p:txBody>
-      </p:sp>
-      <p:sp>
-        <p:nvSpPr>
-          <p:cNvPr id="4" name="Slide Number Placeholder 3"/>
-          <p:cNvSpPr>
-            <a:spLocks noGrp="1"/>
-          </p:cNvSpPr>
-          <p:nvPr>
-            <p:ph type="sldNum" sz="quarter" idx="12"/>
-          </p:nvPr>
-        </p:nvSpPr>
-        <p:spPr/>
-        <p:txBody>
-          <a:bodyPr/>
-          <a:lstStyle/>
-          <a:p>
-            <a:fld id="{B6F15528-21DE-4FAA-801E-634DDDAF4B2B}" type="slidenum">
-              <a:rPr lang="en-US" smtClean="0"/>
-              <a:pPr/>
-              <a:t>28</a:t>
-            </a:fld>
-            <a:endParaRPr lang="en-US"/>
-          </a:p>
-        </p:txBody>
-      </p:sp>
-      <p:sp>
-        <p:nvSpPr>
-          <p:cNvPr id="5" name="TextBox 4"/>
-          <p:cNvSpPr txBox="1"/>
-          <p:nvPr/>
-        </p:nvSpPr>
-        <p:spPr>
-          <a:xfrm>
-            <a:off x="76200" y="152400"/>
-            <a:ext cx="8382000" cy="707886"/>
-          </a:xfrm>
-          <a:prstGeom prst="rect">
-            <a:avLst/>
-          </a:prstGeom>
-          <a:noFill/>
-        </p:spPr>
-        <p:txBody>
-          <a:bodyPr wrap="square" rtlCol="0">
-            <a:spAutoFit/>
-          </a:bodyPr>
-          <a:lstStyle/>
-          <a:p>
-            <a:r>
-              <a:rPr lang="en-US" sz="4000" dirty="0" smtClean="0">
-                <a:solidFill>
-                  <a:srgbClr val="FFC000"/>
-                </a:solidFill>
-                <a:latin typeface="Adobe Caslon Pro Bold" pitchFamily="18" charset="0"/>
-                <a:ea typeface="Adobe Fan Heiti Std B" pitchFamily="34" charset="-128"/>
-              </a:rPr>
-              <a:t>Cost Management</a:t>
-            </a:r>
-          </a:p>
-        </p:txBody>
-      </p:sp>
-      <p:sp>
-        <p:nvSpPr>
-          <p:cNvPr id="2" name="Footer Placeholder 1"/>
-          <p:cNvSpPr>
-            <a:spLocks noGrp="1"/>
-          </p:cNvSpPr>
-          <p:nvPr>
-            <p:ph type="ftr" sz="quarter" idx="11"/>
-          </p:nvPr>
-        </p:nvSpPr>
-        <p:spPr/>
-        <p:txBody>
-          <a:bodyPr/>
-          <a:lstStyle/>
-          <a:p>
-            <a:r>
-              <a:rPr lang="en-US" smtClean="0"/>
-              <a:t>OOPMS Team</a:t>
-            </a:r>
-            <a:endParaRPr lang="en-US"/>
-          </a:p>
-        </p:txBody>
-      </p:sp>
-    </p:spTree>
-    <p:extLst>
-      <p:ext uri="{BB962C8B-B14F-4D97-AF65-F5344CB8AC3E}">
-        <p14:creationId xmlns:p14="http://schemas.microsoft.com/office/powerpoint/2010/main" val="770219838"/>
       </p:ext>
     </p:extLst>
   </p:cSld>
@@ -25726,20 +25766,119 @@
         </p:nvSpPr>
         <p:spPr>
           <a:xfrm>
-            <a:off x="457200" y="1371601"/>
-            <a:ext cx="7620000" cy="990600"/>
+            <a:off x="457200" y="1371600"/>
+            <a:ext cx="7620000" cy="4983325"/>
           </a:xfrm>
         </p:spPr>
         <p:txBody>
           <a:bodyPr>
-            <a:normAutofit/>
+            <a:normAutofit fontScale="92500"/>
           </a:bodyPr>
           <a:lstStyle/>
           <a:p>
             <a:r>
               <a:rPr lang="en-US" dirty="0" smtClean="0"/>
-              <a:t>Features : allow PM to manage the budget of project. Keep the record of budget.</a:t>
-            </a:r>
+              <a:t>Features : support PM in management the budget and expense of the project. Help them make a suitable plan to stay in budget until the end of the project.</a:t>
+            </a:r>
+          </a:p>
+          <a:p>
+            <a:r>
+              <a:rPr lang="en-US" dirty="0" smtClean="0"/>
+              <a:t>The Cost Management include :</a:t>
+            </a:r>
+          </a:p>
+          <a:p>
+            <a:pPr marL="0" indent="0">
+              <a:buNone/>
+            </a:pPr>
+            <a:r>
+              <a:rPr lang="en-US" dirty="0" smtClean="0"/>
+              <a:t>    - Budget</a:t>
+            </a:r>
+          </a:p>
+          <a:p>
+            <a:pPr marL="0" indent="0">
+              <a:buNone/>
+            </a:pPr>
+            <a:r>
+              <a:rPr lang="en-US" dirty="0"/>
+              <a:t> </a:t>
+            </a:r>
+            <a:r>
+              <a:rPr lang="en-US" dirty="0" smtClean="0"/>
+              <a:t>   - Invoice</a:t>
+            </a:r>
+          </a:p>
+          <a:p>
+            <a:pPr marL="0" indent="0">
+              <a:buNone/>
+            </a:pPr>
+            <a:r>
+              <a:rPr lang="en-US" dirty="0"/>
+              <a:t> </a:t>
+            </a:r>
+            <a:r>
+              <a:rPr lang="en-US" dirty="0" smtClean="0"/>
+              <a:t>   - Planner </a:t>
+            </a:r>
+          </a:p>
+          <a:p>
+            <a:pPr marL="0" indent="0">
+              <a:buNone/>
+            </a:pPr>
+            <a:r>
+              <a:rPr lang="en-US" dirty="0"/>
+              <a:t> </a:t>
+            </a:r>
+            <a:r>
+              <a:rPr lang="en-US" dirty="0" smtClean="0"/>
+              <a:t>      + One Time Expense</a:t>
+            </a:r>
+          </a:p>
+          <a:p>
+            <a:pPr marL="0" indent="0">
+              <a:buNone/>
+            </a:pPr>
+            <a:r>
+              <a:rPr lang="en-US" dirty="0"/>
+              <a:t> </a:t>
+            </a:r>
+            <a:r>
+              <a:rPr lang="en-US" dirty="0" smtClean="0"/>
+              <a:t>      + Daily Expense</a:t>
+            </a:r>
+            <a:endParaRPr lang="en-US" dirty="0"/>
+          </a:p>
+          <a:p>
+            <a:pPr marL="0" indent="0">
+              <a:buNone/>
+            </a:pPr>
+            <a:r>
+              <a:rPr lang="en-US" dirty="0" smtClean="0"/>
+              <a:t>    </a:t>
+            </a:r>
+            <a:r>
+              <a:rPr lang="en-US" dirty="0"/>
+              <a:t> </a:t>
+            </a:r>
+            <a:r>
+              <a:rPr lang="en-US" dirty="0" smtClean="0"/>
+              <a:t>  + Exceptional Expense, Exceptional Deduct</a:t>
+            </a:r>
+          </a:p>
+          <a:p>
+            <a:pPr marL="0" indent="0">
+              <a:buNone/>
+            </a:pPr>
+            <a:r>
+              <a:rPr lang="en-US" dirty="0"/>
+              <a:t> </a:t>
+            </a:r>
+            <a:r>
+              <a:rPr lang="en-US" dirty="0" smtClean="0"/>
+              <a:t>      + Type</a:t>
+            </a:r>
+            <a:endParaRPr lang="en-US" dirty="0"/>
           </a:p>
           <a:p>
             <a:pPr marL="0" indent="0">
@@ -25803,7 +25942,7 @@
                 <a:latin typeface="Adobe Caslon Pro Bold" pitchFamily="18" charset="0"/>
                 <a:ea typeface="Adobe Fan Heiti Std B" pitchFamily="34" charset="-128"/>
               </a:rPr>
-              <a:t>Budget</a:t>
+              <a:t>Cost Management</a:t>
             </a:r>
           </a:p>
         </p:txBody>
@@ -25831,102 +25970,10 @@
           </a:p>
         </p:txBody>
       </p:sp>
-      <p:sp>
-        <p:nvSpPr>
-          <p:cNvPr id="6" name="TextBox 5"/>
-          <p:cNvSpPr txBox="1"/>
-          <p:nvPr/>
-        </p:nvSpPr>
-        <p:spPr>
-          <a:xfrm>
-            <a:off x="228600" y="2590800"/>
-            <a:ext cx="8382000" cy="707886"/>
-          </a:xfrm>
-          <a:prstGeom prst="rect">
-            <a:avLst/>
-          </a:prstGeom>
-          <a:noFill/>
-        </p:spPr>
-        <p:txBody>
-          <a:bodyPr wrap="square" rtlCol="0">
-            <a:spAutoFit/>
-          </a:bodyPr>
-          <a:lstStyle/>
-          <a:p>
-            <a:r>
-              <a:rPr lang="en-US" sz="4000" dirty="0" smtClean="0">
-                <a:solidFill>
-                  <a:srgbClr val="FFC000"/>
-                </a:solidFill>
-                <a:latin typeface="Adobe Caslon Pro Bold" pitchFamily="18" charset="0"/>
-                <a:ea typeface="Adobe Fan Heiti Std B" pitchFamily="34" charset="-128"/>
-              </a:rPr>
-              <a:t>Invoice</a:t>
-            </a:r>
-          </a:p>
-        </p:txBody>
-      </p:sp>
-      <p:sp>
-        <p:nvSpPr>
-          <p:cNvPr id="8" name="Content Placeholder 6"/>
-          <p:cNvSpPr>
-            <a:spLocks noGrp="1"/>
-          </p:cNvSpPr>
-          <p:nvPr>
-            <p:ph sz="half" idx="1"/>
-          </p:nvPr>
-        </p:nvSpPr>
-        <p:spPr>
-          <a:xfrm>
-            <a:off x="609600" y="3298686"/>
-            <a:ext cx="7620000" cy="2797314"/>
-          </a:xfrm>
-        </p:spPr>
-        <p:txBody>
-          <a:bodyPr>
-            <a:normAutofit/>
-          </a:bodyPr>
-          <a:lstStyle/>
-          <a:p>
-            <a:r>
-              <a:rPr lang="en-US" dirty="0" smtClean="0"/>
-              <a:t>Features : </a:t>
-            </a:r>
-          </a:p>
-          <a:p>
-            <a:pPr marL="0" indent="0">
-              <a:buNone/>
-            </a:pPr>
-            <a:r>
-              <a:rPr lang="en-US" dirty="0" smtClean="0"/>
-              <a:t>   - PM can see how much money are actually paid. Keep the record of invoice.</a:t>
-            </a:r>
-          </a:p>
-          <a:p>
-            <a:pPr marL="0" indent="0">
-              <a:buNone/>
-            </a:pPr>
-            <a:r>
-              <a:rPr lang="en-US" dirty="0"/>
-              <a:t> </a:t>
-            </a:r>
-            <a:r>
-              <a:rPr lang="en-US" dirty="0" smtClean="0"/>
-              <a:t>  - Export the invoice report to excel.</a:t>
-            </a:r>
-          </a:p>
-          <a:p>
-            <a:pPr marL="0" indent="0">
-              <a:buNone/>
-            </a:pPr>
-            <a:endParaRPr lang="en-US" dirty="0"/>
-          </a:p>
-        </p:txBody>
-      </p:sp>
     </p:spTree>
     <p:extLst>
       <p:ext uri="{BB962C8B-B14F-4D97-AF65-F5344CB8AC3E}">
-        <p14:creationId xmlns:p14="http://schemas.microsoft.com/office/powerpoint/2010/main" val="3343627797"/>
+        <p14:creationId xmlns:p14="http://schemas.microsoft.com/office/powerpoint/2010/main" val="770219838"/>
       </p:ext>
     </p:extLst>
   </p:cSld>
@@ -30750,8 +30797,8 @@
         </p:nvSpPr>
         <p:spPr>
           <a:xfrm>
-            <a:off x="457200" y="1371600"/>
-            <a:ext cx="7620000" cy="4800599"/>
+            <a:off x="457200" y="1371601"/>
+            <a:ext cx="7620000" cy="990600"/>
           </a:xfrm>
         </p:spPr>
         <p:txBody>
@@ -30762,41 +30809,7 @@
           <a:p>
             <a:r>
               <a:rPr lang="en-US" dirty="0" smtClean="0"/>
-              <a:t>Features : </a:t>
-            </a:r>
-          </a:p>
-          <a:p>
-            <a:pPr marL="0" indent="0">
-              <a:buNone/>
-            </a:pPr>
-            <a:r>
-              <a:rPr lang="en-US" dirty="0"/>
-              <a:t> </a:t>
-            </a:r>
-            <a:r>
-              <a:rPr lang="en-US" dirty="0" smtClean="0"/>
-              <a:t> - Manage the expense that happen once in the project. (money use to buy equipment, pay bill, …</a:t>
-            </a:r>
-            <a:r>
-              <a:rPr lang="en-US" dirty="0" err="1" smtClean="0"/>
-              <a:t>v.v</a:t>
-            </a:r>
-            <a:r>
-              <a:rPr lang="en-US" dirty="0" smtClean="0"/>
-              <a:t>)</a:t>
-            </a:r>
-          </a:p>
-          <a:p>
-            <a:pPr marL="0" indent="0">
-              <a:buNone/>
-            </a:pPr>
-            <a:r>
-              <a:rPr lang="en-US" dirty="0"/>
-              <a:t>  </a:t>
-            </a:r>
-            <a:r>
-              <a:rPr lang="en-US" dirty="0" smtClean="0"/>
-              <a:t>- Have pay function to send the expense to invoice.</a:t>
+              <a:t>Features : allow PM to manage the budget of project. Keep the record of budget.</a:t>
             </a:r>
           </a:p>
           <a:p>
@@ -30861,7 +30874,7 @@
                 <a:latin typeface="Adobe Caslon Pro Bold" pitchFamily="18" charset="0"/>
                 <a:ea typeface="Adobe Fan Heiti Std B" pitchFamily="34" charset="-128"/>
               </a:rPr>
-              <a:t>One Time Expense</a:t>
+              <a:t>Budget</a:t>
             </a:r>
           </a:p>
         </p:txBody>
@@ -30889,10 +30902,102 @@
           </a:p>
         </p:txBody>
       </p:sp>
+      <p:sp>
+        <p:nvSpPr>
+          <p:cNvPr id="6" name="TextBox 5"/>
+          <p:cNvSpPr txBox="1"/>
+          <p:nvPr/>
+        </p:nvSpPr>
+        <p:spPr>
+          <a:xfrm>
+            <a:off x="228600" y="2590800"/>
+            <a:ext cx="8382000" cy="707886"/>
+          </a:xfrm>
+          <a:prstGeom prst="rect">
+            <a:avLst/>
+          </a:prstGeom>
+          <a:noFill/>
+        </p:spPr>
+        <p:txBody>
+          <a:bodyPr wrap="square" rtlCol="0">
+            <a:spAutoFit/>
+          </a:bodyPr>
+          <a:lstStyle/>
+          <a:p>
+            <a:r>
+              <a:rPr lang="en-US" sz="4000" dirty="0" smtClean="0">
+                <a:solidFill>
+                  <a:srgbClr val="FFC000"/>
+                </a:solidFill>
+                <a:latin typeface="Adobe Caslon Pro Bold" pitchFamily="18" charset="0"/>
+                <a:ea typeface="Adobe Fan Heiti Std B" pitchFamily="34" charset="-128"/>
+              </a:rPr>
+              <a:t>Invoice</a:t>
+            </a:r>
+          </a:p>
+        </p:txBody>
+      </p:sp>
+      <p:sp>
+        <p:nvSpPr>
+          <p:cNvPr id="8" name="Content Placeholder 6"/>
+          <p:cNvSpPr>
+            <a:spLocks noGrp="1"/>
+          </p:cNvSpPr>
+          <p:nvPr>
+            <p:ph sz="half" idx="1"/>
+          </p:nvPr>
+        </p:nvSpPr>
+        <p:spPr>
+          <a:xfrm>
+            <a:off x="609600" y="3298686"/>
+            <a:ext cx="7620000" cy="2797314"/>
+          </a:xfrm>
+        </p:spPr>
+        <p:txBody>
+          <a:bodyPr>
+            <a:normAutofit/>
+          </a:bodyPr>
+          <a:lstStyle/>
+          <a:p>
+            <a:r>
+              <a:rPr lang="en-US" dirty="0" smtClean="0"/>
+              <a:t>Features : </a:t>
+            </a:r>
+          </a:p>
+          <a:p>
+            <a:pPr marL="0" indent="0">
+              <a:buNone/>
+            </a:pPr>
+            <a:r>
+              <a:rPr lang="en-US" dirty="0" smtClean="0"/>
+              <a:t>   - PM can see how much money are actually paid. Keep the record of invoice.</a:t>
+            </a:r>
+          </a:p>
+          <a:p>
+            <a:pPr marL="0" indent="0">
+              <a:buNone/>
+            </a:pPr>
+            <a:r>
+              <a:rPr lang="en-US" dirty="0"/>
+              <a:t> </a:t>
+            </a:r>
+            <a:r>
+              <a:rPr lang="en-US" dirty="0" smtClean="0"/>
+              <a:t>  - Export the invoice report to excel.</a:t>
+            </a:r>
+          </a:p>
+          <a:p>
+            <a:pPr marL="0" indent="0">
+              <a:buNone/>
+            </a:pPr>
+            <a:endParaRPr lang="en-US" dirty="0"/>
+          </a:p>
+        </p:txBody>
+      </p:sp>
     </p:spTree>
     <p:extLst>
       <p:ext uri="{BB962C8B-B14F-4D97-AF65-F5344CB8AC3E}">
-        <p14:creationId xmlns:p14="http://schemas.microsoft.com/office/powerpoint/2010/main" val="16335065"/>
+        <p14:creationId xmlns:p14="http://schemas.microsoft.com/office/powerpoint/2010/main" val="3343627797"/>
       </p:ext>
     </p:extLst>
   </p:cSld>
@@ -30928,12 +31033,81 @@
       </p:grpSpPr>
       <p:sp>
         <p:nvSpPr>
-          <p:cNvPr id="2" name="Title 1"/>
+          <p:cNvPr id="7" name="Content Placeholder 6"/>
           <p:cNvSpPr>
             <a:spLocks noGrp="1"/>
           </p:cNvSpPr>
           <p:nvPr>
-            <p:ph type="title"/>
+            <p:ph sz="half" idx="1"/>
+          </p:nvPr>
+        </p:nvSpPr>
+        <p:spPr>
+          <a:xfrm>
+            <a:off x="457200" y="1371600"/>
+            <a:ext cx="7620000" cy="4800599"/>
+          </a:xfrm>
+        </p:spPr>
+        <p:txBody>
+          <a:bodyPr>
+            <a:normAutofit/>
+          </a:bodyPr>
+          <a:lstStyle/>
+          <a:p>
+            <a:r>
+              <a:rPr lang="en-US" dirty="0" smtClean="0"/>
+              <a:t>Features : </a:t>
+            </a:r>
+          </a:p>
+          <a:p>
+            <a:pPr marL="0" indent="0">
+              <a:buNone/>
+            </a:pPr>
+            <a:r>
+              <a:rPr lang="en-US" dirty="0"/>
+              <a:t> </a:t>
+            </a:r>
+            <a:r>
+              <a:rPr lang="en-US" dirty="0" smtClean="0"/>
+              <a:t> - Manage the expense that happen once in the project. (money use to buy equipment, pay bill, …</a:t>
+            </a:r>
+            <a:r>
+              <a:rPr lang="en-US" dirty="0" err="1" smtClean="0"/>
+              <a:t>v.v</a:t>
+            </a:r>
+            <a:r>
+              <a:rPr lang="en-US" dirty="0" smtClean="0"/>
+              <a:t>)</a:t>
+            </a:r>
+          </a:p>
+          <a:p>
+            <a:pPr marL="0" indent="0">
+              <a:buNone/>
+            </a:pPr>
+            <a:r>
+              <a:rPr lang="en-US" dirty="0"/>
+              <a:t>  </a:t>
+            </a:r>
+            <a:r>
+              <a:rPr lang="en-US" dirty="0" smtClean="0"/>
+              <a:t>- Have pay function to send the expense to invoice.</a:t>
+            </a:r>
+          </a:p>
+          <a:p>
+            <a:pPr marL="0" indent="0">
+              <a:buNone/>
+            </a:pPr>
+            <a:endParaRPr lang="en-US" dirty="0"/>
+          </a:p>
+        </p:txBody>
+      </p:sp>
+      <p:sp>
+        <p:nvSpPr>
+          <p:cNvPr id="4" name="Slide Number Placeholder 3"/>
+          <p:cNvSpPr>
+            <a:spLocks noGrp="1"/>
+          </p:cNvSpPr>
+          <p:nvPr>
+            <p:ph type="sldNum" sz="quarter" idx="12"/>
           </p:nvPr>
         </p:nvSpPr>
         <p:spPr/>
@@ -30941,22 +31115,58 @@
           <a:bodyPr/>
           <a:lstStyle/>
           <a:p>
-            <a:r>
-              <a:rPr lang="en-US" dirty="0" smtClean="0"/>
-              <a:t>Brief Description of Planner	</a:t>
-            </a:r>
-            <a:endParaRPr lang="en-US" dirty="0"/>
+            <a:fld id="{B6F15528-21DE-4FAA-801E-634DDDAF4B2B}" type="slidenum">
+              <a:rPr lang="en-US" smtClean="0"/>
+              <a:pPr/>
+              <a:t>31</a:t>
+            </a:fld>
+            <a:endParaRPr lang="en-US"/>
           </a:p>
         </p:txBody>
       </p:sp>
       <p:sp>
         <p:nvSpPr>
-          <p:cNvPr id="3" name="Content Placeholder 2"/>
+          <p:cNvPr id="5" name="TextBox 4"/>
+          <p:cNvSpPr txBox="1"/>
+          <p:nvPr/>
+        </p:nvSpPr>
+        <p:spPr>
+          <a:xfrm>
+            <a:off x="76200" y="152400"/>
+            <a:ext cx="8382000" cy="707886"/>
+          </a:xfrm>
+          <a:prstGeom prst="rect">
+            <a:avLst/>
+          </a:prstGeom>
+          <a:noFill/>
+        </p:spPr>
+        <p:txBody>
+          <a:bodyPr wrap="square" rtlCol="0">
+            <a:spAutoFit/>
+          </a:bodyPr>
+          <a:lstStyle/>
+          <a:p>
+            <a:r>
+              <a:rPr lang="en-US" sz="4000" dirty="0" smtClean="0">
+                <a:solidFill>
+                  <a:srgbClr val="FFC000"/>
+                </a:solidFill>
+                <a:latin typeface="Adobe Caslon Pro Bold" pitchFamily="18" charset="0"/>
+                <a:ea typeface="Adobe Fan Heiti Std B" pitchFamily="34" charset="-128"/>
+              </a:rPr>
+              <a:t>One Time Expense</a:t>
+            </a:r>
+          </a:p>
+        </p:txBody>
+      </p:sp>
+      <p:sp>
+        <p:nvSpPr>
+          <p:cNvPr id="2" name="Footer Placeholder 1"/>
           <p:cNvSpPr>
             <a:spLocks noGrp="1"/>
           </p:cNvSpPr>
           <p:nvPr>
-            <p:ph idx="1"/>
+            <p:ph type="ftr" sz="quarter" idx="11"/>
           </p:nvPr>
         </p:nvSpPr>
         <p:spPr/>
@@ -30965,45 +31175,17 @@
           <a:lstStyle/>
           <a:p>
             <a:r>
-              <a:rPr lang="en-US" dirty="0" smtClean="0"/>
-              <a:t>Planner supports user </a:t>
-            </a:r>
-            <a:r>
-              <a:rPr lang="en-US" b="1" dirty="0" smtClean="0"/>
-              <a:t>to manage tasks in a project</a:t>
-            </a:r>
-            <a:r>
-              <a:rPr lang="en-US" dirty="0" smtClean="0"/>
-              <a:t>.</a:t>
-            </a:r>
-          </a:p>
-          <a:p>
-            <a:r>
-              <a:rPr lang="en-US" b="1" dirty="0" smtClean="0"/>
-              <a:t>Project Manage </a:t>
-            </a:r>
-            <a:r>
-              <a:rPr lang="en-US" dirty="0" smtClean="0"/>
-              <a:t>has most rights to control Planner.</a:t>
-            </a:r>
-          </a:p>
-          <a:p>
-            <a:r>
-              <a:rPr lang="en-US" b="1" dirty="0" smtClean="0"/>
-              <a:t>Team members </a:t>
-            </a:r>
-            <a:r>
-              <a:rPr lang="en-US" dirty="0" smtClean="0"/>
-              <a:t>just can view tasks which they were assigned.</a:t>
-            </a:r>
-            <a:endParaRPr lang="en-US" dirty="0"/>
+              <a:rPr lang="en-US" smtClean="0"/>
+              <a:t>OOPMS Team</a:t>
+            </a:r>
+            <a:endParaRPr lang="en-US"/>
           </a:p>
         </p:txBody>
       </p:sp>
     </p:spTree>
     <p:extLst>
       <p:ext uri="{BB962C8B-B14F-4D97-AF65-F5344CB8AC3E}">
-        <p14:creationId xmlns:p14="http://schemas.microsoft.com/office/powerpoint/2010/main" val="826463079"/>
+        <p14:creationId xmlns:p14="http://schemas.microsoft.com/office/powerpoint/2010/main" val="16335065"/>
       </p:ext>
     </p:extLst>
   </p:cSld>
@@ -31054,6 +31236,117 @@
           <a:p>
             <a:r>
               <a:rPr lang="en-US" dirty="0" smtClean="0"/>
+              <a:t>Brief Description of Planner	</a:t>
+            </a:r>
+            <a:endParaRPr lang="en-US" dirty="0"/>
+          </a:p>
+        </p:txBody>
+      </p:sp>
+      <p:sp>
+        <p:nvSpPr>
+          <p:cNvPr id="3" name="Content Placeholder 2"/>
+          <p:cNvSpPr>
+            <a:spLocks noGrp="1"/>
+          </p:cNvSpPr>
+          <p:nvPr>
+            <p:ph idx="1"/>
+          </p:nvPr>
+        </p:nvSpPr>
+        <p:spPr/>
+        <p:txBody>
+          <a:bodyPr/>
+          <a:lstStyle/>
+          <a:p>
+            <a:r>
+              <a:rPr lang="en-US" dirty="0" smtClean="0"/>
+              <a:t>Planner supports user </a:t>
+            </a:r>
+            <a:r>
+              <a:rPr lang="en-US" b="1" dirty="0" smtClean="0"/>
+              <a:t>to manage tasks in a project</a:t>
+            </a:r>
+            <a:r>
+              <a:rPr lang="en-US" dirty="0" smtClean="0"/>
+              <a:t>.</a:t>
+            </a:r>
+          </a:p>
+          <a:p>
+            <a:r>
+              <a:rPr lang="en-US" b="1" dirty="0" smtClean="0"/>
+              <a:t>Project Manage </a:t>
+            </a:r>
+            <a:r>
+              <a:rPr lang="en-US" dirty="0" smtClean="0"/>
+              <a:t>has most rights to control Planner.</a:t>
+            </a:r>
+          </a:p>
+          <a:p>
+            <a:r>
+              <a:rPr lang="en-US" b="1" dirty="0" smtClean="0"/>
+              <a:t>Team members </a:t>
+            </a:r>
+            <a:r>
+              <a:rPr lang="en-US" dirty="0" smtClean="0"/>
+              <a:t>just can view tasks which they were assigned.</a:t>
+            </a:r>
+            <a:endParaRPr lang="en-US" dirty="0"/>
+          </a:p>
+        </p:txBody>
+      </p:sp>
+    </p:spTree>
+    <p:extLst>
+      <p:ext uri="{BB962C8B-B14F-4D97-AF65-F5344CB8AC3E}">
+        <p14:creationId xmlns:p14="http://schemas.microsoft.com/office/powerpoint/2010/main" val="826463079"/>
+      </p:ext>
+    </p:extLst>
+  </p:cSld>
+  <p:clrMapOvr>
+    <a:masterClrMapping/>
+  </p:clrMapOvr>
+  <p:timing>
+    <p:tnLst>
+      <p:par>
+        <p:cTn id="1" dur="indefinite" restart="never" nodeType="tmRoot"/>
+      </p:par>
+    </p:tnLst>
+  </p:timing>
+</p:sld>
+</file>
+
+<file path=ppt/slides/slide33.xml><?xml version="1.0" encoding="utf-8"?>
+<p:sld xmlns:a="http://schemas.openxmlformats.org/drawingml/2006/main" xmlns:r="http://schemas.openxmlformats.org/officeDocument/2006/relationships" xmlns:p="http://schemas.openxmlformats.org/presentationml/2006/main">
+  <p:cSld>
+    <p:spTree>
+      <p:nvGrpSpPr>
+        <p:cNvPr id="1" name=""/>
+        <p:cNvGrpSpPr/>
+        <p:nvPr/>
+      </p:nvGrpSpPr>
+      <p:grpSpPr>
+        <a:xfrm>
+          <a:off x="0" y="0"/>
+          <a:ext cx="0" cy="0"/>
+          <a:chOff x="0" y="0"/>
+          <a:chExt cx="0" cy="0"/>
+        </a:xfrm>
+      </p:grpSpPr>
+      <p:sp>
+        <p:nvSpPr>
+          <p:cNvPr id="2" name="Title 1"/>
+          <p:cNvSpPr>
+            <a:spLocks noGrp="1"/>
+          </p:cNvSpPr>
+          <p:nvPr>
+            <p:ph type="title"/>
+          </p:nvPr>
+        </p:nvSpPr>
+        <p:spPr/>
+        <p:txBody>
+          <a:bodyPr/>
+          <a:lstStyle/>
+          <a:p>
+            <a:r>
+              <a:rPr lang="en-US" dirty="0" smtClean="0"/>
               <a:t>Salient features </a:t>
             </a:r>
             <a:endParaRPr lang="en-US" dirty="0"/>
@@ -31147,7 +31440,7 @@
 </p:sld>
 </file>
 
-<file path=ppt/slides/slide33.xml><?xml version="1.0" encoding="utf-8"?>
+<file path=ppt/slides/slide34.xml><?xml version="1.0" encoding="utf-8"?>
 <p:sld xmlns:a="http://schemas.openxmlformats.org/drawingml/2006/main" xmlns:r="http://schemas.openxmlformats.org/officeDocument/2006/relationships" xmlns:p="http://schemas.openxmlformats.org/presentationml/2006/main">
   <p:cSld>
     <p:spTree>
@@ -31318,131 +31611,6 @@
 </p:sld>
 </file>
 
-<file path=ppt/slides/slide34.xml><?xml version="1.0" encoding="utf-8"?>
-<p:sld xmlns:a="http://schemas.openxmlformats.org/drawingml/2006/main" xmlns:r="http://schemas.openxmlformats.org/officeDocument/2006/relationships" xmlns:p="http://schemas.openxmlformats.org/presentationml/2006/main">
-  <p:cSld>
-    <p:spTree>
-      <p:nvGrpSpPr>
-        <p:cNvPr id="1" name=""/>
-        <p:cNvGrpSpPr/>
-        <p:nvPr/>
-      </p:nvGrpSpPr>
-      <p:grpSpPr>
-        <a:xfrm>
-          <a:off x="0" y="0"/>
-          <a:ext cx="0" cy="0"/>
-          <a:chOff x="0" y="0"/>
-          <a:chExt cx="0" cy="0"/>
-        </a:xfrm>
-      </p:grpSpPr>
-      <p:sp>
-        <p:nvSpPr>
-          <p:cNvPr id="2" name="Title 1"/>
-          <p:cNvSpPr>
-            <a:spLocks noGrp="1"/>
-          </p:cNvSpPr>
-          <p:nvPr>
-            <p:ph type="title"/>
-          </p:nvPr>
-        </p:nvSpPr>
-        <p:spPr/>
-        <p:txBody>
-          <a:bodyPr/>
-          <a:lstStyle/>
-          <a:p>
-            <a:r>
-              <a:rPr lang="en-US" dirty="0" smtClean="0"/>
-              <a:t>Brief Description of Dashboard</a:t>
-            </a:r>
-            <a:endParaRPr lang="en-US" dirty="0"/>
-          </a:p>
-        </p:txBody>
-      </p:sp>
-      <p:sp>
-        <p:nvSpPr>
-          <p:cNvPr id="3" name="Content Placeholder 2"/>
-          <p:cNvSpPr>
-            <a:spLocks noGrp="1"/>
-          </p:cNvSpPr>
-          <p:nvPr>
-            <p:ph idx="1"/>
-          </p:nvPr>
-        </p:nvSpPr>
-        <p:spPr/>
-        <p:txBody>
-          <a:bodyPr/>
-          <a:lstStyle/>
-          <a:p>
-            <a:r>
-              <a:rPr lang="en-US" dirty="0" smtClean="0"/>
-              <a:t>Show statuses of projects which belong to user, include:</a:t>
-            </a:r>
-          </a:p>
-          <a:p>
-            <a:pPr lvl="1"/>
-            <a:r>
-              <a:rPr lang="en-US" b="1" dirty="0" smtClean="0"/>
-              <a:t>Project Health</a:t>
-            </a:r>
-          </a:p>
-          <a:p>
-            <a:pPr lvl="1"/>
-            <a:r>
-              <a:rPr lang="en-US" b="1" dirty="0" smtClean="0"/>
-              <a:t>Passing time</a:t>
-            </a:r>
-          </a:p>
-          <a:p>
-            <a:pPr lvl="1"/>
-            <a:r>
-              <a:rPr lang="en-US" b="1" dirty="0" smtClean="0"/>
-              <a:t>Progress</a:t>
-            </a:r>
-          </a:p>
-          <a:p>
-            <a:pPr lvl="1"/>
-            <a:r>
-              <a:rPr lang="en-US" b="1" dirty="0" smtClean="0"/>
-              <a:t>Efficiency</a:t>
-            </a:r>
-          </a:p>
-          <a:p>
-            <a:pPr lvl="1"/>
-            <a:r>
-              <a:rPr lang="en-US" b="1" dirty="0" smtClean="0"/>
-              <a:t>Cost</a:t>
-            </a:r>
-          </a:p>
-          <a:p>
-            <a:pPr lvl="1"/>
-            <a:r>
-              <a:rPr lang="en-US" b="1" dirty="0" smtClean="0"/>
-              <a:t>Used Effort</a:t>
-            </a:r>
-            <a:endParaRPr lang="en-US" b="1" dirty="0"/>
-          </a:p>
-        </p:txBody>
-      </p:sp>
-    </p:spTree>
-    <p:extLst>
-      <p:ext uri="{BB962C8B-B14F-4D97-AF65-F5344CB8AC3E}">
-        <p14:creationId xmlns:p14="http://schemas.microsoft.com/office/powerpoint/2010/main" val="1054040105"/>
-      </p:ext>
-    </p:extLst>
-  </p:cSld>
-  <p:clrMapOvr>
-    <a:masterClrMapping/>
-  </p:clrMapOvr>
-  <p:timing>
-    <p:tnLst>
-      <p:par>
-        <p:cTn id="1" dur="indefinite" restart="never" nodeType="tmRoot"/>
-      </p:par>
-    </p:tnLst>
-  </p:timing>
-</p:sld>
-</file>
-
 <file path=ppt/slides/slide35.xml><?xml version="1.0" encoding="utf-8"?>
 <p:sld xmlns:a="http://schemas.openxmlformats.org/drawingml/2006/main" xmlns:r="http://schemas.openxmlformats.org/officeDocument/2006/relationships" xmlns:p="http://schemas.openxmlformats.org/presentationml/2006/main">
   <p:cSld>
@@ -31477,7 +31645,7 @@
           <a:p>
             <a:r>
               <a:rPr lang="en-US" dirty="0" smtClean="0"/>
-              <a:t>Salient features </a:t>
+              <a:t>Brief Description of Dashboard</a:t>
             </a:r>
             <a:endParaRPr lang="en-US" dirty="0"/>
           </a:p>
@@ -31499,65 +31667,59 @@
           <a:lstStyle/>
           <a:p>
             <a:r>
+              <a:rPr lang="en-US" dirty="0" smtClean="0"/>
+              <a:t>Show statuses of projects which belong to user, include:</a:t>
+            </a:r>
+          </a:p>
+          <a:p>
+            <a:pPr lvl="1"/>
+            <a:r>
+              <a:rPr lang="en-US" b="1" dirty="0" smtClean="0"/>
+              <a:t>Project Health</a:t>
+            </a:r>
+          </a:p>
+          <a:p>
+            <a:pPr lvl="1"/>
+            <a:r>
+              <a:rPr lang="en-US" b="1" dirty="0" smtClean="0"/>
+              <a:t>Passing time</a:t>
+            </a:r>
+          </a:p>
+          <a:p>
+            <a:pPr lvl="1"/>
+            <a:r>
               <a:rPr lang="en-US" b="1" dirty="0" smtClean="0"/>
               <a:t>Progress</a:t>
             </a:r>
-            <a:r>
-              <a:rPr lang="en-US" dirty="0" smtClean="0"/>
-              <a:t> presents percent completed of a project; shall be </a:t>
-            </a:r>
-            <a:r>
-              <a:rPr lang="en-US" b="1" dirty="0" smtClean="0"/>
-              <a:t>alerted when project in dangerous stage</a:t>
-            </a:r>
-            <a:r>
-              <a:rPr lang="en-US" dirty="0" smtClean="0"/>
-              <a:t>.</a:t>
-            </a:r>
-          </a:p>
-          <a:p>
+          </a:p>
+          <a:p>
+            <a:pPr lvl="1"/>
             <a:r>
               <a:rPr lang="en-US" b="1" dirty="0" smtClean="0"/>
               <a:t>Efficiency</a:t>
             </a:r>
-            <a:r>
-              <a:rPr lang="en-US" dirty="0" smtClean="0"/>
-              <a:t> present work productivity of team members; shall be </a:t>
-            </a:r>
-            <a:r>
-              <a:rPr lang="en-US" b="1" dirty="0" smtClean="0"/>
-              <a:t>alerted when productivity lower expected work done </a:t>
-            </a:r>
-            <a:r>
-              <a:rPr lang="en-US" dirty="0" smtClean="0"/>
-              <a:t>at current time.</a:t>
-            </a:r>
-          </a:p>
-          <a:p>
+          </a:p>
+          <a:p>
+            <a:pPr lvl="1"/>
             <a:r>
               <a:rPr lang="en-US" b="1" dirty="0" smtClean="0"/>
               <a:t>Cost</a:t>
             </a:r>
-            <a:r>
-              <a:rPr lang="en-US" dirty="0" smtClean="0"/>
-              <a:t> present status of budget; shall be </a:t>
-            </a:r>
+          </a:p>
+          <a:p>
+            <a:pPr lvl="1"/>
             <a:r>
               <a:rPr lang="en-US" b="1" dirty="0" smtClean="0"/>
-              <a:t>alerted when over budget</a:t>
-            </a:r>
-            <a:r>
-              <a:rPr lang="en-US" dirty="0" smtClean="0"/>
-              <a:t>.</a:t>
-            </a:r>
-            <a:endParaRPr lang="en-US" dirty="0"/>
+              <a:t>Used Effort</a:t>
+            </a:r>
+            <a:endParaRPr lang="en-US" b="1" dirty="0"/>
           </a:p>
         </p:txBody>
       </p:sp>
     </p:spTree>
     <p:extLst>
       <p:ext uri="{BB962C8B-B14F-4D97-AF65-F5344CB8AC3E}">
-        <p14:creationId xmlns:p14="http://schemas.microsoft.com/office/powerpoint/2010/main" val="4115785231"/>
+        <p14:creationId xmlns:p14="http://schemas.microsoft.com/office/powerpoint/2010/main" val="1054040105"/>
       </p:ext>
     </p:extLst>
   </p:cSld>
@@ -31631,6 +31793,137 @@
           <a:p>
             <a:r>
               <a:rPr lang="en-US" b="1" dirty="0" smtClean="0"/>
+              <a:t>Progress</a:t>
+            </a:r>
+            <a:r>
+              <a:rPr lang="en-US" dirty="0" smtClean="0"/>
+              <a:t> presents percent completed of a project; shall be </a:t>
+            </a:r>
+            <a:r>
+              <a:rPr lang="en-US" b="1" dirty="0" smtClean="0"/>
+              <a:t>alerted when project in dangerous stage</a:t>
+            </a:r>
+            <a:r>
+              <a:rPr lang="en-US" dirty="0" smtClean="0"/>
+              <a:t>.</a:t>
+            </a:r>
+          </a:p>
+          <a:p>
+            <a:r>
+              <a:rPr lang="en-US" b="1" dirty="0" smtClean="0"/>
+              <a:t>Efficiency</a:t>
+            </a:r>
+            <a:r>
+              <a:rPr lang="en-US" dirty="0" smtClean="0"/>
+              <a:t> present work productivity of team members; shall be </a:t>
+            </a:r>
+            <a:r>
+              <a:rPr lang="en-US" b="1" dirty="0" smtClean="0"/>
+              <a:t>alerted when productivity lower expected work done </a:t>
+            </a:r>
+            <a:r>
+              <a:rPr lang="en-US" dirty="0" smtClean="0"/>
+              <a:t>at current time.</a:t>
+            </a:r>
+          </a:p>
+          <a:p>
+            <a:r>
+              <a:rPr lang="en-US" b="1" dirty="0" smtClean="0"/>
+              <a:t>Cost</a:t>
+            </a:r>
+            <a:r>
+              <a:rPr lang="en-US" dirty="0" smtClean="0"/>
+              <a:t> present status of budget; shall be </a:t>
+            </a:r>
+            <a:r>
+              <a:rPr lang="en-US" b="1" dirty="0" smtClean="0"/>
+              <a:t>alerted when over budget</a:t>
+            </a:r>
+            <a:r>
+              <a:rPr lang="en-US" dirty="0" smtClean="0"/>
+              <a:t>.</a:t>
+            </a:r>
+            <a:endParaRPr lang="en-US" dirty="0"/>
+          </a:p>
+        </p:txBody>
+      </p:sp>
+    </p:spTree>
+    <p:extLst>
+      <p:ext uri="{BB962C8B-B14F-4D97-AF65-F5344CB8AC3E}">
+        <p14:creationId xmlns:p14="http://schemas.microsoft.com/office/powerpoint/2010/main" val="4115785231"/>
+      </p:ext>
+    </p:extLst>
+  </p:cSld>
+  <p:clrMapOvr>
+    <a:masterClrMapping/>
+  </p:clrMapOvr>
+  <p:timing>
+    <p:tnLst>
+      <p:par>
+        <p:cTn id="1" dur="indefinite" restart="never" nodeType="tmRoot"/>
+      </p:par>
+    </p:tnLst>
+  </p:timing>
+</p:sld>
+</file>
+
+<file path=ppt/slides/slide37.xml><?xml version="1.0" encoding="utf-8"?>
+<p:sld xmlns:a="http://schemas.openxmlformats.org/drawingml/2006/main" xmlns:r="http://schemas.openxmlformats.org/officeDocument/2006/relationships" xmlns:p="http://schemas.openxmlformats.org/presentationml/2006/main">
+  <p:cSld>
+    <p:spTree>
+      <p:nvGrpSpPr>
+        <p:cNvPr id="1" name=""/>
+        <p:cNvGrpSpPr/>
+        <p:nvPr/>
+      </p:nvGrpSpPr>
+      <p:grpSpPr>
+        <a:xfrm>
+          <a:off x="0" y="0"/>
+          <a:ext cx="0" cy="0"/>
+          <a:chOff x="0" y="0"/>
+          <a:chExt cx="0" cy="0"/>
+        </a:xfrm>
+      </p:grpSpPr>
+      <p:sp>
+        <p:nvSpPr>
+          <p:cNvPr id="2" name="Title 1"/>
+          <p:cNvSpPr>
+            <a:spLocks noGrp="1"/>
+          </p:cNvSpPr>
+          <p:nvPr>
+            <p:ph type="title"/>
+          </p:nvPr>
+        </p:nvSpPr>
+        <p:spPr/>
+        <p:txBody>
+          <a:bodyPr/>
+          <a:lstStyle/>
+          <a:p>
+            <a:r>
+              <a:rPr lang="en-US" dirty="0" smtClean="0"/>
+              <a:t>Salient features </a:t>
+            </a:r>
+            <a:endParaRPr lang="en-US" dirty="0"/>
+          </a:p>
+        </p:txBody>
+      </p:sp>
+      <p:sp>
+        <p:nvSpPr>
+          <p:cNvPr id="3" name="Content Placeholder 2"/>
+          <p:cNvSpPr>
+            <a:spLocks noGrp="1"/>
+          </p:cNvSpPr>
+          <p:nvPr>
+            <p:ph idx="1"/>
+          </p:nvPr>
+        </p:nvSpPr>
+        <p:spPr/>
+        <p:txBody>
+          <a:bodyPr/>
+          <a:lstStyle/>
+          <a:p>
+            <a:r>
+              <a:rPr lang="en-US" b="1" dirty="0" smtClean="0"/>
               <a:t>Used Effort </a:t>
             </a:r>
             <a:r>
@@ -31683,7 +31976,7 @@
 </p:sld>
 </file>
 
-<file path=ppt/slides/slide37.xml><?xml version="1.0" encoding="utf-8"?>
+<file path=ppt/slides/slide38.xml><?xml version="1.0" encoding="utf-8"?>
 <p:sld xmlns:a="http://schemas.openxmlformats.org/drawingml/2006/main" xmlns:r="http://schemas.openxmlformats.org/officeDocument/2006/relationships" xmlns:p="http://schemas.openxmlformats.org/presentationml/2006/main">
   <p:cSld>
     <p:spTree>
@@ -31781,7 +32074,7 @@
 </p:sld>
 </file>
 
-<file path=ppt/slides/slide38.xml><?xml version="1.0" encoding="utf-8"?>
+<file path=ppt/slides/slide39.xml><?xml version="1.0" encoding="utf-8"?>
 <p:sld xmlns:a="http://schemas.openxmlformats.org/drawingml/2006/main" xmlns:r="http://schemas.openxmlformats.org/officeDocument/2006/relationships" xmlns:p="http://schemas.openxmlformats.org/presentationml/2006/main">
   <p:cSld>
     <p:spTree>
@@ -31900,7 +32193,7 @@
             <a:fld id="{B6F15528-21DE-4FAA-801E-634DDDAF4B2B}" type="slidenum">
               <a:rPr lang="en-US" smtClean="0"/>
               <a:pPr/>
-              <a:t>38</a:t>
+              <a:t>39</a:t>
             </a:fld>
             <a:endParaRPr lang="en-US"/>
           </a:p>
@@ -31968,207 +32261,6 @@
     <p:extLst>
       <p:ext uri="{BB962C8B-B14F-4D97-AF65-F5344CB8AC3E}">
         <p14:creationId xmlns:p14="http://schemas.microsoft.com/office/powerpoint/2010/main" val="1849721042"/>
-      </p:ext>
-    </p:extLst>
-  </p:cSld>
-  <p:clrMapOvr>
-    <a:masterClrMapping/>
-  </p:clrMapOvr>
-  <p:timing>
-    <p:tnLst>
-      <p:par>
-        <p:cTn id="1" dur="indefinite" restart="never" nodeType="tmRoot"/>
-      </p:par>
-    </p:tnLst>
-  </p:timing>
-</p:sld>
-</file>
-
-<file path=ppt/slides/slide39.xml><?xml version="1.0" encoding="utf-8"?>
-<p:sld xmlns:a="http://schemas.openxmlformats.org/drawingml/2006/main" xmlns:r="http://schemas.openxmlformats.org/officeDocument/2006/relationships" xmlns:p="http://schemas.openxmlformats.org/presentationml/2006/main">
-  <p:cSld>
-    <p:spTree>
-      <p:nvGrpSpPr>
-        <p:cNvPr id="1" name=""/>
-        <p:cNvGrpSpPr/>
-        <p:nvPr/>
-      </p:nvGrpSpPr>
-      <p:grpSpPr>
-        <a:xfrm>
-          <a:off x="0" y="0"/>
-          <a:ext cx="0" cy="0"/>
-          <a:chOff x="0" y="0"/>
-          <a:chExt cx="0" cy="0"/>
-        </a:xfrm>
-      </p:grpSpPr>
-      <p:sp>
-        <p:nvSpPr>
-          <p:cNvPr id="7" name="Content Placeholder 6"/>
-          <p:cNvSpPr>
-            <a:spLocks noGrp="1"/>
-          </p:cNvSpPr>
-          <p:nvPr>
-            <p:ph sz="half" idx="1"/>
-          </p:nvPr>
-        </p:nvSpPr>
-        <p:spPr>
-          <a:xfrm>
-            <a:off x="457200" y="1371601"/>
-            <a:ext cx="7620000" cy="1676400"/>
-          </a:xfrm>
-        </p:spPr>
-        <p:txBody>
-          <a:bodyPr>
-            <a:normAutofit/>
-          </a:bodyPr>
-          <a:lstStyle/>
-          <a:p>
-            <a:pPr marL="0" indent="0">
-              <a:buNone/>
-            </a:pPr>
-            <a:r>
-              <a:rPr lang="en-US" dirty="0" smtClean="0"/>
-              <a:t>Effort efficiency = Billable effort/ Total calendar effort</a:t>
-            </a:r>
-          </a:p>
-          <a:p>
-            <a:pPr marL="0" indent="0">
-              <a:buNone/>
-            </a:pPr>
-            <a:endParaRPr lang="en-US" dirty="0" smtClean="0"/>
-          </a:p>
-        </p:txBody>
-      </p:sp>
-      <p:sp>
-        <p:nvSpPr>
-          <p:cNvPr id="4" name="Slide Number Placeholder 3"/>
-          <p:cNvSpPr>
-            <a:spLocks noGrp="1"/>
-          </p:cNvSpPr>
-          <p:nvPr>
-            <p:ph type="sldNum" sz="quarter" idx="12"/>
-          </p:nvPr>
-        </p:nvSpPr>
-        <p:spPr/>
-        <p:txBody>
-          <a:bodyPr/>
-          <a:lstStyle/>
-          <a:p>
-            <a:fld id="{B6F15528-21DE-4FAA-801E-634DDDAF4B2B}" type="slidenum">
-              <a:rPr lang="en-US" smtClean="0"/>
-              <a:pPr/>
-              <a:t>39</a:t>
-            </a:fld>
-            <a:endParaRPr lang="en-US"/>
-          </a:p>
-        </p:txBody>
-      </p:sp>
-      <p:sp>
-        <p:nvSpPr>
-          <p:cNvPr id="5" name="TextBox 4"/>
-          <p:cNvSpPr txBox="1"/>
-          <p:nvPr/>
-        </p:nvSpPr>
-        <p:spPr>
-          <a:xfrm>
-            <a:off x="76200" y="152400"/>
-            <a:ext cx="8382000" cy="707886"/>
-          </a:xfrm>
-          <a:prstGeom prst="rect">
-            <a:avLst/>
-          </a:prstGeom>
-          <a:noFill/>
-        </p:spPr>
-        <p:txBody>
-          <a:bodyPr wrap="square" rtlCol="0">
-            <a:spAutoFit/>
-          </a:bodyPr>
-          <a:lstStyle/>
-          <a:p>
-            <a:r>
-              <a:rPr lang="en-US" sz="4000" dirty="0" smtClean="0">
-                <a:solidFill>
-                  <a:srgbClr val="FFC000"/>
-                </a:solidFill>
-                <a:latin typeface="Adobe Caslon Pro Bold" pitchFamily="18" charset="0"/>
-                <a:ea typeface="Adobe Fan Heiti Std B" pitchFamily="34" charset="-128"/>
-              </a:rPr>
-              <a:t>Effort Efficiency</a:t>
-            </a:r>
-          </a:p>
-        </p:txBody>
-      </p:sp>
-      <p:sp>
-        <p:nvSpPr>
-          <p:cNvPr id="2" name="Footer Placeholder 1"/>
-          <p:cNvSpPr>
-            <a:spLocks noGrp="1"/>
-          </p:cNvSpPr>
-          <p:nvPr>
-            <p:ph type="ftr" sz="quarter" idx="11"/>
-          </p:nvPr>
-        </p:nvSpPr>
-        <p:spPr/>
-        <p:txBody>
-          <a:bodyPr/>
-          <a:lstStyle/>
-          <a:p>
-            <a:r>
-              <a:rPr lang="en-US" smtClean="0"/>
-              <a:t>OOPMS Team</a:t>
-            </a:r>
-            <a:endParaRPr lang="en-US"/>
-          </a:p>
-        </p:txBody>
-      </p:sp>
-      <p:sp>
-        <p:nvSpPr>
-          <p:cNvPr id="8" name="Content Placeholder 6"/>
-          <p:cNvSpPr>
-            <a:spLocks noGrp="1"/>
-          </p:cNvSpPr>
-          <p:nvPr>
-            <p:ph sz="half" idx="1"/>
-          </p:nvPr>
-        </p:nvSpPr>
-        <p:spPr>
-          <a:xfrm>
-            <a:off x="609600" y="3298686"/>
-            <a:ext cx="7620000" cy="2797314"/>
-          </a:xfrm>
-        </p:spPr>
-        <p:txBody>
-          <a:bodyPr>
-            <a:normAutofit/>
-          </a:bodyPr>
-          <a:lstStyle/>
-          <a:p>
-            <a:pPr marL="0" indent="0">
-              <a:buNone/>
-            </a:pPr>
-            <a:endParaRPr lang="en-US" dirty="0" smtClean="0"/>
-          </a:p>
-          <a:p>
-            <a:pPr marL="0" indent="0">
-              <a:buNone/>
-            </a:pPr>
-            <a:r>
-              <a:rPr lang="en-US" dirty="0" smtClean="0"/>
-              <a:t>Total calendar effort= sum (number of staff * working  time*duration</a:t>
-            </a:r>
-          </a:p>
-          <a:p>
-            <a:pPr marL="0" indent="0">
-              <a:buNone/>
-            </a:pPr>
-            <a:endParaRPr lang="en-US" dirty="0"/>
-          </a:p>
-        </p:txBody>
-      </p:sp>
-    </p:spTree>
-    <p:extLst>
-      <p:ext uri="{BB962C8B-B14F-4D97-AF65-F5344CB8AC3E}">
-        <p14:creationId xmlns:p14="http://schemas.microsoft.com/office/powerpoint/2010/main" val="2265421997"/>
       </p:ext>
     </p:extLst>
   </p:cSld>
@@ -32994,9 +33086,32 @@
           </a:p>
         </p:txBody>
       </p:sp>
+      <p:sp>
+        <p:nvSpPr>
+          <p:cNvPr id="2" name="Footer Placeholder 1"/>
+          <p:cNvSpPr>
+            <a:spLocks noGrp="1"/>
+          </p:cNvSpPr>
+          <p:nvPr>
+            <p:ph type="ftr" sz="quarter" idx="11"/>
+          </p:nvPr>
+        </p:nvSpPr>
+        <p:spPr/>
+        <p:txBody>
+          <a:bodyPr/>
+          <a:lstStyle/>
+          <a:p>
+            <a:r>
+              <a:rPr lang="en-US" smtClean="0"/>
+              <a:t>OOPMS Team</a:t>
+            </a:r>
+            <a:endParaRPr lang="en-US"/>
+          </a:p>
+        </p:txBody>
+      </p:sp>
       <p:pic>
         <p:nvPicPr>
-          <p:cNvPr id="1026" name="Picture 2" descr="C:\Users\DuyNgo\Desktop\Capstone\SVNTrunk\Document\Report\Presentation\Merged_ERD.jpg"/>
+          <p:cNvPr id="1028" name="Picture 4" descr="C:\Users\DuyNgo\Desktop\Capstone\SVNTrunk\Document\Design\SRS + User Requirement\Merged_ERD.jpg"/>
           <p:cNvPicPr>
             <a:picLocks noChangeAspect="1" noChangeArrowheads="1"/>
           </p:cNvPicPr>
@@ -33017,8 +33132,8 @@
         </p:blipFill>
         <p:spPr bwMode="auto">
           <a:xfrm>
-            <a:off x="2438400" y="0"/>
-            <a:ext cx="4980424" cy="6858000"/>
+            <a:off x="2286000" y="0"/>
+            <a:ext cx="4909046" cy="6898730"/>
           </a:xfrm>
           <a:prstGeom prst="rect">
             <a:avLst/>
@@ -33035,29 +33150,6 @@
           </a:extLst>
         </p:spPr>
       </p:pic>
-      <p:sp>
-        <p:nvSpPr>
-          <p:cNvPr id="2" name="Footer Placeholder 1"/>
-          <p:cNvSpPr>
-            <a:spLocks noGrp="1"/>
-          </p:cNvSpPr>
-          <p:nvPr>
-            <p:ph type="ftr" sz="quarter" idx="11"/>
-          </p:nvPr>
-        </p:nvSpPr>
-        <p:spPr/>
-        <p:txBody>
-          <a:bodyPr/>
-          <a:lstStyle/>
-          <a:p>
-            <a:r>
-              <a:rPr lang="en-US" smtClean="0"/>
-              <a:t>OOPMS Team</a:t>
-            </a:r>
-            <a:endParaRPr lang="en-US"/>
-          </a:p>
-        </p:txBody>
-      </p:sp>
     </p:spTree>
     <p:extLst>
       <p:ext uri="{BB962C8B-B14F-4D97-AF65-F5344CB8AC3E}">
@@ -42212,7 +42304,7 @@
         <p:spPr>
           <a:xfrm>
             <a:off x="304800" y="5007173"/>
-            <a:ext cx="1691425" cy="369332"/>
+            <a:ext cx="1954318" cy="369332"/>
           </a:xfrm>
           <a:prstGeom prst="rect">
             <a:avLst/>
@@ -42227,7 +42319,11 @@
           <a:p>
             <a:r>
               <a:rPr lang="en-US" dirty="0" smtClean="0"/>
-              <a:t>Response time:</a:t>
+              <a:t>Response time</a:t>
+            </a:r>
+            <a:r>
+              <a:rPr lang="en-US" dirty="0" smtClean="0"/>
+              <a:t>: 2s</a:t>
             </a:r>
             <a:endParaRPr lang="en-US" dirty="0"/>
           </a:p>
@@ -42338,7 +42434,7 @@
         <p:spPr>
           <a:xfrm>
             <a:off x="88900" y="1039743"/>
-            <a:ext cx="8813800" cy="5570756"/>
+            <a:ext cx="8813800" cy="5632311"/>
           </a:xfrm>
           <a:prstGeom prst="rect">
             <a:avLst/>
@@ -42399,157 +42495,80 @@
             </a:r>
           </a:p>
           <a:p>
-            <a:r>
-              <a:rPr lang="en-US" sz="2800" b="1" dirty="0" smtClean="0">
-                <a:solidFill>
-                  <a:schemeClr val="accent6">
-                    <a:lumMod val="50000"/>
-                  </a:schemeClr>
-                </a:solidFill>
-              </a:rPr>
-              <a:t>Why?</a:t>
-            </a:r>
-          </a:p>
-          <a:p>
+            <a:endParaRPr lang="en-US" sz="2000" dirty="0" smtClean="0"/>
+          </a:p>
+          <a:p>
+            <a:pPr marL="342900" indent="-342900">
+              <a:buFont typeface="Wingdings" pitchFamily="2" charset="2"/>
+              <a:buChar char="Ø"/>
+            </a:pPr>
             <a:r>
               <a:rPr lang="en-US" sz="2000" dirty="0" smtClean="0"/>
-              <a:t>Inability </a:t>
+              <a:t>29% </a:t>
             </a:r>
             <a:r>
               <a:rPr lang="en-US" sz="2000" dirty="0"/>
-              <a:t>to meet project requirements</a:t>
-            </a:r>
-          </a:p>
-          <a:p>
+              <a:t>Succeeded - delivered on time, on budget, with required features and functions</a:t>
+            </a:r>
+          </a:p>
+          <a:p>
+            <a:pPr marL="342900" indent="-342900">
+              <a:buFont typeface="Wingdings" pitchFamily="2" charset="2"/>
+              <a:buChar char="Ø"/>
+            </a:pPr>
             <a:r>
               <a:rPr lang="en-US" sz="2000" dirty="0" smtClean="0"/>
-              <a:t>Missed deadlines</a:t>
-            </a:r>
-          </a:p>
-          <a:p>
+              <a:t>53% </a:t>
+            </a:r>
             <a:r>
               <a:rPr lang="en-US" sz="2000" dirty="0"/>
-              <a:t>Poor </a:t>
-            </a:r>
+              <a:t>Challenged - late, over budget, and/or with less than the required features and functions</a:t>
+            </a:r>
+          </a:p>
+          <a:p>
+            <a:pPr marL="342900" indent="-342900">
+              <a:buFont typeface="Wingdings" pitchFamily="2" charset="2"/>
+              <a:buChar char="Ø"/>
+            </a:pPr>
             <a:r>
               <a:rPr lang="en-US" sz="2000" dirty="0" smtClean="0"/>
-              <a:t>planning</a:t>
-            </a:r>
-          </a:p>
-          <a:p>
+              <a:t>18% </a:t>
+            </a:r>
             <a:r>
               <a:rPr lang="en-US" sz="2000" dirty="0"/>
-              <a:t>Content </a:t>
+              <a:t>Failed - cancelled prior to completion or delivered and never </a:t>
             </a:r>
             <a:r>
               <a:rPr lang="en-US" sz="2000" dirty="0" smtClean="0"/>
-              <a:t>Deficiencies</a:t>
-            </a:r>
+              <a:t>used</a:t>
+            </a:r>
+          </a:p>
+          <a:p>
+            <a:endParaRPr lang="en-US" sz="2000" dirty="0"/>
           </a:p>
           <a:p>
             <a:r>
               <a:rPr lang="en-US" sz="2000" dirty="0" smtClean="0"/>
-              <a:t>Exceeded budget		</a:t>
-            </a:r>
-            <a:r>
-              <a:rPr lang="en-US" sz="2800" b="1" dirty="0" smtClean="0">
-                <a:solidFill>
-                  <a:schemeClr val="accent6">
-                    <a:lumMod val="50000"/>
-                  </a:schemeClr>
-                </a:solidFill>
-              </a:rPr>
-              <a:t>How should we improve ?</a:t>
-            </a:r>
-          </a:p>
-          <a:p>
-            <a:pPr lvl="7"/>
+              <a:t>As </a:t>
+            </a:r>
             <a:r>
               <a:rPr lang="en-US" sz="2000" dirty="0"/>
-              <a:t>Defining scope clearly, reduce change requests</a:t>
+              <a:t>many as 80% of technology projects actually cost more than they return. It is not done intentionally but the costs are always underestimated and the benefits are always </a:t>
             </a:r>
             <a:r>
               <a:rPr lang="en-US" sz="2000" dirty="0" smtClean="0"/>
-              <a:t>.</a:t>
-            </a:r>
-          </a:p>
-          <a:p>
-            <a:pPr lvl="7"/>
-            <a:r>
-              <a:rPr lang="en-US" sz="2000" dirty="0" smtClean="0"/>
-              <a:t>Meeting tasks deadline, deliverables by planning. </a:t>
-            </a:r>
-          </a:p>
-          <a:p>
-            <a:pPr lvl="7"/>
-            <a:r>
-              <a:rPr lang="en-US" sz="2000" dirty="0" smtClean="0"/>
-              <a:t>Maintaining </a:t>
-            </a:r>
-            <a:r>
-              <a:rPr lang="en-US" sz="2000" dirty="0"/>
-              <a:t>the required quality </a:t>
-            </a:r>
-            <a:r>
-              <a:rPr lang="en-US" sz="2000" dirty="0" smtClean="0"/>
-              <a:t>levels.</a:t>
-            </a:r>
-          </a:p>
-          <a:p>
-            <a:pPr lvl="7"/>
-            <a:r>
-              <a:rPr lang="en-US" sz="2000" dirty="0" smtClean="0"/>
-              <a:t>Meeting </a:t>
-            </a:r>
-            <a:r>
-              <a:rPr lang="en-US" sz="2000" dirty="0"/>
-              <a:t>the </a:t>
-            </a:r>
-            <a:r>
-              <a:rPr lang="en-US" sz="2000" dirty="0" smtClean="0"/>
-              <a:t>budget.</a:t>
-            </a:r>
-          </a:p>
-          <a:p>
-            <a:pPr lvl="7"/>
-            <a:r>
-              <a:rPr lang="en-US" sz="2000" dirty="0"/>
-              <a:t>Team Management</a:t>
-            </a:r>
-            <a:r>
-              <a:rPr lang="en-US" sz="2000" dirty="0" smtClean="0"/>
-              <a:t>.</a:t>
-            </a:r>
-            <a:endParaRPr lang="en-US" sz="2000" b="1" dirty="0">
-              <a:solidFill>
-                <a:schemeClr val="accent6">
-                  <a:lumMod val="50000"/>
-                </a:schemeClr>
-              </a:solidFill>
-            </a:endParaRPr>
-          </a:p>
-          <a:p>
-            <a:pPr lvl="7"/>
-            <a:r>
-              <a:rPr lang="en-US" sz="2000" dirty="0" smtClean="0"/>
-              <a:t>Plan </a:t>
-            </a:r>
-            <a:r>
-              <a:rPr lang="en-US" sz="2000" dirty="0"/>
-              <a:t>for </a:t>
-            </a:r>
-            <a:r>
-              <a:rPr lang="en-US" sz="2000" dirty="0" smtClean="0"/>
-              <a:t>uncertainty, </a:t>
-            </a:r>
-            <a:r>
-              <a:rPr lang="en-US" sz="2000" dirty="0"/>
-              <a:t>prepare for the </a:t>
-            </a:r>
-            <a:r>
-              <a:rPr lang="en-US" sz="2000" dirty="0" smtClean="0"/>
-              <a:t>unexpected.</a:t>
-            </a:r>
+              <a:t>overestimated.</a:t>
+            </a:r>
+            <a:endParaRPr lang="en-US" sz="2000" dirty="0"/>
+          </a:p>
+          <a:p>
+            <a:endParaRPr lang="en-US" sz="2000" dirty="0" smtClean="0"/>
+          </a:p>
+          <a:p>
+            <a:endParaRPr lang="en-US" sz="2000" dirty="0"/>
+          </a:p>
+          <a:p>
+            <a:endParaRPr lang="en-US" sz="2000" dirty="0" smtClean="0"/>
           </a:p>
         </p:txBody>
       </p:sp>
@@ -42627,85 +42646,6 @@
       </p:grpSpPr>
       <p:sp>
         <p:nvSpPr>
-          <p:cNvPr id="7" name="Content Placeholder 6"/>
-          <p:cNvSpPr>
-            <a:spLocks noGrp="1"/>
-          </p:cNvSpPr>
-          <p:nvPr>
-            <p:ph sz="half" idx="1"/>
-          </p:nvPr>
-        </p:nvSpPr>
-        <p:spPr>
-          <a:xfrm>
-            <a:off x="457200" y="1371600"/>
-            <a:ext cx="7620000" cy="4983325"/>
-          </a:xfrm>
-        </p:spPr>
-        <p:txBody>
-          <a:bodyPr/>
-          <a:lstStyle/>
-          <a:p>
-            <a:r>
-              <a:rPr lang="en-US" b="1" dirty="0" smtClean="0"/>
-              <a:t>Features</a:t>
-            </a:r>
-            <a:br>
-              <a:rPr lang="en-US" b="1" dirty="0" smtClean="0"/>
-            </a:br>
-            <a:endParaRPr lang="en-US" b="1" dirty="0" smtClean="0"/>
-          </a:p>
-          <a:p>
-            <a:r>
-              <a:rPr lang="en-US" b="1" dirty="0" smtClean="0"/>
-              <a:t>Compatibility</a:t>
-            </a:r>
-            <a:br>
-              <a:rPr lang="en-US" b="1" dirty="0" smtClean="0"/>
-            </a:br>
-            <a:endParaRPr lang="en-US" b="1" dirty="0" smtClean="0"/>
-          </a:p>
-          <a:p>
-            <a:r>
-              <a:rPr lang="en-US" b="1" dirty="0"/>
-              <a:t>Ease of </a:t>
-            </a:r>
-            <a:r>
-              <a:rPr lang="en-US" b="1" dirty="0" smtClean="0"/>
-              <a:t>Use</a:t>
-            </a:r>
-            <a:br>
-              <a:rPr lang="en-US" b="1" dirty="0" smtClean="0"/>
-            </a:br>
-            <a:endParaRPr lang="en-US" b="1" dirty="0"/>
-          </a:p>
-          <a:p>
-            <a:r>
-              <a:rPr lang="en-US" b="1" dirty="0"/>
-              <a:t>Help &amp; </a:t>
-            </a:r>
-            <a:r>
-              <a:rPr lang="en-US" b="1" dirty="0" smtClean="0"/>
-              <a:t>Support</a:t>
-            </a:r>
-            <a:br>
-              <a:rPr lang="en-US" b="1" dirty="0" smtClean="0"/>
-            </a:br>
-            <a:endParaRPr lang="en-US" b="1" dirty="0"/>
-          </a:p>
-          <a:p>
-            <a:r>
-              <a:rPr lang="en-US" b="1" dirty="0"/>
-              <a:t>Pricing and Conditions</a:t>
-            </a:r>
-            <a:endParaRPr lang="en-US" dirty="0"/>
-          </a:p>
-          <a:p>
-            <a:endParaRPr lang="en-US" dirty="0"/>
-          </a:p>
-        </p:txBody>
-      </p:sp>
-      <p:sp>
-        <p:nvSpPr>
           <p:cNvPr id="4" name="Slide Number Placeholder 3"/>
           <p:cNvSpPr>
             <a:spLocks noGrp="1"/>
@@ -42758,14 +42698,21 @@
                 <a:latin typeface="Adobe Caslon Pro Bold" pitchFamily="18" charset="0"/>
                 <a:ea typeface="Adobe Fan Heiti Std B" pitchFamily="34" charset="-128"/>
               </a:rPr>
-              <a:t>Summary</a:t>
-            </a:r>
+              <a:t>Existing Issues</a:t>
+            </a:r>
+            <a:endParaRPr lang="en-US" sz="4000" dirty="0" smtClean="0">
+              <a:solidFill>
+                <a:srgbClr val="FFC000"/>
+              </a:solidFill>
+              <a:latin typeface="Adobe Caslon Pro Bold" pitchFamily="18" charset="0"/>
+              <a:ea typeface="Adobe Fan Heiti Std B" pitchFamily="34" charset="-128"/>
+            </a:endParaRPr>
           </a:p>
         </p:txBody>
       </p:sp>
       <p:sp>
         <p:nvSpPr>
-          <p:cNvPr id="2" name="Footer Placeholder 1"/>
+          <p:cNvPr id="3" name="Footer Placeholder 2"/>
           <p:cNvSpPr>
             <a:spLocks noGrp="1"/>
           </p:cNvSpPr>
@@ -42786,10 +42733,109 @@
           </a:p>
         </p:txBody>
       </p:sp>
+      <p:sp>
+        <p:nvSpPr>
+          <p:cNvPr id="6" name="TextBox 5"/>
+          <p:cNvSpPr txBox="1"/>
+          <p:nvPr/>
+        </p:nvSpPr>
+        <p:spPr>
+          <a:xfrm>
+            <a:off x="304800" y="1755201"/>
+            <a:ext cx="7924800" cy="3539430"/>
+          </a:xfrm>
+          <a:prstGeom prst="rect">
+            <a:avLst/>
+          </a:prstGeom>
+          <a:noFill/>
+        </p:spPr>
+        <p:txBody>
+          <a:bodyPr wrap="square" rtlCol="0">
+            <a:spAutoFit/>
+          </a:bodyPr>
+          <a:lstStyle/>
+          <a:p>
+            <a:pPr marL="285750" indent="-285750">
+              <a:buFont typeface="Wingdings" pitchFamily="2" charset="2"/>
+              <a:buChar char="Ø"/>
+            </a:pPr>
+            <a:r>
+              <a:rPr lang="en-US" sz="2800" dirty="0" smtClean="0"/>
+              <a:t>Customize </a:t>
+            </a:r>
+            <a:r>
+              <a:rPr lang="en-US" sz="2800" dirty="0" err="1" smtClean="0"/>
+              <a:t>uPortal</a:t>
+            </a:r>
+            <a:endParaRPr lang="en-US" sz="2800" dirty="0" smtClean="0"/>
+          </a:p>
+          <a:p>
+            <a:pPr marL="285750" indent="-285750">
+              <a:buFont typeface="Wingdings" pitchFamily="2" charset="2"/>
+              <a:buChar char="Ø"/>
+            </a:pPr>
+            <a:r>
+              <a:rPr lang="en-US" sz="2800" dirty="0" smtClean="0"/>
+              <a:t>Interactive Report</a:t>
+            </a:r>
+          </a:p>
+          <a:p>
+            <a:pPr marL="285750" indent="-285750">
+              <a:buFont typeface="Wingdings" pitchFamily="2" charset="2"/>
+              <a:buChar char="Ø"/>
+            </a:pPr>
+            <a:r>
+              <a:rPr lang="en-US" sz="2800" dirty="0" smtClean="0"/>
+              <a:t>Remaining Google Defects – Mostly UI</a:t>
+            </a:r>
+          </a:p>
+          <a:p>
+            <a:pPr marL="285750" indent="-285750">
+              <a:buFont typeface="Wingdings" pitchFamily="2" charset="2"/>
+              <a:buChar char="Ø"/>
+            </a:pPr>
+            <a:r>
+              <a:rPr lang="en-US" sz="2800" dirty="0" smtClean="0"/>
+              <a:t>Date validation</a:t>
+            </a:r>
+          </a:p>
+          <a:p>
+            <a:pPr marL="285750" indent="-285750">
+              <a:buFont typeface="Wingdings" pitchFamily="2" charset="2"/>
+              <a:buChar char="Ø"/>
+            </a:pPr>
+            <a:r>
+              <a:rPr lang="en-US" sz="2800" dirty="0" smtClean="0"/>
+              <a:t>Data Mining from Timesheet, DMS</a:t>
+            </a:r>
+          </a:p>
+          <a:p>
+            <a:pPr marL="285750" indent="-285750">
+              <a:buFont typeface="Wingdings" pitchFamily="2" charset="2"/>
+              <a:buChar char="Ø"/>
+            </a:pPr>
+            <a:r>
+              <a:rPr lang="en-US" sz="2800" dirty="0" smtClean="0"/>
+              <a:t>Relationship between Requirements and Products, Deliverables</a:t>
+            </a:r>
+          </a:p>
+          <a:p>
+            <a:pPr marL="285750" indent="-285750">
+              <a:buFont typeface="Wingdings" pitchFamily="2" charset="2"/>
+              <a:buChar char="Ø"/>
+            </a:pPr>
+            <a:r>
+              <a:rPr lang="en-US" sz="2800" dirty="0" smtClean="0"/>
+              <a:t>Android complete version</a:t>
+            </a:r>
+            <a:endParaRPr lang="en-US" sz="2800" dirty="0"/>
+          </a:p>
+        </p:txBody>
+      </p:sp>
     </p:spTree>
     <p:extLst>
       <p:ext uri="{BB962C8B-B14F-4D97-AF65-F5344CB8AC3E}">
-        <p14:creationId xmlns:p14="http://schemas.microsoft.com/office/powerpoint/2010/main" val="803082343"/>
+        <p14:creationId xmlns:p14="http://schemas.microsoft.com/office/powerpoint/2010/main" val="3554620606"/>
       </p:ext>
     </p:extLst>
   </p:cSld>
@@ -42825,6 +42871,85 @@
       </p:grpSpPr>
       <p:sp>
         <p:nvSpPr>
+          <p:cNvPr id="7" name="Content Placeholder 6"/>
+          <p:cNvSpPr>
+            <a:spLocks noGrp="1"/>
+          </p:cNvSpPr>
+          <p:nvPr>
+            <p:ph sz="half" idx="1"/>
+          </p:nvPr>
+        </p:nvSpPr>
+        <p:spPr>
+          <a:xfrm>
+            <a:off x="457200" y="1371600"/>
+            <a:ext cx="7620000" cy="4983325"/>
+          </a:xfrm>
+        </p:spPr>
+        <p:txBody>
+          <a:bodyPr/>
+          <a:lstStyle/>
+          <a:p>
+            <a:r>
+              <a:rPr lang="en-US" b="1" dirty="0" smtClean="0"/>
+              <a:t>Features</a:t>
+            </a:r>
+            <a:br>
+              <a:rPr lang="en-US" b="1" dirty="0" smtClean="0"/>
+            </a:br>
+            <a:endParaRPr lang="en-US" b="1" dirty="0" smtClean="0"/>
+          </a:p>
+          <a:p>
+            <a:r>
+              <a:rPr lang="en-US" b="1" dirty="0" smtClean="0"/>
+              <a:t>Compatibility</a:t>
+            </a:r>
+            <a:br>
+              <a:rPr lang="en-US" b="1" dirty="0" smtClean="0"/>
+            </a:br>
+            <a:endParaRPr lang="en-US" b="1" dirty="0" smtClean="0"/>
+          </a:p>
+          <a:p>
+            <a:r>
+              <a:rPr lang="en-US" b="1" dirty="0"/>
+              <a:t>Ease of </a:t>
+            </a:r>
+            <a:r>
+              <a:rPr lang="en-US" b="1" dirty="0" smtClean="0"/>
+              <a:t>Use</a:t>
+            </a:r>
+            <a:br>
+              <a:rPr lang="en-US" b="1" dirty="0" smtClean="0"/>
+            </a:br>
+            <a:endParaRPr lang="en-US" b="1" dirty="0"/>
+          </a:p>
+          <a:p>
+            <a:r>
+              <a:rPr lang="en-US" b="1" dirty="0"/>
+              <a:t>Help &amp; </a:t>
+            </a:r>
+            <a:r>
+              <a:rPr lang="en-US" b="1" dirty="0" smtClean="0"/>
+              <a:t>Support</a:t>
+            </a:r>
+            <a:br>
+              <a:rPr lang="en-US" b="1" dirty="0" smtClean="0"/>
+            </a:br>
+            <a:endParaRPr lang="en-US" b="1" dirty="0"/>
+          </a:p>
+          <a:p>
+            <a:r>
+              <a:rPr lang="en-US" b="1" dirty="0"/>
+              <a:t>Pricing and Conditions</a:t>
+            </a:r>
+            <a:endParaRPr lang="en-US" dirty="0"/>
+          </a:p>
+          <a:p>
+            <a:endParaRPr lang="en-US" dirty="0"/>
+          </a:p>
+        </p:txBody>
+      </p:sp>
+      <p:sp>
+        <p:nvSpPr>
           <p:cNvPr id="4" name="Slide Number Placeholder 3"/>
           <p:cNvSpPr>
             <a:spLocks noGrp="1"/>
@@ -42855,7 +42980,7 @@
         </p:nvSpPr>
         <p:spPr>
           <a:xfrm>
-            <a:off x="2514600" y="3276600"/>
+            <a:off x="76200" y="152400"/>
             <a:ext cx="8382000" cy="707886"/>
           </a:xfrm>
           <a:prstGeom prst="rect">
@@ -42877,7 +43002,7 @@
                 <a:latin typeface="Adobe Caslon Pro Bold" pitchFamily="18" charset="0"/>
                 <a:ea typeface="Adobe Fan Heiti Std B" pitchFamily="34" charset="-128"/>
               </a:rPr>
-              <a:t>DEMO AND QA</a:t>
+              <a:t>Summary</a:t>
             </a:r>
           </a:p>
         </p:txBody>
@@ -42908,7 +43033,7 @@
     </p:spTree>
     <p:extLst>
       <p:ext uri="{BB962C8B-B14F-4D97-AF65-F5344CB8AC3E}">
-        <p14:creationId xmlns:p14="http://schemas.microsoft.com/office/powerpoint/2010/main" val="1858083964"/>
+        <p14:creationId xmlns:p14="http://schemas.microsoft.com/office/powerpoint/2010/main" val="803082343"/>
       </p:ext>
     </p:extLst>
   </p:cSld>
@@ -42961,6 +43086,125 @@
               <a:rPr lang="en-US" smtClean="0"/>
               <a:pPr/>
               <a:t>52</a:t>
+            </a:fld>
+            <a:endParaRPr lang="en-US"/>
+          </a:p>
+        </p:txBody>
+      </p:sp>
+      <p:sp>
+        <p:nvSpPr>
+          <p:cNvPr id="5" name="TextBox 4"/>
+          <p:cNvSpPr txBox="1"/>
+          <p:nvPr/>
+        </p:nvSpPr>
+        <p:spPr>
+          <a:xfrm>
+            <a:off x="2514600" y="3276600"/>
+            <a:ext cx="8382000" cy="707886"/>
+          </a:xfrm>
+          <a:prstGeom prst="rect">
+            <a:avLst/>
+          </a:prstGeom>
+          <a:noFill/>
+        </p:spPr>
+        <p:txBody>
+          <a:bodyPr wrap="square" rtlCol="0">
+            <a:spAutoFit/>
+          </a:bodyPr>
+          <a:lstStyle/>
+          <a:p>
+            <a:r>
+              <a:rPr lang="en-US" sz="4000" dirty="0" smtClean="0">
+                <a:solidFill>
+                  <a:srgbClr val="FFC000"/>
+                </a:solidFill>
+                <a:latin typeface="Adobe Caslon Pro Bold" pitchFamily="18" charset="0"/>
+                <a:ea typeface="Adobe Fan Heiti Std B" pitchFamily="34" charset="-128"/>
+              </a:rPr>
+              <a:t>DEMO AND QA</a:t>
+            </a:r>
+          </a:p>
+        </p:txBody>
+      </p:sp>
+      <p:sp>
+        <p:nvSpPr>
+          <p:cNvPr id="2" name="Footer Placeholder 1"/>
+          <p:cNvSpPr>
+            <a:spLocks noGrp="1"/>
+          </p:cNvSpPr>
+          <p:nvPr>
+            <p:ph type="ftr" sz="quarter" idx="11"/>
+          </p:nvPr>
+        </p:nvSpPr>
+        <p:spPr/>
+        <p:txBody>
+          <a:bodyPr/>
+          <a:lstStyle/>
+          <a:p>
+            <a:r>
+              <a:rPr lang="en-US" smtClean="0"/>
+              <a:t>OOPMS Team</a:t>
+            </a:r>
+            <a:endParaRPr lang="en-US"/>
+          </a:p>
+        </p:txBody>
+      </p:sp>
+    </p:spTree>
+    <p:extLst>
+      <p:ext uri="{BB962C8B-B14F-4D97-AF65-F5344CB8AC3E}">
+        <p14:creationId xmlns:p14="http://schemas.microsoft.com/office/powerpoint/2010/main" val="1858083964"/>
+      </p:ext>
+    </p:extLst>
+  </p:cSld>
+  <p:clrMapOvr>
+    <a:masterClrMapping/>
+  </p:clrMapOvr>
+  <p:timing>
+    <p:tnLst>
+      <p:par>
+        <p:cTn id="1" dur="indefinite" restart="never" nodeType="tmRoot"/>
+      </p:par>
+    </p:tnLst>
+  </p:timing>
+</p:sld>
+</file>
+
+<file path=ppt/slides/slide53.xml><?xml version="1.0" encoding="utf-8"?>
+<p:sld xmlns:a="http://schemas.openxmlformats.org/drawingml/2006/main" xmlns:r="http://schemas.openxmlformats.org/officeDocument/2006/relationships" xmlns:p="http://schemas.openxmlformats.org/presentationml/2006/main">
+  <p:cSld>
+    <p:spTree>
+      <p:nvGrpSpPr>
+        <p:cNvPr id="1" name=""/>
+        <p:cNvGrpSpPr/>
+        <p:nvPr/>
+      </p:nvGrpSpPr>
+      <p:grpSpPr>
+        <a:xfrm>
+          <a:off x="0" y="0"/>
+          <a:ext cx="0" cy="0"/>
+          <a:chOff x="0" y="0"/>
+          <a:chExt cx="0" cy="0"/>
+        </a:xfrm>
+      </p:grpSpPr>
+      <p:sp>
+        <p:nvSpPr>
+          <p:cNvPr id="4" name="Slide Number Placeholder 3"/>
+          <p:cNvSpPr>
+            <a:spLocks noGrp="1"/>
+          </p:cNvSpPr>
+          <p:nvPr>
+            <p:ph type="sldNum" sz="quarter" idx="12"/>
+          </p:nvPr>
+        </p:nvSpPr>
+        <p:spPr/>
+        <p:txBody>
+          <a:bodyPr/>
+          <a:lstStyle/>
+          <a:p>
+            <a:fld id="{B6F15528-21DE-4FAA-801E-634DDDAF4B2B}" type="slidenum">
+              <a:rPr lang="en-US" smtClean="0"/>
+              <a:pPr/>
+              <a:t>53</a:t>
             </a:fld>
             <a:endParaRPr lang="en-US"/>
           </a:p>
@@ -43080,6 +43324,550 @@
               <a:rPr lang="en-US" smtClean="0"/>
               <a:pPr/>
               <a:t>6</a:t>
+            </a:fld>
+            <a:endParaRPr lang="en-US"/>
+          </a:p>
+        </p:txBody>
+      </p:sp>
+      <p:sp>
+        <p:nvSpPr>
+          <p:cNvPr id="5" name="TextBox 4"/>
+          <p:cNvSpPr txBox="1"/>
+          <p:nvPr/>
+        </p:nvSpPr>
+        <p:spPr>
+          <a:xfrm>
+            <a:off x="0" y="0"/>
+            <a:ext cx="6934200" cy="707886"/>
+          </a:xfrm>
+          <a:prstGeom prst="rect">
+            <a:avLst/>
+          </a:prstGeom>
+          <a:noFill/>
+        </p:spPr>
+        <p:txBody>
+          <a:bodyPr wrap="square" rtlCol="0">
+            <a:spAutoFit/>
+          </a:bodyPr>
+          <a:lstStyle/>
+          <a:p>
+            <a:r>
+              <a:rPr lang="en-US" sz="4000" dirty="0" smtClean="0">
+                <a:solidFill>
+                  <a:srgbClr val="FFC000"/>
+                </a:solidFill>
+                <a:latin typeface="Adobe Caslon Pro Bold" pitchFamily="18" charset="0"/>
+                <a:ea typeface="Adobe Fan Heiti Std B" pitchFamily="34" charset="-128"/>
+              </a:rPr>
+              <a:t>Problems</a:t>
+            </a:r>
+          </a:p>
+        </p:txBody>
+      </p:sp>
+      <p:sp>
+        <p:nvSpPr>
+          <p:cNvPr id="7" name="TextBox 6"/>
+          <p:cNvSpPr txBox="1"/>
+          <p:nvPr/>
+        </p:nvSpPr>
+        <p:spPr>
+          <a:xfrm>
+            <a:off x="114300" y="697000"/>
+            <a:ext cx="8813800" cy="6124754"/>
+          </a:xfrm>
+          <a:prstGeom prst="rect">
+            <a:avLst/>
+          </a:prstGeom>
+          <a:noFill/>
+        </p:spPr>
+        <p:txBody>
+          <a:bodyPr wrap="square" rtlCol="0">
+            <a:spAutoFit/>
+          </a:bodyPr>
+          <a:lstStyle/>
+          <a:p>
+            <a:r>
+              <a:rPr lang="en-US" dirty="0"/>
+              <a:t>REGION </a:t>
+            </a:r>
+            <a:r>
+              <a:rPr lang="en-US" dirty="0" smtClean="0"/>
+              <a:t>	GDP </a:t>
+            </a:r>
+            <a:r>
+              <a:rPr lang="en-US" dirty="0"/>
+              <a:t>(B USD)                             Cost of IT Failure (B USD}</a:t>
+            </a:r>
+          </a:p>
+          <a:p>
+            <a:r>
+              <a:rPr lang="en-US" dirty="0"/>
+              <a:t>World:               </a:t>
+            </a:r>
+            <a:r>
+              <a:rPr lang="en-US" dirty="0" smtClean="0"/>
+              <a:t>	69,800 </a:t>
+            </a:r>
+            <a:r>
+              <a:rPr lang="en-US" dirty="0"/>
+              <a:t>                              </a:t>
+            </a:r>
+            <a:r>
+              <a:rPr lang="en-US" dirty="0" smtClean="0"/>
+              <a:t>	</a:t>
+            </a:r>
+            <a:r>
+              <a:rPr lang="en-US" dirty="0"/>
+              <a:t> </a:t>
+            </a:r>
+            <a:r>
+              <a:rPr lang="en-US" dirty="0" smtClean="0"/>
+              <a:t>	6,180</a:t>
+            </a:r>
+            <a:endParaRPr lang="en-US" dirty="0"/>
+          </a:p>
+          <a:p>
+            <a:r>
+              <a:rPr lang="en-US" dirty="0"/>
+              <a:t>USA:                   </a:t>
+            </a:r>
+            <a:r>
+              <a:rPr lang="en-US" dirty="0" smtClean="0"/>
+              <a:t>	13,840 </a:t>
+            </a:r>
+            <a:r>
+              <a:rPr lang="en-US" dirty="0"/>
+              <a:t>                                </a:t>
+            </a:r>
+            <a:r>
+              <a:rPr lang="en-US" dirty="0" smtClean="0"/>
+              <a:t>		1,225</a:t>
+            </a:r>
+            <a:endParaRPr lang="en-US" dirty="0"/>
+          </a:p>
+          <a:p>
+            <a:r>
+              <a:rPr lang="en-US" dirty="0"/>
+              <a:t>New Zealand:   </a:t>
+            </a:r>
+            <a:r>
+              <a:rPr lang="en-US" dirty="0" smtClean="0"/>
+              <a:t>	44 </a:t>
+            </a:r>
+            <a:r>
+              <a:rPr lang="en-US" dirty="0"/>
+              <a:t>                                         </a:t>
+            </a:r>
+            <a:r>
+              <a:rPr lang="en-US" dirty="0" smtClean="0"/>
+              <a:t>		3.90</a:t>
+            </a:r>
+            <a:endParaRPr lang="en-US" dirty="0"/>
+          </a:p>
+          <a:p>
+            <a:r>
+              <a:rPr lang="en-US" dirty="0"/>
+              <a:t>UK:                       </a:t>
+            </a:r>
+            <a:r>
+              <a:rPr lang="en-US" dirty="0" smtClean="0"/>
+              <a:t>	2,260 </a:t>
+            </a:r>
+            <a:r>
+              <a:rPr lang="en-US" dirty="0"/>
+              <a:t>                                   </a:t>
+            </a:r>
+            <a:r>
+              <a:rPr lang="en-US" dirty="0" smtClean="0"/>
+              <a:t>		200</a:t>
+            </a:r>
+            <a:endParaRPr lang="en-US" dirty="0"/>
+          </a:p>
+          <a:p>
+            <a:r>
+              <a:rPr lang="en-US" dirty="0"/>
+              <a:t>Texas:                 </a:t>
+            </a:r>
+            <a:r>
+              <a:rPr lang="en-US" dirty="0" smtClean="0"/>
+              <a:t>	1,250 </a:t>
+            </a:r>
+            <a:r>
+              <a:rPr lang="en-US" dirty="0"/>
+              <a:t>                                    </a:t>
+            </a:r>
+            <a:r>
+              <a:rPr lang="en-US" dirty="0" smtClean="0"/>
+              <a:t>		110</a:t>
+            </a:r>
+            <a:endParaRPr lang="en-US" b="1" dirty="0" smtClean="0">
+              <a:solidFill>
+                <a:schemeClr val="accent6">
+                  <a:lumMod val="50000"/>
+                </a:schemeClr>
+              </a:solidFill>
+            </a:endParaRPr>
+          </a:p>
+          <a:p>
+            <a:r>
+              <a:rPr lang="en-US" sz="2800" b="1" dirty="0" smtClean="0">
+                <a:solidFill>
+                  <a:schemeClr val="accent6">
+                    <a:lumMod val="50000"/>
+                  </a:schemeClr>
+                </a:solidFill>
+              </a:rPr>
+              <a:t>Why?</a:t>
+            </a:r>
+          </a:p>
+          <a:p>
+            <a:pPr marL="342900" indent="-342900">
+              <a:buFont typeface="Arial" pitchFamily="34" charset="0"/>
+              <a:buChar char="•"/>
+            </a:pPr>
+            <a:r>
+              <a:rPr lang="en-US" sz="2000" dirty="0" smtClean="0"/>
+              <a:t>Inability to meet project requirements</a:t>
+            </a:r>
+          </a:p>
+          <a:p>
+            <a:pPr marL="342900" indent="-342900">
+              <a:buFont typeface="Arial" pitchFamily="34" charset="0"/>
+              <a:buChar char="•"/>
+            </a:pPr>
+            <a:r>
+              <a:rPr lang="en-US" sz="2000" dirty="0" smtClean="0"/>
+              <a:t>Missed </a:t>
+            </a:r>
+            <a:r>
+              <a:rPr lang="en-US" sz="2000" dirty="0" smtClean="0"/>
+              <a:t>deadlines</a:t>
+            </a:r>
+          </a:p>
+          <a:p>
+            <a:pPr marL="342900" indent="-342900">
+              <a:buFont typeface="Arial" pitchFamily="34" charset="0"/>
+              <a:buChar char="•"/>
+            </a:pPr>
+            <a:r>
+              <a:rPr lang="en-US" sz="2000" dirty="0"/>
+              <a:t>Poor </a:t>
+            </a:r>
+            <a:r>
+              <a:rPr lang="en-US" sz="2000" dirty="0" smtClean="0"/>
+              <a:t>planning</a:t>
+            </a:r>
+          </a:p>
+          <a:p>
+            <a:pPr marL="342900" indent="-342900">
+              <a:buFont typeface="Arial" pitchFamily="34" charset="0"/>
+              <a:buChar char="•"/>
+            </a:pPr>
+            <a:r>
+              <a:rPr lang="en-US" sz="2000" dirty="0"/>
+              <a:t>Content </a:t>
+            </a:r>
+            <a:r>
+              <a:rPr lang="en-US" sz="2000" dirty="0" smtClean="0"/>
+              <a:t>Deficiencies</a:t>
+            </a:r>
+          </a:p>
+          <a:p>
+            <a:pPr marL="342900" indent="-342900">
+              <a:buFont typeface="Arial" pitchFamily="34" charset="0"/>
+              <a:buChar char="•"/>
+            </a:pPr>
+            <a:r>
+              <a:rPr lang="en-US" sz="2000" dirty="0" smtClean="0"/>
+              <a:t>Exceeded budget	</a:t>
+            </a:r>
+            <a:r>
+              <a:rPr lang="en-US" sz="2000" b="1" dirty="0" smtClean="0">
+                <a:solidFill>
+                  <a:schemeClr val="accent6">
+                    <a:lumMod val="50000"/>
+                  </a:schemeClr>
+                </a:solidFill>
+              </a:rPr>
+              <a:t>	</a:t>
+            </a:r>
+          </a:p>
+          <a:p>
+            <a:r>
+              <a:rPr lang="en-US" sz="2000" b="1" dirty="0">
+                <a:solidFill>
+                  <a:schemeClr val="accent6">
+                    <a:lumMod val="50000"/>
+                  </a:schemeClr>
+                </a:solidFill>
+              </a:rPr>
+              <a:t>	</a:t>
+            </a:r>
+            <a:r>
+              <a:rPr lang="en-US" sz="2000" b="1" dirty="0" smtClean="0">
+                <a:solidFill>
+                  <a:schemeClr val="accent6">
+                    <a:lumMod val="50000"/>
+                  </a:schemeClr>
+                </a:solidFill>
+              </a:rPr>
+              <a:t>		</a:t>
+            </a:r>
+            <a:r>
+              <a:rPr lang="en-US" sz="2800" b="1" dirty="0" smtClean="0">
+                <a:solidFill>
+                  <a:schemeClr val="accent6">
+                    <a:lumMod val="50000"/>
+                  </a:schemeClr>
+                </a:solidFill>
+              </a:rPr>
+              <a:t>How </a:t>
+            </a:r>
+            <a:r>
+              <a:rPr lang="en-US" sz="2800" b="1" dirty="0" smtClean="0">
+                <a:solidFill>
+                  <a:schemeClr val="accent6">
+                    <a:lumMod val="50000"/>
+                  </a:schemeClr>
+                </a:solidFill>
+              </a:rPr>
+              <a:t>should we improve </a:t>
+            </a:r>
+            <a:r>
+              <a:rPr lang="en-US" sz="2800" b="1" dirty="0" smtClean="0">
+                <a:solidFill>
+                  <a:schemeClr val="accent6">
+                    <a:lumMod val="50000"/>
+                  </a:schemeClr>
+                </a:solidFill>
+              </a:rPr>
+              <a:t>?</a:t>
+            </a:r>
+          </a:p>
+          <a:p>
+            <a:r>
+              <a:rPr lang="en-US" sz="2800" b="1" dirty="0">
+                <a:solidFill>
+                  <a:schemeClr val="accent6">
+                    <a:lumMod val="50000"/>
+                  </a:schemeClr>
+                </a:solidFill>
+              </a:rPr>
+              <a:t>	</a:t>
+            </a:r>
+            <a:r>
+              <a:rPr lang="en-US" sz="2800" b="1" dirty="0" smtClean="0">
+                <a:solidFill>
+                  <a:schemeClr val="accent6">
+                    <a:lumMod val="50000"/>
+                  </a:schemeClr>
+                </a:solidFill>
+              </a:rPr>
+              <a:t>		</a:t>
+            </a:r>
+            <a:r>
+              <a:rPr lang="en-US" sz="2000" dirty="0" smtClean="0"/>
+              <a:t>Defining </a:t>
+            </a:r>
+            <a:r>
+              <a:rPr lang="en-US" sz="2000" dirty="0"/>
+              <a:t>scope clearly, reduce change </a:t>
+            </a:r>
+            <a:r>
+              <a:rPr lang="en-US" sz="2000" dirty="0" smtClean="0"/>
+              <a:t>requests.				Meeting </a:t>
+            </a:r>
+            <a:r>
+              <a:rPr lang="en-US" sz="2000" dirty="0" smtClean="0"/>
+              <a:t>tasks deadline, deliverables by planning. </a:t>
+            </a:r>
+            <a:r>
+              <a:rPr lang="en-US" sz="2000" dirty="0" smtClean="0"/>
+              <a:t>				Maintaining </a:t>
+            </a:r>
+            <a:r>
+              <a:rPr lang="en-US" sz="2000" dirty="0"/>
+              <a:t>the required quality </a:t>
+            </a:r>
+            <a:r>
+              <a:rPr lang="en-US" sz="2000" dirty="0" smtClean="0"/>
+              <a:t>levels.					Meeting </a:t>
+            </a:r>
+            <a:r>
+              <a:rPr lang="en-US" sz="2000" dirty="0"/>
+              <a:t>the </a:t>
+            </a:r>
+            <a:r>
+              <a:rPr lang="en-US" sz="2000" dirty="0" smtClean="0"/>
+              <a:t>budget.</a:t>
+            </a:r>
+          </a:p>
+          <a:p>
+            <a:r>
+              <a:rPr lang="en-US" sz="2000" dirty="0"/>
+              <a:t>	</a:t>
+            </a:r>
+            <a:r>
+              <a:rPr lang="en-US" sz="2000" dirty="0" smtClean="0"/>
+              <a:t>		</a:t>
+            </a:r>
+            <a:r>
+              <a:rPr lang="en-US" sz="2000" dirty="0" smtClean="0"/>
+              <a:t>Team Management.</a:t>
+            </a:r>
+            <a:r>
+              <a:rPr lang="en-US" sz="2000" b="1" dirty="0">
+                <a:solidFill>
+                  <a:schemeClr val="accent6">
+                    <a:lumMod val="50000"/>
+                  </a:schemeClr>
+                </a:solidFill>
+              </a:rPr>
+              <a:t>	</a:t>
+            </a:r>
+            <a:endParaRPr lang="en-US" sz="2000" b="1" dirty="0" smtClean="0">
+              <a:solidFill>
+                <a:schemeClr val="accent6">
+                  <a:lumMod val="50000"/>
+                </a:schemeClr>
+              </a:solidFill>
+            </a:endParaRPr>
+          </a:p>
+          <a:p>
+            <a:r>
+              <a:rPr lang="en-US" sz="2000" b="1" dirty="0">
+                <a:solidFill>
+                  <a:schemeClr val="accent6">
+                    <a:lumMod val="50000"/>
+                  </a:schemeClr>
+                </a:solidFill>
+              </a:rPr>
+              <a:t>	</a:t>
+            </a:r>
+            <a:r>
+              <a:rPr lang="en-US" sz="2000" b="1" dirty="0" smtClean="0">
+                <a:solidFill>
+                  <a:schemeClr val="accent6">
+                    <a:lumMod val="50000"/>
+                  </a:schemeClr>
+                </a:solidFill>
+              </a:rPr>
+              <a:t>		</a:t>
+            </a:r>
+            <a:r>
+              <a:rPr lang="en-US" sz="2000" dirty="0" smtClean="0"/>
+              <a:t>Plan </a:t>
+            </a:r>
+            <a:r>
+              <a:rPr lang="en-US" sz="2000" dirty="0"/>
+              <a:t>for </a:t>
+            </a:r>
+            <a:r>
+              <a:rPr lang="en-US" sz="2000" dirty="0" smtClean="0"/>
+              <a:t>uncertainty, </a:t>
+            </a:r>
+            <a:r>
+              <a:rPr lang="en-US" sz="2000" dirty="0"/>
+              <a:t>prepare for the </a:t>
+            </a:r>
+            <a:r>
+              <a:rPr lang="en-US" sz="2000" dirty="0" smtClean="0"/>
+              <a:t>unexpected.</a:t>
+            </a:r>
+          </a:p>
+        </p:txBody>
+      </p:sp>
+      <p:sp>
+        <p:nvSpPr>
+          <p:cNvPr id="2" name="Footer Placeholder 1"/>
+          <p:cNvSpPr>
+            <a:spLocks noGrp="1"/>
+          </p:cNvSpPr>
+          <p:nvPr>
+            <p:ph type="ftr" sz="quarter" idx="11"/>
+          </p:nvPr>
+        </p:nvSpPr>
+        <p:spPr/>
+        <p:txBody>
+          <a:bodyPr/>
+          <a:lstStyle/>
+          <a:p>
+            <a:r>
+              <a:rPr lang="en-US" dirty="0" smtClean="0"/>
+              <a:t>OOPMS Team</a:t>
+            </a:r>
+            <a:endParaRPr lang="en-US" dirty="0"/>
+          </a:p>
+        </p:txBody>
+      </p:sp>
+    </p:spTree>
+    <p:extLst>
+      <p:ext uri="{BB962C8B-B14F-4D97-AF65-F5344CB8AC3E}">
+        <p14:creationId xmlns:p14="http://schemas.microsoft.com/office/powerpoint/2010/main" val="1741471829"/>
+      </p:ext>
+    </p:extLst>
+  </p:cSld>
+  <p:clrMapOvr>
+    <a:masterClrMapping/>
+  </p:clrMapOvr>
+  <mc:AlternateContent xmlns:mc="http://schemas.openxmlformats.org/markup-compatibility/2006" xmlns:p14="http://schemas.microsoft.com/office/powerpoint/2010/main">
+    <mc:Choice Requires="p14">
+      <p:transition spd="slow" p14:dur="1400">
+        <p14:ripple/>
+      </p:transition>
+    </mc:Choice>
+    <mc:Fallback xmlns="">
+      <p:transition spd="slow">
+        <p:fade/>
+      </p:transition>
+    </mc:Fallback>
+  </mc:AlternateContent>
+  <p:timing>
+    <p:tnLst>
+      <p:par>
+        <p:cTn id="1" dur="indefinite" restart="never" nodeType="tmRoot"/>
+      </p:par>
+    </p:tnLst>
+  </p:timing>
+</p:sld>
+</file>
+
+<file path=ppt/slides/slide7.xml><?xml version="1.0" encoding="utf-8"?>
+<p:sld xmlns:a="http://schemas.openxmlformats.org/drawingml/2006/main" xmlns:r="http://schemas.openxmlformats.org/officeDocument/2006/relationships" xmlns:p="http://schemas.openxmlformats.org/presentationml/2006/main">
+  <p:cSld>
+    <p:spTree>
+      <p:nvGrpSpPr>
+        <p:cNvPr id="1" name=""/>
+        <p:cNvGrpSpPr/>
+        <p:nvPr/>
+      </p:nvGrpSpPr>
+      <p:grpSpPr>
+        <a:xfrm>
+          <a:off x="0" y="0"/>
+          <a:ext cx="0" cy="0"/>
+          <a:chOff x="0" y="0"/>
+          <a:chExt cx="0" cy="0"/>
+        </a:xfrm>
+      </p:grpSpPr>
+      <p:sp>
+        <p:nvSpPr>
+          <p:cNvPr id="4" name="Slide Number Placeholder 3"/>
+          <p:cNvSpPr>
+            <a:spLocks noGrp="1"/>
+          </p:cNvSpPr>
+          <p:nvPr>
+            <p:ph type="sldNum" sz="quarter" idx="12"/>
+          </p:nvPr>
+        </p:nvSpPr>
+        <p:spPr/>
+        <p:txBody>
+          <a:bodyPr/>
+          <a:lstStyle/>
+          <a:p>
+            <a:fld id="{B6F15528-21DE-4FAA-801E-634DDDAF4B2B}" type="slidenum">
+              <a:rPr lang="en-US" smtClean="0"/>
+              <a:pPr/>
+              <a:t>7</a:t>
             </a:fld>
             <a:endParaRPr lang="en-US"/>
           </a:p>
@@ -43673,7 +44461,7 @@
 </p:sld>
 </file>
 
-<file path=ppt/slides/slide7.xml><?xml version="1.0" encoding="utf-8"?>
+<file path=ppt/slides/slide8.xml><?xml version="1.0" encoding="utf-8"?>
 <p:sld xmlns:a="http://schemas.openxmlformats.org/drawingml/2006/main" xmlns:r="http://schemas.openxmlformats.org/officeDocument/2006/relationships" xmlns:p="http://schemas.openxmlformats.org/presentationml/2006/main">
   <p:cSld>
     <p:spTree>
@@ -43708,7 +44496,7 @@
             <a:fld id="{B6F15528-21DE-4FAA-801E-634DDDAF4B2B}" type="slidenum">
               <a:rPr lang="en-US" smtClean="0"/>
               <a:pPr/>
-              <a:t>7</a:t>
+              <a:t>8</a:t>
             </a:fld>
             <a:endParaRPr lang="en-US"/>
           </a:p>
@@ -44072,7 +44860,7 @@
 </p:sld>
 </file>
 
-<file path=ppt/slides/slide8.xml><?xml version="1.0" encoding="utf-8"?>
+<file path=ppt/slides/slide9.xml><?xml version="1.0" encoding="utf-8"?>
 <p:sld xmlns:a="http://schemas.openxmlformats.org/drawingml/2006/main" xmlns:r="http://schemas.openxmlformats.org/officeDocument/2006/relationships" xmlns:p="http://schemas.openxmlformats.org/presentationml/2006/main">
   <p:cSld>
     <p:spTree>
@@ -44107,7 +44895,7 @@
             <a:fld id="{B6F15528-21DE-4FAA-801E-634DDDAF4B2B}" type="slidenum">
               <a:rPr lang="en-US" smtClean="0"/>
               <a:pPr/>
-              <a:t>8</a:t>
+              <a:t>9</a:t>
             </a:fld>
             <a:endParaRPr lang="en-US"/>
           </a:p>
@@ -44873,286 +45661,6 @@
       <p:bldP spid="14" grpId="0"/>
       <p:bldP spid="19" grpId="0"/>
     </p:bldLst>
-  </p:timing>
-</p:sld>
-</file>
-
-<file path=ppt/slides/slide9.xml><?xml version="1.0" encoding="utf-8"?>
-<p:sld xmlns:a="http://schemas.openxmlformats.org/drawingml/2006/main" xmlns:r="http://schemas.openxmlformats.org/officeDocument/2006/relationships" xmlns:p="http://schemas.openxmlformats.org/presentationml/2006/main">
-  <p:cSld>
-    <p:spTree>
-      <p:nvGrpSpPr>
-        <p:cNvPr id="1" name=""/>
-        <p:cNvGrpSpPr/>
-        <p:nvPr/>
-      </p:nvGrpSpPr>
-      <p:grpSpPr>
-        <a:xfrm>
-          <a:off x="0" y="0"/>
-          <a:ext cx="0" cy="0"/>
-          <a:chOff x="0" y="0"/>
-          <a:chExt cx="0" cy="0"/>
-        </a:xfrm>
-      </p:grpSpPr>
-      <p:sp>
-        <p:nvSpPr>
-          <p:cNvPr id="4" name="Slide Number Placeholder 3"/>
-          <p:cNvSpPr>
-            <a:spLocks noGrp="1"/>
-          </p:cNvSpPr>
-          <p:nvPr>
-            <p:ph type="sldNum" sz="quarter" idx="12"/>
-          </p:nvPr>
-        </p:nvSpPr>
-        <p:spPr/>
-        <p:txBody>
-          <a:bodyPr/>
-          <a:lstStyle/>
-          <a:p>
-            <a:fld id="{B6F15528-21DE-4FAA-801E-634DDDAF4B2B}" type="slidenum">
-              <a:rPr lang="en-US" smtClean="0"/>
-              <a:pPr/>
-              <a:t>9</a:t>
-            </a:fld>
-            <a:endParaRPr lang="en-US"/>
-          </a:p>
-        </p:txBody>
-      </p:sp>
-      <p:sp>
-        <p:nvSpPr>
-          <p:cNvPr id="5" name="TextBox 4"/>
-          <p:cNvSpPr txBox="1"/>
-          <p:nvPr/>
-        </p:nvSpPr>
-        <p:spPr>
-          <a:xfrm>
-            <a:off x="101600" y="685800"/>
-            <a:ext cx="6934200" cy="707886"/>
-          </a:xfrm>
-          <a:prstGeom prst="rect">
-            <a:avLst/>
-          </a:prstGeom>
-          <a:noFill/>
-        </p:spPr>
-        <p:txBody>
-          <a:bodyPr wrap="square" rtlCol="0">
-            <a:spAutoFit/>
-          </a:bodyPr>
-          <a:lstStyle/>
-          <a:p>
-            <a:r>
-              <a:rPr lang="en-US" sz="4000" dirty="0" smtClean="0">
-                <a:solidFill>
-                  <a:srgbClr val="FFC000"/>
-                </a:solidFill>
-                <a:latin typeface="Adobe Caslon Pro Bold" pitchFamily="18" charset="0"/>
-                <a:ea typeface="Adobe Fan Heiti Std B" pitchFamily="34" charset="-128"/>
-              </a:rPr>
-              <a:t>Application</a:t>
-            </a:r>
-          </a:p>
-        </p:txBody>
-      </p:sp>
-      <p:sp>
-        <p:nvSpPr>
-          <p:cNvPr id="6" name="TextBox 5"/>
-          <p:cNvSpPr txBox="1"/>
-          <p:nvPr/>
-        </p:nvSpPr>
-        <p:spPr>
-          <a:xfrm>
-            <a:off x="5181600" y="4191000"/>
-            <a:ext cx="3300968" cy="400110"/>
-          </a:xfrm>
-          <a:prstGeom prst="rect">
-            <a:avLst/>
-          </a:prstGeom>
-          <a:noFill/>
-        </p:spPr>
-        <p:txBody>
-          <a:bodyPr wrap="none" rtlCol="0">
-            <a:spAutoFit/>
-          </a:bodyPr>
-          <a:lstStyle/>
-          <a:p>
-            <a:r>
-              <a:rPr lang="en-US" sz="2000" b="1" dirty="0" smtClean="0">
-                <a:solidFill>
-                  <a:schemeClr val="accent6">
-                    <a:lumMod val="50000"/>
-                  </a:schemeClr>
-                </a:solidFill>
-              </a:rPr>
-              <a:t>Web-based APPLICATION</a:t>
-            </a:r>
-            <a:endParaRPr lang="en-US" sz="2000" b="1" dirty="0">
-              <a:solidFill>
-                <a:schemeClr val="accent6">
-                  <a:lumMod val="50000"/>
-                </a:schemeClr>
-              </a:solidFill>
-            </a:endParaRPr>
-          </a:p>
-        </p:txBody>
-      </p:sp>
-      <p:sp>
-        <p:nvSpPr>
-          <p:cNvPr id="8" name="TextBox 7"/>
-          <p:cNvSpPr txBox="1"/>
-          <p:nvPr/>
-        </p:nvSpPr>
-        <p:spPr>
-          <a:xfrm>
-            <a:off x="457200" y="6172200"/>
-            <a:ext cx="2975366" cy="400110"/>
-          </a:xfrm>
-          <a:prstGeom prst="rect">
-            <a:avLst/>
-          </a:prstGeom>
-          <a:noFill/>
-        </p:spPr>
-        <p:txBody>
-          <a:bodyPr wrap="none" rtlCol="0">
-            <a:spAutoFit/>
-          </a:bodyPr>
-          <a:lstStyle/>
-          <a:p>
-            <a:r>
-              <a:rPr lang="en-US" sz="2000" b="1" dirty="0" smtClean="0">
-                <a:solidFill>
-                  <a:schemeClr val="accent6">
-                    <a:lumMod val="50000"/>
-                  </a:schemeClr>
-                </a:solidFill>
-              </a:rPr>
-              <a:t>Android APPLICATION</a:t>
-            </a:r>
-            <a:endParaRPr lang="en-US" sz="2000" b="1" dirty="0">
-              <a:solidFill>
-                <a:schemeClr val="accent6">
-                  <a:lumMod val="50000"/>
-                </a:schemeClr>
-              </a:solidFill>
-            </a:endParaRPr>
-          </a:p>
-        </p:txBody>
-      </p:sp>
-      <p:pic>
-        <p:nvPicPr>
-          <p:cNvPr id="7" name="Picture 6" descr="C:\Users\DuyNgo\Desktop\ScreenHunter_02 Aug. 11 09.17.png"/>
-          <p:cNvPicPr/>
-          <p:nvPr/>
-        </p:nvPicPr>
-        <p:blipFill>
-          <a:blip r:embed="rId2">
-            <a:extLst>
-              <a:ext uri="{28A0092B-C50C-407E-A947-70E740481C1C}">
-                <a14:useLocalDpi xmlns:a14="http://schemas.microsoft.com/office/drawing/2010/main" val="0"/>
-              </a:ext>
-            </a:extLst>
-          </a:blip>
-          <a:srcRect/>
-          <a:stretch>
-            <a:fillRect/>
-          </a:stretch>
-        </p:blipFill>
-        <p:spPr bwMode="auto">
-          <a:xfrm>
-            <a:off x="3432566" y="1784651"/>
-            <a:ext cx="5580380" cy="1938020"/>
-          </a:xfrm>
-          <a:prstGeom prst="rect">
-            <a:avLst/>
-          </a:prstGeom>
-          <a:noFill/>
-          <a:ln>
-            <a:noFill/>
-          </a:ln>
-        </p:spPr>
-      </p:pic>
-      <p:pic>
-        <p:nvPicPr>
-          <p:cNvPr id="2050" name="Picture 2" descr="C:\Users\DuyNgo\Desktop\Capstone\SVNTrunk\Document\Design\Android\Dashboard.PNG"/>
-          <p:cNvPicPr>
-            <a:picLocks noChangeAspect="1" noChangeArrowheads="1"/>
-          </p:cNvPicPr>
-          <p:nvPr/>
-        </p:nvPicPr>
-        <p:blipFill>
-          <a:blip r:embed="rId3">
-            <a:extLst>
-              <a:ext uri="{28A0092B-C50C-407E-A947-70E740481C1C}">
-                <a14:useLocalDpi xmlns:a14="http://schemas.microsoft.com/office/drawing/2010/main" val="0"/>
-              </a:ext>
-            </a:extLst>
-          </a:blip>
-          <a:srcRect/>
-          <a:stretch>
-            <a:fillRect/>
-          </a:stretch>
-        </p:blipFill>
-        <p:spPr bwMode="auto">
-          <a:xfrm>
-            <a:off x="256396" y="2209800"/>
-            <a:ext cx="3016394" cy="3514755"/>
-          </a:xfrm>
-          <a:prstGeom prst="rect">
-            <a:avLst/>
-          </a:prstGeom>
-          <a:noFill/>
-          <a:extLst>
-            <a:ext uri="{909E8E84-426E-40DD-AFC4-6F175D3DCCD1}">
-              <a14:hiddenFill xmlns:a14="http://schemas.microsoft.com/office/drawing/2010/main">
-                <a:solidFill>
-                  <a:srgbClr val="FFFFFF"/>
-                </a:solidFill>
-              </a14:hiddenFill>
-            </a:ext>
-          </a:extLst>
-        </p:spPr>
-      </p:pic>
-      <p:sp>
-        <p:nvSpPr>
-          <p:cNvPr id="2" name="Footer Placeholder 1"/>
-          <p:cNvSpPr>
-            <a:spLocks noGrp="1"/>
-          </p:cNvSpPr>
-          <p:nvPr>
-            <p:ph type="ftr" sz="quarter" idx="11"/>
-          </p:nvPr>
-        </p:nvSpPr>
-        <p:spPr/>
-        <p:txBody>
-          <a:bodyPr/>
-          <a:lstStyle/>
-          <a:p>
-            <a:r>
-              <a:rPr lang="en-US" smtClean="0"/>
-              <a:t>OOPMS Team</a:t>
-            </a:r>
-            <a:endParaRPr lang="en-US"/>
-          </a:p>
-        </p:txBody>
-      </p:sp>
-    </p:spTree>
-    <p:extLst>
-      <p:ext uri="{BB962C8B-B14F-4D97-AF65-F5344CB8AC3E}">
-        <p14:creationId xmlns:p14="http://schemas.microsoft.com/office/powerpoint/2010/main" val="697469285"/>
-      </p:ext>
-    </p:extLst>
-  </p:cSld>
-  <p:clrMapOvr>
-    <a:masterClrMapping/>
-  </p:clrMapOvr>
-  <p:transition spd="slow">
-    <p:randomBar dir="vert"/>
-  </p:transition>
-  <p:timing>
-    <p:tnLst>
-      <p:par>
-        <p:cTn id="1" dur="indefinite" restart="never" nodeType="tmRoot"/>
-      </p:par>
-    </p:tnLst>
   </p:timing>
 </p:sld>
 </file>

--- a/Document/Report/Presentation/OOPMS_Presentation_v1.0.pptx
+++ b/Document/Report/Presentation/OOPMS_Presentation_v1.0.pptx
@@ -26,19 +26,19 @@
     <p:sldId id="271" r:id="rId17"/>
     <p:sldId id="272" r:id="rId18"/>
     <p:sldId id="273" r:id="rId19"/>
-    <p:sldId id="274" r:id="rId20"/>
-    <p:sldId id="275" r:id="rId21"/>
-    <p:sldId id="276" r:id="rId22"/>
-    <p:sldId id="278" r:id="rId23"/>
-    <p:sldId id="292" r:id="rId24"/>
-    <p:sldId id="301" r:id="rId25"/>
-    <p:sldId id="295" r:id="rId26"/>
-    <p:sldId id="279" r:id="rId27"/>
-    <p:sldId id="280" r:id="rId28"/>
-    <p:sldId id="281" r:id="rId29"/>
-    <p:sldId id="302" r:id="rId30"/>
-    <p:sldId id="303" r:id="rId31"/>
-    <p:sldId id="304" r:id="rId32"/>
+    <p:sldId id="278" r:id="rId20"/>
+    <p:sldId id="292" r:id="rId21"/>
+    <p:sldId id="301" r:id="rId22"/>
+    <p:sldId id="295" r:id="rId23"/>
+    <p:sldId id="279" r:id="rId24"/>
+    <p:sldId id="280" r:id="rId25"/>
+    <p:sldId id="281" r:id="rId26"/>
+    <p:sldId id="302" r:id="rId27"/>
+    <p:sldId id="303" r:id="rId28"/>
+    <p:sldId id="304" r:id="rId29"/>
+    <p:sldId id="317" r:id="rId30"/>
+    <p:sldId id="318" r:id="rId31"/>
+    <p:sldId id="319" r:id="rId32"/>
     <p:sldId id="305" r:id="rId33"/>
     <p:sldId id="306" r:id="rId34"/>
     <p:sldId id="307" r:id="rId35"/>
@@ -13020,13 +13020,7 @@
               <a:rPr lang="en-US" dirty="0" smtClean="0">
                 <a:latin typeface="Traveling _Typewriter" pitchFamily="2" charset="0"/>
               </a:rPr>
-              <a:t>Android </a:t>
-            </a:r>
-            <a:r>
-              <a:rPr lang="en-US" dirty="0" smtClean="0">
-                <a:latin typeface="Traveling _Typewriter" pitchFamily="2" charset="0"/>
-              </a:rPr>
-              <a:t>Version, </a:t>
+              <a:t>Android Version, </a:t>
             </a:r>
             <a:r>
               <a:rPr lang="en-US" dirty="0" err="1" smtClean="0">
@@ -14257,3498 +14251,6 @@
       </p:sp>
       <p:sp>
         <p:nvSpPr>
-          <p:cNvPr id="6" name="Rectangle 5"/>
-          <p:cNvSpPr>
-            <a:spLocks noChangeArrowheads="1"/>
-          </p:cNvSpPr>
-          <p:nvPr/>
-        </p:nvSpPr>
-        <p:spPr bwMode="auto">
-          <a:xfrm>
-            <a:off x="1524000" y="1524000"/>
-            <a:ext cx="4419600" cy="519112"/>
-          </a:xfrm>
-          <a:prstGeom prst="rect">
-            <a:avLst/>
-          </a:prstGeom>
-          <a:noFill/>
-          <a:ln>
-            <a:noFill/>
-          </a:ln>
-          <a:effectLst/>
-          <a:extLst>
-            <a:ext uri="{909E8E84-426E-40DD-AFC4-6F175D3DCCD1}">
-              <a14:hiddenFill xmlns:a14="http://schemas.microsoft.com/office/drawing/2010/main">
-                <a:solidFill>
-                  <a:schemeClr val="accent1"/>
-                </a:solidFill>
-              </a14:hiddenFill>
-            </a:ext>
-            <a:ext uri="{91240B29-F687-4F45-9708-019B960494DF}">
-              <a14:hiddenLine xmlns:a14="http://schemas.microsoft.com/office/drawing/2010/main" w="9525" algn="ctr">
-                <a:solidFill>
-                  <a:schemeClr val="tx1"/>
-                </a:solidFill>
-                <a:miter lim="800000"/>
-                <a:headEnd/>
-                <a:tailEnd/>
-              </a14:hiddenLine>
-            </a:ext>
-            <a:ext uri="{AF507438-7753-43E0-B8FC-AC1667EBCBE1}">
-              <a14:hiddenEffects xmlns:a14="http://schemas.microsoft.com/office/drawing/2010/main">
-                <a:effectLst>
-                  <a:outerShdw dist="35921" dir="2700000" algn="ctr" rotWithShape="0">
-                    <a:schemeClr val="bg2"/>
-                  </a:outerShdw>
-                </a:effectLst>
-              </a14:hiddenEffects>
-            </a:ext>
-          </a:extLst>
-        </p:spPr>
-        <p:txBody>
-          <a:bodyPr>
-            <a:spAutoFit/>
-          </a:bodyPr>
-          <a:lstStyle/>
-          <a:p>
-            <a:pPr eaLnBrk="0" hangingPunct="0"/>
-            <a:r>
-              <a:rPr lang="en-US" sz="2800" dirty="0" smtClean="0">
-                <a:solidFill>
-                  <a:srgbClr val="000000"/>
-                </a:solidFill>
-                <a:latin typeface="Times New Roman" pitchFamily="18" charset="0"/>
-              </a:rPr>
-              <a:t>USER REQUIREMENT</a:t>
-            </a:r>
-            <a:endParaRPr lang="en-US" sz="2800" dirty="0">
-              <a:solidFill>
-                <a:srgbClr val="000000"/>
-              </a:solidFill>
-              <a:latin typeface="Times New Roman" pitchFamily="18" charset="0"/>
-            </a:endParaRPr>
-          </a:p>
-        </p:txBody>
-      </p:sp>
-      <p:sp>
-        <p:nvSpPr>
-          <p:cNvPr id="7" name="Rectangle 6"/>
-          <p:cNvSpPr>
-            <a:spLocks noChangeArrowheads="1"/>
-          </p:cNvSpPr>
-          <p:nvPr/>
-        </p:nvSpPr>
-        <p:spPr bwMode="auto">
-          <a:xfrm>
-            <a:off x="1524000" y="2819400"/>
-            <a:ext cx="4800600" cy="523220"/>
-          </a:xfrm>
-          <a:prstGeom prst="rect">
-            <a:avLst/>
-          </a:prstGeom>
-          <a:noFill/>
-          <a:ln>
-            <a:noFill/>
-          </a:ln>
-          <a:effectLst/>
-          <a:extLst>
-            <a:ext uri="{909E8E84-426E-40DD-AFC4-6F175D3DCCD1}">
-              <a14:hiddenFill xmlns:a14="http://schemas.microsoft.com/office/drawing/2010/main">
-                <a:solidFill>
-                  <a:schemeClr val="accent1"/>
-                </a:solidFill>
-              </a14:hiddenFill>
-            </a:ext>
-            <a:ext uri="{91240B29-F687-4F45-9708-019B960494DF}">
-              <a14:hiddenLine xmlns:a14="http://schemas.microsoft.com/office/drawing/2010/main" w="9525" algn="ctr">
-                <a:solidFill>
-                  <a:schemeClr val="tx1"/>
-                </a:solidFill>
-                <a:miter lim="800000"/>
-                <a:headEnd/>
-                <a:tailEnd/>
-              </a14:hiddenLine>
-            </a:ext>
-            <a:ext uri="{AF507438-7753-43E0-B8FC-AC1667EBCBE1}">
-              <a14:hiddenEffects xmlns:a14="http://schemas.microsoft.com/office/drawing/2010/main">
-                <a:effectLst>
-                  <a:outerShdw dist="35921" dir="2700000" algn="ctr" rotWithShape="0">
-                    <a:schemeClr val="bg2"/>
-                  </a:outerShdw>
-                </a:effectLst>
-              </a14:hiddenEffects>
-            </a:ext>
-          </a:extLst>
-        </p:spPr>
-        <p:txBody>
-          <a:bodyPr wrap="square">
-            <a:spAutoFit/>
-          </a:bodyPr>
-          <a:lstStyle/>
-          <a:p>
-            <a:pPr eaLnBrk="0" hangingPunct="0"/>
-            <a:r>
-              <a:rPr lang="en-US" sz="2800" dirty="0" smtClean="0">
-                <a:solidFill>
-                  <a:srgbClr val="000000"/>
-                </a:solidFill>
-                <a:latin typeface="Times New Roman" pitchFamily="18" charset="0"/>
-              </a:rPr>
-              <a:t>SYSTEM REQUIREMENT</a:t>
-            </a:r>
-            <a:endParaRPr lang="en-US" sz="2800" dirty="0">
-              <a:solidFill>
-                <a:srgbClr val="000000"/>
-              </a:solidFill>
-              <a:latin typeface="Times New Roman" pitchFamily="18" charset="0"/>
-            </a:endParaRPr>
-          </a:p>
-        </p:txBody>
-      </p:sp>
-      <p:sp>
-        <p:nvSpPr>
-          <p:cNvPr id="8" name="Rectangle 7"/>
-          <p:cNvSpPr>
-            <a:spLocks noChangeArrowheads="1"/>
-          </p:cNvSpPr>
-          <p:nvPr/>
-        </p:nvSpPr>
-        <p:spPr bwMode="auto">
-          <a:xfrm>
-            <a:off x="1524000" y="4038600"/>
-            <a:ext cx="6563390" cy="523220"/>
-          </a:xfrm>
-          <a:prstGeom prst="rect">
-            <a:avLst/>
-          </a:prstGeom>
-          <a:noFill/>
-          <a:ln>
-            <a:noFill/>
-          </a:ln>
-          <a:effectLst/>
-          <a:extLst>
-            <a:ext uri="{909E8E84-426E-40DD-AFC4-6F175D3DCCD1}">
-              <a14:hiddenFill xmlns:a14="http://schemas.microsoft.com/office/drawing/2010/main">
-                <a:solidFill>
-                  <a:schemeClr val="accent1"/>
-                </a:solidFill>
-              </a14:hiddenFill>
-            </a:ext>
-            <a:ext uri="{91240B29-F687-4F45-9708-019B960494DF}">
-              <a14:hiddenLine xmlns:a14="http://schemas.microsoft.com/office/drawing/2010/main" w="9525" algn="ctr">
-                <a:solidFill>
-                  <a:schemeClr val="tx1"/>
-                </a:solidFill>
-                <a:miter lim="800000"/>
-                <a:headEnd/>
-                <a:tailEnd/>
-              </a14:hiddenLine>
-            </a:ext>
-            <a:ext uri="{AF507438-7753-43E0-B8FC-AC1667EBCBE1}">
-              <a14:hiddenEffects xmlns:a14="http://schemas.microsoft.com/office/drawing/2010/main">
-                <a:effectLst>
-                  <a:outerShdw dist="35921" dir="2700000" algn="ctr" rotWithShape="0">
-                    <a:schemeClr val="bg2"/>
-                  </a:outerShdw>
-                </a:effectLst>
-              </a14:hiddenEffects>
-            </a:ext>
-          </a:extLst>
-        </p:spPr>
-        <p:txBody>
-          <a:bodyPr wrap="square">
-            <a:spAutoFit/>
-          </a:bodyPr>
-          <a:lstStyle/>
-          <a:p>
-            <a:pPr eaLnBrk="0" hangingPunct="0"/>
-            <a:r>
-              <a:rPr lang="en-US" sz="2800" dirty="0" smtClean="0">
-                <a:solidFill>
-                  <a:srgbClr val="000000"/>
-                </a:solidFill>
-                <a:latin typeface="Times New Roman" pitchFamily="18" charset="0"/>
-              </a:rPr>
-              <a:t>NON-FUNCTIONAL REQUIREMENT</a:t>
-            </a:r>
-            <a:endParaRPr lang="en-US" sz="2800" dirty="0">
-              <a:solidFill>
-                <a:srgbClr val="000000"/>
-              </a:solidFill>
-              <a:latin typeface="Times New Roman" pitchFamily="18" charset="0"/>
-            </a:endParaRPr>
-          </a:p>
-        </p:txBody>
-      </p:sp>
-      <p:grpSp>
-        <p:nvGrpSpPr>
-          <p:cNvPr id="10" name="Group 9"/>
-          <p:cNvGrpSpPr>
-            <a:grpSpLocks/>
-          </p:cNvGrpSpPr>
-          <p:nvPr/>
-        </p:nvGrpSpPr>
-        <p:grpSpPr bwMode="auto">
-          <a:xfrm>
-            <a:off x="1143000" y="1846262"/>
-            <a:ext cx="5867400" cy="533400"/>
-            <a:chOff x="1104" y="1488"/>
-            <a:chExt cx="3696" cy="336"/>
-          </a:xfrm>
-        </p:grpSpPr>
-        <p:grpSp>
-          <p:nvGrpSpPr>
-            <p:cNvPr id="11" name="Group 10"/>
-            <p:cNvGrpSpPr>
-              <a:grpSpLocks/>
-            </p:cNvGrpSpPr>
-            <p:nvPr/>
-          </p:nvGrpSpPr>
-          <p:grpSpPr bwMode="auto">
-            <a:xfrm>
-              <a:off x="1247" y="1622"/>
-              <a:ext cx="3553" cy="68"/>
-              <a:chOff x="528" y="1824"/>
-              <a:chExt cx="4512" cy="71"/>
-            </a:xfrm>
-          </p:grpSpPr>
-          <p:sp>
-            <p:nvSpPr>
-              <p:cNvPr id="27" name="Rectangle 11"/>
-              <p:cNvSpPr>
-                <a:spLocks noChangeArrowheads="1"/>
-              </p:cNvSpPr>
-              <p:nvPr/>
-            </p:nvSpPr>
-            <p:spPr bwMode="gray">
-              <a:xfrm>
-                <a:off x="528" y="1844"/>
-                <a:ext cx="4512" cy="31"/>
-              </a:xfrm>
-              <a:prstGeom prst="rect">
-                <a:avLst/>
-              </a:prstGeom>
-              <a:gradFill rotWithShape="0">
-                <a:gsLst>
-                  <a:gs pos="0">
-                    <a:srgbClr val="009999"/>
-                  </a:gs>
-                  <a:gs pos="100000">
-                    <a:srgbClr val="009999">
-                      <a:gamma/>
-                      <a:shade val="46275"/>
-                      <a:invGamma/>
-                      <a:alpha val="0"/>
-                    </a:srgbClr>
-                  </a:gs>
-                </a:gsLst>
-                <a:lin ang="0" scaled="1"/>
-              </a:gradFill>
-              <a:ln>
-                <a:noFill/>
-              </a:ln>
-              <a:effectLst/>
-              <a:extLst>
-                <a:ext uri="{91240B29-F687-4F45-9708-019B960494DF}">
-                  <a14:hiddenLine xmlns:a14="http://schemas.microsoft.com/office/drawing/2010/main" w="9525">
-                    <a:solidFill>
-                      <a:schemeClr val="tx1"/>
-                    </a:solidFill>
-                    <a:miter lim="800000"/>
-                    <a:headEnd/>
-                    <a:tailEnd/>
-                  </a14:hiddenLine>
-                </a:ext>
-                <a:ext uri="{AF507438-7753-43E0-B8FC-AC1667EBCBE1}">
-                  <a14:hiddenEffects xmlns:a14="http://schemas.microsoft.com/office/drawing/2010/main">
-                    <a:effectLst>
-                      <a:outerShdw dist="35921" dir="2700000" algn="ctr" rotWithShape="0">
-                        <a:schemeClr val="bg2"/>
-                      </a:outerShdw>
-                    </a:effectLst>
-                  </a14:hiddenEffects>
-                </a:ext>
-              </a:extLst>
-            </p:spPr>
-            <p:txBody>
-              <a:bodyPr wrap="none" anchor="ctr"/>
-              <a:lstStyle/>
-              <a:p>
-                <a:endParaRPr lang="en-US"/>
-              </a:p>
-            </p:txBody>
-          </p:sp>
-          <p:sp>
-            <p:nvSpPr>
-              <p:cNvPr id="28" name="Rectangle 12"/>
-              <p:cNvSpPr>
-                <a:spLocks noChangeArrowheads="1"/>
-              </p:cNvSpPr>
-              <p:nvPr/>
-            </p:nvSpPr>
-            <p:spPr bwMode="gray">
-              <a:xfrm>
-                <a:off x="528" y="1885"/>
-                <a:ext cx="4512" cy="10"/>
-              </a:xfrm>
-              <a:prstGeom prst="rect">
-                <a:avLst/>
-              </a:prstGeom>
-              <a:gradFill rotWithShape="0">
-                <a:gsLst>
-                  <a:gs pos="0">
-                    <a:srgbClr val="009999"/>
-                  </a:gs>
-                  <a:gs pos="100000">
-                    <a:srgbClr val="009999">
-                      <a:gamma/>
-                      <a:shade val="46275"/>
-                      <a:invGamma/>
-                      <a:alpha val="0"/>
-                    </a:srgbClr>
-                  </a:gs>
-                </a:gsLst>
-                <a:lin ang="0" scaled="1"/>
-              </a:gradFill>
-              <a:ln>
-                <a:noFill/>
-              </a:ln>
-              <a:effectLst/>
-              <a:extLst>
-                <a:ext uri="{91240B29-F687-4F45-9708-019B960494DF}">
-                  <a14:hiddenLine xmlns:a14="http://schemas.microsoft.com/office/drawing/2010/main" w="9525">
-                    <a:solidFill>
-                      <a:schemeClr val="tx1"/>
-                    </a:solidFill>
-                    <a:miter lim="800000"/>
-                    <a:headEnd/>
-                    <a:tailEnd/>
-                  </a14:hiddenLine>
-                </a:ext>
-                <a:ext uri="{AF507438-7753-43E0-B8FC-AC1667EBCBE1}">
-                  <a14:hiddenEffects xmlns:a14="http://schemas.microsoft.com/office/drawing/2010/main">
-                    <a:effectLst>
-                      <a:outerShdw dist="35921" dir="2700000" algn="ctr" rotWithShape="0">
-                        <a:schemeClr val="bg2"/>
-                      </a:outerShdw>
-                    </a:effectLst>
-                  </a14:hiddenEffects>
-                </a:ext>
-              </a:extLst>
-            </p:spPr>
-            <p:txBody>
-              <a:bodyPr wrap="none" anchor="ctr"/>
-              <a:lstStyle/>
-              <a:p>
-                <a:endParaRPr lang="en-US"/>
-              </a:p>
-            </p:txBody>
-          </p:sp>
-          <p:sp>
-            <p:nvSpPr>
-              <p:cNvPr id="29" name="Rectangle 13"/>
-              <p:cNvSpPr>
-                <a:spLocks noChangeArrowheads="1"/>
-              </p:cNvSpPr>
-              <p:nvPr/>
-            </p:nvSpPr>
-            <p:spPr bwMode="gray">
-              <a:xfrm>
-                <a:off x="528" y="1824"/>
-                <a:ext cx="4512" cy="10"/>
-              </a:xfrm>
-              <a:prstGeom prst="rect">
-                <a:avLst/>
-              </a:prstGeom>
-              <a:gradFill rotWithShape="0">
-                <a:gsLst>
-                  <a:gs pos="0">
-                    <a:srgbClr val="009999"/>
-                  </a:gs>
-                  <a:gs pos="100000">
-                    <a:srgbClr val="009999">
-                      <a:gamma/>
-                      <a:shade val="46275"/>
-                      <a:invGamma/>
-                      <a:alpha val="0"/>
-                    </a:srgbClr>
-                  </a:gs>
-                </a:gsLst>
-                <a:lin ang="0" scaled="1"/>
-              </a:gradFill>
-              <a:ln>
-                <a:noFill/>
-              </a:ln>
-              <a:effectLst/>
-              <a:extLst>
-                <a:ext uri="{91240B29-F687-4F45-9708-019B960494DF}">
-                  <a14:hiddenLine xmlns:a14="http://schemas.microsoft.com/office/drawing/2010/main" w="9525">
-                    <a:solidFill>
-                      <a:schemeClr val="tx1"/>
-                    </a:solidFill>
-                    <a:miter lim="800000"/>
-                    <a:headEnd/>
-                    <a:tailEnd/>
-                  </a14:hiddenLine>
-                </a:ext>
-                <a:ext uri="{AF507438-7753-43E0-B8FC-AC1667EBCBE1}">
-                  <a14:hiddenEffects xmlns:a14="http://schemas.microsoft.com/office/drawing/2010/main">
-                    <a:effectLst>
-                      <a:outerShdw dist="35921" dir="2700000" algn="ctr" rotWithShape="0">
-                        <a:schemeClr val="bg2"/>
-                      </a:outerShdw>
-                    </a:effectLst>
-                  </a14:hiddenEffects>
-                </a:ext>
-              </a:extLst>
-            </p:spPr>
-            <p:txBody>
-              <a:bodyPr wrap="none" anchor="ctr"/>
-              <a:lstStyle/>
-              <a:p>
-                <a:endParaRPr lang="en-US"/>
-              </a:p>
-            </p:txBody>
-          </p:sp>
-        </p:grpSp>
-        <p:grpSp>
-          <p:nvGrpSpPr>
-            <p:cNvPr id="12" name="Group 14"/>
-            <p:cNvGrpSpPr>
-              <a:grpSpLocks/>
-            </p:cNvGrpSpPr>
-            <p:nvPr/>
-          </p:nvGrpSpPr>
-          <p:grpSpPr bwMode="auto">
-            <a:xfrm>
-              <a:off x="1104" y="1488"/>
-              <a:ext cx="336" cy="336"/>
-              <a:chOff x="288" y="1632"/>
-              <a:chExt cx="2112" cy="2448"/>
-            </a:xfrm>
-          </p:grpSpPr>
-          <p:sp>
-            <p:nvSpPr>
-              <p:cNvPr id="13" name="Rectangle 15"/>
-              <p:cNvSpPr>
-                <a:spLocks noChangeArrowheads="1"/>
-              </p:cNvSpPr>
-              <p:nvPr/>
-            </p:nvSpPr>
-            <p:spPr bwMode="gray">
-              <a:xfrm rot="2686397">
-                <a:off x="1252" y="2085"/>
-                <a:ext cx="128" cy="1542"/>
-              </a:xfrm>
-              <a:prstGeom prst="rect">
-                <a:avLst/>
-              </a:prstGeom>
-              <a:gradFill rotWithShape="1">
-                <a:gsLst>
-                  <a:gs pos="0">
-                    <a:srgbClr val="38BAC8">
-                      <a:gamma/>
-                      <a:shade val="46275"/>
-                      <a:invGamma/>
-                    </a:srgbClr>
-                  </a:gs>
-                  <a:gs pos="50000">
-                    <a:srgbClr val="38BAC8"/>
-                  </a:gs>
-                  <a:gs pos="100000">
-                    <a:srgbClr val="38BAC8">
-                      <a:gamma/>
-                      <a:shade val="46275"/>
-                      <a:invGamma/>
-                    </a:srgbClr>
-                  </a:gs>
-                </a:gsLst>
-                <a:lin ang="0" scaled="1"/>
-              </a:gradFill>
-              <a:ln>
-                <a:noFill/>
-              </a:ln>
-              <a:extLst>
-                <a:ext uri="{91240B29-F687-4F45-9708-019B960494DF}">
-                  <a14:hiddenLine xmlns:a14="http://schemas.microsoft.com/office/drawing/2010/main" w="9525">
-                    <a:solidFill>
-                      <a:srgbClr val="000000"/>
-                    </a:solidFill>
-                    <a:miter lim="800000"/>
-                    <a:headEnd/>
-                    <a:tailEnd/>
-                  </a14:hiddenLine>
-                </a:ext>
-              </a:extLst>
-            </p:spPr>
-            <p:txBody>
-              <a:bodyPr/>
-              <a:lstStyle/>
-              <a:p>
-                <a:endParaRPr lang="en-US"/>
-              </a:p>
-            </p:txBody>
-          </p:sp>
-          <p:sp>
-            <p:nvSpPr>
-              <p:cNvPr id="14" name="Rectangle 16"/>
-              <p:cNvSpPr>
-                <a:spLocks noChangeArrowheads="1"/>
-              </p:cNvSpPr>
-              <p:nvPr/>
-            </p:nvSpPr>
-            <p:spPr bwMode="gray">
-              <a:xfrm rot="2686397">
-                <a:off x="1515" y="2386"/>
-                <a:ext cx="128" cy="1542"/>
-              </a:xfrm>
-              <a:prstGeom prst="rect">
-                <a:avLst/>
-              </a:prstGeom>
-              <a:gradFill rotWithShape="1">
-                <a:gsLst>
-                  <a:gs pos="0">
-                    <a:srgbClr val="38BAC8">
-                      <a:gamma/>
-                      <a:shade val="46275"/>
-                      <a:invGamma/>
-                    </a:srgbClr>
-                  </a:gs>
-                  <a:gs pos="50000">
-                    <a:srgbClr val="38BAC8"/>
-                  </a:gs>
-                  <a:gs pos="100000">
-                    <a:srgbClr val="38BAC8">
-                      <a:gamma/>
-                      <a:shade val="46275"/>
-                      <a:invGamma/>
-                    </a:srgbClr>
-                  </a:gs>
-                </a:gsLst>
-                <a:lin ang="0" scaled="1"/>
-              </a:gradFill>
-              <a:ln>
-                <a:noFill/>
-              </a:ln>
-              <a:extLst>
-                <a:ext uri="{91240B29-F687-4F45-9708-019B960494DF}">
-                  <a14:hiddenLine xmlns:a14="http://schemas.microsoft.com/office/drawing/2010/main" w="9525">
-                    <a:solidFill>
-                      <a:srgbClr val="000000"/>
-                    </a:solidFill>
-                    <a:miter lim="800000"/>
-                    <a:headEnd/>
-                    <a:tailEnd/>
-                  </a14:hiddenLine>
-                </a:ext>
-              </a:extLst>
-            </p:spPr>
-            <p:txBody>
-              <a:bodyPr/>
-              <a:lstStyle/>
-              <a:p>
-                <a:endParaRPr lang="en-US"/>
-              </a:p>
-            </p:txBody>
-          </p:sp>
-          <p:sp>
-            <p:nvSpPr>
-              <p:cNvPr id="15" name="Rectangle 17"/>
-              <p:cNvSpPr>
-                <a:spLocks noChangeArrowheads="1"/>
-              </p:cNvSpPr>
-              <p:nvPr/>
-            </p:nvSpPr>
-            <p:spPr bwMode="gray">
-              <a:xfrm rot="2686397">
-                <a:off x="986" y="1780"/>
-                <a:ext cx="128" cy="1542"/>
-              </a:xfrm>
-              <a:prstGeom prst="rect">
-                <a:avLst/>
-              </a:prstGeom>
-              <a:gradFill rotWithShape="1">
-                <a:gsLst>
-                  <a:gs pos="0">
-                    <a:srgbClr val="38BAC8">
-                      <a:gamma/>
-                      <a:shade val="46275"/>
-                      <a:invGamma/>
-                    </a:srgbClr>
-                  </a:gs>
-                  <a:gs pos="50000">
-                    <a:srgbClr val="38BAC8"/>
-                  </a:gs>
-                  <a:gs pos="100000">
-                    <a:srgbClr val="38BAC8">
-                      <a:gamma/>
-                      <a:shade val="46275"/>
-                      <a:invGamma/>
-                    </a:srgbClr>
-                  </a:gs>
-                </a:gsLst>
-                <a:lin ang="0" scaled="1"/>
-              </a:gradFill>
-              <a:ln>
-                <a:noFill/>
-              </a:ln>
-              <a:extLst>
-                <a:ext uri="{91240B29-F687-4F45-9708-019B960494DF}">
-                  <a14:hiddenLine xmlns:a14="http://schemas.microsoft.com/office/drawing/2010/main" w="9525">
-                    <a:solidFill>
-                      <a:srgbClr val="000000"/>
-                    </a:solidFill>
-                    <a:miter lim="800000"/>
-                    <a:headEnd/>
-                    <a:tailEnd/>
-                  </a14:hiddenLine>
-                </a:ext>
-              </a:extLst>
-            </p:spPr>
-            <p:txBody>
-              <a:bodyPr/>
-              <a:lstStyle/>
-              <a:p>
-                <a:endParaRPr lang="en-US"/>
-              </a:p>
-            </p:txBody>
-          </p:sp>
-          <p:sp>
-            <p:nvSpPr>
-              <p:cNvPr id="16" name="Rectangle 18"/>
-              <p:cNvSpPr>
-                <a:spLocks noChangeArrowheads="1"/>
-              </p:cNvSpPr>
-              <p:nvPr/>
-            </p:nvSpPr>
-            <p:spPr bwMode="gray">
-              <a:xfrm rot="2686397">
-                <a:off x="288" y="3237"/>
-                <a:ext cx="1327" cy="149"/>
-              </a:xfrm>
-              <a:prstGeom prst="rect">
-                <a:avLst/>
-              </a:prstGeom>
-              <a:gradFill rotWithShape="1">
-                <a:gsLst>
-                  <a:gs pos="0">
-                    <a:srgbClr val="6EC830">
-                      <a:gamma/>
-                      <a:shade val="46275"/>
-                      <a:invGamma/>
-                    </a:srgbClr>
-                  </a:gs>
-                  <a:gs pos="50000">
-                    <a:srgbClr val="6EC830"/>
-                  </a:gs>
-                  <a:gs pos="100000">
-                    <a:srgbClr val="6EC830">
-                      <a:gamma/>
-                      <a:shade val="46275"/>
-                      <a:invGamma/>
-                    </a:srgbClr>
-                  </a:gs>
-                </a:gsLst>
-                <a:lin ang="5400000" scaled="1"/>
-              </a:gradFill>
-              <a:ln>
-                <a:noFill/>
-              </a:ln>
-              <a:extLst>
-                <a:ext uri="{91240B29-F687-4F45-9708-019B960494DF}">
-                  <a14:hiddenLine xmlns:a14="http://schemas.microsoft.com/office/drawing/2010/main" w="9525">
-                    <a:solidFill>
-                      <a:srgbClr val="000000"/>
-                    </a:solidFill>
-                    <a:miter lim="800000"/>
-                    <a:headEnd/>
-                    <a:tailEnd/>
-                  </a14:hiddenLine>
-                </a:ext>
-              </a:extLst>
-            </p:spPr>
-            <p:txBody>
-              <a:bodyPr/>
-              <a:lstStyle/>
-              <a:p>
-                <a:endParaRPr lang="en-US"/>
-              </a:p>
-            </p:txBody>
-          </p:sp>
-          <p:sp>
-            <p:nvSpPr>
-              <p:cNvPr id="17" name="Rectangle 19"/>
-              <p:cNvSpPr>
-                <a:spLocks noChangeArrowheads="1"/>
-              </p:cNvSpPr>
-              <p:nvPr/>
-            </p:nvSpPr>
-            <p:spPr bwMode="gray">
-              <a:xfrm rot="2686397">
-                <a:off x="551" y="2936"/>
-                <a:ext cx="1327" cy="145"/>
-              </a:xfrm>
-              <a:prstGeom prst="rect">
-                <a:avLst/>
-              </a:prstGeom>
-              <a:gradFill rotWithShape="1">
-                <a:gsLst>
-                  <a:gs pos="0">
-                    <a:srgbClr val="6EC830">
-                      <a:gamma/>
-                      <a:shade val="46275"/>
-                      <a:invGamma/>
-                    </a:srgbClr>
-                  </a:gs>
-                  <a:gs pos="50000">
-                    <a:srgbClr val="6EC830"/>
-                  </a:gs>
-                  <a:gs pos="100000">
-                    <a:srgbClr val="6EC830">
-                      <a:gamma/>
-                      <a:shade val="46275"/>
-                      <a:invGamma/>
-                    </a:srgbClr>
-                  </a:gs>
-                </a:gsLst>
-                <a:lin ang="5400000" scaled="1"/>
-              </a:gradFill>
-              <a:ln>
-                <a:noFill/>
-              </a:ln>
-              <a:extLst>
-                <a:ext uri="{91240B29-F687-4F45-9708-019B960494DF}">
-                  <a14:hiddenLine xmlns:a14="http://schemas.microsoft.com/office/drawing/2010/main" w="9525">
-                    <a:solidFill>
-                      <a:srgbClr val="000000"/>
-                    </a:solidFill>
-                    <a:miter lim="800000"/>
-                    <a:headEnd/>
-                    <a:tailEnd/>
-                  </a14:hiddenLine>
-                </a:ext>
-              </a:extLst>
-            </p:spPr>
-            <p:txBody>
-              <a:bodyPr/>
-              <a:lstStyle/>
-              <a:p>
-                <a:endParaRPr lang="en-US"/>
-              </a:p>
-            </p:txBody>
-          </p:sp>
-          <p:sp>
-            <p:nvSpPr>
-              <p:cNvPr id="18" name="Rectangle 20"/>
-              <p:cNvSpPr>
-                <a:spLocks noChangeArrowheads="1"/>
-              </p:cNvSpPr>
-              <p:nvPr/>
-            </p:nvSpPr>
-            <p:spPr bwMode="gray">
-              <a:xfrm rot="2686397">
-                <a:off x="810" y="2627"/>
-                <a:ext cx="1327" cy="149"/>
-              </a:xfrm>
-              <a:prstGeom prst="rect">
-                <a:avLst/>
-              </a:prstGeom>
-              <a:gradFill rotWithShape="1">
-                <a:gsLst>
-                  <a:gs pos="0">
-                    <a:srgbClr val="6EC830">
-                      <a:gamma/>
-                      <a:shade val="46275"/>
-                      <a:invGamma/>
-                    </a:srgbClr>
-                  </a:gs>
-                  <a:gs pos="50000">
-                    <a:srgbClr val="6EC830"/>
-                  </a:gs>
-                  <a:gs pos="100000">
-                    <a:srgbClr val="6EC830">
-                      <a:gamma/>
-                      <a:shade val="46275"/>
-                      <a:invGamma/>
-                    </a:srgbClr>
-                  </a:gs>
-                </a:gsLst>
-                <a:lin ang="5400000" scaled="1"/>
-              </a:gradFill>
-              <a:ln>
-                <a:noFill/>
-              </a:ln>
-              <a:extLst>
-                <a:ext uri="{91240B29-F687-4F45-9708-019B960494DF}">
-                  <a14:hiddenLine xmlns:a14="http://schemas.microsoft.com/office/drawing/2010/main" w="9525">
-                    <a:solidFill>
-                      <a:srgbClr val="000000"/>
-                    </a:solidFill>
-                    <a:miter lim="800000"/>
-                    <a:headEnd/>
-                    <a:tailEnd/>
-                  </a14:hiddenLine>
-                </a:ext>
-              </a:extLst>
-            </p:spPr>
-            <p:txBody>
-              <a:bodyPr/>
-              <a:lstStyle/>
-              <a:p>
-                <a:endParaRPr lang="en-US"/>
-              </a:p>
-            </p:txBody>
-          </p:sp>
-          <p:sp>
-            <p:nvSpPr>
-              <p:cNvPr id="19" name="Rectangle 21"/>
-              <p:cNvSpPr>
-                <a:spLocks noChangeArrowheads="1"/>
-              </p:cNvSpPr>
-              <p:nvPr/>
-            </p:nvSpPr>
-            <p:spPr bwMode="gray">
-              <a:xfrm rot="2686397">
-                <a:off x="1073" y="2322"/>
-                <a:ext cx="1327" cy="145"/>
-              </a:xfrm>
-              <a:prstGeom prst="rect">
-                <a:avLst/>
-              </a:prstGeom>
-              <a:gradFill rotWithShape="1">
-                <a:gsLst>
-                  <a:gs pos="0">
-                    <a:srgbClr val="6EC830">
-                      <a:gamma/>
-                      <a:shade val="46275"/>
-                      <a:invGamma/>
-                    </a:srgbClr>
-                  </a:gs>
-                  <a:gs pos="50000">
-                    <a:srgbClr val="6EC830"/>
-                  </a:gs>
-                  <a:gs pos="100000">
-                    <a:srgbClr val="6EC830">
-                      <a:gamma/>
-                      <a:shade val="46275"/>
-                      <a:invGamma/>
-                    </a:srgbClr>
-                  </a:gs>
-                </a:gsLst>
-                <a:lin ang="5400000" scaled="1"/>
-              </a:gradFill>
-              <a:ln>
-                <a:noFill/>
-              </a:ln>
-              <a:extLst>
-                <a:ext uri="{91240B29-F687-4F45-9708-019B960494DF}">
-                  <a14:hiddenLine xmlns:a14="http://schemas.microsoft.com/office/drawing/2010/main" w="9525">
-                    <a:solidFill>
-                      <a:srgbClr val="000000"/>
-                    </a:solidFill>
-                    <a:miter lim="800000"/>
-                    <a:headEnd/>
-                    <a:tailEnd/>
-                  </a14:hiddenLine>
-                </a:ext>
-              </a:extLst>
-            </p:spPr>
-            <p:txBody>
-              <a:bodyPr/>
-              <a:lstStyle/>
-              <a:p>
-                <a:endParaRPr lang="en-US"/>
-              </a:p>
-            </p:txBody>
-          </p:sp>
-          <p:sp>
-            <p:nvSpPr>
-              <p:cNvPr id="20" name="Rectangle 22"/>
-              <p:cNvSpPr>
-                <a:spLocks noChangeArrowheads="1"/>
-              </p:cNvSpPr>
-              <p:nvPr/>
-            </p:nvSpPr>
-            <p:spPr bwMode="gray">
-              <a:xfrm rot="2686397">
-                <a:off x="1646" y="2539"/>
-                <a:ext cx="128" cy="1541"/>
-              </a:xfrm>
-              <a:prstGeom prst="rect">
-                <a:avLst/>
-              </a:prstGeom>
-              <a:gradFill rotWithShape="1">
-                <a:gsLst>
-                  <a:gs pos="0">
-                    <a:srgbClr val="006699"/>
-                  </a:gs>
-                  <a:gs pos="100000">
-                    <a:srgbClr val="006699">
-                      <a:gamma/>
-                      <a:shade val="46275"/>
-                      <a:invGamma/>
-                    </a:srgbClr>
-                  </a:gs>
-                </a:gsLst>
-                <a:lin ang="0" scaled="1"/>
-              </a:gradFill>
-              <a:ln>
-                <a:noFill/>
-              </a:ln>
-              <a:extLst>
-                <a:ext uri="{91240B29-F687-4F45-9708-019B960494DF}">
-                  <a14:hiddenLine xmlns:a14="http://schemas.microsoft.com/office/drawing/2010/main" w="9525">
-                    <a:solidFill>
-                      <a:srgbClr val="000000"/>
-                    </a:solidFill>
-                    <a:miter lim="800000"/>
-                    <a:headEnd/>
-                    <a:tailEnd/>
-                  </a14:hiddenLine>
-                </a:ext>
-              </a:extLst>
-            </p:spPr>
-            <p:txBody>
-              <a:bodyPr/>
-              <a:lstStyle/>
-              <a:p>
-                <a:endParaRPr lang="en-US"/>
-              </a:p>
-            </p:txBody>
-          </p:sp>
-          <p:sp>
-            <p:nvSpPr>
-              <p:cNvPr id="21" name="Rectangle 23"/>
-              <p:cNvSpPr>
-                <a:spLocks noChangeArrowheads="1"/>
-              </p:cNvSpPr>
-              <p:nvPr/>
-            </p:nvSpPr>
-            <p:spPr bwMode="gray">
-              <a:xfrm rot="2686397">
-                <a:off x="1387" y="2234"/>
-                <a:ext cx="125" cy="1541"/>
-              </a:xfrm>
-              <a:prstGeom prst="rect">
-                <a:avLst/>
-              </a:prstGeom>
-              <a:gradFill rotWithShape="1">
-                <a:gsLst>
-                  <a:gs pos="0">
-                    <a:srgbClr val="006699"/>
-                  </a:gs>
-                  <a:gs pos="100000">
-                    <a:srgbClr val="006699">
-                      <a:gamma/>
-                      <a:shade val="46275"/>
-                      <a:invGamma/>
-                    </a:srgbClr>
-                  </a:gs>
-                </a:gsLst>
-                <a:lin ang="0" scaled="1"/>
-              </a:gradFill>
-              <a:ln>
-                <a:noFill/>
-              </a:ln>
-              <a:extLst>
-                <a:ext uri="{91240B29-F687-4F45-9708-019B960494DF}">
-                  <a14:hiddenLine xmlns:a14="http://schemas.microsoft.com/office/drawing/2010/main" w="9525">
-                    <a:solidFill>
-                      <a:srgbClr val="000000"/>
-                    </a:solidFill>
-                    <a:miter lim="800000"/>
-                    <a:headEnd/>
-                    <a:tailEnd/>
-                  </a14:hiddenLine>
-                </a:ext>
-              </a:extLst>
-            </p:spPr>
-            <p:txBody>
-              <a:bodyPr/>
-              <a:lstStyle/>
-              <a:p>
-                <a:endParaRPr lang="en-US"/>
-              </a:p>
-            </p:txBody>
-          </p:sp>
-          <p:sp>
-            <p:nvSpPr>
-              <p:cNvPr id="22" name="Rectangle 24"/>
-              <p:cNvSpPr>
-                <a:spLocks noChangeArrowheads="1"/>
-              </p:cNvSpPr>
-              <p:nvPr/>
-            </p:nvSpPr>
-            <p:spPr bwMode="gray">
-              <a:xfrm rot="2686397">
-                <a:off x="858" y="1632"/>
-                <a:ext cx="125" cy="1541"/>
-              </a:xfrm>
-              <a:prstGeom prst="rect">
-                <a:avLst/>
-              </a:prstGeom>
-              <a:gradFill rotWithShape="1">
-                <a:gsLst>
-                  <a:gs pos="0">
-                    <a:srgbClr val="006699"/>
-                  </a:gs>
-                  <a:gs pos="100000">
-                    <a:srgbClr val="006699">
-                      <a:gamma/>
-                      <a:shade val="46275"/>
-                      <a:invGamma/>
-                    </a:srgbClr>
-                  </a:gs>
-                </a:gsLst>
-                <a:lin ang="0" scaled="1"/>
-              </a:gradFill>
-              <a:ln>
-                <a:noFill/>
-              </a:ln>
-              <a:extLst>
-                <a:ext uri="{91240B29-F687-4F45-9708-019B960494DF}">
-                  <a14:hiddenLine xmlns:a14="http://schemas.microsoft.com/office/drawing/2010/main" w="9525">
-                    <a:solidFill>
-                      <a:srgbClr val="000000"/>
-                    </a:solidFill>
-                    <a:miter lim="800000"/>
-                    <a:headEnd/>
-                    <a:tailEnd/>
-                  </a14:hiddenLine>
-                </a:ext>
-              </a:extLst>
-            </p:spPr>
-            <p:txBody>
-              <a:bodyPr/>
-              <a:lstStyle/>
-              <a:p>
-                <a:endParaRPr lang="en-US"/>
-              </a:p>
-            </p:txBody>
-          </p:sp>
-          <p:sp>
-            <p:nvSpPr>
-              <p:cNvPr id="23" name="Rectangle 25"/>
-              <p:cNvSpPr>
-                <a:spLocks noChangeArrowheads="1"/>
-              </p:cNvSpPr>
-              <p:nvPr/>
-            </p:nvSpPr>
-            <p:spPr bwMode="gray">
-              <a:xfrm rot="2686397">
-                <a:off x="1121" y="1933"/>
-                <a:ext cx="128" cy="1541"/>
-              </a:xfrm>
-              <a:prstGeom prst="rect">
-                <a:avLst/>
-              </a:prstGeom>
-              <a:gradFill rotWithShape="1">
-                <a:gsLst>
-                  <a:gs pos="0">
-                    <a:srgbClr val="006699"/>
-                  </a:gs>
-                  <a:gs pos="100000">
-                    <a:srgbClr val="006699">
-                      <a:gamma/>
-                      <a:shade val="46275"/>
-                      <a:invGamma/>
-                    </a:srgbClr>
-                  </a:gs>
-                </a:gsLst>
-                <a:lin ang="0" scaled="1"/>
-              </a:gradFill>
-              <a:ln>
-                <a:noFill/>
-              </a:ln>
-              <a:extLst>
-                <a:ext uri="{91240B29-F687-4F45-9708-019B960494DF}">
-                  <a14:hiddenLine xmlns:a14="http://schemas.microsoft.com/office/drawing/2010/main" w="9525">
-                    <a:solidFill>
-                      <a:srgbClr val="000000"/>
-                    </a:solidFill>
-                    <a:miter lim="800000"/>
-                    <a:headEnd/>
-                    <a:tailEnd/>
-                  </a14:hiddenLine>
-                </a:ext>
-              </a:extLst>
-            </p:spPr>
-            <p:txBody>
-              <a:bodyPr/>
-              <a:lstStyle/>
-              <a:p>
-                <a:endParaRPr lang="en-US"/>
-              </a:p>
-            </p:txBody>
-          </p:sp>
-          <p:sp>
-            <p:nvSpPr>
-              <p:cNvPr id="24" name="Rectangle 26"/>
-              <p:cNvSpPr>
-                <a:spLocks noChangeArrowheads="1"/>
-              </p:cNvSpPr>
-              <p:nvPr/>
-            </p:nvSpPr>
-            <p:spPr bwMode="gray">
-              <a:xfrm rot="2686397">
-                <a:off x="419" y="3085"/>
-                <a:ext cx="1328" cy="148"/>
-              </a:xfrm>
-              <a:prstGeom prst="rect">
-                <a:avLst/>
-              </a:prstGeom>
-              <a:gradFill rotWithShape="1">
-                <a:gsLst>
-                  <a:gs pos="0">
-                    <a:srgbClr val="6EC830">
-                      <a:gamma/>
-                      <a:shade val="46275"/>
-                      <a:invGamma/>
-                    </a:srgbClr>
-                  </a:gs>
-                  <a:gs pos="50000">
-                    <a:srgbClr val="6EC830"/>
-                  </a:gs>
-                  <a:gs pos="100000">
-                    <a:srgbClr val="6EC830">
-                      <a:gamma/>
-                      <a:shade val="46275"/>
-                      <a:invGamma/>
-                    </a:srgbClr>
-                  </a:gs>
-                </a:gsLst>
-                <a:lin ang="5400000" scaled="1"/>
-              </a:gradFill>
-              <a:ln>
-                <a:noFill/>
-              </a:ln>
-              <a:extLst>
-                <a:ext uri="{91240B29-F687-4F45-9708-019B960494DF}">
-                  <a14:hiddenLine xmlns:a14="http://schemas.microsoft.com/office/drawing/2010/main" w="9525">
-                    <a:solidFill>
-                      <a:srgbClr val="000000"/>
-                    </a:solidFill>
-                    <a:miter lim="800000"/>
-                    <a:headEnd/>
-                    <a:tailEnd/>
-                  </a14:hiddenLine>
-                </a:ext>
-              </a:extLst>
-            </p:spPr>
-            <p:txBody>
-              <a:bodyPr/>
-              <a:lstStyle/>
-              <a:p>
-                <a:endParaRPr lang="en-US"/>
-              </a:p>
-            </p:txBody>
-          </p:sp>
-          <p:sp>
-            <p:nvSpPr>
-              <p:cNvPr id="25" name="Rectangle 27"/>
-              <p:cNvSpPr>
-                <a:spLocks noChangeArrowheads="1"/>
-              </p:cNvSpPr>
-              <p:nvPr/>
-            </p:nvSpPr>
-            <p:spPr bwMode="gray">
-              <a:xfrm rot="2686397">
-                <a:off x="679" y="2780"/>
-                <a:ext cx="1327" cy="148"/>
-              </a:xfrm>
-              <a:prstGeom prst="rect">
-                <a:avLst/>
-              </a:prstGeom>
-              <a:gradFill rotWithShape="1">
-                <a:gsLst>
-                  <a:gs pos="0">
-                    <a:srgbClr val="6EC830">
-                      <a:gamma/>
-                      <a:shade val="46275"/>
-                      <a:invGamma/>
-                    </a:srgbClr>
-                  </a:gs>
-                  <a:gs pos="50000">
-                    <a:srgbClr val="6EC830"/>
-                  </a:gs>
-                  <a:gs pos="100000">
-                    <a:srgbClr val="6EC830">
-                      <a:gamma/>
-                      <a:shade val="46275"/>
-                      <a:invGamma/>
-                    </a:srgbClr>
-                  </a:gs>
-                </a:gsLst>
-                <a:lin ang="5400000" scaled="1"/>
-              </a:gradFill>
-              <a:ln>
-                <a:noFill/>
-              </a:ln>
-              <a:extLst>
-                <a:ext uri="{91240B29-F687-4F45-9708-019B960494DF}">
-                  <a14:hiddenLine xmlns:a14="http://schemas.microsoft.com/office/drawing/2010/main" w="9525">
-                    <a:solidFill>
-                      <a:srgbClr val="000000"/>
-                    </a:solidFill>
-                    <a:miter lim="800000"/>
-                    <a:headEnd/>
-                    <a:tailEnd/>
-                  </a14:hiddenLine>
-                </a:ext>
-              </a:extLst>
-            </p:spPr>
-            <p:txBody>
-              <a:bodyPr/>
-              <a:lstStyle/>
-              <a:p>
-                <a:endParaRPr lang="en-US"/>
-              </a:p>
-            </p:txBody>
-          </p:sp>
-          <p:sp>
-            <p:nvSpPr>
-              <p:cNvPr id="26" name="Rectangle 28"/>
-              <p:cNvSpPr>
-                <a:spLocks noChangeArrowheads="1"/>
-              </p:cNvSpPr>
-              <p:nvPr/>
-            </p:nvSpPr>
-            <p:spPr bwMode="gray">
-              <a:xfrm rot="2686397">
-                <a:off x="941" y="2471"/>
-                <a:ext cx="1328" cy="148"/>
-              </a:xfrm>
-              <a:prstGeom prst="rect">
-                <a:avLst/>
-              </a:prstGeom>
-              <a:gradFill rotWithShape="1">
-                <a:gsLst>
-                  <a:gs pos="0">
-                    <a:srgbClr val="6EC830">
-                      <a:gamma/>
-                      <a:shade val="46275"/>
-                      <a:invGamma/>
-                    </a:srgbClr>
-                  </a:gs>
-                  <a:gs pos="50000">
-                    <a:srgbClr val="6EC830"/>
-                  </a:gs>
-                  <a:gs pos="100000">
-                    <a:srgbClr val="6EC830">
-                      <a:gamma/>
-                      <a:shade val="46275"/>
-                      <a:invGamma/>
-                    </a:srgbClr>
-                  </a:gs>
-                </a:gsLst>
-                <a:lin ang="5400000" scaled="1"/>
-              </a:gradFill>
-              <a:ln>
-                <a:noFill/>
-              </a:ln>
-              <a:extLst>
-                <a:ext uri="{91240B29-F687-4F45-9708-019B960494DF}">
-                  <a14:hiddenLine xmlns:a14="http://schemas.microsoft.com/office/drawing/2010/main" w="9525">
-                    <a:solidFill>
-                      <a:srgbClr val="000000"/>
-                    </a:solidFill>
-                    <a:miter lim="800000"/>
-                    <a:headEnd/>
-                    <a:tailEnd/>
-                  </a14:hiddenLine>
-                </a:ext>
-              </a:extLst>
-            </p:spPr>
-            <p:txBody>
-              <a:bodyPr/>
-              <a:lstStyle/>
-              <a:p>
-                <a:endParaRPr lang="en-US"/>
-              </a:p>
-            </p:txBody>
-          </p:sp>
-        </p:grpSp>
-      </p:grpSp>
-      <p:grpSp>
-        <p:nvGrpSpPr>
-          <p:cNvPr id="30" name="Group 29"/>
-          <p:cNvGrpSpPr>
-            <a:grpSpLocks/>
-          </p:cNvGrpSpPr>
-          <p:nvPr/>
-        </p:nvGrpSpPr>
-        <p:grpSpPr bwMode="auto">
-          <a:xfrm>
-            <a:off x="1143000" y="3130311"/>
-            <a:ext cx="5867400" cy="533400"/>
-            <a:chOff x="960" y="1536"/>
-            <a:chExt cx="3696" cy="336"/>
-          </a:xfrm>
-        </p:grpSpPr>
-        <p:grpSp>
-          <p:nvGrpSpPr>
-            <p:cNvPr id="31" name="Group 30"/>
-            <p:cNvGrpSpPr>
-              <a:grpSpLocks/>
-            </p:cNvGrpSpPr>
-            <p:nvPr/>
-          </p:nvGrpSpPr>
-          <p:grpSpPr bwMode="auto">
-            <a:xfrm>
-              <a:off x="1103" y="1670"/>
-              <a:ext cx="3553" cy="68"/>
-              <a:chOff x="528" y="1824"/>
-              <a:chExt cx="4512" cy="71"/>
-            </a:xfrm>
-          </p:grpSpPr>
-          <p:sp>
-            <p:nvSpPr>
-              <p:cNvPr id="47" name="Rectangle 31"/>
-              <p:cNvSpPr>
-                <a:spLocks noChangeArrowheads="1"/>
-              </p:cNvSpPr>
-              <p:nvPr/>
-            </p:nvSpPr>
-            <p:spPr bwMode="gray">
-              <a:xfrm>
-                <a:off x="528" y="1844"/>
-                <a:ext cx="4512" cy="31"/>
-              </a:xfrm>
-              <a:prstGeom prst="rect">
-                <a:avLst/>
-              </a:prstGeom>
-              <a:gradFill rotWithShape="0">
-                <a:gsLst>
-                  <a:gs pos="0">
-                    <a:srgbClr val="006699"/>
-                  </a:gs>
-                  <a:gs pos="100000">
-                    <a:srgbClr val="006699">
-                      <a:gamma/>
-                      <a:shade val="46275"/>
-                      <a:invGamma/>
-                      <a:alpha val="0"/>
-                    </a:srgbClr>
-                  </a:gs>
-                </a:gsLst>
-                <a:lin ang="0" scaled="1"/>
-              </a:gradFill>
-              <a:ln>
-                <a:noFill/>
-              </a:ln>
-              <a:effectLst/>
-              <a:extLst>
-                <a:ext uri="{91240B29-F687-4F45-9708-019B960494DF}">
-                  <a14:hiddenLine xmlns:a14="http://schemas.microsoft.com/office/drawing/2010/main" w="9525">
-                    <a:solidFill>
-                      <a:schemeClr val="tx1"/>
-                    </a:solidFill>
-                    <a:miter lim="800000"/>
-                    <a:headEnd/>
-                    <a:tailEnd/>
-                  </a14:hiddenLine>
-                </a:ext>
-                <a:ext uri="{AF507438-7753-43E0-B8FC-AC1667EBCBE1}">
-                  <a14:hiddenEffects xmlns:a14="http://schemas.microsoft.com/office/drawing/2010/main">
-                    <a:effectLst>
-                      <a:outerShdw dist="35921" dir="2700000" algn="ctr" rotWithShape="0">
-                        <a:schemeClr val="bg2"/>
-                      </a:outerShdw>
-                    </a:effectLst>
-                  </a14:hiddenEffects>
-                </a:ext>
-              </a:extLst>
-            </p:spPr>
-            <p:txBody>
-              <a:bodyPr wrap="none" anchor="ctr"/>
-              <a:lstStyle/>
-              <a:p>
-                <a:endParaRPr lang="en-US"/>
-              </a:p>
-            </p:txBody>
-          </p:sp>
-          <p:sp>
-            <p:nvSpPr>
-              <p:cNvPr id="48" name="Rectangle 32"/>
-              <p:cNvSpPr>
-                <a:spLocks noChangeArrowheads="1"/>
-              </p:cNvSpPr>
-              <p:nvPr/>
-            </p:nvSpPr>
-            <p:spPr bwMode="gray">
-              <a:xfrm>
-                <a:off x="528" y="1885"/>
-                <a:ext cx="4512" cy="10"/>
-              </a:xfrm>
-              <a:prstGeom prst="rect">
-                <a:avLst/>
-              </a:prstGeom>
-              <a:gradFill rotWithShape="0">
-                <a:gsLst>
-                  <a:gs pos="0">
-                    <a:srgbClr val="006699"/>
-                  </a:gs>
-                  <a:gs pos="100000">
-                    <a:srgbClr val="006699">
-                      <a:gamma/>
-                      <a:shade val="46275"/>
-                      <a:invGamma/>
-                      <a:alpha val="0"/>
-                    </a:srgbClr>
-                  </a:gs>
-                </a:gsLst>
-                <a:lin ang="0" scaled="1"/>
-              </a:gradFill>
-              <a:ln>
-                <a:noFill/>
-              </a:ln>
-              <a:effectLst/>
-              <a:extLst>
-                <a:ext uri="{91240B29-F687-4F45-9708-019B960494DF}">
-                  <a14:hiddenLine xmlns:a14="http://schemas.microsoft.com/office/drawing/2010/main" w="9525">
-                    <a:solidFill>
-                      <a:schemeClr val="tx1"/>
-                    </a:solidFill>
-                    <a:miter lim="800000"/>
-                    <a:headEnd/>
-                    <a:tailEnd/>
-                  </a14:hiddenLine>
-                </a:ext>
-                <a:ext uri="{AF507438-7753-43E0-B8FC-AC1667EBCBE1}">
-                  <a14:hiddenEffects xmlns:a14="http://schemas.microsoft.com/office/drawing/2010/main">
-                    <a:effectLst>
-                      <a:outerShdw dist="35921" dir="2700000" algn="ctr" rotWithShape="0">
-                        <a:schemeClr val="bg2"/>
-                      </a:outerShdw>
-                    </a:effectLst>
-                  </a14:hiddenEffects>
-                </a:ext>
-              </a:extLst>
-            </p:spPr>
-            <p:txBody>
-              <a:bodyPr wrap="none" anchor="ctr"/>
-              <a:lstStyle/>
-              <a:p>
-                <a:endParaRPr lang="en-US"/>
-              </a:p>
-            </p:txBody>
-          </p:sp>
-          <p:sp>
-            <p:nvSpPr>
-              <p:cNvPr id="49" name="Rectangle 33"/>
-              <p:cNvSpPr>
-                <a:spLocks noChangeArrowheads="1"/>
-              </p:cNvSpPr>
-              <p:nvPr/>
-            </p:nvSpPr>
-            <p:spPr bwMode="gray">
-              <a:xfrm>
-                <a:off x="528" y="1824"/>
-                <a:ext cx="4512" cy="10"/>
-              </a:xfrm>
-              <a:prstGeom prst="rect">
-                <a:avLst/>
-              </a:prstGeom>
-              <a:gradFill rotWithShape="0">
-                <a:gsLst>
-                  <a:gs pos="0">
-                    <a:srgbClr val="006699"/>
-                  </a:gs>
-                  <a:gs pos="100000">
-                    <a:srgbClr val="006699">
-                      <a:gamma/>
-                      <a:shade val="46275"/>
-                      <a:invGamma/>
-                      <a:alpha val="0"/>
-                    </a:srgbClr>
-                  </a:gs>
-                </a:gsLst>
-                <a:lin ang="0" scaled="1"/>
-              </a:gradFill>
-              <a:ln>
-                <a:noFill/>
-              </a:ln>
-              <a:effectLst/>
-              <a:extLst>
-                <a:ext uri="{91240B29-F687-4F45-9708-019B960494DF}">
-                  <a14:hiddenLine xmlns:a14="http://schemas.microsoft.com/office/drawing/2010/main" w="9525">
-                    <a:solidFill>
-                      <a:schemeClr val="tx1"/>
-                    </a:solidFill>
-                    <a:miter lim="800000"/>
-                    <a:headEnd/>
-                    <a:tailEnd/>
-                  </a14:hiddenLine>
-                </a:ext>
-                <a:ext uri="{AF507438-7753-43E0-B8FC-AC1667EBCBE1}">
-                  <a14:hiddenEffects xmlns:a14="http://schemas.microsoft.com/office/drawing/2010/main">
-                    <a:effectLst>
-                      <a:outerShdw dist="35921" dir="2700000" algn="ctr" rotWithShape="0">
-                        <a:schemeClr val="bg2"/>
-                      </a:outerShdw>
-                    </a:effectLst>
-                  </a14:hiddenEffects>
-                </a:ext>
-              </a:extLst>
-            </p:spPr>
-            <p:txBody>
-              <a:bodyPr wrap="none" anchor="ctr"/>
-              <a:lstStyle/>
-              <a:p>
-                <a:endParaRPr lang="en-US"/>
-              </a:p>
-            </p:txBody>
-          </p:sp>
-        </p:grpSp>
-        <p:grpSp>
-          <p:nvGrpSpPr>
-            <p:cNvPr id="32" name="Group 34"/>
-            <p:cNvGrpSpPr>
-              <a:grpSpLocks/>
-            </p:cNvGrpSpPr>
-            <p:nvPr/>
-          </p:nvGrpSpPr>
-          <p:grpSpPr bwMode="auto">
-            <a:xfrm>
-              <a:off x="960" y="1536"/>
-              <a:ext cx="336" cy="336"/>
-              <a:chOff x="288" y="1632"/>
-              <a:chExt cx="2112" cy="2448"/>
-            </a:xfrm>
-          </p:grpSpPr>
-          <p:sp>
-            <p:nvSpPr>
-              <p:cNvPr id="33" name="Rectangle 35"/>
-              <p:cNvSpPr>
-                <a:spLocks noChangeArrowheads="1"/>
-              </p:cNvSpPr>
-              <p:nvPr/>
-            </p:nvSpPr>
-            <p:spPr bwMode="gray">
-              <a:xfrm rot="2686397">
-                <a:off x="1252" y="2085"/>
-                <a:ext cx="128" cy="1542"/>
-              </a:xfrm>
-              <a:prstGeom prst="rect">
-                <a:avLst/>
-              </a:prstGeom>
-              <a:gradFill rotWithShape="1">
-                <a:gsLst>
-                  <a:gs pos="0">
-                    <a:srgbClr val="38BAC8">
-                      <a:gamma/>
-                      <a:shade val="46275"/>
-                      <a:invGamma/>
-                    </a:srgbClr>
-                  </a:gs>
-                  <a:gs pos="50000">
-                    <a:srgbClr val="38BAC8"/>
-                  </a:gs>
-                  <a:gs pos="100000">
-                    <a:srgbClr val="38BAC8">
-                      <a:gamma/>
-                      <a:shade val="46275"/>
-                      <a:invGamma/>
-                    </a:srgbClr>
-                  </a:gs>
-                </a:gsLst>
-                <a:lin ang="0" scaled="1"/>
-              </a:gradFill>
-              <a:ln>
-                <a:noFill/>
-              </a:ln>
-              <a:extLst>
-                <a:ext uri="{91240B29-F687-4F45-9708-019B960494DF}">
-                  <a14:hiddenLine xmlns:a14="http://schemas.microsoft.com/office/drawing/2010/main" w="9525">
-                    <a:solidFill>
-                      <a:srgbClr val="000000"/>
-                    </a:solidFill>
-                    <a:miter lim="800000"/>
-                    <a:headEnd/>
-                    <a:tailEnd/>
-                  </a14:hiddenLine>
-                </a:ext>
-              </a:extLst>
-            </p:spPr>
-            <p:txBody>
-              <a:bodyPr/>
-              <a:lstStyle/>
-              <a:p>
-                <a:endParaRPr lang="en-US"/>
-              </a:p>
-            </p:txBody>
-          </p:sp>
-          <p:sp>
-            <p:nvSpPr>
-              <p:cNvPr id="34" name="Rectangle 36"/>
-              <p:cNvSpPr>
-                <a:spLocks noChangeArrowheads="1"/>
-              </p:cNvSpPr>
-              <p:nvPr/>
-            </p:nvSpPr>
-            <p:spPr bwMode="gray">
-              <a:xfrm rot="2686397">
-                <a:off x="1515" y="2386"/>
-                <a:ext cx="128" cy="1542"/>
-              </a:xfrm>
-              <a:prstGeom prst="rect">
-                <a:avLst/>
-              </a:prstGeom>
-              <a:gradFill rotWithShape="1">
-                <a:gsLst>
-                  <a:gs pos="0">
-                    <a:srgbClr val="38BAC8">
-                      <a:gamma/>
-                      <a:shade val="46275"/>
-                      <a:invGamma/>
-                    </a:srgbClr>
-                  </a:gs>
-                  <a:gs pos="50000">
-                    <a:srgbClr val="38BAC8"/>
-                  </a:gs>
-                  <a:gs pos="100000">
-                    <a:srgbClr val="38BAC8">
-                      <a:gamma/>
-                      <a:shade val="46275"/>
-                      <a:invGamma/>
-                    </a:srgbClr>
-                  </a:gs>
-                </a:gsLst>
-                <a:lin ang="0" scaled="1"/>
-              </a:gradFill>
-              <a:ln>
-                <a:noFill/>
-              </a:ln>
-              <a:extLst>
-                <a:ext uri="{91240B29-F687-4F45-9708-019B960494DF}">
-                  <a14:hiddenLine xmlns:a14="http://schemas.microsoft.com/office/drawing/2010/main" w="9525">
-                    <a:solidFill>
-                      <a:srgbClr val="000000"/>
-                    </a:solidFill>
-                    <a:miter lim="800000"/>
-                    <a:headEnd/>
-                    <a:tailEnd/>
-                  </a14:hiddenLine>
-                </a:ext>
-              </a:extLst>
-            </p:spPr>
-            <p:txBody>
-              <a:bodyPr/>
-              <a:lstStyle/>
-              <a:p>
-                <a:endParaRPr lang="en-US"/>
-              </a:p>
-            </p:txBody>
-          </p:sp>
-          <p:sp>
-            <p:nvSpPr>
-              <p:cNvPr id="35" name="Rectangle 37"/>
-              <p:cNvSpPr>
-                <a:spLocks noChangeArrowheads="1"/>
-              </p:cNvSpPr>
-              <p:nvPr/>
-            </p:nvSpPr>
-            <p:spPr bwMode="gray">
-              <a:xfrm rot="2686397">
-                <a:off x="986" y="1780"/>
-                <a:ext cx="128" cy="1542"/>
-              </a:xfrm>
-              <a:prstGeom prst="rect">
-                <a:avLst/>
-              </a:prstGeom>
-              <a:gradFill rotWithShape="1">
-                <a:gsLst>
-                  <a:gs pos="0">
-                    <a:srgbClr val="38BAC8">
-                      <a:gamma/>
-                      <a:shade val="46275"/>
-                      <a:invGamma/>
-                    </a:srgbClr>
-                  </a:gs>
-                  <a:gs pos="50000">
-                    <a:srgbClr val="38BAC8"/>
-                  </a:gs>
-                  <a:gs pos="100000">
-                    <a:srgbClr val="38BAC8">
-                      <a:gamma/>
-                      <a:shade val="46275"/>
-                      <a:invGamma/>
-                    </a:srgbClr>
-                  </a:gs>
-                </a:gsLst>
-                <a:lin ang="0" scaled="1"/>
-              </a:gradFill>
-              <a:ln>
-                <a:noFill/>
-              </a:ln>
-              <a:extLst>
-                <a:ext uri="{91240B29-F687-4F45-9708-019B960494DF}">
-                  <a14:hiddenLine xmlns:a14="http://schemas.microsoft.com/office/drawing/2010/main" w="9525">
-                    <a:solidFill>
-                      <a:srgbClr val="000000"/>
-                    </a:solidFill>
-                    <a:miter lim="800000"/>
-                    <a:headEnd/>
-                    <a:tailEnd/>
-                  </a14:hiddenLine>
-                </a:ext>
-              </a:extLst>
-            </p:spPr>
-            <p:txBody>
-              <a:bodyPr/>
-              <a:lstStyle/>
-              <a:p>
-                <a:endParaRPr lang="en-US"/>
-              </a:p>
-            </p:txBody>
-          </p:sp>
-          <p:sp>
-            <p:nvSpPr>
-              <p:cNvPr id="36" name="Rectangle 38"/>
-              <p:cNvSpPr>
-                <a:spLocks noChangeArrowheads="1"/>
-              </p:cNvSpPr>
-              <p:nvPr/>
-            </p:nvSpPr>
-            <p:spPr bwMode="gray">
-              <a:xfrm rot="2686397">
-                <a:off x="288" y="3237"/>
-                <a:ext cx="1327" cy="149"/>
-              </a:xfrm>
-              <a:prstGeom prst="rect">
-                <a:avLst/>
-              </a:prstGeom>
-              <a:gradFill rotWithShape="1">
-                <a:gsLst>
-                  <a:gs pos="0">
-                    <a:schemeClr val="hlink">
-                      <a:gamma/>
-                      <a:shade val="46275"/>
-                      <a:invGamma/>
-                    </a:schemeClr>
-                  </a:gs>
-                  <a:gs pos="50000">
-                    <a:schemeClr val="hlink"/>
-                  </a:gs>
-                  <a:gs pos="100000">
-                    <a:schemeClr val="hlink">
-                      <a:gamma/>
-                      <a:shade val="46275"/>
-                      <a:invGamma/>
-                    </a:schemeClr>
-                  </a:gs>
-                </a:gsLst>
-                <a:lin ang="5400000" scaled="1"/>
-              </a:gradFill>
-              <a:ln>
-                <a:noFill/>
-              </a:ln>
-              <a:extLst>
-                <a:ext uri="{91240B29-F687-4F45-9708-019B960494DF}">
-                  <a14:hiddenLine xmlns:a14="http://schemas.microsoft.com/office/drawing/2010/main" w="9525">
-                    <a:solidFill>
-                      <a:srgbClr val="000000"/>
-                    </a:solidFill>
-                    <a:miter lim="800000"/>
-                    <a:headEnd/>
-                    <a:tailEnd/>
-                  </a14:hiddenLine>
-                </a:ext>
-              </a:extLst>
-            </p:spPr>
-            <p:txBody>
-              <a:bodyPr/>
-              <a:lstStyle/>
-              <a:p>
-                <a:endParaRPr lang="en-US"/>
-              </a:p>
-            </p:txBody>
-          </p:sp>
-          <p:sp>
-            <p:nvSpPr>
-              <p:cNvPr id="37" name="Rectangle 39"/>
-              <p:cNvSpPr>
-                <a:spLocks noChangeArrowheads="1"/>
-              </p:cNvSpPr>
-              <p:nvPr/>
-            </p:nvSpPr>
-            <p:spPr bwMode="gray">
-              <a:xfrm rot="2686397">
-                <a:off x="551" y="2936"/>
-                <a:ext cx="1327" cy="145"/>
-              </a:xfrm>
-              <a:prstGeom prst="rect">
-                <a:avLst/>
-              </a:prstGeom>
-              <a:gradFill rotWithShape="1">
-                <a:gsLst>
-                  <a:gs pos="0">
-                    <a:schemeClr val="hlink">
-                      <a:gamma/>
-                      <a:shade val="46275"/>
-                      <a:invGamma/>
-                    </a:schemeClr>
-                  </a:gs>
-                  <a:gs pos="50000">
-                    <a:schemeClr val="hlink"/>
-                  </a:gs>
-                  <a:gs pos="100000">
-                    <a:schemeClr val="hlink">
-                      <a:gamma/>
-                      <a:shade val="46275"/>
-                      <a:invGamma/>
-                    </a:schemeClr>
-                  </a:gs>
-                </a:gsLst>
-                <a:lin ang="5400000" scaled="1"/>
-              </a:gradFill>
-              <a:ln>
-                <a:noFill/>
-              </a:ln>
-              <a:extLst>
-                <a:ext uri="{91240B29-F687-4F45-9708-019B960494DF}">
-                  <a14:hiddenLine xmlns:a14="http://schemas.microsoft.com/office/drawing/2010/main" w="9525">
-                    <a:solidFill>
-                      <a:srgbClr val="000000"/>
-                    </a:solidFill>
-                    <a:miter lim="800000"/>
-                    <a:headEnd/>
-                    <a:tailEnd/>
-                  </a14:hiddenLine>
-                </a:ext>
-              </a:extLst>
-            </p:spPr>
-            <p:txBody>
-              <a:bodyPr/>
-              <a:lstStyle/>
-              <a:p>
-                <a:endParaRPr lang="en-US"/>
-              </a:p>
-            </p:txBody>
-          </p:sp>
-          <p:sp>
-            <p:nvSpPr>
-              <p:cNvPr id="38" name="Rectangle 40"/>
-              <p:cNvSpPr>
-                <a:spLocks noChangeArrowheads="1"/>
-              </p:cNvSpPr>
-              <p:nvPr/>
-            </p:nvSpPr>
-            <p:spPr bwMode="gray">
-              <a:xfrm rot="2686397">
-                <a:off x="810" y="2627"/>
-                <a:ext cx="1327" cy="149"/>
-              </a:xfrm>
-              <a:prstGeom prst="rect">
-                <a:avLst/>
-              </a:prstGeom>
-              <a:gradFill rotWithShape="1">
-                <a:gsLst>
-                  <a:gs pos="0">
-                    <a:schemeClr val="hlink">
-                      <a:gamma/>
-                      <a:shade val="46275"/>
-                      <a:invGamma/>
-                    </a:schemeClr>
-                  </a:gs>
-                  <a:gs pos="50000">
-                    <a:schemeClr val="hlink"/>
-                  </a:gs>
-                  <a:gs pos="100000">
-                    <a:schemeClr val="hlink">
-                      <a:gamma/>
-                      <a:shade val="46275"/>
-                      <a:invGamma/>
-                    </a:schemeClr>
-                  </a:gs>
-                </a:gsLst>
-                <a:lin ang="5400000" scaled="1"/>
-              </a:gradFill>
-              <a:ln>
-                <a:noFill/>
-              </a:ln>
-              <a:extLst>
-                <a:ext uri="{91240B29-F687-4F45-9708-019B960494DF}">
-                  <a14:hiddenLine xmlns:a14="http://schemas.microsoft.com/office/drawing/2010/main" w="9525">
-                    <a:solidFill>
-                      <a:srgbClr val="000000"/>
-                    </a:solidFill>
-                    <a:miter lim="800000"/>
-                    <a:headEnd/>
-                    <a:tailEnd/>
-                  </a14:hiddenLine>
-                </a:ext>
-              </a:extLst>
-            </p:spPr>
-            <p:txBody>
-              <a:bodyPr/>
-              <a:lstStyle/>
-              <a:p>
-                <a:endParaRPr lang="en-US"/>
-              </a:p>
-            </p:txBody>
-          </p:sp>
-          <p:sp>
-            <p:nvSpPr>
-              <p:cNvPr id="39" name="Rectangle 41"/>
-              <p:cNvSpPr>
-                <a:spLocks noChangeArrowheads="1"/>
-              </p:cNvSpPr>
-              <p:nvPr/>
-            </p:nvSpPr>
-            <p:spPr bwMode="gray">
-              <a:xfrm rot="2686397">
-                <a:off x="1073" y="2322"/>
-                <a:ext cx="1327" cy="145"/>
-              </a:xfrm>
-              <a:prstGeom prst="rect">
-                <a:avLst/>
-              </a:prstGeom>
-              <a:gradFill rotWithShape="1">
-                <a:gsLst>
-                  <a:gs pos="0">
-                    <a:schemeClr val="hlink">
-                      <a:gamma/>
-                      <a:shade val="46275"/>
-                      <a:invGamma/>
-                    </a:schemeClr>
-                  </a:gs>
-                  <a:gs pos="50000">
-                    <a:schemeClr val="hlink"/>
-                  </a:gs>
-                  <a:gs pos="100000">
-                    <a:schemeClr val="hlink">
-                      <a:gamma/>
-                      <a:shade val="46275"/>
-                      <a:invGamma/>
-                    </a:schemeClr>
-                  </a:gs>
-                </a:gsLst>
-                <a:lin ang="5400000" scaled="1"/>
-              </a:gradFill>
-              <a:ln>
-                <a:noFill/>
-              </a:ln>
-              <a:extLst>
-                <a:ext uri="{91240B29-F687-4F45-9708-019B960494DF}">
-                  <a14:hiddenLine xmlns:a14="http://schemas.microsoft.com/office/drawing/2010/main" w="9525">
-                    <a:solidFill>
-                      <a:srgbClr val="000000"/>
-                    </a:solidFill>
-                    <a:miter lim="800000"/>
-                    <a:headEnd/>
-                    <a:tailEnd/>
-                  </a14:hiddenLine>
-                </a:ext>
-              </a:extLst>
-            </p:spPr>
-            <p:txBody>
-              <a:bodyPr/>
-              <a:lstStyle/>
-              <a:p>
-                <a:endParaRPr lang="en-US"/>
-              </a:p>
-            </p:txBody>
-          </p:sp>
-          <p:sp>
-            <p:nvSpPr>
-              <p:cNvPr id="40" name="Rectangle 42"/>
-              <p:cNvSpPr>
-                <a:spLocks noChangeArrowheads="1"/>
-              </p:cNvSpPr>
-              <p:nvPr/>
-            </p:nvSpPr>
-            <p:spPr bwMode="gray">
-              <a:xfrm rot="2686397">
-                <a:off x="1646" y="2539"/>
-                <a:ext cx="128" cy="1541"/>
-              </a:xfrm>
-              <a:prstGeom prst="rect">
-                <a:avLst/>
-              </a:prstGeom>
-              <a:gradFill rotWithShape="1">
-                <a:gsLst>
-                  <a:gs pos="0">
-                    <a:srgbClr val="006699"/>
-                  </a:gs>
-                  <a:gs pos="100000">
-                    <a:srgbClr val="006699">
-                      <a:gamma/>
-                      <a:shade val="46275"/>
-                      <a:invGamma/>
-                    </a:srgbClr>
-                  </a:gs>
-                </a:gsLst>
-                <a:lin ang="0" scaled="1"/>
-              </a:gradFill>
-              <a:ln>
-                <a:noFill/>
-              </a:ln>
-              <a:extLst>
-                <a:ext uri="{91240B29-F687-4F45-9708-019B960494DF}">
-                  <a14:hiddenLine xmlns:a14="http://schemas.microsoft.com/office/drawing/2010/main" w="9525">
-                    <a:solidFill>
-                      <a:srgbClr val="000000"/>
-                    </a:solidFill>
-                    <a:miter lim="800000"/>
-                    <a:headEnd/>
-                    <a:tailEnd/>
-                  </a14:hiddenLine>
-                </a:ext>
-              </a:extLst>
-            </p:spPr>
-            <p:txBody>
-              <a:bodyPr/>
-              <a:lstStyle/>
-              <a:p>
-                <a:endParaRPr lang="en-US"/>
-              </a:p>
-            </p:txBody>
-          </p:sp>
-          <p:sp>
-            <p:nvSpPr>
-              <p:cNvPr id="41" name="Rectangle 43"/>
-              <p:cNvSpPr>
-                <a:spLocks noChangeArrowheads="1"/>
-              </p:cNvSpPr>
-              <p:nvPr/>
-            </p:nvSpPr>
-            <p:spPr bwMode="gray">
-              <a:xfrm rot="2686397">
-                <a:off x="1387" y="2234"/>
-                <a:ext cx="125" cy="1541"/>
-              </a:xfrm>
-              <a:prstGeom prst="rect">
-                <a:avLst/>
-              </a:prstGeom>
-              <a:gradFill rotWithShape="1">
-                <a:gsLst>
-                  <a:gs pos="0">
-                    <a:srgbClr val="006699"/>
-                  </a:gs>
-                  <a:gs pos="100000">
-                    <a:srgbClr val="006699">
-                      <a:gamma/>
-                      <a:shade val="46275"/>
-                      <a:invGamma/>
-                    </a:srgbClr>
-                  </a:gs>
-                </a:gsLst>
-                <a:lin ang="0" scaled="1"/>
-              </a:gradFill>
-              <a:ln>
-                <a:noFill/>
-              </a:ln>
-              <a:extLst>
-                <a:ext uri="{91240B29-F687-4F45-9708-019B960494DF}">
-                  <a14:hiddenLine xmlns:a14="http://schemas.microsoft.com/office/drawing/2010/main" w="9525">
-                    <a:solidFill>
-                      <a:srgbClr val="000000"/>
-                    </a:solidFill>
-                    <a:miter lim="800000"/>
-                    <a:headEnd/>
-                    <a:tailEnd/>
-                  </a14:hiddenLine>
-                </a:ext>
-              </a:extLst>
-            </p:spPr>
-            <p:txBody>
-              <a:bodyPr/>
-              <a:lstStyle/>
-              <a:p>
-                <a:endParaRPr lang="en-US"/>
-              </a:p>
-            </p:txBody>
-          </p:sp>
-          <p:sp>
-            <p:nvSpPr>
-              <p:cNvPr id="42" name="Rectangle 44"/>
-              <p:cNvSpPr>
-                <a:spLocks noChangeArrowheads="1"/>
-              </p:cNvSpPr>
-              <p:nvPr/>
-            </p:nvSpPr>
-            <p:spPr bwMode="gray">
-              <a:xfrm rot="2686397">
-                <a:off x="858" y="1632"/>
-                <a:ext cx="125" cy="1541"/>
-              </a:xfrm>
-              <a:prstGeom prst="rect">
-                <a:avLst/>
-              </a:prstGeom>
-              <a:gradFill rotWithShape="1">
-                <a:gsLst>
-                  <a:gs pos="0">
-                    <a:srgbClr val="006699"/>
-                  </a:gs>
-                  <a:gs pos="100000">
-                    <a:srgbClr val="006699">
-                      <a:gamma/>
-                      <a:shade val="46275"/>
-                      <a:invGamma/>
-                    </a:srgbClr>
-                  </a:gs>
-                </a:gsLst>
-                <a:lin ang="0" scaled="1"/>
-              </a:gradFill>
-              <a:ln>
-                <a:noFill/>
-              </a:ln>
-              <a:extLst>
-                <a:ext uri="{91240B29-F687-4F45-9708-019B960494DF}">
-                  <a14:hiddenLine xmlns:a14="http://schemas.microsoft.com/office/drawing/2010/main" w="9525">
-                    <a:solidFill>
-                      <a:srgbClr val="000000"/>
-                    </a:solidFill>
-                    <a:miter lim="800000"/>
-                    <a:headEnd/>
-                    <a:tailEnd/>
-                  </a14:hiddenLine>
-                </a:ext>
-              </a:extLst>
-            </p:spPr>
-            <p:txBody>
-              <a:bodyPr/>
-              <a:lstStyle/>
-              <a:p>
-                <a:endParaRPr lang="en-US"/>
-              </a:p>
-            </p:txBody>
-          </p:sp>
-          <p:sp>
-            <p:nvSpPr>
-              <p:cNvPr id="43" name="Rectangle 45"/>
-              <p:cNvSpPr>
-                <a:spLocks noChangeArrowheads="1"/>
-              </p:cNvSpPr>
-              <p:nvPr/>
-            </p:nvSpPr>
-            <p:spPr bwMode="gray">
-              <a:xfrm rot="2686397">
-                <a:off x="1121" y="1933"/>
-                <a:ext cx="128" cy="1541"/>
-              </a:xfrm>
-              <a:prstGeom prst="rect">
-                <a:avLst/>
-              </a:prstGeom>
-              <a:gradFill rotWithShape="1">
-                <a:gsLst>
-                  <a:gs pos="0">
-                    <a:srgbClr val="006699"/>
-                  </a:gs>
-                  <a:gs pos="100000">
-                    <a:srgbClr val="006699">
-                      <a:gamma/>
-                      <a:shade val="46275"/>
-                      <a:invGamma/>
-                    </a:srgbClr>
-                  </a:gs>
-                </a:gsLst>
-                <a:lin ang="0" scaled="1"/>
-              </a:gradFill>
-              <a:ln>
-                <a:noFill/>
-              </a:ln>
-              <a:extLst>
-                <a:ext uri="{91240B29-F687-4F45-9708-019B960494DF}">
-                  <a14:hiddenLine xmlns:a14="http://schemas.microsoft.com/office/drawing/2010/main" w="9525">
-                    <a:solidFill>
-                      <a:srgbClr val="000000"/>
-                    </a:solidFill>
-                    <a:miter lim="800000"/>
-                    <a:headEnd/>
-                    <a:tailEnd/>
-                  </a14:hiddenLine>
-                </a:ext>
-              </a:extLst>
-            </p:spPr>
-            <p:txBody>
-              <a:bodyPr/>
-              <a:lstStyle/>
-              <a:p>
-                <a:endParaRPr lang="en-US"/>
-              </a:p>
-            </p:txBody>
-          </p:sp>
-          <p:sp>
-            <p:nvSpPr>
-              <p:cNvPr id="44" name="Rectangle 46"/>
-              <p:cNvSpPr>
-                <a:spLocks noChangeArrowheads="1"/>
-              </p:cNvSpPr>
-              <p:nvPr/>
-            </p:nvSpPr>
-            <p:spPr bwMode="gray">
-              <a:xfrm rot="2686397">
-                <a:off x="419" y="3085"/>
-                <a:ext cx="1328" cy="148"/>
-              </a:xfrm>
-              <a:prstGeom prst="rect">
-                <a:avLst/>
-              </a:prstGeom>
-              <a:gradFill rotWithShape="1">
-                <a:gsLst>
-                  <a:gs pos="0">
-                    <a:schemeClr val="hlink">
-                      <a:gamma/>
-                      <a:shade val="46275"/>
-                      <a:invGamma/>
-                    </a:schemeClr>
-                  </a:gs>
-                  <a:gs pos="50000">
-                    <a:schemeClr val="hlink"/>
-                  </a:gs>
-                  <a:gs pos="100000">
-                    <a:schemeClr val="hlink">
-                      <a:gamma/>
-                      <a:shade val="46275"/>
-                      <a:invGamma/>
-                    </a:schemeClr>
-                  </a:gs>
-                </a:gsLst>
-                <a:lin ang="5400000" scaled="1"/>
-              </a:gradFill>
-              <a:ln>
-                <a:noFill/>
-              </a:ln>
-              <a:extLst>
-                <a:ext uri="{91240B29-F687-4F45-9708-019B960494DF}">
-                  <a14:hiddenLine xmlns:a14="http://schemas.microsoft.com/office/drawing/2010/main" w="9525">
-                    <a:solidFill>
-                      <a:srgbClr val="000000"/>
-                    </a:solidFill>
-                    <a:miter lim="800000"/>
-                    <a:headEnd/>
-                    <a:tailEnd/>
-                  </a14:hiddenLine>
-                </a:ext>
-              </a:extLst>
-            </p:spPr>
-            <p:txBody>
-              <a:bodyPr/>
-              <a:lstStyle/>
-              <a:p>
-                <a:endParaRPr lang="en-US"/>
-              </a:p>
-            </p:txBody>
-          </p:sp>
-          <p:sp>
-            <p:nvSpPr>
-              <p:cNvPr id="45" name="Rectangle 47"/>
-              <p:cNvSpPr>
-                <a:spLocks noChangeArrowheads="1"/>
-              </p:cNvSpPr>
-              <p:nvPr/>
-            </p:nvSpPr>
-            <p:spPr bwMode="gray">
-              <a:xfrm rot="2686397">
-                <a:off x="679" y="2780"/>
-                <a:ext cx="1327" cy="148"/>
-              </a:xfrm>
-              <a:prstGeom prst="rect">
-                <a:avLst/>
-              </a:prstGeom>
-              <a:gradFill rotWithShape="1">
-                <a:gsLst>
-                  <a:gs pos="0">
-                    <a:schemeClr val="hlink">
-                      <a:gamma/>
-                      <a:shade val="46275"/>
-                      <a:invGamma/>
-                    </a:schemeClr>
-                  </a:gs>
-                  <a:gs pos="50000">
-                    <a:schemeClr val="hlink"/>
-                  </a:gs>
-                  <a:gs pos="100000">
-                    <a:schemeClr val="hlink">
-                      <a:gamma/>
-                      <a:shade val="46275"/>
-                      <a:invGamma/>
-                    </a:schemeClr>
-                  </a:gs>
-                </a:gsLst>
-                <a:lin ang="5400000" scaled="1"/>
-              </a:gradFill>
-              <a:ln>
-                <a:noFill/>
-              </a:ln>
-              <a:extLst>
-                <a:ext uri="{91240B29-F687-4F45-9708-019B960494DF}">
-                  <a14:hiddenLine xmlns:a14="http://schemas.microsoft.com/office/drawing/2010/main" w="9525">
-                    <a:solidFill>
-                      <a:srgbClr val="000000"/>
-                    </a:solidFill>
-                    <a:miter lim="800000"/>
-                    <a:headEnd/>
-                    <a:tailEnd/>
-                  </a14:hiddenLine>
-                </a:ext>
-              </a:extLst>
-            </p:spPr>
-            <p:txBody>
-              <a:bodyPr/>
-              <a:lstStyle/>
-              <a:p>
-                <a:endParaRPr lang="en-US"/>
-              </a:p>
-            </p:txBody>
-          </p:sp>
-          <p:sp>
-            <p:nvSpPr>
-              <p:cNvPr id="46" name="Rectangle 48"/>
-              <p:cNvSpPr>
-                <a:spLocks noChangeArrowheads="1"/>
-              </p:cNvSpPr>
-              <p:nvPr/>
-            </p:nvSpPr>
-            <p:spPr bwMode="gray">
-              <a:xfrm rot="2686397">
-                <a:off x="941" y="2471"/>
-                <a:ext cx="1328" cy="148"/>
-              </a:xfrm>
-              <a:prstGeom prst="rect">
-                <a:avLst/>
-              </a:prstGeom>
-              <a:gradFill rotWithShape="1">
-                <a:gsLst>
-                  <a:gs pos="0">
-                    <a:schemeClr val="hlink">
-                      <a:gamma/>
-                      <a:shade val="46275"/>
-                      <a:invGamma/>
-                    </a:schemeClr>
-                  </a:gs>
-                  <a:gs pos="50000">
-                    <a:schemeClr val="hlink"/>
-                  </a:gs>
-                  <a:gs pos="100000">
-                    <a:schemeClr val="hlink">
-                      <a:gamma/>
-                      <a:shade val="46275"/>
-                      <a:invGamma/>
-                    </a:schemeClr>
-                  </a:gs>
-                </a:gsLst>
-                <a:lin ang="5400000" scaled="1"/>
-              </a:gradFill>
-              <a:ln>
-                <a:noFill/>
-              </a:ln>
-              <a:extLst>
-                <a:ext uri="{91240B29-F687-4F45-9708-019B960494DF}">
-                  <a14:hiddenLine xmlns:a14="http://schemas.microsoft.com/office/drawing/2010/main" w="9525">
-                    <a:solidFill>
-                      <a:srgbClr val="000000"/>
-                    </a:solidFill>
-                    <a:miter lim="800000"/>
-                    <a:headEnd/>
-                    <a:tailEnd/>
-                  </a14:hiddenLine>
-                </a:ext>
-              </a:extLst>
-            </p:spPr>
-            <p:txBody>
-              <a:bodyPr/>
-              <a:lstStyle/>
-              <a:p>
-                <a:endParaRPr lang="en-US"/>
-              </a:p>
-            </p:txBody>
-          </p:sp>
-        </p:grpSp>
-      </p:grpSp>
-      <p:grpSp>
-        <p:nvGrpSpPr>
-          <p:cNvPr id="70" name="Group 69"/>
-          <p:cNvGrpSpPr>
-            <a:grpSpLocks/>
-          </p:cNvGrpSpPr>
-          <p:nvPr/>
-        </p:nvGrpSpPr>
-        <p:grpSpPr bwMode="auto">
-          <a:xfrm>
-            <a:off x="1143000" y="4419600"/>
-            <a:ext cx="5867400" cy="533400"/>
-            <a:chOff x="1104" y="1488"/>
-            <a:chExt cx="3696" cy="336"/>
-          </a:xfrm>
-        </p:grpSpPr>
-        <p:grpSp>
-          <p:nvGrpSpPr>
-            <p:cNvPr id="71" name="Group 70"/>
-            <p:cNvGrpSpPr>
-              <a:grpSpLocks/>
-            </p:cNvGrpSpPr>
-            <p:nvPr/>
-          </p:nvGrpSpPr>
-          <p:grpSpPr bwMode="auto">
-            <a:xfrm>
-              <a:off x="1247" y="1622"/>
-              <a:ext cx="3553" cy="68"/>
-              <a:chOff x="528" y="1824"/>
-              <a:chExt cx="4512" cy="71"/>
-            </a:xfrm>
-          </p:grpSpPr>
-          <p:sp>
-            <p:nvSpPr>
-              <p:cNvPr id="87" name="Rectangle 71"/>
-              <p:cNvSpPr>
-                <a:spLocks noChangeArrowheads="1"/>
-              </p:cNvSpPr>
-              <p:nvPr/>
-            </p:nvSpPr>
-            <p:spPr bwMode="gray">
-              <a:xfrm>
-                <a:off x="528" y="1844"/>
-                <a:ext cx="4512" cy="31"/>
-              </a:xfrm>
-              <a:prstGeom prst="rect">
-                <a:avLst/>
-              </a:prstGeom>
-              <a:gradFill rotWithShape="0">
-                <a:gsLst>
-                  <a:gs pos="0">
-                    <a:srgbClr val="009999"/>
-                  </a:gs>
-                  <a:gs pos="100000">
-                    <a:srgbClr val="009999">
-                      <a:gamma/>
-                      <a:shade val="46275"/>
-                      <a:invGamma/>
-                      <a:alpha val="0"/>
-                    </a:srgbClr>
-                  </a:gs>
-                </a:gsLst>
-                <a:lin ang="0" scaled="1"/>
-              </a:gradFill>
-              <a:ln>
-                <a:noFill/>
-              </a:ln>
-              <a:effectLst/>
-              <a:extLst>
-                <a:ext uri="{91240B29-F687-4F45-9708-019B960494DF}">
-                  <a14:hiddenLine xmlns:a14="http://schemas.microsoft.com/office/drawing/2010/main" w="9525">
-                    <a:solidFill>
-                      <a:schemeClr val="tx1"/>
-                    </a:solidFill>
-                    <a:miter lim="800000"/>
-                    <a:headEnd/>
-                    <a:tailEnd/>
-                  </a14:hiddenLine>
-                </a:ext>
-                <a:ext uri="{AF507438-7753-43E0-B8FC-AC1667EBCBE1}">
-                  <a14:hiddenEffects xmlns:a14="http://schemas.microsoft.com/office/drawing/2010/main">
-                    <a:effectLst>
-                      <a:outerShdw dist="35921" dir="2700000" algn="ctr" rotWithShape="0">
-                        <a:schemeClr val="bg2"/>
-                      </a:outerShdw>
-                    </a:effectLst>
-                  </a14:hiddenEffects>
-                </a:ext>
-              </a:extLst>
-            </p:spPr>
-            <p:txBody>
-              <a:bodyPr wrap="none" anchor="ctr"/>
-              <a:lstStyle/>
-              <a:p>
-                <a:endParaRPr lang="en-US"/>
-              </a:p>
-            </p:txBody>
-          </p:sp>
-          <p:sp>
-            <p:nvSpPr>
-              <p:cNvPr id="88" name="Rectangle 72"/>
-              <p:cNvSpPr>
-                <a:spLocks noChangeArrowheads="1"/>
-              </p:cNvSpPr>
-              <p:nvPr/>
-            </p:nvSpPr>
-            <p:spPr bwMode="gray">
-              <a:xfrm>
-                <a:off x="528" y="1885"/>
-                <a:ext cx="4512" cy="10"/>
-              </a:xfrm>
-              <a:prstGeom prst="rect">
-                <a:avLst/>
-              </a:prstGeom>
-              <a:gradFill rotWithShape="0">
-                <a:gsLst>
-                  <a:gs pos="0">
-                    <a:srgbClr val="009999"/>
-                  </a:gs>
-                  <a:gs pos="100000">
-                    <a:srgbClr val="009999">
-                      <a:gamma/>
-                      <a:shade val="46275"/>
-                      <a:invGamma/>
-                      <a:alpha val="0"/>
-                    </a:srgbClr>
-                  </a:gs>
-                </a:gsLst>
-                <a:lin ang="0" scaled="1"/>
-              </a:gradFill>
-              <a:ln>
-                <a:noFill/>
-              </a:ln>
-              <a:effectLst/>
-              <a:extLst>
-                <a:ext uri="{91240B29-F687-4F45-9708-019B960494DF}">
-                  <a14:hiddenLine xmlns:a14="http://schemas.microsoft.com/office/drawing/2010/main" w="9525">
-                    <a:solidFill>
-                      <a:schemeClr val="tx1"/>
-                    </a:solidFill>
-                    <a:miter lim="800000"/>
-                    <a:headEnd/>
-                    <a:tailEnd/>
-                  </a14:hiddenLine>
-                </a:ext>
-                <a:ext uri="{AF507438-7753-43E0-B8FC-AC1667EBCBE1}">
-                  <a14:hiddenEffects xmlns:a14="http://schemas.microsoft.com/office/drawing/2010/main">
-                    <a:effectLst>
-                      <a:outerShdw dist="35921" dir="2700000" algn="ctr" rotWithShape="0">
-                        <a:schemeClr val="bg2"/>
-                      </a:outerShdw>
-                    </a:effectLst>
-                  </a14:hiddenEffects>
-                </a:ext>
-              </a:extLst>
-            </p:spPr>
-            <p:txBody>
-              <a:bodyPr wrap="none" anchor="ctr"/>
-              <a:lstStyle/>
-              <a:p>
-                <a:endParaRPr lang="en-US"/>
-              </a:p>
-            </p:txBody>
-          </p:sp>
-          <p:sp>
-            <p:nvSpPr>
-              <p:cNvPr id="89" name="Rectangle 73"/>
-              <p:cNvSpPr>
-                <a:spLocks noChangeArrowheads="1"/>
-              </p:cNvSpPr>
-              <p:nvPr/>
-            </p:nvSpPr>
-            <p:spPr bwMode="gray">
-              <a:xfrm>
-                <a:off x="528" y="1824"/>
-                <a:ext cx="4512" cy="10"/>
-              </a:xfrm>
-              <a:prstGeom prst="rect">
-                <a:avLst/>
-              </a:prstGeom>
-              <a:gradFill rotWithShape="0">
-                <a:gsLst>
-                  <a:gs pos="0">
-                    <a:srgbClr val="009999"/>
-                  </a:gs>
-                  <a:gs pos="100000">
-                    <a:srgbClr val="009999">
-                      <a:gamma/>
-                      <a:shade val="46275"/>
-                      <a:invGamma/>
-                      <a:alpha val="0"/>
-                    </a:srgbClr>
-                  </a:gs>
-                </a:gsLst>
-                <a:lin ang="0" scaled="1"/>
-              </a:gradFill>
-              <a:ln>
-                <a:noFill/>
-              </a:ln>
-              <a:effectLst/>
-              <a:extLst>
-                <a:ext uri="{91240B29-F687-4F45-9708-019B960494DF}">
-                  <a14:hiddenLine xmlns:a14="http://schemas.microsoft.com/office/drawing/2010/main" w="9525">
-                    <a:solidFill>
-                      <a:schemeClr val="tx1"/>
-                    </a:solidFill>
-                    <a:miter lim="800000"/>
-                    <a:headEnd/>
-                    <a:tailEnd/>
-                  </a14:hiddenLine>
-                </a:ext>
-                <a:ext uri="{AF507438-7753-43E0-B8FC-AC1667EBCBE1}">
-                  <a14:hiddenEffects xmlns:a14="http://schemas.microsoft.com/office/drawing/2010/main">
-                    <a:effectLst>
-                      <a:outerShdw dist="35921" dir="2700000" algn="ctr" rotWithShape="0">
-                        <a:schemeClr val="bg2"/>
-                      </a:outerShdw>
-                    </a:effectLst>
-                  </a14:hiddenEffects>
-                </a:ext>
-              </a:extLst>
-            </p:spPr>
-            <p:txBody>
-              <a:bodyPr wrap="none" anchor="ctr"/>
-              <a:lstStyle/>
-              <a:p>
-                <a:endParaRPr lang="en-US"/>
-              </a:p>
-            </p:txBody>
-          </p:sp>
-        </p:grpSp>
-        <p:grpSp>
-          <p:nvGrpSpPr>
-            <p:cNvPr id="72" name="Group 74"/>
-            <p:cNvGrpSpPr>
-              <a:grpSpLocks/>
-            </p:cNvGrpSpPr>
-            <p:nvPr/>
-          </p:nvGrpSpPr>
-          <p:grpSpPr bwMode="auto">
-            <a:xfrm>
-              <a:off x="1104" y="1488"/>
-              <a:ext cx="336" cy="336"/>
-              <a:chOff x="288" y="1632"/>
-              <a:chExt cx="2112" cy="2448"/>
-            </a:xfrm>
-          </p:grpSpPr>
-          <p:sp>
-            <p:nvSpPr>
-              <p:cNvPr id="73" name="Rectangle 75"/>
-              <p:cNvSpPr>
-                <a:spLocks noChangeArrowheads="1"/>
-              </p:cNvSpPr>
-              <p:nvPr/>
-            </p:nvSpPr>
-            <p:spPr bwMode="gray">
-              <a:xfrm rot="2686397">
-                <a:off x="1252" y="2085"/>
-                <a:ext cx="128" cy="1542"/>
-              </a:xfrm>
-              <a:prstGeom prst="rect">
-                <a:avLst/>
-              </a:prstGeom>
-              <a:gradFill rotWithShape="1">
-                <a:gsLst>
-                  <a:gs pos="0">
-                    <a:srgbClr val="38BAC8">
-                      <a:gamma/>
-                      <a:shade val="46275"/>
-                      <a:invGamma/>
-                    </a:srgbClr>
-                  </a:gs>
-                  <a:gs pos="50000">
-                    <a:srgbClr val="38BAC8"/>
-                  </a:gs>
-                  <a:gs pos="100000">
-                    <a:srgbClr val="38BAC8">
-                      <a:gamma/>
-                      <a:shade val="46275"/>
-                      <a:invGamma/>
-                    </a:srgbClr>
-                  </a:gs>
-                </a:gsLst>
-                <a:lin ang="0" scaled="1"/>
-              </a:gradFill>
-              <a:ln>
-                <a:noFill/>
-              </a:ln>
-              <a:extLst>
-                <a:ext uri="{91240B29-F687-4F45-9708-019B960494DF}">
-                  <a14:hiddenLine xmlns:a14="http://schemas.microsoft.com/office/drawing/2010/main" w="9525">
-                    <a:solidFill>
-                      <a:srgbClr val="000000"/>
-                    </a:solidFill>
-                    <a:miter lim="800000"/>
-                    <a:headEnd/>
-                    <a:tailEnd/>
-                  </a14:hiddenLine>
-                </a:ext>
-              </a:extLst>
-            </p:spPr>
-            <p:txBody>
-              <a:bodyPr/>
-              <a:lstStyle/>
-              <a:p>
-                <a:endParaRPr lang="en-US"/>
-              </a:p>
-            </p:txBody>
-          </p:sp>
-          <p:sp>
-            <p:nvSpPr>
-              <p:cNvPr id="74" name="Rectangle 76"/>
-              <p:cNvSpPr>
-                <a:spLocks noChangeArrowheads="1"/>
-              </p:cNvSpPr>
-              <p:nvPr/>
-            </p:nvSpPr>
-            <p:spPr bwMode="gray">
-              <a:xfrm rot="2686397">
-                <a:off x="1515" y="2386"/>
-                <a:ext cx="128" cy="1542"/>
-              </a:xfrm>
-              <a:prstGeom prst="rect">
-                <a:avLst/>
-              </a:prstGeom>
-              <a:gradFill rotWithShape="1">
-                <a:gsLst>
-                  <a:gs pos="0">
-                    <a:srgbClr val="38BAC8">
-                      <a:gamma/>
-                      <a:shade val="46275"/>
-                      <a:invGamma/>
-                    </a:srgbClr>
-                  </a:gs>
-                  <a:gs pos="50000">
-                    <a:srgbClr val="38BAC8"/>
-                  </a:gs>
-                  <a:gs pos="100000">
-                    <a:srgbClr val="38BAC8">
-                      <a:gamma/>
-                      <a:shade val="46275"/>
-                      <a:invGamma/>
-                    </a:srgbClr>
-                  </a:gs>
-                </a:gsLst>
-                <a:lin ang="0" scaled="1"/>
-              </a:gradFill>
-              <a:ln>
-                <a:noFill/>
-              </a:ln>
-              <a:extLst>
-                <a:ext uri="{91240B29-F687-4F45-9708-019B960494DF}">
-                  <a14:hiddenLine xmlns:a14="http://schemas.microsoft.com/office/drawing/2010/main" w="9525">
-                    <a:solidFill>
-                      <a:srgbClr val="000000"/>
-                    </a:solidFill>
-                    <a:miter lim="800000"/>
-                    <a:headEnd/>
-                    <a:tailEnd/>
-                  </a14:hiddenLine>
-                </a:ext>
-              </a:extLst>
-            </p:spPr>
-            <p:txBody>
-              <a:bodyPr/>
-              <a:lstStyle/>
-              <a:p>
-                <a:endParaRPr lang="en-US"/>
-              </a:p>
-            </p:txBody>
-          </p:sp>
-          <p:sp>
-            <p:nvSpPr>
-              <p:cNvPr id="75" name="Rectangle 77"/>
-              <p:cNvSpPr>
-                <a:spLocks noChangeArrowheads="1"/>
-              </p:cNvSpPr>
-              <p:nvPr/>
-            </p:nvSpPr>
-            <p:spPr bwMode="gray">
-              <a:xfrm rot="2686397">
-                <a:off x="986" y="1780"/>
-                <a:ext cx="128" cy="1542"/>
-              </a:xfrm>
-              <a:prstGeom prst="rect">
-                <a:avLst/>
-              </a:prstGeom>
-              <a:gradFill rotWithShape="1">
-                <a:gsLst>
-                  <a:gs pos="0">
-                    <a:srgbClr val="38BAC8">
-                      <a:gamma/>
-                      <a:shade val="46275"/>
-                      <a:invGamma/>
-                    </a:srgbClr>
-                  </a:gs>
-                  <a:gs pos="50000">
-                    <a:srgbClr val="38BAC8"/>
-                  </a:gs>
-                  <a:gs pos="100000">
-                    <a:srgbClr val="38BAC8">
-                      <a:gamma/>
-                      <a:shade val="46275"/>
-                      <a:invGamma/>
-                    </a:srgbClr>
-                  </a:gs>
-                </a:gsLst>
-                <a:lin ang="0" scaled="1"/>
-              </a:gradFill>
-              <a:ln>
-                <a:noFill/>
-              </a:ln>
-              <a:extLst>
-                <a:ext uri="{91240B29-F687-4F45-9708-019B960494DF}">
-                  <a14:hiddenLine xmlns:a14="http://schemas.microsoft.com/office/drawing/2010/main" w="9525">
-                    <a:solidFill>
-                      <a:srgbClr val="000000"/>
-                    </a:solidFill>
-                    <a:miter lim="800000"/>
-                    <a:headEnd/>
-                    <a:tailEnd/>
-                  </a14:hiddenLine>
-                </a:ext>
-              </a:extLst>
-            </p:spPr>
-            <p:txBody>
-              <a:bodyPr/>
-              <a:lstStyle/>
-              <a:p>
-                <a:endParaRPr lang="en-US"/>
-              </a:p>
-            </p:txBody>
-          </p:sp>
-          <p:sp>
-            <p:nvSpPr>
-              <p:cNvPr id="76" name="Rectangle 78"/>
-              <p:cNvSpPr>
-                <a:spLocks noChangeArrowheads="1"/>
-              </p:cNvSpPr>
-              <p:nvPr/>
-            </p:nvSpPr>
-            <p:spPr bwMode="gray">
-              <a:xfrm rot="2686397">
-                <a:off x="288" y="3237"/>
-                <a:ext cx="1327" cy="149"/>
-              </a:xfrm>
-              <a:prstGeom prst="rect">
-                <a:avLst/>
-              </a:prstGeom>
-              <a:gradFill rotWithShape="1">
-                <a:gsLst>
-                  <a:gs pos="0">
-                    <a:srgbClr val="6EC830">
-                      <a:gamma/>
-                      <a:shade val="46275"/>
-                      <a:invGamma/>
-                    </a:srgbClr>
-                  </a:gs>
-                  <a:gs pos="50000">
-                    <a:srgbClr val="6EC830"/>
-                  </a:gs>
-                  <a:gs pos="100000">
-                    <a:srgbClr val="6EC830">
-                      <a:gamma/>
-                      <a:shade val="46275"/>
-                      <a:invGamma/>
-                    </a:srgbClr>
-                  </a:gs>
-                </a:gsLst>
-                <a:lin ang="5400000" scaled="1"/>
-              </a:gradFill>
-              <a:ln>
-                <a:noFill/>
-              </a:ln>
-              <a:extLst>
-                <a:ext uri="{91240B29-F687-4F45-9708-019B960494DF}">
-                  <a14:hiddenLine xmlns:a14="http://schemas.microsoft.com/office/drawing/2010/main" w="9525">
-                    <a:solidFill>
-                      <a:srgbClr val="000000"/>
-                    </a:solidFill>
-                    <a:miter lim="800000"/>
-                    <a:headEnd/>
-                    <a:tailEnd/>
-                  </a14:hiddenLine>
-                </a:ext>
-              </a:extLst>
-            </p:spPr>
-            <p:txBody>
-              <a:bodyPr/>
-              <a:lstStyle/>
-              <a:p>
-                <a:endParaRPr lang="en-US"/>
-              </a:p>
-            </p:txBody>
-          </p:sp>
-          <p:sp>
-            <p:nvSpPr>
-              <p:cNvPr id="77" name="Rectangle 79"/>
-              <p:cNvSpPr>
-                <a:spLocks noChangeArrowheads="1"/>
-              </p:cNvSpPr>
-              <p:nvPr/>
-            </p:nvSpPr>
-            <p:spPr bwMode="gray">
-              <a:xfrm rot="2686397">
-                <a:off x="551" y="2936"/>
-                <a:ext cx="1327" cy="145"/>
-              </a:xfrm>
-              <a:prstGeom prst="rect">
-                <a:avLst/>
-              </a:prstGeom>
-              <a:gradFill rotWithShape="1">
-                <a:gsLst>
-                  <a:gs pos="0">
-                    <a:srgbClr val="6EC830">
-                      <a:gamma/>
-                      <a:shade val="46275"/>
-                      <a:invGamma/>
-                    </a:srgbClr>
-                  </a:gs>
-                  <a:gs pos="50000">
-                    <a:srgbClr val="6EC830"/>
-                  </a:gs>
-                  <a:gs pos="100000">
-                    <a:srgbClr val="6EC830">
-                      <a:gamma/>
-                      <a:shade val="46275"/>
-                      <a:invGamma/>
-                    </a:srgbClr>
-                  </a:gs>
-                </a:gsLst>
-                <a:lin ang="5400000" scaled="1"/>
-              </a:gradFill>
-              <a:ln>
-                <a:noFill/>
-              </a:ln>
-              <a:extLst>
-                <a:ext uri="{91240B29-F687-4F45-9708-019B960494DF}">
-                  <a14:hiddenLine xmlns:a14="http://schemas.microsoft.com/office/drawing/2010/main" w="9525">
-                    <a:solidFill>
-                      <a:srgbClr val="000000"/>
-                    </a:solidFill>
-                    <a:miter lim="800000"/>
-                    <a:headEnd/>
-                    <a:tailEnd/>
-                  </a14:hiddenLine>
-                </a:ext>
-              </a:extLst>
-            </p:spPr>
-            <p:txBody>
-              <a:bodyPr/>
-              <a:lstStyle/>
-              <a:p>
-                <a:endParaRPr lang="en-US"/>
-              </a:p>
-            </p:txBody>
-          </p:sp>
-          <p:sp>
-            <p:nvSpPr>
-              <p:cNvPr id="78" name="Rectangle 80"/>
-              <p:cNvSpPr>
-                <a:spLocks noChangeArrowheads="1"/>
-              </p:cNvSpPr>
-              <p:nvPr/>
-            </p:nvSpPr>
-            <p:spPr bwMode="gray">
-              <a:xfrm rot="2686397">
-                <a:off x="810" y="2627"/>
-                <a:ext cx="1327" cy="149"/>
-              </a:xfrm>
-              <a:prstGeom prst="rect">
-                <a:avLst/>
-              </a:prstGeom>
-              <a:gradFill rotWithShape="1">
-                <a:gsLst>
-                  <a:gs pos="0">
-                    <a:srgbClr val="6EC830">
-                      <a:gamma/>
-                      <a:shade val="46275"/>
-                      <a:invGamma/>
-                    </a:srgbClr>
-                  </a:gs>
-                  <a:gs pos="50000">
-                    <a:srgbClr val="6EC830"/>
-                  </a:gs>
-                  <a:gs pos="100000">
-                    <a:srgbClr val="6EC830">
-                      <a:gamma/>
-                      <a:shade val="46275"/>
-                      <a:invGamma/>
-                    </a:srgbClr>
-                  </a:gs>
-                </a:gsLst>
-                <a:lin ang="5400000" scaled="1"/>
-              </a:gradFill>
-              <a:ln>
-                <a:noFill/>
-              </a:ln>
-              <a:extLst>
-                <a:ext uri="{91240B29-F687-4F45-9708-019B960494DF}">
-                  <a14:hiddenLine xmlns:a14="http://schemas.microsoft.com/office/drawing/2010/main" w="9525">
-                    <a:solidFill>
-                      <a:srgbClr val="000000"/>
-                    </a:solidFill>
-                    <a:miter lim="800000"/>
-                    <a:headEnd/>
-                    <a:tailEnd/>
-                  </a14:hiddenLine>
-                </a:ext>
-              </a:extLst>
-            </p:spPr>
-            <p:txBody>
-              <a:bodyPr/>
-              <a:lstStyle/>
-              <a:p>
-                <a:endParaRPr lang="en-US"/>
-              </a:p>
-            </p:txBody>
-          </p:sp>
-          <p:sp>
-            <p:nvSpPr>
-              <p:cNvPr id="79" name="Rectangle 81"/>
-              <p:cNvSpPr>
-                <a:spLocks noChangeArrowheads="1"/>
-              </p:cNvSpPr>
-              <p:nvPr/>
-            </p:nvSpPr>
-            <p:spPr bwMode="gray">
-              <a:xfrm rot="2686397">
-                <a:off x="1073" y="2322"/>
-                <a:ext cx="1327" cy="145"/>
-              </a:xfrm>
-              <a:prstGeom prst="rect">
-                <a:avLst/>
-              </a:prstGeom>
-              <a:gradFill rotWithShape="1">
-                <a:gsLst>
-                  <a:gs pos="0">
-                    <a:srgbClr val="6EC830">
-                      <a:gamma/>
-                      <a:shade val="46275"/>
-                      <a:invGamma/>
-                    </a:srgbClr>
-                  </a:gs>
-                  <a:gs pos="50000">
-                    <a:srgbClr val="6EC830"/>
-                  </a:gs>
-                  <a:gs pos="100000">
-                    <a:srgbClr val="6EC830">
-                      <a:gamma/>
-                      <a:shade val="46275"/>
-                      <a:invGamma/>
-                    </a:srgbClr>
-                  </a:gs>
-                </a:gsLst>
-                <a:lin ang="5400000" scaled="1"/>
-              </a:gradFill>
-              <a:ln>
-                <a:noFill/>
-              </a:ln>
-              <a:extLst>
-                <a:ext uri="{91240B29-F687-4F45-9708-019B960494DF}">
-                  <a14:hiddenLine xmlns:a14="http://schemas.microsoft.com/office/drawing/2010/main" w="9525">
-                    <a:solidFill>
-                      <a:srgbClr val="000000"/>
-                    </a:solidFill>
-                    <a:miter lim="800000"/>
-                    <a:headEnd/>
-                    <a:tailEnd/>
-                  </a14:hiddenLine>
-                </a:ext>
-              </a:extLst>
-            </p:spPr>
-            <p:txBody>
-              <a:bodyPr/>
-              <a:lstStyle/>
-              <a:p>
-                <a:endParaRPr lang="en-US"/>
-              </a:p>
-            </p:txBody>
-          </p:sp>
-          <p:sp>
-            <p:nvSpPr>
-              <p:cNvPr id="80" name="Rectangle 82"/>
-              <p:cNvSpPr>
-                <a:spLocks noChangeArrowheads="1"/>
-              </p:cNvSpPr>
-              <p:nvPr/>
-            </p:nvSpPr>
-            <p:spPr bwMode="gray">
-              <a:xfrm rot="2686397">
-                <a:off x="1646" y="2539"/>
-                <a:ext cx="128" cy="1541"/>
-              </a:xfrm>
-              <a:prstGeom prst="rect">
-                <a:avLst/>
-              </a:prstGeom>
-              <a:gradFill rotWithShape="1">
-                <a:gsLst>
-                  <a:gs pos="0">
-                    <a:srgbClr val="006699"/>
-                  </a:gs>
-                  <a:gs pos="100000">
-                    <a:srgbClr val="006699">
-                      <a:gamma/>
-                      <a:shade val="46275"/>
-                      <a:invGamma/>
-                    </a:srgbClr>
-                  </a:gs>
-                </a:gsLst>
-                <a:lin ang="0" scaled="1"/>
-              </a:gradFill>
-              <a:ln>
-                <a:noFill/>
-              </a:ln>
-              <a:extLst>
-                <a:ext uri="{91240B29-F687-4F45-9708-019B960494DF}">
-                  <a14:hiddenLine xmlns:a14="http://schemas.microsoft.com/office/drawing/2010/main" w="9525">
-                    <a:solidFill>
-                      <a:srgbClr val="000000"/>
-                    </a:solidFill>
-                    <a:miter lim="800000"/>
-                    <a:headEnd/>
-                    <a:tailEnd/>
-                  </a14:hiddenLine>
-                </a:ext>
-              </a:extLst>
-            </p:spPr>
-            <p:txBody>
-              <a:bodyPr/>
-              <a:lstStyle/>
-              <a:p>
-                <a:endParaRPr lang="en-US"/>
-              </a:p>
-            </p:txBody>
-          </p:sp>
-          <p:sp>
-            <p:nvSpPr>
-              <p:cNvPr id="81" name="Rectangle 83"/>
-              <p:cNvSpPr>
-                <a:spLocks noChangeArrowheads="1"/>
-              </p:cNvSpPr>
-              <p:nvPr/>
-            </p:nvSpPr>
-            <p:spPr bwMode="gray">
-              <a:xfrm rot="2686397">
-                <a:off x="1387" y="2234"/>
-                <a:ext cx="125" cy="1541"/>
-              </a:xfrm>
-              <a:prstGeom prst="rect">
-                <a:avLst/>
-              </a:prstGeom>
-              <a:gradFill rotWithShape="1">
-                <a:gsLst>
-                  <a:gs pos="0">
-                    <a:srgbClr val="006699"/>
-                  </a:gs>
-                  <a:gs pos="100000">
-                    <a:srgbClr val="006699">
-                      <a:gamma/>
-                      <a:shade val="46275"/>
-                      <a:invGamma/>
-                    </a:srgbClr>
-                  </a:gs>
-                </a:gsLst>
-                <a:lin ang="0" scaled="1"/>
-              </a:gradFill>
-              <a:ln>
-                <a:noFill/>
-              </a:ln>
-              <a:extLst>
-                <a:ext uri="{91240B29-F687-4F45-9708-019B960494DF}">
-                  <a14:hiddenLine xmlns:a14="http://schemas.microsoft.com/office/drawing/2010/main" w="9525">
-                    <a:solidFill>
-                      <a:srgbClr val="000000"/>
-                    </a:solidFill>
-                    <a:miter lim="800000"/>
-                    <a:headEnd/>
-                    <a:tailEnd/>
-                  </a14:hiddenLine>
-                </a:ext>
-              </a:extLst>
-            </p:spPr>
-            <p:txBody>
-              <a:bodyPr/>
-              <a:lstStyle/>
-              <a:p>
-                <a:endParaRPr lang="en-US"/>
-              </a:p>
-            </p:txBody>
-          </p:sp>
-          <p:sp>
-            <p:nvSpPr>
-              <p:cNvPr id="82" name="Rectangle 84"/>
-              <p:cNvSpPr>
-                <a:spLocks noChangeArrowheads="1"/>
-              </p:cNvSpPr>
-              <p:nvPr/>
-            </p:nvSpPr>
-            <p:spPr bwMode="gray">
-              <a:xfrm rot="2686397">
-                <a:off x="858" y="1632"/>
-                <a:ext cx="125" cy="1541"/>
-              </a:xfrm>
-              <a:prstGeom prst="rect">
-                <a:avLst/>
-              </a:prstGeom>
-              <a:gradFill rotWithShape="1">
-                <a:gsLst>
-                  <a:gs pos="0">
-                    <a:srgbClr val="006699"/>
-                  </a:gs>
-                  <a:gs pos="100000">
-                    <a:srgbClr val="006699">
-                      <a:gamma/>
-                      <a:shade val="46275"/>
-                      <a:invGamma/>
-                    </a:srgbClr>
-                  </a:gs>
-                </a:gsLst>
-                <a:lin ang="0" scaled="1"/>
-              </a:gradFill>
-              <a:ln>
-                <a:noFill/>
-              </a:ln>
-              <a:extLst>
-                <a:ext uri="{91240B29-F687-4F45-9708-019B960494DF}">
-                  <a14:hiddenLine xmlns:a14="http://schemas.microsoft.com/office/drawing/2010/main" w="9525">
-                    <a:solidFill>
-                      <a:srgbClr val="000000"/>
-                    </a:solidFill>
-                    <a:miter lim="800000"/>
-                    <a:headEnd/>
-                    <a:tailEnd/>
-                  </a14:hiddenLine>
-                </a:ext>
-              </a:extLst>
-            </p:spPr>
-            <p:txBody>
-              <a:bodyPr/>
-              <a:lstStyle/>
-              <a:p>
-                <a:endParaRPr lang="en-US"/>
-              </a:p>
-            </p:txBody>
-          </p:sp>
-          <p:sp>
-            <p:nvSpPr>
-              <p:cNvPr id="83" name="Rectangle 85"/>
-              <p:cNvSpPr>
-                <a:spLocks noChangeArrowheads="1"/>
-              </p:cNvSpPr>
-              <p:nvPr/>
-            </p:nvSpPr>
-            <p:spPr bwMode="gray">
-              <a:xfrm rot="2686397">
-                <a:off x="1121" y="1933"/>
-                <a:ext cx="128" cy="1541"/>
-              </a:xfrm>
-              <a:prstGeom prst="rect">
-                <a:avLst/>
-              </a:prstGeom>
-              <a:gradFill rotWithShape="1">
-                <a:gsLst>
-                  <a:gs pos="0">
-                    <a:srgbClr val="006699"/>
-                  </a:gs>
-                  <a:gs pos="100000">
-                    <a:srgbClr val="006699">
-                      <a:gamma/>
-                      <a:shade val="46275"/>
-                      <a:invGamma/>
-                    </a:srgbClr>
-                  </a:gs>
-                </a:gsLst>
-                <a:lin ang="0" scaled="1"/>
-              </a:gradFill>
-              <a:ln>
-                <a:noFill/>
-              </a:ln>
-              <a:extLst>
-                <a:ext uri="{91240B29-F687-4F45-9708-019B960494DF}">
-                  <a14:hiddenLine xmlns:a14="http://schemas.microsoft.com/office/drawing/2010/main" w="9525">
-                    <a:solidFill>
-                      <a:srgbClr val="000000"/>
-                    </a:solidFill>
-                    <a:miter lim="800000"/>
-                    <a:headEnd/>
-                    <a:tailEnd/>
-                  </a14:hiddenLine>
-                </a:ext>
-              </a:extLst>
-            </p:spPr>
-            <p:txBody>
-              <a:bodyPr/>
-              <a:lstStyle/>
-              <a:p>
-                <a:endParaRPr lang="en-US"/>
-              </a:p>
-            </p:txBody>
-          </p:sp>
-          <p:sp>
-            <p:nvSpPr>
-              <p:cNvPr id="84" name="Rectangle 86"/>
-              <p:cNvSpPr>
-                <a:spLocks noChangeArrowheads="1"/>
-              </p:cNvSpPr>
-              <p:nvPr/>
-            </p:nvSpPr>
-            <p:spPr bwMode="gray">
-              <a:xfrm rot="2686397">
-                <a:off x="419" y="3085"/>
-                <a:ext cx="1328" cy="148"/>
-              </a:xfrm>
-              <a:prstGeom prst="rect">
-                <a:avLst/>
-              </a:prstGeom>
-              <a:gradFill rotWithShape="1">
-                <a:gsLst>
-                  <a:gs pos="0">
-                    <a:srgbClr val="6EC830">
-                      <a:gamma/>
-                      <a:shade val="46275"/>
-                      <a:invGamma/>
-                    </a:srgbClr>
-                  </a:gs>
-                  <a:gs pos="50000">
-                    <a:srgbClr val="6EC830"/>
-                  </a:gs>
-                  <a:gs pos="100000">
-                    <a:srgbClr val="6EC830">
-                      <a:gamma/>
-                      <a:shade val="46275"/>
-                      <a:invGamma/>
-                    </a:srgbClr>
-                  </a:gs>
-                </a:gsLst>
-                <a:lin ang="5400000" scaled="1"/>
-              </a:gradFill>
-              <a:ln>
-                <a:noFill/>
-              </a:ln>
-              <a:extLst>
-                <a:ext uri="{91240B29-F687-4F45-9708-019B960494DF}">
-                  <a14:hiddenLine xmlns:a14="http://schemas.microsoft.com/office/drawing/2010/main" w="9525">
-                    <a:solidFill>
-                      <a:srgbClr val="000000"/>
-                    </a:solidFill>
-                    <a:miter lim="800000"/>
-                    <a:headEnd/>
-                    <a:tailEnd/>
-                  </a14:hiddenLine>
-                </a:ext>
-              </a:extLst>
-            </p:spPr>
-            <p:txBody>
-              <a:bodyPr/>
-              <a:lstStyle/>
-              <a:p>
-                <a:endParaRPr lang="en-US"/>
-              </a:p>
-            </p:txBody>
-          </p:sp>
-          <p:sp>
-            <p:nvSpPr>
-              <p:cNvPr id="85" name="Rectangle 87"/>
-              <p:cNvSpPr>
-                <a:spLocks noChangeArrowheads="1"/>
-              </p:cNvSpPr>
-              <p:nvPr/>
-            </p:nvSpPr>
-            <p:spPr bwMode="gray">
-              <a:xfrm rot="2686397">
-                <a:off x="679" y="2780"/>
-                <a:ext cx="1327" cy="148"/>
-              </a:xfrm>
-              <a:prstGeom prst="rect">
-                <a:avLst/>
-              </a:prstGeom>
-              <a:gradFill rotWithShape="1">
-                <a:gsLst>
-                  <a:gs pos="0">
-                    <a:srgbClr val="6EC830">
-                      <a:gamma/>
-                      <a:shade val="46275"/>
-                      <a:invGamma/>
-                    </a:srgbClr>
-                  </a:gs>
-                  <a:gs pos="50000">
-                    <a:srgbClr val="6EC830"/>
-                  </a:gs>
-                  <a:gs pos="100000">
-                    <a:srgbClr val="6EC830">
-                      <a:gamma/>
-                      <a:shade val="46275"/>
-                      <a:invGamma/>
-                    </a:srgbClr>
-                  </a:gs>
-                </a:gsLst>
-                <a:lin ang="5400000" scaled="1"/>
-              </a:gradFill>
-              <a:ln>
-                <a:noFill/>
-              </a:ln>
-              <a:extLst>
-                <a:ext uri="{91240B29-F687-4F45-9708-019B960494DF}">
-                  <a14:hiddenLine xmlns:a14="http://schemas.microsoft.com/office/drawing/2010/main" w="9525">
-                    <a:solidFill>
-                      <a:srgbClr val="000000"/>
-                    </a:solidFill>
-                    <a:miter lim="800000"/>
-                    <a:headEnd/>
-                    <a:tailEnd/>
-                  </a14:hiddenLine>
-                </a:ext>
-              </a:extLst>
-            </p:spPr>
-            <p:txBody>
-              <a:bodyPr/>
-              <a:lstStyle/>
-              <a:p>
-                <a:endParaRPr lang="en-US"/>
-              </a:p>
-            </p:txBody>
-          </p:sp>
-          <p:sp>
-            <p:nvSpPr>
-              <p:cNvPr id="86" name="Rectangle 88"/>
-              <p:cNvSpPr>
-                <a:spLocks noChangeArrowheads="1"/>
-              </p:cNvSpPr>
-              <p:nvPr/>
-            </p:nvSpPr>
-            <p:spPr bwMode="gray">
-              <a:xfrm rot="2686397">
-                <a:off x="941" y="2471"/>
-                <a:ext cx="1328" cy="148"/>
-              </a:xfrm>
-              <a:prstGeom prst="rect">
-                <a:avLst/>
-              </a:prstGeom>
-              <a:gradFill rotWithShape="1">
-                <a:gsLst>
-                  <a:gs pos="0">
-                    <a:srgbClr val="6EC830">
-                      <a:gamma/>
-                      <a:shade val="46275"/>
-                      <a:invGamma/>
-                    </a:srgbClr>
-                  </a:gs>
-                  <a:gs pos="50000">
-                    <a:srgbClr val="6EC830"/>
-                  </a:gs>
-                  <a:gs pos="100000">
-                    <a:srgbClr val="6EC830">
-                      <a:gamma/>
-                      <a:shade val="46275"/>
-                      <a:invGamma/>
-                    </a:srgbClr>
-                  </a:gs>
-                </a:gsLst>
-                <a:lin ang="5400000" scaled="1"/>
-              </a:gradFill>
-              <a:ln>
-                <a:noFill/>
-              </a:ln>
-              <a:extLst>
-                <a:ext uri="{91240B29-F687-4F45-9708-019B960494DF}">
-                  <a14:hiddenLine xmlns:a14="http://schemas.microsoft.com/office/drawing/2010/main" w="9525">
-                    <a:solidFill>
-                      <a:srgbClr val="000000"/>
-                    </a:solidFill>
-                    <a:miter lim="800000"/>
-                    <a:headEnd/>
-                    <a:tailEnd/>
-                  </a14:hiddenLine>
-                </a:ext>
-              </a:extLst>
-            </p:spPr>
-            <p:txBody>
-              <a:bodyPr/>
-              <a:lstStyle/>
-              <a:p>
-                <a:endParaRPr lang="en-US"/>
-              </a:p>
-            </p:txBody>
-          </p:sp>
-        </p:grpSp>
-      </p:grpSp>
-      <p:sp>
-        <p:nvSpPr>
           <p:cNvPr id="2" name="Footer Placeholder 1"/>
           <p:cNvSpPr>
             <a:spLocks noGrp="1"/>
@@ -17767,6 +14269,287 @@
               <a:t>OOPMS Team</a:t>
             </a:r>
             <a:endParaRPr lang="en-US"/>
+          </a:p>
+        </p:txBody>
+      </p:sp>
+      <p:sp>
+        <p:nvSpPr>
+          <p:cNvPr id="68" name="Content Placeholder 2"/>
+          <p:cNvSpPr>
+            <a:spLocks noGrp="1"/>
+          </p:cNvSpPr>
+          <p:nvPr>
+            <p:ph idx="1"/>
+          </p:nvPr>
+        </p:nvSpPr>
+        <p:spPr>
+          <a:xfrm>
+            <a:off x="533400" y="1524000"/>
+            <a:ext cx="8305800" cy="4724400"/>
+          </a:xfrm>
+        </p:spPr>
+        <p:txBody>
+          <a:bodyPr/>
+          <a:lstStyle/>
+          <a:p>
+            <a:pPr marL="457200" indent="-457200">
+              <a:buAutoNum type="arabicPeriod"/>
+            </a:pPr>
+            <a:r>
+              <a:rPr lang="en-US" sz="2400" dirty="0" smtClean="0"/>
+              <a:t>Quick view of projects </a:t>
+            </a:r>
+            <a:r>
+              <a:rPr lang="en-US" sz="2400" dirty="0"/>
+              <a:t>‘</a:t>
+            </a:r>
+            <a:r>
+              <a:rPr lang="en-US" sz="2400" dirty="0" smtClean="0"/>
+              <a:t>status(progress, cost, efficiency)  </a:t>
+            </a:r>
+            <a:r>
+              <a:rPr lang="en-US" sz="2400" b="1" dirty="0" smtClean="0">
+                <a:sym typeface="Wingdings" pitchFamily="2" charset="2"/>
+              </a:rPr>
+              <a:t> </a:t>
+            </a:r>
+            <a:r>
+              <a:rPr lang="en-US" sz="2400" b="1" dirty="0"/>
+              <a:t>Dashboard</a:t>
+            </a:r>
+            <a:r>
+              <a:rPr lang="en-US" sz="2400" b="1" dirty="0" smtClean="0">
+                <a:sym typeface="Wingdings" pitchFamily="2" charset="2"/>
+              </a:rPr>
+              <a:t> </a:t>
+            </a:r>
+            <a:endParaRPr lang="en-US" sz="2400" b="1" dirty="0"/>
+          </a:p>
+          <a:p>
+            <a:pPr marL="457200" indent="-457200">
+              <a:buAutoNum type="arabicPeriod"/>
+            </a:pPr>
+            <a:r>
+              <a:rPr lang="en-US" sz="2400" dirty="0" smtClean="0"/>
+              <a:t>Planning and keep </a:t>
+            </a:r>
+            <a:r>
+              <a:rPr lang="en-US" sz="2400" dirty="0"/>
+              <a:t>track of </a:t>
+            </a:r>
+            <a:r>
+              <a:rPr lang="en-US" sz="2400" dirty="0" smtClean="0"/>
+              <a:t>tasks </a:t>
+            </a:r>
+            <a:r>
+              <a:rPr lang="en-US" sz="2400" b="1" dirty="0" smtClean="0">
+                <a:sym typeface="Wingdings" pitchFamily="2" charset="2"/>
+              </a:rPr>
+              <a:t> </a:t>
+            </a:r>
+            <a:r>
+              <a:rPr lang="en-US" sz="2400" b="1" dirty="0"/>
+              <a:t>Planner</a:t>
+            </a:r>
+            <a:r>
+              <a:rPr lang="en-US" sz="2400" b="1" dirty="0" smtClean="0">
+                <a:sym typeface="Wingdings" pitchFamily="2" charset="2"/>
+              </a:rPr>
+              <a:t> </a:t>
+            </a:r>
+            <a:endParaRPr lang="en-US" sz="2400" b="1" dirty="0"/>
+          </a:p>
+          <a:p>
+            <a:pPr marL="457200" indent="-457200">
+              <a:buAutoNum type="arabicPeriod"/>
+            </a:pPr>
+            <a:r>
+              <a:rPr lang="en-US" sz="2400" dirty="0" smtClean="0"/>
+              <a:t>Project Management (project’s info, risk, issue, product, stage, delivery, cost) </a:t>
+            </a:r>
+            <a:r>
+              <a:rPr lang="en-US" sz="2400" b="1" dirty="0">
+                <a:sym typeface="Wingdings" pitchFamily="2" charset="2"/>
+              </a:rPr>
+              <a:t> </a:t>
+            </a:r>
+            <a:r>
+              <a:rPr lang="en-US" sz="2400" b="1" dirty="0" smtClean="0"/>
+              <a:t>Project Eye</a:t>
+            </a:r>
+            <a:endParaRPr lang="en-US" sz="2400" b="1" dirty="0"/>
+          </a:p>
+          <a:p>
+            <a:pPr marL="457200" indent="-457200">
+              <a:buAutoNum type="arabicPeriod"/>
+            </a:pPr>
+            <a:r>
+              <a:rPr lang="en-US" sz="2400" dirty="0" smtClean="0"/>
+              <a:t>Effort management </a:t>
+            </a:r>
+            <a:r>
+              <a:rPr lang="en-US" sz="2400" b="1" dirty="0">
+                <a:sym typeface="Wingdings" pitchFamily="2" charset="2"/>
+              </a:rPr>
+              <a:t> </a:t>
+            </a:r>
+            <a:r>
+              <a:rPr lang="en-US" sz="2400" b="1" dirty="0" smtClean="0"/>
+              <a:t>Timesheet</a:t>
+            </a:r>
+            <a:endParaRPr lang="en-US" sz="2400" dirty="0"/>
+          </a:p>
+          <a:p>
+            <a:pPr marL="457200" indent="-457200">
+              <a:buAutoNum type="arabicPeriod"/>
+            </a:pPr>
+            <a:r>
+              <a:rPr lang="en-US" sz="2400" dirty="0" smtClean="0"/>
+              <a:t>Defect Management </a:t>
+            </a:r>
+            <a:r>
+              <a:rPr lang="en-US" sz="2400" b="1" dirty="0">
+                <a:sym typeface="Wingdings" pitchFamily="2" charset="2"/>
+              </a:rPr>
+              <a:t> </a:t>
+            </a:r>
+            <a:r>
+              <a:rPr lang="en-US" sz="2400" b="1" dirty="0" smtClean="0"/>
+              <a:t>DMS</a:t>
+            </a:r>
+            <a:endParaRPr lang="en-US" sz="2400" dirty="0"/>
+          </a:p>
+          <a:p>
+            <a:pPr marL="457200" indent="-457200">
+              <a:buAutoNum type="arabicPeriod"/>
+            </a:pPr>
+            <a:r>
+              <a:rPr lang="en-US" sz="2400" dirty="0" smtClean="0"/>
+              <a:t>Requirement Management </a:t>
+            </a:r>
+            <a:r>
+              <a:rPr lang="en-US" sz="2400" b="1" dirty="0">
+                <a:sym typeface="Wingdings" pitchFamily="2" charset="2"/>
+              </a:rPr>
+              <a:t> </a:t>
+            </a:r>
+            <a:r>
+              <a:rPr lang="en-US" sz="2400" b="1" dirty="0" smtClean="0"/>
+              <a:t>Requirements</a:t>
+            </a:r>
+            <a:endParaRPr lang="en-US" sz="2400" dirty="0"/>
+          </a:p>
+          <a:p>
+            <a:pPr marL="457200" indent="-457200">
+              <a:buAutoNum type="arabicPeriod"/>
+            </a:pPr>
+            <a:r>
+              <a:rPr lang="en-US" sz="2400" dirty="0" smtClean="0">
+                <a:sym typeface="Wingdings" pitchFamily="2" charset="2"/>
+              </a:rPr>
+              <a:t>User Administration  </a:t>
+            </a:r>
+            <a:r>
+              <a:rPr lang="en-US" sz="2400" b="1" dirty="0" smtClean="0"/>
+              <a:t>Admin </a:t>
+            </a:r>
+            <a:r>
+              <a:rPr lang="en-US" sz="2400" dirty="0">
+                <a:sym typeface="Wingdings" pitchFamily="2" charset="2"/>
+              </a:rPr>
+              <a:t>(</a:t>
+            </a:r>
+            <a:r>
+              <a:rPr lang="en-US" sz="2400" dirty="0" err="1" smtClean="0">
+                <a:sym typeface="Wingdings" pitchFamily="2" charset="2"/>
+              </a:rPr>
+              <a:t>uPortal</a:t>
+            </a:r>
+            <a:r>
+              <a:rPr lang="en-US" sz="2400" dirty="0" smtClean="0">
+                <a:sym typeface="Wingdings" pitchFamily="2" charset="2"/>
+              </a:rPr>
+              <a:t>) </a:t>
+            </a:r>
+            <a:endParaRPr lang="en-US" sz="2400" dirty="0">
+              <a:sym typeface="Wingdings" pitchFamily="2" charset="2"/>
+            </a:endParaRPr>
+          </a:p>
+          <a:p>
+            <a:pPr marL="457200" indent="-457200">
+              <a:buAutoNum type="arabicPeriod"/>
+            </a:pPr>
+            <a:r>
+              <a:rPr lang="en-US" sz="2400" dirty="0" smtClean="0">
+                <a:sym typeface="Wingdings" pitchFamily="2" charset="2"/>
+              </a:rPr>
+              <a:t>export report </a:t>
+            </a:r>
+            <a:r>
+              <a:rPr lang="en-US" sz="2400" dirty="0">
+                <a:sym typeface="Wingdings" pitchFamily="2" charset="2"/>
+              </a:rPr>
+              <a:t> </a:t>
+            </a:r>
+            <a:r>
+              <a:rPr lang="en-US" sz="2400" b="1" dirty="0" smtClean="0">
+                <a:sym typeface="Wingdings" pitchFamily="2" charset="2"/>
+              </a:rPr>
+              <a:t>Report</a:t>
+            </a:r>
+            <a:endParaRPr lang="en-US" sz="2400" dirty="0">
+              <a:sym typeface="Wingdings" pitchFamily="2" charset="2"/>
+            </a:endParaRPr>
+          </a:p>
+          <a:p>
+            <a:pPr marL="457200" indent="-457200">
+              <a:buAutoNum type="arabicPeriod"/>
+            </a:pPr>
+            <a:r>
+              <a:rPr lang="en-US" sz="2400" dirty="0" smtClean="0">
+                <a:sym typeface="Wingdings" pitchFamily="2" charset="2"/>
+              </a:rPr>
+              <a:t>Android </a:t>
+            </a:r>
+            <a:r>
+              <a:rPr lang="en-US" sz="2400" dirty="0">
+                <a:sym typeface="Wingdings" pitchFamily="2" charset="2"/>
+              </a:rPr>
+              <a:t>dashboard </a:t>
+            </a:r>
+            <a:r>
+              <a:rPr lang="en-US" sz="2400" dirty="0" smtClean="0">
+                <a:sym typeface="Wingdings" pitchFamily="2" charset="2"/>
+              </a:rPr>
+              <a:t>version </a:t>
+            </a:r>
+            <a:r>
+              <a:rPr lang="en-US" sz="2400" dirty="0">
+                <a:sym typeface="Wingdings" pitchFamily="2" charset="2"/>
+              </a:rPr>
+              <a:t> </a:t>
+            </a:r>
+            <a:r>
+              <a:rPr lang="en-US" sz="2400" b="1" dirty="0" smtClean="0">
+                <a:sym typeface="Wingdings" pitchFamily="2" charset="2"/>
+              </a:rPr>
+              <a:t>Android module</a:t>
+            </a:r>
+            <a:endParaRPr lang="en-US" sz="2400" dirty="0"/>
+          </a:p>
+          <a:p>
+            <a:pPr lvl="1">
+              <a:buFont typeface="Wingdings" pitchFamily="2" charset="2"/>
+              <a:buChar char="Ø"/>
+            </a:pPr>
+            <a:endParaRPr lang="en-US" sz="2000" dirty="0" smtClean="0">
+              <a:solidFill>
+                <a:schemeClr val="tx1">
+                  <a:lumMod val="95000"/>
+                  <a:lumOff val="5000"/>
+                </a:schemeClr>
+              </a:solidFill>
+            </a:endParaRPr>
           </a:p>
         </p:txBody>
       </p:sp>
@@ -17829,1775 +14612,6 @@
               <a:rPr lang="en-US" smtClean="0"/>
               <a:pPr/>
               <a:t>19</a:t>
-            </a:fld>
-            <a:endParaRPr lang="en-US"/>
-          </a:p>
-        </p:txBody>
-      </p:sp>
-      <p:sp>
-        <p:nvSpPr>
-          <p:cNvPr id="5" name="TextBox 4"/>
-          <p:cNvSpPr txBox="1"/>
-          <p:nvPr/>
-        </p:nvSpPr>
-        <p:spPr>
-          <a:xfrm>
-            <a:off x="76200" y="152400"/>
-            <a:ext cx="9067800" cy="707886"/>
-          </a:xfrm>
-          <a:prstGeom prst="rect">
-            <a:avLst/>
-          </a:prstGeom>
-          <a:noFill/>
-        </p:spPr>
-        <p:txBody>
-          <a:bodyPr wrap="square" rtlCol="0">
-            <a:spAutoFit/>
-          </a:bodyPr>
-          <a:lstStyle/>
-          <a:p>
-            <a:r>
-              <a:rPr lang="en-US" sz="4000" dirty="0" smtClean="0">
-                <a:solidFill>
-                  <a:srgbClr val="FFC000"/>
-                </a:solidFill>
-                <a:latin typeface="Adobe Caslon Pro Bold" pitchFamily="18" charset="0"/>
-                <a:ea typeface="Adobe Fan Heiti Std B" pitchFamily="34" charset="-128"/>
-              </a:rPr>
-              <a:t>User Requirement</a:t>
-            </a:r>
-          </a:p>
-        </p:txBody>
-      </p:sp>
-      <p:pic>
-        <p:nvPicPr>
-          <p:cNvPr id="2" name="Picture 1"/>
-          <p:cNvPicPr>
-            <a:picLocks noChangeAspect="1"/>
-          </p:cNvPicPr>
-          <p:nvPr/>
-        </p:nvPicPr>
-        <p:blipFill>
-          <a:blip r:embed="rId2">
-            <a:extLst>
-              <a:ext uri="{28A0092B-C50C-407E-A947-70E740481C1C}">
-                <a14:useLocalDpi xmlns:a14="http://schemas.microsoft.com/office/drawing/2010/main" val="0"/>
-              </a:ext>
-            </a:extLst>
-          </a:blip>
-          <a:stretch>
-            <a:fillRect/>
-          </a:stretch>
-        </p:blipFill>
-        <p:spPr>
-          <a:xfrm>
-            <a:off x="685800" y="1505798"/>
-            <a:ext cx="7772400" cy="5002659"/>
-          </a:xfrm>
-          <a:prstGeom prst="rect">
-            <a:avLst/>
-          </a:prstGeom>
-        </p:spPr>
-      </p:pic>
-      <p:sp>
-        <p:nvSpPr>
-          <p:cNvPr id="3" name="TextBox 2"/>
-          <p:cNvSpPr txBox="1"/>
-          <p:nvPr/>
-        </p:nvSpPr>
-        <p:spPr>
-          <a:xfrm>
-            <a:off x="1256443" y="1828800"/>
-            <a:ext cx="6744557" cy="3416320"/>
-          </a:xfrm>
-          <a:prstGeom prst="rect">
-            <a:avLst/>
-          </a:prstGeom>
-          <a:noFill/>
-        </p:spPr>
-        <p:txBody>
-          <a:bodyPr wrap="square" rtlCol="0">
-            <a:spAutoFit/>
-          </a:bodyPr>
-          <a:lstStyle/>
-          <a:p>
-            <a:pPr marL="457200" indent="-457200">
-              <a:buAutoNum type="arabicPeriod"/>
-            </a:pPr>
-            <a:r>
-              <a:rPr lang="en-US" sz="2400" b="1" dirty="0" smtClean="0">
-                <a:solidFill>
-                  <a:schemeClr val="bg1"/>
-                </a:solidFill>
-              </a:rPr>
-              <a:t>Dashboard </a:t>
-            </a:r>
-            <a:r>
-              <a:rPr lang="en-US" sz="2400" b="1" dirty="0" smtClean="0">
-                <a:solidFill>
-                  <a:schemeClr val="bg1"/>
-                </a:solidFill>
-                <a:sym typeface="Wingdings" pitchFamily="2" charset="2"/>
-              </a:rPr>
-              <a:t> </a:t>
-            </a:r>
-            <a:r>
-              <a:rPr lang="en-US" sz="2400" dirty="0" smtClean="0">
-                <a:solidFill>
-                  <a:srgbClr val="FFC000"/>
-                </a:solidFill>
-              </a:rPr>
-              <a:t>Projects </a:t>
-            </a:r>
-            <a:r>
-              <a:rPr lang="en-US" sz="2400" dirty="0">
-                <a:solidFill>
-                  <a:srgbClr val="FFC000"/>
-                </a:solidFill>
-              </a:rPr>
-              <a:t>‘</a:t>
-            </a:r>
-            <a:r>
-              <a:rPr lang="en-US" sz="2400" dirty="0" smtClean="0">
-                <a:solidFill>
-                  <a:srgbClr val="FFC000"/>
-                </a:solidFill>
-              </a:rPr>
-              <a:t>status</a:t>
-            </a:r>
-            <a:endParaRPr lang="en-US" sz="2400" b="1" dirty="0" smtClean="0">
-              <a:solidFill>
-                <a:srgbClr val="FFC000"/>
-              </a:solidFill>
-            </a:endParaRPr>
-          </a:p>
-          <a:p>
-            <a:pPr marL="457200" indent="-457200">
-              <a:buAutoNum type="arabicPeriod"/>
-            </a:pPr>
-            <a:r>
-              <a:rPr lang="en-US" sz="2400" b="1" dirty="0" smtClean="0">
-                <a:solidFill>
-                  <a:schemeClr val="bg1"/>
-                </a:solidFill>
-              </a:rPr>
-              <a:t>Planner </a:t>
-            </a:r>
-            <a:r>
-              <a:rPr lang="en-US" sz="2400" b="1" dirty="0" smtClean="0">
-                <a:solidFill>
-                  <a:schemeClr val="bg1"/>
-                </a:solidFill>
-                <a:sym typeface="Wingdings" pitchFamily="2" charset="2"/>
-              </a:rPr>
-              <a:t> </a:t>
-            </a:r>
-            <a:r>
-              <a:rPr lang="en-US" sz="2400" dirty="0" smtClean="0">
-                <a:solidFill>
-                  <a:srgbClr val="FFC000"/>
-                </a:solidFill>
-              </a:rPr>
-              <a:t>keep </a:t>
-            </a:r>
-            <a:r>
-              <a:rPr lang="en-US" sz="2400" dirty="0">
-                <a:solidFill>
-                  <a:srgbClr val="FFC000"/>
-                </a:solidFill>
-              </a:rPr>
-              <a:t>track of tasks, </a:t>
-            </a:r>
-            <a:r>
-              <a:rPr lang="en-US" sz="2400" dirty="0" smtClean="0">
-                <a:solidFill>
-                  <a:srgbClr val="FFC000"/>
-                </a:solidFill>
-              </a:rPr>
-              <a:t>progress</a:t>
-            </a:r>
-            <a:endParaRPr lang="en-US" sz="2400" b="1" dirty="0" smtClean="0">
-              <a:solidFill>
-                <a:srgbClr val="FFC000"/>
-              </a:solidFill>
-            </a:endParaRPr>
-          </a:p>
-          <a:p>
-            <a:pPr marL="457200" indent="-457200">
-              <a:buAutoNum type="arabicPeriod"/>
-            </a:pPr>
-            <a:r>
-              <a:rPr lang="en-US" sz="2400" b="1" dirty="0">
-                <a:solidFill>
-                  <a:schemeClr val="bg1"/>
-                </a:solidFill>
-              </a:rPr>
-              <a:t>Project </a:t>
-            </a:r>
-            <a:r>
-              <a:rPr lang="en-US" sz="2400" b="1" dirty="0" smtClean="0">
-                <a:solidFill>
-                  <a:schemeClr val="bg1"/>
-                </a:solidFill>
-              </a:rPr>
-              <a:t>Eye </a:t>
-            </a:r>
-            <a:r>
-              <a:rPr lang="en-US" sz="2400" b="1" dirty="0" smtClean="0">
-                <a:solidFill>
-                  <a:schemeClr val="bg1"/>
-                </a:solidFill>
-                <a:sym typeface="Wingdings" pitchFamily="2" charset="2"/>
-              </a:rPr>
-              <a:t> </a:t>
-            </a:r>
-            <a:r>
-              <a:rPr lang="en-US" sz="2400" dirty="0" smtClean="0">
-                <a:solidFill>
-                  <a:srgbClr val="FFC000"/>
-                </a:solidFill>
-              </a:rPr>
-              <a:t>Project Management</a:t>
-            </a:r>
-            <a:endParaRPr lang="en-US" sz="2400" b="1" dirty="0" smtClean="0">
-              <a:solidFill>
-                <a:srgbClr val="FFC000"/>
-              </a:solidFill>
-            </a:endParaRPr>
-          </a:p>
-          <a:p>
-            <a:pPr marL="457200" indent="-457200">
-              <a:buAutoNum type="arabicPeriod"/>
-            </a:pPr>
-            <a:r>
-              <a:rPr lang="en-US" sz="2400" b="1" dirty="0" smtClean="0">
-                <a:solidFill>
-                  <a:schemeClr val="bg1"/>
-                </a:solidFill>
-              </a:rPr>
-              <a:t>Timesheet </a:t>
-            </a:r>
-            <a:r>
-              <a:rPr lang="en-US" sz="2400" b="1" dirty="0" smtClean="0">
-                <a:solidFill>
-                  <a:schemeClr val="bg1"/>
-                </a:solidFill>
-                <a:sym typeface="Wingdings" pitchFamily="2" charset="2"/>
-              </a:rPr>
-              <a:t> </a:t>
-            </a:r>
-            <a:r>
-              <a:rPr lang="en-US" sz="2400" dirty="0" smtClean="0">
-                <a:solidFill>
-                  <a:srgbClr val="FFC000"/>
-                </a:solidFill>
-              </a:rPr>
-              <a:t>Time management</a:t>
-            </a:r>
-          </a:p>
-          <a:p>
-            <a:pPr marL="457200" indent="-457200">
-              <a:buAutoNum type="arabicPeriod"/>
-            </a:pPr>
-            <a:r>
-              <a:rPr lang="en-US" sz="2400" b="1" dirty="0" smtClean="0">
-                <a:solidFill>
-                  <a:schemeClr val="bg1"/>
-                </a:solidFill>
-              </a:rPr>
-              <a:t>DMS </a:t>
-            </a:r>
-            <a:r>
-              <a:rPr lang="en-US" sz="2400" b="1" dirty="0" smtClean="0">
-                <a:solidFill>
-                  <a:schemeClr val="bg1"/>
-                </a:solidFill>
-                <a:sym typeface="Wingdings" pitchFamily="2" charset="2"/>
-              </a:rPr>
-              <a:t> </a:t>
-            </a:r>
-            <a:r>
-              <a:rPr lang="en-US" sz="2400" dirty="0" smtClean="0">
-                <a:solidFill>
-                  <a:srgbClr val="FFC000"/>
-                </a:solidFill>
-              </a:rPr>
-              <a:t>Defect Management</a:t>
-            </a:r>
-            <a:endParaRPr lang="en-US" sz="2400" dirty="0">
-              <a:solidFill>
-                <a:srgbClr val="FFC000"/>
-              </a:solidFill>
-            </a:endParaRPr>
-          </a:p>
-          <a:p>
-            <a:pPr marL="457200" indent="-457200">
-              <a:buAutoNum type="arabicPeriod"/>
-            </a:pPr>
-            <a:r>
-              <a:rPr lang="en-US" sz="2400" b="1" dirty="0" smtClean="0">
-                <a:solidFill>
-                  <a:schemeClr val="bg1"/>
-                </a:solidFill>
-              </a:rPr>
-              <a:t>Requirements </a:t>
-            </a:r>
-            <a:r>
-              <a:rPr lang="en-US" sz="2400" b="1" dirty="0" smtClean="0">
-                <a:solidFill>
-                  <a:schemeClr val="bg1"/>
-                </a:solidFill>
-                <a:sym typeface="Wingdings" pitchFamily="2" charset="2"/>
-              </a:rPr>
-              <a:t> </a:t>
-            </a:r>
-            <a:r>
-              <a:rPr lang="en-US" sz="2400" dirty="0" smtClean="0">
-                <a:solidFill>
-                  <a:srgbClr val="FFC000"/>
-                </a:solidFill>
-              </a:rPr>
-              <a:t>Requirement Management</a:t>
-            </a:r>
-          </a:p>
-          <a:p>
-            <a:pPr marL="457200" indent="-457200">
-              <a:buAutoNum type="arabicPeriod"/>
-            </a:pPr>
-            <a:r>
-              <a:rPr lang="en-US" sz="2400" b="1" dirty="0" smtClean="0">
-                <a:solidFill>
-                  <a:schemeClr val="bg1"/>
-                </a:solidFill>
-              </a:rPr>
-              <a:t>Admin</a:t>
-            </a:r>
-            <a:r>
-              <a:rPr lang="en-US" sz="2400" dirty="0" smtClean="0">
-                <a:solidFill>
-                  <a:schemeClr val="bg1"/>
-                </a:solidFill>
-              </a:rPr>
-              <a:t> </a:t>
-            </a:r>
-            <a:r>
-              <a:rPr lang="en-US" sz="2400" dirty="0" smtClean="0">
-                <a:solidFill>
-                  <a:schemeClr val="bg1"/>
-                </a:solidFill>
-                <a:sym typeface="Wingdings" pitchFamily="2" charset="2"/>
-              </a:rPr>
-              <a:t> </a:t>
-            </a:r>
-            <a:r>
-              <a:rPr lang="en-US" sz="2400" dirty="0" smtClean="0">
-                <a:solidFill>
-                  <a:srgbClr val="FFC000"/>
-                </a:solidFill>
-                <a:sym typeface="Wingdings" pitchFamily="2" charset="2"/>
-              </a:rPr>
-              <a:t>User Admin (</a:t>
-            </a:r>
-            <a:r>
-              <a:rPr lang="en-US" sz="2400" dirty="0" err="1" smtClean="0">
-                <a:solidFill>
-                  <a:srgbClr val="FFC000"/>
-                </a:solidFill>
-                <a:sym typeface="Wingdings" pitchFamily="2" charset="2"/>
-              </a:rPr>
-              <a:t>uPortal</a:t>
-            </a:r>
-            <a:r>
-              <a:rPr lang="en-US" sz="2400" dirty="0" smtClean="0">
-                <a:solidFill>
-                  <a:srgbClr val="FFC000"/>
-                </a:solidFill>
-                <a:sym typeface="Wingdings" pitchFamily="2" charset="2"/>
-              </a:rPr>
-              <a:t>)</a:t>
-            </a:r>
-          </a:p>
-          <a:p>
-            <a:pPr marL="457200" indent="-457200">
-              <a:buAutoNum type="arabicPeriod"/>
-            </a:pPr>
-            <a:r>
-              <a:rPr lang="en-US" sz="2400" b="1" dirty="0" smtClean="0">
-                <a:solidFill>
-                  <a:schemeClr val="bg1"/>
-                </a:solidFill>
-                <a:sym typeface="Wingdings" pitchFamily="2" charset="2"/>
-              </a:rPr>
-              <a:t>Report</a:t>
-            </a:r>
-            <a:r>
-              <a:rPr lang="en-US" sz="2400" dirty="0" smtClean="0">
-                <a:solidFill>
-                  <a:schemeClr val="bg1"/>
-                </a:solidFill>
-                <a:sym typeface="Wingdings" pitchFamily="2" charset="2"/>
-              </a:rPr>
-              <a:t>  </a:t>
-            </a:r>
-            <a:r>
-              <a:rPr lang="en-US" sz="2400" dirty="0" smtClean="0">
-                <a:solidFill>
-                  <a:srgbClr val="FFC000"/>
-                </a:solidFill>
-                <a:sym typeface="Wingdings" pitchFamily="2" charset="2"/>
-              </a:rPr>
-              <a:t>export report</a:t>
-            </a:r>
-          </a:p>
-          <a:p>
-            <a:pPr marL="457200" indent="-457200">
-              <a:buAutoNum type="arabicPeriod"/>
-            </a:pPr>
-            <a:r>
-              <a:rPr lang="en-US" sz="2400" b="1" dirty="0" smtClean="0">
-                <a:solidFill>
-                  <a:schemeClr val="bg1"/>
-                </a:solidFill>
-                <a:sym typeface="Wingdings" pitchFamily="2" charset="2"/>
-              </a:rPr>
-              <a:t>Android</a:t>
-            </a:r>
-            <a:r>
-              <a:rPr lang="en-US" sz="2400" dirty="0" smtClean="0">
-                <a:solidFill>
-                  <a:schemeClr val="bg1"/>
-                </a:solidFill>
-                <a:sym typeface="Wingdings" pitchFamily="2" charset="2"/>
-              </a:rPr>
-              <a:t>  </a:t>
-            </a:r>
-            <a:r>
-              <a:rPr lang="en-US" sz="2400" dirty="0" smtClean="0">
-                <a:solidFill>
-                  <a:srgbClr val="FFC000"/>
-                </a:solidFill>
-                <a:sym typeface="Wingdings" pitchFamily="2" charset="2"/>
-              </a:rPr>
-              <a:t>Android dashboard version</a:t>
-            </a:r>
-            <a:endParaRPr lang="en-US" sz="2400" dirty="0">
-              <a:solidFill>
-                <a:srgbClr val="FFC000"/>
-              </a:solidFill>
-            </a:endParaRPr>
-          </a:p>
-        </p:txBody>
-      </p:sp>
-      <p:sp>
-        <p:nvSpPr>
-          <p:cNvPr id="6" name="Footer Placeholder 5"/>
-          <p:cNvSpPr>
-            <a:spLocks noGrp="1"/>
-          </p:cNvSpPr>
-          <p:nvPr>
-            <p:ph type="ftr" sz="quarter" idx="11"/>
-          </p:nvPr>
-        </p:nvSpPr>
-        <p:spPr/>
-        <p:txBody>
-          <a:bodyPr/>
-          <a:lstStyle/>
-          <a:p>
-            <a:r>
-              <a:rPr lang="en-US" smtClean="0"/>
-              <a:t>OOPMS Team</a:t>
-            </a:r>
-            <a:endParaRPr lang="en-US"/>
-          </a:p>
-        </p:txBody>
-      </p:sp>
-    </p:spTree>
-    <p:extLst>
-      <p:ext uri="{BB962C8B-B14F-4D97-AF65-F5344CB8AC3E}">
-        <p14:creationId xmlns:p14="http://schemas.microsoft.com/office/powerpoint/2010/main" val="2727034636"/>
-      </p:ext>
-    </p:extLst>
-  </p:cSld>
-  <p:clrMapOvr>
-    <a:masterClrMapping/>
-  </p:clrMapOvr>
-  <p:transition spd="med">
-    <p:randomBar dir="vert"/>
-  </p:transition>
-  <p:timing>
-    <p:tnLst>
-      <p:par>
-        <p:cTn id="1" dur="indefinite" restart="never" nodeType="tmRoot"/>
-      </p:par>
-    </p:tnLst>
-  </p:timing>
-</p:sld>
-</file>
-
-<file path=ppt/slides/slide2.xml><?xml version="1.0" encoding="utf-8"?>
-<p:sld xmlns:a="http://schemas.openxmlformats.org/drawingml/2006/main" xmlns:r="http://schemas.openxmlformats.org/officeDocument/2006/relationships" xmlns:p="http://schemas.openxmlformats.org/presentationml/2006/main">
-  <p:cSld>
-    <p:spTree>
-      <p:nvGrpSpPr>
-        <p:cNvPr id="1" name=""/>
-        <p:cNvGrpSpPr/>
-        <p:nvPr/>
-      </p:nvGrpSpPr>
-      <p:grpSpPr>
-        <a:xfrm>
-          <a:off x="0" y="0"/>
-          <a:ext cx="0" cy="0"/>
-          <a:chOff x="0" y="0"/>
-          <a:chExt cx="0" cy="0"/>
-        </a:xfrm>
-      </p:grpSpPr>
-      <p:sp>
-        <p:nvSpPr>
-          <p:cNvPr id="45" name="TextBox 44"/>
-          <p:cNvSpPr txBox="1"/>
-          <p:nvPr/>
-        </p:nvSpPr>
-        <p:spPr>
-          <a:xfrm>
-            <a:off x="76200" y="642729"/>
-            <a:ext cx="9144000" cy="6432530"/>
-          </a:xfrm>
-          <a:prstGeom prst="rect">
-            <a:avLst/>
-          </a:prstGeom>
-          <a:noFill/>
-        </p:spPr>
-        <p:txBody>
-          <a:bodyPr wrap="square" rtlCol="0">
-            <a:spAutoFit/>
-          </a:bodyPr>
-          <a:lstStyle/>
-          <a:p>
-            <a:r>
-              <a:rPr lang="en-US" sz="4000" dirty="0" smtClean="0">
-                <a:solidFill>
-                  <a:srgbClr val="FFC000"/>
-                </a:solidFill>
-                <a:latin typeface="Adobe Caslon Pro Bold" pitchFamily="18" charset="0"/>
-                <a:ea typeface="Adobe Fan Heiti Std B" pitchFamily="34" charset="-128"/>
-              </a:rPr>
-              <a:t>CONTENTS</a:t>
-            </a:r>
-          </a:p>
-          <a:p>
-            <a:endParaRPr lang="en-US" sz="4000" dirty="0" smtClean="0">
-              <a:solidFill>
-                <a:srgbClr val="FFC000"/>
-              </a:solidFill>
-              <a:latin typeface="Adobe Caslon Pro Bold" pitchFamily="18" charset="0"/>
-              <a:ea typeface="Adobe Fan Heiti Std B" pitchFamily="34" charset="-128"/>
-            </a:endParaRPr>
-          </a:p>
-          <a:p>
-            <a:pPr marL="2400300" lvl="4" indent="-571500">
-              <a:buFont typeface="Wingdings" pitchFamily="2" charset="2"/>
-              <a:buChar char="v"/>
-            </a:pPr>
-            <a:r>
-              <a:rPr lang="en-US" sz="3600" dirty="0" smtClean="0">
-                <a:solidFill>
-                  <a:srgbClr val="FFC000"/>
-                </a:solidFill>
-                <a:latin typeface="Adobe Caslon Pro Bold" pitchFamily="18" charset="0"/>
-                <a:ea typeface="Adobe Fan Heiti Std B" pitchFamily="34" charset="-128"/>
-              </a:rPr>
-              <a:t>Introduction</a:t>
-            </a:r>
-          </a:p>
-          <a:p>
-            <a:pPr marL="2400300" lvl="4" indent="-571500">
-              <a:buFont typeface="Wingdings" pitchFamily="2" charset="2"/>
-              <a:buChar char="v"/>
-            </a:pPr>
-            <a:r>
-              <a:rPr lang="en-US" sz="3600" dirty="0" smtClean="0">
-                <a:solidFill>
-                  <a:srgbClr val="FFC000"/>
-                </a:solidFill>
-                <a:latin typeface="Adobe Caslon Pro Bold" pitchFamily="18" charset="0"/>
-                <a:ea typeface="Adobe Fan Heiti Std B" pitchFamily="34" charset="-128"/>
-              </a:rPr>
-              <a:t>Plan</a:t>
-            </a:r>
-          </a:p>
-          <a:p>
-            <a:pPr marL="2400300" lvl="4" indent="-571500">
-              <a:buFont typeface="Wingdings" pitchFamily="2" charset="2"/>
-              <a:buChar char="v"/>
-            </a:pPr>
-            <a:r>
-              <a:rPr lang="en-US" sz="3600" dirty="0" smtClean="0">
-                <a:solidFill>
-                  <a:srgbClr val="FFC000"/>
-                </a:solidFill>
-                <a:latin typeface="Adobe Caslon Pro Bold" pitchFamily="18" charset="0"/>
-                <a:ea typeface="Adobe Fan Heiti Std B" pitchFamily="34" charset="-128"/>
-              </a:rPr>
-              <a:t>Requirement</a:t>
-            </a:r>
-          </a:p>
-          <a:p>
-            <a:pPr marL="2400300" lvl="4" indent="-571500">
-              <a:buFont typeface="Wingdings" pitchFamily="2" charset="2"/>
-              <a:buChar char="v"/>
-            </a:pPr>
-            <a:r>
-              <a:rPr lang="en-US" sz="3600" dirty="0" smtClean="0">
-                <a:solidFill>
-                  <a:srgbClr val="FFC000"/>
-                </a:solidFill>
-                <a:latin typeface="Adobe Caslon Pro Bold" pitchFamily="18" charset="0"/>
-                <a:ea typeface="Adobe Fan Heiti Std B" pitchFamily="34" charset="-128"/>
-              </a:rPr>
-              <a:t>Design</a:t>
-            </a:r>
-          </a:p>
-          <a:p>
-            <a:pPr marL="2400300" lvl="4" indent="-571500">
-              <a:buFont typeface="Wingdings" pitchFamily="2" charset="2"/>
-              <a:buChar char="v"/>
-            </a:pPr>
-            <a:r>
-              <a:rPr lang="en-US" sz="3600" dirty="0" smtClean="0">
-                <a:solidFill>
-                  <a:srgbClr val="FFC000"/>
-                </a:solidFill>
-                <a:latin typeface="Adobe Caslon Pro Bold" pitchFamily="18" charset="0"/>
-                <a:ea typeface="Adobe Fan Heiti Std B" pitchFamily="34" charset="-128"/>
-              </a:rPr>
-              <a:t>Implementation</a:t>
-            </a:r>
-          </a:p>
-          <a:p>
-            <a:pPr marL="2400300" lvl="4" indent="-571500">
-              <a:buFont typeface="Wingdings" pitchFamily="2" charset="2"/>
-              <a:buChar char="v"/>
-            </a:pPr>
-            <a:r>
-              <a:rPr lang="en-US" sz="3600" dirty="0" smtClean="0">
-                <a:solidFill>
-                  <a:srgbClr val="FFC000"/>
-                </a:solidFill>
-                <a:latin typeface="Adobe Caslon Pro Bold" pitchFamily="18" charset="0"/>
-                <a:ea typeface="Adobe Fan Heiti Std B" pitchFamily="34" charset="-128"/>
-              </a:rPr>
-              <a:t>Summary</a:t>
-            </a:r>
-          </a:p>
-          <a:p>
-            <a:pPr marL="2400300" lvl="4" indent="-571500">
-              <a:buFont typeface="Wingdings" pitchFamily="2" charset="2"/>
-              <a:buChar char="v"/>
-            </a:pPr>
-            <a:r>
-              <a:rPr lang="en-US" sz="3600" dirty="0" smtClean="0">
-                <a:solidFill>
-                  <a:srgbClr val="FFC000"/>
-                </a:solidFill>
-                <a:latin typeface="Adobe Caslon Pro Bold" pitchFamily="18" charset="0"/>
-                <a:ea typeface="Adobe Fan Heiti Std B" pitchFamily="34" charset="-128"/>
-              </a:rPr>
-              <a:t>Demo and QA</a:t>
-            </a:r>
-          </a:p>
-          <a:p>
-            <a:endParaRPr lang="en-US" sz="4000" dirty="0">
-              <a:solidFill>
-                <a:srgbClr val="FFC000"/>
-              </a:solidFill>
-              <a:latin typeface="Adobe Caslon Pro Bold" pitchFamily="18" charset="0"/>
-              <a:ea typeface="Adobe Fan Heiti Std B" pitchFamily="34" charset="-128"/>
-            </a:endParaRPr>
-          </a:p>
-          <a:p>
-            <a:endParaRPr lang="en-US" sz="4000" dirty="0" smtClean="0">
-              <a:solidFill>
-                <a:srgbClr val="FFC000"/>
-              </a:solidFill>
-              <a:latin typeface="Adobe Caslon Pro Bold" pitchFamily="18" charset="0"/>
-              <a:ea typeface="Adobe Fan Heiti Std B" pitchFamily="34" charset="-128"/>
-            </a:endParaRPr>
-          </a:p>
-        </p:txBody>
-      </p:sp>
-      <p:sp>
-        <p:nvSpPr>
-          <p:cNvPr id="2" name="Footer Placeholder 1"/>
-          <p:cNvSpPr>
-            <a:spLocks noGrp="1"/>
-          </p:cNvSpPr>
-          <p:nvPr>
-            <p:ph type="ftr" sz="quarter" idx="11"/>
-          </p:nvPr>
-        </p:nvSpPr>
-        <p:spPr/>
-        <p:txBody>
-          <a:bodyPr/>
-          <a:lstStyle/>
-          <a:p>
-            <a:r>
-              <a:rPr lang="en-US" smtClean="0"/>
-              <a:t>OOPMS Team</a:t>
-            </a:r>
-            <a:endParaRPr lang="en-US"/>
-          </a:p>
-        </p:txBody>
-      </p:sp>
-      <p:sp>
-        <p:nvSpPr>
-          <p:cNvPr id="3" name="Slide Number Placeholder 2"/>
-          <p:cNvSpPr>
-            <a:spLocks noGrp="1"/>
-          </p:cNvSpPr>
-          <p:nvPr>
-            <p:ph type="sldNum" sz="quarter" idx="12"/>
-          </p:nvPr>
-        </p:nvSpPr>
-        <p:spPr/>
-        <p:txBody>
-          <a:bodyPr/>
-          <a:lstStyle/>
-          <a:p>
-            <a:fld id="{B6F15528-21DE-4FAA-801E-634DDDAF4B2B}" type="slidenum">
-              <a:rPr lang="en-US" smtClean="0"/>
-              <a:pPr/>
-              <a:t>2</a:t>
-            </a:fld>
-            <a:endParaRPr lang="en-US"/>
-          </a:p>
-        </p:txBody>
-      </p:sp>
-    </p:spTree>
-    <p:extLst>
-      <p:ext uri="{BB962C8B-B14F-4D97-AF65-F5344CB8AC3E}">
-        <p14:creationId xmlns:p14="http://schemas.microsoft.com/office/powerpoint/2010/main" val="2910601340"/>
-      </p:ext>
-    </p:extLst>
-  </p:cSld>
-  <p:clrMapOvr>
-    <a:masterClrMapping/>
-  </p:clrMapOvr>
-  <p:transition spd="slow">
-    <p:wipe/>
-  </p:transition>
-  <p:timing>
-    <p:tnLst>
-      <p:par>
-        <p:cTn id="1" dur="indefinite" restart="never" nodeType="tmRoot"/>
-      </p:par>
-    </p:tnLst>
-  </p:timing>
-</p:sld>
-</file>
-
-<file path=ppt/slides/slide20.xml><?xml version="1.0" encoding="utf-8"?>
-<p:sld xmlns:a="http://schemas.openxmlformats.org/drawingml/2006/main" xmlns:r="http://schemas.openxmlformats.org/officeDocument/2006/relationships" xmlns:p="http://schemas.openxmlformats.org/presentationml/2006/main">
-  <p:cSld>
-    <p:spTree>
-      <p:nvGrpSpPr>
-        <p:cNvPr id="1" name=""/>
-        <p:cNvGrpSpPr/>
-        <p:nvPr/>
-      </p:nvGrpSpPr>
-      <p:grpSpPr>
-        <a:xfrm>
-          <a:off x="0" y="0"/>
-          <a:ext cx="0" cy="0"/>
-          <a:chOff x="0" y="0"/>
-          <a:chExt cx="0" cy="0"/>
-        </a:xfrm>
-      </p:grpSpPr>
-      <p:sp>
-        <p:nvSpPr>
-          <p:cNvPr id="7" name="Content Placeholder 2"/>
-          <p:cNvSpPr>
-            <a:spLocks noGrp="1"/>
-          </p:cNvSpPr>
-          <p:nvPr>
-            <p:ph idx="1"/>
-          </p:nvPr>
-        </p:nvSpPr>
-        <p:spPr>
-          <a:xfrm>
-            <a:off x="533400" y="1524000"/>
-            <a:ext cx="8305800" cy="4724400"/>
-          </a:xfrm>
-        </p:spPr>
-        <p:txBody>
-          <a:bodyPr/>
-          <a:lstStyle/>
-          <a:p>
-            <a:pPr lvl="0"/>
-            <a:r>
-              <a:rPr lang="en-US" sz="2400" dirty="0" smtClean="0">
-                <a:solidFill>
-                  <a:schemeClr val="tx1">
-                    <a:lumMod val="95000"/>
-                    <a:lumOff val="5000"/>
-                  </a:schemeClr>
-                </a:solidFill>
-              </a:rPr>
-              <a:t>Document requirements for each use case</a:t>
-            </a:r>
-            <a:endParaRPr lang="en-US" sz="2400" dirty="0">
-              <a:solidFill>
-                <a:schemeClr val="tx1">
-                  <a:lumMod val="95000"/>
-                  <a:lumOff val="5000"/>
-                </a:schemeClr>
-              </a:solidFill>
-            </a:endParaRPr>
-          </a:p>
-          <a:p>
-            <a:pPr lvl="0"/>
-            <a:r>
-              <a:rPr lang="en-US" sz="2400" dirty="0">
-                <a:solidFill>
-                  <a:schemeClr val="tx1">
-                    <a:lumMod val="95000"/>
-                    <a:lumOff val="5000"/>
-                  </a:schemeClr>
-                </a:solidFill>
-              </a:rPr>
-              <a:t>Each </a:t>
-            </a:r>
-            <a:r>
-              <a:rPr lang="en-US" sz="2400" dirty="0" smtClean="0">
-                <a:solidFill>
-                  <a:schemeClr val="tx1">
-                    <a:lumMod val="95000"/>
-                    <a:lumOff val="5000"/>
-                  </a:schemeClr>
-                </a:solidFill>
-              </a:rPr>
-              <a:t>includes:</a:t>
-            </a:r>
-            <a:endParaRPr lang="en-US" sz="2400" dirty="0">
-              <a:solidFill>
-                <a:schemeClr val="tx1">
-                  <a:lumMod val="95000"/>
-                  <a:lumOff val="5000"/>
-                </a:schemeClr>
-              </a:solidFill>
-            </a:endParaRPr>
-          </a:p>
-          <a:p>
-            <a:pPr lvl="1">
-              <a:buFont typeface="Wingdings" pitchFamily="2" charset="2"/>
-              <a:buChar char="Ø"/>
-            </a:pPr>
-            <a:r>
-              <a:rPr lang="en-US" sz="2000" dirty="0" smtClean="0">
-                <a:solidFill>
-                  <a:schemeClr val="tx1">
-                    <a:lumMod val="95000"/>
-                    <a:lumOff val="5000"/>
-                  </a:schemeClr>
-                </a:solidFill>
-              </a:rPr>
-              <a:t>Use </a:t>
-            </a:r>
-            <a:r>
-              <a:rPr lang="en-US" sz="2000" dirty="0">
-                <a:solidFill>
-                  <a:schemeClr val="tx1">
-                    <a:lumMod val="95000"/>
-                    <a:lumOff val="5000"/>
-                  </a:schemeClr>
-                </a:solidFill>
-              </a:rPr>
-              <a:t>case </a:t>
-            </a:r>
-            <a:r>
-              <a:rPr lang="en-US" sz="2000" dirty="0" smtClean="0">
-                <a:solidFill>
-                  <a:schemeClr val="tx1">
-                    <a:lumMod val="95000"/>
-                    <a:lumOff val="5000"/>
-                  </a:schemeClr>
-                </a:solidFill>
-              </a:rPr>
-              <a:t>diagram</a:t>
-            </a:r>
-          </a:p>
-          <a:p>
-            <a:pPr lvl="1">
-              <a:buFont typeface="Wingdings" pitchFamily="2" charset="2"/>
-              <a:buChar char="Ø"/>
-            </a:pPr>
-            <a:r>
-              <a:rPr lang="en-US" sz="2000" dirty="0" smtClean="0">
-                <a:solidFill>
-                  <a:schemeClr val="tx1">
-                    <a:lumMod val="95000"/>
-                    <a:lumOff val="5000"/>
-                  </a:schemeClr>
-                </a:solidFill>
-              </a:rPr>
-              <a:t>Actor</a:t>
-            </a:r>
-          </a:p>
-          <a:p>
-            <a:pPr lvl="1">
-              <a:buFont typeface="Wingdings" pitchFamily="2" charset="2"/>
-              <a:buChar char="Ø"/>
-            </a:pPr>
-            <a:r>
-              <a:rPr lang="en-US" sz="2000" dirty="0" smtClean="0">
-                <a:solidFill>
-                  <a:schemeClr val="tx1">
-                    <a:lumMod val="95000"/>
-                    <a:lumOff val="5000"/>
-                  </a:schemeClr>
-                </a:solidFill>
-              </a:rPr>
-              <a:t>Summary</a:t>
-            </a:r>
-          </a:p>
-          <a:p>
-            <a:pPr lvl="1">
-              <a:buFont typeface="Wingdings" pitchFamily="2" charset="2"/>
-              <a:buChar char="Ø"/>
-            </a:pPr>
-            <a:r>
-              <a:rPr lang="en-US" sz="2000" dirty="0" smtClean="0">
-                <a:solidFill>
-                  <a:schemeClr val="tx1">
-                    <a:lumMod val="95000"/>
-                    <a:lumOff val="5000"/>
-                  </a:schemeClr>
-                </a:solidFill>
-              </a:rPr>
-              <a:t>Goals</a:t>
-            </a:r>
-          </a:p>
-          <a:p>
-            <a:pPr lvl="1">
-              <a:buFont typeface="Wingdings" pitchFamily="2" charset="2"/>
-              <a:buChar char="Ø"/>
-            </a:pPr>
-            <a:r>
-              <a:rPr lang="en-US" sz="2000" dirty="0" smtClean="0">
-                <a:solidFill>
-                  <a:schemeClr val="tx1">
-                    <a:lumMod val="95000"/>
-                    <a:lumOff val="5000"/>
-                  </a:schemeClr>
-                </a:solidFill>
-              </a:rPr>
-              <a:t>Triggers</a:t>
-            </a:r>
-          </a:p>
-          <a:p>
-            <a:pPr lvl="1">
-              <a:buFont typeface="Wingdings" pitchFamily="2" charset="2"/>
-              <a:buChar char="Ø"/>
-            </a:pPr>
-            <a:r>
-              <a:rPr lang="en-US" sz="2000" dirty="0" smtClean="0">
-                <a:solidFill>
-                  <a:schemeClr val="tx1">
-                    <a:lumMod val="95000"/>
-                    <a:lumOff val="5000"/>
-                  </a:schemeClr>
-                </a:solidFill>
-              </a:rPr>
-              <a:t>Preconditions</a:t>
-            </a:r>
-            <a:endParaRPr lang="en-US" sz="2000" dirty="0">
-              <a:solidFill>
-                <a:schemeClr val="tx1">
-                  <a:lumMod val="95000"/>
-                  <a:lumOff val="5000"/>
-                </a:schemeClr>
-              </a:solidFill>
-            </a:endParaRPr>
-          </a:p>
-          <a:p>
-            <a:pPr lvl="1">
-              <a:buFont typeface="Wingdings" pitchFamily="2" charset="2"/>
-              <a:buChar char="Ø"/>
-            </a:pPr>
-            <a:r>
-              <a:rPr lang="en-US" sz="2000" dirty="0" smtClean="0">
-                <a:solidFill>
-                  <a:schemeClr val="tx1">
-                    <a:lumMod val="95000"/>
-                    <a:lumOff val="5000"/>
-                  </a:schemeClr>
-                </a:solidFill>
-              </a:rPr>
-              <a:t>Post conditions</a:t>
-            </a:r>
-          </a:p>
-          <a:p>
-            <a:pPr lvl="1">
-              <a:buFont typeface="Wingdings" pitchFamily="2" charset="2"/>
-              <a:buChar char="Ø"/>
-            </a:pPr>
-            <a:r>
-              <a:rPr lang="en-US" sz="2000" dirty="0">
-                <a:solidFill>
-                  <a:schemeClr val="tx1">
-                    <a:lumMod val="95000"/>
-                    <a:lumOff val="5000"/>
-                  </a:schemeClr>
-                </a:solidFill>
-              </a:rPr>
-              <a:t>Success scenarios</a:t>
-            </a:r>
-          </a:p>
-          <a:p>
-            <a:pPr lvl="1">
-              <a:buFont typeface="Wingdings" pitchFamily="2" charset="2"/>
-              <a:buChar char="Ø"/>
-            </a:pPr>
-            <a:endParaRPr lang="en-US" sz="2000" dirty="0" smtClean="0">
-              <a:solidFill>
-                <a:schemeClr val="tx1">
-                  <a:lumMod val="95000"/>
-                  <a:lumOff val="5000"/>
-                </a:schemeClr>
-              </a:solidFill>
-            </a:endParaRPr>
-          </a:p>
-        </p:txBody>
-      </p:sp>
-      <p:sp>
-        <p:nvSpPr>
-          <p:cNvPr id="4" name="Slide Number Placeholder 3"/>
-          <p:cNvSpPr>
-            <a:spLocks noGrp="1"/>
-          </p:cNvSpPr>
-          <p:nvPr>
-            <p:ph type="sldNum" sz="quarter" idx="12"/>
-          </p:nvPr>
-        </p:nvSpPr>
-        <p:spPr/>
-        <p:txBody>
-          <a:bodyPr/>
-          <a:lstStyle/>
-          <a:p>
-            <a:fld id="{B6F15528-21DE-4FAA-801E-634DDDAF4B2B}" type="slidenum">
-              <a:rPr lang="en-US" smtClean="0"/>
-              <a:pPr/>
-              <a:t>20</a:t>
-            </a:fld>
-            <a:endParaRPr lang="en-US"/>
-          </a:p>
-        </p:txBody>
-      </p:sp>
-      <p:sp>
-        <p:nvSpPr>
-          <p:cNvPr id="5" name="TextBox 4"/>
-          <p:cNvSpPr txBox="1"/>
-          <p:nvPr/>
-        </p:nvSpPr>
-        <p:spPr>
-          <a:xfrm>
-            <a:off x="76200" y="152400"/>
-            <a:ext cx="9067800" cy="707886"/>
-          </a:xfrm>
-          <a:prstGeom prst="rect">
-            <a:avLst/>
-          </a:prstGeom>
-          <a:noFill/>
-        </p:spPr>
-        <p:txBody>
-          <a:bodyPr wrap="square" rtlCol="0">
-            <a:spAutoFit/>
-          </a:bodyPr>
-          <a:lstStyle/>
-          <a:p>
-            <a:r>
-              <a:rPr lang="en-US" sz="4000" dirty="0" smtClean="0">
-                <a:solidFill>
-                  <a:srgbClr val="FFC000"/>
-                </a:solidFill>
-                <a:latin typeface="Adobe Caslon Pro Bold" pitchFamily="18" charset="0"/>
-                <a:ea typeface="Adobe Fan Heiti Std B" pitchFamily="34" charset="-128"/>
-              </a:rPr>
-              <a:t>System Requirement</a:t>
-            </a:r>
-          </a:p>
-        </p:txBody>
-      </p:sp>
-      <p:sp>
-        <p:nvSpPr>
-          <p:cNvPr id="8" name="Content Placeholder 2"/>
-          <p:cNvSpPr txBox="1">
-            <a:spLocks/>
-          </p:cNvSpPr>
-          <p:nvPr/>
-        </p:nvSpPr>
-        <p:spPr bwMode="auto">
-          <a:xfrm>
-            <a:off x="3962400" y="2362200"/>
-            <a:ext cx="3962400" cy="4724400"/>
-          </a:xfrm>
-          <a:prstGeom prst="rect">
-            <a:avLst/>
-          </a:prstGeom>
-          <a:noFill/>
-          <a:ln>
-            <a:noFill/>
-          </a:ln>
-          <a:effectLst/>
-          <a:extLst>
-            <a:ext uri="{909E8E84-426E-40DD-AFC4-6F175D3DCCD1}">
-              <a14:hiddenFill xmlns:a14="http://schemas.microsoft.com/office/drawing/2010/main">
-                <a:solidFill>
-                  <a:schemeClr val="accent1"/>
-                </a:solidFill>
-              </a14:hiddenFill>
-            </a:ext>
-            <a:ext uri="{91240B29-F687-4F45-9708-019B960494DF}">
-              <a14:hiddenLine xmlns:a14="http://schemas.microsoft.com/office/drawing/2010/main" w="9525">
-                <a:solidFill>
-                  <a:schemeClr val="tx1"/>
-                </a:solidFill>
-                <a:miter lim="800000"/>
-                <a:headEnd/>
-                <a:tailEnd/>
-              </a14:hiddenLine>
-            </a:ext>
-            <a:ext uri="{AF507438-7753-43E0-B8FC-AC1667EBCBE1}">
-              <a14:hiddenEffects xmlns:a14="http://schemas.microsoft.com/office/drawing/2010/main">
-                <a:effectLst>
-                  <a:outerShdw dist="35921" dir="2700000" algn="ctr" rotWithShape="0">
-                    <a:schemeClr val="bg2"/>
-                  </a:outerShdw>
-                </a:effectLst>
-              </a14:hiddenEffects>
-            </a:ext>
-          </a:extLst>
-        </p:spPr>
-        <p:txBody>
-          <a:bodyPr vert="horz" wrap="square" lIns="91440" tIns="45720" rIns="91440" bIns="45720" numCol="1" anchor="t" anchorCtr="0" compatLnSpc="1">
-            <a:prstTxWarp prst="textNoShape">
-              <a:avLst/>
-            </a:prstTxWarp>
-          </a:bodyPr>
-          <a:lstStyle>
-            <a:lvl1pPr marL="342900" indent="-342900" algn="l" rtl="0" eaLnBrk="1" fontAlgn="base" hangingPunct="1">
-              <a:spcBef>
-                <a:spcPct val="20000"/>
-              </a:spcBef>
-              <a:spcAft>
-                <a:spcPct val="0"/>
-              </a:spcAft>
-              <a:buClr>
-                <a:schemeClr val="tx2"/>
-              </a:buClr>
-              <a:buFont typeface="Wingdings" pitchFamily="2" charset="2"/>
-              <a:buChar char="§"/>
-              <a:defRPr sz="2800">
-                <a:solidFill>
-                  <a:schemeClr val="tx2"/>
-                </a:solidFill>
-                <a:latin typeface="+mn-lt"/>
-                <a:ea typeface="+mn-ea"/>
-                <a:cs typeface="+mn-cs"/>
-              </a:defRPr>
-            </a:lvl1pPr>
-            <a:lvl2pPr marL="742950" indent="-285750" algn="l" rtl="0" eaLnBrk="1" fontAlgn="base" hangingPunct="1">
-              <a:spcBef>
-                <a:spcPct val="20000"/>
-              </a:spcBef>
-              <a:spcAft>
-                <a:spcPct val="0"/>
-              </a:spcAft>
-              <a:buClr>
-                <a:schemeClr val="accent1"/>
-              </a:buClr>
-              <a:buFont typeface="Wingdings" pitchFamily="2" charset="2"/>
-              <a:buChar char="§"/>
-              <a:defRPr sz="2400">
-                <a:solidFill>
-                  <a:schemeClr val="tx1"/>
-                </a:solidFill>
-                <a:latin typeface="+mn-lt"/>
-              </a:defRPr>
-            </a:lvl2pPr>
-            <a:lvl3pPr marL="1143000" indent="-228600" algn="l" rtl="0" eaLnBrk="1" fontAlgn="base" hangingPunct="1">
-              <a:spcBef>
-                <a:spcPct val="20000"/>
-              </a:spcBef>
-              <a:spcAft>
-                <a:spcPct val="0"/>
-              </a:spcAft>
-              <a:buClr>
-                <a:schemeClr val="tx1"/>
-              </a:buClr>
-              <a:buChar char="•"/>
-              <a:defRPr sz="2000">
-                <a:solidFill>
-                  <a:schemeClr val="tx1"/>
-                </a:solidFill>
-                <a:latin typeface="+mn-lt"/>
-              </a:defRPr>
-            </a:lvl3pPr>
-            <a:lvl4pPr marL="1600200" indent="-228600" algn="l" rtl="0" eaLnBrk="1" fontAlgn="base" hangingPunct="1">
-              <a:spcBef>
-                <a:spcPct val="20000"/>
-              </a:spcBef>
-              <a:spcAft>
-                <a:spcPct val="0"/>
-              </a:spcAft>
-              <a:buChar char="–"/>
-              <a:defRPr>
-                <a:solidFill>
-                  <a:schemeClr val="tx1"/>
-                </a:solidFill>
-                <a:latin typeface="+mn-lt"/>
-              </a:defRPr>
-            </a:lvl4pPr>
-            <a:lvl5pPr marL="2057400" indent="-228600" algn="l" rtl="0" eaLnBrk="1" fontAlgn="base" hangingPunct="1">
-              <a:spcBef>
-                <a:spcPct val="20000"/>
-              </a:spcBef>
-              <a:spcAft>
-                <a:spcPct val="0"/>
-              </a:spcAft>
-              <a:buChar char="»"/>
-              <a:defRPr>
-                <a:solidFill>
-                  <a:schemeClr val="tx1"/>
-                </a:solidFill>
-                <a:latin typeface="+mn-lt"/>
-              </a:defRPr>
-            </a:lvl5pPr>
-            <a:lvl6pPr marL="2514600" indent="-228600" algn="l" rtl="0" eaLnBrk="1" fontAlgn="base" hangingPunct="1">
-              <a:spcBef>
-                <a:spcPct val="20000"/>
-              </a:spcBef>
-              <a:spcAft>
-                <a:spcPct val="0"/>
-              </a:spcAft>
-              <a:buChar char="»"/>
-              <a:defRPr>
-                <a:solidFill>
-                  <a:schemeClr val="tx1"/>
-                </a:solidFill>
-                <a:latin typeface="+mn-lt"/>
-              </a:defRPr>
-            </a:lvl6pPr>
-            <a:lvl7pPr marL="2971800" indent="-228600" algn="l" rtl="0" eaLnBrk="1" fontAlgn="base" hangingPunct="1">
-              <a:spcBef>
-                <a:spcPct val="20000"/>
-              </a:spcBef>
-              <a:spcAft>
-                <a:spcPct val="0"/>
-              </a:spcAft>
-              <a:buChar char="»"/>
-              <a:defRPr>
-                <a:solidFill>
-                  <a:schemeClr val="tx1"/>
-                </a:solidFill>
-                <a:latin typeface="+mn-lt"/>
-              </a:defRPr>
-            </a:lvl7pPr>
-            <a:lvl8pPr marL="3429000" indent="-228600" algn="l" rtl="0" eaLnBrk="1" fontAlgn="base" hangingPunct="1">
-              <a:spcBef>
-                <a:spcPct val="20000"/>
-              </a:spcBef>
-              <a:spcAft>
-                <a:spcPct val="0"/>
-              </a:spcAft>
-              <a:buChar char="»"/>
-              <a:defRPr>
-                <a:solidFill>
-                  <a:schemeClr val="tx1"/>
-                </a:solidFill>
-                <a:latin typeface="+mn-lt"/>
-              </a:defRPr>
-            </a:lvl8pPr>
-            <a:lvl9pPr marL="3886200" indent="-228600" algn="l" rtl="0" eaLnBrk="1" fontAlgn="base" hangingPunct="1">
-              <a:spcBef>
-                <a:spcPct val="20000"/>
-              </a:spcBef>
-              <a:spcAft>
-                <a:spcPct val="0"/>
-              </a:spcAft>
-              <a:buChar char="»"/>
-              <a:defRPr>
-                <a:solidFill>
-                  <a:schemeClr val="tx1"/>
-                </a:solidFill>
-                <a:latin typeface="+mn-lt"/>
-              </a:defRPr>
-            </a:lvl9pPr>
-          </a:lstStyle>
-          <a:p>
-            <a:pPr lvl="1">
-              <a:buFont typeface="Wingdings" pitchFamily="2" charset="2"/>
-              <a:buChar char="Ø"/>
-            </a:pPr>
-            <a:r>
-              <a:rPr lang="en-US" sz="2000" dirty="0" smtClean="0">
-                <a:solidFill>
-                  <a:schemeClr val="tx1">
-                    <a:lumMod val="95000"/>
-                    <a:lumOff val="5000"/>
-                  </a:schemeClr>
-                </a:solidFill>
-              </a:rPr>
-              <a:t>Exceptions</a:t>
-            </a:r>
-            <a:endParaRPr lang="en-US" sz="2000" dirty="0">
-              <a:solidFill>
-                <a:schemeClr val="tx1">
-                  <a:lumMod val="95000"/>
-                  <a:lumOff val="5000"/>
-                </a:schemeClr>
-              </a:solidFill>
-            </a:endParaRPr>
-          </a:p>
-          <a:p>
-            <a:pPr lvl="1">
-              <a:buFont typeface="Wingdings" pitchFamily="2" charset="2"/>
-              <a:buChar char="Ø"/>
-            </a:pPr>
-            <a:r>
-              <a:rPr lang="en-US" sz="2000" dirty="0">
-                <a:solidFill>
-                  <a:schemeClr val="tx1">
-                    <a:lumMod val="95000"/>
-                    <a:lumOff val="5000"/>
-                  </a:schemeClr>
-                </a:solidFill>
-              </a:rPr>
-              <a:t>Relationship</a:t>
-            </a:r>
-          </a:p>
-          <a:p>
-            <a:pPr lvl="1">
-              <a:buFont typeface="Wingdings" pitchFamily="2" charset="2"/>
-              <a:buChar char="Ø"/>
-            </a:pPr>
-            <a:r>
-              <a:rPr lang="en-US" sz="2000" dirty="0">
-                <a:solidFill>
-                  <a:schemeClr val="tx1">
-                    <a:lumMod val="95000"/>
-                    <a:lumOff val="5000"/>
-                  </a:schemeClr>
-                </a:solidFill>
-              </a:rPr>
-              <a:t>Business </a:t>
-            </a:r>
-            <a:r>
-              <a:rPr lang="en-US" sz="2000" dirty="0" smtClean="0">
-                <a:solidFill>
-                  <a:schemeClr val="tx1">
-                    <a:lumMod val="95000"/>
-                    <a:lumOff val="5000"/>
-                  </a:schemeClr>
-                </a:solidFill>
-              </a:rPr>
-              <a:t>rules</a:t>
-            </a:r>
-          </a:p>
-          <a:p>
-            <a:pPr lvl="1">
-              <a:buFont typeface="Wingdings" pitchFamily="2" charset="2"/>
-              <a:buChar char="Ø"/>
-            </a:pPr>
-            <a:r>
-              <a:rPr lang="en-US" sz="2000" dirty="0" smtClean="0">
-                <a:solidFill>
-                  <a:schemeClr val="tx1">
-                    <a:lumMod val="95000"/>
-                    <a:lumOff val="5000"/>
-                  </a:schemeClr>
-                </a:solidFill>
-              </a:rPr>
-              <a:t>Description</a:t>
-            </a:r>
-          </a:p>
-          <a:p>
-            <a:pPr lvl="1">
-              <a:buFont typeface="Wingdings" pitchFamily="2" charset="2"/>
-              <a:buChar char="Ø"/>
-            </a:pPr>
-            <a:r>
-              <a:rPr lang="en-US" sz="2000" dirty="0" smtClean="0">
-                <a:solidFill>
-                  <a:schemeClr val="tx1">
-                    <a:lumMod val="95000"/>
-                    <a:lumOff val="5000"/>
-                  </a:schemeClr>
-                </a:solidFill>
-              </a:rPr>
-              <a:t>Screen</a:t>
-            </a:r>
-          </a:p>
-          <a:p>
-            <a:pPr lvl="1">
-              <a:buFont typeface="Wingdings" pitchFamily="2" charset="2"/>
-              <a:buChar char="Ø"/>
-            </a:pPr>
-            <a:r>
-              <a:rPr lang="en-US" sz="2000" dirty="0" smtClean="0">
-                <a:solidFill>
-                  <a:schemeClr val="tx1">
-                    <a:lumMod val="95000"/>
-                    <a:lumOff val="5000"/>
-                  </a:schemeClr>
-                </a:solidFill>
-              </a:rPr>
-              <a:t>Data field definitions</a:t>
-            </a:r>
-          </a:p>
-        </p:txBody>
-      </p:sp>
-      <p:sp>
-        <p:nvSpPr>
-          <p:cNvPr id="2" name="Footer Placeholder 1"/>
-          <p:cNvSpPr>
-            <a:spLocks noGrp="1"/>
-          </p:cNvSpPr>
-          <p:nvPr>
-            <p:ph type="ftr" sz="quarter" idx="11"/>
-          </p:nvPr>
-        </p:nvSpPr>
-        <p:spPr/>
-        <p:txBody>
-          <a:bodyPr/>
-          <a:lstStyle/>
-          <a:p>
-            <a:r>
-              <a:rPr lang="en-US" smtClean="0"/>
-              <a:t>OOPMS Team</a:t>
-            </a:r>
-            <a:endParaRPr lang="en-US"/>
-          </a:p>
-        </p:txBody>
-      </p:sp>
-    </p:spTree>
-    <p:extLst>
-      <p:ext uri="{BB962C8B-B14F-4D97-AF65-F5344CB8AC3E}">
-        <p14:creationId xmlns:p14="http://schemas.microsoft.com/office/powerpoint/2010/main" val="2661752799"/>
-      </p:ext>
-    </p:extLst>
-  </p:cSld>
-  <p:clrMapOvr>
-    <a:masterClrMapping/>
-  </p:clrMapOvr>
-  <p:transition spd="slow">
-    <p:push dir="u"/>
-  </p:transition>
-  <p:timing>
-    <p:tnLst>
-      <p:par>
-        <p:cTn id="1" dur="indefinite" restart="never" nodeType="tmRoot"/>
-      </p:par>
-    </p:tnLst>
-  </p:timing>
-</p:sld>
-</file>
-
-<file path=ppt/slides/slide21.xml><?xml version="1.0" encoding="utf-8"?>
-<p:sld xmlns:a="http://schemas.openxmlformats.org/drawingml/2006/main" xmlns:r="http://schemas.openxmlformats.org/officeDocument/2006/relationships" xmlns:p="http://schemas.openxmlformats.org/presentationml/2006/main">
-  <p:cSld>
-    <p:spTree>
-      <p:nvGrpSpPr>
-        <p:cNvPr id="1" name=""/>
-        <p:cNvGrpSpPr/>
-        <p:nvPr/>
-      </p:nvGrpSpPr>
-      <p:grpSpPr>
-        <a:xfrm>
-          <a:off x="0" y="0"/>
-          <a:ext cx="0" cy="0"/>
-          <a:chOff x="0" y="0"/>
-          <a:chExt cx="0" cy="0"/>
-        </a:xfrm>
-      </p:grpSpPr>
-      <p:sp>
-        <p:nvSpPr>
-          <p:cNvPr id="4" name="Slide Number Placeholder 3"/>
-          <p:cNvSpPr>
-            <a:spLocks noGrp="1"/>
-          </p:cNvSpPr>
-          <p:nvPr>
-            <p:ph type="sldNum" sz="quarter" idx="12"/>
-          </p:nvPr>
-        </p:nvSpPr>
-        <p:spPr/>
-        <p:txBody>
-          <a:bodyPr/>
-          <a:lstStyle/>
-          <a:p>
-            <a:fld id="{B6F15528-21DE-4FAA-801E-634DDDAF4B2B}" type="slidenum">
-              <a:rPr lang="en-US" smtClean="0"/>
-              <a:pPr/>
-              <a:t>21</a:t>
-            </a:fld>
-            <a:endParaRPr lang="en-US"/>
-          </a:p>
-        </p:txBody>
-      </p:sp>
-      <p:sp>
-        <p:nvSpPr>
-          <p:cNvPr id="5" name="TextBox 4"/>
-          <p:cNvSpPr txBox="1"/>
-          <p:nvPr/>
-        </p:nvSpPr>
-        <p:spPr>
-          <a:xfrm>
-            <a:off x="0" y="766008"/>
-            <a:ext cx="9601200" cy="677108"/>
-          </a:xfrm>
-          <a:prstGeom prst="rect">
-            <a:avLst/>
-          </a:prstGeom>
-          <a:noFill/>
-        </p:spPr>
-        <p:txBody>
-          <a:bodyPr wrap="square" rtlCol="0">
-            <a:spAutoFit/>
-          </a:bodyPr>
-          <a:lstStyle/>
-          <a:p>
-            <a:r>
-              <a:rPr lang="en-US" sz="3800" dirty="0" smtClean="0">
-                <a:solidFill>
-                  <a:srgbClr val="FFC000"/>
-                </a:solidFill>
-                <a:latin typeface="Adobe Caslon Pro Bold" pitchFamily="18" charset="0"/>
-                <a:ea typeface="Adobe Fan Heiti Std B" pitchFamily="34" charset="-128"/>
-              </a:rPr>
-              <a:t>Non-functional Requirements</a:t>
-            </a:r>
-          </a:p>
-        </p:txBody>
-      </p:sp>
-      <p:sp>
-        <p:nvSpPr>
-          <p:cNvPr id="11" name="TextBox 10"/>
-          <p:cNvSpPr txBox="1"/>
-          <p:nvPr/>
-        </p:nvSpPr>
-        <p:spPr>
-          <a:xfrm>
-            <a:off x="310487" y="2286000"/>
-            <a:ext cx="2470813" cy="1846659"/>
-          </a:xfrm>
-          <a:prstGeom prst="rect">
-            <a:avLst/>
-          </a:prstGeom>
-          <a:noFill/>
-        </p:spPr>
-        <p:txBody>
-          <a:bodyPr wrap="square" rtlCol="0">
-            <a:spAutoFit/>
-          </a:bodyPr>
-          <a:lstStyle/>
-          <a:p>
-            <a:pPr algn="ctr"/>
-            <a:r>
-              <a:rPr lang="en-US" sz="2400" b="1" dirty="0" smtClean="0">
-                <a:solidFill>
-                  <a:schemeClr val="bg2">
-                    <a:lumMod val="25000"/>
-                  </a:schemeClr>
-                </a:solidFill>
-                <a:latin typeface="+mj-lt"/>
-              </a:rPr>
-              <a:t>Performance</a:t>
-            </a:r>
-          </a:p>
-          <a:p>
-            <a:pPr algn="ctr"/>
-            <a:r>
-              <a:rPr lang="en-US" sz="2400" b="1" i="1" dirty="0" smtClean="0">
-                <a:solidFill>
-                  <a:srgbClr val="FFC000"/>
-                </a:solidFill>
-                <a:latin typeface="+mj-lt"/>
-              </a:rPr>
-              <a:t>Usability</a:t>
-            </a:r>
-          </a:p>
-          <a:p>
-            <a:pPr algn="ctr"/>
-            <a:r>
-              <a:rPr lang="en-US" sz="2400" i="1" dirty="0" smtClean="0">
-                <a:solidFill>
-                  <a:srgbClr val="7030A0"/>
-                </a:solidFill>
-                <a:latin typeface="+mj-lt"/>
-              </a:rPr>
-              <a:t>Reliability</a:t>
-            </a:r>
-          </a:p>
-          <a:p>
-            <a:pPr algn="ctr"/>
-            <a:r>
-              <a:rPr lang="en-US" sz="2400" i="1" dirty="0" smtClean="0">
-                <a:solidFill>
-                  <a:schemeClr val="accent5">
-                    <a:lumMod val="75000"/>
-                  </a:schemeClr>
-                </a:solidFill>
-                <a:latin typeface="+mj-lt"/>
-              </a:rPr>
-              <a:t>Supportability</a:t>
-            </a:r>
-          </a:p>
-          <a:p>
-            <a:pPr algn="ctr"/>
-            <a:r>
-              <a:rPr lang="en-US" b="1" i="1" dirty="0" smtClean="0">
-                <a:solidFill>
-                  <a:schemeClr val="bg2">
-                    <a:lumMod val="25000"/>
-                  </a:schemeClr>
-                </a:solidFill>
-                <a:latin typeface="Castellar" pitchFamily="18" charset="0"/>
-              </a:rPr>
-              <a:t>….</a:t>
-            </a:r>
-            <a:endParaRPr lang="en-US" b="1" dirty="0">
-              <a:solidFill>
-                <a:schemeClr val="bg2">
-                  <a:lumMod val="25000"/>
-                </a:schemeClr>
-              </a:solidFill>
-              <a:latin typeface="Castellar" pitchFamily="18" charset="0"/>
-            </a:endParaRPr>
-          </a:p>
-        </p:txBody>
-      </p:sp>
-      <p:pic>
-        <p:nvPicPr>
-          <p:cNvPr id="3074" name="Picture 2" descr="C:\Users\DuyNgo\Desktop\gaga.jpg"/>
-          <p:cNvPicPr>
-            <a:picLocks noChangeAspect="1" noChangeArrowheads="1"/>
-          </p:cNvPicPr>
-          <p:nvPr/>
-        </p:nvPicPr>
-        <p:blipFill>
-          <a:blip r:embed="rId2">
-            <a:extLst>
-              <a:ext uri="{28A0092B-C50C-407E-A947-70E740481C1C}">
-                <a14:useLocalDpi xmlns:a14="http://schemas.microsoft.com/office/drawing/2010/main" val="0"/>
-              </a:ext>
-            </a:extLst>
-          </a:blip>
-          <a:srcRect/>
-          <a:stretch>
-            <a:fillRect/>
-          </a:stretch>
-        </p:blipFill>
-        <p:spPr bwMode="auto">
-          <a:xfrm>
-            <a:off x="2806700" y="1938535"/>
-            <a:ext cx="6211802" cy="4138613"/>
-          </a:xfrm>
-          <a:prstGeom prst="rect">
-            <a:avLst/>
-          </a:prstGeom>
-          <a:noFill/>
-          <a:extLst>
-            <a:ext uri="{909E8E84-426E-40DD-AFC4-6F175D3DCCD1}">
-              <a14:hiddenFill xmlns:a14="http://schemas.microsoft.com/office/drawing/2010/main">
-                <a:solidFill>
-                  <a:srgbClr val="FFFFFF"/>
-                </a:solidFill>
-              </a14:hiddenFill>
-            </a:ext>
-          </a:extLst>
-        </p:spPr>
-      </p:pic>
-      <p:sp>
-        <p:nvSpPr>
-          <p:cNvPr id="2" name="Footer Placeholder 1"/>
-          <p:cNvSpPr>
-            <a:spLocks noGrp="1"/>
-          </p:cNvSpPr>
-          <p:nvPr>
-            <p:ph type="ftr" sz="quarter" idx="11"/>
-          </p:nvPr>
-        </p:nvSpPr>
-        <p:spPr/>
-        <p:txBody>
-          <a:bodyPr/>
-          <a:lstStyle/>
-          <a:p>
-            <a:r>
-              <a:rPr lang="en-US" smtClean="0"/>
-              <a:t>OOPMS Team</a:t>
-            </a:r>
-            <a:endParaRPr lang="en-US"/>
-          </a:p>
-        </p:txBody>
-      </p:sp>
-    </p:spTree>
-    <p:extLst>
-      <p:ext uri="{BB962C8B-B14F-4D97-AF65-F5344CB8AC3E}">
-        <p14:creationId xmlns:p14="http://schemas.microsoft.com/office/powerpoint/2010/main" val="2904198396"/>
-      </p:ext>
-    </p:extLst>
-  </p:cSld>
-  <p:clrMapOvr>
-    <a:masterClrMapping/>
-  </p:clrMapOvr>
-  <p:transition spd="slow">
-    <p:push dir="u"/>
-  </p:transition>
-  <p:timing>
-    <p:tnLst>
-      <p:par>
-        <p:cTn id="1" dur="indefinite" restart="never" nodeType="tmRoot"/>
-      </p:par>
-    </p:tnLst>
-  </p:timing>
-</p:sld>
-</file>
-
-<file path=ppt/slides/slide22.xml><?xml version="1.0" encoding="utf-8"?>
-<p:sld xmlns:a="http://schemas.openxmlformats.org/drawingml/2006/main" xmlns:r="http://schemas.openxmlformats.org/officeDocument/2006/relationships" xmlns:p="http://schemas.openxmlformats.org/presentationml/2006/main">
-  <p:cSld>
-    <p:spTree>
-      <p:nvGrpSpPr>
-        <p:cNvPr id="1" name=""/>
-        <p:cNvGrpSpPr/>
-        <p:nvPr/>
-      </p:nvGrpSpPr>
-      <p:grpSpPr>
-        <a:xfrm>
-          <a:off x="0" y="0"/>
-          <a:ext cx="0" cy="0"/>
-          <a:chOff x="0" y="0"/>
-          <a:chExt cx="0" cy="0"/>
-        </a:xfrm>
-      </p:grpSpPr>
-      <p:sp>
-        <p:nvSpPr>
-          <p:cNvPr id="4" name="Slide Number Placeholder 3"/>
-          <p:cNvSpPr>
-            <a:spLocks noGrp="1"/>
-          </p:cNvSpPr>
-          <p:nvPr>
-            <p:ph type="sldNum" sz="quarter" idx="12"/>
-          </p:nvPr>
-        </p:nvSpPr>
-        <p:spPr/>
-        <p:txBody>
-          <a:bodyPr/>
-          <a:lstStyle/>
-          <a:p>
-            <a:fld id="{B6F15528-21DE-4FAA-801E-634DDDAF4B2B}" type="slidenum">
-              <a:rPr lang="en-US" smtClean="0"/>
-              <a:pPr/>
-              <a:t>22</a:t>
             </a:fld>
             <a:endParaRPr lang="en-US"/>
           </a:p>
@@ -24337,7 +19351,268 @@
 </p:sld>
 </file>
 
-<file path=ppt/slides/slide23.xml><?xml version="1.0" encoding="utf-8"?>
+<file path=ppt/slides/slide2.xml><?xml version="1.0" encoding="utf-8"?>
+<p:sld xmlns:a="http://schemas.openxmlformats.org/drawingml/2006/main" xmlns:r="http://schemas.openxmlformats.org/officeDocument/2006/relationships" xmlns:p="http://schemas.openxmlformats.org/presentationml/2006/main">
+  <p:cSld>
+    <p:spTree>
+      <p:nvGrpSpPr>
+        <p:cNvPr id="1" name=""/>
+        <p:cNvGrpSpPr/>
+        <p:nvPr/>
+      </p:nvGrpSpPr>
+      <p:grpSpPr>
+        <a:xfrm>
+          <a:off x="0" y="0"/>
+          <a:ext cx="0" cy="0"/>
+          <a:chOff x="0" y="0"/>
+          <a:chExt cx="0" cy="0"/>
+        </a:xfrm>
+      </p:grpSpPr>
+      <p:sp>
+        <p:nvSpPr>
+          <p:cNvPr id="45" name="TextBox 44"/>
+          <p:cNvSpPr txBox="1"/>
+          <p:nvPr/>
+        </p:nvSpPr>
+        <p:spPr>
+          <a:xfrm>
+            <a:off x="76200" y="642729"/>
+            <a:ext cx="9144000" cy="6432530"/>
+          </a:xfrm>
+          <a:prstGeom prst="rect">
+            <a:avLst/>
+          </a:prstGeom>
+          <a:noFill/>
+        </p:spPr>
+        <p:txBody>
+          <a:bodyPr wrap="square" rtlCol="0">
+            <a:spAutoFit/>
+          </a:bodyPr>
+          <a:lstStyle/>
+          <a:p>
+            <a:r>
+              <a:rPr lang="en-US" sz="4000" dirty="0" smtClean="0">
+                <a:solidFill>
+                  <a:srgbClr val="FFC000"/>
+                </a:solidFill>
+                <a:latin typeface="Adobe Caslon Pro Bold" pitchFamily="18" charset="0"/>
+                <a:ea typeface="Adobe Fan Heiti Std B" pitchFamily="34" charset="-128"/>
+              </a:rPr>
+              <a:t>CONTENTS</a:t>
+            </a:r>
+          </a:p>
+          <a:p>
+            <a:endParaRPr lang="en-US" sz="4000" dirty="0" smtClean="0">
+              <a:solidFill>
+                <a:srgbClr val="FFC000"/>
+              </a:solidFill>
+              <a:latin typeface="Adobe Caslon Pro Bold" pitchFamily="18" charset="0"/>
+              <a:ea typeface="Adobe Fan Heiti Std B" pitchFamily="34" charset="-128"/>
+            </a:endParaRPr>
+          </a:p>
+          <a:p>
+            <a:pPr marL="2400300" lvl="4" indent="-571500">
+              <a:buFont typeface="Wingdings" pitchFamily="2" charset="2"/>
+              <a:buChar char="v"/>
+            </a:pPr>
+            <a:r>
+              <a:rPr lang="en-US" sz="3600" dirty="0" smtClean="0">
+                <a:solidFill>
+                  <a:srgbClr val="FFC000"/>
+                </a:solidFill>
+                <a:latin typeface="Adobe Caslon Pro Bold" pitchFamily="18" charset="0"/>
+                <a:ea typeface="Adobe Fan Heiti Std B" pitchFamily="34" charset="-128"/>
+              </a:rPr>
+              <a:t>Introduction</a:t>
+            </a:r>
+          </a:p>
+          <a:p>
+            <a:pPr marL="2400300" lvl="4" indent="-571500">
+              <a:buFont typeface="Wingdings" pitchFamily="2" charset="2"/>
+              <a:buChar char="v"/>
+            </a:pPr>
+            <a:r>
+              <a:rPr lang="en-US" sz="3600" dirty="0" smtClean="0">
+                <a:solidFill>
+                  <a:srgbClr val="FFC000"/>
+                </a:solidFill>
+                <a:latin typeface="Adobe Caslon Pro Bold" pitchFamily="18" charset="0"/>
+                <a:ea typeface="Adobe Fan Heiti Std B" pitchFamily="34" charset="-128"/>
+              </a:rPr>
+              <a:t>Plan</a:t>
+            </a:r>
+          </a:p>
+          <a:p>
+            <a:pPr marL="2400300" lvl="4" indent="-571500">
+              <a:buFont typeface="Wingdings" pitchFamily="2" charset="2"/>
+              <a:buChar char="v"/>
+            </a:pPr>
+            <a:r>
+              <a:rPr lang="en-US" sz="3600" dirty="0" smtClean="0">
+                <a:solidFill>
+                  <a:srgbClr val="FFC000"/>
+                </a:solidFill>
+                <a:latin typeface="Adobe Caslon Pro Bold" pitchFamily="18" charset="0"/>
+                <a:ea typeface="Adobe Fan Heiti Std B" pitchFamily="34" charset="-128"/>
+              </a:rPr>
+              <a:t>Requirement</a:t>
+            </a:r>
+          </a:p>
+          <a:p>
+            <a:pPr marL="2400300" lvl="4" indent="-571500">
+              <a:buFont typeface="Wingdings" pitchFamily="2" charset="2"/>
+              <a:buChar char="v"/>
+            </a:pPr>
+            <a:r>
+              <a:rPr lang="en-US" sz="3600" dirty="0" smtClean="0">
+                <a:solidFill>
+                  <a:srgbClr val="FFC000"/>
+                </a:solidFill>
+                <a:latin typeface="Adobe Caslon Pro Bold" pitchFamily="18" charset="0"/>
+                <a:ea typeface="Adobe Fan Heiti Std B" pitchFamily="34" charset="-128"/>
+              </a:rPr>
+              <a:t>Design</a:t>
+            </a:r>
+          </a:p>
+          <a:p>
+            <a:pPr marL="2400300" lvl="4" indent="-571500">
+              <a:buFont typeface="Wingdings" pitchFamily="2" charset="2"/>
+              <a:buChar char="v"/>
+            </a:pPr>
+            <a:r>
+              <a:rPr lang="en-US" sz="3600" dirty="0" smtClean="0">
+                <a:solidFill>
+                  <a:srgbClr val="FFC000"/>
+                </a:solidFill>
+                <a:latin typeface="Adobe Caslon Pro Bold" pitchFamily="18" charset="0"/>
+                <a:ea typeface="Adobe Fan Heiti Std B" pitchFamily="34" charset="-128"/>
+              </a:rPr>
+              <a:t>Implementation</a:t>
+            </a:r>
+          </a:p>
+          <a:p>
+            <a:pPr marL="2400300" lvl="4" indent="-571500">
+              <a:buFont typeface="Wingdings" pitchFamily="2" charset="2"/>
+              <a:buChar char="v"/>
+            </a:pPr>
+            <a:r>
+              <a:rPr lang="en-US" sz="3600" dirty="0" smtClean="0">
+                <a:solidFill>
+                  <a:srgbClr val="FFC000"/>
+                </a:solidFill>
+                <a:latin typeface="Adobe Caslon Pro Bold" pitchFamily="18" charset="0"/>
+                <a:ea typeface="Adobe Fan Heiti Std B" pitchFamily="34" charset="-128"/>
+              </a:rPr>
+              <a:t>Summary</a:t>
+            </a:r>
+          </a:p>
+          <a:p>
+            <a:pPr marL="2400300" lvl="4" indent="-571500">
+              <a:buFont typeface="Wingdings" pitchFamily="2" charset="2"/>
+              <a:buChar char="v"/>
+            </a:pPr>
+            <a:r>
+              <a:rPr lang="en-US" sz="3600" dirty="0" smtClean="0">
+                <a:solidFill>
+                  <a:srgbClr val="FFC000"/>
+                </a:solidFill>
+                <a:latin typeface="Adobe Caslon Pro Bold" pitchFamily="18" charset="0"/>
+                <a:ea typeface="Adobe Fan Heiti Std B" pitchFamily="34" charset="-128"/>
+              </a:rPr>
+              <a:t>Demo and QA</a:t>
+            </a:r>
+          </a:p>
+          <a:p>
+            <a:endParaRPr lang="en-US" sz="4000" dirty="0">
+              <a:solidFill>
+                <a:srgbClr val="FFC000"/>
+              </a:solidFill>
+              <a:latin typeface="Adobe Caslon Pro Bold" pitchFamily="18" charset="0"/>
+              <a:ea typeface="Adobe Fan Heiti Std B" pitchFamily="34" charset="-128"/>
+            </a:endParaRPr>
+          </a:p>
+          <a:p>
+            <a:endParaRPr lang="en-US" sz="4000" dirty="0" smtClean="0">
+              <a:solidFill>
+                <a:srgbClr val="FFC000"/>
+              </a:solidFill>
+              <a:latin typeface="Adobe Caslon Pro Bold" pitchFamily="18" charset="0"/>
+              <a:ea typeface="Adobe Fan Heiti Std B" pitchFamily="34" charset="-128"/>
+            </a:endParaRPr>
+          </a:p>
+        </p:txBody>
+      </p:sp>
+      <p:sp>
+        <p:nvSpPr>
+          <p:cNvPr id="2" name="Footer Placeholder 1"/>
+          <p:cNvSpPr>
+            <a:spLocks noGrp="1"/>
+          </p:cNvSpPr>
+          <p:nvPr>
+            <p:ph type="ftr" sz="quarter" idx="11"/>
+          </p:nvPr>
+        </p:nvSpPr>
+        <p:spPr/>
+        <p:txBody>
+          <a:bodyPr/>
+          <a:lstStyle/>
+          <a:p>
+            <a:r>
+              <a:rPr lang="en-US" smtClean="0"/>
+              <a:t>OOPMS Team</a:t>
+            </a:r>
+            <a:endParaRPr lang="en-US"/>
+          </a:p>
+        </p:txBody>
+      </p:sp>
+      <p:sp>
+        <p:nvSpPr>
+          <p:cNvPr id="3" name="Slide Number Placeholder 2"/>
+          <p:cNvSpPr>
+            <a:spLocks noGrp="1"/>
+          </p:cNvSpPr>
+          <p:nvPr>
+            <p:ph type="sldNum" sz="quarter" idx="12"/>
+          </p:nvPr>
+        </p:nvSpPr>
+        <p:spPr/>
+        <p:txBody>
+          <a:bodyPr/>
+          <a:lstStyle/>
+          <a:p>
+            <a:fld id="{B6F15528-21DE-4FAA-801E-634DDDAF4B2B}" type="slidenum">
+              <a:rPr lang="en-US" smtClean="0"/>
+              <a:pPr/>
+              <a:t>2</a:t>
+            </a:fld>
+            <a:endParaRPr lang="en-US"/>
+          </a:p>
+        </p:txBody>
+      </p:sp>
+    </p:spTree>
+    <p:extLst>
+      <p:ext uri="{BB962C8B-B14F-4D97-AF65-F5344CB8AC3E}">
+        <p14:creationId xmlns:p14="http://schemas.microsoft.com/office/powerpoint/2010/main" val="2910601340"/>
+      </p:ext>
+    </p:extLst>
+  </p:cSld>
+  <p:clrMapOvr>
+    <a:masterClrMapping/>
+  </p:clrMapOvr>
+  <p:transition spd="slow">
+    <p:wipe/>
+  </p:transition>
+  <p:timing>
+    <p:tnLst>
+      <p:par>
+        <p:cTn id="1" dur="indefinite" restart="never" nodeType="tmRoot"/>
+      </p:par>
+    </p:tnLst>
+  </p:timing>
+</p:sld>
+</file>
+
+<file path=ppt/slides/slide20.xml><?xml version="1.0" encoding="utf-8"?>
 <p:sld xmlns:a="http://schemas.openxmlformats.org/drawingml/2006/main" xmlns:r="http://schemas.openxmlformats.org/officeDocument/2006/relationships" xmlns:p="http://schemas.openxmlformats.org/presentationml/2006/main">
   <p:cSld>
     <p:spTree>
@@ -24529,7 +19804,7 @@
             <a:fld id="{B6F15528-21DE-4FAA-801E-634DDDAF4B2B}" type="slidenum">
               <a:rPr lang="en-US" smtClean="0"/>
               <a:pPr/>
-              <a:t>23</a:t>
+              <a:t>20</a:t>
             </a:fld>
             <a:endParaRPr lang="en-US"/>
           </a:p>
@@ -24548,7 +19823,7 @@
 </p:sld>
 </file>
 
-<file path=ppt/slides/slide24.xml><?xml version="1.0" encoding="utf-8"?>
+<file path=ppt/slides/slide21.xml><?xml version="1.0" encoding="utf-8"?>
 <p:sld xmlns:a="http://schemas.openxmlformats.org/drawingml/2006/main" xmlns:r="http://schemas.openxmlformats.org/officeDocument/2006/relationships" xmlns:p="http://schemas.openxmlformats.org/presentationml/2006/main">
   <p:cSld>
     <p:spTree>
@@ -24667,7 +19942,7 @@
             <a:fld id="{B6F15528-21DE-4FAA-801E-634DDDAF4B2B}" type="slidenum">
               <a:rPr lang="en-US" smtClean="0"/>
               <a:pPr/>
-              <a:t>24</a:t>
+              <a:t>21</a:t>
             </a:fld>
             <a:endParaRPr lang="en-US"/>
           </a:p>
@@ -24727,7 +20002,7 @@
 </p:sld>
 </file>
 
-<file path=ppt/slides/slide25.xml><?xml version="1.0" encoding="utf-8"?>
+<file path=ppt/slides/slide22.xml><?xml version="1.0" encoding="utf-8"?>
 <p:sld xmlns:a="http://schemas.openxmlformats.org/drawingml/2006/main" xmlns:r="http://schemas.openxmlformats.org/officeDocument/2006/relationships" xmlns:p="http://schemas.openxmlformats.org/presentationml/2006/main">
   <p:cSld>
     <p:spTree>
@@ -24846,7 +20121,7 @@
             <a:fld id="{B6F15528-21DE-4FAA-801E-634DDDAF4B2B}" type="slidenum">
               <a:rPr lang="en-US" smtClean="0"/>
               <a:pPr/>
-              <a:t>25</a:t>
+              <a:t>22</a:t>
             </a:fld>
             <a:endParaRPr lang="en-US"/>
           </a:p>
@@ -24988,7 +20263,7 @@
 </p:sld>
 </file>
 
-<file path=ppt/slides/slide26.xml><?xml version="1.0" encoding="utf-8"?>
+<file path=ppt/slides/slide23.xml><?xml version="1.0" encoding="utf-8"?>
 <p:sld xmlns:a="http://schemas.openxmlformats.org/drawingml/2006/main" xmlns:r="http://schemas.openxmlformats.org/officeDocument/2006/relationships" xmlns:p="http://schemas.openxmlformats.org/presentationml/2006/main">
   <p:cSld>
     <p:spTree>
@@ -25023,7 +20298,7 @@
             <a:fld id="{B6F15528-21DE-4FAA-801E-634DDDAF4B2B}" type="slidenum">
               <a:rPr lang="en-US" smtClean="0"/>
               <a:pPr/>
-              <a:t>26</a:t>
+              <a:t>23</a:t>
             </a:fld>
             <a:endParaRPr lang="en-US"/>
           </a:p>
@@ -25148,7 +20423,7 @@
 </p:sld>
 </file>
 
-<file path=ppt/slides/slide27.xml><?xml version="1.0" encoding="utf-8"?>
+<file path=ppt/slides/slide24.xml><?xml version="1.0" encoding="utf-8"?>
 <p:sld xmlns:a="http://schemas.openxmlformats.org/drawingml/2006/main" xmlns:r="http://schemas.openxmlformats.org/officeDocument/2006/relationships" xmlns:p="http://schemas.openxmlformats.org/presentationml/2006/main">
   <p:cSld>
     <p:spTree>
@@ -25183,7 +20458,7 @@
             <a:fld id="{B6F15528-21DE-4FAA-801E-634DDDAF4B2B}" type="slidenum">
               <a:rPr lang="en-US" smtClean="0"/>
               <a:pPr/>
-              <a:t>27</a:t>
+              <a:t>24</a:t>
             </a:fld>
             <a:endParaRPr lang="en-US"/>
           </a:p>
@@ -25431,7 +20706,7 @@
 </p:sld>
 </file>
 
-<file path=ppt/slides/slide28.xml><?xml version="1.0" encoding="utf-8"?>
+<file path=ppt/slides/slide25.xml><?xml version="1.0" encoding="utf-8"?>
 <p:sld xmlns:a="http://schemas.openxmlformats.org/drawingml/2006/main" xmlns:r="http://schemas.openxmlformats.org/officeDocument/2006/relationships" xmlns:p="http://schemas.openxmlformats.org/presentationml/2006/main">
   <p:cSld>
     <p:spTree>
@@ -25644,7 +20919,7 @@
             <a:fld id="{B6F15528-21DE-4FAA-801E-634DDDAF4B2B}" type="slidenum">
               <a:rPr lang="en-US" smtClean="0"/>
               <a:pPr/>
-              <a:t>28</a:t>
+              <a:t>25</a:t>
             </a:fld>
             <a:endParaRPr lang="en-US"/>
           </a:p>
@@ -25721,6 +20996,690 @@
     <p:extLst>
       <p:ext uri="{BB962C8B-B14F-4D97-AF65-F5344CB8AC3E}">
         <p14:creationId xmlns:p14="http://schemas.microsoft.com/office/powerpoint/2010/main" val="3372413595"/>
+      </p:ext>
+    </p:extLst>
+  </p:cSld>
+  <p:clrMapOvr>
+    <a:masterClrMapping/>
+  </p:clrMapOvr>
+  <p:timing>
+    <p:tnLst>
+      <p:par>
+        <p:cTn id="1" dur="indefinite" restart="never" nodeType="tmRoot"/>
+      </p:par>
+    </p:tnLst>
+  </p:timing>
+</p:sld>
+</file>
+
+<file path=ppt/slides/slide26.xml><?xml version="1.0" encoding="utf-8"?>
+<p:sld xmlns:a="http://schemas.openxmlformats.org/drawingml/2006/main" xmlns:r="http://schemas.openxmlformats.org/officeDocument/2006/relationships" xmlns:p="http://schemas.openxmlformats.org/presentationml/2006/main">
+  <p:cSld>
+    <p:spTree>
+      <p:nvGrpSpPr>
+        <p:cNvPr id="1" name=""/>
+        <p:cNvGrpSpPr/>
+        <p:nvPr/>
+      </p:nvGrpSpPr>
+      <p:grpSpPr>
+        <a:xfrm>
+          <a:off x="0" y="0"/>
+          <a:ext cx="0" cy="0"/>
+          <a:chOff x="0" y="0"/>
+          <a:chExt cx="0" cy="0"/>
+        </a:xfrm>
+      </p:grpSpPr>
+      <p:sp>
+        <p:nvSpPr>
+          <p:cNvPr id="7" name="Content Placeholder 6"/>
+          <p:cNvSpPr>
+            <a:spLocks noGrp="1"/>
+          </p:cNvSpPr>
+          <p:nvPr>
+            <p:ph sz="half" idx="1"/>
+          </p:nvPr>
+        </p:nvSpPr>
+        <p:spPr>
+          <a:xfrm>
+            <a:off x="457200" y="1371600"/>
+            <a:ext cx="7620000" cy="4983325"/>
+          </a:xfrm>
+        </p:spPr>
+        <p:txBody>
+          <a:bodyPr>
+            <a:normAutofit fontScale="92500"/>
+          </a:bodyPr>
+          <a:lstStyle/>
+          <a:p>
+            <a:r>
+              <a:rPr lang="en-US" dirty="0" smtClean="0"/>
+              <a:t>Features : support PM in management the budget and expense of the project. Help them make a suitable plan to stay in budget until the end of the project.</a:t>
+            </a:r>
+          </a:p>
+          <a:p>
+            <a:r>
+              <a:rPr lang="en-US" dirty="0" smtClean="0"/>
+              <a:t>The Cost Management include :</a:t>
+            </a:r>
+          </a:p>
+          <a:p>
+            <a:pPr marL="0" indent="0">
+              <a:buNone/>
+            </a:pPr>
+            <a:r>
+              <a:rPr lang="en-US" dirty="0" smtClean="0"/>
+              <a:t>    - Budget</a:t>
+            </a:r>
+          </a:p>
+          <a:p>
+            <a:pPr marL="0" indent="0">
+              <a:buNone/>
+            </a:pPr>
+            <a:r>
+              <a:rPr lang="en-US" dirty="0"/>
+              <a:t> </a:t>
+            </a:r>
+            <a:r>
+              <a:rPr lang="en-US" dirty="0" smtClean="0"/>
+              <a:t>   - Invoice</a:t>
+            </a:r>
+          </a:p>
+          <a:p>
+            <a:pPr marL="0" indent="0">
+              <a:buNone/>
+            </a:pPr>
+            <a:r>
+              <a:rPr lang="en-US" dirty="0"/>
+              <a:t> </a:t>
+            </a:r>
+            <a:r>
+              <a:rPr lang="en-US" dirty="0" smtClean="0"/>
+              <a:t>   - Planner </a:t>
+            </a:r>
+          </a:p>
+          <a:p>
+            <a:pPr marL="0" indent="0">
+              <a:buNone/>
+            </a:pPr>
+            <a:r>
+              <a:rPr lang="en-US" dirty="0"/>
+              <a:t> </a:t>
+            </a:r>
+            <a:r>
+              <a:rPr lang="en-US" dirty="0" smtClean="0"/>
+              <a:t>      + One Time Expense</a:t>
+            </a:r>
+          </a:p>
+          <a:p>
+            <a:pPr marL="0" indent="0">
+              <a:buNone/>
+            </a:pPr>
+            <a:r>
+              <a:rPr lang="en-US" dirty="0"/>
+              <a:t> </a:t>
+            </a:r>
+            <a:r>
+              <a:rPr lang="en-US" dirty="0" smtClean="0"/>
+              <a:t>      + Daily Expense</a:t>
+            </a:r>
+            <a:endParaRPr lang="en-US" dirty="0"/>
+          </a:p>
+          <a:p>
+            <a:pPr marL="0" indent="0">
+              <a:buNone/>
+            </a:pPr>
+            <a:r>
+              <a:rPr lang="en-US" dirty="0" smtClean="0"/>
+              <a:t>    </a:t>
+            </a:r>
+            <a:r>
+              <a:rPr lang="en-US" dirty="0"/>
+              <a:t> </a:t>
+            </a:r>
+            <a:r>
+              <a:rPr lang="en-US" dirty="0" smtClean="0"/>
+              <a:t>  + Exceptional Expense, Exceptional Deduct</a:t>
+            </a:r>
+          </a:p>
+          <a:p>
+            <a:pPr marL="0" indent="0">
+              <a:buNone/>
+            </a:pPr>
+            <a:r>
+              <a:rPr lang="en-US" dirty="0"/>
+              <a:t> </a:t>
+            </a:r>
+            <a:r>
+              <a:rPr lang="en-US" dirty="0" smtClean="0"/>
+              <a:t>      + Type</a:t>
+            </a:r>
+            <a:endParaRPr lang="en-US" dirty="0"/>
+          </a:p>
+          <a:p>
+            <a:pPr marL="0" indent="0">
+              <a:buNone/>
+            </a:pPr>
+            <a:endParaRPr lang="en-US" dirty="0"/>
+          </a:p>
+        </p:txBody>
+      </p:sp>
+      <p:sp>
+        <p:nvSpPr>
+          <p:cNvPr id="4" name="Slide Number Placeholder 3"/>
+          <p:cNvSpPr>
+            <a:spLocks noGrp="1"/>
+          </p:cNvSpPr>
+          <p:nvPr>
+            <p:ph type="sldNum" sz="quarter" idx="12"/>
+          </p:nvPr>
+        </p:nvSpPr>
+        <p:spPr/>
+        <p:txBody>
+          <a:bodyPr/>
+          <a:lstStyle/>
+          <a:p>
+            <a:fld id="{B6F15528-21DE-4FAA-801E-634DDDAF4B2B}" type="slidenum">
+              <a:rPr lang="en-US" smtClean="0"/>
+              <a:pPr/>
+              <a:t>26</a:t>
+            </a:fld>
+            <a:endParaRPr lang="en-US"/>
+          </a:p>
+        </p:txBody>
+      </p:sp>
+      <p:sp>
+        <p:nvSpPr>
+          <p:cNvPr id="5" name="TextBox 4"/>
+          <p:cNvSpPr txBox="1"/>
+          <p:nvPr/>
+        </p:nvSpPr>
+        <p:spPr>
+          <a:xfrm>
+            <a:off x="76200" y="152400"/>
+            <a:ext cx="8382000" cy="707886"/>
+          </a:xfrm>
+          <a:prstGeom prst="rect">
+            <a:avLst/>
+          </a:prstGeom>
+          <a:noFill/>
+        </p:spPr>
+        <p:txBody>
+          <a:bodyPr wrap="square" rtlCol="0">
+            <a:spAutoFit/>
+          </a:bodyPr>
+          <a:lstStyle/>
+          <a:p>
+            <a:r>
+              <a:rPr lang="en-US" sz="4000" dirty="0" smtClean="0">
+                <a:solidFill>
+                  <a:srgbClr val="FFC000"/>
+                </a:solidFill>
+                <a:latin typeface="Adobe Caslon Pro Bold" pitchFamily="18" charset="0"/>
+                <a:ea typeface="Adobe Fan Heiti Std B" pitchFamily="34" charset="-128"/>
+              </a:rPr>
+              <a:t>Cost Management</a:t>
+            </a:r>
+          </a:p>
+        </p:txBody>
+      </p:sp>
+      <p:sp>
+        <p:nvSpPr>
+          <p:cNvPr id="2" name="Footer Placeholder 1"/>
+          <p:cNvSpPr>
+            <a:spLocks noGrp="1"/>
+          </p:cNvSpPr>
+          <p:nvPr>
+            <p:ph type="ftr" sz="quarter" idx="11"/>
+          </p:nvPr>
+        </p:nvSpPr>
+        <p:spPr/>
+        <p:txBody>
+          <a:bodyPr/>
+          <a:lstStyle/>
+          <a:p>
+            <a:r>
+              <a:rPr lang="en-US" smtClean="0"/>
+              <a:t>OOPMS Team</a:t>
+            </a:r>
+            <a:endParaRPr lang="en-US"/>
+          </a:p>
+        </p:txBody>
+      </p:sp>
+    </p:spTree>
+    <p:extLst>
+      <p:ext uri="{BB962C8B-B14F-4D97-AF65-F5344CB8AC3E}">
+        <p14:creationId xmlns:p14="http://schemas.microsoft.com/office/powerpoint/2010/main" val="770219838"/>
+      </p:ext>
+    </p:extLst>
+  </p:cSld>
+  <p:clrMapOvr>
+    <a:masterClrMapping/>
+  </p:clrMapOvr>
+  <p:timing>
+    <p:tnLst>
+      <p:par>
+        <p:cTn id="1" dur="indefinite" restart="never" nodeType="tmRoot"/>
+      </p:par>
+    </p:tnLst>
+  </p:timing>
+</p:sld>
+</file>
+
+<file path=ppt/slides/slide27.xml><?xml version="1.0" encoding="utf-8"?>
+<p:sld xmlns:a="http://schemas.openxmlformats.org/drawingml/2006/main" xmlns:r="http://schemas.openxmlformats.org/officeDocument/2006/relationships" xmlns:p="http://schemas.openxmlformats.org/presentationml/2006/main">
+  <p:cSld>
+    <p:spTree>
+      <p:nvGrpSpPr>
+        <p:cNvPr id="1" name=""/>
+        <p:cNvGrpSpPr/>
+        <p:nvPr/>
+      </p:nvGrpSpPr>
+      <p:grpSpPr>
+        <a:xfrm>
+          <a:off x="0" y="0"/>
+          <a:ext cx="0" cy="0"/>
+          <a:chOff x="0" y="0"/>
+          <a:chExt cx="0" cy="0"/>
+        </a:xfrm>
+      </p:grpSpPr>
+      <p:sp>
+        <p:nvSpPr>
+          <p:cNvPr id="7" name="Content Placeholder 6"/>
+          <p:cNvSpPr>
+            <a:spLocks noGrp="1"/>
+          </p:cNvSpPr>
+          <p:nvPr>
+            <p:ph sz="half" idx="1"/>
+          </p:nvPr>
+        </p:nvSpPr>
+        <p:spPr>
+          <a:xfrm>
+            <a:off x="457200" y="1371601"/>
+            <a:ext cx="7620000" cy="990600"/>
+          </a:xfrm>
+        </p:spPr>
+        <p:txBody>
+          <a:bodyPr>
+            <a:normAutofit/>
+          </a:bodyPr>
+          <a:lstStyle/>
+          <a:p>
+            <a:r>
+              <a:rPr lang="en-US" dirty="0" smtClean="0"/>
+              <a:t>Features : allow PM to manage the budget of project. Keep the record of budget.</a:t>
+            </a:r>
+          </a:p>
+          <a:p>
+            <a:pPr marL="0" indent="0">
+              <a:buNone/>
+            </a:pPr>
+            <a:endParaRPr lang="en-US" dirty="0"/>
+          </a:p>
+        </p:txBody>
+      </p:sp>
+      <p:sp>
+        <p:nvSpPr>
+          <p:cNvPr id="4" name="Slide Number Placeholder 3"/>
+          <p:cNvSpPr>
+            <a:spLocks noGrp="1"/>
+          </p:cNvSpPr>
+          <p:nvPr>
+            <p:ph type="sldNum" sz="quarter" idx="12"/>
+          </p:nvPr>
+        </p:nvSpPr>
+        <p:spPr/>
+        <p:txBody>
+          <a:bodyPr/>
+          <a:lstStyle/>
+          <a:p>
+            <a:fld id="{B6F15528-21DE-4FAA-801E-634DDDAF4B2B}" type="slidenum">
+              <a:rPr lang="en-US" smtClean="0"/>
+              <a:pPr/>
+              <a:t>27</a:t>
+            </a:fld>
+            <a:endParaRPr lang="en-US"/>
+          </a:p>
+        </p:txBody>
+      </p:sp>
+      <p:sp>
+        <p:nvSpPr>
+          <p:cNvPr id="5" name="TextBox 4"/>
+          <p:cNvSpPr txBox="1"/>
+          <p:nvPr/>
+        </p:nvSpPr>
+        <p:spPr>
+          <a:xfrm>
+            <a:off x="76200" y="152400"/>
+            <a:ext cx="8382000" cy="707886"/>
+          </a:xfrm>
+          <a:prstGeom prst="rect">
+            <a:avLst/>
+          </a:prstGeom>
+          <a:noFill/>
+        </p:spPr>
+        <p:txBody>
+          <a:bodyPr wrap="square" rtlCol="0">
+            <a:spAutoFit/>
+          </a:bodyPr>
+          <a:lstStyle/>
+          <a:p>
+            <a:r>
+              <a:rPr lang="en-US" sz="4000" dirty="0" smtClean="0">
+                <a:solidFill>
+                  <a:srgbClr val="FFC000"/>
+                </a:solidFill>
+                <a:latin typeface="Adobe Caslon Pro Bold" pitchFamily="18" charset="0"/>
+                <a:ea typeface="Adobe Fan Heiti Std B" pitchFamily="34" charset="-128"/>
+              </a:rPr>
+              <a:t>Budget</a:t>
+            </a:r>
+          </a:p>
+        </p:txBody>
+      </p:sp>
+      <p:sp>
+        <p:nvSpPr>
+          <p:cNvPr id="2" name="Footer Placeholder 1"/>
+          <p:cNvSpPr>
+            <a:spLocks noGrp="1"/>
+          </p:cNvSpPr>
+          <p:nvPr>
+            <p:ph type="ftr" sz="quarter" idx="11"/>
+          </p:nvPr>
+        </p:nvSpPr>
+        <p:spPr/>
+        <p:txBody>
+          <a:bodyPr/>
+          <a:lstStyle/>
+          <a:p>
+            <a:r>
+              <a:rPr lang="en-US" smtClean="0"/>
+              <a:t>OOPMS Team</a:t>
+            </a:r>
+            <a:endParaRPr lang="en-US"/>
+          </a:p>
+        </p:txBody>
+      </p:sp>
+      <p:sp>
+        <p:nvSpPr>
+          <p:cNvPr id="6" name="TextBox 5"/>
+          <p:cNvSpPr txBox="1"/>
+          <p:nvPr/>
+        </p:nvSpPr>
+        <p:spPr>
+          <a:xfrm>
+            <a:off x="228600" y="2590800"/>
+            <a:ext cx="8382000" cy="707886"/>
+          </a:xfrm>
+          <a:prstGeom prst="rect">
+            <a:avLst/>
+          </a:prstGeom>
+          <a:noFill/>
+        </p:spPr>
+        <p:txBody>
+          <a:bodyPr wrap="square" rtlCol="0">
+            <a:spAutoFit/>
+          </a:bodyPr>
+          <a:lstStyle/>
+          <a:p>
+            <a:r>
+              <a:rPr lang="en-US" sz="4000" dirty="0" smtClean="0">
+                <a:solidFill>
+                  <a:srgbClr val="FFC000"/>
+                </a:solidFill>
+                <a:latin typeface="Adobe Caslon Pro Bold" pitchFamily="18" charset="0"/>
+                <a:ea typeface="Adobe Fan Heiti Std B" pitchFamily="34" charset="-128"/>
+              </a:rPr>
+              <a:t>Invoice</a:t>
+            </a:r>
+          </a:p>
+        </p:txBody>
+      </p:sp>
+      <p:sp>
+        <p:nvSpPr>
+          <p:cNvPr id="8" name="Content Placeholder 6"/>
+          <p:cNvSpPr>
+            <a:spLocks noGrp="1"/>
+          </p:cNvSpPr>
+          <p:nvPr>
+            <p:ph sz="half" idx="1"/>
+          </p:nvPr>
+        </p:nvSpPr>
+        <p:spPr>
+          <a:xfrm>
+            <a:off x="609600" y="3298686"/>
+            <a:ext cx="7620000" cy="2797314"/>
+          </a:xfrm>
+        </p:spPr>
+        <p:txBody>
+          <a:bodyPr>
+            <a:normAutofit/>
+          </a:bodyPr>
+          <a:lstStyle/>
+          <a:p>
+            <a:r>
+              <a:rPr lang="en-US" dirty="0" smtClean="0"/>
+              <a:t>Features : </a:t>
+            </a:r>
+          </a:p>
+          <a:p>
+            <a:pPr marL="0" indent="0">
+              <a:buNone/>
+            </a:pPr>
+            <a:r>
+              <a:rPr lang="en-US" dirty="0" smtClean="0"/>
+              <a:t>   - PM can see how much money are actually paid. Keep the record of invoice.</a:t>
+            </a:r>
+          </a:p>
+          <a:p>
+            <a:pPr marL="0" indent="0">
+              <a:buNone/>
+            </a:pPr>
+            <a:r>
+              <a:rPr lang="en-US" dirty="0"/>
+              <a:t> </a:t>
+            </a:r>
+            <a:r>
+              <a:rPr lang="en-US" dirty="0" smtClean="0"/>
+              <a:t>  - Export the invoice report to excel.</a:t>
+            </a:r>
+          </a:p>
+          <a:p>
+            <a:pPr marL="0" indent="0">
+              <a:buNone/>
+            </a:pPr>
+            <a:endParaRPr lang="en-US" dirty="0"/>
+          </a:p>
+        </p:txBody>
+      </p:sp>
+    </p:spTree>
+    <p:extLst>
+      <p:ext uri="{BB962C8B-B14F-4D97-AF65-F5344CB8AC3E}">
+        <p14:creationId xmlns:p14="http://schemas.microsoft.com/office/powerpoint/2010/main" val="3343627797"/>
+      </p:ext>
+    </p:extLst>
+  </p:cSld>
+  <p:clrMapOvr>
+    <a:masterClrMapping/>
+  </p:clrMapOvr>
+  <p:timing>
+    <p:tnLst>
+      <p:par>
+        <p:cTn id="1" dur="indefinite" restart="never" nodeType="tmRoot"/>
+      </p:par>
+    </p:tnLst>
+  </p:timing>
+</p:sld>
+</file>
+
+<file path=ppt/slides/slide28.xml><?xml version="1.0" encoding="utf-8"?>
+<p:sld xmlns:a="http://schemas.openxmlformats.org/drawingml/2006/main" xmlns:r="http://schemas.openxmlformats.org/officeDocument/2006/relationships" xmlns:p="http://schemas.openxmlformats.org/presentationml/2006/main">
+  <p:cSld>
+    <p:spTree>
+      <p:nvGrpSpPr>
+        <p:cNvPr id="1" name=""/>
+        <p:cNvGrpSpPr/>
+        <p:nvPr/>
+      </p:nvGrpSpPr>
+      <p:grpSpPr>
+        <a:xfrm>
+          <a:off x="0" y="0"/>
+          <a:ext cx="0" cy="0"/>
+          <a:chOff x="0" y="0"/>
+          <a:chExt cx="0" cy="0"/>
+        </a:xfrm>
+      </p:grpSpPr>
+      <p:sp>
+        <p:nvSpPr>
+          <p:cNvPr id="7" name="Content Placeholder 6"/>
+          <p:cNvSpPr>
+            <a:spLocks noGrp="1"/>
+          </p:cNvSpPr>
+          <p:nvPr>
+            <p:ph sz="half" idx="1"/>
+          </p:nvPr>
+        </p:nvSpPr>
+        <p:spPr>
+          <a:xfrm>
+            <a:off x="457200" y="1371600"/>
+            <a:ext cx="7620000" cy="4800599"/>
+          </a:xfrm>
+        </p:spPr>
+        <p:txBody>
+          <a:bodyPr>
+            <a:normAutofit/>
+          </a:bodyPr>
+          <a:lstStyle/>
+          <a:p>
+            <a:r>
+              <a:rPr lang="en-US" dirty="0" smtClean="0"/>
+              <a:t>Features : </a:t>
+            </a:r>
+          </a:p>
+          <a:p>
+            <a:pPr marL="0" indent="0">
+              <a:buNone/>
+            </a:pPr>
+            <a:r>
+              <a:rPr lang="en-US" dirty="0"/>
+              <a:t> </a:t>
+            </a:r>
+            <a:r>
+              <a:rPr lang="en-US" dirty="0" smtClean="0"/>
+              <a:t> - Manage the expense that happen once in the project. (money use to buy equipment, pay bill, </a:t>
+            </a:r>
+            <a:r>
+              <a:rPr lang="en-US" dirty="0" smtClean="0"/>
+              <a:t>…)</a:t>
+            </a:r>
+            <a:endParaRPr lang="en-US" dirty="0" smtClean="0"/>
+          </a:p>
+          <a:p>
+            <a:pPr marL="0" indent="0">
+              <a:buNone/>
+            </a:pPr>
+            <a:r>
+              <a:rPr lang="en-US" dirty="0"/>
+              <a:t>  </a:t>
+            </a:r>
+            <a:r>
+              <a:rPr lang="en-US" dirty="0" smtClean="0"/>
+              <a:t>- Have pay function to send the expense to invoice.</a:t>
+            </a:r>
+          </a:p>
+          <a:p>
+            <a:pPr marL="0" indent="0">
+              <a:buNone/>
+            </a:pPr>
+            <a:endParaRPr lang="en-US" dirty="0"/>
+          </a:p>
+        </p:txBody>
+      </p:sp>
+      <p:sp>
+        <p:nvSpPr>
+          <p:cNvPr id="4" name="Slide Number Placeholder 3"/>
+          <p:cNvSpPr>
+            <a:spLocks noGrp="1"/>
+          </p:cNvSpPr>
+          <p:nvPr>
+            <p:ph type="sldNum" sz="quarter" idx="12"/>
+          </p:nvPr>
+        </p:nvSpPr>
+        <p:spPr/>
+        <p:txBody>
+          <a:bodyPr/>
+          <a:lstStyle/>
+          <a:p>
+            <a:fld id="{B6F15528-21DE-4FAA-801E-634DDDAF4B2B}" type="slidenum">
+              <a:rPr lang="en-US" smtClean="0"/>
+              <a:pPr/>
+              <a:t>28</a:t>
+            </a:fld>
+            <a:endParaRPr lang="en-US"/>
+          </a:p>
+        </p:txBody>
+      </p:sp>
+      <p:sp>
+        <p:nvSpPr>
+          <p:cNvPr id="5" name="TextBox 4"/>
+          <p:cNvSpPr txBox="1"/>
+          <p:nvPr/>
+        </p:nvSpPr>
+        <p:spPr>
+          <a:xfrm>
+            <a:off x="76200" y="152400"/>
+            <a:ext cx="8382000" cy="707886"/>
+          </a:xfrm>
+          <a:prstGeom prst="rect">
+            <a:avLst/>
+          </a:prstGeom>
+          <a:noFill/>
+        </p:spPr>
+        <p:txBody>
+          <a:bodyPr wrap="square" rtlCol="0">
+            <a:spAutoFit/>
+          </a:bodyPr>
+          <a:lstStyle/>
+          <a:p>
+            <a:r>
+              <a:rPr lang="en-US" sz="4000" dirty="0" smtClean="0">
+                <a:solidFill>
+                  <a:srgbClr val="FFC000"/>
+                </a:solidFill>
+                <a:latin typeface="Adobe Caslon Pro Bold" pitchFamily="18" charset="0"/>
+                <a:ea typeface="Adobe Fan Heiti Std B" pitchFamily="34" charset="-128"/>
+              </a:rPr>
+              <a:t>One Time Expense</a:t>
+            </a:r>
+          </a:p>
+        </p:txBody>
+      </p:sp>
+      <p:sp>
+        <p:nvSpPr>
+          <p:cNvPr id="2" name="Footer Placeholder 1"/>
+          <p:cNvSpPr>
+            <a:spLocks noGrp="1"/>
+          </p:cNvSpPr>
+          <p:nvPr>
+            <p:ph type="ftr" sz="quarter" idx="11"/>
+          </p:nvPr>
+        </p:nvSpPr>
+        <p:spPr/>
+        <p:txBody>
+          <a:bodyPr/>
+          <a:lstStyle/>
+          <a:p>
+            <a:r>
+              <a:rPr lang="en-US" smtClean="0"/>
+              <a:t>OOPMS Team</a:t>
+            </a:r>
+            <a:endParaRPr lang="en-US"/>
+          </a:p>
+        </p:txBody>
+      </p:sp>
+    </p:spTree>
+    <p:extLst>
+      <p:ext uri="{BB962C8B-B14F-4D97-AF65-F5344CB8AC3E}">
+        <p14:creationId xmlns:p14="http://schemas.microsoft.com/office/powerpoint/2010/main" val="16335065"/>
       </p:ext>
     </p:extLst>
   </p:cSld>
@@ -25767,24 +21726,18 @@
         <p:spPr>
           <a:xfrm>
             <a:off x="457200" y="1371600"/>
-            <a:ext cx="7620000" cy="4983325"/>
+            <a:ext cx="7620000" cy="4800599"/>
           </a:xfrm>
         </p:spPr>
         <p:txBody>
           <a:bodyPr>
-            <a:normAutofit fontScale="92500"/>
+            <a:normAutofit/>
           </a:bodyPr>
           <a:lstStyle/>
           <a:p>
             <a:r>
               <a:rPr lang="en-US" dirty="0" smtClean="0"/>
-              <a:t>Features : support PM in management the budget and expense of the project. Help them make a suitable plan to stay in budget until the end of the project.</a:t>
-            </a:r>
-          </a:p>
-          <a:p>
-            <a:r>
-              <a:rPr lang="en-US" dirty="0" smtClean="0"/>
-              <a:t>The Cost Management include :</a:t>
+              <a:t>Features : </a:t>
             </a:r>
           </a:p>
           <a:p>
@@ -25792,8 +21745,12 @@
               <a:buNone/>
             </a:pPr>
             <a:r>
+              <a:rPr lang="en-US" dirty="0"/>
+              <a:t> </a:t>
+            </a:r>
+            <a:r>
               <a:rPr lang="en-US" dirty="0" smtClean="0"/>
-              <a:t>    - Budget</a:t>
+              <a:t> - Manage the expense that keeping happen in a duration of time. (money use to pay for salary )</a:t>
             </a:r>
           </a:p>
           <a:p>
@@ -25802,83 +21759,12 @@
             </a:pPr>
             <a:r>
               <a:rPr lang="en-US" dirty="0"/>
-              <a:t> </a:t>
+              <a:t>  </a:t>
             </a:r>
             <a:r>
               <a:rPr lang="en-US" dirty="0" smtClean="0"/>
-              <a:t>   - Invoice</a:t>
-            </a:r>
-          </a:p>
-          <a:p>
-            <a:pPr marL="0" indent="0">
-              <a:buNone/>
-            </a:pPr>
-            <a:r>
-              <a:rPr lang="en-US" dirty="0"/>
-              <a:t> </a:t>
-            </a:r>
-            <a:r>
-              <a:rPr lang="en-US" dirty="0" smtClean="0"/>
-              <a:t>   - Planner </a:t>
-            </a:r>
-          </a:p>
-          <a:p>
-            <a:pPr marL="0" indent="0">
-              <a:buNone/>
-            </a:pPr>
-            <a:r>
-              <a:rPr lang="en-US" dirty="0"/>
-              <a:t> </a:t>
-            </a:r>
-            <a:r>
-              <a:rPr lang="en-US" dirty="0" smtClean="0"/>
-              <a:t>      + One Time Expense</a:t>
-            </a:r>
-          </a:p>
-          <a:p>
-            <a:pPr marL="0" indent="0">
-              <a:buNone/>
-            </a:pPr>
-            <a:r>
-              <a:rPr lang="en-US" dirty="0"/>
-              <a:t> </a:t>
-            </a:r>
-            <a:r>
-              <a:rPr lang="en-US" dirty="0" smtClean="0"/>
-              <a:t>      + Daily Expense</a:t>
-            </a:r>
-            <a:endParaRPr lang="en-US" dirty="0"/>
-          </a:p>
-          <a:p>
-            <a:pPr marL="0" indent="0">
-              <a:buNone/>
-            </a:pPr>
-            <a:r>
-              <a:rPr lang="en-US" dirty="0" smtClean="0"/>
-              <a:t>    </a:t>
-            </a:r>
-            <a:r>
-              <a:rPr lang="en-US" dirty="0"/>
-              <a:t> </a:t>
-            </a:r>
-            <a:r>
-              <a:rPr lang="en-US" dirty="0" smtClean="0"/>
-              <a:t>  + Exceptional Expense, Exceptional Deduct</a:t>
-            </a:r>
-          </a:p>
-          <a:p>
-            <a:pPr marL="0" indent="0">
-              <a:buNone/>
-            </a:pPr>
-            <a:r>
-              <a:rPr lang="en-US" dirty="0"/>
-              <a:t> </a:t>
-            </a:r>
-            <a:r>
-              <a:rPr lang="en-US" dirty="0" smtClean="0"/>
-              <a:t>      + Type</a:t>
-            </a:r>
-            <a:endParaRPr lang="en-US" dirty="0"/>
+              <a:t>- Have pay function to send the expense to invoice.</a:t>
+            </a:r>
           </a:p>
           <a:p>
             <a:pPr marL="0" indent="0">
@@ -25942,7 +21828,7 @@
                 <a:latin typeface="Adobe Caslon Pro Bold" pitchFamily="18" charset="0"/>
                 <a:ea typeface="Adobe Fan Heiti Std B" pitchFamily="34" charset="-128"/>
               </a:rPr>
-              <a:t>Cost Management</a:t>
+              <a:t>Daily Expense</a:t>
             </a:r>
           </a:p>
         </p:txBody>
@@ -25973,7 +21859,7 @@
     </p:spTree>
     <p:extLst>
       <p:ext uri="{BB962C8B-B14F-4D97-AF65-F5344CB8AC3E}">
-        <p14:creationId xmlns:p14="http://schemas.microsoft.com/office/powerpoint/2010/main" val="770219838"/>
+        <p14:creationId xmlns:p14="http://schemas.microsoft.com/office/powerpoint/2010/main" val="401805092"/>
       </p:ext>
     </p:extLst>
   </p:cSld>
@@ -30797,8 +26683,8 @@
         </p:nvSpPr>
         <p:spPr>
           <a:xfrm>
-            <a:off x="457200" y="1371601"/>
-            <a:ext cx="7620000" cy="990600"/>
+            <a:off x="457200" y="1371600"/>
+            <a:ext cx="7620000" cy="4800599"/>
           </a:xfrm>
         </p:spPr>
         <p:txBody>
@@ -30809,7 +26695,38 @@
           <a:p>
             <a:r>
               <a:rPr lang="en-US" dirty="0" smtClean="0"/>
-              <a:t>Features : allow PM to manage the budget of project. Keep the record of budget.</a:t>
+              <a:t>Features : </a:t>
+            </a:r>
+          </a:p>
+          <a:p>
+            <a:pPr marL="0" indent="0">
+              <a:buNone/>
+            </a:pPr>
+            <a:r>
+              <a:rPr lang="en-US" dirty="0"/>
+              <a:t> </a:t>
+            </a:r>
+            <a:r>
+              <a:rPr lang="en-US" dirty="0" smtClean="0"/>
+              <a:t> - Manage the expense that rarely appear (money to pay for working OT, bonus for employee, money receive from employee that take day off without salary, </a:t>
+            </a:r>
+            <a:r>
+              <a:rPr lang="en-US" dirty="0" smtClean="0"/>
+              <a:t>…)</a:t>
+            </a:r>
+            <a:endParaRPr lang="en-US" dirty="0" smtClean="0"/>
+          </a:p>
+          <a:p>
+            <a:pPr marL="0" indent="0">
+              <a:buNone/>
+            </a:pPr>
+            <a:r>
+              <a:rPr lang="en-US" dirty="0"/>
+              <a:t>  </a:t>
+            </a:r>
+            <a:r>
+              <a:rPr lang="en-US" dirty="0" smtClean="0"/>
+              <a:t>- Have pay function to send the expense to invoice.</a:t>
             </a:r>
           </a:p>
           <a:p>
@@ -30874,7 +26791,7 @@
                 <a:latin typeface="Adobe Caslon Pro Bold" pitchFamily="18" charset="0"/>
                 <a:ea typeface="Adobe Fan Heiti Std B" pitchFamily="34" charset="-128"/>
               </a:rPr>
-              <a:t>Budget</a:t>
+              <a:t>Exceptional Expense/Deduct</a:t>
             </a:r>
           </a:p>
         </p:txBody>
@@ -30902,102 +26819,10 @@
           </a:p>
         </p:txBody>
       </p:sp>
-      <p:sp>
-        <p:nvSpPr>
-          <p:cNvPr id="6" name="TextBox 5"/>
-          <p:cNvSpPr txBox="1"/>
-          <p:nvPr/>
-        </p:nvSpPr>
-        <p:spPr>
-          <a:xfrm>
-            <a:off x="228600" y="2590800"/>
-            <a:ext cx="8382000" cy="707886"/>
-          </a:xfrm>
-          <a:prstGeom prst="rect">
-            <a:avLst/>
-          </a:prstGeom>
-          <a:noFill/>
-        </p:spPr>
-        <p:txBody>
-          <a:bodyPr wrap="square" rtlCol="0">
-            <a:spAutoFit/>
-          </a:bodyPr>
-          <a:lstStyle/>
-          <a:p>
-            <a:r>
-              <a:rPr lang="en-US" sz="4000" dirty="0" smtClean="0">
-                <a:solidFill>
-                  <a:srgbClr val="FFC000"/>
-                </a:solidFill>
-                <a:latin typeface="Adobe Caslon Pro Bold" pitchFamily="18" charset="0"/>
-                <a:ea typeface="Adobe Fan Heiti Std B" pitchFamily="34" charset="-128"/>
-              </a:rPr>
-              <a:t>Invoice</a:t>
-            </a:r>
-          </a:p>
-        </p:txBody>
-      </p:sp>
-      <p:sp>
-        <p:nvSpPr>
-          <p:cNvPr id="8" name="Content Placeholder 6"/>
-          <p:cNvSpPr>
-            <a:spLocks noGrp="1"/>
-          </p:cNvSpPr>
-          <p:nvPr>
-            <p:ph sz="half" idx="1"/>
-          </p:nvPr>
-        </p:nvSpPr>
-        <p:spPr>
-          <a:xfrm>
-            <a:off x="609600" y="3298686"/>
-            <a:ext cx="7620000" cy="2797314"/>
-          </a:xfrm>
-        </p:spPr>
-        <p:txBody>
-          <a:bodyPr>
-            <a:normAutofit/>
-          </a:bodyPr>
-          <a:lstStyle/>
-          <a:p>
-            <a:r>
-              <a:rPr lang="en-US" dirty="0" smtClean="0"/>
-              <a:t>Features : </a:t>
-            </a:r>
-          </a:p>
-          <a:p>
-            <a:pPr marL="0" indent="0">
-              <a:buNone/>
-            </a:pPr>
-            <a:r>
-              <a:rPr lang="en-US" dirty="0" smtClean="0"/>
-              <a:t>   - PM can see how much money are actually paid. Keep the record of invoice.</a:t>
-            </a:r>
-          </a:p>
-          <a:p>
-            <a:pPr marL="0" indent="0">
-              <a:buNone/>
-            </a:pPr>
-            <a:r>
-              <a:rPr lang="en-US" dirty="0"/>
-              <a:t> </a:t>
-            </a:r>
-            <a:r>
-              <a:rPr lang="en-US" dirty="0" smtClean="0"/>
-              <a:t>  - Export the invoice report to excel.</a:t>
-            </a:r>
-          </a:p>
-          <a:p>
-            <a:pPr marL="0" indent="0">
-              <a:buNone/>
-            </a:pPr>
-            <a:endParaRPr lang="en-US" dirty="0"/>
-          </a:p>
-        </p:txBody>
-      </p:sp>
     </p:spTree>
     <p:extLst>
       <p:ext uri="{BB962C8B-B14F-4D97-AF65-F5344CB8AC3E}">
-        <p14:creationId xmlns:p14="http://schemas.microsoft.com/office/powerpoint/2010/main" val="3343627797"/>
+        <p14:creationId xmlns:p14="http://schemas.microsoft.com/office/powerpoint/2010/main" val="2864150794"/>
       </p:ext>
     </p:extLst>
   </p:cSld>
@@ -31043,8 +26868,8 @@
         </p:nvSpPr>
         <p:spPr>
           <a:xfrm>
-            <a:off x="457200" y="1371600"/>
-            <a:ext cx="7620000" cy="4800599"/>
+            <a:off x="457200" y="1371601"/>
+            <a:ext cx="7620000" cy="2057400"/>
           </a:xfrm>
         </p:spPr>
         <p:txBody>
@@ -31068,28 +26893,7 @@
             </a:r>
             <a:r>
               <a:rPr lang="en-US" dirty="0" smtClean="0"/>
-              <a:t> - Manage the expense that happen once in the project. (money use to buy equipment, pay bill, …</a:t>
-            </a:r>
-            <a:r>
-              <a:rPr lang="en-US" dirty="0" err="1" smtClean="0"/>
-              <a:t>v.v</a:t>
-            </a:r>
-            <a:r>
-              <a:rPr lang="en-US" dirty="0" smtClean="0"/>
-              <a:t>)</a:t>
-            </a:r>
-          </a:p>
-          <a:p>
-            <a:pPr marL="0" indent="0">
-              <a:buNone/>
-            </a:pPr>
-            <a:r>
-              <a:rPr lang="en-US" dirty="0"/>
-              <a:t>  </a:t>
-            </a:r>
-            <a:r>
-              <a:rPr lang="en-US" dirty="0" smtClean="0"/>
-              <a:t>- Have pay function to send the expense to invoice.</a:t>
+              <a:t> - Grouping many daily expense into a type for easy adding record to exceptional expense or deduct.</a:t>
             </a:r>
           </a:p>
           <a:p>
@@ -31154,7 +26958,7 @@
                 <a:latin typeface="Adobe Caslon Pro Bold" pitchFamily="18" charset="0"/>
                 <a:ea typeface="Adobe Fan Heiti Std B" pitchFamily="34" charset="-128"/>
               </a:rPr>
-              <a:t>One Time Expense</a:t>
+              <a:t>Type</a:t>
             </a:r>
           </a:p>
         </p:txBody>
@@ -31185,7 +26989,7 @@
     </p:spTree>
     <p:extLst>
       <p:ext uri="{BB962C8B-B14F-4D97-AF65-F5344CB8AC3E}">
-        <p14:creationId xmlns:p14="http://schemas.microsoft.com/office/powerpoint/2010/main" val="16335065"/>
+        <p14:creationId xmlns:p14="http://schemas.microsoft.com/office/powerpoint/2010/main" val="69981340"/>
       </p:ext>
     </p:extLst>
   </p:cSld>
@@ -42319,11 +38123,7 @@
           <a:p>
             <a:r>
               <a:rPr lang="en-US" dirty="0" smtClean="0"/>
-              <a:t>Response time</a:t>
-            </a:r>
-            <a:r>
-              <a:rPr lang="en-US" dirty="0" smtClean="0"/>
-              <a:t>: 2s</a:t>
+              <a:t>Response time: 2s</a:t>
             </a:r>
             <a:endParaRPr lang="en-US" dirty="0"/>
           </a:p>
@@ -42700,13 +38500,6 @@
               </a:rPr>
               <a:t>Existing Issues</a:t>
             </a:r>
-            <a:endParaRPr lang="en-US" sz="4000" dirty="0" smtClean="0">
-              <a:solidFill>
-                <a:srgbClr val="FFC000"/>
-              </a:solidFill>
-              <a:latin typeface="Adobe Caslon Pro Bold" pitchFamily="18" charset="0"/>
-              <a:ea typeface="Adobe Fan Heiti Std B" pitchFamily="34" charset="-128"/>
-            </a:endParaRPr>
           </a:p>
         </p:txBody>
       </p:sp>
@@ -43537,11 +39330,7 @@
             </a:pPr>
             <a:r>
               <a:rPr lang="en-US" sz="2000" dirty="0" smtClean="0"/>
-              <a:t>Missed </a:t>
-            </a:r>
-            <a:r>
-              <a:rPr lang="en-US" sz="2000" dirty="0" smtClean="0"/>
-              <a:t>deadlines</a:t>
+              <a:t>Missed deadlines</a:t>
             </a:r>
           </a:p>
           <a:p>
@@ -43621,27 +39410,7 @@
                   </a:schemeClr>
                 </a:solidFill>
               </a:rPr>
-              <a:t>How </a:t>
-            </a:r>
-            <a:r>
-              <a:rPr lang="en-US" sz="2800" b="1" dirty="0" smtClean="0">
-                <a:solidFill>
-                  <a:schemeClr val="accent6">
-                    <a:lumMod val="50000"/>
-                  </a:schemeClr>
-                </a:solidFill>
-              </a:rPr>
-              <a:t>should we improve </a:t>
-            </a:r>
-            <a:r>
-              <a:rPr lang="en-US" sz="2800" b="1" dirty="0" smtClean="0">
-                <a:solidFill>
-                  <a:schemeClr val="accent6">
-                    <a:lumMod val="50000"/>
-                  </a:schemeClr>
-                </a:solidFill>
-              </a:rPr>
-              <a:t>?</a:t>
+              <a:t>How should we improve ?</a:t>
             </a:r>
           </a:p>
           <a:p>
@@ -43675,15 +39444,7 @@
             </a:r>
             <a:r>
               <a:rPr lang="en-US" sz="2000" dirty="0" smtClean="0"/>
-              <a:t>requests.				Meeting </a:t>
-            </a:r>
-            <a:r>
-              <a:rPr lang="en-US" sz="2000" dirty="0" smtClean="0"/>
-              <a:t>tasks deadline, deliverables by planning. </a:t>
-            </a:r>
-            <a:r>
-              <a:rPr lang="en-US" sz="2000" dirty="0" smtClean="0"/>
-              <a:t>				Maintaining </a:t>
+              <a:t>requests.				Meeting tasks deadline, deliverables by planning. 				Maintaining </a:t>
             </a:r>
             <a:r>
               <a:rPr lang="en-US" sz="2000" dirty="0"/>
@@ -43709,11 +39470,7 @@
             </a:r>
             <a:r>
               <a:rPr lang="en-US" sz="2000" dirty="0" smtClean="0"/>
-              <a:t>		</a:t>
-            </a:r>
-            <a:r>
-              <a:rPr lang="en-US" sz="2000" dirty="0" smtClean="0"/>
-              <a:t>Team Management.</a:t>
+              <a:t>		Team Management.</a:t>
             </a:r>
             <a:r>
               <a:rPr lang="en-US" sz="2000" b="1" dirty="0">
@@ -44657,7 +40414,7 @@
         <p:spPr>
           <a:xfrm>
             <a:off x="3048000" y="1962231"/>
-            <a:ext cx="6248400" cy="2031325"/>
+            <a:ext cx="6248400" cy="1477328"/>
           </a:xfrm>
           <a:prstGeom prst="rect">
             <a:avLst/>
@@ -44721,22 +40478,6 @@
               <a:t>modulization</a:t>
             </a:r>
             <a:endParaRPr lang="en-US" dirty="0" smtClean="0"/>
-          </a:p>
-          <a:p>
-            <a:pPr marL="800100" lvl="1" indent="-342900">
-              <a:buFont typeface="+mj-lt"/>
-              <a:buAutoNum type="arabicPeriod"/>
-            </a:pPr>
-            <a:r>
-              <a:rPr lang="en-US" dirty="0" smtClean="0"/>
-              <a:t>….</a:t>
-            </a:r>
-            <a:endParaRPr lang="en-US" dirty="0"/>
-          </a:p>
-          <a:p>
-            <a:endParaRPr lang="en-US" b="1" dirty="0">
-              <a:latin typeface="Segoe Script" pitchFamily="34" charset="0"/>
-            </a:endParaRPr>
           </a:p>
         </p:txBody>
       </p:sp>
@@ -44756,10 +40497,10 @@
           <a:lstStyle/>
           <a:p>
             <a:r>
-              <a:rPr lang="en-US" smtClean="0"/>
+              <a:rPr lang="en-US" dirty="0" smtClean="0"/>
               <a:t>OOPMS Team</a:t>
             </a:r>
-            <a:endParaRPr lang="en-US"/>
+            <a:endParaRPr lang="en-US" dirty="0"/>
           </a:p>
         </p:txBody>
       </p:sp>

--- a/Document/Report/Presentation/OOPMS_Presentation_v1.0.pptx
+++ b/Document/Report/Presentation/OOPMS_Presentation_v1.0.pptx
@@ -244,7 +244,8 @@
           <a:p>
             <a:fld id="{D5E9D448-0590-4949-815A-626CF08257EE}" type="datetimeFigureOut">
               <a:rPr lang="en-US" smtClean="0"/>
-              <a:t>8/23/2012</a:t>
+              <a:pPr/>
+              <a:t>24/08/2012</a:t>
             </a:fld>
             <a:endParaRPr lang="en-US"/>
           </a:p>
@@ -403,6 +404,7 @@
           <a:p>
             <a:fld id="{C9FEB390-337A-4507-9E53-671AA91D8A60}" type="slidenum">
               <a:rPr lang="en-US" smtClean="0"/>
+              <a:pPr/>
               <a:t>‹#›</a:t>
             </a:fld>
             <a:endParaRPr lang="en-US"/>
@@ -412,7 +414,7 @@
     </p:spTree>
     <p:extLst>
       <p:ext uri="{BB962C8B-B14F-4D97-AF65-F5344CB8AC3E}">
-        <p14:creationId xmlns:p14="http://schemas.microsoft.com/office/powerpoint/2010/main" val="1118335091"/>
+        <p14:creationId xmlns="" xmlns:p14="http://schemas.microsoft.com/office/powerpoint/2010/main" val="1118335091"/>
       </p:ext>
     </p:extLst>
   </p:cSld>
@@ -577,6 +579,7 @@
           <a:p>
             <a:fld id="{9D8E6E20-5ABD-478D-98D6-791B8DA97FE6}" type="slidenum">
               <a:rPr lang="en-US" smtClean="0"/>
+              <a:pPr/>
               <a:t>2</a:t>
             </a:fld>
             <a:endParaRPr lang="en-US"/>
@@ -586,7 +589,7 @@
     </p:spTree>
     <p:extLst>
       <p:ext uri="{BB962C8B-B14F-4D97-AF65-F5344CB8AC3E}">
-        <p14:creationId xmlns:p14="http://schemas.microsoft.com/office/powerpoint/2010/main" val="1372262181"/>
+        <p14:creationId xmlns="" xmlns:p14="http://schemas.microsoft.com/office/powerpoint/2010/main" val="1372262181"/>
       </p:ext>
     </p:extLst>
   </p:cSld>
@@ -661,6 +664,7 @@
           <a:p>
             <a:fld id="{9D8E6E20-5ABD-478D-98D6-791B8DA97FE6}" type="slidenum">
               <a:rPr lang="en-US" smtClean="0"/>
+              <a:pPr/>
               <a:t>3</a:t>
             </a:fld>
             <a:endParaRPr lang="en-US"/>
@@ -670,7 +674,7 @@
     </p:spTree>
     <p:extLst>
       <p:ext uri="{BB962C8B-B14F-4D97-AF65-F5344CB8AC3E}">
-        <p14:creationId xmlns:p14="http://schemas.microsoft.com/office/powerpoint/2010/main" val="2244575981"/>
+        <p14:creationId xmlns="" xmlns:p14="http://schemas.microsoft.com/office/powerpoint/2010/main" val="2244575981"/>
       </p:ext>
     </p:extLst>
   </p:cSld>
@@ -745,6 +749,7 @@
           <a:p>
             <a:fld id="{9D8E6E20-5ABD-478D-98D6-791B8DA97FE6}" type="slidenum">
               <a:rPr lang="en-US" smtClean="0"/>
+              <a:pPr/>
               <a:t>16</a:t>
             </a:fld>
             <a:endParaRPr lang="en-US"/>
@@ -754,7 +759,7 @@
     </p:spTree>
     <p:extLst>
       <p:ext uri="{BB962C8B-B14F-4D97-AF65-F5344CB8AC3E}">
-        <p14:creationId xmlns:p14="http://schemas.microsoft.com/office/powerpoint/2010/main" val="71179173"/>
+        <p14:creationId xmlns="" xmlns:p14="http://schemas.microsoft.com/office/powerpoint/2010/main" val="71179173"/>
       </p:ext>
     </p:extLst>
   </p:cSld>
@@ -937,7 +942,8 @@
           <a:p>
             <a:fld id="{0E6DFBB0-6CFE-4671-B8BE-710BB15F3BC9}" type="datetime1">
               <a:rPr lang="en-US" smtClean="0"/>
-              <a:t>8/23/2012</a:t>
+              <a:pPr/>
+              <a:t>24/08/2012</a:t>
             </a:fld>
             <a:endParaRPr lang="en-US"/>
           </a:p>
@@ -1107,7 +1113,8 @@
           <a:p>
             <a:fld id="{AB989079-D6D7-44A4-B5B0-47464FBB368D}" type="datetime1">
               <a:rPr lang="en-US" smtClean="0"/>
-              <a:t>8/23/2012</a:t>
+              <a:pPr/>
+              <a:t>24/08/2012</a:t>
             </a:fld>
             <a:endParaRPr lang="en-US"/>
           </a:p>
@@ -1287,7 +1294,8 @@
           <a:p>
             <a:fld id="{04445830-5C3B-4731-9AD7-690DE8DAA5F5}" type="datetime1">
               <a:rPr lang="en-US" smtClean="0"/>
-              <a:t>8/23/2012</a:t>
+              <a:pPr/>
+              <a:t>24/08/2012</a:t>
             </a:fld>
             <a:endParaRPr lang="en-US"/>
           </a:p>
@@ -1457,7 +1465,8 @@
           <a:p>
             <a:fld id="{98FFAF04-EF5F-412C-8623-0998346429B6}" type="datetime1">
               <a:rPr lang="en-US" smtClean="0"/>
-              <a:t>8/23/2012</a:t>
+              <a:pPr/>
+              <a:t>24/08/2012</a:t>
             </a:fld>
             <a:endParaRPr lang="en-US"/>
           </a:p>
@@ -1704,7 +1713,8 @@
           <a:p>
             <a:fld id="{E1B40072-8B3B-4F12-B317-92BB15729FC4}" type="datetime1">
               <a:rPr lang="en-US" smtClean="0"/>
-              <a:t>8/23/2012</a:t>
+              <a:pPr/>
+              <a:t>24/08/2012</a:t>
             </a:fld>
             <a:endParaRPr lang="en-US"/>
           </a:p>
@@ -1973,7 +1983,8 @@
           <a:p>
             <a:fld id="{9FCE0532-A6E2-4967-8AE8-C69DC3F02652}" type="datetime1">
               <a:rPr lang="en-US" smtClean="0"/>
-              <a:t>8/23/2012</a:t>
+              <a:pPr/>
+              <a:t>24/08/2012</a:t>
             </a:fld>
             <a:endParaRPr lang="en-US"/>
           </a:p>
@@ -2356,7 +2367,8 @@
           <a:p>
             <a:fld id="{ED7E3711-C364-4C73-B4A8-72C0A11B9444}" type="datetime1">
               <a:rPr lang="en-US" smtClean="0"/>
-              <a:t>8/23/2012</a:t>
+              <a:pPr/>
+              <a:t>24/08/2012</a:t>
             </a:fld>
             <a:endParaRPr lang="en-US"/>
           </a:p>
@@ -2511,7 +2523,8 @@
           <a:p>
             <a:fld id="{810E849C-AF3E-48A7-8729-C724250D5BB4}" type="datetime1">
               <a:rPr lang="en-US" smtClean="0"/>
-              <a:t>8/23/2012</a:t>
+              <a:pPr/>
+              <a:t>24/08/2012</a:t>
             </a:fld>
             <a:endParaRPr lang="en-US"/>
           </a:p>
@@ -2606,7 +2619,8 @@
           <a:p>
             <a:fld id="{210E6CAB-84E4-4011-B107-EDB46785E0BF}" type="datetime1">
               <a:rPr lang="en-US" smtClean="0"/>
-              <a:t>8/23/2012</a:t>
+              <a:pPr/>
+              <a:t>24/08/2012</a:t>
             </a:fld>
             <a:endParaRPr lang="en-US"/>
           </a:p>
@@ -2872,7 +2886,8 @@
           <a:p>
             <a:fld id="{D4C654D8-ED84-4FD2-9681-B79DDB18AEE7}" type="datetime1">
               <a:rPr lang="en-US" smtClean="0"/>
-              <a:t>8/23/2012</a:t>
+              <a:pPr/>
+              <a:t>24/08/2012</a:t>
             </a:fld>
             <a:endParaRPr lang="en-US"/>
           </a:p>
@@ -3165,7 +3180,8 @@
           <a:p>
             <a:fld id="{442D0D88-E502-4C93-8C04-BB3D21395536}" type="datetime1">
               <a:rPr lang="en-US" smtClean="0"/>
-              <a:t>8/23/2012</a:t>
+              <a:pPr/>
+              <a:t>24/08/2012</a:t>
             </a:fld>
             <a:endParaRPr lang="en-US"/>
           </a:p>
@@ -3941,7 +3957,8 @@
           <a:p>
             <a:fld id="{A4F60FB3-6432-4A26-85B7-EC33EA63D569}" type="datetime1">
               <a:rPr lang="en-US" smtClean="0"/>
-              <a:t>8/23/2012</a:t>
+              <a:pPr/>
+              <a:t>24/08/2012</a:t>
             </a:fld>
             <a:endParaRPr lang="en-US"/>
           </a:p>
@@ -4613,10 +4630,10 @@
           <p:nvPr/>
         </p:nvPicPr>
         <p:blipFill>
-          <a:blip r:embed="rId2">
+          <a:blip r:embed="rId2" cstate="print">
             <a:extLst>
               <a:ext uri="{28A0092B-C50C-407E-A947-70E740481C1C}">
-                <a14:useLocalDpi xmlns:a14="http://schemas.microsoft.com/office/drawing/2010/main" val="0"/>
+                <a14:useLocalDpi xmlns="" xmlns:a14="http://schemas.microsoft.com/office/drawing/2010/main" val="0"/>
               </a:ext>
             </a:extLst>
           </a:blip>
@@ -4969,7 +4986,7 @@
           <a:blip r:embed="rId3" cstate="print">
             <a:extLst>
               <a:ext uri="{28A0092B-C50C-407E-A947-70E740481C1C}">
-                <a14:useLocalDpi xmlns:a14="http://schemas.microsoft.com/office/drawing/2010/main" val="0"/>
+                <a14:useLocalDpi xmlns="" xmlns:a14="http://schemas.microsoft.com/office/drawing/2010/main" val="0"/>
               </a:ext>
             </a:extLst>
           </a:blip>
@@ -4997,7 +5014,7 @@
           </a:effectLst>
           <a:extLst>
             <a:ext uri="{909E8E84-426E-40DD-AFC4-6F175D3DCCD1}">
-              <a14:hiddenFill xmlns:a14="http://schemas.microsoft.com/office/drawing/2010/main">
+              <a14:hiddenFill xmlns="" xmlns:a14="http://schemas.microsoft.com/office/drawing/2010/main">
                 <a:solidFill>
                   <a:srgbClr val="FFFFFF"/>
                 </a:solidFill>
@@ -5015,10 +5032,10 @@
           <p:nvPr/>
         </p:nvPicPr>
         <p:blipFill>
-          <a:blip r:embed="rId4">
+          <a:blip r:embed="rId4" cstate="print">
             <a:extLst>
               <a:ext uri="{28A0092B-C50C-407E-A947-70E740481C1C}">
-                <a14:useLocalDpi xmlns:a14="http://schemas.microsoft.com/office/drawing/2010/main" val="0"/>
+                <a14:useLocalDpi xmlns="" xmlns:a14="http://schemas.microsoft.com/office/drawing/2010/main" val="0"/>
               </a:ext>
             </a:extLst>
           </a:blip>
@@ -5038,7 +5055,7 @@
           <a:noFill/>
           <a:extLst>
             <a:ext uri="{909E8E84-426E-40DD-AFC4-6F175D3DCCD1}">
-              <a14:hiddenFill xmlns:a14="http://schemas.microsoft.com/office/drawing/2010/main">
+              <a14:hiddenFill xmlns="" xmlns:a14="http://schemas.microsoft.com/office/drawing/2010/main">
                 <a:solidFill>
                   <a:srgbClr val="FFFFFF"/>
                 </a:solidFill>
@@ -5097,7 +5114,7 @@
     </p:spTree>
     <p:extLst>
       <p:ext uri="{BB962C8B-B14F-4D97-AF65-F5344CB8AC3E}">
-        <p14:creationId xmlns:p14="http://schemas.microsoft.com/office/powerpoint/2010/main" val="179637935"/>
+        <p14:creationId xmlns="" xmlns:p14="http://schemas.microsoft.com/office/powerpoint/2010/main" val="179637935"/>
       </p:ext>
     </p:extLst>
   </p:cSld>
@@ -5281,10 +5298,10 @@
           <p:nvPr/>
         </p:nvPicPr>
         <p:blipFill>
-          <a:blip r:embed="rId2">
+          <a:blip r:embed="rId2" cstate="print">
             <a:extLst>
               <a:ext uri="{28A0092B-C50C-407E-A947-70E740481C1C}">
-                <a14:useLocalDpi xmlns:a14="http://schemas.microsoft.com/office/drawing/2010/main" val="0"/>
+                <a14:useLocalDpi xmlns="" xmlns:a14="http://schemas.microsoft.com/office/drawing/2010/main" val="0"/>
               </a:ext>
             </a:extLst>
           </a:blip>
@@ -5316,10 +5333,10 @@
           <p:nvPr/>
         </p:nvPicPr>
         <p:blipFill>
-          <a:blip r:embed="rId3">
+          <a:blip r:embed="rId3" cstate="print">
             <a:extLst>
               <a:ext uri="{28A0092B-C50C-407E-A947-70E740481C1C}">
-                <a14:useLocalDpi xmlns:a14="http://schemas.microsoft.com/office/drawing/2010/main" val="0"/>
+                <a14:useLocalDpi xmlns="" xmlns:a14="http://schemas.microsoft.com/office/drawing/2010/main" val="0"/>
               </a:ext>
             </a:extLst>
           </a:blip>
@@ -5339,7 +5356,7 @@
           <a:noFill/>
           <a:extLst>
             <a:ext uri="{909E8E84-426E-40DD-AFC4-6F175D3DCCD1}">
-              <a14:hiddenFill xmlns:a14="http://schemas.microsoft.com/office/drawing/2010/main">
+              <a14:hiddenFill xmlns="" xmlns:a14="http://schemas.microsoft.com/office/drawing/2010/main">
                 <a:solidFill>
                   <a:srgbClr val="FFFFFF"/>
                 </a:solidFill>
@@ -5374,7 +5391,7 @@
     </p:spTree>
     <p:extLst>
       <p:ext uri="{BB962C8B-B14F-4D97-AF65-F5344CB8AC3E}">
-        <p14:creationId xmlns:p14="http://schemas.microsoft.com/office/powerpoint/2010/main" val="697469285"/>
+        <p14:creationId xmlns="" xmlns:p14="http://schemas.microsoft.com/office/powerpoint/2010/main" val="697469285"/>
       </p:ext>
     </p:extLst>
   </p:cSld>
@@ -5493,14 +5510,14 @@
           <a:effectLst/>
           <a:extLst>
             <a:ext uri="{909E8E84-426E-40DD-AFC4-6F175D3DCCD1}">
-              <a14:hiddenFill xmlns:a14="http://schemas.microsoft.com/office/drawing/2010/main">
+              <a14:hiddenFill xmlns="" xmlns:a14="http://schemas.microsoft.com/office/drawing/2010/main">
                 <a:solidFill>
                   <a:schemeClr val="accent1"/>
                 </a:solidFill>
               </a14:hiddenFill>
             </a:ext>
             <a:ext uri="{91240B29-F687-4F45-9708-019B960494DF}">
-              <a14:hiddenLine xmlns:a14="http://schemas.microsoft.com/office/drawing/2010/main" w="9525" algn="ctr">
+              <a14:hiddenLine xmlns="" xmlns:a14="http://schemas.microsoft.com/office/drawing/2010/main" w="9525" algn="ctr">
                 <a:solidFill>
                   <a:schemeClr val="tx1"/>
                 </a:solidFill>
@@ -5510,7 +5527,7 @@
               </a14:hiddenLine>
             </a:ext>
             <a:ext uri="{AF507438-7753-43E0-B8FC-AC1667EBCBE1}">
-              <a14:hiddenEffects xmlns:a14="http://schemas.microsoft.com/office/drawing/2010/main">
+              <a14:hiddenEffects xmlns="" xmlns:a14="http://schemas.microsoft.com/office/drawing/2010/main">
                 <a:effectLst>
                   <a:outerShdw dist="35921" dir="2700000" algn="ctr" rotWithShape="0">
                     <a:schemeClr val="bg2"/>
@@ -5568,14 +5585,14 @@
           <a:effectLst/>
           <a:extLst>
             <a:ext uri="{909E8E84-426E-40DD-AFC4-6F175D3DCCD1}">
-              <a14:hiddenFill xmlns:a14="http://schemas.microsoft.com/office/drawing/2010/main">
+              <a14:hiddenFill xmlns="" xmlns:a14="http://schemas.microsoft.com/office/drawing/2010/main">
                 <a:solidFill>
                   <a:schemeClr val="accent1"/>
                 </a:solidFill>
               </a14:hiddenFill>
             </a:ext>
             <a:ext uri="{91240B29-F687-4F45-9708-019B960494DF}">
-              <a14:hiddenLine xmlns:a14="http://schemas.microsoft.com/office/drawing/2010/main" w="9525" algn="ctr">
+              <a14:hiddenLine xmlns="" xmlns:a14="http://schemas.microsoft.com/office/drawing/2010/main" w="9525" algn="ctr">
                 <a:solidFill>
                   <a:schemeClr val="tx1"/>
                 </a:solidFill>
@@ -5585,7 +5602,7 @@
               </a14:hiddenLine>
             </a:ext>
             <a:ext uri="{AF507438-7753-43E0-B8FC-AC1667EBCBE1}">
-              <a14:hiddenEffects xmlns:a14="http://schemas.microsoft.com/office/drawing/2010/main">
+              <a14:hiddenEffects xmlns="" xmlns:a14="http://schemas.microsoft.com/office/drawing/2010/main">
                 <a:effectLst>
                   <a:outerShdw dist="35921" dir="2700000" algn="ctr" rotWithShape="0">
                     <a:schemeClr val="bg2"/>
@@ -5643,14 +5660,14 @@
           <a:effectLst/>
           <a:extLst>
             <a:ext uri="{909E8E84-426E-40DD-AFC4-6F175D3DCCD1}">
-              <a14:hiddenFill xmlns:a14="http://schemas.microsoft.com/office/drawing/2010/main">
+              <a14:hiddenFill xmlns="" xmlns:a14="http://schemas.microsoft.com/office/drawing/2010/main">
                 <a:solidFill>
                   <a:schemeClr val="accent1"/>
                 </a:solidFill>
               </a14:hiddenFill>
             </a:ext>
             <a:ext uri="{91240B29-F687-4F45-9708-019B960494DF}">
-              <a14:hiddenLine xmlns:a14="http://schemas.microsoft.com/office/drawing/2010/main" w="9525" algn="ctr">
+              <a14:hiddenLine xmlns="" xmlns:a14="http://schemas.microsoft.com/office/drawing/2010/main" w="9525" algn="ctr">
                 <a:solidFill>
                   <a:schemeClr val="tx1"/>
                 </a:solidFill>
@@ -5660,7 +5677,7 @@
               </a14:hiddenLine>
             </a:ext>
             <a:ext uri="{AF507438-7753-43E0-B8FC-AC1667EBCBE1}">
-              <a14:hiddenEffects xmlns:a14="http://schemas.microsoft.com/office/drawing/2010/main">
+              <a14:hiddenEffects xmlns="" xmlns:a14="http://schemas.microsoft.com/office/drawing/2010/main">
                 <a:effectLst>
                   <a:outerShdw dist="35921" dir="2700000" algn="ctr" rotWithShape="0">
                     <a:schemeClr val="bg2"/>
@@ -5718,14 +5735,14 @@
           <a:effectLst/>
           <a:extLst>
             <a:ext uri="{909E8E84-426E-40DD-AFC4-6F175D3DCCD1}">
-              <a14:hiddenFill xmlns:a14="http://schemas.microsoft.com/office/drawing/2010/main">
+              <a14:hiddenFill xmlns="" xmlns:a14="http://schemas.microsoft.com/office/drawing/2010/main">
                 <a:solidFill>
                   <a:schemeClr val="accent1"/>
                 </a:solidFill>
               </a14:hiddenFill>
             </a:ext>
             <a:ext uri="{91240B29-F687-4F45-9708-019B960494DF}">
-              <a14:hiddenLine xmlns:a14="http://schemas.microsoft.com/office/drawing/2010/main" w="9525" algn="ctr">
+              <a14:hiddenLine xmlns="" xmlns:a14="http://schemas.microsoft.com/office/drawing/2010/main" w="9525" algn="ctr">
                 <a:solidFill>
                   <a:schemeClr val="tx1"/>
                 </a:solidFill>
@@ -5735,7 +5752,7 @@
               </a14:hiddenLine>
             </a:ext>
             <a:ext uri="{AF507438-7753-43E0-B8FC-AC1667EBCBE1}">
-              <a14:hiddenEffects xmlns:a14="http://schemas.microsoft.com/office/drawing/2010/main">
+              <a14:hiddenEffects xmlns="" xmlns:a14="http://schemas.microsoft.com/office/drawing/2010/main">
                 <a:effectLst>
                   <a:outerShdw dist="35921" dir="2700000" algn="ctr" rotWithShape="0">
                     <a:schemeClr val="bg2"/>
@@ -5840,7 +5857,7 @@
               <a:effectLst/>
               <a:extLst>
                 <a:ext uri="{91240B29-F687-4F45-9708-019B960494DF}">
-                  <a14:hiddenLine xmlns:a14="http://schemas.microsoft.com/office/drawing/2010/main" w="9525">
+                  <a14:hiddenLine xmlns="" xmlns:a14="http://schemas.microsoft.com/office/drawing/2010/main" w="9525">
                     <a:solidFill>
                       <a:schemeClr val="tx1"/>
                     </a:solidFill>
@@ -5850,7 +5867,7 @@
                   </a14:hiddenLine>
                 </a:ext>
                 <a:ext uri="{AF507438-7753-43E0-B8FC-AC1667EBCBE1}">
-                  <a14:hiddenEffects xmlns:a14="http://schemas.microsoft.com/office/drawing/2010/main">
+                  <a14:hiddenEffects xmlns="" xmlns:a14="http://schemas.microsoft.com/office/drawing/2010/main">
                     <a:effectLst>
                       <a:outerShdw dist="35921" dir="2700000" algn="ctr" rotWithShape="0">
                         <a:schemeClr val="bg2"/>
@@ -5906,7 +5923,7 @@
               <a:effectLst/>
               <a:extLst>
                 <a:ext uri="{91240B29-F687-4F45-9708-019B960494DF}">
-                  <a14:hiddenLine xmlns:a14="http://schemas.microsoft.com/office/drawing/2010/main" w="9525">
+                  <a14:hiddenLine xmlns="" xmlns:a14="http://schemas.microsoft.com/office/drawing/2010/main" w="9525">
                     <a:solidFill>
                       <a:schemeClr val="tx1"/>
                     </a:solidFill>
@@ -5916,7 +5933,7 @@
                   </a14:hiddenLine>
                 </a:ext>
                 <a:ext uri="{AF507438-7753-43E0-B8FC-AC1667EBCBE1}">
-                  <a14:hiddenEffects xmlns:a14="http://schemas.microsoft.com/office/drawing/2010/main">
+                  <a14:hiddenEffects xmlns="" xmlns:a14="http://schemas.microsoft.com/office/drawing/2010/main">
                     <a:effectLst>
                       <a:outerShdw dist="35921" dir="2700000" algn="ctr" rotWithShape="0">
                         <a:schemeClr val="bg2"/>
@@ -5972,7 +5989,7 @@
               <a:effectLst/>
               <a:extLst>
                 <a:ext uri="{91240B29-F687-4F45-9708-019B960494DF}">
-                  <a14:hiddenLine xmlns:a14="http://schemas.microsoft.com/office/drawing/2010/main" w="9525">
+                  <a14:hiddenLine xmlns="" xmlns:a14="http://schemas.microsoft.com/office/drawing/2010/main" w="9525">
                     <a:solidFill>
                       <a:schemeClr val="tx1"/>
                     </a:solidFill>
@@ -5982,7 +5999,7 @@
                   </a14:hiddenLine>
                 </a:ext>
                 <a:ext uri="{AF507438-7753-43E0-B8FC-AC1667EBCBE1}">
-                  <a14:hiddenEffects xmlns:a14="http://schemas.microsoft.com/office/drawing/2010/main">
+                  <a14:hiddenEffects xmlns="" xmlns:a14="http://schemas.microsoft.com/office/drawing/2010/main">
                     <a:effectLst>
                       <a:outerShdw dist="35921" dir="2700000" algn="ctr" rotWithShape="0">
                         <a:schemeClr val="bg2"/>
@@ -6060,7 +6077,7 @@
               </a:ln>
               <a:extLst>
                 <a:ext uri="{91240B29-F687-4F45-9708-019B960494DF}">
-                  <a14:hiddenLine xmlns:a14="http://schemas.microsoft.com/office/drawing/2010/main" w="9525">
+                  <a14:hiddenLine xmlns="" xmlns:a14="http://schemas.microsoft.com/office/drawing/2010/main" w="9525">
                     <a:solidFill>
                       <a:srgbClr val="000000"/>
                     </a:solidFill>
@@ -6122,7 +6139,7 @@
               </a:ln>
               <a:extLst>
                 <a:ext uri="{91240B29-F687-4F45-9708-019B960494DF}">
-                  <a14:hiddenLine xmlns:a14="http://schemas.microsoft.com/office/drawing/2010/main" w="9525">
+                  <a14:hiddenLine xmlns="" xmlns:a14="http://schemas.microsoft.com/office/drawing/2010/main" w="9525">
                     <a:solidFill>
                       <a:srgbClr val="000000"/>
                     </a:solidFill>
@@ -6184,7 +6201,7 @@
               </a:ln>
               <a:extLst>
                 <a:ext uri="{91240B29-F687-4F45-9708-019B960494DF}">
-                  <a14:hiddenLine xmlns:a14="http://schemas.microsoft.com/office/drawing/2010/main" w="9525">
+                  <a14:hiddenLine xmlns="" xmlns:a14="http://schemas.microsoft.com/office/drawing/2010/main" w="9525">
                     <a:solidFill>
                       <a:srgbClr val="000000"/>
                     </a:solidFill>
@@ -6246,7 +6263,7 @@
               </a:ln>
               <a:extLst>
                 <a:ext uri="{91240B29-F687-4F45-9708-019B960494DF}">
-                  <a14:hiddenLine xmlns:a14="http://schemas.microsoft.com/office/drawing/2010/main" w="9525">
+                  <a14:hiddenLine xmlns="" xmlns:a14="http://schemas.microsoft.com/office/drawing/2010/main" w="9525">
                     <a:solidFill>
                       <a:srgbClr val="000000"/>
                     </a:solidFill>
@@ -6308,7 +6325,7 @@
               </a:ln>
               <a:extLst>
                 <a:ext uri="{91240B29-F687-4F45-9708-019B960494DF}">
-                  <a14:hiddenLine xmlns:a14="http://schemas.microsoft.com/office/drawing/2010/main" w="9525">
+                  <a14:hiddenLine xmlns="" xmlns:a14="http://schemas.microsoft.com/office/drawing/2010/main" w="9525">
                     <a:solidFill>
                       <a:srgbClr val="000000"/>
                     </a:solidFill>
@@ -6370,7 +6387,7 @@
               </a:ln>
               <a:extLst>
                 <a:ext uri="{91240B29-F687-4F45-9708-019B960494DF}">
-                  <a14:hiddenLine xmlns:a14="http://schemas.microsoft.com/office/drawing/2010/main" w="9525">
+                  <a14:hiddenLine xmlns="" xmlns:a14="http://schemas.microsoft.com/office/drawing/2010/main" w="9525">
                     <a:solidFill>
                       <a:srgbClr val="000000"/>
                     </a:solidFill>
@@ -6432,7 +6449,7 @@
               </a:ln>
               <a:extLst>
                 <a:ext uri="{91240B29-F687-4F45-9708-019B960494DF}">
-                  <a14:hiddenLine xmlns:a14="http://schemas.microsoft.com/office/drawing/2010/main" w="9525">
+                  <a14:hiddenLine xmlns="" xmlns:a14="http://schemas.microsoft.com/office/drawing/2010/main" w="9525">
                     <a:solidFill>
                       <a:srgbClr val="000000"/>
                     </a:solidFill>
@@ -6487,7 +6504,7 @@
               </a:ln>
               <a:extLst>
                 <a:ext uri="{91240B29-F687-4F45-9708-019B960494DF}">
-                  <a14:hiddenLine xmlns:a14="http://schemas.microsoft.com/office/drawing/2010/main" w="9525">
+                  <a14:hiddenLine xmlns="" xmlns:a14="http://schemas.microsoft.com/office/drawing/2010/main" w="9525">
                     <a:solidFill>
                       <a:srgbClr val="000000"/>
                     </a:solidFill>
@@ -6542,7 +6559,7 @@
               </a:ln>
               <a:extLst>
                 <a:ext uri="{91240B29-F687-4F45-9708-019B960494DF}">
-                  <a14:hiddenLine xmlns:a14="http://schemas.microsoft.com/office/drawing/2010/main" w="9525">
+                  <a14:hiddenLine xmlns="" xmlns:a14="http://schemas.microsoft.com/office/drawing/2010/main" w="9525">
                     <a:solidFill>
                       <a:srgbClr val="000000"/>
                     </a:solidFill>
@@ -6597,7 +6614,7 @@
               </a:ln>
               <a:extLst>
                 <a:ext uri="{91240B29-F687-4F45-9708-019B960494DF}">
-                  <a14:hiddenLine xmlns:a14="http://schemas.microsoft.com/office/drawing/2010/main" w="9525">
+                  <a14:hiddenLine xmlns="" xmlns:a14="http://schemas.microsoft.com/office/drawing/2010/main" w="9525">
                     <a:solidFill>
                       <a:srgbClr val="000000"/>
                     </a:solidFill>
@@ -6652,7 +6669,7 @@
               </a:ln>
               <a:extLst>
                 <a:ext uri="{91240B29-F687-4F45-9708-019B960494DF}">
-                  <a14:hiddenLine xmlns:a14="http://schemas.microsoft.com/office/drawing/2010/main" w="9525">
+                  <a14:hiddenLine xmlns="" xmlns:a14="http://schemas.microsoft.com/office/drawing/2010/main" w="9525">
                     <a:solidFill>
                       <a:srgbClr val="000000"/>
                     </a:solidFill>
@@ -6714,7 +6731,7 @@
               </a:ln>
               <a:extLst>
                 <a:ext uri="{91240B29-F687-4F45-9708-019B960494DF}">
-                  <a14:hiddenLine xmlns:a14="http://schemas.microsoft.com/office/drawing/2010/main" w="9525">
+                  <a14:hiddenLine xmlns="" xmlns:a14="http://schemas.microsoft.com/office/drawing/2010/main" w="9525">
                     <a:solidFill>
                       <a:srgbClr val="000000"/>
                     </a:solidFill>
@@ -6776,7 +6793,7 @@
               </a:ln>
               <a:extLst>
                 <a:ext uri="{91240B29-F687-4F45-9708-019B960494DF}">
-                  <a14:hiddenLine xmlns:a14="http://schemas.microsoft.com/office/drawing/2010/main" w="9525">
+                  <a14:hiddenLine xmlns="" xmlns:a14="http://schemas.microsoft.com/office/drawing/2010/main" w="9525">
                     <a:solidFill>
                       <a:srgbClr val="000000"/>
                     </a:solidFill>
@@ -6838,7 +6855,7 @@
               </a:ln>
               <a:extLst>
                 <a:ext uri="{91240B29-F687-4F45-9708-019B960494DF}">
-                  <a14:hiddenLine xmlns:a14="http://schemas.microsoft.com/office/drawing/2010/main" w="9525">
+                  <a14:hiddenLine xmlns="" xmlns:a14="http://schemas.microsoft.com/office/drawing/2010/main" w="9525">
                     <a:solidFill>
                       <a:srgbClr val="000000"/>
                     </a:solidFill>
@@ -6929,7 +6946,7 @@
               <a:effectLst/>
               <a:extLst>
                 <a:ext uri="{91240B29-F687-4F45-9708-019B960494DF}">
-                  <a14:hiddenLine xmlns:a14="http://schemas.microsoft.com/office/drawing/2010/main" w="9525">
+                  <a14:hiddenLine xmlns="" xmlns:a14="http://schemas.microsoft.com/office/drawing/2010/main" w="9525">
                     <a:solidFill>
                       <a:schemeClr val="tx1"/>
                     </a:solidFill>
@@ -6939,7 +6956,7 @@
                   </a14:hiddenLine>
                 </a:ext>
                 <a:ext uri="{AF507438-7753-43E0-B8FC-AC1667EBCBE1}">
-                  <a14:hiddenEffects xmlns:a14="http://schemas.microsoft.com/office/drawing/2010/main">
+                  <a14:hiddenEffects xmlns="" xmlns:a14="http://schemas.microsoft.com/office/drawing/2010/main">
                     <a:effectLst>
                       <a:outerShdw dist="35921" dir="2700000" algn="ctr" rotWithShape="0">
                         <a:schemeClr val="bg2"/>
@@ -6995,7 +7012,7 @@
               <a:effectLst/>
               <a:extLst>
                 <a:ext uri="{91240B29-F687-4F45-9708-019B960494DF}">
-                  <a14:hiddenLine xmlns:a14="http://schemas.microsoft.com/office/drawing/2010/main" w="9525">
+                  <a14:hiddenLine xmlns="" xmlns:a14="http://schemas.microsoft.com/office/drawing/2010/main" w="9525">
                     <a:solidFill>
                       <a:schemeClr val="tx1"/>
                     </a:solidFill>
@@ -7005,7 +7022,7 @@
                   </a14:hiddenLine>
                 </a:ext>
                 <a:ext uri="{AF507438-7753-43E0-B8FC-AC1667EBCBE1}">
-                  <a14:hiddenEffects xmlns:a14="http://schemas.microsoft.com/office/drawing/2010/main">
+                  <a14:hiddenEffects xmlns="" xmlns:a14="http://schemas.microsoft.com/office/drawing/2010/main">
                     <a:effectLst>
                       <a:outerShdw dist="35921" dir="2700000" algn="ctr" rotWithShape="0">
                         <a:schemeClr val="bg2"/>
@@ -7061,7 +7078,7 @@
               <a:effectLst/>
               <a:extLst>
                 <a:ext uri="{91240B29-F687-4F45-9708-019B960494DF}">
-                  <a14:hiddenLine xmlns:a14="http://schemas.microsoft.com/office/drawing/2010/main" w="9525">
+                  <a14:hiddenLine xmlns="" xmlns:a14="http://schemas.microsoft.com/office/drawing/2010/main" w="9525">
                     <a:solidFill>
                       <a:schemeClr val="tx1"/>
                     </a:solidFill>
@@ -7071,7 +7088,7 @@
                   </a14:hiddenLine>
                 </a:ext>
                 <a:ext uri="{AF507438-7753-43E0-B8FC-AC1667EBCBE1}">
-                  <a14:hiddenEffects xmlns:a14="http://schemas.microsoft.com/office/drawing/2010/main">
+                  <a14:hiddenEffects xmlns="" xmlns:a14="http://schemas.microsoft.com/office/drawing/2010/main">
                     <a:effectLst>
                       <a:outerShdw dist="35921" dir="2700000" algn="ctr" rotWithShape="0">
                         <a:schemeClr val="bg2"/>
@@ -7149,7 +7166,7 @@
               </a:ln>
               <a:extLst>
                 <a:ext uri="{91240B29-F687-4F45-9708-019B960494DF}">
-                  <a14:hiddenLine xmlns:a14="http://schemas.microsoft.com/office/drawing/2010/main" w="9525">
+                  <a14:hiddenLine xmlns="" xmlns:a14="http://schemas.microsoft.com/office/drawing/2010/main" w="9525">
                     <a:solidFill>
                       <a:srgbClr val="000000"/>
                     </a:solidFill>
@@ -7211,7 +7228,7 @@
               </a:ln>
               <a:extLst>
                 <a:ext uri="{91240B29-F687-4F45-9708-019B960494DF}">
-                  <a14:hiddenLine xmlns:a14="http://schemas.microsoft.com/office/drawing/2010/main" w="9525">
+                  <a14:hiddenLine xmlns="" xmlns:a14="http://schemas.microsoft.com/office/drawing/2010/main" w="9525">
                     <a:solidFill>
                       <a:srgbClr val="000000"/>
                     </a:solidFill>
@@ -7273,7 +7290,7 @@
               </a:ln>
               <a:extLst>
                 <a:ext uri="{91240B29-F687-4F45-9708-019B960494DF}">
-                  <a14:hiddenLine xmlns:a14="http://schemas.microsoft.com/office/drawing/2010/main" w="9525">
+                  <a14:hiddenLine xmlns="" xmlns:a14="http://schemas.microsoft.com/office/drawing/2010/main" w="9525">
                     <a:solidFill>
                       <a:srgbClr val="000000"/>
                     </a:solidFill>
@@ -7335,7 +7352,7 @@
               </a:ln>
               <a:extLst>
                 <a:ext uri="{91240B29-F687-4F45-9708-019B960494DF}">
-                  <a14:hiddenLine xmlns:a14="http://schemas.microsoft.com/office/drawing/2010/main" w="9525">
+                  <a14:hiddenLine xmlns="" xmlns:a14="http://schemas.microsoft.com/office/drawing/2010/main" w="9525">
                     <a:solidFill>
                       <a:srgbClr val="000000"/>
                     </a:solidFill>
@@ -7397,7 +7414,7 @@
               </a:ln>
               <a:extLst>
                 <a:ext uri="{91240B29-F687-4F45-9708-019B960494DF}">
-                  <a14:hiddenLine xmlns:a14="http://schemas.microsoft.com/office/drawing/2010/main" w="9525">
+                  <a14:hiddenLine xmlns="" xmlns:a14="http://schemas.microsoft.com/office/drawing/2010/main" w="9525">
                     <a:solidFill>
                       <a:srgbClr val="000000"/>
                     </a:solidFill>
@@ -7459,7 +7476,7 @@
               </a:ln>
               <a:extLst>
                 <a:ext uri="{91240B29-F687-4F45-9708-019B960494DF}">
-                  <a14:hiddenLine xmlns:a14="http://schemas.microsoft.com/office/drawing/2010/main" w="9525">
+                  <a14:hiddenLine xmlns="" xmlns:a14="http://schemas.microsoft.com/office/drawing/2010/main" w="9525">
                     <a:solidFill>
                       <a:srgbClr val="000000"/>
                     </a:solidFill>
@@ -7521,7 +7538,7 @@
               </a:ln>
               <a:extLst>
                 <a:ext uri="{91240B29-F687-4F45-9708-019B960494DF}">
-                  <a14:hiddenLine xmlns:a14="http://schemas.microsoft.com/office/drawing/2010/main" w="9525">
+                  <a14:hiddenLine xmlns="" xmlns:a14="http://schemas.microsoft.com/office/drawing/2010/main" w="9525">
                     <a:solidFill>
                       <a:srgbClr val="000000"/>
                     </a:solidFill>
@@ -7576,7 +7593,7 @@
               </a:ln>
               <a:extLst>
                 <a:ext uri="{91240B29-F687-4F45-9708-019B960494DF}">
-                  <a14:hiddenLine xmlns:a14="http://schemas.microsoft.com/office/drawing/2010/main" w="9525">
+                  <a14:hiddenLine xmlns="" xmlns:a14="http://schemas.microsoft.com/office/drawing/2010/main" w="9525">
                     <a:solidFill>
                       <a:srgbClr val="000000"/>
                     </a:solidFill>
@@ -7631,7 +7648,7 @@
               </a:ln>
               <a:extLst>
                 <a:ext uri="{91240B29-F687-4F45-9708-019B960494DF}">
-                  <a14:hiddenLine xmlns:a14="http://schemas.microsoft.com/office/drawing/2010/main" w="9525">
+                  <a14:hiddenLine xmlns="" xmlns:a14="http://schemas.microsoft.com/office/drawing/2010/main" w="9525">
                     <a:solidFill>
                       <a:srgbClr val="000000"/>
                     </a:solidFill>
@@ -7686,7 +7703,7 @@
               </a:ln>
               <a:extLst>
                 <a:ext uri="{91240B29-F687-4F45-9708-019B960494DF}">
-                  <a14:hiddenLine xmlns:a14="http://schemas.microsoft.com/office/drawing/2010/main" w="9525">
+                  <a14:hiddenLine xmlns="" xmlns:a14="http://schemas.microsoft.com/office/drawing/2010/main" w="9525">
                     <a:solidFill>
                       <a:srgbClr val="000000"/>
                     </a:solidFill>
@@ -7741,7 +7758,7 @@
               </a:ln>
               <a:extLst>
                 <a:ext uri="{91240B29-F687-4F45-9708-019B960494DF}">
-                  <a14:hiddenLine xmlns:a14="http://schemas.microsoft.com/office/drawing/2010/main" w="9525">
+                  <a14:hiddenLine xmlns="" xmlns:a14="http://schemas.microsoft.com/office/drawing/2010/main" w="9525">
                     <a:solidFill>
                       <a:srgbClr val="000000"/>
                     </a:solidFill>
@@ -7803,7 +7820,7 @@
               </a:ln>
               <a:extLst>
                 <a:ext uri="{91240B29-F687-4F45-9708-019B960494DF}">
-                  <a14:hiddenLine xmlns:a14="http://schemas.microsoft.com/office/drawing/2010/main" w="9525">
+                  <a14:hiddenLine xmlns="" xmlns:a14="http://schemas.microsoft.com/office/drawing/2010/main" w="9525">
                     <a:solidFill>
                       <a:srgbClr val="000000"/>
                     </a:solidFill>
@@ -7865,7 +7882,7 @@
               </a:ln>
               <a:extLst>
                 <a:ext uri="{91240B29-F687-4F45-9708-019B960494DF}">
-                  <a14:hiddenLine xmlns:a14="http://schemas.microsoft.com/office/drawing/2010/main" w="9525">
+                  <a14:hiddenLine xmlns="" xmlns:a14="http://schemas.microsoft.com/office/drawing/2010/main" w="9525">
                     <a:solidFill>
                       <a:srgbClr val="000000"/>
                     </a:solidFill>
@@ -7927,7 +7944,7 @@
               </a:ln>
               <a:extLst>
                 <a:ext uri="{91240B29-F687-4F45-9708-019B960494DF}">
-                  <a14:hiddenLine xmlns:a14="http://schemas.microsoft.com/office/drawing/2010/main" w="9525">
+                  <a14:hiddenLine xmlns="" xmlns:a14="http://schemas.microsoft.com/office/drawing/2010/main" w="9525">
                     <a:solidFill>
                       <a:srgbClr val="000000"/>
                     </a:solidFill>
@@ -8018,7 +8035,7 @@
               <a:effectLst/>
               <a:extLst>
                 <a:ext uri="{91240B29-F687-4F45-9708-019B960494DF}">
-                  <a14:hiddenLine xmlns:a14="http://schemas.microsoft.com/office/drawing/2010/main" w="9525">
+                  <a14:hiddenLine xmlns="" xmlns:a14="http://schemas.microsoft.com/office/drawing/2010/main" w="9525">
                     <a:solidFill>
                       <a:schemeClr val="tx1"/>
                     </a:solidFill>
@@ -8028,7 +8045,7 @@
                   </a14:hiddenLine>
                 </a:ext>
                 <a:ext uri="{AF507438-7753-43E0-B8FC-AC1667EBCBE1}">
-                  <a14:hiddenEffects xmlns:a14="http://schemas.microsoft.com/office/drawing/2010/main">
+                  <a14:hiddenEffects xmlns="" xmlns:a14="http://schemas.microsoft.com/office/drawing/2010/main">
                     <a:effectLst>
                       <a:outerShdw dist="35921" dir="2700000" algn="ctr" rotWithShape="0">
                         <a:schemeClr val="bg2"/>
@@ -8084,7 +8101,7 @@
               <a:effectLst/>
               <a:extLst>
                 <a:ext uri="{91240B29-F687-4F45-9708-019B960494DF}">
-                  <a14:hiddenLine xmlns:a14="http://schemas.microsoft.com/office/drawing/2010/main" w="9525">
+                  <a14:hiddenLine xmlns="" xmlns:a14="http://schemas.microsoft.com/office/drawing/2010/main" w="9525">
                     <a:solidFill>
                       <a:schemeClr val="tx1"/>
                     </a:solidFill>
@@ -8094,7 +8111,7 @@
                   </a14:hiddenLine>
                 </a:ext>
                 <a:ext uri="{AF507438-7753-43E0-B8FC-AC1667EBCBE1}">
-                  <a14:hiddenEffects xmlns:a14="http://schemas.microsoft.com/office/drawing/2010/main">
+                  <a14:hiddenEffects xmlns="" xmlns:a14="http://schemas.microsoft.com/office/drawing/2010/main">
                     <a:effectLst>
                       <a:outerShdw dist="35921" dir="2700000" algn="ctr" rotWithShape="0">
                         <a:schemeClr val="bg2"/>
@@ -8150,7 +8167,7 @@
               <a:effectLst/>
               <a:extLst>
                 <a:ext uri="{91240B29-F687-4F45-9708-019B960494DF}">
-                  <a14:hiddenLine xmlns:a14="http://schemas.microsoft.com/office/drawing/2010/main" w="9525">
+                  <a14:hiddenLine xmlns="" xmlns:a14="http://schemas.microsoft.com/office/drawing/2010/main" w="9525">
                     <a:solidFill>
                       <a:schemeClr val="tx1"/>
                     </a:solidFill>
@@ -8160,7 +8177,7 @@
                   </a14:hiddenLine>
                 </a:ext>
                 <a:ext uri="{AF507438-7753-43E0-B8FC-AC1667EBCBE1}">
-                  <a14:hiddenEffects xmlns:a14="http://schemas.microsoft.com/office/drawing/2010/main">
+                  <a14:hiddenEffects xmlns="" xmlns:a14="http://schemas.microsoft.com/office/drawing/2010/main">
                     <a:effectLst>
                       <a:outerShdw dist="35921" dir="2700000" algn="ctr" rotWithShape="0">
                         <a:schemeClr val="bg2"/>
@@ -8238,7 +8255,7 @@
               </a:ln>
               <a:extLst>
                 <a:ext uri="{91240B29-F687-4F45-9708-019B960494DF}">
-                  <a14:hiddenLine xmlns:a14="http://schemas.microsoft.com/office/drawing/2010/main" w="9525">
+                  <a14:hiddenLine xmlns="" xmlns:a14="http://schemas.microsoft.com/office/drawing/2010/main" w="9525">
                     <a:solidFill>
                       <a:srgbClr val="000000"/>
                     </a:solidFill>
@@ -8300,7 +8317,7 @@
               </a:ln>
               <a:extLst>
                 <a:ext uri="{91240B29-F687-4F45-9708-019B960494DF}">
-                  <a14:hiddenLine xmlns:a14="http://schemas.microsoft.com/office/drawing/2010/main" w="9525">
+                  <a14:hiddenLine xmlns="" xmlns:a14="http://schemas.microsoft.com/office/drawing/2010/main" w="9525">
                     <a:solidFill>
                       <a:srgbClr val="000000"/>
                     </a:solidFill>
@@ -8362,7 +8379,7 @@
               </a:ln>
               <a:extLst>
                 <a:ext uri="{91240B29-F687-4F45-9708-019B960494DF}">
-                  <a14:hiddenLine xmlns:a14="http://schemas.microsoft.com/office/drawing/2010/main" w="9525">
+                  <a14:hiddenLine xmlns="" xmlns:a14="http://schemas.microsoft.com/office/drawing/2010/main" w="9525">
                     <a:solidFill>
                       <a:srgbClr val="000000"/>
                     </a:solidFill>
@@ -8424,7 +8441,7 @@
               </a:ln>
               <a:extLst>
                 <a:ext uri="{91240B29-F687-4F45-9708-019B960494DF}">
-                  <a14:hiddenLine xmlns:a14="http://schemas.microsoft.com/office/drawing/2010/main" w="9525">
+                  <a14:hiddenLine xmlns="" xmlns:a14="http://schemas.microsoft.com/office/drawing/2010/main" w="9525">
                     <a:solidFill>
                       <a:srgbClr val="000000"/>
                     </a:solidFill>
@@ -8486,7 +8503,7 @@
               </a:ln>
               <a:extLst>
                 <a:ext uri="{91240B29-F687-4F45-9708-019B960494DF}">
-                  <a14:hiddenLine xmlns:a14="http://schemas.microsoft.com/office/drawing/2010/main" w="9525">
+                  <a14:hiddenLine xmlns="" xmlns:a14="http://schemas.microsoft.com/office/drawing/2010/main" w="9525">
                     <a:solidFill>
                       <a:srgbClr val="000000"/>
                     </a:solidFill>
@@ -8548,7 +8565,7 @@
               </a:ln>
               <a:extLst>
                 <a:ext uri="{91240B29-F687-4F45-9708-019B960494DF}">
-                  <a14:hiddenLine xmlns:a14="http://schemas.microsoft.com/office/drawing/2010/main" w="9525">
+                  <a14:hiddenLine xmlns="" xmlns:a14="http://schemas.microsoft.com/office/drawing/2010/main" w="9525">
                     <a:solidFill>
                       <a:srgbClr val="000000"/>
                     </a:solidFill>
@@ -8610,7 +8627,7 @@
               </a:ln>
               <a:extLst>
                 <a:ext uri="{91240B29-F687-4F45-9708-019B960494DF}">
-                  <a14:hiddenLine xmlns:a14="http://schemas.microsoft.com/office/drawing/2010/main" w="9525">
+                  <a14:hiddenLine xmlns="" xmlns:a14="http://schemas.microsoft.com/office/drawing/2010/main" w="9525">
                     <a:solidFill>
                       <a:srgbClr val="000000"/>
                     </a:solidFill>
@@ -8665,7 +8682,7 @@
               </a:ln>
               <a:extLst>
                 <a:ext uri="{91240B29-F687-4F45-9708-019B960494DF}">
-                  <a14:hiddenLine xmlns:a14="http://schemas.microsoft.com/office/drawing/2010/main" w="9525">
+                  <a14:hiddenLine xmlns="" xmlns:a14="http://schemas.microsoft.com/office/drawing/2010/main" w="9525">
                     <a:solidFill>
                       <a:srgbClr val="000000"/>
                     </a:solidFill>
@@ -8720,7 +8737,7 @@
               </a:ln>
               <a:extLst>
                 <a:ext uri="{91240B29-F687-4F45-9708-019B960494DF}">
-                  <a14:hiddenLine xmlns:a14="http://schemas.microsoft.com/office/drawing/2010/main" w="9525">
+                  <a14:hiddenLine xmlns="" xmlns:a14="http://schemas.microsoft.com/office/drawing/2010/main" w="9525">
                     <a:solidFill>
                       <a:srgbClr val="000000"/>
                     </a:solidFill>
@@ -8775,7 +8792,7 @@
               </a:ln>
               <a:extLst>
                 <a:ext uri="{91240B29-F687-4F45-9708-019B960494DF}">
-                  <a14:hiddenLine xmlns:a14="http://schemas.microsoft.com/office/drawing/2010/main" w="9525">
+                  <a14:hiddenLine xmlns="" xmlns:a14="http://schemas.microsoft.com/office/drawing/2010/main" w="9525">
                     <a:solidFill>
                       <a:srgbClr val="000000"/>
                     </a:solidFill>
@@ -8830,7 +8847,7 @@
               </a:ln>
               <a:extLst>
                 <a:ext uri="{91240B29-F687-4F45-9708-019B960494DF}">
-                  <a14:hiddenLine xmlns:a14="http://schemas.microsoft.com/office/drawing/2010/main" w="9525">
+                  <a14:hiddenLine xmlns="" xmlns:a14="http://schemas.microsoft.com/office/drawing/2010/main" w="9525">
                     <a:solidFill>
                       <a:srgbClr val="000000"/>
                     </a:solidFill>
@@ -8892,7 +8909,7 @@
               </a:ln>
               <a:extLst>
                 <a:ext uri="{91240B29-F687-4F45-9708-019B960494DF}">
-                  <a14:hiddenLine xmlns:a14="http://schemas.microsoft.com/office/drawing/2010/main" w="9525">
+                  <a14:hiddenLine xmlns="" xmlns:a14="http://schemas.microsoft.com/office/drawing/2010/main" w="9525">
                     <a:solidFill>
                       <a:srgbClr val="000000"/>
                     </a:solidFill>
@@ -8954,7 +8971,7 @@
               </a:ln>
               <a:extLst>
                 <a:ext uri="{91240B29-F687-4F45-9708-019B960494DF}">
-                  <a14:hiddenLine xmlns:a14="http://schemas.microsoft.com/office/drawing/2010/main" w="9525">
+                  <a14:hiddenLine xmlns="" xmlns:a14="http://schemas.microsoft.com/office/drawing/2010/main" w="9525">
                     <a:solidFill>
                       <a:srgbClr val="000000"/>
                     </a:solidFill>
@@ -9016,7 +9033,7 @@
               </a:ln>
               <a:extLst>
                 <a:ext uri="{91240B29-F687-4F45-9708-019B960494DF}">
-                  <a14:hiddenLine xmlns:a14="http://schemas.microsoft.com/office/drawing/2010/main" w="9525">
+                  <a14:hiddenLine xmlns="" xmlns:a14="http://schemas.microsoft.com/office/drawing/2010/main" w="9525">
                     <a:solidFill>
                       <a:srgbClr val="000000"/>
                     </a:solidFill>
@@ -9107,7 +9124,7 @@
               <a:effectLst/>
               <a:extLst>
                 <a:ext uri="{91240B29-F687-4F45-9708-019B960494DF}">
-                  <a14:hiddenLine xmlns:a14="http://schemas.microsoft.com/office/drawing/2010/main" w="9525">
+                  <a14:hiddenLine xmlns="" xmlns:a14="http://schemas.microsoft.com/office/drawing/2010/main" w="9525">
                     <a:solidFill>
                       <a:schemeClr val="tx1"/>
                     </a:solidFill>
@@ -9117,7 +9134,7 @@
                   </a14:hiddenLine>
                 </a:ext>
                 <a:ext uri="{AF507438-7753-43E0-B8FC-AC1667EBCBE1}">
-                  <a14:hiddenEffects xmlns:a14="http://schemas.microsoft.com/office/drawing/2010/main">
+                  <a14:hiddenEffects xmlns="" xmlns:a14="http://schemas.microsoft.com/office/drawing/2010/main">
                     <a:effectLst>
                       <a:outerShdw dist="35921" dir="2700000" algn="ctr" rotWithShape="0">
                         <a:schemeClr val="bg2"/>
@@ -9173,7 +9190,7 @@
               <a:effectLst/>
               <a:extLst>
                 <a:ext uri="{91240B29-F687-4F45-9708-019B960494DF}">
-                  <a14:hiddenLine xmlns:a14="http://schemas.microsoft.com/office/drawing/2010/main" w="9525">
+                  <a14:hiddenLine xmlns="" xmlns:a14="http://schemas.microsoft.com/office/drawing/2010/main" w="9525">
                     <a:solidFill>
                       <a:schemeClr val="tx1"/>
                     </a:solidFill>
@@ -9183,7 +9200,7 @@
                   </a14:hiddenLine>
                 </a:ext>
                 <a:ext uri="{AF507438-7753-43E0-B8FC-AC1667EBCBE1}">
-                  <a14:hiddenEffects xmlns:a14="http://schemas.microsoft.com/office/drawing/2010/main">
+                  <a14:hiddenEffects xmlns="" xmlns:a14="http://schemas.microsoft.com/office/drawing/2010/main">
                     <a:effectLst>
                       <a:outerShdw dist="35921" dir="2700000" algn="ctr" rotWithShape="0">
                         <a:schemeClr val="bg2"/>
@@ -9239,7 +9256,7 @@
               <a:effectLst/>
               <a:extLst>
                 <a:ext uri="{91240B29-F687-4F45-9708-019B960494DF}">
-                  <a14:hiddenLine xmlns:a14="http://schemas.microsoft.com/office/drawing/2010/main" w="9525">
+                  <a14:hiddenLine xmlns="" xmlns:a14="http://schemas.microsoft.com/office/drawing/2010/main" w="9525">
                     <a:solidFill>
                       <a:schemeClr val="tx1"/>
                     </a:solidFill>
@@ -9249,7 +9266,7 @@
                   </a14:hiddenLine>
                 </a:ext>
                 <a:ext uri="{AF507438-7753-43E0-B8FC-AC1667EBCBE1}">
-                  <a14:hiddenEffects xmlns:a14="http://schemas.microsoft.com/office/drawing/2010/main">
+                  <a14:hiddenEffects xmlns="" xmlns:a14="http://schemas.microsoft.com/office/drawing/2010/main">
                     <a:effectLst>
                       <a:outerShdw dist="35921" dir="2700000" algn="ctr" rotWithShape="0">
                         <a:schemeClr val="bg2"/>
@@ -9327,7 +9344,7 @@
               </a:ln>
               <a:extLst>
                 <a:ext uri="{91240B29-F687-4F45-9708-019B960494DF}">
-                  <a14:hiddenLine xmlns:a14="http://schemas.microsoft.com/office/drawing/2010/main" w="9525">
+                  <a14:hiddenLine xmlns="" xmlns:a14="http://schemas.microsoft.com/office/drawing/2010/main" w="9525">
                     <a:solidFill>
                       <a:srgbClr val="000000"/>
                     </a:solidFill>
@@ -9389,7 +9406,7 @@
               </a:ln>
               <a:extLst>
                 <a:ext uri="{91240B29-F687-4F45-9708-019B960494DF}">
-                  <a14:hiddenLine xmlns:a14="http://schemas.microsoft.com/office/drawing/2010/main" w="9525">
+                  <a14:hiddenLine xmlns="" xmlns:a14="http://schemas.microsoft.com/office/drawing/2010/main" w="9525">
                     <a:solidFill>
                       <a:srgbClr val="000000"/>
                     </a:solidFill>
@@ -9451,7 +9468,7 @@
               </a:ln>
               <a:extLst>
                 <a:ext uri="{91240B29-F687-4F45-9708-019B960494DF}">
-                  <a14:hiddenLine xmlns:a14="http://schemas.microsoft.com/office/drawing/2010/main" w="9525">
+                  <a14:hiddenLine xmlns="" xmlns:a14="http://schemas.microsoft.com/office/drawing/2010/main" w="9525">
                     <a:solidFill>
                       <a:srgbClr val="000000"/>
                     </a:solidFill>
@@ -9513,7 +9530,7 @@
               </a:ln>
               <a:extLst>
                 <a:ext uri="{91240B29-F687-4F45-9708-019B960494DF}">
-                  <a14:hiddenLine xmlns:a14="http://schemas.microsoft.com/office/drawing/2010/main" w="9525">
+                  <a14:hiddenLine xmlns="" xmlns:a14="http://schemas.microsoft.com/office/drawing/2010/main" w="9525">
                     <a:solidFill>
                       <a:srgbClr val="000000"/>
                     </a:solidFill>
@@ -9575,7 +9592,7 @@
               </a:ln>
               <a:extLst>
                 <a:ext uri="{91240B29-F687-4F45-9708-019B960494DF}">
-                  <a14:hiddenLine xmlns:a14="http://schemas.microsoft.com/office/drawing/2010/main" w="9525">
+                  <a14:hiddenLine xmlns="" xmlns:a14="http://schemas.microsoft.com/office/drawing/2010/main" w="9525">
                     <a:solidFill>
                       <a:srgbClr val="000000"/>
                     </a:solidFill>
@@ -9637,7 +9654,7 @@
               </a:ln>
               <a:extLst>
                 <a:ext uri="{91240B29-F687-4F45-9708-019B960494DF}">
-                  <a14:hiddenLine xmlns:a14="http://schemas.microsoft.com/office/drawing/2010/main" w="9525">
+                  <a14:hiddenLine xmlns="" xmlns:a14="http://schemas.microsoft.com/office/drawing/2010/main" w="9525">
                     <a:solidFill>
                       <a:srgbClr val="000000"/>
                     </a:solidFill>
@@ -9699,7 +9716,7 @@
               </a:ln>
               <a:extLst>
                 <a:ext uri="{91240B29-F687-4F45-9708-019B960494DF}">
-                  <a14:hiddenLine xmlns:a14="http://schemas.microsoft.com/office/drawing/2010/main" w="9525">
+                  <a14:hiddenLine xmlns="" xmlns:a14="http://schemas.microsoft.com/office/drawing/2010/main" w="9525">
                     <a:solidFill>
                       <a:srgbClr val="000000"/>
                     </a:solidFill>
@@ -9754,7 +9771,7 @@
               </a:ln>
               <a:extLst>
                 <a:ext uri="{91240B29-F687-4F45-9708-019B960494DF}">
-                  <a14:hiddenLine xmlns:a14="http://schemas.microsoft.com/office/drawing/2010/main" w="9525">
+                  <a14:hiddenLine xmlns="" xmlns:a14="http://schemas.microsoft.com/office/drawing/2010/main" w="9525">
                     <a:solidFill>
                       <a:srgbClr val="000000"/>
                     </a:solidFill>
@@ -9809,7 +9826,7 @@
               </a:ln>
               <a:extLst>
                 <a:ext uri="{91240B29-F687-4F45-9708-019B960494DF}">
-                  <a14:hiddenLine xmlns:a14="http://schemas.microsoft.com/office/drawing/2010/main" w="9525">
+                  <a14:hiddenLine xmlns="" xmlns:a14="http://schemas.microsoft.com/office/drawing/2010/main" w="9525">
                     <a:solidFill>
                       <a:srgbClr val="000000"/>
                     </a:solidFill>
@@ -9864,7 +9881,7 @@
               </a:ln>
               <a:extLst>
                 <a:ext uri="{91240B29-F687-4F45-9708-019B960494DF}">
-                  <a14:hiddenLine xmlns:a14="http://schemas.microsoft.com/office/drawing/2010/main" w="9525">
+                  <a14:hiddenLine xmlns="" xmlns:a14="http://schemas.microsoft.com/office/drawing/2010/main" w="9525">
                     <a:solidFill>
                       <a:srgbClr val="000000"/>
                     </a:solidFill>
@@ -9919,7 +9936,7 @@
               </a:ln>
               <a:extLst>
                 <a:ext uri="{91240B29-F687-4F45-9708-019B960494DF}">
-                  <a14:hiddenLine xmlns:a14="http://schemas.microsoft.com/office/drawing/2010/main" w="9525">
+                  <a14:hiddenLine xmlns="" xmlns:a14="http://schemas.microsoft.com/office/drawing/2010/main" w="9525">
                     <a:solidFill>
                       <a:srgbClr val="000000"/>
                     </a:solidFill>
@@ -9981,7 +9998,7 @@
               </a:ln>
               <a:extLst>
                 <a:ext uri="{91240B29-F687-4F45-9708-019B960494DF}">
-                  <a14:hiddenLine xmlns:a14="http://schemas.microsoft.com/office/drawing/2010/main" w="9525">
+                  <a14:hiddenLine xmlns="" xmlns:a14="http://schemas.microsoft.com/office/drawing/2010/main" w="9525">
                     <a:solidFill>
                       <a:srgbClr val="000000"/>
                     </a:solidFill>
@@ -10043,7 +10060,7 @@
               </a:ln>
               <a:extLst>
                 <a:ext uri="{91240B29-F687-4F45-9708-019B960494DF}">
-                  <a14:hiddenLine xmlns:a14="http://schemas.microsoft.com/office/drawing/2010/main" w="9525">
+                  <a14:hiddenLine xmlns="" xmlns:a14="http://schemas.microsoft.com/office/drawing/2010/main" w="9525">
                     <a:solidFill>
                       <a:srgbClr val="000000"/>
                     </a:solidFill>
@@ -10105,7 +10122,7 @@
               </a:ln>
               <a:extLst>
                 <a:ext uri="{91240B29-F687-4F45-9708-019B960494DF}">
-                  <a14:hiddenLine xmlns:a14="http://schemas.microsoft.com/office/drawing/2010/main" w="9525">
+                  <a14:hiddenLine xmlns="" xmlns:a14="http://schemas.microsoft.com/office/drawing/2010/main" w="9525">
                     <a:solidFill>
                       <a:srgbClr val="000000"/>
                     </a:solidFill>
@@ -10152,7 +10169,7 @@
     </p:spTree>
     <p:extLst>
       <p:ext uri="{BB962C8B-B14F-4D97-AF65-F5344CB8AC3E}">
-        <p14:creationId xmlns:p14="http://schemas.microsoft.com/office/powerpoint/2010/main" val="530172848"/>
+        <p14:creationId xmlns="" xmlns:p14="http://schemas.microsoft.com/office/powerpoint/2010/main" val="530172848"/>
       </p:ext>
     </p:extLst>
   </p:cSld>
@@ -10563,7 +10580,7 @@
     </p:spTree>
     <p:extLst>
       <p:ext uri="{BB962C8B-B14F-4D97-AF65-F5344CB8AC3E}">
-        <p14:creationId xmlns:p14="http://schemas.microsoft.com/office/powerpoint/2010/main" val="968842317"/>
+        <p14:creationId xmlns="" xmlns:p14="http://schemas.microsoft.com/office/powerpoint/2010/main" val="968842317"/>
       </p:ext>
     </p:extLst>
   </p:cSld>
@@ -10760,7 +10777,7 @@
           <a:effectLst/>
           <a:extLst>
             <a:ext uri="{AF507438-7753-43E0-B8FC-AC1667EBCBE1}">
-              <a14:hiddenEffects xmlns:a14="http://schemas.microsoft.com/office/drawing/2010/main">
+              <a14:hiddenEffects xmlns="" xmlns:a14="http://schemas.microsoft.com/office/drawing/2010/main">
                 <a:effectLst>
                   <a:outerShdw dist="35921" dir="2700000" algn="ctr" rotWithShape="0">
                     <a:schemeClr val="bg2"/>
@@ -10888,7 +10905,7 @@
           </a:ln>
           <a:extLst>
             <a:ext uri="{91240B29-F687-4F45-9708-019B960494DF}">
-              <a14:hiddenLine xmlns:a14="http://schemas.microsoft.com/office/drawing/2010/main" w="0">
+              <a14:hiddenLine xmlns="" xmlns:a14="http://schemas.microsoft.com/office/drawing/2010/main" w="0">
                 <a:solidFill>
                   <a:srgbClr val="000000"/>
                 </a:solidFill>
@@ -11009,7 +11026,7 @@
           <a:effectLst/>
           <a:extLst>
             <a:ext uri="{AF507438-7753-43E0-B8FC-AC1667EBCBE1}">
-              <a14:hiddenEffects xmlns:a14="http://schemas.microsoft.com/office/drawing/2010/main">
+              <a14:hiddenEffects xmlns="" xmlns:a14="http://schemas.microsoft.com/office/drawing/2010/main">
                 <a:effectLst>
                   <a:outerShdw dist="35921" dir="2700000" algn="ctr" rotWithShape="0">
                     <a:schemeClr val="bg2"/>
@@ -11130,7 +11147,7 @@
           </a:ln>
           <a:extLst>
             <a:ext uri="{91240B29-F687-4F45-9708-019B960494DF}">
-              <a14:hiddenLine xmlns:a14="http://schemas.microsoft.com/office/drawing/2010/main" w="0">
+              <a14:hiddenLine xmlns="" xmlns:a14="http://schemas.microsoft.com/office/drawing/2010/main" w="0">
                 <a:solidFill>
                   <a:srgbClr val="000000"/>
                 </a:solidFill>
@@ -11251,10 +11268,10 @@
           <p:nvPr/>
         </p:nvPicPr>
         <p:blipFill>
-          <a:blip r:embed="rId2">
+          <a:blip r:embed="rId2" cstate="print">
             <a:extLst>
               <a:ext uri="{28A0092B-C50C-407E-A947-70E740481C1C}">
-                <a14:useLocalDpi xmlns:a14="http://schemas.microsoft.com/office/drawing/2010/main" val="0"/>
+                <a14:useLocalDpi xmlns="" xmlns:a14="http://schemas.microsoft.com/office/drawing/2010/main" val="0"/>
               </a:ext>
             </a:extLst>
           </a:blip>
@@ -11274,7 +11291,7 @@
           <a:noFill/>
           <a:extLst>
             <a:ext uri="{909E8E84-426E-40DD-AFC4-6F175D3DCCD1}">
-              <a14:hiddenFill xmlns:a14="http://schemas.microsoft.com/office/drawing/2010/main">
+              <a14:hiddenFill xmlns="" xmlns:a14="http://schemas.microsoft.com/office/drawing/2010/main">
                 <a:solidFill>
                   <a:srgbClr val="FFFFFF"/>
                 </a:solidFill>
@@ -11292,10 +11309,10 @@
           <p:nvPr/>
         </p:nvPicPr>
         <p:blipFill>
-          <a:blip r:embed="rId3">
+          <a:blip r:embed="rId3" cstate="print">
             <a:extLst>
               <a:ext uri="{28A0092B-C50C-407E-A947-70E740481C1C}">
-                <a14:useLocalDpi xmlns:a14="http://schemas.microsoft.com/office/drawing/2010/main" val="0"/>
+                <a14:useLocalDpi xmlns="" xmlns:a14="http://schemas.microsoft.com/office/drawing/2010/main" val="0"/>
               </a:ext>
             </a:extLst>
           </a:blip>
@@ -11595,7 +11612,7 @@
     </p:spTree>
     <p:extLst>
       <p:ext uri="{BB962C8B-B14F-4D97-AF65-F5344CB8AC3E}">
-        <p14:creationId xmlns:p14="http://schemas.microsoft.com/office/powerpoint/2010/main" val="3402090229"/>
+        <p14:creationId xmlns="" xmlns:p14="http://schemas.microsoft.com/office/powerpoint/2010/main" val="3402090229"/>
       </p:ext>
     </p:extLst>
   </p:cSld>
@@ -11700,10 +11717,10 @@
           <p:nvPr/>
         </p:nvPicPr>
         <p:blipFill>
-          <a:blip r:embed="rId3">
+          <a:blip r:embed="rId3" cstate="print">
             <a:extLst>
               <a:ext uri="{28A0092B-C50C-407E-A947-70E740481C1C}">
-                <a14:useLocalDpi xmlns:a14="http://schemas.microsoft.com/office/drawing/2010/main" val="0"/>
+                <a14:useLocalDpi xmlns="" xmlns:a14="http://schemas.microsoft.com/office/drawing/2010/main" val="0"/>
               </a:ext>
             </a:extLst>
           </a:blip>
@@ -11787,10 +11804,10 @@
           <p:nvPr/>
         </p:nvPicPr>
         <p:blipFill>
-          <a:blip r:embed="rId4">
+          <a:blip r:embed="rId4" cstate="print">
             <a:extLst>
               <a:ext uri="{28A0092B-C50C-407E-A947-70E740481C1C}">
-                <a14:useLocalDpi xmlns:a14="http://schemas.microsoft.com/office/drawing/2010/main" val="0"/>
+                <a14:useLocalDpi xmlns="" xmlns:a14="http://schemas.microsoft.com/office/drawing/2010/main" val="0"/>
               </a:ext>
             </a:extLst>
           </a:blip>
@@ -11810,7 +11827,7 @@
           <a:noFill/>
           <a:extLst>
             <a:ext uri="{909E8E84-426E-40DD-AFC4-6F175D3DCCD1}">
-              <a14:hiddenFill xmlns:a14="http://schemas.microsoft.com/office/drawing/2010/main">
+              <a14:hiddenFill xmlns="" xmlns:a14="http://schemas.microsoft.com/office/drawing/2010/main">
                 <a:solidFill>
                   <a:srgbClr val="FFFFFF"/>
                 </a:solidFill>
@@ -11855,7 +11872,7 @@
     </p:spTree>
     <p:extLst>
       <p:ext uri="{BB962C8B-B14F-4D97-AF65-F5344CB8AC3E}">
-        <p14:creationId xmlns:p14="http://schemas.microsoft.com/office/powerpoint/2010/main" val="2787506768"/>
+        <p14:creationId xmlns="" xmlns:p14="http://schemas.microsoft.com/office/powerpoint/2010/main" val="2787506768"/>
       </p:ext>
     </p:extLst>
   </p:cSld>
@@ -12005,7 +12022,7 @@
           <a:blip r:embed="rId2" cstate="print">
             <a:extLst>
               <a:ext uri="{28A0092B-C50C-407E-A947-70E740481C1C}">
-                <a14:useLocalDpi xmlns:a14="http://schemas.microsoft.com/office/drawing/2010/main" val="0"/>
+                <a14:useLocalDpi xmlns="" xmlns:a14="http://schemas.microsoft.com/office/drawing/2010/main" val="0"/>
               </a:ext>
             </a:extLst>
           </a:blip>
@@ -12025,7 +12042,7 @@
           <a:noFill/>
           <a:extLst>
             <a:ext uri="{909E8E84-426E-40DD-AFC4-6F175D3DCCD1}">
-              <a14:hiddenFill xmlns:a14="http://schemas.microsoft.com/office/drawing/2010/main">
+              <a14:hiddenFill xmlns="" xmlns:a14="http://schemas.microsoft.com/office/drawing/2010/main">
                 <a:solidFill>
                   <a:srgbClr val="FFFFFF"/>
                 </a:solidFill>
@@ -12098,7 +12115,7 @@
     </p:spTree>
     <p:extLst>
       <p:ext uri="{BB962C8B-B14F-4D97-AF65-F5344CB8AC3E}">
-        <p14:creationId xmlns:p14="http://schemas.microsoft.com/office/powerpoint/2010/main" val="3580491874"/>
+        <p14:creationId xmlns="" xmlns:p14="http://schemas.microsoft.com/office/powerpoint/2010/main" val="3580491874"/>
       </p:ext>
     </p:extLst>
   </p:cSld>
@@ -12193,10 +12210,10 @@
           <p:nvPr/>
         </p:nvPicPr>
         <p:blipFill rotWithShape="1">
-          <a:blip r:embed="rId3">
+          <a:blip r:embed="rId3" cstate="print">
             <a:extLst>
               <a:ext uri="{28A0092B-C50C-407E-A947-70E740481C1C}">
-                <a14:useLocalDpi xmlns:a14="http://schemas.microsoft.com/office/drawing/2010/main" val="0"/>
+                <a14:useLocalDpi xmlns="" xmlns:a14="http://schemas.microsoft.com/office/drawing/2010/main" val="0"/>
               </a:ext>
             </a:extLst>
           </a:blip>
@@ -12534,20 +12551,20 @@
     </p:spTree>
     <p:extLst>
       <p:ext uri="{BB962C8B-B14F-4D97-AF65-F5344CB8AC3E}">
-        <p14:creationId xmlns:p14="http://schemas.microsoft.com/office/powerpoint/2010/main" val="2173858687"/>
+        <p14:creationId xmlns="" xmlns:p14="http://schemas.microsoft.com/office/powerpoint/2010/main" val="2173858687"/>
       </p:ext>
     </p:extLst>
   </p:cSld>
   <p:clrMapOvr>
     <a:masterClrMapping/>
   </p:clrMapOvr>
-  <mc:AlternateContent xmlns:mc="http://schemas.openxmlformats.org/markup-compatibility/2006" xmlns:p14="http://schemas.microsoft.com/office/powerpoint/2010/main">
-    <mc:Choice Requires="p14">
+  <mc:AlternateContent xmlns:mc="http://schemas.openxmlformats.org/markup-compatibility/2006">
+    <mc:Choice xmlns="" xmlns:p14="http://schemas.microsoft.com/office/powerpoint/2010/main" Requires="p14">
       <p:transition spd="slow" p14:dur="800">
         <p:circle/>
       </p:transition>
     </mc:Choice>
-    <mc:Fallback xmlns="">
+    <mc:Fallback>
       <p:transition spd="slow">
         <p:circle/>
       </p:transition>
@@ -13507,20 +13524,20 @@
     </p:spTree>
     <p:extLst>
       <p:ext uri="{BB962C8B-B14F-4D97-AF65-F5344CB8AC3E}">
-        <p14:creationId xmlns:p14="http://schemas.microsoft.com/office/powerpoint/2010/main" val="1290796288"/>
+        <p14:creationId xmlns="" xmlns:p14="http://schemas.microsoft.com/office/powerpoint/2010/main" val="1290796288"/>
       </p:ext>
     </p:extLst>
   </p:cSld>
   <p:clrMapOvr>
     <a:masterClrMapping/>
   </p:clrMapOvr>
-  <mc:AlternateContent xmlns:mc="http://schemas.openxmlformats.org/markup-compatibility/2006" xmlns:p14="http://schemas.microsoft.com/office/powerpoint/2010/main">
-    <mc:Choice Requires="p14">
+  <mc:AlternateContent xmlns:mc="http://schemas.openxmlformats.org/markup-compatibility/2006">
+    <mc:Choice xmlns="" xmlns:p14="http://schemas.microsoft.com/office/powerpoint/2010/main" Requires="p14">
       <p:transition spd="slow" p14:dur="1200">
         <p:dissolve/>
       </p:transition>
     </mc:Choice>
-    <mc:Fallback xmlns="">
+    <mc:Fallback>
       <p:transition spd="slow">
         <p:dissolve/>
       </p:transition>
@@ -14556,7 +14573,7 @@
     </p:spTree>
     <p:extLst>
       <p:ext uri="{BB962C8B-B14F-4D97-AF65-F5344CB8AC3E}">
-        <p14:creationId xmlns:p14="http://schemas.microsoft.com/office/powerpoint/2010/main" val="3684888375"/>
+        <p14:creationId xmlns="" xmlns:p14="http://schemas.microsoft.com/office/powerpoint/2010/main" val="3684888375"/>
       </p:ext>
     </p:extLst>
   </p:cSld>
@@ -14675,14 +14692,14 @@
           <a:effectLst/>
           <a:extLst>
             <a:ext uri="{909E8E84-426E-40DD-AFC4-6F175D3DCCD1}">
-              <a14:hiddenFill xmlns:a14="http://schemas.microsoft.com/office/drawing/2010/main">
+              <a14:hiddenFill xmlns="" xmlns:a14="http://schemas.microsoft.com/office/drawing/2010/main">
                 <a:solidFill>
                   <a:schemeClr val="accent1"/>
                 </a:solidFill>
               </a14:hiddenFill>
             </a:ext>
             <a:ext uri="{91240B29-F687-4F45-9708-019B960494DF}">
-              <a14:hiddenLine xmlns:a14="http://schemas.microsoft.com/office/drawing/2010/main" w="9525" algn="ctr">
+              <a14:hiddenLine xmlns="" xmlns:a14="http://schemas.microsoft.com/office/drawing/2010/main" w="9525" algn="ctr">
                 <a:solidFill>
                   <a:schemeClr val="tx1"/>
                 </a:solidFill>
@@ -14692,7 +14709,7 @@
               </a14:hiddenLine>
             </a:ext>
             <a:ext uri="{AF507438-7753-43E0-B8FC-AC1667EBCBE1}">
-              <a14:hiddenEffects xmlns:a14="http://schemas.microsoft.com/office/drawing/2010/main">
+              <a14:hiddenEffects xmlns="" xmlns:a14="http://schemas.microsoft.com/office/drawing/2010/main">
                 <a:effectLst>
                   <a:outerShdw dist="35921" dir="2700000" algn="ctr" rotWithShape="0">
                     <a:schemeClr val="bg2"/>
@@ -14750,14 +14767,14 @@
           <a:effectLst/>
           <a:extLst>
             <a:ext uri="{909E8E84-426E-40DD-AFC4-6F175D3DCCD1}">
-              <a14:hiddenFill xmlns:a14="http://schemas.microsoft.com/office/drawing/2010/main">
+              <a14:hiddenFill xmlns="" xmlns:a14="http://schemas.microsoft.com/office/drawing/2010/main">
                 <a:solidFill>
                   <a:schemeClr val="accent1"/>
                 </a:solidFill>
               </a14:hiddenFill>
             </a:ext>
             <a:ext uri="{91240B29-F687-4F45-9708-019B960494DF}">
-              <a14:hiddenLine xmlns:a14="http://schemas.microsoft.com/office/drawing/2010/main" w="9525" algn="ctr">
+              <a14:hiddenLine xmlns="" xmlns:a14="http://schemas.microsoft.com/office/drawing/2010/main" w="9525" algn="ctr">
                 <a:solidFill>
                   <a:schemeClr val="tx1"/>
                 </a:solidFill>
@@ -14767,7 +14784,7 @@
               </a14:hiddenLine>
             </a:ext>
             <a:ext uri="{AF507438-7753-43E0-B8FC-AC1667EBCBE1}">
-              <a14:hiddenEffects xmlns:a14="http://schemas.microsoft.com/office/drawing/2010/main">
+              <a14:hiddenEffects xmlns="" xmlns:a14="http://schemas.microsoft.com/office/drawing/2010/main">
                 <a:effectLst>
                   <a:outerShdw dist="35921" dir="2700000" algn="ctr" rotWithShape="0">
                     <a:schemeClr val="bg2"/>
@@ -14825,14 +14842,14 @@
           <a:effectLst/>
           <a:extLst>
             <a:ext uri="{909E8E84-426E-40DD-AFC4-6F175D3DCCD1}">
-              <a14:hiddenFill xmlns:a14="http://schemas.microsoft.com/office/drawing/2010/main">
+              <a14:hiddenFill xmlns="" xmlns:a14="http://schemas.microsoft.com/office/drawing/2010/main">
                 <a:solidFill>
                   <a:schemeClr val="accent1"/>
                 </a:solidFill>
               </a14:hiddenFill>
             </a:ext>
             <a:ext uri="{91240B29-F687-4F45-9708-019B960494DF}">
-              <a14:hiddenLine xmlns:a14="http://schemas.microsoft.com/office/drawing/2010/main" w="9525" algn="ctr">
+              <a14:hiddenLine xmlns="" xmlns:a14="http://schemas.microsoft.com/office/drawing/2010/main" w="9525" algn="ctr">
                 <a:solidFill>
                   <a:schemeClr val="tx1"/>
                 </a:solidFill>
@@ -14842,7 +14859,7 @@
               </a14:hiddenLine>
             </a:ext>
             <a:ext uri="{AF507438-7753-43E0-B8FC-AC1667EBCBE1}">
-              <a14:hiddenEffects xmlns:a14="http://schemas.microsoft.com/office/drawing/2010/main">
+              <a14:hiddenEffects xmlns="" xmlns:a14="http://schemas.microsoft.com/office/drawing/2010/main">
                 <a:effectLst>
                   <a:outerShdw dist="35921" dir="2700000" algn="ctr" rotWithShape="0">
                     <a:schemeClr val="bg2"/>
@@ -14900,14 +14917,14 @@
           <a:effectLst/>
           <a:extLst>
             <a:ext uri="{909E8E84-426E-40DD-AFC4-6F175D3DCCD1}">
-              <a14:hiddenFill xmlns:a14="http://schemas.microsoft.com/office/drawing/2010/main">
+              <a14:hiddenFill xmlns="" xmlns:a14="http://schemas.microsoft.com/office/drawing/2010/main">
                 <a:solidFill>
                   <a:schemeClr val="accent1"/>
                 </a:solidFill>
               </a14:hiddenFill>
             </a:ext>
             <a:ext uri="{91240B29-F687-4F45-9708-019B960494DF}">
-              <a14:hiddenLine xmlns:a14="http://schemas.microsoft.com/office/drawing/2010/main" w="9525" algn="ctr">
+              <a14:hiddenLine xmlns="" xmlns:a14="http://schemas.microsoft.com/office/drawing/2010/main" w="9525" algn="ctr">
                 <a:solidFill>
                   <a:schemeClr val="tx1"/>
                 </a:solidFill>
@@ -14917,7 +14934,7 @@
               </a14:hiddenLine>
             </a:ext>
             <a:ext uri="{AF507438-7753-43E0-B8FC-AC1667EBCBE1}">
-              <a14:hiddenEffects xmlns:a14="http://schemas.microsoft.com/office/drawing/2010/main">
+              <a14:hiddenEffects xmlns="" xmlns:a14="http://schemas.microsoft.com/office/drawing/2010/main">
                 <a:effectLst>
                   <a:outerShdw dist="35921" dir="2700000" algn="ctr" rotWithShape="0">
                     <a:schemeClr val="bg2"/>
@@ -15022,7 +15039,7 @@
               <a:effectLst/>
               <a:extLst>
                 <a:ext uri="{91240B29-F687-4F45-9708-019B960494DF}">
-                  <a14:hiddenLine xmlns:a14="http://schemas.microsoft.com/office/drawing/2010/main" w="9525">
+                  <a14:hiddenLine xmlns="" xmlns:a14="http://schemas.microsoft.com/office/drawing/2010/main" w="9525">
                     <a:solidFill>
                       <a:schemeClr val="tx1"/>
                     </a:solidFill>
@@ -15032,7 +15049,7 @@
                   </a14:hiddenLine>
                 </a:ext>
                 <a:ext uri="{AF507438-7753-43E0-B8FC-AC1667EBCBE1}">
-                  <a14:hiddenEffects xmlns:a14="http://schemas.microsoft.com/office/drawing/2010/main">
+                  <a14:hiddenEffects xmlns="" xmlns:a14="http://schemas.microsoft.com/office/drawing/2010/main">
                     <a:effectLst>
                       <a:outerShdw dist="35921" dir="2700000" algn="ctr" rotWithShape="0">
                         <a:schemeClr val="bg2"/>
@@ -15088,7 +15105,7 @@
               <a:effectLst/>
               <a:extLst>
                 <a:ext uri="{91240B29-F687-4F45-9708-019B960494DF}">
-                  <a14:hiddenLine xmlns:a14="http://schemas.microsoft.com/office/drawing/2010/main" w="9525">
+                  <a14:hiddenLine xmlns="" xmlns:a14="http://schemas.microsoft.com/office/drawing/2010/main" w="9525">
                     <a:solidFill>
                       <a:schemeClr val="tx1"/>
                     </a:solidFill>
@@ -15098,7 +15115,7 @@
                   </a14:hiddenLine>
                 </a:ext>
                 <a:ext uri="{AF507438-7753-43E0-B8FC-AC1667EBCBE1}">
-                  <a14:hiddenEffects xmlns:a14="http://schemas.microsoft.com/office/drawing/2010/main">
+                  <a14:hiddenEffects xmlns="" xmlns:a14="http://schemas.microsoft.com/office/drawing/2010/main">
                     <a:effectLst>
                       <a:outerShdw dist="35921" dir="2700000" algn="ctr" rotWithShape="0">
                         <a:schemeClr val="bg2"/>
@@ -15154,7 +15171,7 @@
               <a:effectLst/>
               <a:extLst>
                 <a:ext uri="{91240B29-F687-4F45-9708-019B960494DF}">
-                  <a14:hiddenLine xmlns:a14="http://schemas.microsoft.com/office/drawing/2010/main" w="9525">
+                  <a14:hiddenLine xmlns="" xmlns:a14="http://schemas.microsoft.com/office/drawing/2010/main" w="9525">
                     <a:solidFill>
                       <a:schemeClr val="tx1"/>
                     </a:solidFill>
@@ -15164,7 +15181,7 @@
                   </a14:hiddenLine>
                 </a:ext>
                 <a:ext uri="{AF507438-7753-43E0-B8FC-AC1667EBCBE1}">
-                  <a14:hiddenEffects xmlns:a14="http://schemas.microsoft.com/office/drawing/2010/main">
+                  <a14:hiddenEffects xmlns="" xmlns:a14="http://schemas.microsoft.com/office/drawing/2010/main">
                     <a:effectLst>
                       <a:outerShdw dist="35921" dir="2700000" algn="ctr" rotWithShape="0">
                         <a:schemeClr val="bg2"/>
@@ -15242,7 +15259,7 @@
               </a:ln>
               <a:extLst>
                 <a:ext uri="{91240B29-F687-4F45-9708-019B960494DF}">
-                  <a14:hiddenLine xmlns:a14="http://schemas.microsoft.com/office/drawing/2010/main" w="9525">
+                  <a14:hiddenLine xmlns="" xmlns:a14="http://schemas.microsoft.com/office/drawing/2010/main" w="9525">
                     <a:solidFill>
                       <a:srgbClr val="000000"/>
                     </a:solidFill>
@@ -15304,7 +15321,7 @@
               </a:ln>
               <a:extLst>
                 <a:ext uri="{91240B29-F687-4F45-9708-019B960494DF}">
-                  <a14:hiddenLine xmlns:a14="http://schemas.microsoft.com/office/drawing/2010/main" w="9525">
+                  <a14:hiddenLine xmlns="" xmlns:a14="http://schemas.microsoft.com/office/drawing/2010/main" w="9525">
                     <a:solidFill>
                       <a:srgbClr val="000000"/>
                     </a:solidFill>
@@ -15366,7 +15383,7 @@
               </a:ln>
               <a:extLst>
                 <a:ext uri="{91240B29-F687-4F45-9708-019B960494DF}">
-                  <a14:hiddenLine xmlns:a14="http://schemas.microsoft.com/office/drawing/2010/main" w="9525">
+                  <a14:hiddenLine xmlns="" xmlns:a14="http://schemas.microsoft.com/office/drawing/2010/main" w="9525">
                     <a:solidFill>
                       <a:srgbClr val="000000"/>
                     </a:solidFill>
@@ -15428,7 +15445,7 @@
               </a:ln>
               <a:extLst>
                 <a:ext uri="{91240B29-F687-4F45-9708-019B960494DF}">
-                  <a14:hiddenLine xmlns:a14="http://schemas.microsoft.com/office/drawing/2010/main" w="9525">
+                  <a14:hiddenLine xmlns="" xmlns:a14="http://schemas.microsoft.com/office/drawing/2010/main" w="9525">
                     <a:solidFill>
                       <a:srgbClr val="000000"/>
                     </a:solidFill>
@@ -15490,7 +15507,7 @@
               </a:ln>
               <a:extLst>
                 <a:ext uri="{91240B29-F687-4F45-9708-019B960494DF}">
-                  <a14:hiddenLine xmlns:a14="http://schemas.microsoft.com/office/drawing/2010/main" w="9525">
+                  <a14:hiddenLine xmlns="" xmlns:a14="http://schemas.microsoft.com/office/drawing/2010/main" w="9525">
                     <a:solidFill>
                       <a:srgbClr val="000000"/>
                     </a:solidFill>
@@ -15552,7 +15569,7 @@
               </a:ln>
               <a:extLst>
                 <a:ext uri="{91240B29-F687-4F45-9708-019B960494DF}">
-                  <a14:hiddenLine xmlns:a14="http://schemas.microsoft.com/office/drawing/2010/main" w="9525">
+                  <a14:hiddenLine xmlns="" xmlns:a14="http://schemas.microsoft.com/office/drawing/2010/main" w="9525">
                     <a:solidFill>
                       <a:srgbClr val="000000"/>
                     </a:solidFill>
@@ -15614,7 +15631,7 @@
               </a:ln>
               <a:extLst>
                 <a:ext uri="{91240B29-F687-4F45-9708-019B960494DF}">
-                  <a14:hiddenLine xmlns:a14="http://schemas.microsoft.com/office/drawing/2010/main" w="9525">
+                  <a14:hiddenLine xmlns="" xmlns:a14="http://schemas.microsoft.com/office/drawing/2010/main" w="9525">
                     <a:solidFill>
                       <a:srgbClr val="000000"/>
                     </a:solidFill>
@@ -15669,7 +15686,7 @@
               </a:ln>
               <a:extLst>
                 <a:ext uri="{91240B29-F687-4F45-9708-019B960494DF}">
-                  <a14:hiddenLine xmlns:a14="http://schemas.microsoft.com/office/drawing/2010/main" w="9525">
+                  <a14:hiddenLine xmlns="" xmlns:a14="http://schemas.microsoft.com/office/drawing/2010/main" w="9525">
                     <a:solidFill>
                       <a:srgbClr val="000000"/>
                     </a:solidFill>
@@ -15724,7 +15741,7 @@
               </a:ln>
               <a:extLst>
                 <a:ext uri="{91240B29-F687-4F45-9708-019B960494DF}">
-                  <a14:hiddenLine xmlns:a14="http://schemas.microsoft.com/office/drawing/2010/main" w="9525">
+                  <a14:hiddenLine xmlns="" xmlns:a14="http://schemas.microsoft.com/office/drawing/2010/main" w="9525">
                     <a:solidFill>
                       <a:srgbClr val="000000"/>
                     </a:solidFill>
@@ -15779,7 +15796,7 @@
               </a:ln>
               <a:extLst>
                 <a:ext uri="{91240B29-F687-4F45-9708-019B960494DF}">
-                  <a14:hiddenLine xmlns:a14="http://schemas.microsoft.com/office/drawing/2010/main" w="9525">
+                  <a14:hiddenLine xmlns="" xmlns:a14="http://schemas.microsoft.com/office/drawing/2010/main" w="9525">
                     <a:solidFill>
                       <a:srgbClr val="000000"/>
                     </a:solidFill>
@@ -15834,7 +15851,7 @@
               </a:ln>
               <a:extLst>
                 <a:ext uri="{91240B29-F687-4F45-9708-019B960494DF}">
-                  <a14:hiddenLine xmlns:a14="http://schemas.microsoft.com/office/drawing/2010/main" w="9525">
+                  <a14:hiddenLine xmlns="" xmlns:a14="http://schemas.microsoft.com/office/drawing/2010/main" w="9525">
                     <a:solidFill>
                       <a:srgbClr val="000000"/>
                     </a:solidFill>
@@ -15896,7 +15913,7 @@
               </a:ln>
               <a:extLst>
                 <a:ext uri="{91240B29-F687-4F45-9708-019B960494DF}">
-                  <a14:hiddenLine xmlns:a14="http://schemas.microsoft.com/office/drawing/2010/main" w="9525">
+                  <a14:hiddenLine xmlns="" xmlns:a14="http://schemas.microsoft.com/office/drawing/2010/main" w="9525">
                     <a:solidFill>
                       <a:srgbClr val="000000"/>
                     </a:solidFill>
@@ -15958,7 +15975,7 @@
               </a:ln>
               <a:extLst>
                 <a:ext uri="{91240B29-F687-4F45-9708-019B960494DF}">
-                  <a14:hiddenLine xmlns:a14="http://schemas.microsoft.com/office/drawing/2010/main" w="9525">
+                  <a14:hiddenLine xmlns="" xmlns:a14="http://schemas.microsoft.com/office/drawing/2010/main" w="9525">
                     <a:solidFill>
                       <a:srgbClr val="000000"/>
                     </a:solidFill>
@@ -16020,7 +16037,7 @@
               </a:ln>
               <a:extLst>
                 <a:ext uri="{91240B29-F687-4F45-9708-019B960494DF}">
-                  <a14:hiddenLine xmlns:a14="http://schemas.microsoft.com/office/drawing/2010/main" w="9525">
+                  <a14:hiddenLine xmlns="" xmlns:a14="http://schemas.microsoft.com/office/drawing/2010/main" w="9525">
                     <a:solidFill>
                       <a:srgbClr val="000000"/>
                     </a:solidFill>
@@ -16111,7 +16128,7 @@
               <a:effectLst/>
               <a:extLst>
                 <a:ext uri="{91240B29-F687-4F45-9708-019B960494DF}">
-                  <a14:hiddenLine xmlns:a14="http://schemas.microsoft.com/office/drawing/2010/main" w="9525">
+                  <a14:hiddenLine xmlns="" xmlns:a14="http://schemas.microsoft.com/office/drawing/2010/main" w="9525">
                     <a:solidFill>
                       <a:schemeClr val="tx1"/>
                     </a:solidFill>
@@ -16121,7 +16138,7 @@
                   </a14:hiddenLine>
                 </a:ext>
                 <a:ext uri="{AF507438-7753-43E0-B8FC-AC1667EBCBE1}">
-                  <a14:hiddenEffects xmlns:a14="http://schemas.microsoft.com/office/drawing/2010/main">
+                  <a14:hiddenEffects xmlns="" xmlns:a14="http://schemas.microsoft.com/office/drawing/2010/main">
                     <a:effectLst>
                       <a:outerShdw dist="35921" dir="2700000" algn="ctr" rotWithShape="0">
                         <a:schemeClr val="bg2"/>
@@ -16177,7 +16194,7 @@
               <a:effectLst/>
               <a:extLst>
                 <a:ext uri="{91240B29-F687-4F45-9708-019B960494DF}">
-                  <a14:hiddenLine xmlns:a14="http://schemas.microsoft.com/office/drawing/2010/main" w="9525">
+                  <a14:hiddenLine xmlns="" xmlns:a14="http://schemas.microsoft.com/office/drawing/2010/main" w="9525">
                     <a:solidFill>
                       <a:schemeClr val="tx1"/>
                     </a:solidFill>
@@ -16187,7 +16204,7 @@
                   </a14:hiddenLine>
                 </a:ext>
                 <a:ext uri="{AF507438-7753-43E0-B8FC-AC1667EBCBE1}">
-                  <a14:hiddenEffects xmlns:a14="http://schemas.microsoft.com/office/drawing/2010/main">
+                  <a14:hiddenEffects xmlns="" xmlns:a14="http://schemas.microsoft.com/office/drawing/2010/main">
                     <a:effectLst>
                       <a:outerShdw dist="35921" dir="2700000" algn="ctr" rotWithShape="0">
                         <a:schemeClr val="bg2"/>
@@ -16243,7 +16260,7 @@
               <a:effectLst/>
               <a:extLst>
                 <a:ext uri="{91240B29-F687-4F45-9708-019B960494DF}">
-                  <a14:hiddenLine xmlns:a14="http://schemas.microsoft.com/office/drawing/2010/main" w="9525">
+                  <a14:hiddenLine xmlns="" xmlns:a14="http://schemas.microsoft.com/office/drawing/2010/main" w="9525">
                     <a:solidFill>
                       <a:schemeClr val="tx1"/>
                     </a:solidFill>
@@ -16253,7 +16270,7 @@
                   </a14:hiddenLine>
                 </a:ext>
                 <a:ext uri="{AF507438-7753-43E0-B8FC-AC1667EBCBE1}">
-                  <a14:hiddenEffects xmlns:a14="http://schemas.microsoft.com/office/drawing/2010/main">
+                  <a14:hiddenEffects xmlns="" xmlns:a14="http://schemas.microsoft.com/office/drawing/2010/main">
                     <a:effectLst>
                       <a:outerShdw dist="35921" dir="2700000" algn="ctr" rotWithShape="0">
                         <a:schemeClr val="bg2"/>
@@ -16331,7 +16348,7 @@
               </a:ln>
               <a:extLst>
                 <a:ext uri="{91240B29-F687-4F45-9708-019B960494DF}">
-                  <a14:hiddenLine xmlns:a14="http://schemas.microsoft.com/office/drawing/2010/main" w="9525">
+                  <a14:hiddenLine xmlns="" xmlns:a14="http://schemas.microsoft.com/office/drawing/2010/main" w="9525">
                     <a:solidFill>
                       <a:srgbClr val="000000"/>
                     </a:solidFill>
@@ -16393,7 +16410,7 @@
               </a:ln>
               <a:extLst>
                 <a:ext uri="{91240B29-F687-4F45-9708-019B960494DF}">
-                  <a14:hiddenLine xmlns:a14="http://schemas.microsoft.com/office/drawing/2010/main" w="9525">
+                  <a14:hiddenLine xmlns="" xmlns:a14="http://schemas.microsoft.com/office/drawing/2010/main" w="9525">
                     <a:solidFill>
                       <a:srgbClr val="000000"/>
                     </a:solidFill>
@@ -16455,7 +16472,7 @@
               </a:ln>
               <a:extLst>
                 <a:ext uri="{91240B29-F687-4F45-9708-019B960494DF}">
-                  <a14:hiddenLine xmlns:a14="http://schemas.microsoft.com/office/drawing/2010/main" w="9525">
+                  <a14:hiddenLine xmlns="" xmlns:a14="http://schemas.microsoft.com/office/drawing/2010/main" w="9525">
                     <a:solidFill>
                       <a:srgbClr val="000000"/>
                     </a:solidFill>
@@ -16517,7 +16534,7 @@
               </a:ln>
               <a:extLst>
                 <a:ext uri="{91240B29-F687-4F45-9708-019B960494DF}">
-                  <a14:hiddenLine xmlns:a14="http://schemas.microsoft.com/office/drawing/2010/main" w="9525">
+                  <a14:hiddenLine xmlns="" xmlns:a14="http://schemas.microsoft.com/office/drawing/2010/main" w="9525">
                     <a:solidFill>
                       <a:srgbClr val="000000"/>
                     </a:solidFill>
@@ -16579,7 +16596,7 @@
               </a:ln>
               <a:extLst>
                 <a:ext uri="{91240B29-F687-4F45-9708-019B960494DF}">
-                  <a14:hiddenLine xmlns:a14="http://schemas.microsoft.com/office/drawing/2010/main" w="9525">
+                  <a14:hiddenLine xmlns="" xmlns:a14="http://schemas.microsoft.com/office/drawing/2010/main" w="9525">
                     <a:solidFill>
                       <a:srgbClr val="000000"/>
                     </a:solidFill>
@@ -16641,7 +16658,7 @@
               </a:ln>
               <a:extLst>
                 <a:ext uri="{91240B29-F687-4F45-9708-019B960494DF}">
-                  <a14:hiddenLine xmlns:a14="http://schemas.microsoft.com/office/drawing/2010/main" w="9525">
+                  <a14:hiddenLine xmlns="" xmlns:a14="http://schemas.microsoft.com/office/drawing/2010/main" w="9525">
                     <a:solidFill>
                       <a:srgbClr val="000000"/>
                     </a:solidFill>
@@ -16703,7 +16720,7 @@
               </a:ln>
               <a:extLst>
                 <a:ext uri="{91240B29-F687-4F45-9708-019B960494DF}">
-                  <a14:hiddenLine xmlns:a14="http://schemas.microsoft.com/office/drawing/2010/main" w="9525">
+                  <a14:hiddenLine xmlns="" xmlns:a14="http://schemas.microsoft.com/office/drawing/2010/main" w="9525">
                     <a:solidFill>
                       <a:srgbClr val="000000"/>
                     </a:solidFill>
@@ -16758,7 +16775,7 @@
               </a:ln>
               <a:extLst>
                 <a:ext uri="{91240B29-F687-4F45-9708-019B960494DF}">
-                  <a14:hiddenLine xmlns:a14="http://schemas.microsoft.com/office/drawing/2010/main" w="9525">
+                  <a14:hiddenLine xmlns="" xmlns:a14="http://schemas.microsoft.com/office/drawing/2010/main" w="9525">
                     <a:solidFill>
                       <a:srgbClr val="000000"/>
                     </a:solidFill>
@@ -16813,7 +16830,7 @@
               </a:ln>
               <a:extLst>
                 <a:ext uri="{91240B29-F687-4F45-9708-019B960494DF}">
-                  <a14:hiddenLine xmlns:a14="http://schemas.microsoft.com/office/drawing/2010/main" w="9525">
+                  <a14:hiddenLine xmlns="" xmlns:a14="http://schemas.microsoft.com/office/drawing/2010/main" w="9525">
                     <a:solidFill>
                       <a:srgbClr val="000000"/>
                     </a:solidFill>
@@ -16868,7 +16885,7 @@
               </a:ln>
               <a:extLst>
                 <a:ext uri="{91240B29-F687-4F45-9708-019B960494DF}">
-                  <a14:hiddenLine xmlns:a14="http://schemas.microsoft.com/office/drawing/2010/main" w="9525">
+                  <a14:hiddenLine xmlns="" xmlns:a14="http://schemas.microsoft.com/office/drawing/2010/main" w="9525">
                     <a:solidFill>
                       <a:srgbClr val="000000"/>
                     </a:solidFill>
@@ -16923,7 +16940,7 @@
               </a:ln>
               <a:extLst>
                 <a:ext uri="{91240B29-F687-4F45-9708-019B960494DF}">
-                  <a14:hiddenLine xmlns:a14="http://schemas.microsoft.com/office/drawing/2010/main" w="9525">
+                  <a14:hiddenLine xmlns="" xmlns:a14="http://schemas.microsoft.com/office/drawing/2010/main" w="9525">
                     <a:solidFill>
                       <a:srgbClr val="000000"/>
                     </a:solidFill>
@@ -16985,7 +17002,7 @@
               </a:ln>
               <a:extLst>
                 <a:ext uri="{91240B29-F687-4F45-9708-019B960494DF}">
-                  <a14:hiddenLine xmlns:a14="http://schemas.microsoft.com/office/drawing/2010/main" w="9525">
+                  <a14:hiddenLine xmlns="" xmlns:a14="http://schemas.microsoft.com/office/drawing/2010/main" w="9525">
                     <a:solidFill>
                       <a:srgbClr val="000000"/>
                     </a:solidFill>
@@ -17047,7 +17064,7 @@
               </a:ln>
               <a:extLst>
                 <a:ext uri="{91240B29-F687-4F45-9708-019B960494DF}">
-                  <a14:hiddenLine xmlns:a14="http://schemas.microsoft.com/office/drawing/2010/main" w="9525">
+                  <a14:hiddenLine xmlns="" xmlns:a14="http://schemas.microsoft.com/office/drawing/2010/main" w="9525">
                     <a:solidFill>
                       <a:srgbClr val="000000"/>
                     </a:solidFill>
@@ -17109,7 +17126,7 @@
               </a:ln>
               <a:extLst>
                 <a:ext uri="{91240B29-F687-4F45-9708-019B960494DF}">
-                  <a14:hiddenLine xmlns:a14="http://schemas.microsoft.com/office/drawing/2010/main" w="9525">
+                  <a14:hiddenLine xmlns="" xmlns:a14="http://schemas.microsoft.com/office/drawing/2010/main" w="9525">
                     <a:solidFill>
                       <a:srgbClr val="000000"/>
                     </a:solidFill>
@@ -17200,7 +17217,7 @@
               <a:effectLst/>
               <a:extLst>
                 <a:ext uri="{91240B29-F687-4F45-9708-019B960494DF}">
-                  <a14:hiddenLine xmlns:a14="http://schemas.microsoft.com/office/drawing/2010/main" w="9525">
+                  <a14:hiddenLine xmlns="" xmlns:a14="http://schemas.microsoft.com/office/drawing/2010/main" w="9525">
                     <a:solidFill>
                       <a:schemeClr val="tx1"/>
                     </a:solidFill>
@@ -17210,7 +17227,7 @@
                   </a14:hiddenLine>
                 </a:ext>
                 <a:ext uri="{AF507438-7753-43E0-B8FC-AC1667EBCBE1}">
-                  <a14:hiddenEffects xmlns:a14="http://schemas.microsoft.com/office/drawing/2010/main">
+                  <a14:hiddenEffects xmlns="" xmlns:a14="http://schemas.microsoft.com/office/drawing/2010/main">
                     <a:effectLst>
                       <a:outerShdw dist="35921" dir="2700000" algn="ctr" rotWithShape="0">
                         <a:schemeClr val="bg2"/>
@@ -17266,7 +17283,7 @@
               <a:effectLst/>
               <a:extLst>
                 <a:ext uri="{91240B29-F687-4F45-9708-019B960494DF}">
-                  <a14:hiddenLine xmlns:a14="http://schemas.microsoft.com/office/drawing/2010/main" w="9525">
+                  <a14:hiddenLine xmlns="" xmlns:a14="http://schemas.microsoft.com/office/drawing/2010/main" w="9525">
                     <a:solidFill>
                       <a:schemeClr val="tx1"/>
                     </a:solidFill>
@@ -17276,7 +17293,7 @@
                   </a14:hiddenLine>
                 </a:ext>
                 <a:ext uri="{AF507438-7753-43E0-B8FC-AC1667EBCBE1}">
-                  <a14:hiddenEffects xmlns:a14="http://schemas.microsoft.com/office/drawing/2010/main">
+                  <a14:hiddenEffects xmlns="" xmlns:a14="http://schemas.microsoft.com/office/drawing/2010/main">
                     <a:effectLst>
                       <a:outerShdw dist="35921" dir="2700000" algn="ctr" rotWithShape="0">
                         <a:schemeClr val="bg2"/>
@@ -17332,7 +17349,7 @@
               <a:effectLst/>
               <a:extLst>
                 <a:ext uri="{91240B29-F687-4F45-9708-019B960494DF}">
-                  <a14:hiddenLine xmlns:a14="http://schemas.microsoft.com/office/drawing/2010/main" w="9525">
+                  <a14:hiddenLine xmlns="" xmlns:a14="http://schemas.microsoft.com/office/drawing/2010/main" w="9525">
                     <a:solidFill>
                       <a:schemeClr val="tx1"/>
                     </a:solidFill>
@@ -17342,7 +17359,7 @@
                   </a14:hiddenLine>
                 </a:ext>
                 <a:ext uri="{AF507438-7753-43E0-B8FC-AC1667EBCBE1}">
-                  <a14:hiddenEffects xmlns:a14="http://schemas.microsoft.com/office/drawing/2010/main">
+                  <a14:hiddenEffects xmlns="" xmlns:a14="http://schemas.microsoft.com/office/drawing/2010/main">
                     <a:effectLst>
                       <a:outerShdw dist="35921" dir="2700000" algn="ctr" rotWithShape="0">
                         <a:schemeClr val="bg2"/>
@@ -17420,7 +17437,7 @@
               </a:ln>
               <a:extLst>
                 <a:ext uri="{91240B29-F687-4F45-9708-019B960494DF}">
-                  <a14:hiddenLine xmlns:a14="http://schemas.microsoft.com/office/drawing/2010/main" w="9525">
+                  <a14:hiddenLine xmlns="" xmlns:a14="http://schemas.microsoft.com/office/drawing/2010/main" w="9525">
                     <a:solidFill>
                       <a:srgbClr val="000000"/>
                     </a:solidFill>
@@ -17482,7 +17499,7 @@
               </a:ln>
               <a:extLst>
                 <a:ext uri="{91240B29-F687-4F45-9708-019B960494DF}">
-                  <a14:hiddenLine xmlns:a14="http://schemas.microsoft.com/office/drawing/2010/main" w="9525">
+                  <a14:hiddenLine xmlns="" xmlns:a14="http://schemas.microsoft.com/office/drawing/2010/main" w="9525">
                     <a:solidFill>
                       <a:srgbClr val="000000"/>
                     </a:solidFill>
@@ -17544,7 +17561,7 @@
               </a:ln>
               <a:extLst>
                 <a:ext uri="{91240B29-F687-4F45-9708-019B960494DF}">
-                  <a14:hiddenLine xmlns:a14="http://schemas.microsoft.com/office/drawing/2010/main" w="9525">
+                  <a14:hiddenLine xmlns="" xmlns:a14="http://schemas.microsoft.com/office/drawing/2010/main" w="9525">
                     <a:solidFill>
                       <a:srgbClr val="000000"/>
                     </a:solidFill>
@@ -17606,7 +17623,7 @@
               </a:ln>
               <a:extLst>
                 <a:ext uri="{91240B29-F687-4F45-9708-019B960494DF}">
-                  <a14:hiddenLine xmlns:a14="http://schemas.microsoft.com/office/drawing/2010/main" w="9525">
+                  <a14:hiddenLine xmlns="" xmlns:a14="http://schemas.microsoft.com/office/drawing/2010/main" w="9525">
                     <a:solidFill>
                       <a:srgbClr val="000000"/>
                     </a:solidFill>
@@ -17668,7 +17685,7 @@
               </a:ln>
               <a:extLst>
                 <a:ext uri="{91240B29-F687-4F45-9708-019B960494DF}">
-                  <a14:hiddenLine xmlns:a14="http://schemas.microsoft.com/office/drawing/2010/main" w="9525">
+                  <a14:hiddenLine xmlns="" xmlns:a14="http://schemas.microsoft.com/office/drawing/2010/main" w="9525">
                     <a:solidFill>
                       <a:srgbClr val="000000"/>
                     </a:solidFill>
@@ -17730,7 +17747,7 @@
               </a:ln>
               <a:extLst>
                 <a:ext uri="{91240B29-F687-4F45-9708-019B960494DF}">
-                  <a14:hiddenLine xmlns:a14="http://schemas.microsoft.com/office/drawing/2010/main" w="9525">
+                  <a14:hiddenLine xmlns="" xmlns:a14="http://schemas.microsoft.com/office/drawing/2010/main" w="9525">
                     <a:solidFill>
                       <a:srgbClr val="000000"/>
                     </a:solidFill>
@@ -17792,7 +17809,7 @@
               </a:ln>
               <a:extLst>
                 <a:ext uri="{91240B29-F687-4F45-9708-019B960494DF}">
-                  <a14:hiddenLine xmlns:a14="http://schemas.microsoft.com/office/drawing/2010/main" w="9525">
+                  <a14:hiddenLine xmlns="" xmlns:a14="http://schemas.microsoft.com/office/drawing/2010/main" w="9525">
                     <a:solidFill>
                       <a:srgbClr val="000000"/>
                     </a:solidFill>
@@ -17847,7 +17864,7 @@
               </a:ln>
               <a:extLst>
                 <a:ext uri="{91240B29-F687-4F45-9708-019B960494DF}">
-                  <a14:hiddenLine xmlns:a14="http://schemas.microsoft.com/office/drawing/2010/main" w="9525">
+                  <a14:hiddenLine xmlns="" xmlns:a14="http://schemas.microsoft.com/office/drawing/2010/main" w="9525">
                     <a:solidFill>
                       <a:srgbClr val="000000"/>
                     </a:solidFill>
@@ -17902,7 +17919,7 @@
               </a:ln>
               <a:extLst>
                 <a:ext uri="{91240B29-F687-4F45-9708-019B960494DF}">
-                  <a14:hiddenLine xmlns:a14="http://schemas.microsoft.com/office/drawing/2010/main" w="9525">
+                  <a14:hiddenLine xmlns="" xmlns:a14="http://schemas.microsoft.com/office/drawing/2010/main" w="9525">
                     <a:solidFill>
                       <a:srgbClr val="000000"/>
                     </a:solidFill>
@@ -17957,7 +17974,7 @@
               </a:ln>
               <a:extLst>
                 <a:ext uri="{91240B29-F687-4F45-9708-019B960494DF}">
-                  <a14:hiddenLine xmlns:a14="http://schemas.microsoft.com/office/drawing/2010/main" w="9525">
+                  <a14:hiddenLine xmlns="" xmlns:a14="http://schemas.microsoft.com/office/drawing/2010/main" w="9525">
                     <a:solidFill>
                       <a:srgbClr val="000000"/>
                     </a:solidFill>
@@ -18012,7 +18029,7 @@
               </a:ln>
               <a:extLst>
                 <a:ext uri="{91240B29-F687-4F45-9708-019B960494DF}">
-                  <a14:hiddenLine xmlns:a14="http://schemas.microsoft.com/office/drawing/2010/main" w="9525">
+                  <a14:hiddenLine xmlns="" xmlns:a14="http://schemas.microsoft.com/office/drawing/2010/main" w="9525">
                     <a:solidFill>
                       <a:srgbClr val="000000"/>
                     </a:solidFill>
@@ -18074,7 +18091,7 @@
               </a:ln>
               <a:extLst>
                 <a:ext uri="{91240B29-F687-4F45-9708-019B960494DF}">
-                  <a14:hiddenLine xmlns:a14="http://schemas.microsoft.com/office/drawing/2010/main" w="9525">
+                  <a14:hiddenLine xmlns="" xmlns:a14="http://schemas.microsoft.com/office/drawing/2010/main" w="9525">
                     <a:solidFill>
                       <a:srgbClr val="000000"/>
                     </a:solidFill>
@@ -18136,7 +18153,7 @@
               </a:ln>
               <a:extLst>
                 <a:ext uri="{91240B29-F687-4F45-9708-019B960494DF}">
-                  <a14:hiddenLine xmlns:a14="http://schemas.microsoft.com/office/drawing/2010/main" w="9525">
+                  <a14:hiddenLine xmlns="" xmlns:a14="http://schemas.microsoft.com/office/drawing/2010/main" w="9525">
                     <a:solidFill>
                       <a:srgbClr val="000000"/>
                     </a:solidFill>
@@ -18198,7 +18215,7 @@
               </a:ln>
               <a:extLst>
                 <a:ext uri="{91240B29-F687-4F45-9708-019B960494DF}">
-                  <a14:hiddenLine xmlns:a14="http://schemas.microsoft.com/office/drawing/2010/main" w="9525">
+                  <a14:hiddenLine xmlns="" xmlns:a14="http://schemas.microsoft.com/office/drawing/2010/main" w="9525">
                     <a:solidFill>
                       <a:srgbClr val="000000"/>
                     </a:solidFill>
@@ -18289,7 +18306,7 @@
               <a:effectLst/>
               <a:extLst>
                 <a:ext uri="{91240B29-F687-4F45-9708-019B960494DF}">
-                  <a14:hiddenLine xmlns:a14="http://schemas.microsoft.com/office/drawing/2010/main" w="9525">
+                  <a14:hiddenLine xmlns="" xmlns:a14="http://schemas.microsoft.com/office/drawing/2010/main" w="9525">
                     <a:solidFill>
                       <a:schemeClr val="tx1"/>
                     </a:solidFill>
@@ -18299,7 +18316,7 @@
                   </a14:hiddenLine>
                 </a:ext>
                 <a:ext uri="{AF507438-7753-43E0-B8FC-AC1667EBCBE1}">
-                  <a14:hiddenEffects xmlns:a14="http://schemas.microsoft.com/office/drawing/2010/main">
+                  <a14:hiddenEffects xmlns="" xmlns:a14="http://schemas.microsoft.com/office/drawing/2010/main">
                     <a:effectLst>
                       <a:outerShdw dist="35921" dir="2700000" algn="ctr" rotWithShape="0">
                         <a:schemeClr val="bg2"/>
@@ -18355,7 +18372,7 @@
               <a:effectLst/>
               <a:extLst>
                 <a:ext uri="{91240B29-F687-4F45-9708-019B960494DF}">
-                  <a14:hiddenLine xmlns:a14="http://schemas.microsoft.com/office/drawing/2010/main" w="9525">
+                  <a14:hiddenLine xmlns="" xmlns:a14="http://schemas.microsoft.com/office/drawing/2010/main" w="9525">
                     <a:solidFill>
                       <a:schemeClr val="tx1"/>
                     </a:solidFill>
@@ -18365,7 +18382,7 @@
                   </a14:hiddenLine>
                 </a:ext>
                 <a:ext uri="{AF507438-7753-43E0-B8FC-AC1667EBCBE1}">
-                  <a14:hiddenEffects xmlns:a14="http://schemas.microsoft.com/office/drawing/2010/main">
+                  <a14:hiddenEffects xmlns="" xmlns:a14="http://schemas.microsoft.com/office/drawing/2010/main">
                     <a:effectLst>
                       <a:outerShdw dist="35921" dir="2700000" algn="ctr" rotWithShape="0">
                         <a:schemeClr val="bg2"/>
@@ -18421,7 +18438,7 @@
               <a:effectLst/>
               <a:extLst>
                 <a:ext uri="{91240B29-F687-4F45-9708-019B960494DF}">
-                  <a14:hiddenLine xmlns:a14="http://schemas.microsoft.com/office/drawing/2010/main" w="9525">
+                  <a14:hiddenLine xmlns="" xmlns:a14="http://schemas.microsoft.com/office/drawing/2010/main" w="9525">
                     <a:solidFill>
                       <a:schemeClr val="tx1"/>
                     </a:solidFill>
@@ -18431,7 +18448,7 @@
                   </a14:hiddenLine>
                 </a:ext>
                 <a:ext uri="{AF507438-7753-43E0-B8FC-AC1667EBCBE1}">
-                  <a14:hiddenEffects xmlns:a14="http://schemas.microsoft.com/office/drawing/2010/main">
+                  <a14:hiddenEffects xmlns="" xmlns:a14="http://schemas.microsoft.com/office/drawing/2010/main">
                     <a:effectLst>
                       <a:outerShdw dist="35921" dir="2700000" algn="ctr" rotWithShape="0">
                         <a:schemeClr val="bg2"/>
@@ -18509,7 +18526,7 @@
               </a:ln>
               <a:extLst>
                 <a:ext uri="{91240B29-F687-4F45-9708-019B960494DF}">
-                  <a14:hiddenLine xmlns:a14="http://schemas.microsoft.com/office/drawing/2010/main" w="9525">
+                  <a14:hiddenLine xmlns="" xmlns:a14="http://schemas.microsoft.com/office/drawing/2010/main" w="9525">
                     <a:solidFill>
                       <a:srgbClr val="000000"/>
                     </a:solidFill>
@@ -18571,7 +18588,7 @@
               </a:ln>
               <a:extLst>
                 <a:ext uri="{91240B29-F687-4F45-9708-019B960494DF}">
-                  <a14:hiddenLine xmlns:a14="http://schemas.microsoft.com/office/drawing/2010/main" w="9525">
+                  <a14:hiddenLine xmlns="" xmlns:a14="http://schemas.microsoft.com/office/drawing/2010/main" w="9525">
                     <a:solidFill>
                       <a:srgbClr val="000000"/>
                     </a:solidFill>
@@ -18633,7 +18650,7 @@
               </a:ln>
               <a:extLst>
                 <a:ext uri="{91240B29-F687-4F45-9708-019B960494DF}">
-                  <a14:hiddenLine xmlns:a14="http://schemas.microsoft.com/office/drawing/2010/main" w="9525">
+                  <a14:hiddenLine xmlns="" xmlns:a14="http://schemas.microsoft.com/office/drawing/2010/main" w="9525">
                     <a:solidFill>
                       <a:srgbClr val="000000"/>
                     </a:solidFill>
@@ -18695,7 +18712,7 @@
               </a:ln>
               <a:extLst>
                 <a:ext uri="{91240B29-F687-4F45-9708-019B960494DF}">
-                  <a14:hiddenLine xmlns:a14="http://schemas.microsoft.com/office/drawing/2010/main" w="9525">
+                  <a14:hiddenLine xmlns="" xmlns:a14="http://schemas.microsoft.com/office/drawing/2010/main" w="9525">
                     <a:solidFill>
                       <a:srgbClr val="000000"/>
                     </a:solidFill>
@@ -18757,7 +18774,7 @@
               </a:ln>
               <a:extLst>
                 <a:ext uri="{91240B29-F687-4F45-9708-019B960494DF}">
-                  <a14:hiddenLine xmlns:a14="http://schemas.microsoft.com/office/drawing/2010/main" w="9525">
+                  <a14:hiddenLine xmlns="" xmlns:a14="http://schemas.microsoft.com/office/drawing/2010/main" w="9525">
                     <a:solidFill>
                       <a:srgbClr val="000000"/>
                     </a:solidFill>
@@ -18819,7 +18836,7 @@
               </a:ln>
               <a:extLst>
                 <a:ext uri="{91240B29-F687-4F45-9708-019B960494DF}">
-                  <a14:hiddenLine xmlns:a14="http://schemas.microsoft.com/office/drawing/2010/main" w="9525">
+                  <a14:hiddenLine xmlns="" xmlns:a14="http://schemas.microsoft.com/office/drawing/2010/main" w="9525">
                     <a:solidFill>
                       <a:srgbClr val="000000"/>
                     </a:solidFill>
@@ -18881,7 +18898,7 @@
               </a:ln>
               <a:extLst>
                 <a:ext uri="{91240B29-F687-4F45-9708-019B960494DF}">
-                  <a14:hiddenLine xmlns:a14="http://schemas.microsoft.com/office/drawing/2010/main" w="9525">
+                  <a14:hiddenLine xmlns="" xmlns:a14="http://schemas.microsoft.com/office/drawing/2010/main" w="9525">
                     <a:solidFill>
                       <a:srgbClr val="000000"/>
                     </a:solidFill>
@@ -18936,7 +18953,7 @@
               </a:ln>
               <a:extLst>
                 <a:ext uri="{91240B29-F687-4F45-9708-019B960494DF}">
-                  <a14:hiddenLine xmlns:a14="http://schemas.microsoft.com/office/drawing/2010/main" w="9525">
+                  <a14:hiddenLine xmlns="" xmlns:a14="http://schemas.microsoft.com/office/drawing/2010/main" w="9525">
                     <a:solidFill>
                       <a:srgbClr val="000000"/>
                     </a:solidFill>
@@ -18991,7 +19008,7 @@
               </a:ln>
               <a:extLst>
                 <a:ext uri="{91240B29-F687-4F45-9708-019B960494DF}">
-                  <a14:hiddenLine xmlns:a14="http://schemas.microsoft.com/office/drawing/2010/main" w="9525">
+                  <a14:hiddenLine xmlns="" xmlns:a14="http://schemas.microsoft.com/office/drawing/2010/main" w="9525">
                     <a:solidFill>
                       <a:srgbClr val="000000"/>
                     </a:solidFill>
@@ -19046,7 +19063,7 @@
               </a:ln>
               <a:extLst>
                 <a:ext uri="{91240B29-F687-4F45-9708-019B960494DF}">
-                  <a14:hiddenLine xmlns:a14="http://schemas.microsoft.com/office/drawing/2010/main" w="9525">
+                  <a14:hiddenLine xmlns="" xmlns:a14="http://schemas.microsoft.com/office/drawing/2010/main" w="9525">
                     <a:solidFill>
                       <a:srgbClr val="000000"/>
                     </a:solidFill>
@@ -19101,7 +19118,7 @@
               </a:ln>
               <a:extLst>
                 <a:ext uri="{91240B29-F687-4F45-9708-019B960494DF}">
-                  <a14:hiddenLine xmlns:a14="http://schemas.microsoft.com/office/drawing/2010/main" w="9525">
+                  <a14:hiddenLine xmlns="" xmlns:a14="http://schemas.microsoft.com/office/drawing/2010/main" w="9525">
                     <a:solidFill>
                       <a:srgbClr val="000000"/>
                     </a:solidFill>
@@ -19163,7 +19180,7 @@
               </a:ln>
               <a:extLst>
                 <a:ext uri="{91240B29-F687-4F45-9708-019B960494DF}">
-                  <a14:hiddenLine xmlns:a14="http://schemas.microsoft.com/office/drawing/2010/main" w="9525">
+                  <a14:hiddenLine xmlns="" xmlns:a14="http://schemas.microsoft.com/office/drawing/2010/main" w="9525">
                     <a:solidFill>
                       <a:srgbClr val="000000"/>
                     </a:solidFill>
@@ -19225,7 +19242,7 @@
               </a:ln>
               <a:extLst>
                 <a:ext uri="{91240B29-F687-4F45-9708-019B960494DF}">
-                  <a14:hiddenLine xmlns:a14="http://schemas.microsoft.com/office/drawing/2010/main" w="9525">
+                  <a14:hiddenLine xmlns="" xmlns:a14="http://schemas.microsoft.com/office/drawing/2010/main" w="9525">
                     <a:solidFill>
                       <a:srgbClr val="000000"/>
                     </a:solidFill>
@@ -19287,7 +19304,7 @@
               </a:ln>
               <a:extLst>
                 <a:ext uri="{91240B29-F687-4F45-9708-019B960494DF}">
-                  <a14:hiddenLine xmlns:a14="http://schemas.microsoft.com/office/drawing/2010/main" w="9525">
+                  <a14:hiddenLine xmlns="" xmlns:a14="http://schemas.microsoft.com/office/drawing/2010/main" w="9525">
                     <a:solidFill>
                       <a:srgbClr val="000000"/>
                     </a:solidFill>
@@ -19334,7 +19351,7 @@
     </p:spTree>
     <p:extLst>
       <p:ext uri="{BB962C8B-B14F-4D97-AF65-F5344CB8AC3E}">
-        <p14:creationId xmlns:p14="http://schemas.microsoft.com/office/powerpoint/2010/main" val="1031909362"/>
+        <p14:creationId xmlns="" xmlns:p14="http://schemas.microsoft.com/office/powerpoint/2010/main" val="1031909362"/>
       </p:ext>
     </p:extLst>
   </p:cSld>
@@ -19592,7 +19609,7 @@
     </p:spTree>
     <p:extLst>
       <p:ext uri="{BB962C8B-B14F-4D97-AF65-F5344CB8AC3E}">
-        <p14:creationId xmlns:p14="http://schemas.microsoft.com/office/powerpoint/2010/main" val="2910601340"/>
+        <p14:creationId xmlns="" xmlns:p14="http://schemas.microsoft.com/office/powerpoint/2010/main" val="2910601340"/>
       </p:ext>
     </p:extLst>
   </p:cSld>
@@ -19813,7 +19830,7 @@
     </p:spTree>
     <p:extLst>
       <p:ext uri="{BB962C8B-B14F-4D97-AF65-F5344CB8AC3E}">
-        <p14:creationId xmlns:p14="http://schemas.microsoft.com/office/powerpoint/2010/main" val="240334622"/>
+        <p14:creationId xmlns="" xmlns:p14="http://schemas.microsoft.com/office/powerpoint/2010/main" val="240334622"/>
       </p:ext>
     </p:extLst>
   </p:cSld>
@@ -19957,10 +19974,10 @@
           <p:nvPr/>
         </p:nvPicPr>
         <p:blipFill>
-          <a:blip r:embed="rId2">
+          <a:blip r:embed="rId2" cstate="print">
             <a:extLst>
               <a:ext uri="{28A0092B-C50C-407E-A947-70E740481C1C}">
-                <a14:useLocalDpi xmlns:a14="http://schemas.microsoft.com/office/drawing/2010/main" val="0"/>
+                <a14:useLocalDpi xmlns="" xmlns:a14="http://schemas.microsoft.com/office/drawing/2010/main" val="0"/>
               </a:ext>
             </a:extLst>
           </a:blip>
@@ -19980,7 +19997,7 @@
           <a:noFill/>
           <a:extLst>
             <a:ext uri="{909E8E84-426E-40DD-AFC4-6F175D3DCCD1}">
-              <a14:hiddenFill xmlns:a14="http://schemas.microsoft.com/office/drawing/2010/main">
+              <a14:hiddenFill xmlns="" xmlns:a14="http://schemas.microsoft.com/office/drawing/2010/main">
                 <a:solidFill>
                   <a:srgbClr val="FFFFFF"/>
                 </a:solidFill>
@@ -19992,7 +20009,7 @@
     </p:spTree>
     <p:extLst>
       <p:ext uri="{BB962C8B-B14F-4D97-AF65-F5344CB8AC3E}">
-        <p14:creationId xmlns:p14="http://schemas.microsoft.com/office/powerpoint/2010/main" val="3073312950"/>
+        <p14:creationId xmlns="" xmlns:p14="http://schemas.microsoft.com/office/powerpoint/2010/main" val="3073312950"/>
       </p:ext>
     </p:extLst>
   </p:cSld>
@@ -20136,10 +20153,10 @@
           <p:nvPr/>
         </p:nvPicPr>
         <p:blipFill>
-          <a:blip r:embed="rId2">
+          <a:blip r:embed="rId2" cstate="print">
             <a:extLst>
               <a:ext uri="{28A0092B-C50C-407E-A947-70E740481C1C}">
-                <a14:useLocalDpi xmlns:a14="http://schemas.microsoft.com/office/drawing/2010/main" val="0"/>
+                <a14:useLocalDpi xmlns="" xmlns:a14="http://schemas.microsoft.com/office/drawing/2010/main" val="0"/>
               </a:ext>
             </a:extLst>
           </a:blip>
@@ -20159,7 +20176,7 @@
           <a:noFill/>
           <a:extLst>
             <a:ext uri="{909E8E84-426E-40DD-AFC4-6F175D3DCCD1}">
-              <a14:hiddenFill xmlns:a14="http://schemas.microsoft.com/office/drawing/2010/main">
+              <a14:hiddenFill xmlns="" xmlns:a14="http://schemas.microsoft.com/office/drawing/2010/main">
                 <a:solidFill>
                   <a:srgbClr val="FFFFFF"/>
                 </a:solidFill>
@@ -20177,10 +20194,10 @@
           <p:nvPr/>
         </p:nvPicPr>
         <p:blipFill>
-          <a:blip r:embed="rId3">
+          <a:blip r:embed="rId3" cstate="print">
             <a:extLst>
               <a:ext uri="{28A0092B-C50C-407E-A947-70E740481C1C}">
-                <a14:useLocalDpi xmlns:a14="http://schemas.microsoft.com/office/drawing/2010/main" val="0"/>
+                <a14:useLocalDpi xmlns="" xmlns:a14="http://schemas.microsoft.com/office/drawing/2010/main" val="0"/>
               </a:ext>
             </a:extLst>
           </a:blip>
@@ -20200,7 +20217,7 @@
           <a:noFill/>
           <a:extLst>
             <a:ext uri="{909E8E84-426E-40DD-AFC4-6F175D3DCCD1}">
-              <a14:hiddenFill xmlns:a14="http://schemas.microsoft.com/office/drawing/2010/main">
+              <a14:hiddenFill xmlns="" xmlns:a14="http://schemas.microsoft.com/office/drawing/2010/main">
                 <a:solidFill>
                   <a:srgbClr val="FFFFFF"/>
                 </a:solidFill>
@@ -20218,10 +20235,10 @@
           <p:nvPr/>
         </p:nvPicPr>
         <p:blipFill>
-          <a:blip r:embed="rId4">
+          <a:blip r:embed="rId4" cstate="print">
             <a:extLst>
               <a:ext uri="{28A0092B-C50C-407E-A947-70E740481C1C}">
-                <a14:useLocalDpi xmlns:a14="http://schemas.microsoft.com/office/drawing/2010/main" val="0"/>
+                <a14:useLocalDpi xmlns="" xmlns:a14="http://schemas.microsoft.com/office/drawing/2010/main" val="0"/>
               </a:ext>
             </a:extLst>
           </a:blip>
@@ -20241,7 +20258,7 @@
           <a:noFill/>
           <a:extLst>
             <a:ext uri="{909E8E84-426E-40DD-AFC4-6F175D3DCCD1}">
-              <a14:hiddenFill xmlns:a14="http://schemas.microsoft.com/office/drawing/2010/main">
+              <a14:hiddenFill xmlns="" xmlns:a14="http://schemas.microsoft.com/office/drawing/2010/main">
                 <a:solidFill>
                   <a:srgbClr val="FFFFFF"/>
                 </a:solidFill>
@@ -20253,7 +20270,7 @@
     </p:spTree>
     <p:extLst>
       <p:ext uri="{BB962C8B-B14F-4D97-AF65-F5344CB8AC3E}">
-        <p14:creationId xmlns:p14="http://schemas.microsoft.com/office/powerpoint/2010/main" val="1263453511"/>
+        <p14:creationId xmlns="" xmlns:p14="http://schemas.microsoft.com/office/powerpoint/2010/main" val="1263453511"/>
       </p:ext>
     </p:extLst>
   </p:cSld>
@@ -20348,10 +20365,10 @@
           <p:nvPr/>
         </p:nvPicPr>
         <p:blipFill>
-          <a:blip r:embed="rId2">
+          <a:blip r:embed="rId2" cstate="print">
             <a:extLst>
               <a:ext uri="{28A0092B-C50C-407E-A947-70E740481C1C}">
-                <a14:useLocalDpi xmlns:a14="http://schemas.microsoft.com/office/drawing/2010/main" val="0"/>
+                <a14:useLocalDpi xmlns="" xmlns:a14="http://schemas.microsoft.com/office/drawing/2010/main" val="0"/>
               </a:ext>
             </a:extLst>
           </a:blip>
@@ -20371,7 +20388,7 @@
           <a:noFill/>
           <a:extLst>
             <a:ext uri="{909E8E84-426E-40DD-AFC4-6F175D3DCCD1}">
-              <a14:hiddenFill xmlns:a14="http://schemas.microsoft.com/office/drawing/2010/main">
+              <a14:hiddenFill xmlns="" xmlns:a14="http://schemas.microsoft.com/office/drawing/2010/main">
                 <a:solidFill>
                   <a:srgbClr val="FFFFFF"/>
                 </a:solidFill>
@@ -20406,7 +20423,7 @@
     </p:spTree>
     <p:extLst>
       <p:ext uri="{BB962C8B-B14F-4D97-AF65-F5344CB8AC3E}">
-        <p14:creationId xmlns:p14="http://schemas.microsoft.com/office/powerpoint/2010/main" val="197870607"/>
+        <p14:creationId xmlns="" xmlns:p14="http://schemas.microsoft.com/office/powerpoint/2010/main" val="197870607"/>
       </p:ext>
     </p:extLst>
   </p:cSld>
@@ -20531,10 +20548,10 @@
           <p:nvPr/>
         </p:nvPicPr>
         <p:blipFill>
-          <a:blip r:embed="rId2">
+          <a:blip r:embed="rId2" cstate="print">
             <a:extLst>
               <a:ext uri="{28A0092B-C50C-407E-A947-70E740481C1C}">
-                <a14:useLocalDpi xmlns:a14="http://schemas.microsoft.com/office/drawing/2010/main" val="0"/>
+                <a14:useLocalDpi xmlns="" xmlns:a14="http://schemas.microsoft.com/office/drawing/2010/main" val="0"/>
               </a:ext>
             </a:extLst>
           </a:blip>
@@ -20554,7 +20571,7 @@
           <a:noFill/>
           <a:extLst>
             <a:ext uri="{909E8E84-426E-40DD-AFC4-6F175D3DCCD1}">
-              <a14:hiddenFill xmlns:a14="http://schemas.microsoft.com/office/drawing/2010/main">
+              <a14:hiddenFill xmlns="" xmlns:a14="http://schemas.microsoft.com/office/drawing/2010/main">
                 <a:solidFill>
                   <a:srgbClr val="FFFFFF"/>
                 </a:solidFill>
@@ -20572,10 +20589,10 @@
           <p:nvPr/>
         </p:nvPicPr>
         <p:blipFill>
-          <a:blip r:embed="rId3">
+          <a:blip r:embed="rId3" cstate="print">
             <a:extLst>
               <a:ext uri="{28A0092B-C50C-407E-A947-70E740481C1C}">
-                <a14:useLocalDpi xmlns:a14="http://schemas.microsoft.com/office/drawing/2010/main" val="0"/>
+                <a14:useLocalDpi xmlns="" xmlns:a14="http://schemas.microsoft.com/office/drawing/2010/main" val="0"/>
               </a:ext>
             </a:extLst>
           </a:blip>
@@ -20595,7 +20612,7 @@
           <a:noFill/>
           <a:extLst>
             <a:ext uri="{909E8E84-426E-40DD-AFC4-6F175D3DCCD1}">
-              <a14:hiddenFill xmlns:a14="http://schemas.microsoft.com/office/drawing/2010/main">
+              <a14:hiddenFill xmlns="" xmlns:a14="http://schemas.microsoft.com/office/drawing/2010/main">
                 <a:solidFill>
                   <a:srgbClr val="FFFFFF"/>
                 </a:solidFill>
@@ -20613,10 +20630,10 @@
           <p:nvPr/>
         </p:nvPicPr>
         <p:blipFill>
-          <a:blip r:embed="rId4">
+          <a:blip r:embed="rId4" cstate="print">
             <a:extLst>
               <a:ext uri="{28A0092B-C50C-407E-A947-70E740481C1C}">
-                <a14:useLocalDpi xmlns:a14="http://schemas.microsoft.com/office/drawing/2010/main" val="0"/>
+                <a14:useLocalDpi xmlns="" xmlns:a14="http://schemas.microsoft.com/office/drawing/2010/main" val="0"/>
               </a:ext>
             </a:extLst>
           </a:blip>
@@ -20636,7 +20653,7 @@
           <a:noFill/>
           <a:extLst>
             <a:ext uri="{909E8E84-426E-40DD-AFC4-6F175D3DCCD1}">
-              <a14:hiddenFill xmlns:a14="http://schemas.microsoft.com/office/drawing/2010/main">
+              <a14:hiddenFill xmlns="" xmlns:a14="http://schemas.microsoft.com/office/drawing/2010/main">
                 <a:solidFill>
                   <a:srgbClr val="FFFFFF"/>
                 </a:solidFill>
@@ -20652,10 +20669,10 @@
           <p:nvPr/>
         </p:nvPicPr>
         <p:blipFill>
-          <a:blip r:embed="rId5">
+          <a:blip r:embed="rId5" cstate="print">
             <a:extLst>
               <a:ext uri="{28A0092B-C50C-407E-A947-70E740481C1C}">
-                <a14:useLocalDpi xmlns:a14="http://schemas.microsoft.com/office/drawing/2010/main" val="0"/>
+                <a14:useLocalDpi xmlns="" xmlns:a14="http://schemas.microsoft.com/office/drawing/2010/main" val="0"/>
               </a:ext>
             </a:extLst>
           </a:blip>
@@ -20681,18 +20698,18 @@
     </p:spTree>
     <p:extLst>
       <p:ext uri="{BB962C8B-B14F-4D97-AF65-F5344CB8AC3E}">
-        <p14:creationId xmlns:p14="http://schemas.microsoft.com/office/powerpoint/2010/main" val="2744819178"/>
+        <p14:creationId xmlns="" xmlns:p14="http://schemas.microsoft.com/office/powerpoint/2010/main" val="2744819178"/>
       </p:ext>
     </p:extLst>
   </p:cSld>
   <p:clrMapOvr>
     <a:masterClrMapping/>
   </p:clrMapOvr>
-  <mc:AlternateContent xmlns:mc="http://schemas.openxmlformats.org/markup-compatibility/2006" xmlns:p14="http://schemas.microsoft.com/office/powerpoint/2010/main">
-    <mc:Choice Requires="p14">
+  <mc:AlternateContent xmlns:mc="http://schemas.openxmlformats.org/markup-compatibility/2006">
+    <mc:Choice xmlns="" xmlns:p14="http://schemas.microsoft.com/office/powerpoint/2010/main" Requires="p14">
       <p:transition spd="slow" p14:dur="2000"/>
     </mc:Choice>
-    <mc:Fallback xmlns="">
+    <mc:Fallback>
       <p:transition spd="slow"/>
     </mc:Fallback>
   </mc:AlternateContent>
@@ -20995,7 +21012,7 @@
     </p:spTree>
     <p:extLst>
       <p:ext uri="{BB962C8B-B14F-4D97-AF65-F5344CB8AC3E}">
-        <p14:creationId xmlns:p14="http://schemas.microsoft.com/office/powerpoint/2010/main" val="3372413595"/>
+        <p14:creationId xmlns="" xmlns:p14="http://schemas.microsoft.com/office/powerpoint/2010/main" val="3372413595"/>
       </p:ext>
     </p:extLst>
   </p:cSld>
@@ -21248,7 +21265,7 @@
     </p:spTree>
     <p:extLst>
       <p:ext uri="{BB962C8B-B14F-4D97-AF65-F5344CB8AC3E}">
-        <p14:creationId xmlns:p14="http://schemas.microsoft.com/office/powerpoint/2010/main" val="770219838"/>
+        <p14:creationId xmlns="" xmlns:p14="http://schemas.microsoft.com/office/powerpoint/2010/main" val="770219838"/>
       </p:ext>
     </p:extLst>
   </p:cSld>
@@ -21494,7 +21511,7 @@
     </p:spTree>
     <p:extLst>
       <p:ext uri="{BB962C8B-B14F-4D97-AF65-F5344CB8AC3E}">
-        <p14:creationId xmlns:p14="http://schemas.microsoft.com/office/powerpoint/2010/main" val="3343627797"/>
+        <p14:creationId xmlns="" xmlns:p14="http://schemas.microsoft.com/office/powerpoint/2010/main" val="3343627797"/>
       </p:ext>
     </p:extLst>
   </p:cSld>
@@ -21565,13 +21582,8 @@
             </a:r>
             <a:r>
               <a:rPr lang="en-US" dirty="0" smtClean="0"/>
-              <a:t> - Manage the expense that happen once in the project. (money use to buy equipment, pay bill, </a:t>
-            </a:r>
-            <a:r>
-              <a:rPr lang="en-US" dirty="0" smtClean="0"/>
-              <a:t>…)</a:t>
-            </a:r>
-            <a:endParaRPr lang="en-US" dirty="0" smtClean="0"/>
+              <a:t> - Manage the expense that happen once in the project. (money use to buy equipment, pay bill, …)</a:t>
+            </a:r>
           </a:p>
           <a:p>
             <a:pPr marL="0" indent="0">
@@ -21679,7 +21691,7 @@
     </p:spTree>
     <p:extLst>
       <p:ext uri="{BB962C8B-B14F-4D97-AF65-F5344CB8AC3E}">
-        <p14:creationId xmlns:p14="http://schemas.microsoft.com/office/powerpoint/2010/main" val="16335065"/>
+        <p14:creationId xmlns="" xmlns:p14="http://schemas.microsoft.com/office/powerpoint/2010/main" val="16335065"/>
       </p:ext>
     </p:extLst>
   </p:cSld>
@@ -21859,7 +21871,7 @@
     </p:spTree>
     <p:extLst>
       <p:ext uri="{BB962C8B-B14F-4D97-AF65-F5344CB8AC3E}">
-        <p14:creationId xmlns:p14="http://schemas.microsoft.com/office/powerpoint/2010/main" val="401805092"/>
+        <p14:creationId xmlns="" xmlns:p14="http://schemas.microsoft.com/office/powerpoint/2010/main" val="401805092"/>
       </p:ext>
     </p:extLst>
   </p:cSld>
@@ -21975,14 +21987,14 @@
           <a:effectLst/>
           <a:extLst>
             <a:ext uri="{909E8E84-426E-40DD-AFC4-6F175D3DCCD1}">
-              <a14:hiddenFill xmlns:a14="http://schemas.microsoft.com/office/drawing/2010/main">
+              <a14:hiddenFill xmlns="" xmlns:a14="http://schemas.microsoft.com/office/drawing/2010/main">
                 <a:solidFill>
                   <a:schemeClr val="accent1"/>
                 </a:solidFill>
               </a14:hiddenFill>
             </a:ext>
             <a:ext uri="{91240B29-F687-4F45-9708-019B960494DF}">
-              <a14:hiddenLine xmlns:a14="http://schemas.microsoft.com/office/drawing/2010/main" w="9525" algn="ctr">
+              <a14:hiddenLine xmlns="" xmlns:a14="http://schemas.microsoft.com/office/drawing/2010/main" w="9525" algn="ctr">
                 <a:solidFill>
                   <a:schemeClr val="tx1"/>
                 </a:solidFill>
@@ -21992,7 +22004,7 @@
               </a14:hiddenLine>
             </a:ext>
             <a:ext uri="{AF507438-7753-43E0-B8FC-AC1667EBCBE1}">
-              <a14:hiddenEffects xmlns:a14="http://schemas.microsoft.com/office/drawing/2010/main">
+              <a14:hiddenEffects xmlns="" xmlns:a14="http://schemas.microsoft.com/office/drawing/2010/main">
                 <a:effectLst>
                   <a:outerShdw dist="35921" dir="2700000" algn="ctr" rotWithShape="0">
                     <a:schemeClr val="bg2"/>
@@ -22050,14 +22062,14 @@
           <a:effectLst/>
           <a:extLst>
             <a:ext uri="{909E8E84-426E-40DD-AFC4-6F175D3DCCD1}">
-              <a14:hiddenFill xmlns:a14="http://schemas.microsoft.com/office/drawing/2010/main">
+              <a14:hiddenFill xmlns="" xmlns:a14="http://schemas.microsoft.com/office/drawing/2010/main">
                 <a:solidFill>
                   <a:schemeClr val="accent1"/>
                 </a:solidFill>
               </a14:hiddenFill>
             </a:ext>
             <a:ext uri="{91240B29-F687-4F45-9708-019B960494DF}">
-              <a14:hiddenLine xmlns:a14="http://schemas.microsoft.com/office/drawing/2010/main" w="9525" algn="ctr">
+              <a14:hiddenLine xmlns="" xmlns:a14="http://schemas.microsoft.com/office/drawing/2010/main" w="9525" algn="ctr">
                 <a:solidFill>
                   <a:schemeClr val="tx1"/>
                 </a:solidFill>
@@ -22067,7 +22079,7 @@
               </a14:hiddenLine>
             </a:ext>
             <a:ext uri="{AF507438-7753-43E0-B8FC-AC1667EBCBE1}">
-              <a14:hiddenEffects xmlns:a14="http://schemas.microsoft.com/office/drawing/2010/main">
+              <a14:hiddenEffects xmlns="" xmlns:a14="http://schemas.microsoft.com/office/drawing/2010/main">
                 <a:effectLst>
                   <a:outerShdw dist="35921" dir="2700000" algn="ctr" rotWithShape="0">
                     <a:schemeClr val="bg2"/>
@@ -22125,14 +22137,14 @@
           <a:effectLst/>
           <a:extLst>
             <a:ext uri="{909E8E84-426E-40DD-AFC4-6F175D3DCCD1}">
-              <a14:hiddenFill xmlns:a14="http://schemas.microsoft.com/office/drawing/2010/main">
+              <a14:hiddenFill xmlns="" xmlns:a14="http://schemas.microsoft.com/office/drawing/2010/main">
                 <a:solidFill>
                   <a:schemeClr val="accent1"/>
                 </a:solidFill>
               </a14:hiddenFill>
             </a:ext>
             <a:ext uri="{91240B29-F687-4F45-9708-019B960494DF}">
-              <a14:hiddenLine xmlns:a14="http://schemas.microsoft.com/office/drawing/2010/main" w="9525" algn="ctr">
+              <a14:hiddenLine xmlns="" xmlns:a14="http://schemas.microsoft.com/office/drawing/2010/main" w="9525" algn="ctr">
                 <a:solidFill>
                   <a:schemeClr val="tx1"/>
                 </a:solidFill>
@@ -22142,7 +22154,7 @@
               </a14:hiddenLine>
             </a:ext>
             <a:ext uri="{AF507438-7753-43E0-B8FC-AC1667EBCBE1}">
-              <a14:hiddenEffects xmlns:a14="http://schemas.microsoft.com/office/drawing/2010/main">
+              <a14:hiddenEffects xmlns="" xmlns:a14="http://schemas.microsoft.com/office/drawing/2010/main">
                 <a:effectLst>
                   <a:outerShdw dist="35921" dir="2700000" algn="ctr" rotWithShape="0">
                     <a:schemeClr val="bg2"/>
@@ -22200,14 +22212,14 @@
           <a:effectLst/>
           <a:extLst>
             <a:ext uri="{909E8E84-426E-40DD-AFC4-6F175D3DCCD1}">
-              <a14:hiddenFill xmlns:a14="http://schemas.microsoft.com/office/drawing/2010/main">
+              <a14:hiddenFill xmlns="" xmlns:a14="http://schemas.microsoft.com/office/drawing/2010/main">
                 <a:solidFill>
                   <a:schemeClr val="accent1"/>
                 </a:solidFill>
               </a14:hiddenFill>
             </a:ext>
             <a:ext uri="{91240B29-F687-4F45-9708-019B960494DF}">
-              <a14:hiddenLine xmlns:a14="http://schemas.microsoft.com/office/drawing/2010/main" w="9525" algn="ctr">
+              <a14:hiddenLine xmlns="" xmlns:a14="http://schemas.microsoft.com/office/drawing/2010/main" w="9525" algn="ctr">
                 <a:solidFill>
                   <a:schemeClr val="tx1"/>
                 </a:solidFill>
@@ -22217,7 +22229,7 @@
               </a14:hiddenLine>
             </a:ext>
             <a:ext uri="{AF507438-7753-43E0-B8FC-AC1667EBCBE1}">
-              <a14:hiddenEffects xmlns:a14="http://schemas.microsoft.com/office/drawing/2010/main">
+              <a14:hiddenEffects xmlns="" xmlns:a14="http://schemas.microsoft.com/office/drawing/2010/main">
                 <a:effectLst>
                   <a:outerShdw dist="35921" dir="2700000" algn="ctr" rotWithShape="0">
                     <a:schemeClr val="bg2"/>
@@ -22322,7 +22334,7 @@
               <a:effectLst/>
               <a:extLst>
                 <a:ext uri="{91240B29-F687-4F45-9708-019B960494DF}">
-                  <a14:hiddenLine xmlns:a14="http://schemas.microsoft.com/office/drawing/2010/main" w="9525">
+                  <a14:hiddenLine xmlns="" xmlns:a14="http://schemas.microsoft.com/office/drawing/2010/main" w="9525">
                     <a:solidFill>
                       <a:schemeClr val="tx1"/>
                     </a:solidFill>
@@ -22332,7 +22344,7 @@
                   </a14:hiddenLine>
                 </a:ext>
                 <a:ext uri="{AF507438-7753-43E0-B8FC-AC1667EBCBE1}">
-                  <a14:hiddenEffects xmlns:a14="http://schemas.microsoft.com/office/drawing/2010/main">
+                  <a14:hiddenEffects xmlns="" xmlns:a14="http://schemas.microsoft.com/office/drawing/2010/main">
                     <a:effectLst>
                       <a:outerShdw dist="35921" dir="2700000" algn="ctr" rotWithShape="0">
                         <a:schemeClr val="bg2"/>
@@ -22388,7 +22400,7 @@
               <a:effectLst/>
               <a:extLst>
                 <a:ext uri="{91240B29-F687-4F45-9708-019B960494DF}">
-                  <a14:hiddenLine xmlns:a14="http://schemas.microsoft.com/office/drawing/2010/main" w="9525">
+                  <a14:hiddenLine xmlns="" xmlns:a14="http://schemas.microsoft.com/office/drawing/2010/main" w="9525">
                     <a:solidFill>
                       <a:schemeClr val="tx1"/>
                     </a:solidFill>
@@ -22398,7 +22410,7 @@
                   </a14:hiddenLine>
                 </a:ext>
                 <a:ext uri="{AF507438-7753-43E0-B8FC-AC1667EBCBE1}">
-                  <a14:hiddenEffects xmlns:a14="http://schemas.microsoft.com/office/drawing/2010/main">
+                  <a14:hiddenEffects xmlns="" xmlns:a14="http://schemas.microsoft.com/office/drawing/2010/main">
                     <a:effectLst>
                       <a:outerShdw dist="35921" dir="2700000" algn="ctr" rotWithShape="0">
                         <a:schemeClr val="bg2"/>
@@ -22454,7 +22466,7 @@
               <a:effectLst/>
               <a:extLst>
                 <a:ext uri="{91240B29-F687-4F45-9708-019B960494DF}">
-                  <a14:hiddenLine xmlns:a14="http://schemas.microsoft.com/office/drawing/2010/main" w="9525">
+                  <a14:hiddenLine xmlns="" xmlns:a14="http://schemas.microsoft.com/office/drawing/2010/main" w="9525">
                     <a:solidFill>
                       <a:schemeClr val="tx1"/>
                     </a:solidFill>
@@ -22464,7 +22476,7 @@
                   </a14:hiddenLine>
                 </a:ext>
                 <a:ext uri="{AF507438-7753-43E0-B8FC-AC1667EBCBE1}">
-                  <a14:hiddenEffects xmlns:a14="http://schemas.microsoft.com/office/drawing/2010/main">
+                  <a14:hiddenEffects xmlns="" xmlns:a14="http://schemas.microsoft.com/office/drawing/2010/main">
                     <a:effectLst>
                       <a:outerShdw dist="35921" dir="2700000" algn="ctr" rotWithShape="0">
                         <a:schemeClr val="bg2"/>
@@ -22542,7 +22554,7 @@
               </a:ln>
               <a:extLst>
                 <a:ext uri="{91240B29-F687-4F45-9708-019B960494DF}">
-                  <a14:hiddenLine xmlns:a14="http://schemas.microsoft.com/office/drawing/2010/main" w="9525">
+                  <a14:hiddenLine xmlns="" xmlns:a14="http://schemas.microsoft.com/office/drawing/2010/main" w="9525">
                     <a:solidFill>
                       <a:srgbClr val="000000"/>
                     </a:solidFill>
@@ -22604,7 +22616,7 @@
               </a:ln>
               <a:extLst>
                 <a:ext uri="{91240B29-F687-4F45-9708-019B960494DF}">
-                  <a14:hiddenLine xmlns:a14="http://schemas.microsoft.com/office/drawing/2010/main" w="9525">
+                  <a14:hiddenLine xmlns="" xmlns:a14="http://schemas.microsoft.com/office/drawing/2010/main" w="9525">
                     <a:solidFill>
                       <a:srgbClr val="000000"/>
                     </a:solidFill>
@@ -22666,7 +22678,7 @@
               </a:ln>
               <a:extLst>
                 <a:ext uri="{91240B29-F687-4F45-9708-019B960494DF}">
-                  <a14:hiddenLine xmlns:a14="http://schemas.microsoft.com/office/drawing/2010/main" w="9525">
+                  <a14:hiddenLine xmlns="" xmlns:a14="http://schemas.microsoft.com/office/drawing/2010/main" w="9525">
                     <a:solidFill>
                       <a:srgbClr val="000000"/>
                     </a:solidFill>
@@ -22728,7 +22740,7 @@
               </a:ln>
               <a:extLst>
                 <a:ext uri="{91240B29-F687-4F45-9708-019B960494DF}">
-                  <a14:hiddenLine xmlns:a14="http://schemas.microsoft.com/office/drawing/2010/main" w="9525">
+                  <a14:hiddenLine xmlns="" xmlns:a14="http://schemas.microsoft.com/office/drawing/2010/main" w="9525">
                     <a:solidFill>
                       <a:srgbClr val="000000"/>
                     </a:solidFill>
@@ -22790,7 +22802,7 @@
               </a:ln>
               <a:extLst>
                 <a:ext uri="{91240B29-F687-4F45-9708-019B960494DF}">
-                  <a14:hiddenLine xmlns:a14="http://schemas.microsoft.com/office/drawing/2010/main" w="9525">
+                  <a14:hiddenLine xmlns="" xmlns:a14="http://schemas.microsoft.com/office/drawing/2010/main" w="9525">
                     <a:solidFill>
                       <a:srgbClr val="000000"/>
                     </a:solidFill>
@@ -22852,7 +22864,7 @@
               </a:ln>
               <a:extLst>
                 <a:ext uri="{91240B29-F687-4F45-9708-019B960494DF}">
-                  <a14:hiddenLine xmlns:a14="http://schemas.microsoft.com/office/drawing/2010/main" w="9525">
+                  <a14:hiddenLine xmlns="" xmlns:a14="http://schemas.microsoft.com/office/drawing/2010/main" w="9525">
                     <a:solidFill>
                       <a:srgbClr val="000000"/>
                     </a:solidFill>
@@ -22914,7 +22926,7 @@
               </a:ln>
               <a:extLst>
                 <a:ext uri="{91240B29-F687-4F45-9708-019B960494DF}">
-                  <a14:hiddenLine xmlns:a14="http://schemas.microsoft.com/office/drawing/2010/main" w="9525">
+                  <a14:hiddenLine xmlns="" xmlns:a14="http://schemas.microsoft.com/office/drawing/2010/main" w="9525">
                     <a:solidFill>
                       <a:srgbClr val="000000"/>
                     </a:solidFill>
@@ -22969,7 +22981,7 @@
               </a:ln>
               <a:extLst>
                 <a:ext uri="{91240B29-F687-4F45-9708-019B960494DF}">
-                  <a14:hiddenLine xmlns:a14="http://schemas.microsoft.com/office/drawing/2010/main" w="9525">
+                  <a14:hiddenLine xmlns="" xmlns:a14="http://schemas.microsoft.com/office/drawing/2010/main" w="9525">
                     <a:solidFill>
                       <a:srgbClr val="000000"/>
                     </a:solidFill>
@@ -23024,7 +23036,7 @@
               </a:ln>
               <a:extLst>
                 <a:ext uri="{91240B29-F687-4F45-9708-019B960494DF}">
-                  <a14:hiddenLine xmlns:a14="http://schemas.microsoft.com/office/drawing/2010/main" w="9525">
+                  <a14:hiddenLine xmlns="" xmlns:a14="http://schemas.microsoft.com/office/drawing/2010/main" w="9525">
                     <a:solidFill>
                       <a:srgbClr val="000000"/>
                     </a:solidFill>
@@ -23079,7 +23091,7 @@
               </a:ln>
               <a:extLst>
                 <a:ext uri="{91240B29-F687-4F45-9708-019B960494DF}">
-                  <a14:hiddenLine xmlns:a14="http://schemas.microsoft.com/office/drawing/2010/main" w="9525">
+                  <a14:hiddenLine xmlns="" xmlns:a14="http://schemas.microsoft.com/office/drawing/2010/main" w="9525">
                     <a:solidFill>
                       <a:srgbClr val="000000"/>
                     </a:solidFill>
@@ -23134,7 +23146,7 @@
               </a:ln>
               <a:extLst>
                 <a:ext uri="{91240B29-F687-4F45-9708-019B960494DF}">
-                  <a14:hiddenLine xmlns:a14="http://schemas.microsoft.com/office/drawing/2010/main" w="9525">
+                  <a14:hiddenLine xmlns="" xmlns:a14="http://schemas.microsoft.com/office/drawing/2010/main" w="9525">
                     <a:solidFill>
                       <a:srgbClr val="000000"/>
                     </a:solidFill>
@@ -23196,7 +23208,7 @@
               </a:ln>
               <a:extLst>
                 <a:ext uri="{91240B29-F687-4F45-9708-019B960494DF}">
-                  <a14:hiddenLine xmlns:a14="http://schemas.microsoft.com/office/drawing/2010/main" w="9525">
+                  <a14:hiddenLine xmlns="" xmlns:a14="http://schemas.microsoft.com/office/drawing/2010/main" w="9525">
                     <a:solidFill>
                       <a:srgbClr val="000000"/>
                     </a:solidFill>
@@ -23258,7 +23270,7 @@
               </a:ln>
               <a:extLst>
                 <a:ext uri="{91240B29-F687-4F45-9708-019B960494DF}">
-                  <a14:hiddenLine xmlns:a14="http://schemas.microsoft.com/office/drawing/2010/main" w="9525">
+                  <a14:hiddenLine xmlns="" xmlns:a14="http://schemas.microsoft.com/office/drawing/2010/main" w="9525">
                     <a:solidFill>
                       <a:srgbClr val="000000"/>
                     </a:solidFill>
@@ -23320,7 +23332,7 @@
               </a:ln>
               <a:extLst>
                 <a:ext uri="{91240B29-F687-4F45-9708-019B960494DF}">
-                  <a14:hiddenLine xmlns:a14="http://schemas.microsoft.com/office/drawing/2010/main" w="9525">
+                  <a14:hiddenLine xmlns="" xmlns:a14="http://schemas.microsoft.com/office/drawing/2010/main" w="9525">
                     <a:solidFill>
                       <a:srgbClr val="000000"/>
                     </a:solidFill>
@@ -23411,7 +23423,7 @@
               <a:effectLst/>
               <a:extLst>
                 <a:ext uri="{91240B29-F687-4F45-9708-019B960494DF}">
-                  <a14:hiddenLine xmlns:a14="http://schemas.microsoft.com/office/drawing/2010/main" w="9525">
+                  <a14:hiddenLine xmlns="" xmlns:a14="http://schemas.microsoft.com/office/drawing/2010/main" w="9525">
                     <a:solidFill>
                       <a:schemeClr val="tx1"/>
                     </a:solidFill>
@@ -23421,7 +23433,7 @@
                   </a14:hiddenLine>
                 </a:ext>
                 <a:ext uri="{AF507438-7753-43E0-B8FC-AC1667EBCBE1}">
-                  <a14:hiddenEffects xmlns:a14="http://schemas.microsoft.com/office/drawing/2010/main">
+                  <a14:hiddenEffects xmlns="" xmlns:a14="http://schemas.microsoft.com/office/drawing/2010/main">
                     <a:effectLst>
                       <a:outerShdw dist="35921" dir="2700000" algn="ctr" rotWithShape="0">
                         <a:schemeClr val="bg2"/>
@@ -23477,7 +23489,7 @@
               <a:effectLst/>
               <a:extLst>
                 <a:ext uri="{91240B29-F687-4F45-9708-019B960494DF}">
-                  <a14:hiddenLine xmlns:a14="http://schemas.microsoft.com/office/drawing/2010/main" w="9525">
+                  <a14:hiddenLine xmlns="" xmlns:a14="http://schemas.microsoft.com/office/drawing/2010/main" w="9525">
                     <a:solidFill>
                       <a:schemeClr val="tx1"/>
                     </a:solidFill>
@@ -23487,7 +23499,7 @@
                   </a14:hiddenLine>
                 </a:ext>
                 <a:ext uri="{AF507438-7753-43E0-B8FC-AC1667EBCBE1}">
-                  <a14:hiddenEffects xmlns:a14="http://schemas.microsoft.com/office/drawing/2010/main">
+                  <a14:hiddenEffects xmlns="" xmlns:a14="http://schemas.microsoft.com/office/drawing/2010/main">
                     <a:effectLst>
                       <a:outerShdw dist="35921" dir="2700000" algn="ctr" rotWithShape="0">
                         <a:schemeClr val="bg2"/>
@@ -23543,7 +23555,7 @@
               <a:effectLst/>
               <a:extLst>
                 <a:ext uri="{91240B29-F687-4F45-9708-019B960494DF}">
-                  <a14:hiddenLine xmlns:a14="http://schemas.microsoft.com/office/drawing/2010/main" w="9525">
+                  <a14:hiddenLine xmlns="" xmlns:a14="http://schemas.microsoft.com/office/drawing/2010/main" w="9525">
                     <a:solidFill>
                       <a:schemeClr val="tx1"/>
                     </a:solidFill>
@@ -23553,7 +23565,7 @@
                   </a14:hiddenLine>
                 </a:ext>
                 <a:ext uri="{AF507438-7753-43E0-B8FC-AC1667EBCBE1}">
-                  <a14:hiddenEffects xmlns:a14="http://schemas.microsoft.com/office/drawing/2010/main">
+                  <a14:hiddenEffects xmlns="" xmlns:a14="http://schemas.microsoft.com/office/drawing/2010/main">
                     <a:effectLst>
                       <a:outerShdw dist="35921" dir="2700000" algn="ctr" rotWithShape="0">
                         <a:schemeClr val="bg2"/>
@@ -23631,7 +23643,7 @@
               </a:ln>
               <a:extLst>
                 <a:ext uri="{91240B29-F687-4F45-9708-019B960494DF}">
-                  <a14:hiddenLine xmlns:a14="http://schemas.microsoft.com/office/drawing/2010/main" w="9525">
+                  <a14:hiddenLine xmlns="" xmlns:a14="http://schemas.microsoft.com/office/drawing/2010/main" w="9525">
                     <a:solidFill>
                       <a:srgbClr val="000000"/>
                     </a:solidFill>
@@ -23693,7 +23705,7 @@
               </a:ln>
               <a:extLst>
                 <a:ext uri="{91240B29-F687-4F45-9708-019B960494DF}">
-                  <a14:hiddenLine xmlns:a14="http://schemas.microsoft.com/office/drawing/2010/main" w="9525">
+                  <a14:hiddenLine xmlns="" xmlns:a14="http://schemas.microsoft.com/office/drawing/2010/main" w="9525">
                     <a:solidFill>
                       <a:srgbClr val="000000"/>
                     </a:solidFill>
@@ -23755,7 +23767,7 @@
               </a:ln>
               <a:extLst>
                 <a:ext uri="{91240B29-F687-4F45-9708-019B960494DF}">
-                  <a14:hiddenLine xmlns:a14="http://schemas.microsoft.com/office/drawing/2010/main" w="9525">
+                  <a14:hiddenLine xmlns="" xmlns:a14="http://schemas.microsoft.com/office/drawing/2010/main" w="9525">
                     <a:solidFill>
                       <a:srgbClr val="000000"/>
                     </a:solidFill>
@@ -23817,7 +23829,7 @@
               </a:ln>
               <a:extLst>
                 <a:ext uri="{91240B29-F687-4F45-9708-019B960494DF}">
-                  <a14:hiddenLine xmlns:a14="http://schemas.microsoft.com/office/drawing/2010/main" w="9525">
+                  <a14:hiddenLine xmlns="" xmlns:a14="http://schemas.microsoft.com/office/drawing/2010/main" w="9525">
                     <a:solidFill>
                       <a:srgbClr val="000000"/>
                     </a:solidFill>
@@ -23879,7 +23891,7 @@
               </a:ln>
               <a:extLst>
                 <a:ext uri="{91240B29-F687-4F45-9708-019B960494DF}">
-                  <a14:hiddenLine xmlns:a14="http://schemas.microsoft.com/office/drawing/2010/main" w="9525">
+                  <a14:hiddenLine xmlns="" xmlns:a14="http://schemas.microsoft.com/office/drawing/2010/main" w="9525">
                     <a:solidFill>
                       <a:srgbClr val="000000"/>
                     </a:solidFill>
@@ -23941,7 +23953,7 @@
               </a:ln>
               <a:extLst>
                 <a:ext uri="{91240B29-F687-4F45-9708-019B960494DF}">
-                  <a14:hiddenLine xmlns:a14="http://schemas.microsoft.com/office/drawing/2010/main" w="9525">
+                  <a14:hiddenLine xmlns="" xmlns:a14="http://schemas.microsoft.com/office/drawing/2010/main" w="9525">
                     <a:solidFill>
                       <a:srgbClr val="000000"/>
                     </a:solidFill>
@@ -24003,7 +24015,7 @@
               </a:ln>
               <a:extLst>
                 <a:ext uri="{91240B29-F687-4F45-9708-019B960494DF}">
-                  <a14:hiddenLine xmlns:a14="http://schemas.microsoft.com/office/drawing/2010/main" w="9525">
+                  <a14:hiddenLine xmlns="" xmlns:a14="http://schemas.microsoft.com/office/drawing/2010/main" w="9525">
                     <a:solidFill>
                       <a:srgbClr val="000000"/>
                     </a:solidFill>
@@ -24058,7 +24070,7 @@
               </a:ln>
               <a:extLst>
                 <a:ext uri="{91240B29-F687-4F45-9708-019B960494DF}">
-                  <a14:hiddenLine xmlns:a14="http://schemas.microsoft.com/office/drawing/2010/main" w="9525">
+                  <a14:hiddenLine xmlns="" xmlns:a14="http://schemas.microsoft.com/office/drawing/2010/main" w="9525">
                     <a:solidFill>
                       <a:srgbClr val="000000"/>
                     </a:solidFill>
@@ -24113,7 +24125,7 @@
               </a:ln>
               <a:extLst>
                 <a:ext uri="{91240B29-F687-4F45-9708-019B960494DF}">
-                  <a14:hiddenLine xmlns:a14="http://schemas.microsoft.com/office/drawing/2010/main" w="9525">
+                  <a14:hiddenLine xmlns="" xmlns:a14="http://schemas.microsoft.com/office/drawing/2010/main" w="9525">
                     <a:solidFill>
                       <a:srgbClr val="000000"/>
                     </a:solidFill>
@@ -24168,7 +24180,7 @@
               </a:ln>
               <a:extLst>
                 <a:ext uri="{91240B29-F687-4F45-9708-019B960494DF}">
-                  <a14:hiddenLine xmlns:a14="http://schemas.microsoft.com/office/drawing/2010/main" w="9525">
+                  <a14:hiddenLine xmlns="" xmlns:a14="http://schemas.microsoft.com/office/drawing/2010/main" w="9525">
                     <a:solidFill>
                       <a:srgbClr val="000000"/>
                     </a:solidFill>
@@ -24223,7 +24235,7 @@
               </a:ln>
               <a:extLst>
                 <a:ext uri="{91240B29-F687-4F45-9708-019B960494DF}">
-                  <a14:hiddenLine xmlns:a14="http://schemas.microsoft.com/office/drawing/2010/main" w="9525">
+                  <a14:hiddenLine xmlns="" xmlns:a14="http://schemas.microsoft.com/office/drawing/2010/main" w="9525">
                     <a:solidFill>
                       <a:srgbClr val="000000"/>
                     </a:solidFill>
@@ -24285,7 +24297,7 @@
               </a:ln>
               <a:extLst>
                 <a:ext uri="{91240B29-F687-4F45-9708-019B960494DF}">
-                  <a14:hiddenLine xmlns:a14="http://schemas.microsoft.com/office/drawing/2010/main" w="9525">
+                  <a14:hiddenLine xmlns="" xmlns:a14="http://schemas.microsoft.com/office/drawing/2010/main" w="9525">
                     <a:solidFill>
                       <a:srgbClr val="000000"/>
                     </a:solidFill>
@@ -24347,7 +24359,7 @@
               </a:ln>
               <a:extLst>
                 <a:ext uri="{91240B29-F687-4F45-9708-019B960494DF}">
-                  <a14:hiddenLine xmlns:a14="http://schemas.microsoft.com/office/drawing/2010/main" w="9525">
+                  <a14:hiddenLine xmlns="" xmlns:a14="http://schemas.microsoft.com/office/drawing/2010/main" w="9525">
                     <a:solidFill>
                       <a:srgbClr val="000000"/>
                     </a:solidFill>
@@ -24409,7 +24421,7 @@
               </a:ln>
               <a:extLst>
                 <a:ext uri="{91240B29-F687-4F45-9708-019B960494DF}">
-                  <a14:hiddenLine xmlns:a14="http://schemas.microsoft.com/office/drawing/2010/main" w="9525">
+                  <a14:hiddenLine xmlns="" xmlns:a14="http://schemas.microsoft.com/office/drawing/2010/main" w="9525">
                     <a:solidFill>
                       <a:srgbClr val="000000"/>
                     </a:solidFill>
@@ -24500,7 +24512,7 @@
               <a:effectLst/>
               <a:extLst>
                 <a:ext uri="{91240B29-F687-4F45-9708-019B960494DF}">
-                  <a14:hiddenLine xmlns:a14="http://schemas.microsoft.com/office/drawing/2010/main" w="9525">
+                  <a14:hiddenLine xmlns="" xmlns:a14="http://schemas.microsoft.com/office/drawing/2010/main" w="9525">
                     <a:solidFill>
                       <a:schemeClr val="tx1"/>
                     </a:solidFill>
@@ -24510,7 +24522,7 @@
                   </a14:hiddenLine>
                 </a:ext>
                 <a:ext uri="{AF507438-7753-43E0-B8FC-AC1667EBCBE1}">
-                  <a14:hiddenEffects xmlns:a14="http://schemas.microsoft.com/office/drawing/2010/main">
+                  <a14:hiddenEffects xmlns="" xmlns:a14="http://schemas.microsoft.com/office/drawing/2010/main">
                     <a:effectLst>
                       <a:outerShdw dist="35921" dir="2700000" algn="ctr" rotWithShape="0">
                         <a:schemeClr val="bg2"/>
@@ -24566,7 +24578,7 @@
               <a:effectLst/>
               <a:extLst>
                 <a:ext uri="{91240B29-F687-4F45-9708-019B960494DF}">
-                  <a14:hiddenLine xmlns:a14="http://schemas.microsoft.com/office/drawing/2010/main" w="9525">
+                  <a14:hiddenLine xmlns="" xmlns:a14="http://schemas.microsoft.com/office/drawing/2010/main" w="9525">
                     <a:solidFill>
                       <a:schemeClr val="tx1"/>
                     </a:solidFill>
@@ -24576,7 +24588,7 @@
                   </a14:hiddenLine>
                 </a:ext>
                 <a:ext uri="{AF507438-7753-43E0-B8FC-AC1667EBCBE1}">
-                  <a14:hiddenEffects xmlns:a14="http://schemas.microsoft.com/office/drawing/2010/main">
+                  <a14:hiddenEffects xmlns="" xmlns:a14="http://schemas.microsoft.com/office/drawing/2010/main">
                     <a:effectLst>
                       <a:outerShdw dist="35921" dir="2700000" algn="ctr" rotWithShape="0">
                         <a:schemeClr val="bg2"/>
@@ -24632,7 +24644,7 @@
               <a:effectLst/>
               <a:extLst>
                 <a:ext uri="{91240B29-F687-4F45-9708-019B960494DF}">
-                  <a14:hiddenLine xmlns:a14="http://schemas.microsoft.com/office/drawing/2010/main" w="9525">
+                  <a14:hiddenLine xmlns="" xmlns:a14="http://schemas.microsoft.com/office/drawing/2010/main" w="9525">
                     <a:solidFill>
                       <a:schemeClr val="tx1"/>
                     </a:solidFill>
@@ -24642,7 +24654,7 @@
                   </a14:hiddenLine>
                 </a:ext>
                 <a:ext uri="{AF507438-7753-43E0-B8FC-AC1667EBCBE1}">
-                  <a14:hiddenEffects xmlns:a14="http://schemas.microsoft.com/office/drawing/2010/main">
+                  <a14:hiddenEffects xmlns="" xmlns:a14="http://schemas.microsoft.com/office/drawing/2010/main">
                     <a:effectLst>
                       <a:outerShdw dist="35921" dir="2700000" algn="ctr" rotWithShape="0">
                         <a:schemeClr val="bg2"/>
@@ -24720,7 +24732,7 @@
               </a:ln>
               <a:extLst>
                 <a:ext uri="{91240B29-F687-4F45-9708-019B960494DF}">
-                  <a14:hiddenLine xmlns:a14="http://schemas.microsoft.com/office/drawing/2010/main" w="9525">
+                  <a14:hiddenLine xmlns="" xmlns:a14="http://schemas.microsoft.com/office/drawing/2010/main" w="9525">
                     <a:solidFill>
                       <a:srgbClr val="000000"/>
                     </a:solidFill>
@@ -24782,7 +24794,7 @@
               </a:ln>
               <a:extLst>
                 <a:ext uri="{91240B29-F687-4F45-9708-019B960494DF}">
-                  <a14:hiddenLine xmlns:a14="http://schemas.microsoft.com/office/drawing/2010/main" w="9525">
+                  <a14:hiddenLine xmlns="" xmlns:a14="http://schemas.microsoft.com/office/drawing/2010/main" w="9525">
                     <a:solidFill>
                       <a:srgbClr val="000000"/>
                     </a:solidFill>
@@ -24844,7 +24856,7 @@
               </a:ln>
               <a:extLst>
                 <a:ext uri="{91240B29-F687-4F45-9708-019B960494DF}">
-                  <a14:hiddenLine xmlns:a14="http://schemas.microsoft.com/office/drawing/2010/main" w="9525">
+                  <a14:hiddenLine xmlns="" xmlns:a14="http://schemas.microsoft.com/office/drawing/2010/main" w="9525">
                     <a:solidFill>
                       <a:srgbClr val="000000"/>
                     </a:solidFill>
@@ -24906,7 +24918,7 @@
               </a:ln>
               <a:extLst>
                 <a:ext uri="{91240B29-F687-4F45-9708-019B960494DF}">
-                  <a14:hiddenLine xmlns:a14="http://schemas.microsoft.com/office/drawing/2010/main" w="9525">
+                  <a14:hiddenLine xmlns="" xmlns:a14="http://schemas.microsoft.com/office/drawing/2010/main" w="9525">
                     <a:solidFill>
                       <a:srgbClr val="000000"/>
                     </a:solidFill>
@@ -24968,7 +24980,7 @@
               </a:ln>
               <a:extLst>
                 <a:ext uri="{91240B29-F687-4F45-9708-019B960494DF}">
-                  <a14:hiddenLine xmlns:a14="http://schemas.microsoft.com/office/drawing/2010/main" w="9525">
+                  <a14:hiddenLine xmlns="" xmlns:a14="http://schemas.microsoft.com/office/drawing/2010/main" w="9525">
                     <a:solidFill>
                       <a:srgbClr val="000000"/>
                     </a:solidFill>
@@ -25030,7 +25042,7 @@
               </a:ln>
               <a:extLst>
                 <a:ext uri="{91240B29-F687-4F45-9708-019B960494DF}">
-                  <a14:hiddenLine xmlns:a14="http://schemas.microsoft.com/office/drawing/2010/main" w="9525">
+                  <a14:hiddenLine xmlns="" xmlns:a14="http://schemas.microsoft.com/office/drawing/2010/main" w="9525">
                     <a:solidFill>
                       <a:srgbClr val="000000"/>
                     </a:solidFill>
@@ -25092,7 +25104,7 @@
               </a:ln>
               <a:extLst>
                 <a:ext uri="{91240B29-F687-4F45-9708-019B960494DF}">
-                  <a14:hiddenLine xmlns:a14="http://schemas.microsoft.com/office/drawing/2010/main" w="9525">
+                  <a14:hiddenLine xmlns="" xmlns:a14="http://schemas.microsoft.com/office/drawing/2010/main" w="9525">
                     <a:solidFill>
                       <a:srgbClr val="000000"/>
                     </a:solidFill>
@@ -25147,7 +25159,7 @@
               </a:ln>
               <a:extLst>
                 <a:ext uri="{91240B29-F687-4F45-9708-019B960494DF}">
-                  <a14:hiddenLine xmlns:a14="http://schemas.microsoft.com/office/drawing/2010/main" w="9525">
+                  <a14:hiddenLine xmlns="" xmlns:a14="http://schemas.microsoft.com/office/drawing/2010/main" w="9525">
                     <a:solidFill>
                       <a:srgbClr val="000000"/>
                     </a:solidFill>
@@ -25202,7 +25214,7 @@
               </a:ln>
               <a:extLst>
                 <a:ext uri="{91240B29-F687-4F45-9708-019B960494DF}">
-                  <a14:hiddenLine xmlns:a14="http://schemas.microsoft.com/office/drawing/2010/main" w="9525">
+                  <a14:hiddenLine xmlns="" xmlns:a14="http://schemas.microsoft.com/office/drawing/2010/main" w="9525">
                     <a:solidFill>
                       <a:srgbClr val="000000"/>
                     </a:solidFill>
@@ -25257,7 +25269,7 @@
               </a:ln>
               <a:extLst>
                 <a:ext uri="{91240B29-F687-4F45-9708-019B960494DF}">
-                  <a14:hiddenLine xmlns:a14="http://schemas.microsoft.com/office/drawing/2010/main" w="9525">
+                  <a14:hiddenLine xmlns="" xmlns:a14="http://schemas.microsoft.com/office/drawing/2010/main" w="9525">
                     <a:solidFill>
                       <a:srgbClr val="000000"/>
                     </a:solidFill>
@@ -25312,7 +25324,7 @@
               </a:ln>
               <a:extLst>
                 <a:ext uri="{91240B29-F687-4F45-9708-019B960494DF}">
-                  <a14:hiddenLine xmlns:a14="http://schemas.microsoft.com/office/drawing/2010/main" w="9525">
+                  <a14:hiddenLine xmlns="" xmlns:a14="http://schemas.microsoft.com/office/drawing/2010/main" w="9525">
                     <a:solidFill>
                       <a:srgbClr val="000000"/>
                     </a:solidFill>
@@ -25374,7 +25386,7 @@
               </a:ln>
               <a:extLst>
                 <a:ext uri="{91240B29-F687-4F45-9708-019B960494DF}">
-                  <a14:hiddenLine xmlns:a14="http://schemas.microsoft.com/office/drawing/2010/main" w="9525">
+                  <a14:hiddenLine xmlns="" xmlns:a14="http://schemas.microsoft.com/office/drawing/2010/main" w="9525">
                     <a:solidFill>
                       <a:srgbClr val="000000"/>
                     </a:solidFill>
@@ -25436,7 +25448,7 @@
               </a:ln>
               <a:extLst>
                 <a:ext uri="{91240B29-F687-4F45-9708-019B960494DF}">
-                  <a14:hiddenLine xmlns:a14="http://schemas.microsoft.com/office/drawing/2010/main" w="9525">
+                  <a14:hiddenLine xmlns="" xmlns:a14="http://schemas.microsoft.com/office/drawing/2010/main" w="9525">
                     <a:solidFill>
                       <a:srgbClr val="000000"/>
                     </a:solidFill>
@@ -25498,7 +25510,7 @@
               </a:ln>
               <a:extLst>
                 <a:ext uri="{91240B29-F687-4F45-9708-019B960494DF}">
-                  <a14:hiddenLine xmlns:a14="http://schemas.microsoft.com/office/drawing/2010/main" w="9525">
+                  <a14:hiddenLine xmlns="" xmlns:a14="http://schemas.microsoft.com/office/drawing/2010/main" w="9525">
                     <a:solidFill>
                       <a:srgbClr val="000000"/>
                     </a:solidFill>
@@ -25589,7 +25601,7 @@
               <a:effectLst/>
               <a:extLst>
                 <a:ext uri="{91240B29-F687-4F45-9708-019B960494DF}">
-                  <a14:hiddenLine xmlns:a14="http://schemas.microsoft.com/office/drawing/2010/main" w="9525">
+                  <a14:hiddenLine xmlns="" xmlns:a14="http://schemas.microsoft.com/office/drawing/2010/main" w="9525">
                     <a:solidFill>
                       <a:schemeClr val="tx1"/>
                     </a:solidFill>
@@ -25599,7 +25611,7 @@
                   </a14:hiddenLine>
                 </a:ext>
                 <a:ext uri="{AF507438-7753-43E0-B8FC-AC1667EBCBE1}">
-                  <a14:hiddenEffects xmlns:a14="http://schemas.microsoft.com/office/drawing/2010/main">
+                  <a14:hiddenEffects xmlns="" xmlns:a14="http://schemas.microsoft.com/office/drawing/2010/main">
                     <a:effectLst>
                       <a:outerShdw dist="35921" dir="2700000" algn="ctr" rotWithShape="0">
                         <a:schemeClr val="bg2"/>
@@ -25655,7 +25667,7 @@
               <a:effectLst/>
               <a:extLst>
                 <a:ext uri="{91240B29-F687-4F45-9708-019B960494DF}">
-                  <a14:hiddenLine xmlns:a14="http://schemas.microsoft.com/office/drawing/2010/main" w="9525">
+                  <a14:hiddenLine xmlns="" xmlns:a14="http://schemas.microsoft.com/office/drawing/2010/main" w="9525">
                     <a:solidFill>
                       <a:schemeClr val="tx1"/>
                     </a:solidFill>
@@ -25665,7 +25677,7 @@
                   </a14:hiddenLine>
                 </a:ext>
                 <a:ext uri="{AF507438-7753-43E0-B8FC-AC1667EBCBE1}">
-                  <a14:hiddenEffects xmlns:a14="http://schemas.microsoft.com/office/drawing/2010/main">
+                  <a14:hiddenEffects xmlns="" xmlns:a14="http://schemas.microsoft.com/office/drawing/2010/main">
                     <a:effectLst>
                       <a:outerShdw dist="35921" dir="2700000" algn="ctr" rotWithShape="0">
                         <a:schemeClr val="bg2"/>
@@ -25721,7 +25733,7 @@
               <a:effectLst/>
               <a:extLst>
                 <a:ext uri="{91240B29-F687-4F45-9708-019B960494DF}">
-                  <a14:hiddenLine xmlns:a14="http://schemas.microsoft.com/office/drawing/2010/main" w="9525">
+                  <a14:hiddenLine xmlns="" xmlns:a14="http://schemas.microsoft.com/office/drawing/2010/main" w="9525">
                     <a:solidFill>
                       <a:schemeClr val="tx1"/>
                     </a:solidFill>
@@ -25731,7 +25743,7 @@
                   </a14:hiddenLine>
                 </a:ext>
                 <a:ext uri="{AF507438-7753-43E0-B8FC-AC1667EBCBE1}">
-                  <a14:hiddenEffects xmlns:a14="http://schemas.microsoft.com/office/drawing/2010/main">
+                  <a14:hiddenEffects xmlns="" xmlns:a14="http://schemas.microsoft.com/office/drawing/2010/main">
                     <a:effectLst>
                       <a:outerShdw dist="35921" dir="2700000" algn="ctr" rotWithShape="0">
                         <a:schemeClr val="bg2"/>
@@ -25809,7 +25821,7 @@
               </a:ln>
               <a:extLst>
                 <a:ext uri="{91240B29-F687-4F45-9708-019B960494DF}">
-                  <a14:hiddenLine xmlns:a14="http://schemas.microsoft.com/office/drawing/2010/main" w="9525">
+                  <a14:hiddenLine xmlns="" xmlns:a14="http://schemas.microsoft.com/office/drawing/2010/main" w="9525">
                     <a:solidFill>
                       <a:srgbClr val="000000"/>
                     </a:solidFill>
@@ -25871,7 +25883,7 @@
               </a:ln>
               <a:extLst>
                 <a:ext uri="{91240B29-F687-4F45-9708-019B960494DF}">
-                  <a14:hiddenLine xmlns:a14="http://schemas.microsoft.com/office/drawing/2010/main" w="9525">
+                  <a14:hiddenLine xmlns="" xmlns:a14="http://schemas.microsoft.com/office/drawing/2010/main" w="9525">
                     <a:solidFill>
                       <a:srgbClr val="000000"/>
                     </a:solidFill>
@@ -25933,7 +25945,7 @@
               </a:ln>
               <a:extLst>
                 <a:ext uri="{91240B29-F687-4F45-9708-019B960494DF}">
-                  <a14:hiddenLine xmlns:a14="http://schemas.microsoft.com/office/drawing/2010/main" w="9525">
+                  <a14:hiddenLine xmlns="" xmlns:a14="http://schemas.microsoft.com/office/drawing/2010/main" w="9525">
                     <a:solidFill>
                       <a:srgbClr val="000000"/>
                     </a:solidFill>
@@ -25995,7 +26007,7 @@
               </a:ln>
               <a:extLst>
                 <a:ext uri="{91240B29-F687-4F45-9708-019B960494DF}">
-                  <a14:hiddenLine xmlns:a14="http://schemas.microsoft.com/office/drawing/2010/main" w="9525">
+                  <a14:hiddenLine xmlns="" xmlns:a14="http://schemas.microsoft.com/office/drawing/2010/main" w="9525">
                     <a:solidFill>
                       <a:srgbClr val="000000"/>
                     </a:solidFill>
@@ -26057,7 +26069,7 @@
               </a:ln>
               <a:extLst>
                 <a:ext uri="{91240B29-F687-4F45-9708-019B960494DF}">
-                  <a14:hiddenLine xmlns:a14="http://schemas.microsoft.com/office/drawing/2010/main" w="9525">
+                  <a14:hiddenLine xmlns="" xmlns:a14="http://schemas.microsoft.com/office/drawing/2010/main" w="9525">
                     <a:solidFill>
                       <a:srgbClr val="000000"/>
                     </a:solidFill>
@@ -26119,7 +26131,7 @@
               </a:ln>
               <a:extLst>
                 <a:ext uri="{91240B29-F687-4F45-9708-019B960494DF}">
-                  <a14:hiddenLine xmlns:a14="http://schemas.microsoft.com/office/drawing/2010/main" w="9525">
+                  <a14:hiddenLine xmlns="" xmlns:a14="http://schemas.microsoft.com/office/drawing/2010/main" w="9525">
                     <a:solidFill>
                       <a:srgbClr val="000000"/>
                     </a:solidFill>
@@ -26181,7 +26193,7 @@
               </a:ln>
               <a:extLst>
                 <a:ext uri="{91240B29-F687-4F45-9708-019B960494DF}">
-                  <a14:hiddenLine xmlns:a14="http://schemas.microsoft.com/office/drawing/2010/main" w="9525">
+                  <a14:hiddenLine xmlns="" xmlns:a14="http://schemas.microsoft.com/office/drawing/2010/main" w="9525">
                     <a:solidFill>
                       <a:srgbClr val="000000"/>
                     </a:solidFill>
@@ -26236,7 +26248,7 @@
               </a:ln>
               <a:extLst>
                 <a:ext uri="{91240B29-F687-4F45-9708-019B960494DF}">
-                  <a14:hiddenLine xmlns:a14="http://schemas.microsoft.com/office/drawing/2010/main" w="9525">
+                  <a14:hiddenLine xmlns="" xmlns:a14="http://schemas.microsoft.com/office/drawing/2010/main" w="9525">
                     <a:solidFill>
                       <a:srgbClr val="000000"/>
                     </a:solidFill>
@@ -26291,7 +26303,7 @@
               </a:ln>
               <a:extLst>
                 <a:ext uri="{91240B29-F687-4F45-9708-019B960494DF}">
-                  <a14:hiddenLine xmlns:a14="http://schemas.microsoft.com/office/drawing/2010/main" w="9525">
+                  <a14:hiddenLine xmlns="" xmlns:a14="http://schemas.microsoft.com/office/drawing/2010/main" w="9525">
                     <a:solidFill>
                       <a:srgbClr val="000000"/>
                     </a:solidFill>
@@ -26346,7 +26358,7 @@
               </a:ln>
               <a:extLst>
                 <a:ext uri="{91240B29-F687-4F45-9708-019B960494DF}">
-                  <a14:hiddenLine xmlns:a14="http://schemas.microsoft.com/office/drawing/2010/main" w="9525">
+                  <a14:hiddenLine xmlns="" xmlns:a14="http://schemas.microsoft.com/office/drawing/2010/main" w="9525">
                     <a:solidFill>
                       <a:srgbClr val="000000"/>
                     </a:solidFill>
@@ -26401,7 +26413,7 @@
               </a:ln>
               <a:extLst>
                 <a:ext uri="{91240B29-F687-4F45-9708-019B960494DF}">
-                  <a14:hiddenLine xmlns:a14="http://schemas.microsoft.com/office/drawing/2010/main" w="9525">
+                  <a14:hiddenLine xmlns="" xmlns:a14="http://schemas.microsoft.com/office/drawing/2010/main" w="9525">
                     <a:solidFill>
                       <a:srgbClr val="000000"/>
                     </a:solidFill>
@@ -26463,7 +26475,7 @@
               </a:ln>
               <a:extLst>
                 <a:ext uri="{91240B29-F687-4F45-9708-019B960494DF}">
-                  <a14:hiddenLine xmlns:a14="http://schemas.microsoft.com/office/drawing/2010/main" w="9525">
+                  <a14:hiddenLine xmlns="" xmlns:a14="http://schemas.microsoft.com/office/drawing/2010/main" w="9525">
                     <a:solidFill>
                       <a:srgbClr val="000000"/>
                     </a:solidFill>
@@ -26525,7 +26537,7 @@
               </a:ln>
               <a:extLst>
                 <a:ext uri="{91240B29-F687-4F45-9708-019B960494DF}">
-                  <a14:hiddenLine xmlns:a14="http://schemas.microsoft.com/office/drawing/2010/main" w="9525">
+                  <a14:hiddenLine xmlns="" xmlns:a14="http://schemas.microsoft.com/office/drawing/2010/main" w="9525">
                     <a:solidFill>
                       <a:srgbClr val="000000"/>
                     </a:solidFill>
@@ -26587,7 +26599,7 @@
               </a:ln>
               <a:extLst>
                 <a:ext uri="{91240B29-F687-4F45-9708-019B960494DF}">
-                  <a14:hiddenLine xmlns:a14="http://schemas.microsoft.com/office/drawing/2010/main" w="9525">
+                  <a14:hiddenLine xmlns="" xmlns:a14="http://schemas.microsoft.com/office/drawing/2010/main" w="9525">
                     <a:solidFill>
                       <a:srgbClr val="000000"/>
                     </a:solidFill>
@@ -26634,7 +26646,7 @@
     </p:spTree>
     <p:extLst>
       <p:ext uri="{BB962C8B-B14F-4D97-AF65-F5344CB8AC3E}">
-        <p14:creationId xmlns:p14="http://schemas.microsoft.com/office/powerpoint/2010/main" val="3876985873"/>
+        <p14:creationId xmlns="" xmlns:p14="http://schemas.microsoft.com/office/powerpoint/2010/main" val="3876985873"/>
       </p:ext>
     </p:extLst>
   </p:cSld>
@@ -26708,13 +26720,8 @@
             </a:r>
             <a:r>
               <a:rPr lang="en-US" dirty="0" smtClean="0"/>
-              <a:t> - Manage the expense that rarely appear (money to pay for working OT, bonus for employee, money receive from employee that take day off without salary, </a:t>
-            </a:r>
-            <a:r>
-              <a:rPr lang="en-US" dirty="0" smtClean="0"/>
-              <a:t>…)</a:t>
-            </a:r>
-            <a:endParaRPr lang="en-US" dirty="0" smtClean="0"/>
+              <a:t> - Manage the expense that rarely appear (money to pay for working OT, bonus for employee, money receive from employee that take day off without salary, …)</a:t>
+            </a:r>
           </a:p>
           <a:p>
             <a:pPr marL="0" indent="0">
@@ -26822,7 +26829,7 @@
     </p:spTree>
     <p:extLst>
       <p:ext uri="{BB962C8B-B14F-4D97-AF65-F5344CB8AC3E}">
-        <p14:creationId xmlns:p14="http://schemas.microsoft.com/office/powerpoint/2010/main" val="2864150794"/>
+        <p14:creationId xmlns="" xmlns:p14="http://schemas.microsoft.com/office/powerpoint/2010/main" val="2864150794"/>
       </p:ext>
     </p:extLst>
   </p:cSld>
@@ -26989,7 +26996,7 @@
     </p:spTree>
     <p:extLst>
       <p:ext uri="{BB962C8B-B14F-4D97-AF65-F5344CB8AC3E}">
-        <p14:creationId xmlns:p14="http://schemas.microsoft.com/office/powerpoint/2010/main" val="69981340"/>
+        <p14:creationId xmlns="" xmlns:p14="http://schemas.microsoft.com/office/powerpoint/2010/main" val="69981340"/>
       </p:ext>
     </p:extLst>
   </p:cSld>
@@ -27100,7 +27107,7 @@
     </p:spTree>
     <p:extLst>
       <p:ext uri="{BB962C8B-B14F-4D97-AF65-F5344CB8AC3E}">
-        <p14:creationId xmlns:p14="http://schemas.microsoft.com/office/powerpoint/2010/main" val="826463079"/>
+        <p14:creationId xmlns="" xmlns:p14="http://schemas.microsoft.com/office/powerpoint/2010/main" val="826463079"/>
       </p:ext>
     </p:extLst>
   </p:cSld>
@@ -27227,7 +27234,7 @@
     </p:spTree>
     <p:extLst>
       <p:ext uri="{BB962C8B-B14F-4D97-AF65-F5344CB8AC3E}">
-        <p14:creationId xmlns:p14="http://schemas.microsoft.com/office/powerpoint/2010/main" val="3529140204"/>
+        <p14:creationId xmlns="" xmlns:p14="http://schemas.microsoft.com/office/powerpoint/2010/main" val="3529140204"/>
       </p:ext>
     </p:extLst>
   </p:cSld>
@@ -27398,7 +27405,7 @@
     </p:spTree>
     <p:extLst>
       <p:ext uri="{BB962C8B-B14F-4D97-AF65-F5344CB8AC3E}">
-        <p14:creationId xmlns:p14="http://schemas.microsoft.com/office/powerpoint/2010/main" val="399120867"/>
+        <p14:creationId xmlns="" xmlns:p14="http://schemas.microsoft.com/office/powerpoint/2010/main" val="399120867"/>
       </p:ext>
     </p:extLst>
   </p:cSld>
@@ -27523,7 +27530,7 @@
     </p:spTree>
     <p:extLst>
       <p:ext uri="{BB962C8B-B14F-4D97-AF65-F5344CB8AC3E}">
-        <p14:creationId xmlns:p14="http://schemas.microsoft.com/office/powerpoint/2010/main" val="1054040105"/>
+        <p14:creationId xmlns="" xmlns:p14="http://schemas.microsoft.com/office/powerpoint/2010/main" val="1054040105"/>
       </p:ext>
     </p:extLst>
   </p:cSld>
@@ -27654,7 +27661,7 @@
     </p:spTree>
     <p:extLst>
       <p:ext uri="{BB962C8B-B14F-4D97-AF65-F5344CB8AC3E}">
-        <p14:creationId xmlns:p14="http://schemas.microsoft.com/office/powerpoint/2010/main" val="4115785231"/>
+        <p14:creationId xmlns="" xmlns:p14="http://schemas.microsoft.com/office/powerpoint/2010/main" val="4115785231"/>
       </p:ext>
     </p:extLst>
   </p:cSld>
@@ -27763,7 +27770,7 @@
     </p:spTree>
     <p:extLst>
       <p:ext uri="{BB962C8B-B14F-4D97-AF65-F5344CB8AC3E}">
-        <p14:creationId xmlns:p14="http://schemas.microsoft.com/office/powerpoint/2010/main" val="2790886634"/>
+        <p14:creationId xmlns="" xmlns:p14="http://schemas.microsoft.com/office/powerpoint/2010/main" val="2790886634"/>
       </p:ext>
     </p:extLst>
   </p:cSld>
@@ -27861,7 +27868,7 @@
     </p:spTree>
     <p:extLst>
       <p:ext uri="{BB962C8B-B14F-4D97-AF65-F5344CB8AC3E}">
-        <p14:creationId xmlns:p14="http://schemas.microsoft.com/office/powerpoint/2010/main" val="1473828895"/>
+        <p14:creationId xmlns="" xmlns:p14="http://schemas.microsoft.com/office/powerpoint/2010/main" val="1473828895"/>
       </p:ext>
     </p:extLst>
   </p:cSld>
@@ -28064,7 +28071,7 @@
     </p:spTree>
     <p:extLst>
       <p:ext uri="{BB962C8B-B14F-4D97-AF65-F5344CB8AC3E}">
-        <p14:creationId xmlns:p14="http://schemas.microsoft.com/office/powerpoint/2010/main" val="1849721042"/>
+        <p14:creationId xmlns="" xmlns:p14="http://schemas.microsoft.com/office/powerpoint/2010/main" val="1849721042"/>
       </p:ext>
     </p:extLst>
   </p:cSld>
@@ -28525,10 +28532,10 @@
           <p:nvPr/>
         </p:nvPicPr>
         <p:blipFill>
-          <a:blip r:embed="rId2">
+          <a:blip r:embed="rId2" cstate="print">
             <a:extLst>
               <a:ext uri="{28A0092B-C50C-407E-A947-70E740481C1C}">
-                <a14:useLocalDpi xmlns:a14="http://schemas.microsoft.com/office/drawing/2010/main" val="0"/>
+                <a14:useLocalDpi xmlns="" xmlns:a14="http://schemas.microsoft.com/office/drawing/2010/main" val="0"/>
               </a:ext>
             </a:extLst>
           </a:blip>
@@ -28548,7 +28555,7 @@
           <a:noFill/>
           <a:extLst>
             <a:ext uri="{909E8E84-426E-40DD-AFC4-6F175D3DCCD1}">
-              <a14:hiddenFill xmlns:a14="http://schemas.microsoft.com/office/drawing/2010/main">
+              <a14:hiddenFill xmlns="" xmlns:a14="http://schemas.microsoft.com/office/drawing/2010/main">
                 <a:solidFill>
                   <a:srgbClr val="FFFFFF"/>
                 </a:solidFill>
@@ -28583,20 +28590,20 @@
     </p:spTree>
     <p:extLst>
       <p:ext uri="{BB962C8B-B14F-4D97-AF65-F5344CB8AC3E}">
-        <p14:creationId xmlns:p14="http://schemas.microsoft.com/office/powerpoint/2010/main" val="1744215189"/>
+        <p14:creationId xmlns="" xmlns:p14="http://schemas.microsoft.com/office/powerpoint/2010/main" val="1744215189"/>
       </p:ext>
     </p:extLst>
   </p:cSld>
   <p:clrMapOvr>
     <a:masterClrMapping/>
   </p:clrMapOvr>
-  <mc:AlternateContent xmlns:mc="http://schemas.openxmlformats.org/markup-compatibility/2006" xmlns:p14="http://schemas.microsoft.com/office/powerpoint/2010/main">
-    <mc:Choice Requires="p14">
+  <mc:AlternateContent xmlns:mc="http://schemas.openxmlformats.org/markup-compatibility/2006">
+    <mc:Choice xmlns="" xmlns:p14="http://schemas.microsoft.com/office/powerpoint/2010/main" Requires="p14">
       <p:transition spd="slow" p14:dur="1300">
         <p14:pan dir="u"/>
       </p:transition>
     </mc:Choice>
-    <mc:Fallback xmlns="">
+    <mc:Fallback>
       <p:transition spd="slow">
         <p:fade/>
       </p:transition>
@@ -28785,7 +28792,7 @@
     </p:spTree>
     <p:extLst>
       <p:ext uri="{BB962C8B-B14F-4D97-AF65-F5344CB8AC3E}">
-        <p14:creationId xmlns:p14="http://schemas.microsoft.com/office/powerpoint/2010/main" val="3249347935"/>
+        <p14:creationId xmlns="" xmlns:p14="http://schemas.microsoft.com/office/powerpoint/2010/main" val="3249347935"/>
       </p:ext>
     </p:extLst>
   </p:cSld>
@@ -28922,10 +28929,10 @@
           <p:nvPr/>
         </p:nvPicPr>
         <p:blipFill>
-          <a:blip r:embed="rId2">
+          <a:blip r:embed="rId2" cstate="print">
             <a:extLst>
               <a:ext uri="{28A0092B-C50C-407E-A947-70E740481C1C}">
-                <a14:useLocalDpi xmlns:a14="http://schemas.microsoft.com/office/drawing/2010/main" val="0"/>
+                <a14:useLocalDpi xmlns="" xmlns:a14="http://schemas.microsoft.com/office/drawing/2010/main" val="0"/>
               </a:ext>
             </a:extLst>
           </a:blip>
@@ -28945,7 +28952,7 @@
           <a:noFill/>
           <a:extLst>
             <a:ext uri="{909E8E84-426E-40DD-AFC4-6F175D3DCCD1}">
-              <a14:hiddenFill xmlns:a14="http://schemas.microsoft.com/office/drawing/2010/main">
+              <a14:hiddenFill xmlns="" xmlns:a14="http://schemas.microsoft.com/office/drawing/2010/main">
                 <a:solidFill>
                   <a:srgbClr val="FFFFFF"/>
                 </a:solidFill>
@@ -28957,7 +28964,7 @@
     </p:spTree>
     <p:extLst>
       <p:ext uri="{BB962C8B-B14F-4D97-AF65-F5344CB8AC3E}">
-        <p14:creationId xmlns:p14="http://schemas.microsoft.com/office/powerpoint/2010/main" val="2181503388"/>
+        <p14:creationId xmlns="" xmlns:p14="http://schemas.microsoft.com/office/powerpoint/2010/main" val="2181503388"/>
       </p:ext>
     </p:extLst>
   </p:cSld>
@@ -29073,14 +29080,14 @@
           <a:effectLst/>
           <a:extLst>
             <a:ext uri="{909E8E84-426E-40DD-AFC4-6F175D3DCCD1}">
-              <a14:hiddenFill xmlns:a14="http://schemas.microsoft.com/office/drawing/2010/main">
+              <a14:hiddenFill xmlns="" xmlns:a14="http://schemas.microsoft.com/office/drawing/2010/main">
                 <a:solidFill>
                   <a:schemeClr val="accent1"/>
                 </a:solidFill>
               </a14:hiddenFill>
             </a:ext>
             <a:ext uri="{91240B29-F687-4F45-9708-019B960494DF}">
-              <a14:hiddenLine xmlns:a14="http://schemas.microsoft.com/office/drawing/2010/main" w="9525" algn="ctr">
+              <a14:hiddenLine xmlns="" xmlns:a14="http://schemas.microsoft.com/office/drawing/2010/main" w="9525" algn="ctr">
                 <a:solidFill>
                   <a:schemeClr val="tx1"/>
                 </a:solidFill>
@@ -29090,7 +29097,7 @@
               </a14:hiddenLine>
             </a:ext>
             <a:ext uri="{AF507438-7753-43E0-B8FC-AC1667EBCBE1}">
-              <a14:hiddenEffects xmlns:a14="http://schemas.microsoft.com/office/drawing/2010/main">
+              <a14:hiddenEffects xmlns="" xmlns:a14="http://schemas.microsoft.com/office/drawing/2010/main">
                 <a:effectLst>
                   <a:outerShdw dist="35921" dir="2700000" algn="ctr" rotWithShape="0">
                     <a:schemeClr val="bg2"/>
@@ -29148,14 +29155,14 @@
           <a:effectLst/>
           <a:extLst>
             <a:ext uri="{909E8E84-426E-40DD-AFC4-6F175D3DCCD1}">
-              <a14:hiddenFill xmlns:a14="http://schemas.microsoft.com/office/drawing/2010/main">
+              <a14:hiddenFill xmlns="" xmlns:a14="http://schemas.microsoft.com/office/drawing/2010/main">
                 <a:solidFill>
                   <a:schemeClr val="accent1"/>
                 </a:solidFill>
               </a14:hiddenFill>
             </a:ext>
             <a:ext uri="{91240B29-F687-4F45-9708-019B960494DF}">
-              <a14:hiddenLine xmlns:a14="http://schemas.microsoft.com/office/drawing/2010/main" w="9525" algn="ctr">
+              <a14:hiddenLine xmlns="" xmlns:a14="http://schemas.microsoft.com/office/drawing/2010/main" w="9525" algn="ctr">
                 <a:solidFill>
                   <a:schemeClr val="tx1"/>
                 </a:solidFill>
@@ -29165,7 +29172,7 @@
               </a14:hiddenLine>
             </a:ext>
             <a:ext uri="{AF507438-7753-43E0-B8FC-AC1667EBCBE1}">
-              <a14:hiddenEffects xmlns:a14="http://schemas.microsoft.com/office/drawing/2010/main">
+              <a14:hiddenEffects xmlns="" xmlns:a14="http://schemas.microsoft.com/office/drawing/2010/main">
                 <a:effectLst>
                   <a:outerShdw dist="35921" dir="2700000" algn="ctr" rotWithShape="0">
                     <a:schemeClr val="bg2"/>
@@ -29223,14 +29230,14 @@
           <a:effectLst/>
           <a:extLst>
             <a:ext uri="{909E8E84-426E-40DD-AFC4-6F175D3DCCD1}">
-              <a14:hiddenFill xmlns:a14="http://schemas.microsoft.com/office/drawing/2010/main">
+              <a14:hiddenFill xmlns="" xmlns:a14="http://schemas.microsoft.com/office/drawing/2010/main">
                 <a:solidFill>
                   <a:schemeClr val="accent1"/>
                 </a:solidFill>
               </a14:hiddenFill>
             </a:ext>
             <a:ext uri="{91240B29-F687-4F45-9708-019B960494DF}">
-              <a14:hiddenLine xmlns:a14="http://schemas.microsoft.com/office/drawing/2010/main" w="9525" algn="ctr">
+              <a14:hiddenLine xmlns="" xmlns:a14="http://schemas.microsoft.com/office/drawing/2010/main" w="9525" algn="ctr">
                 <a:solidFill>
                   <a:schemeClr val="tx1"/>
                 </a:solidFill>
@@ -29240,7 +29247,7 @@
               </a14:hiddenLine>
             </a:ext>
             <a:ext uri="{AF507438-7753-43E0-B8FC-AC1667EBCBE1}">
-              <a14:hiddenEffects xmlns:a14="http://schemas.microsoft.com/office/drawing/2010/main">
+              <a14:hiddenEffects xmlns="" xmlns:a14="http://schemas.microsoft.com/office/drawing/2010/main">
                 <a:effectLst>
                   <a:outerShdw dist="35921" dir="2700000" algn="ctr" rotWithShape="0">
                     <a:schemeClr val="bg2"/>
@@ -29298,14 +29305,14 @@
           <a:effectLst/>
           <a:extLst>
             <a:ext uri="{909E8E84-426E-40DD-AFC4-6F175D3DCCD1}">
-              <a14:hiddenFill xmlns:a14="http://schemas.microsoft.com/office/drawing/2010/main">
+              <a14:hiddenFill xmlns="" xmlns:a14="http://schemas.microsoft.com/office/drawing/2010/main">
                 <a:solidFill>
                   <a:schemeClr val="accent1"/>
                 </a:solidFill>
               </a14:hiddenFill>
             </a:ext>
             <a:ext uri="{91240B29-F687-4F45-9708-019B960494DF}">
-              <a14:hiddenLine xmlns:a14="http://schemas.microsoft.com/office/drawing/2010/main" w="9525" algn="ctr">
+              <a14:hiddenLine xmlns="" xmlns:a14="http://schemas.microsoft.com/office/drawing/2010/main" w="9525" algn="ctr">
                 <a:solidFill>
                   <a:schemeClr val="tx1"/>
                 </a:solidFill>
@@ -29315,7 +29322,7 @@
               </a14:hiddenLine>
             </a:ext>
             <a:ext uri="{AF507438-7753-43E0-B8FC-AC1667EBCBE1}">
-              <a14:hiddenEffects xmlns:a14="http://schemas.microsoft.com/office/drawing/2010/main">
+              <a14:hiddenEffects xmlns="" xmlns:a14="http://schemas.microsoft.com/office/drawing/2010/main">
                 <a:effectLst>
                   <a:outerShdw dist="35921" dir="2700000" algn="ctr" rotWithShape="0">
                     <a:schemeClr val="bg2"/>
@@ -29420,7 +29427,7 @@
               <a:effectLst/>
               <a:extLst>
                 <a:ext uri="{91240B29-F687-4F45-9708-019B960494DF}">
-                  <a14:hiddenLine xmlns:a14="http://schemas.microsoft.com/office/drawing/2010/main" w="9525">
+                  <a14:hiddenLine xmlns="" xmlns:a14="http://schemas.microsoft.com/office/drawing/2010/main" w="9525">
                     <a:solidFill>
                       <a:schemeClr val="tx1"/>
                     </a:solidFill>
@@ -29430,7 +29437,7 @@
                   </a14:hiddenLine>
                 </a:ext>
                 <a:ext uri="{AF507438-7753-43E0-B8FC-AC1667EBCBE1}">
-                  <a14:hiddenEffects xmlns:a14="http://schemas.microsoft.com/office/drawing/2010/main">
+                  <a14:hiddenEffects xmlns="" xmlns:a14="http://schemas.microsoft.com/office/drawing/2010/main">
                     <a:effectLst>
                       <a:outerShdw dist="35921" dir="2700000" algn="ctr" rotWithShape="0">
                         <a:schemeClr val="bg2"/>
@@ -29486,7 +29493,7 @@
               <a:effectLst/>
               <a:extLst>
                 <a:ext uri="{91240B29-F687-4F45-9708-019B960494DF}">
-                  <a14:hiddenLine xmlns:a14="http://schemas.microsoft.com/office/drawing/2010/main" w="9525">
+                  <a14:hiddenLine xmlns="" xmlns:a14="http://schemas.microsoft.com/office/drawing/2010/main" w="9525">
                     <a:solidFill>
                       <a:schemeClr val="tx1"/>
                     </a:solidFill>
@@ -29496,7 +29503,7 @@
                   </a14:hiddenLine>
                 </a:ext>
                 <a:ext uri="{AF507438-7753-43E0-B8FC-AC1667EBCBE1}">
-                  <a14:hiddenEffects xmlns:a14="http://schemas.microsoft.com/office/drawing/2010/main">
+                  <a14:hiddenEffects xmlns="" xmlns:a14="http://schemas.microsoft.com/office/drawing/2010/main">
                     <a:effectLst>
                       <a:outerShdw dist="35921" dir="2700000" algn="ctr" rotWithShape="0">
                         <a:schemeClr val="bg2"/>
@@ -29552,7 +29559,7 @@
               <a:effectLst/>
               <a:extLst>
                 <a:ext uri="{91240B29-F687-4F45-9708-019B960494DF}">
-                  <a14:hiddenLine xmlns:a14="http://schemas.microsoft.com/office/drawing/2010/main" w="9525">
+                  <a14:hiddenLine xmlns="" xmlns:a14="http://schemas.microsoft.com/office/drawing/2010/main" w="9525">
                     <a:solidFill>
                       <a:schemeClr val="tx1"/>
                     </a:solidFill>
@@ -29562,7 +29569,7 @@
                   </a14:hiddenLine>
                 </a:ext>
                 <a:ext uri="{AF507438-7753-43E0-B8FC-AC1667EBCBE1}">
-                  <a14:hiddenEffects xmlns:a14="http://schemas.microsoft.com/office/drawing/2010/main">
+                  <a14:hiddenEffects xmlns="" xmlns:a14="http://schemas.microsoft.com/office/drawing/2010/main">
                     <a:effectLst>
                       <a:outerShdw dist="35921" dir="2700000" algn="ctr" rotWithShape="0">
                         <a:schemeClr val="bg2"/>
@@ -29640,7 +29647,7 @@
               </a:ln>
               <a:extLst>
                 <a:ext uri="{91240B29-F687-4F45-9708-019B960494DF}">
-                  <a14:hiddenLine xmlns:a14="http://schemas.microsoft.com/office/drawing/2010/main" w="9525">
+                  <a14:hiddenLine xmlns="" xmlns:a14="http://schemas.microsoft.com/office/drawing/2010/main" w="9525">
                     <a:solidFill>
                       <a:srgbClr val="000000"/>
                     </a:solidFill>
@@ -29702,7 +29709,7 @@
               </a:ln>
               <a:extLst>
                 <a:ext uri="{91240B29-F687-4F45-9708-019B960494DF}">
-                  <a14:hiddenLine xmlns:a14="http://schemas.microsoft.com/office/drawing/2010/main" w="9525">
+                  <a14:hiddenLine xmlns="" xmlns:a14="http://schemas.microsoft.com/office/drawing/2010/main" w="9525">
                     <a:solidFill>
                       <a:srgbClr val="000000"/>
                     </a:solidFill>
@@ -29764,7 +29771,7 @@
               </a:ln>
               <a:extLst>
                 <a:ext uri="{91240B29-F687-4F45-9708-019B960494DF}">
-                  <a14:hiddenLine xmlns:a14="http://schemas.microsoft.com/office/drawing/2010/main" w="9525">
+                  <a14:hiddenLine xmlns="" xmlns:a14="http://schemas.microsoft.com/office/drawing/2010/main" w="9525">
                     <a:solidFill>
                       <a:srgbClr val="000000"/>
                     </a:solidFill>
@@ -29826,7 +29833,7 @@
               </a:ln>
               <a:extLst>
                 <a:ext uri="{91240B29-F687-4F45-9708-019B960494DF}">
-                  <a14:hiddenLine xmlns:a14="http://schemas.microsoft.com/office/drawing/2010/main" w="9525">
+                  <a14:hiddenLine xmlns="" xmlns:a14="http://schemas.microsoft.com/office/drawing/2010/main" w="9525">
                     <a:solidFill>
                       <a:srgbClr val="000000"/>
                     </a:solidFill>
@@ -29888,7 +29895,7 @@
               </a:ln>
               <a:extLst>
                 <a:ext uri="{91240B29-F687-4F45-9708-019B960494DF}">
-                  <a14:hiddenLine xmlns:a14="http://schemas.microsoft.com/office/drawing/2010/main" w="9525">
+                  <a14:hiddenLine xmlns="" xmlns:a14="http://schemas.microsoft.com/office/drawing/2010/main" w="9525">
                     <a:solidFill>
                       <a:srgbClr val="000000"/>
                     </a:solidFill>
@@ -29950,7 +29957,7 @@
               </a:ln>
               <a:extLst>
                 <a:ext uri="{91240B29-F687-4F45-9708-019B960494DF}">
-                  <a14:hiddenLine xmlns:a14="http://schemas.microsoft.com/office/drawing/2010/main" w="9525">
+                  <a14:hiddenLine xmlns="" xmlns:a14="http://schemas.microsoft.com/office/drawing/2010/main" w="9525">
                     <a:solidFill>
                       <a:srgbClr val="000000"/>
                     </a:solidFill>
@@ -30012,7 +30019,7 @@
               </a:ln>
               <a:extLst>
                 <a:ext uri="{91240B29-F687-4F45-9708-019B960494DF}">
-                  <a14:hiddenLine xmlns:a14="http://schemas.microsoft.com/office/drawing/2010/main" w="9525">
+                  <a14:hiddenLine xmlns="" xmlns:a14="http://schemas.microsoft.com/office/drawing/2010/main" w="9525">
                     <a:solidFill>
                       <a:srgbClr val="000000"/>
                     </a:solidFill>
@@ -30067,7 +30074,7 @@
               </a:ln>
               <a:extLst>
                 <a:ext uri="{91240B29-F687-4F45-9708-019B960494DF}">
-                  <a14:hiddenLine xmlns:a14="http://schemas.microsoft.com/office/drawing/2010/main" w="9525">
+                  <a14:hiddenLine xmlns="" xmlns:a14="http://schemas.microsoft.com/office/drawing/2010/main" w="9525">
                     <a:solidFill>
                       <a:srgbClr val="000000"/>
                     </a:solidFill>
@@ -30122,7 +30129,7 @@
               </a:ln>
               <a:extLst>
                 <a:ext uri="{91240B29-F687-4F45-9708-019B960494DF}">
-                  <a14:hiddenLine xmlns:a14="http://schemas.microsoft.com/office/drawing/2010/main" w="9525">
+                  <a14:hiddenLine xmlns="" xmlns:a14="http://schemas.microsoft.com/office/drawing/2010/main" w="9525">
                     <a:solidFill>
                       <a:srgbClr val="000000"/>
                     </a:solidFill>
@@ -30177,7 +30184,7 @@
               </a:ln>
               <a:extLst>
                 <a:ext uri="{91240B29-F687-4F45-9708-019B960494DF}">
-                  <a14:hiddenLine xmlns:a14="http://schemas.microsoft.com/office/drawing/2010/main" w="9525">
+                  <a14:hiddenLine xmlns="" xmlns:a14="http://schemas.microsoft.com/office/drawing/2010/main" w="9525">
                     <a:solidFill>
                       <a:srgbClr val="000000"/>
                     </a:solidFill>
@@ -30232,7 +30239,7 @@
               </a:ln>
               <a:extLst>
                 <a:ext uri="{91240B29-F687-4F45-9708-019B960494DF}">
-                  <a14:hiddenLine xmlns:a14="http://schemas.microsoft.com/office/drawing/2010/main" w="9525">
+                  <a14:hiddenLine xmlns="" xmlns:a14="http://schemas.microsoft.com/office/drawing/2010/main" w="9525">
                     <a:solidFill>
                       <a:srgbClr val="000000"/>
                     </a:solidFill>
@@ -30294,7 +30301,7 @@
               </a:ln>
               <a:extLst>
                 <a:ext uri="{91240B29-F687-4F45-9708-019B960494DF}">
-                  <a14:hiddenLine xmlns:a14="http://schemas.microsoft.com/office/drawing/2010/main" w="9525">
+                  <a14:hiddenLine xmlns="" xmlns:a14="http://schemas.microsoft.com/office/drawing/2010/main" w="9525">
                     <a:solidFill>
                       <a:srgbClr val="000000"/>
                     </a:solidFill>
@@ -30356,7 +30363,7 @@
               </a:ln>
               <a:extLst>
                 <a:ext uri="{91240B29-F687-4F45-9708-019B960494DF}">
-                  <a14:hiddenLine xmlns:a14="http://schemas.microsoft.com/office/drawing/2010/main" w="9525">
+                  <a14:hiddenLine xmlns="" xmlns:a14="http://schemas.microsoft.com/office/drawing/2010/main" w="9525">
                     <a:solidFill>
                       <a:srgbClr val="000000"/>
                     </a:solidFill>
@@ -30418,7 +30425,7 @@
               </a:ln>
               <a:extLst>
                 <a:ext uri="{91240B29-F687-4F45-9708-019B960494DF}">
-                  <a14:hiddenLine xmlns:a14="http://schemas.microsoft.com/office/drawing/2010/main" w="9525">
+                  <a14:hiddenLine xmlns="" xmlns:a14="http://schemas.microsoft.com/office/drawing/2010/main" w="9525">
                     <a:solidFill>
                       <a:srgbClr val="000000"/>
                     </a:solidFill>
@@ -30509,7 +30516,7 @@
               <a:effectLst/>
               <a:extLst>
                 <a:ext uri="{91240B29-F687-4F45-9708-019B960494DF}">
-                  <a14:hiddenLine xmlns:a14="http://schemas.microsoft.com/office/drawing/2010/main" w="9525">
+                  <a14:hiddenLine xmlns="" xmlns:a14="http://schemas.microsoft.com/office/drawing/2010/main" w="9525">
                     <a:solidFill>
                       <a:schemeClr val="tx1"/>
                     </a:solidFill>
@@ -30519,7 +30526,7 @@
                   </a14:hiddenLine>
                 </a:ext>
                 <a:ext uri="{AF507438-7753-43E0-B8FC-AC1667EBCBE1}">
-                  <a14:hiddenEffects xmlns:a14="http://schemas.microsoft.com/office/drawing/2010/main">
+                  <a14:hiddenEffects xmlns="" xmlns:a14="http://schemas.microsoft.com/office/drawing/2010/main">
                     <a:effectLst>
                       <a:outerShdw dist="35921" dir="2700000" algn="ctr" rotWithShape="0">
                         <a:schemeClr val="bg2"/>
@@ -30575,7 +30582,7 @@
               <a:effectLst/>
               <a:extLst>
                 <a:ext uri="{91240B29-F687-4F45-9708-019B960494DF}">
-                  <a14:hiddenLine xmlns:a14="http://schemas.microsoft.com/office/drawing/2010/main" w="9525">
+                  <a14:hiddenLine xmlns="" xmlns:a14="http://schemas.microsoft.com/office/drawing/2010/main" w="9525">
                     <a:solidFill>
                       <a:schemeClr val="tx1"/>
                     </a:solidFill>
@@ -30585,7 +30592,7 @@
                   </a14:hiddenLine>
                 </a:ext>
                 <a:ext uri="{AF507438-7753-43E0-B8FC-AC1667EBCBE1}">
-                  <a14:hiddenEffects xmlns:a14="http://schemas.microsoft.com/office/drawing/2010/main">
+                  <a14:hiddenEffects xmlns="" xmlns:a14="http://schemas.microsoft.com/office/drawing/2010/main">
                     <a:effectLst>
                       <a:outerShdw dist="35921" dir="2700000" algn="ctr" rotWithShape="0">
                         <a:schemeClr val="bg2"/>
@@ -30641,7 +30648,7 @@
               <a:effectLst/>
               <a:extLst>
                 <a:ext uri="{91240B29-F687-4F45-9708-019B960494DF}">
-                  <a14:hiddenLine xmlns:a14="http://schemas.microsoft.com/office/drawing/2010/main" w="9525">
+                  <a14:hiddenLine xmlns="" xmlns:a14="http://schemas.microsoft.com/office/drawing/2010/main" w="9525">
                     <a:solidFill>
                       <a:schemeClr val="tx1"/>
                     </a:solidFill>
@@ -30651,7 +30658,7 @@
                   </a14:hiddenLine>
                 </a:ext>
                 <a:ext uri="{AF507438-7753-43E0-B8FC-AC1667EBCBE1}">
-                  <a14:hiddenEffects xmlns:a14="http://schemas.microsoft.com/office/drawing/2010/main">
+                  <a14:hiddenEffects xmlns="" xmlns:a14="http://schemas.microsoft.com/office/drawing/2010/main">
                     <a:effectLst>
                       <a:outerShdw dist="35921" dir="2700000" algn="ctr" rotWithShape="0">
                         <a:schemeClr val="bg2"/>
@@ -30729,7 +30736,7 @@
               </a:ln>
               <a:extLst>
                 <a:ext uri="{91240B29-F687-4F45-9708-019B960494DF}">
-                  <a14:hiddenLine xmlns:a14="http://schemas.microsoft.com/office/drawing/2010/main" w="9525">
+                  <a14:hiddenLine xmlns="" xmlns:a14="http://schemas.microsoft.com/office/drawing/2010/main" w="9525">
                     <a:solidFill>
                       <a:srgbClr val="000000"/>
                     </a:solidFill>
@@ -30791,7 +30798,7 @@
               </a:ln>
               <a:extLst>
                 <a:ext uri="{91240B29-F687-4F45-9708-019B960494DF}">
-                  <a14:hiddenLine xmlns:a14="http://schemas.microsoft.com/office/drawing/2010/main" w="9525">
+                  <a14:hiddenLine xmlns="" xmlns:a14="http://schemas.microsoft.com/office/drawing/2010/main" w="9525">
                     <a:solidFill>
                       <a:srgbClr val="000000"/>
                     </a:solidFill>
@@ -30853,7 +30860,7 @@
               </a:ln>
               <a:extLst>
                 <a:ext uri="{91240B29-F687-4F45-9708-019B960494DF}">
-                  <a14:hiddenLine xmlns:a14="http://schemas.microsoft.com/office/drawing/2010/main" w="9525">
+                  <a14:hiddenLine xmlns="" xmlns:a14="http://schemas.microsoft.com/office/drawing/2010/main" w="9525">
                     <a:solidFill>
                       <a:srgbClr val="000000"/>
                     </a:solidFill>
@@ -30915,7 +30922,7 @@
               </a:ln>
               <a:extLst>
                 <a:ext uri="{91240B29-F687-4F45-9708-019B960494DF}">
-                  <a14:hiddenLine xmlns:a14="http://schemas.microsoft.com/office/drawing/2010/main" w="9525">
+                  <a14:hiddenLine xmlns="" xmlns:a14="http://schemas.microsoft.com/office/drawing/2010/main" w="9525">
                     <a:solidFill>
                       <a:srgbClr val="000000"/>
                     </a:solidFill>
@@ -30977,7 +30984,7 @@
               </a:ln>
               <a:extLst>
                 <a:ext uri="{91240B29-F687-4F45-9708-019B960494DF}">
-                  <a14:hiddenLine xmlns:a14="http://schemas.microsoft.com/office/drawing/2010/main" w="9525">
+                  <a14:hiddenLine xmlns="" xmlns:a14="http://schemas.microsoft.com/office/drawing/2010/main" w="9525">
                     <a:solidFill>
                       <a:srgbClr val="000000"/>
                     </a:solidFill>
@@ -31039,7 +31046,7 @@
               </a:ln>
               <a:extLst>
                 <a:ext uri="{91240B29-F687-4F45-9708-019B960494DF}">
-                  <a14:hiddenLine xmlns:a14="http://schemas.microsoft.com/office/drawing/2010/main" w="9525">
+                  <a14:hiddenLine xmlns="" xmlns:a14="http://schemas.microsoft.com/office/drawing/2010/main" w="9525">
                     <a:solidFill>
                       <a:srgbClr val="000000"/>
                     </a:solidFill>
@@ -31101,7 +31108,7 @@
               </a:ln>
               <a:extLst>
                 <a:ext uri="{91240B29-F687-4F45-9708-019B960494DF}">
-                  <a14:hiddenLine xmlns:a14="http://schemas.microsoft.com/office/drawing/2010/main" w="9525">
+                  <a14:hiddenLine xmlns="" xmlns:a14="http://schemas.microsoft.com/office/drawing/2010/main" w="9525">
                     <a:solidFill>
                       <a:srgbClr val="000000"/>
                     </a:solidFill>
@@ -31156,7 +31163,7 @@
               </a:ln>
               <a:extLst>
                 <a:ext uri="{91240B29-F687-4F45-9708-019B960494DF}">
-                  <a14:hiddenLine xmlns:a14="http://schemas.microsoft.com/office/drawing/2010/main" w="9525">
+                  <a14:hiddenLine xmlns="" xmlns:a14="http://schemas.microsoft.com/office/drawing/2010/main" w="9525">
                     <a:solidFill>
                       <a:srgbClr val="000000"/>
                     </a:solidFill>
@@ -31211,7 +31218,7 @@
               </a:ln>
               <a:extLst>
                 <a:ext uri="{91240B29-F687-4F45-9708-019B960494DF}">
-                  <a14:hiddenLine xmlns:a14="http://schemas.microsoft.com/office/drawing/2010/main" w="9525">
+                  <a14:hiddenLine xmlns="" xmlns:a14="http://schemas.microsoft.com/office/drawing/2010/main" w="9525">
                     <a:solidFill>
                       <a:srgbClr val="000000"/>
                     </a:solidFill>
@@ -31266,7 +31273,7 @@
               </a:ln>
               <a:extLst>
                 <a:ext uri="{91240B29-F687-4F45-9708-019B960494DF}">
-                  <a14:hiddenLine xmlns:a14="http://schemas.microsoft.com/office/drawing/2010/main" w="9525">
+                  <a14:hiddenLine xmlns="" xmlns:a14="http://schemas.microsoft.com/office/drawing/2010/main" w="9525">
                     <a:solidFill>
                       <a:srgbClr val="000000"/>
                     </a:solidFill>
@@ -31321,7 +31328,7 @@
               </a:ln>
               <a:extLst>
                 <a:ext uri="{91240B29-F687-4F45-9708-019B960494DF}">
-                  <a14:hiddenLine xmlns:a14="http://schemas.microsoft.com/office/drawing/2010/main" w="9525">
+                  <a14:hiddenLine xmlns="" xmlns:a14="http://schemas.microsoft.com/office/drawing/2010/main" w="9525">
                     <a:solidFill>
                       <a:srgbClr val="000000"/>
                     </a:solidFill>
@@ -31383,7 +31390,7 @@
               </a:ln>
               <a:extLst>
                 <a:ext uri="{91240B29-F687-4F45-9708-019B960494DF}">
-                  <a14:hiddenLine xmlns:a14="http://schemas.microsoft.com/office/drawing/2010/main" w="9525">
+                  <a14:hiddenLine xmlns="" xmlns:a14="http://schemas.microsoft.com/office/drawing/2010/main" w="9525">
                     <a:solidFill>
                       <a:srgbClr val="000000"/>
                     </a:solidFill>
@@ -31445,7 +31452,7 @@
               </a:ln>
               <a:extLst>
                 <a:ext uri="{91240B29-F687-4F45-9708-019B960494DF}">
-                  <a14:hiddenLine xmlns:a14="http://schemas.microsoft.com/office/drawing/2010/main" w="9525">
+                  <a14:hiddenLine xmlns="" xmlns:a14="http://schemas.microsoft.com/office/drawing/2010/main" w="9525">
                     <a:solidFill>
                       <a:srgbClr val="000000"/>
                     </a:solidFill>
@@ -31507,7 +31514,7 @@
               </a:ln>
               <a:extLst>
                 <a:ext uri="{91240B29-F687-4F45-9708-019B960494DF}">
-                  <a14:hiddenLine xmlns:a14="http://schemas.microsoft.com/office/drawing/2010/main" w="9525">
+                  <a14:hiddenLine xmlns="" xmlns:a14="http://schemas.microsoft.com/office/drawing/2010/main" w="9525">
                     <a:solidFill>
                       <a:srgbClr val="000000"/>
                     </a:solidFill>
@@ -31598,7 +31605,7 @@
               <a:effectLst/>
               <a:extLst>
                 <a:ext uri="{91240B29-F687-4F45-9708-019B960494DF}">
-                  <a14:hiddenLine xmlns:a14="http://schemas.microsoft.com/office/drawing/2010/main" w="9525">
+                  <a14:hiddenLine xmlns="" xmlns:a14="http://schemas.microsoft.com/office/drawing/2010/main" w="9525">
                     <a:solidFill>
                       <a:schemeClr val="tx1"/>
                     </a:solidFill>
@@ -31608,7 +31615,7 @@
                   </a14:hiddenLine>
                 </a:ext>
                 <a:ext uri="{AF507438-7753-43E0-B8FC-AC1667EBCBE1}">
-                  <a14:hiddenEffects xmlns:a14="http://schemas.microsoft.com/office/drawing/2010/main">
+                  <a14:hiddenEffects xmlns="" xmlns:a14="http://schemas.microsoft.com/office/drawing/2010/main">
                     <a:effectLst>
                       <a:outerShdw dist="35921" dir="2700000" algn="ctr" rotWithShape="0">
                         <a:schemeClr val="bg2"/>
@@ -31664,7 +31671,7 @@
               <a:effectLst/>
               <a:extLst>
                 <a:ext uri="{91240B29-F687-4F45-9708-019B960494DF}">
-                  <a14:hiddenLine xmlns:a14="http://schemas.microsoft.com/office/drawing/2010/main" w="9525">
+                  <a14:hiddenLine xmlns="" xmlns:a14="http://schemas.microsoft.com/office/drawing/2010/main" w="9525">
                     <a:solidFill>
                       <a:schemeClr val="tx1"/>
                     </a:solidFill>
@@ -31674,7 +31681,7 @@
                   </a14:hiddenLine>
                 </a:ext>
                 <a:ext uri="{AF507438-7753-43E0-B8FC-AC1667EBCBE1}">
-                  <a14:hiddenEffects xmlns:a14="http://schemas.microsoft.com/office/drawing/2010/main">
+                  <a14:hiddenEffects xmlns="" xmlns:a14="http://schemas.microsoft.com/office/drawing/2010/main">
                     <a:effectLst>
                       <a:outerShdw dist="35921" dir="2700000" algn="ctr" rotWithShape="0">
                         <a:schemeClr val="bg2"/>
@@ -31730,7 +31737,7 @@
               <a:effectLst/>
               <a:extLst>
                 <a:ext uri="{91240B29-F687-4F45-9708-019B960494DF}">
-                  <a14:hiddenLine xmlns:a14="http://schemas.microsoft.com/office/drawing/2010/main" w="9525">
+                  <a14:hiddenLine xmlns="" xmlns:a14="http://schemas.microsoft.com/office/drawing/2010/main" w="9525">
                     <a:solidFill>
                       <a:schemeClr val="tx1"/>
                     </a:solidFill>
@@ -31740,7 +31747,7 @@
                   </a14:hiddenLine>
                 </a:ext>
                 <a:ext uri="{AF507438-7753-43E0-B8FC-AC1667EBCBE1}">
-                  <a14:hiddenEffects xmlns:a14="http://schemas.microsoft.com/office/drawing/2010/main">
+                  <a14:hiddenEffects xmlns="" xmlns:a14="http://schemas.microsoft.com/office/drawing/2010/main">
                     <a:effectLst>
                       <a:outerShdw dist="35921" dir="2700000" algn="ctr" rotWithShape="0">
                         <a:schemeClr val="bg2"/>
@@ -31818,7 +31825,7 @@
               </a:ln>
               <a:extLst>
                 <a:ext uri="{91240B29-F687-4F45-9708-019B960494DF}">
-                  <a14:hiddenLine xmlns:a14="http://schemas.microsoft.com/office/drawing/2010/main" w="9525">
+                  <a14:hiddenLine xmlns="" xmlns:a14="http://schemas.microsoft.com/office/drawing/2010/main" w="9525">
                     <a:solidFill>
                       <a:srgbClr val="000000"/>
                     </a:solidFill>
@@ -31880,7 +31887,7 @@
               </a:ln>
               <a:extLst>
                 <a:ext uri="{91240B29-F687-4F45-9708-019B960494DF}">
-                  <a14:hiddenLine xmlns:a14="http://schemas.microsoft.com/office/drawing/2010/main" w="9525">
+                  <a14:hiddenLine xmlns="" xmlns:a14="http://schemas.microsoft.com/office/drawing/2010/main" w="9525">
                     <a:solidFill>
                       <a:srgbClr val="000000"/>
                     </a:solidFill>
@@ -31942,7 +31949,7 @@
               </a:ln>
               <a:extLst>
                 <a:ext uri="{91240B29-F687-4F45-9708-019B960494DF}">
-                  <a14:hiddenLine xmlns:a14="http://schemas.microsoft.com/office/drawing/2010/main" w="9525">
+                  <a14:hiddenLine xmlns="" xmlns:a14="http://schemas.microsoft.com/office/drawing/2010/main" w="9525">
                     <a:solidFill>
                       <a:srgbClr val="000000"/>
                     </a:solidFill>
@@ -32004,7 +32011,7 @@
               </a:ln>
               <a:extLst>
                 <a:ext uri="{91240B29-F687-4F45-9708-019B960494DF}">
-                  <a14:hiddenLine xmlns:a14="http://schemas.microsoft.com/office/drawing/2010/main" w="9525">
+                  <a14:hiddenLine xmlns="" xmlns:a14="http://schemas.microsoft.com/office/drawing/2010/main" w="9525">
                     <a:solidFill>
                       <a:srgbClr val="000000"/>
                     </a:solidFill>
@@ -32066,7 +32073,7 @@
               </a:ln>
               <a:extLst>
                 <a:ext uri="{91240B29-F687-4F45-9708-019B960494DF}">
-                  <a14:hiddenLine xmlns:a14="http://schemas.microsoft.com/office/drawing/2010/main" w="9525">
+                  <a14:hiddenLine xmlns="" xmlns:a14="http://schemas.microsoft.com/office/drawing/2010/main" w="9525">
                     <a:solidFill>
                       <a:srgbClr val="000000"/>
                     </a:solidFill>
@@ -32128,7 +32135,7 @@
               </a:ln>
               <a:extLst>
                 <a:ext uri="{91240B29-F687-4F45-9708-019B960494DF}">
-                  <a14:hiddenLine xmlns:a14="http://schemas.microsoft.com/office/drawing/2010/main" w="9525">
+                  <a14:hiddenLine xmlns="" xmlns:a14="http://schemas.microsoft.com/office/drawing/2010/main" w="9525">
                     <a:solidFill>
                       <a:srgbClr val="000000"/>
                     </a:solidFill>
@@ -32190,7 +32197,7 @@
               </a:ln>
               <a:extLst>
                 <a:ext uri="{91240B29-F687-4F45-9708-019B960494DF}">
-                  <a14:hiddenLine xmlns:a14="http://schemas.microsoft.com/office/drawing/2010/main" w="9525">
+                  <a14:hiddenLine xmlns="" xmlns:a14="http://schemas.microsoft.com/office/drawing/2010/main" w="9525">
                     <a:solidFill>
                       <a:srgbClr val="000000"/>
                     </a:solidFill>
@@ -32245,7 +32252,7 @@
               </a:ln>
               <a:extLst>
                 <a:ext uri="{91240B29-F687-4F45-9708-019B960494DF}">
-                  <a14:hiddenLine xmlns:a14="http://schemas.microsoft.com/office/drawing/2010/main" w="9525">
+                  <a14:hiddenLine xmlns="" xmlns:a14="http://schemas.microsoft.com/office/drawing/2010/main" w="9525">
                     <a:solidFill>
                       <a:srgbClr val="000000"/>
                     </a:solidFill>
@@ -32300,7 +32307,7 @@
               </a:ln>
               <a:extLst>
                 <a:ext uri="{91240B29-F687-4F45-9708-019B960494DF}">
-                  <a14:hiddenLine xmlns:a14="http://schemas.microsoft.com/office/drawing/2010/main" w="9525">
+                  <a14:hiddenLine xmlns="" xmlns:a14="http://schemas.microsoft.com/office/drawing/2010/main" w="9525">
                     <a:solidFill>
                       <a:srgbClr val="000000"/>
                     </a:solidFill>
@@ -32355,7 +32362,7 @@
               </a:ln>
               <a:extLst>
                 <a:ext uri="{91240B29-F687-4F45-9708-019B960494DF}">
-                  <a14:hiddenLine xmlns:a14="http://schemas.microsoft.com/office/drawing/2010/main" w="9525">
+                  <a14:hiddenLine xmlns="" xmlns:a14="http://schemas.microsoft.com/office/drawing/2010/main" w="9525">
                     <a:solidFill>
                       <a:srgbClr val="000000"/>
                     </a:solidFill>
@@ -32410,7 +32417,7 @@
               </a:ln>
               <a:extLst>
                 <a:ext uri="{91240B29-F687-4F45-9708-019B960494DF}">
-                  <a14:hiddenLine xmlns:a14="http://schemas.microsoft.com/office/drawing/2010/main" w="9525">
+                  <a14:hiddenLine xmlns="" xmlns:a14="http://schemas.microsoft.com/office/drawing/2010/main" w="9525">
                     <a:solidFill>
                       <a:srgbClr val="000000"/>
                     </a:solidFill>
@@ -32472,7 +32479,7 @@
               </a:ln>
               <a:extLst>
                 <a:ext uri="{91240B29-F687-4F45-9708-019B960494DF}">
-                  <a14:hiddenLine xmlns:a14="http://schemas.microsoft.com/office/drawing/2010/main" w="9525">
+                  <a14:hiddenLine xmlns="" xmlns:a14="http://schemas.microsoft.com/office/drawing/2010/main" w="9525">
                     <a:solidFill>
                       <a:srgbClr val="000000"/>
                     </a:solidFill>
@@ -32534,7 +32541,7 @@
               </a:ln>
               <a:extLst>
                 <a:ext uri="{91240B29-F687-4F45-9708-019B960494DF}">
-                  <a14:hiddenLine xmlns:a14="http://schemas.microsoft.com/office/drawing/2010/main" w="9525">
+                  <a14:hiddenLine xmlns="" xmlns:a14="http://schemas.microsoft.com/office/drawing/2010/main" w="9525">
                     <a:solidFill>
                       <a:srgbClr val="000000"/>
                     </a:solidFill>
@@ -32596,7 +32603,7 @@
               </a:ln>
               <a:extLst>
                 <a:ext uri="{91240B29-F687-4F45-9708-019B960494DF}">
-                  <a14:hiddenLine xmlns:a14="http://schemas.microsoft.com/office/drawing/2010/main" w="9525">
+                  <a14:hiddenLine xmlns="" xmlns:a14="http://schemas.microsoft.com/office/drawing/2010/main" w="9525">
                     <a:solidFill>
                       <a:srgbClr val="000000"/>
                     </a:solidFill>
@@ -32687,7 +32694,7 @@
               <a:effectLst/>
               <a:extLst>
                 <a:ext uri="{91240B29-F687-4F45-9708-019B960494DF}">
-                  <a14:hiddenLine xmlns:a14="http://schemas.microsoft.com/office/drawing/2010/main" w="9525">
+                  <a14:hiddenLine xmlns="" xmlns:a14="http://schemas.microsoft.com/office/drawing/2010/main" w="9525">
                     <a:solidFill>
                       <a:schemeClr val="tx1"/>
                     </a:solidFill>
@@ -32697,7 +32704,7 @@
                   </a14:hiddenLine>
                 </a:ext>
                 <a:ext uri="{AF507438-7753-43E0-B8FC-AC1667EBCBE1}">
-                  <a14:hiddenEffects xmlns:a14="http://schemas.microsoft.com/office/drawing/2010/main">
+                  <a14:hiddenEffects xmlns="" xmlns:a14="http://schemas.microsoft.com/office/drawing/2010/main">
                     <a:effectLst>
                       <a:outerShdw dist="35921" dir="2700000" algn="ctr" rotWithShape="0">
                         <a:schemeClr val="bg2"/>
@@ -32753,7 +32760,7 @@
               <a:effectLst/>
               <a:extLst>
                 <a:ext uri="{91240B29-F687-4F45-9708-019B960494DF}">
-                  <a14:hiddenLine xmlns:a14="http://schemas.microsoft.com/office/drawing/2010/main" w="9525">
+                  <a14:hiddenLine xmlns="" xmlns:a14="http://schemas.microsoft.com/office/drawing/2010/main" w="9525">
                     <a:solidFill>
                       <a:schemeClr val="tx1"/>
                     </a:solidFill>
@@ -32763,7 +32770,7 @@
                   </a14:hiddenLine>
                 </a:ext>
                 <a:ext uri="{AF507438-7753-43E0-B8FC-AC1667EBCBE1}">
-                  <a14:hiddenEffects xmlns:a14="http://schemas.microsoft.com/office/drawing/2010/main">
+                  <a14:hiddenEffects xmlns="" xmlns:a14="http://schemas.microsoft.com/office/drawing/2010/main">
                     <a:effectLst>
                       <a:outerShdw dist="35921" dir="2700000" algn="ctr" rotWithShape="0">
                         <a:schemeClr val="bg2"/>
@@ -32819,7 +32826,7 @@
               <a:effectLst/>
               <a:extLst>
                 <a:ext uri="{91240B29-F687-4F45-9708-019B960494DF}">
-                  <a14:hiddenLine xmlns:a14="http://schemas.microsoft.com/office/drawing/2010/main" w="9525">
+                  <a14:hiddenLine xmlns="" xmlns:a14="http://schemas.microsoft.com/office/drawing/2010/main" w="9525">
                     <a:solidFill>
                       <a:schemeClr val="tx1"/>
                     </a:solidFill>
@@ -32829,7 +32836,7 @@
                   </a14:hiddenLine>
                 </a:ext>
                 <a:ext uri="{AF507438-7753-43E0-B8FC-AC1667EBCBE1}">
-                  <a14:hiddenEffects xmlns:a14="http://schemas.microsoft.com/office/drawing/2010/main">
+                  <a14:hiddenEffects xmlns="" xmlns:a14="http://schemas.microsoft.com/office/drawing/2010/main">
                     <a:effectLst>
                       <a:outerShdw dist="35921" dir="2700000" algn="ctr" rotWithShape="0">
                         <a:schemeClr val="bg2"/>
@@ -32907,7 +32914,7 @@
               </a:ln>
               <a:extLst>
                 <a:ext uri="{91240B29-F687-4F45-9708-019B960494DF}">
-                  <a14:hiddenLine xmlns:a14="http://schemas.microsoft.com/office/drawing/2010/main" w="9525">
+                  <a14:hiddenLine xmlns="" xmlns:a14="http://schemas.microsoft.com/office/drawing/2010/main" w="9525">
                     <a:solidFill>
                       <a:srgbClr val="000000"/>
                     </a:solidFill>
@@ -32969,7 +32976,7 @@
               </a:ln>
               <a:extLst>
                 <a:ext uri="{91240B29-F687-4F45-9708-019B960494DF}">
-                  <a14:hiddenLine xmlns:a14="http://schemas.microsoft.com/office/drawing/2010/main" w="9525">
+                  <a14:hiddenLine xmlns="" xmlns:a14="http://schemas.microsoft.com/office/drawing/2010/main" w="9525">
                     <a:solidFill>
                       <a:srgbClr val="000000"/>
                     </a:solidFill>
@@ -33031,7 +33038,7 @@
               </a:ln>
               <a:extLst>
                 <a:ext uri="{91240B29-F687-4F45-9708-019B960494DF}">
-                  <a14:hiddenLine xmlns:a14="http://schemas.microsoft.com/office/drawing/2010/main" w="9525">
+                  <a14:hiddenLine xmlns="" xmlns:a14="http://schemas.microsoft.com/office/drawing/2010/main" w="9525">
                     <a:solidFill>
                       <a:srgbClr val="000000"/>
                     </a:solidFill>
@@ -33093,7 +33100,7 @@
               </a:ln>
               <a:extLst>
                 <a:ext uri="{91240B29-F687-4F45-9708-019B960494DF}">
-                  <a14:hiddenLine xmlns:a14="http://schemas.microsoft.com/office/drawing/2010/main" w="9525">
+                  <a14:hiddenLine xmlns="" xmlns:a14="http://schemas.microsoft.com/office/drawing/2010/main" w="9525">
                     <a:solidFill>
                       <a:srgbClr val="000000"/>
                     </a:solidFill>
@@ -33155,7 +33162,7 @@
               </a:ln>
               <a:extLst>
                 <a:ext uri="{91240B29-F687-4F45-9708-019B960494DF}">
-                  <a14:hiddenLine xmlns:a14="http://schemas.microsoft.com/office/drawing/2010/main" w="9525">
+                  <a14:hiddenLine xmlns="" xmlns:a14="http://schemas.microsoft.com/office/drawing/2010/main" w="9525">
                     <a:solidFill>
                       <a:srgbClr val="000000"/>
                     </a:solidFill>
@@ -33217,7 +33224,7 @@
               </a:ln>
               <a:extLst>
                 <a:ext uri="{91240B29-F687-4F45-9708-019B960494DF}">
-                  <a14:hiddenLine xmlns:a14="http://schemas.microsoft.com/office/drawing/2010/main" w="9525">
+                  <a14:hiddenLine xmlns="" xmlns:a14="http://schemas.microsoft.com/office/drawing/2010/main" w="9525">
                     <a:solidFill>
                       <a:srgbClr val="000000"/>
                     </a:solidFill>
@@ -33279,7 +33286,7 @@
               </a:ln>
               <a:extLst>
                 <a:ext uri="{91240B29-F687-4F45-9708-019B960494DF}">
-                  <a14:hiddenLine xmlns:a14="http://schemas.microsoft.com/office/drawing/2010/main" w="9525">
+                  <a14:hiddenLine xmlns="" xmlns:a14="http://schemas.microsoft.com/office/drawing/2010/main" w="9525">
                     <a:solidFill>
                       <a:srgbClr val="000000"/>
                     </a:solidFill>
@@ -33334,7 +33341,7 @@
               </a:ln>
               <a:extLst>
                 <a:ext uri="{91240B29-F687-4F45-9708-019B960494DF}">
-                  <a14:hiddenLine xmlns:a14="http://schemas.microsoft.com/office/drawing/2010/main" w="9525">
+                  <a14:hiddenLine xmlns="" xmlns:a14="http://schemas.microsoft.com/office/drawing/2010/main" w="9525">
                     <a:solidFill>
                       <a:srgbClr val="000000"/>
                     </a:solidFill>
@@ -33389,7 +33396,7 @@
               </a:ln>
               <a:extLst>
                 <a:ext uri="{91240B29-F687-4F45-9708-019B960494DF}">
-                  <a14:hiddenLine xmlns:a14="http://schemas.microsoft.com/office/drawing/2010/main" w="9525">
+                  <a14:hiddenLine xmlns="" xmlns:a14="http://schemas.microsoft.com/office/drawing/2010/main" w="9525">
                     <a:solidFill>
                       <a:srgbClr val="000000"/>
                     </a:solidFill>
@@ -33444,7 +33451,7 @@
               </a:ln>
               <a:extLst>
                 <a:ext uri="{91240B29-F687-4F45-9708-019B960494DF}">
-                  <a14:hiddenLine xmlns:a14="http://schemas.microsoft.com/office/drawing/2010/main" w="9525">
+                  <a14:hiddenLine xmlns="" xmlns:a14="http://schemas.microsoft.com/office/drawing/2010/main" w="9525">
                     <a:solidFill>
                       <a:srgbClr val="000000"/>
                     </a:solidFill>
@@ -33499,7 +33506,7 @@
               </a:ln>
               <a:extLst>
                 <a:ext uri="{91240B29-F687-4F45-9708-019B960494DF}">
-                  <a14:hiddenLine xmlns:a14="http://schemas.microsoft.com/office/drawing/2010/main" w="9525">
+                  <a14:hiddenLine xmlns="" xmlns:a14="http://schemas.microsoft.com/office/drawing/2010/main" w="9525">
                     <a:solidFill>
                       <a:srgbClr val="000000"/>
                     </a:solidFill>
@@ -33561,7 +33568,7 @@
               </a:ln>
               <a:extLst>
                 <a:ext uri="{91240B29-F687-4F45-9708-019B960494DF}">
-                  <a14:hiddenLine xmlns:a14="http://schemas.microsoft.com/office/drawing/2010/main" w="9525">
+                  <a14:hiddenLine xmlns="" xmlns:a14="http://schemas.microsoft.com/office/drawing/2010/main" w="9525">
                     <a:solidFill>
                       <a:srgbClr val="000000"/>
                     </a:solidFill>
@@ -33623,7 +33630,7 @@
               </a:ln>
               <a:extLst>
                 <a:ext uri="{91240B29-F687-4F45-9708-019B960494DF}">
-                  <a14:hiddenLine xmlns:a14="http://schemas.microsoft.com/office/drawing/2010/main" w="9525">
+                  <a14:hiddenLine xmlns="" xmlns:a14="http://schemas.microsoft.com/office/drawing/2010/main" w="9525">
                     <a:solidFill>
                       <a:srgbClr val="000000"/>
                     </a:solidFill>
@@ -33685,7 +33692,7 @@
               </a:ln>
               <a:extLst>
                 <a:ext uri="{91240B29-F687-4F45-9708-019B960494DF}">
-                  <a14:hiddenLine xmlns:a14="http://schemas.microsoft.com/office/drawing/2010/main" w="9525">
+                  <a14:hiddenLine xmlns="" xmlns:a14="http://schemas.microsoft.com/office/drawing/2010/main" w="9525">
                     <a:solidFill>
                       <a:srgbClr val="000000"/>
                     </a:solidFill>
@@ -33732,7 +33739,7 @@
     </p:spTree>
     <p:extLst>
       <p:ext uri="{BB962C8B-B14F-4D97-AF65-F5344CB8AC3E}">
-        <p14:creationId xmlns:p14="http://schemas.microsoft.com/office/powerpoint/2010/main" val="763596250"/>
+        <p14:creationId xmlns="" xmlns:p14="http://schemas.microsoft.com/office/powerpoint/2010/main" val="763596250"/>
       </p:ext>
     </p:extLst>
   </p:cSld>
@@ -33766,6 +33773,47 @@
           <a:chExt cx="0" cy="0"/>
         </a:xfrm>
       </p:grpSpPr>
+      <p:pic>
+        <p:nvPicPr>
+          <p:cNvPr id="5123" name="Picture 3" descr="C:\Users\DuyNgo\Desktop\ScreenHunter_03 Aug. 12 09.30.png"/>
+          <p:cNvPicPr>
+            <a:picLocks noChangeAspect="1" noChangeArrowheads="1"/>
+          </p:cNvPicPr>
+          <p:nvPr/>
+        </p:nvPicPr>
+        <p:blipFill>
+          <a:blip r:embed="rId2" cstate="print">
+            <a:extLst>
+              <a:ext uri="{28A0092B-C50C-407E-A947-70E740481C1C}">
+                <a14:useLocalDpi xmlns="" xmlns:a14="http://schemas.microsoft.com/office/drawing/2010/main" val="0"/>
+              </a:ext>
+            </a:extLst>
+          </a:blip>
+          <a:srcRect/>
+          <a:stretch>
+            <a:fillRect/>
+          </a:stretch>
+        </p:blipFill>
+        <p:spPr bwMode="auto">
+          <a:xfrm>
+            <a:off x="1143000" y="1981200"/>
+            <a:ext cx="3038475" cy="2876550"/>
+          </a:xfrm>
+          <a:prstGeom prst="rect">
+            <a:avLst/>
+          </a:prstGeom>
+          <a:noFill/>
+          <a:extLst>
+            <a:ext uri="{909E8E84-426E-40DD-AFC4-6F175D3DCCD1}">
+              <a14:hiddenFill xmlns="" xmlns:a14="http://schemas.microsoft.com/office/drawing/2010/main">
+                <a:solidFill>
+                  <a:srgbClr val="FFFFFF"/>
+                </a:solidFill>
+              </a14:hiddenFill>
+            </a:ext>
+          </a:extLst>
+        </p:spPr>
+      </p:pic>
       <p:sp>
         <p:nvSpPr>
           <p:cNvPr id="4" name="Slide Number Placeholder 3"/>
@@ -33834,10 +33882,10 @@
           <p:nvPr/>
         </p:nvPicPr>
         <p:blipFill>
-          <a:blip r:embed="rId2">
+          <a:blip r:embed="rId3" cstate="print">
             <a:extLst>
               <a:ext uri="{28A0092B-C50C-407E-A947-70E740481C1C}">
-                <a14:useLocalDpi xmlns:a14="http://schemas.microsoft.com/office/drawing/2010/main" val="0"/>
+                <a14:useLocalDpi xmlns="" xmlns:a14="http://schemas.microsoft.com/office/drawing/2010/main" val="0"/>
               </a:ext>
             </a:extLst>
           </a:blip>
@@ -33848,7 +33896,7 @@
         </p:blipFill>
         <p:spPr bwMode="auto">
           <a:xfrm>
-            <a:off x="6553200" y="4555630"/>
+            <a:off x="6477000" y="4343400"/>
             <a:ext cx="1403350" cy="1320800"/>
           </a:xfrm>
           <a:prstGeom prst="rect">
@@ -33857,89 +33905,7 @@
           <a:noFill/>
           <a:extLst>
             <a:ext uri="{909E8E84-426E-40DD-AFC4-6F175D3DCCD1}">
-              <a14:hiddenFill xmlns:a14="http://schemas.microsoft.com/office/drawing/2010/main">
-                <a:solidFill>
-                  <a:srgbClr val="FFFFFF"/>
-                </a:solidFill>
-              </a14:hiddenFill>
-            </a:ext>
-          </a:extLst>
-        </p:spPr>
-      </p:pic>
-      <p:pic>
-        <p:nvPicPr>
-          <p:cNvPr id="5123" name="Picture 3" descr="C:\Users\DuyNgo\Desktop\ScreenHunter_03 Aug. 12 09.30.png"/>
-          <p:cNvPicPr>
-            <a:picLocks noChangeAspect="1" noChangeArrowheads="1"/>
-          </p:cNvPicPr>
-          <p:nvPr/>
-        </p:nvPicPr>
-        <p:blipFill>
-          <a:blip r:embed="rId3">
-            <a:extLst>
-              <a:ext uri="{28A0092B-C50C-407E-A947-70E740481C1C}">
-                <a14:useLocalDpi xmlns:a14="http://schemas.microsoft.com/office/drawing/2010/main" val="0"/>
-              </a:ext>
-            </a:extLst>
-          </a:blip>
-          <a:srcRect/>
-          <a:stretch>
-            <a:fillRect/>
-          </a:stretch>
-        </p:blipFill>
-        <p:spPr bwMode="auto">
-          <a:xfrm>
-            <a:off x="990600" y="685800"/>
-            <a:ext cx="3038475" cy="2876550"/>
-          </a:xfrm>
-          <a:prstGeom prst="rect">
-            <a:avLst/>
-          </a:prstGeom>
-          <a:noFill/>
-          <a:extLst>
-            <a:ext uri="{909E8E84-426E-40DD-AFC4-6F175D3DCCD1}">
-              <a14:hiddenFill xmlns:a14="http://schemas.microsoft.com/office/drawing/2010/main">
-                <a:solidFill>
-                  <a:srgbClr val="FFFFFF"/>
-                </a:solidFill>
-              </a14:hiddenFill>
-            </a:ext>
-          </a:extLst>
-        </p:spPr>
-      </p:pic>
-      <p:pic>
-        <p:nvPicPr>
-          <p:cNvPr id="5124" name="Picture 4" descr="C:\Users\DuyNgo\Desktop\fig5.gif"/>
-          <p:cNvPicPr>
-            <a:picLocks noChangeAspect="1" noChangeArrowheads="1"/>
-          </p:cNvPicPr>
-          <p:nvPr/>
-        </p:nvPicPr>
-        <p:blipFill>
-          <a:blip r:embed="rId4">
-            <a:extLst>
-              <a:ext uri="{28A0092B-C50C-407E-A947-70E740481C1C}">
-                <a14:useLocalDpi xmlns:a14="http://schemas.microsoft.com/office/drawing/2010/main" val="0"/>
-              </a:ext>
-            </a:extLst>
-          </a:blip>
-          <a:srcRect/>
-          <a:stretch>
-            <a:fillRect/>
-          </a:stretch>
-        </p:blipFill>
-        <p:spPr bwMode="auto">
-          <a:xfrm>
-            <a:off x="228600" y="3682366"/>
-            <a:ext cx="5680996" cy="2559171"/>
-          </a:xfrm>
-          <a:prstGeom prst="rect">
-            <a:avLst/>
-          </a:prstGeom>
-          <a:noFill/>
-          <a:extLst>
-            <a:ext uri="{909E8E84-426E-40DD-AFC4-6F175D3DCCD1}">
-              <a14:hiddenFill xmlns:a14="http://schemas.microsoft.com/office/drawing/2010/main">
+              <a14:hiddenFill xmlns="" xmlns:a14="http://schemas.microsoft.com/office/drawing/2010/main">
                 <a:solidFill>
                   <a:srgbClr val="FFFFFF"/>
                 </a:solidFill>
@@ -33957,10 +33923,10 @@
           <p:nvPr/>
         </p:nvPicPr>
         <p:blipFill>
-          <a:blip r:embed="rId5">
+          <a:blip r:embed="rId4" cstate="print">
             <a:extLst>
               <a:ext uri="{28A0092B-C50C-407E-A947-70E740481C1C}">
-                <a14:useLocalDpi xmlns:a14="http://schemas.microsoft.com/office/drawing/2010/main" val="0"/>
+                <a14:useLocalDpi xmlns="" xmlns:a14="http://schemas.microsoft.com/office/drawing/2010/main" val="0"/>
               </a:ext>
             </a:extLst>
           </a:blip>
@@ -33971,7 +33937,7 @@
         </p:blipFill>
         <p:spPr bwMode="auto">
           <a:xfrm>
-            <a:off x="5334000" y="1752600"/>
+            <a:off x="5867400" y="1447800"/>
             <a:ext cx="2895600" cy="1579418"/>
           </a:xfrm>
           <a:prstGeom prst="rect">
@@ -33980,7 +33946,7 @@
           <a:noFill/>
           <a:extLst>
             <a:ext uri="{909E8E84-426E-40DD-AFC4-6F175D3DCCD1}">
-              <a14:hiddenFill xmlns:a14="http://schemas.microsoft.com/office/drawing/2010/main">
+              <a14:hiddenFill xmlns="" xmlns:a14="http://schemas.microsoft.com/office/drawing/2010/main">
                 <a:solidFill>
                   <a:srgbClr val="FFFFFF"/>
                 </a:solidFill>
@@ -34015,7 +33981,7 @@
     </p:spTree>
     <p:extLst>
       <p:ext uri="{BB962C8B-B14F-4D97-AF65-F5344CB8AC3E}">
-        <p14:creationId xmlns:p14="http://schemas.microsoft.com/office/powerpoint/2010/main" val="2116981622"/>
+        <p14:creationId xmlns="" xmlns:p14="http://schemas.microsoft.com/office/powerpoint/2010/main" val="2116981622"/>
       </p:ext>
     </p:extLst>
   </p:cSld>
@@ -34049,6 +34015,47 @@
           <a:chExt cx="0" cy="0"/>
         </a:xfrm>
       </p:grpSpPr>
+      <p:pic>
+        <p:nvPicPr>
+          <p:cNvPr id="3074" name="Picture 2" descr="C:\Users\DuyNgo\Desktop\ScreenHunter_04 Aug. 18 10.18.png"/>
+          <p:cNvPicPr>
+            <a:picLocks noChangeAspect="1" noChangeArrowheads="1"/>
+          </p:cNvPicPr>
+          <p:nvPr/>
+        </p:nvPicPr>
+        <p:blipFill>
+          <a:blip r:embed="rId2" cstate="print">
+            <a:extLst>
+              <a:ext uri="{28A0092B-C50C-407E-A947-70E740481C1C}">
+                <a14:useLocalDpi xmlns="" xmlns:a14="http://schemas.microsoft.com/office/drawing/2010/main" val="0"/>
+              </a:ext>
+            </a:extLst>
+          </a:blip>
+          <a:srcRect/>
+          <a:stretch>
+            <a:fillRect/>
+          </a:stretch>
+        </p:blipFill>
+        <p:spPr bwMode="auto">
+          <a:xfrm>
+            <a:off x="457200" y="1143000"/>
+            <a:ext cx="2774582" cy="2353846"/>
+          </a:xfrm>
+          <a:prstGeom prst="rect">
+            <a:avLst/>
+          </a:prstGeom>
+          <a:noFill/>
+          <a:extLst>
+            <a:ext uri="{909E8E84-426E-40DD-AFC4-6F175D3DCCD1}">
+              <a14:hiddenFill xmlns="" xmlns:a14="http://schemas.microsoft.com/office/drawing/2010/main">
+                <a:solidFill>
+                  <a:srgbClr val="FFFFFF"/>
+                </a:solidFill>
+              </a14:hiddenFill>
+            </a:ext>
+          </a:extLst>
+        </p:spPr>
+      </p:pic>
       <p:sp>
         <p:nvSpPr>
           <p:cNvPr id="4" name="Slide Number Placeholder 3"/>
@@ -34133,17 +34140,17 @@
       </p:sp>
       <p:pic>
         <p:nvPicPr>
-          <p:cNvPr id="3074" name="Picture 2" descr="C:\Users\DuyNgo\Desktop\ScreenHunter_04 Aug. 18 10.18.png"/>
+          <p:cNvPr id="3075" name="Picture 3" descr="C:\Users\DuyNgo\Desktop\google-code-labs-logo.png"/>
           <p:cNvPicPr>
             <a:picLocks noChangeAspect="1" noChangeArrowheads="1"/>
           </p:cNvPicPr>
           <p:nvPr/>
         </p:nvPicPr>
         <p:blipFill>
-          <a:blip r:embed="rId2">
+          <a:blip r:embed="rId3" cstate="print">
             <a:extLst>
               <a:ext uri="{28A0092B-C50C-407E-A947-70E740481C1C}">
-                <a14:useLocalDpi xmlns:a14="http://schemas.microsoft.com/office/drawing/2010/main" val="0"/>
+                <a14:useLocalDpi xmlns="" xmlns:a14="http://schemas.microsoft.com/office/drawing/2010/main" val="0"/>
               </a:ext>
             </a:extLst>
           </a:blip>
@@ -34154,48 +34161,7 @@
         </p:blipFill>
         <p:spPr bwMode="auto">
           <a:xfrm>
-            <a:off x="381000" y="860286"/>
-            <a:ext cx="3079382" cy="2612426"/>
-          </a:xfrm>
-          <a:prstGeom prst="rect">
-            <a:avLst/>
-          </a:prstGeom>
-          <a:noFill/>
-          <a:extLst>
-            <a:ext uri="{909E8E84-426E-40DD-AFC4-6F175D3DCCD1}">
-              <a14:hiddenFill xmlns:a14="http://schemas.microsoft.com/office/drawing/2010/main">
-                <a:solidFill>
-                  <a:srgbClr val="FFFFFF"/>
-                </a:solidFill>
-              </a14:hiddenFill>
-            </a:ext>
-          </a:extLst>
-        </p:spPr>
-      </p:pic>
-      <p:pic>
-        <p:nvPicPr>
-          <p:cNvPr id="3075" name="Picture 3" descr="C:\Users\DuyNgo\Desktop\google-code-labs-logo.png"/>
-          <p:cNvPicPr>
-            <a:picLocks noChangeAspect="1" noChangeArrowheads="1"/>
-          </p:cNvPicPr>
-          <p:nvPr/>
-        </p:nvPicPr>
-        <p:blipFill>
-          <a:blip r:embed="rId3">
-            <a:extLst>
-              <a:ext uri="{28A0092B-C50C-407E-A947-70E740481C1C}">
-                <a14:useLocalDpi xmlns:a14="http://schemas.microsoft.com/office/drawing/2010/main" val="0"/>
-              </a:ext>
-            </a:extLst>
-          </a:blip>
-          <a:srcRect/>
-          <a:stretch>
-            <a:fillRect/>
-          </a:stretch>
-        </p:blipFill>
-        <p:spPr bwMode="auto">
-          <a:xfrm>
-            <a:off x="76200" y="4004277"/>
+            <a:off x="180975" y="4038600"/>
             <a:ext cx="1952625" cy="1943100"/>
           </a:xfrm>
           <a:prstGeom prst="rect">
@@ -34204,7 +34170,7 @@
           <a:noFill/>
           <a:extLst>
             <a:ext uri="{909E8E84-426E-40DD-AFC4-6F175D3DCCD1}">
-              <a14:hiddenFill xmlns:a14="http://schemas.microsoft.com/office/drawing/2010/main">
+              <a14:hiddenFill xmlns="" xmlns:a14="http://schemas.microsoft.com/office/drawing/2010/main">
                 <a:solidFill>
                   <a:srgbClr val="FFFFFF"/>
                 </a:solidFill>
@@ -34222,10 +34188,10 @@
           <p:nvPr/>
         </p:nvPicPr>
         <p:blipFill>
-          <a:blip r:embed="rId4">
+          <a:blip r:embed="rId4" cstate="print">
             <a:extLst>
               <a:ext uri="{28A0092B-C50C-407E-A947-70E740481C1C}">
-                <a14:useLocalDpi xmlns:a14="http://schemas.microsoft.com/office/drawing/2010/main" val="0"/>
+                <a14:useLocalDpi xmlns="" xmlns:a14="http://schemas.microsoft.com/office/drawing/2010/main" val="0"/>
               </a:ext>
             </a:extLst>
           </a:blip>
@@ -34236,7 +34202,7 @@
         </p:blipFill>
         <p:spPr bwMode="auto">
           <a:xfrm>
-            <a:off x="2250891" y="3472712"/>
+            <a:off x="2286000" y="3505200"/>
             <a:ext cx="6612437" cy="3006230"/>
           </a:xfrm>
           <a:prstGeom prst="rect">
@@ -34245,7 +34211,7 @@
           <a:noFill/>
           <a:extLst>
             <a:ext uri="{909E8E84-426E-40DD-AFC4-6F175D3DCCD1}">
-              <a14:hiddenFill xmlns:a14="http://schemas.microsoft.com/office/drawing/2010/main">
+              <a14:hiddenFill xmlns="" xmlns:a14="http://schemas.microsoft.com/office/drawing/2010/main">
                 <a:solidFill>
                   <a:srgbClr val="FFFFFF"/>
                 </a:solidFill>
@@ -34263,10 +34229,10 @@
           <p:nvPr/>
         </p:nvPicPr>
         <p:blipFill>
-          <a:blip r:embed="rId5">
+          <a:blip r:embed="rId5" cstate="print">
             <a:extLst>
               <a:ext uri="{28A0092B-C50C-407E-A947-70E740481C1C}">
-                <a14:useLocalDpi xmlns:a14="http://schemas.microsoft.com/office/drawing/2010/main" val="0"/>
+                <a14:useLocalDpi xmlns="" xmlns:a14="http://schemas.microsoft.com/office/drawing/2010/main" val="0"/>
               </a:ext>
             </a:extLst>
           </a:blip>
@@ -34286,7 +34252,7 @@
           <a:noFill/>
           <a:extLst>
             <a:ext uri="{909E8E84-426E-40DD-AFC4-6F175D3DCCD1}">
-              <a14:hiddenFill xmlns:a14="http://schemas.microsoft.com/office/drawing/2010/main">
+              <a14:hiddenFill xmlns="" xmlns:a14="http://schemas.microsoft.com/office/drawing/2010/main">
                 <a:solidFill>
                   <a:srgbClr val="FFFFFF"/>
                 </a:solidFill>
@@ -34304,10 +34270,10 @@
           <p:nvPr/>
         </p:nvPicPr>
         <p:blipFill>
-          <a:blip r:embed="rId6">
+          <a:blip r:embed="rId6" cstate="print">
             <a:extLst>
               <a:ext uri="{28A0092B-C50C-407E-A947-70E740481C1C}">
-                <a14:useLocalDpi xmlns:a14="http://schemas.microsoft.com/office/drawing/2010/main" val="0"/>
+                <a14:useLocalDpi xmlns="" xmlns:a14="http://schemas.microsoft.com/office/drawing/2010/main" val="0"/>
               </a:ext>
             </a:extLst>
           </a:blip>
@@ -34327,7 +34293,7 @@
           <a:noFill/>
           <a:extLst>
             <a:ext uri="{909E8E84-426E-40DD-AFC4-6F175D3DCCD1}">
-              <a14:hiddenFill xmlns:a14="http://schemas.microsoft.com/office/drawing/2010/main">
+              <a14:hiddenFill xmlns="" xmlns:a14="http://schemas.microsoft.com/office/drawing/2010/main">
                 <a:solidFill>
                   <a:srgbClr val="FFFFFF"/>
                 </a:solidFill>
@@ -34339,7 +34305,7 @@
     </p:spTree>
     <p:extLst>
       <p:ext uri="{BB962C8B-B14F-4D97-AF65-F5344CB8AC3E}">
-        <p14:creationId xmlns:p14="http://schemas.microsoft.com/office/powerpoint/2010/main" val="3743256097"/>
+        <p14:creationId xmlns="" xmlns:p14="http://schemas.microsoft.com/office/powerpoint/2010/main" val="3743256097"/>
       </p:ext>
     </p:extLst>
   </p:cSld>
@@ -34444,7 +34410,7 @@
           <a:blip r:embed="rId2" cstate="print">
             <a:extLst>
               <a:ext uri="{28A0092B-C50C-407E-A947-70E740481C1C}">
-                <a14:useLocalDpi xmlns:a14="http://schemas.microsoft.com/office/drawing/2010/main" val="0"/>
+                <a14:useLocalDpi xmlns="" xmlns:a14="http://schemas.microsoft.com/office/drawing/2010/main" val="0"/>
               </a:ext>
             </a:extLst>
           </a:blip>
@@ -34464,48 +34430,7 @@
           <a:noFill/>
           <a:extLst>
             <a:ext uri="{909E8E84-426E-40DD-AFC4-6F175D3DCCD1}">
-              <a14:hiddenFill xmlns:a14="http://schemas.microsoft.com/office/drawing/2010/main">
-                <a:solidFill>
-                  <a:srgbClr val="FFFFFF"/>
-                </a:solidFill>
-              </a14:hiddenFill>
-            </a:ext>
-          </a:extLst>
-        </p:spPr>
-      </p:pic>
-      <p:pic>
-        <p:nvPicPr>
-          <p:cNvPr id="6146" name="Picture 2" descr="C:\Users\DuyNgo\Desktop\vc-concepts.png"/>
-          <p:cNvPicPr>
-            <a:picLocks noChangeAspect="1" noChangeArrowheads="1"/>
-          </p:cNvPicPr>
-          <p:nvPr/>
-        </p:nvPicPr>
-        <p:blipFill>
-          <a:blip r:embed="rId3">
-            <a:extLst>
-              <a:ext uri="{28A0092B-C50C-407E-A947-70E740481C1C}">
-                <a14:useLocalDpi xmlns:a14="http://schemas.microsoft.com/office/drawing/2010/main" val="0"/>
-              </a:ext>
-            </a:extLst>
-          </a:blip>
-          <a:srcRect/>
-          <a:stretch>
-            <a:fillRect/>
-          </a:stretch>
-        </p:blipFill>
-        <p:spPr bwMode="auto">
-          <a:xfrm>
-            <a:off x="990600" y="3505200"/>
-            <a:ext cx="3276600" cy="2382331"/>
-          </a:xfrm>
-          <a:prstGeom prst="rect">
-            <a:avLst/>
-          </a:prstGeom>
-          <a:noFill/>
-          <a:extLst>
-            <a:ext uri="{909E8E84-426E-40DD-AFC4-6F175D3DCCD1}">
-              <a14:hiddenFill xmlns:a14="http://schemas.microsoft.com/office/drawing/2010/main">
+              <a14:hiddenFill xmlns="" xmlns:a14="http://schemas.microsoft.com/office/drawing/2010/main">
                 <a:solidFill>
                   <a:srgbClr val="FFFFFF"/>
                 </a:solidFill>
@@ -34523,10 +34448,10 @@
           <p:nvPr/>
         </p:nvPicPr>
         <p:blipFill>
-          <a:blip r:embed="rId4">
+          <a:blip r:embed="rId3" cstate="print">
             <a:extLst>
               <a:ext uri="{28A0092B-C50C-407E-A947-70E740481C1C}">
-                <a14:useLocalDpi xmlns:a14="http://schemas.microsoft.com/office/drawing/2010/main" val="0"/>
+                <a14:useLocalDpi xmlns="" xmlns:a14="http://schemas.microsoft.com/office/drawing/2010/main" val="0"/>
               </a:ext>
             </a:extLst>
           </a:blip>
@@ -34546,7 +34471,7 @@
           <a:noFill/>
           <a:extLst>
             <a:ext uri="{909E8E84-426E-40DD-AFC4-6F175D3DCCD1}">
-              <a14:hiddenFill xmlns:a14="http://schemas.microsoft.com/office/drawing/2010/main">
+              <a14:hiddenFill xmlns="" xmlns:a14="http://schemas.microsoft.com/office/drawing/2010/main">
                 <a:solidFill>
                   <a:srgbClr val="FFFFFF"/>
                 </a:solidFill>
@@ -34564,10 +34489,10 @@
           <p:nvPr/>
         </p:nvPicPr>
         <p:blipFill>
-          <a:blip r:embed="rId5">
+          <a:blip r:embed="rId4" cstate="print">
             <a:extLst>
               <a:ext uri="{28A0092B-C50C-407E-A947-70E740481C1C}">
-                <a14:useLocalDpi xmlns:a14="http://schemas.microsoft.com/office/drawing/2010/main" val="0"/>
+                <a14:useLocalDpi xmlns="" xmlns:a14="http://schemas.microsoft.com/office/drawing/2010/main" val="0"/>
               </a:ext>
             </a:extLst>
           </a:blip>
@@ -34587,7 +34512,7 @@
           <a:noFill/>
           <a:extLst>
             <a:ext uri="{909E8E84-426E-40DD-AFC4-6F175D3DCCD1}">
-              <a14:hiddenFill xmlns:a14="http://schemas.microsoft.com/office/drawing/2010/main">
+              <a14:hiddenFill xmlns="" xmlns:a14="http://schemas.microsoft.com/office/drawing/2010/main">
                 <a:solidFill>
                   <a:srgbClr val="FFFFFF"/>
                 </a:solidFill>
@@ -34605,10 +34530,10 @@
           <p:nvPr/>
         </p:nvPicPr>
         <p:blipFill>
-          <a:blip r:embed="rId6" cstate="print">
+          <a:blip r:embed="rId5" cstate="print">
             <a:extLst>
               <a:ext uri="{28A0092B-C50C-407E-A947-70E740481C1C}">
-                <a14:useLocalDpi xmlns:a14="http://schemas.microsoft.com/office/drawing/2010/main" val="0"/>
+                <a14:useLocalDpi xmlns="" xmlns:a14="http://schemas.microsoft.com/office/drawing/2010/main" val="0"/>
               </a:ext>
             </a:extLst>
           </a:blip>
@@ -34628,7 +34553,7 @@
           <a:noFill/>
           <a:extLst>
             <a:ext uri="{909E8E84-426E-40DD-AFC4-6F175D3DCCD1}">
-              <a14:hiddenFill xmlns:a14="http://schemas.microsoft.com/office/drawing/2010/main">
+              <a14:hiddenFill xmlns="" xmlns:a14="http://schemas.microsoft.com/office/drawing/2010/main">
                 <a:solidFill>
                   <a:srgbClr val="FFFFFF"/>
                 </a:solidFill>
@@ -34660,10 +34585,36 @@
           </a:p>
         </p:txBody>
       </p:sp>
+      <p:pic>
+        <p:nvPicPr>
+          <p:cNvPr id="1026" name="Picture 2" descr="I:\CapstoneProject\trunk\Document\Report\Presentation\picture\tortoisesvn free download.png"/>
+          <p:cNvPicPr>
+            <a:picLocks noChangeAspect="1" noChangeArrowheads="1"/>
+          </p:cNvPicPr>
+          <p:nvPr/>
+        </p:nvPicPr>
+        <p:blipFill>
+          <a:blip r:embed="rId6" cstate="print"/>
+          <a:srcRect/>
+          <a:stretch>
+            <a:fillRect/>
+          </a:stretch>
+        </p:blipFill>
+        <p:spPr bwMode="auto">
+          <a:xfrm>
+            <a:off x="838200" y="3657600"/>
+            <a:ext cx="3505200" cy="2628900"/>
+          </a:xfrm>
+          <a:prstGeom prst="rect">
+            <a:avLst/>
+          </a:prstGeom>
+          <a:noFill/>
+        </p:spPr>
+      </p:pic>
     </p:spTree>
     <p:extLst>
       <p:ext uri="{BB962C8B-B14F-4D97-AF65-F5344CB8AC3E}">
-        <p14:creationId xmlns:p14="http://schemas.microsoft.com/office/powerpoint/2010/main" val="2461313022"/>
+        <p14:creationId xmlns="" xmlns:p14="http://schemas.microsoft.com/office/powerpoint/2010/main" val="2461313022"/>
       </p:ext>
     </p:extLst>
   </p:cSld>
@@ -34763,10 +34714,10 @@
           <p:nvPr/>
         </p:nvPicPr>
         <p:blipFill>
-          <a:blip r:embed="rId2">
+          <a:blip r:embed="rId2" cstate="print">
             <a:extLst>
               <a:ext uri="{28A0092B-C50C-407E-A947-70E740481C1C}">
-                <a14:useLocalDpi xmlns:a14="http://schemas.microsoft.com/office/drawing/2010/main" val="0"/>
+                <a14:useLocalDpi xmlns="" xmlns:a14="http://schemas.microsoft.com/office/drawing/2010/main" val="0"/>
               </a:ext>
             </a:extLst>
           </a:blip>
@@ -34796,10 +34747,10 @@
           <p:nvPr/>
         </p:nvPicPr>
         <p:blipFill>
-          <a:blip r:embed="rId3">
+          <a:blip r:embed="rId3" cstate="print">
             <a:extLst>
               <a:ext uri="{28A0092B-C50C-407E-A947-70E740481C1C}">
-                <a14:useLocalDpi xmlns:a14="http://schemas.microsoft.com/office/drawing/2010/main" val="0"/>
+                <a14:useLocalDpi xmlns="" xmlns:a14="http://schemas.microsoft.com/office/drawing/2010/main" val="0"/>
               </a:ext>
             </a:extLst>
           </a:blip>
@@ -34829,10 +34780,10 @@
           <p:nvPr/>
         </p:nvPicPr>
         <p:blipFill>
-          <a:blip r:embed="rId4">
+          <a:blip r:embed="rId4" cstate="print">
             <a:extLst>
               <a:ext uri="{28A0092B-C50C-407E-A947-70E740481C1C}">
-                <a14:useLocalDpi xmlns:a14="http://schemas.microsoft.com/office/drawing/2010/main" val="0"/>
+                <a14:useLocalDpi xmlns="" xmlns:a14="http://schemas.microsoft.com/office/drawing/2010/main" val="0"/>
               </a:ext>
             </a:extLst>
           </a:blip>
@@ -34862,10 +34813,10 @@
           <p:nvPr/>
         </p:nvPicPr>
         <p:blipFill>
-          <a:blip r:embed="rId5">
+          <a:blip r:embed="rId5" cstate="print">
             <a:extLst>
               <a:ext uri="{28A0092B-C50C-407E-A947-70E740481C1C}">
-                <a14:useLocalDpi xmlns:a14="http://schemas.microsoft.com/office/drawing/2010/main" val="0"/>
+                <a14:useLocalDpi xmlns="" xmlns:a14="http://schemas.microsoft.com/office/drawing/2010/main" val="0"/>
               </a:ext>
             </a:extLst>
           </a:blip>
@@ -34914,7 +34865,7 @@
     </p:spTree>
     <p:extLst>
       <p:ext uri="{BB962C8B-B14F-4D97-AF65-F5344CB8AC3E}">
-        <p14:creationId xmlns:p14="http://schemas.microsoft.com/office/powerpoint/2010/main" val="2506033812"/>
+        <p14:creationId xmlns="" xmlns:p14="http://schemas.microsoft.com/office/powerpoint/2010/main" val="2506033812"/>
       </p:ext>
     </p:extLst>
   </p:cSld>
@@ -35039,10 +34990,10 @@
           <p:nvPr/>
         </p:nvPicPr>
         <p:blipFill>
-          <a:blip r:embed="rId2">
+          <a:blip r:embed="rId2" cstate="print">
             <a:extLst>
               <a:ext uri="{28A0092B-C50C-407E-A947-70E740481C1C}">
-                <a14:useLocalDpi xmlns:a14="http://schemas.microsoft.com/office/drawing/2010/main" val="0"/>
+                <a14:useLocalDpi xmlns="" xmlns:a14="http://schemas.microsoft.com/office/drawing/2010/main" val="0"/>
               </a:ext>
             </a:extLst>
           </a:blip>
@@ -35062,7 +35013,7 @@
           <a:noFill/>
           <a:extLst>
             <a:ext uri="{909E8E84-426E-40DD-AFC4-6F175D3DCCD1}">
-              <a14:hiddenFill xmlns:a14="http://schemas.microsoft.com/office/drawing/2010/main">
+              <a14:hiddenFill xmlns="" xmlns:a14="http://schemas.microsoft.com/office/drawing/2010/main">
                 <a:solidFill>
                   <a:srgbClr val="FFFFFF"/>
                 </a:solidFill>
@@ -35074,7 +35025,7 @@
     </p:spTree>
     <p:extLst>
       <p:ext uri="{BB962C8B-B14F-4D97-AF65-F5344CB8AC3E}">
-        <p14:creationId xmlns:p14="http://schemas.microsoft.com/office/powerpoint/2010/main" val="1508172760"/>
+        <p14:creationId xmlns="" xmlns:p14="http://schemas.microsoft.com/office/powerpoint/2010/main" val="1508172760"/>
       </p:ext>
     </p:extLst>
   </p:cSld>
@@ -35176,7 +35127,7 @@
           <p:nvPr>
             <p:extLst>
               <p:ext uri="{D42A27DB-BD31-4B8C-83A1-F6EECF244321}">
-                <p14:modId xmlns:p14="http://schemas.microsoft.com/office/powerpoint/2010/main" val="4043557472"/>
+                <p14:modId xmlns="" xmlns:p14="http://schemas.microsoft.com/office/powerpoint/2010/main" val="4043557472"/>
               </p:ext>
             </p:extLst>
           </p:nvPr>
@@ -37655,7 +37606,7 @@
     </p:spTree>
     <p:extLst>
       <p:ext uri="{BB962C8B-B14F-4D97-AF65-F5344CB8AC3E}">
-        <p14:creationId xmlns:p14="http://schemas.microsoft.com/office/powerpoint/2010/main" val="2742244314"/>
+        <p14:creationId xmlns="" xmlns:p14="http://schemas.microsoft.com/office/powerpoint/2010/main" val="2742244314"/>
       </p:ext>
     </p:extLst>
   </p:cSld>
@@ -37780,10 +37731,10 @@
           <p:nvPr/>
         </p:nvPicPr>
         <p:blipFill>
-          <a:blip r:embed="rId2">
+          <a:blip r:embed="rId2" cstate="print">
             <a:extLst>
               <a:ext uri="{28A0092B-C50C-407E-A947-70E740481C1C}">
-                <a14:useLocalDpi xmlns:a14="http://schemas.microsoft.com/office/drawing/2010/main" val="0"/>
+                <a14:useLocalDpi xmlns="" xmlns:a14="http://schemas.microsoft.com/office/drawing/2010/main" val="0"/>
               </a:ext>
             </a:extLst>
           </a:blip>
@@ -37803,7 +37754,7 @@
           <a:noFill/>
           <a:extLst>
             <a:ext uri="{909E8E84-426E-40DD-AFC4-6F175D3DCCD1}">
-              <a14:hiddenFill xmlns:a14="http://schemas.microsoft.com/office/drawing/2010/main">
+              <a14:hiddenFill xmlns="" xmlns:a14="http://schemas.microsoft.com/office/drawing/2010/main">
                 <a:solidFill>
                   <a:srgbClr val="FFFFFF"/>
                 </a:solidFill>
@@ -37821,10 +37772,10 @@
           <p:nvPr/>
         </p:nvPicPr>
         <p:blipFill>
-          <a:blip r:embed="rId3">
+          <a:blip r:embed="rId3" cstate="print">
             <a:extLst>
               <a:ext uri="{28A0092B-C50C-407E-A947-70E740481C1C}">
-                <a14:useLocalDpi xmlns:a14="http://schemas.microsoft.com/office/drawing/2010/main" val="0"/>
+                <a14:useLocalDpi xmlns="" xmlns:a14="http://schemas.microsoft.com/office/drawing/2010/main" val="0"/>
               </a:ext>
             </a:extLst>
           </a:blip>
@@ -37844,7 +37795,7 @@
           <a:noFill/>
           <a:extLst>
             <a:ext uri="{909E8E84-426E-40DD-AFC4-6F175D3DCCD1}">
-              <a14:hiddenFill xmlns:a14="http://schemas.microsoft.com/office/drawing/2010/main">
+              <a14:hiddenFill xmlns="" xmlns:a14="http://schemas.microsoft.com/office/drawing/2010/main">
                 <a:solidFill>
                   <a:srgbClr val="FFFFFF"/>
                 </a:solidFill>
@@ -37862,10 +37813,10 @@
           <p:nvPr/>
         </p:nvPicPr>
         <p:blipFill>
-          <a:blip r:embed="rId4">
+          <a:blip r:embed="rId4" cstate="print">
             <a:extLst>
               <a:ext uri="{28A0092B-C50C-407E-A947-70E740481C1C}">
-                <a14:useLocalDpi xmlns:a14="http://schemas.microsoft.com/office/drawing/2010/main" val="0"/>
+                <a14:useLocalDpi xmlns="" xmlns:a14="http://schemas.microsoft.com/office/drawing/2010/main" val="0"/>
               </a:ext>
             </a:extLst>
           </a:blip>
@@ -37885,7 +37836,7 @@
           <a:noFill/>
           <a:extLst>
             <a:ext uri="{909E8E84-426E-40DD-AFC4-6F175D3DCCD1}">
-              <a14:hiddenFill xmlns:a14="http://schemas.microsoft.com/office/drawing/2010/main">
+              <a14:hiddenFill xmlns="" xmlns:a14="http://schemas.microsoft.com/office/drawing/2010/main">
                 <a:solidFill>
                   <a:srgbClr val="FFFFFF"/>
                 </a:solidFill>
@@ -37903,10 +37854,10 @@
           <p:nvPr/>
         </p:nvPicPr>
         <p:blipFill>
-          <a:blip r:embed="rId5">
+          <a:blip r:embed="rId5" cstate="print">
             <a:extLst>
               <a:ext uri="{28A0092B-C50C-407E-A947-70E740481C1C}">
-                <a14:useLocalDpi xmlns:a14="http://schemas.microsoft.com/office/drawing/2010/main" val="0"/>
+                <a14:useLocalDpi xmlns="" xmlns:a14="http://schemas.microsoft.com/office/drawing/2010/main" val="0"/>
               </a:ext>
             </a:extLst>
           </a:blip>
@@ -37926,7 +37877,7 @@
           <a:noFill/>
           <a:extLst>
             <a:ext uri="{909E8E84-426E-40DD-AFC4-6F175D3DCCD1}">
-              <a14:hiddenFill xmlns:a14="http://schemas.microsoft.com/office/drawing/2010/main">
+              <a14:hiddenFill xmlns="" xmlns:a14="http://schemas.microsoft.com/office/drawing/2010/main">
                 <a:solidFill>
                   <a:srgbClr val="FFFFFF"/>
                 </a:solidFill>
@@ -37944,10 +37895,10 @@
           <p:nvPr/>
         </p:nvPicPr>
         <p:blipFill>
-          <a:blip r:embed="rId6">
+          <a:blip r:embed="rId6" cstate="print">
             <a:extLst>
               <a:ext uri="{28A0092B-C50C-407E-A947-70E740481C1C}">
-                <a14:useLocalDpi xmlns:a14="http://schemas.microsoft.com/office/drawing/2010/main" val="0"/>
+                <a14:useLocalDpi xmlns="" xmlns:a14="http://schemas.microsoft.com/office/drawing/2010/main" val="0"/>
               </a:ext>
             </a:extLst>
           </a:blip>
@@ -37967,7 +37918,7 @@
           <a:noFill/>
           <a:extLst>
             <a:ext uri="{909E8E84-426E-40DD-AFC4-6F175D3DCCD1}">
-              <a14:hiddenFill xmlns:a14="http://schemas.microsoft.com/office/drawing/2010/main">
+              <a14:hiddenFill xmlns="" xmlns:a14="http://schemas.microsoft.com/office/drawing/2010/main">
                 <a:solidFill>
                   <a:srgbClr val="FFFFFF"/>
                 </a:solidFill>
@@ -37985,10 +37936,10 @@
           <p:nvPr/>
         </p:nvPicPr>
         <p:blipFill>
-          <a:blip r:embed="rId7">
+          <a:blip r:embed="rId7" cstate="print">
             <a:extLst>
               <a:ext uri="{28A0092B-C50C-407E-A947-70E740481C1C}">
-                <a14:useLocalDpi xmlns:a14="http://schemas.microsoft.com/office/drawing/2010/main" val="0"/>
+                <a14:useLocalDpi xmlns="" xmlns:a14="http://schemas.microsoft.com/office/drawing/2010/main" val="0"/>
               </a:ext>
             </a:extLst>
           </a:blip>
@@ -38008,7 +37959,7 @@
           <a:noFill/>
           <a:extLst>
             <a:ext uri="{909E8E84-426E-40DD-AFC4-6F175D3DCCD1}">
-              <a14:hiddenFill xmlns:a14="http://schemas.microsoft.com/office/drawing/2010/main">
+              <a14:hiddenFill xmlns="" xmlns:a14="http://schemas.microsoft.com/office/drawing/2010/main">
                 <a:solidFill>
                   <a:srgbClr val="FFFFFF"/>
                 </a:solidFill>
@@ -38026,10 +37977,10 @@
           <p:nvPr/>
         </p:nvPicPr>
         <p:blipFill>
-          <a:blip r:embed="rId8">
+          <a:blip r:embed="rId8" cstate="print">
             <a:extLst>
               <a:ext uri="{28A0092B-C50C-407E-A947-70E740481C1C}">
-                <a14:useLocalDpi xmlns:a14="http://schemas.microsoft.com/office/drawing/2010/main" val="0"/>
+                <a14:useLocalDpi xmlns="" xmlns:a14="http://schemas.microsoft.com/office/drawing/2010/main" val="0"/>
               </a:ext>
             </a:extLst>
           </a:blip>
@@ -38049,7 +38000,7 @@
           <a:noFill/>
           <a:extLst>
             <a:ext uri="{909E8E84-426E-40DD-AFC4-6F175D3DCCD1}">
-              <a14:hiddenFill xmlns:a14="http://schemas.microsoft.com/office/drawing/2010/main">
+              <a14:hiddenFill xmlns="" xmlns:a14="http://schemas.microsoft.com/office/drawing/2010/main">
                 <a:solidFill>
                   <a:srgbClr val="FFFFFF"/>
                 </a:solidFill>
@@ -38067,10 +38018,10 @@
           <p:nvPr/>
         </p:nvPicPr>
         <p:blipFill>
-          <a:blip r:embed="rId9">
+          <a:blip r:embed="rId9" cstate="print">
             <a:extLst>
               <a:ext uri="{28A0092B-C50C-407E-A947-70E740481C1C}">
-                <a14:useLocalDpi xmlns:a14="http://schemas.microsoft.com/office/drawing/2010/main" val="0"/>
+                <a14:useLocalDpi xmlns="" xmlns:a14="http://schemas.microsoft.com/office/drawing/2010/main" val="0"/>
               </a:ext>
             </a:extLst>
           </a:blip>
@@ -38090,7 +38041,7 @@
           <a:noFill/>
           <a:extLst>
             <a:ext uri="{909E8E84-426E-40DD-AFC4-6F175D3DCCD1}">
-              <a14:hiddenFill xmlns:a14="http://schemas.microsoft.com/office/drawing/2010/main">
+              <a14:hiddenFill xmlns="" xmlns:a14="http://schemas.microsoft.com/office/drawing/2010/main">
                 <a:solidFill>
                   <a:srgbClr val="FFFFFF"/>
                 </a:solidFill>
@@ -38132,7 +38083,7 @@
     </p:spTree>
     <p:extLst>
       <p:ext uri="{BB962C8B-B14F-4D97-AF65-F5344CB8AC3E}">
-        <p14:creationId xmlns:p14="http://schemas.microsoft.com/office/powerpoint/2010/main" val="1881720040"/>
+        <p14:creationId xmlns="" xmlns:p14="http://schemas.microsoft.com/office/powerpoint/2010/main" val="1881720040"/>
       </p:ext>
     </p:extLst>
   </p:cSld>
@@ -38398,20 +38349,20 @@
     </p:spTree>
     <p:extLst>
       <p:ext uri="{BB962C8B-B14F-4D97-AF65-F5344CB8AC3E}">
-        <p14:creationId xmlns:p14="http://schemas.microsoft.com/office/powerpoint/2010/main" val="3211751061"/>
+        <p14:creationId xmlns="" xmlns:p14="http://schemas.microsoft.com/office/powerpoint/2010/main" val="3211751061"/>
       </p:ext>
     </p:extLst>
   </p:cSld>
   <p:clrMapOvr>
     <a:masterClrMapping/>
   </p:clrMapOvr>
-  <mc:AlternateContent xmlns:mc="http://schemas.openxmlformats.org/markup-compatibility/2006" xmlns:p14="http://schemas.microsoft.com/office/powerpoint/2010/main">
-    <mc:Choice Requires="p14">
+  <mc:AlternateContent xmlns:mc="http://schemas.openxmlformats.org/markup-compatibility/2006">
+    <mc:Choice xmlns="" xmlns:p14="http://schemas.microsoft.com/office/powerpoint/2010/main" Requires="p14">
       <p:transition spd="slow" p14:dur="1400">
         <p14:ripple/>
       </p:transition>
     </mc:Choice>
-    <mc:Fallback xmlns="">
+    <mc:Fallback>
       <p:transition spd="slow">
         <p:fade/>
       </p:transition>
@@ -38628,7 +38579,7 @@
     </p:spTree>
     <p:extLst>
       <p:ext uri="{BB962C8B-B14F-4D97-AF65-F5344CB8AC3E}">
-        <p14:creationId xmlns:p14="http://schemas.microsoft.com/office/powerpoint/2010/main" val="3554620606"/>
+        <p14:creationId xmlns="" xmlns:p14="http://schemas.microsoft.com/office/powerpoint/2010/main" val="3554620606"/>
       </p:ext>
     </p:extLst>
   </p:cSld>
@@ -38826,7 +38777,7 @@
     </p:spTree>
     <p:extLst>
       <p:ext uri="{BB962C8B-B14F-4D97-AF65-F5344CB8AC3E}">
-        <p14:creationId xmlns:p14="http://schemas.microsoft.com/office/powerpoint/2010/main" val="803082343"/>
+        <p14:creationId xmlns="" xmlns:p14="http://schemas.microsoft.com/office/powerpoint/2010/main" val="803082343"/>
       </p:ext>
     </p:extLst>
   </p:cSld>
@@ -38945,7 +38896,7 @@
     </p:spTree>
     <p:extLst>
       <p:ext uri="{BB962C8B-B14F-4D97-AF65-F5344CB8AC3E}">
-        <p14:creationId xmlns:p14="http://schemas.microsoft.com/office/powerpoint/2010/main" val="1858083964"/>
+        <p14:creationId xmlns="" xmlns:p14="http://schemas.microsoft.com/office/powerpoint/2010/main" val="1858083964"/>
       </p:ext>
     </p:extLst>
   </p:cSld>
@@ -39064,7 +39015,7 @@
     </p:spTree>
     <p:extLst>
       <p:ext uri="{BB962C8B-B14F-4D97-AF65-F5344CB8AC3E}">
-        <p14:creationId xmlns:p14="http://schemas.microsoft.com/office/powerpoint/2010/main" val="1638728489"/>
+        <p14:creationId xmlns="" xmlns:p14="http://schemas.microsoft.com/office/powerpoint/2010/main" val="1638728489"/>
       </p:ext>
     </p:extLst>
   </p:cSld>
@@ -39560,20 +39511,20 @@
     </p:spTree>
     <p:extLst>
       <p:ext uri="{BB962C8B-B14F-4D97-AF65-F5344CB8AC3E}">
-        <p14:creationId xmlns:p14="http://schemas.microsoft.com/office/powerpoint/2010/main" val="1741471829"/>
+        <p14:creationId xmlns="" xmlns:p14="http://schemas.microsoft.com/office/powerpoint/2010/main" val="1741471829"/>
       </p:ext>
     </p:extLst>
   </p:cSld>
   <p:clrMapOvr>
     <a:masterClrMapping/>
   </p:clrMapOvr>
-  <mc:AlternateContent xmlns:mc="http://schemas.openxmlformats.org/markup-compatibility/2006" xmlns:p14="http://schemas.microsoft.com/office/powerpoint/2010/main">
-    <mc:Choice Requires="p14">
+  <mc:AlternateContent xmlns:mc="http://schemas.openxmlformats.org/markup-compatibility/2006">
+    <mc:Choice xmlns="" xmlns:p14="http://schemas.microsoft.com/office/powerpoint/2010/main" Requires="p14">
       <p:transition spd="slow" p14:dur="1400">
         <p14:ripple/>
       </p:transition>
     </mc:Choice>
-    <mc:Fallback xmlns="">
+    <mc:Fallback>
       <p:transition spd="slow">
         <p:fade/>
       </p:transition>
@@ -39674,10 +39625,10 @@
           <p:nvPr/>
         </p:nvPicPr>
         <p:blipFill>
-          <a:blip r:embed="rId2">
+          <a:blip r:embed="rId2" cstate="print">
             <a:extLst>
               <a:ext uri="{28A0092B-C50C-407E-A947-70E740481C1C}">
-                <a14:useLocalDpi xmlns:a14="http://schemas.microsoft.com/office/drawing/2010/main" val="0"/>
+                <a14:useLocalDpi xmlns="" xmlns:a14="http://schemas.microsoft.com/office/drawing/2010/main" val="0"/>
               </a:ext>
             </a:extLst>
           </a:blip>
@@ -39982,20 +39933,20 @@
     </p:spTree>
     <p:extLst>
       <p:ext uri="{BB962C8B-B14F-4D97-AF65-F5344CB8AC3E}">
-        <p14:creationId xmlns:p14="http://schemas.microsoft.com/office/powerpoint/2010/main" val="1985707681"/>
+        <p14:creationId xmlns="" xmlns:p14="http://schemas.microsoft.com/office/powerpoint/2010/main" val="1985707681"/>
       </p:ext>
     </p:extLst>
   </p:cSld>
   <p:clrMapOvr>
     <a:masterClrMapping/>
   </p:clrMapOvr>
-  <mc:AlternateContent xmlns:mc="http://schemas.openxmlformats.org/markup-compatibility/2006" xmlns:p14="http://schemas.microsoft.com/office/powerpoint/2010/main">
-    <mc:Choice Requires="p14">
+  <mc:AlternateContent xmlns:mc="http://schemas.openxmlformats.org/markup-compatibility/2006">
+    <mc:Choice xmlns="" xmlns:p14="http://schemas.microsoft.com/office/powerpoint/2010/main" Requires="p14">
       <p:transition spd="slow" p14:dur="1400">
         <p14:ripple/>
       </p:transition>
     </mc:Choice>
-    <mc:Fallback xmlns="">
+    <mc:Fallback>
       <p:transition spd="slow">
         <p:fade/>
       </p:transition>
@@ -40305,10 +40256,10 @@
           <p:nvPr/>
         </p:nvPicPr>
         <p:blipFill rotWithShape="1">
-          <a:blip r:embed="rId3">
+          <a:blip r:embed="rId3" cstate="print">
             <a:extLst>
               <a:ext uri="{28A0092B-C50C-407E-A947-70E740481C1C}">
-                <a14:useLocalDpi xmlns:a14="http://schemas.microsoft.com/office/drawing/2010/main" val="0"/>
+                <a14:useLocalDpi xmlns="" xmlns:a14="http://schemas.microsoft.com/office/drawing/2010/main" val="0"/>
               </a:ext>
             </a:extLst>
           </a:blip>
@@ -40507,7 +40458,7 @@
     </p:spTree>
     <p:extLst>
       <p:ext uri="{BB962C8B-B14F-4D97-AF65-F5344CB8AC3E}">
-        <p14:creationId xmlns:p14="http://schemas.microsoft.com/office/powerpoint/2010/main" val="4028982096"/>
+        <p14:creationId xmlns="" xmlns:p14="http://schemas.microsoft.com/office/powerpoint/2010/main" val="4028982096"/>
       </p:ext>
     </p:extLst>
   </p:cSld>
@@ -40686,10 +40637,10 @@
           <p:nvPr/>
         </p:nvPicPr>
         <p:blipFill>
-          <a:blip r:embed="rId2">
+          <a:blip r:embed="rId2" cstate="print">
             <a:extLst>
               <a:ext uri="{28A0092B-C50C-407E-A947-70E740481C1C}">
-                <a14:useLocalDpi xmlns:a14="http://schemas.microsoft.com/office/drawing/2010/main" val="0"/>
+                <a14:useLocalDpi xmlns="" xmlns:a14="http://schemas.microsoft.com/office/drawing/2010/main" val="0"/>
               </a:ext>
             </a:extLst>
           </a:blip>
@@ -40957,10 +40908,10 @@
           <p:nvPr/>
         </p:nvPicPr>
         <p:blipFill>
-          <a:blip r:embed="rId3">
+          <a:blip r:embed="rId3" cstate="print">
             <a:extLst>
               <a:ext uri="{28A0092B-C50C-407E-A947-70E740481C1C}">
-                <a14:useLocalDpi xmlns:a14="http://schemas.microsoft.com/office/drawing/2010/main" val="0"/>
+                <a14:useLocalDpi xmlns="" xmlns:a14="http://schemas.microsoft.com/office/drawing/2010/main" val="0"/>
               </a:ext>
             </a:extLst>
           </a:blip>
@@ -40980,7 +40931,7 @@
           <a:noFill/>
           <a:extLst>
             <a:ext uri="{909E8E84-426E-40DD-AFC4-6F175D3DCCD1}">
-              <a14:hiddenFill xmlns:a14="http://schemas.microsoft.com/office/drawing/2010/main">
+              <a14:hiddenFill xmlns="" xmlns:a14="http://schemas.microsoft.com/office/drawing/2010/main">
                 <a:solidFill>
                   <a:srgbClr val="FFFFFF"/>
                 </a:solidFill>
@@ -40998,10 +40949,10 @@
           <p:nvPr/>
         </p:nvPicPr>
         <p:blipFill>
-          <a:blip r:embed="rId4">
+          <a:blip r:embed="rId4" cstate="print">
             <a:extLst>
               <a:ext uri="{28A0092B-C50C-407E-A947-70E740481C1C}">
-                <a14:useLocalDpi xmlns:a14="http://schemas.microsoft.com/office/drawing/2010/main" val="0"/>
+                <a14:useLocalDpi xmlns="" xmlns:a14="http://schemas.microsoft.com/office/drawing/2010/main" val="0"/>
               </a:ext>
             </a:extLst>
           </a:blip>
@@ -41021,7 +40972,7 @@
           <a:noFill/>
           <a:extLst>
             <a:ext uri="{909E8E84-426E-40DD-AFC4-6F175D3DCCD1}">
-              <a14:hiddenFill xmlns:a14="http://schemas.microsoft.com/office/drawing/2010/main">
+              <a14:hiddenFill xmlns="" xmlns:a14="http://schemas.microsoft.com/office/drawing/2010/main">
                 <a:solidFill>
                   <a:srgbClr val="FFFFFF"/>
                 </a:solidFill>
@@ -41117,7 +41068,7 @@
     </p:spTree>
     <p:extLst>
       <p:ext uri="{BB962C8B-B14F-4D97-AF65-F5344CB8AC3E}">
-        <p14:creationId xmlns:p14="http://schemas.microsoft.com/office/powerpoint/2010/main" val="914722044"/>
+        <p14:creationId xmlns="" xmlns:p14="http://schemas.microsoft.com/office/powerpoint/2010/main" val="914722044"/>
       </p:ext>
     </p:extLst>
   </p:cSld>
